--- a/NonToxic_Communication.pptx
+++ b/NonToxic_Communication.pptx
@@ -5,21 +5,24 @@
     <p:sldMasterId id="2147483648" r:id="rId4"/>
   </p:sldMasterIdLst>
   <p:notesMasterIdLst>
-    <p:notesMasterId r:id="rId14"/>
+    <p:notesMasterId r:id="rId17"/>
   </p:notesMasterIdLst>
   <p:handoutMasterIdLst>
-    <p:handoutMasterId r:id="rId15"/>
+    <p:handoutMasterId r:id="rId18"/>
   </p:handoutMasterIdLst>
   <p:sldIdLst>
     <p:sldId id="2596" r:id="rId5"/>
     <p:sldId id="2584" r:id="rId6"/>
     <p:sldId id="2565" r:id="rId7"/>
     <p:sldId id="2601" r:id="rId8"/>
-    <p:sldId id="2567" r:id="rId9"/>
-    <p:sldId id="2598" r:id="rId10"/>
-    <p:sldId id="2555" r:id="rId11"/>
-    <p:sldId id="2571" r:id="rId12"/>
-    <p:sldId id="2581" r:id="rId13"/>
+    <p:sldId id="2604" r:id="rId9"/>
+    <p:sldId id="2567" r:id="rId10"/>
+    <p:sldId id="2598" r:id="rId11"/>
+    <p:sldId id="2603" r:id="rId12"/>
+    <p:sldId id="2571" r:id="rId13"/>
+    <p:sldId id="2581" r:id="rId14"/>
+    <p:sldId id="2555" r:id="rId15"/>
+    <p:sldId id="2602" r:id="rId16"/>
   </p:sldIdLst>
   <p:sldSz cx="12192000" cy="6858000"/>
   <p:notesSz cx="6858000" cy="9144000"/>
@@ -240,7 +243,7 @@
           <a:p>
             <a:fld id="{0248B25D-8766-427E-8C9E-4845048D8DFC}" type="datetimeFigureOut">
               <a:rPr lang="en-US" smtClean="0"/>
-              <a:t>6/15/2020</a:t>
+              <a:t>6/17/2020</a:t>
             </a:fld>
             <a:endParaRPr lang="en-US" dirty="0"/>
           </a:p>
@@ -417,7 +420,7 @@
           <a:p>
             <a:fld id="{426F439B-391B-4B41-826A-951FCF412C34}" type="datetimeFigureOut">
               <a:rPr lang="en-US" smtClean="0"/>
-              <a:t>6/15/2020</a:t>
+              <a:t>6/17/2020</a:t>
             </a:fld>
             <a:endParaRPr lang="en-US" dirty="0"/>
           </a:p>
@@ -10496,7 +10499,7 @@
             </a:ln>
             <a:extLst>
               <a:ext uri="{C572A759-6A51-4108-AA02-DFA0A04FC94B}">
-                <ma14:wrappingTextBoxFlag xmlns:ma14="http://schemas.microsoft.com/office/mac/drawingml/2011/main" xmlns="" val="1"/>
+                <ma14:wrappingTextBoxFlag xmlns="" xmlns:ma14="http://schemas.microsoft.com/office/mac/drawingml/2011/main" val="1"/>
               </a:ext>
             </a:extLst>
           </p:spPr>
@@ -10732,7 +10735,7 @@
             </a:ln>
             <a:extLst>
               <a:ext uri="{C572A759-6A51-4108-AA02-DFA0A04FC94B}">
-                <ma14:wrappingTextBoxFlag xmlns:ma14="http://schemas.microsoft.com/office/mac/drawingml/2011/main" xmlns="" val="1"/>
+                <ma14:wrappingTextBoxFlag xmlns="" xmlns:ma14="http://schemas.microsoft.com/office/mac/drawingml/2011/main" val="1"/>
               </a:ext>
             </a:extLst>
           </p:spPr>
@@ -10968,7 +10971,7 @@
             </a:ln>
             <a:extLst>
               <a:ext uri="{C572A759-6A51-4108-AA02-DFA0A04FC94B}">
-                <ma14:wrappingTextBoxFlag xmlns:ma14="http://schemas.microsoft.com/office/mac/drawingml/2011/main" xmlns="" val="1"/>
+                <ma14:wrappingTextBoxFlag xmlns="" xmlns:ma14="http://schemas.microsoft.com/office/mac/drawingml/2011/main" val="1"/>
               </a:ext>
             </a:extLst>
           </p:spPr>
@@ -21358,6 +21361,453 @@
 </p:sld>
 </file>
 
+<file path=ppt/slides/slide10.xml><?xml version="1.0" encoding="utf-8"?>
+<p:sld xmlns:a="http://schemas.openxmlformats.org/drawingml/2006/main" xmlns:r="http://schemas.openxmlformats.org/officeDocument/2006/relationships" xmlns:p="http://schemas.openxmlformats.org/presentationml/2006/main">
+  <p:cSld>
+    <p:spTree>
+      <p:nvGrpSpPr>
+        <p:cNvPr id="1" name=""/>
+        <p:cNvGrpSpPr/>
+        <p:nvPr/>
+      </p:nvGrpSpPr>
+      <p:grpSpPr>
+        <a:xfrm>
+          <a:off x="0" y="0"/>
+          <a:ext cx="0" cy="0"/>
+          <a:chOff x="0" y="0"/>
+          <a:chExt cx="0" cy="0"/>
+        </a:xfrm>
+      </p:grpSpPr>
+      <p:pic>
+        <p:nvPicPr>
+          <p:cNvPr id="14" name="Picture Placeholder 13">
+            <a:extLst>
+              <a:ext uri="{FF2B5EF4-FFF2-40B4-BE49-F238E27FC236}">
+                <a16:creationId xmlns:a16="http://schemas.microsoft.com/office/drawing/2014/main" id="{D81EF999-A884-4768-A0F6-4A5244B24ED1}"/>
+              </a:ext>
+              <a:ext uri="{C183D7F6-B498-43B3-948B-1728B52AA6E4}">
+                <adec:decorative xmlns:adec="http://schemas.microsoft.com/office/drawing/2017/decorative" val="1"/>
+              </a:ext>
+            </a:extLst>
+          </p:cNvPr>
+          <p:cNvPicPr>
+            <a:picLocks noGrp="1" noChangeAspect="1"/>
+          </p:cNvPicPr>
+          <p:nvPr>
+            <p:ph type="pic" sz="quarter" idx="10"/>
+          </p:nvPr>
+        </p:nvPicPr>
+        <p:blipFill rotWithShape="1">
+          <a:blip r:embed="rId2" cstate="email">
+            <a:extLst>
+              <a:ext uri="{28A0092B-C50C-407E-A947-70E740481C1C}">
+                <a14:useLocalDpi xmlns:a14="http://schemas.microsoft.com/office/drawing/2010/main"/>
+              </a:ext>
+            </a:extLst>
+          </a:blip>
+          <a:srcRect/>
+          <a:stretch/>
+        </p:blipFill>
+        <p:spPr>
+          <a:xfrm flipH="1">
+            <a:off x="212725" y="1260389"/>
+            <a:ext cx="2816352" cy="3173816"/>
+          </a:xfrm>
+        </p:spPr>
+      </p:pic>
+      <p:pic>
+        <p:nvPicPr>
+          <p:cNvPr id="36" name="Picture Placeholder 35">
+            <a:extLst>
+              <a:ext uri="{FF2B5EF4-FFF2-40B4-BE49-F238E27FC236}">
+                <a16:creationId xmlns:a16="http://schemas.microsoft.com/office/drawing/2014/main" id="{6CBE990D-619E-4EC3-8E3B-3235FF40870D}"/>
+              </a:ext>
+              <a:ext uri="{C183D7F6-B498-43B3-948B-1728B52AA6E4}">
+                <adec:decorative xmlns:adec="http://schemas.microsoft.com/office/drawing/2017/decorative" val="1"/>
+              </a:ext>
+            </a:extLst>
+          </p:cNvPr>
+          <p:cNvPicPr>
+            <a:picLocks noGrp="1" noChangeAspect="1"/>
+          </p:cNvPicPr>
+          <p:nvPr>
+            <p:ph type="pic" sz="quarter" idx="12"/>
+          </p:nvPr>
+        </p:nvPicPr>
+        <p:blipFill rotWithShape="1">
+          <a:blip r:embed="rId3" cstate="email">
+            <a:extLst>
+              <a:ext uri="{28A0092B-C50C-407E-A947-70E740481C1C}">
+                <a14:useLocalDpi xmlns:a14="http://schemas.microsoft.com/office/drawing/2010/main"/>
+              </a:ext>
+            </a:extLst>
+          </a:blip>
+          <a:srcRect/>
+          <a:stretch/>
+        </p:blipFill>
+        <p:spPr/>
+      </p:pic>
+      <p:pic>
+        <p:nvPicPr>
+          <p:cNvPr id="45" name="Picture Placeholder 13" descr="3 ladies in discussion" title="Decorative">
+            <a:extLst>
+              <a:ext uri="{FF2B5EF4-FFF2-40B4-BE49-F238E27FC236}">
+                <a16:creationId xmlns:a16="http://schemas.microsoft.com/office/drawing/2014/main" id="{15E558B1-9F51-4146-A449-BF38892A8453}"/>
+              </a:ext>
+              <a:ext uri="{C183D7F6-B498-43B3-948B-1728B52AA6E4}">
+                <adec:decorative xmlns:adec="http://schemas.microsoft.com/office/drawing/2017/decorative" val="0"/>
+              </a:ext>
+            </a:extLst>
+          </p:cNvPr>
+          <p:cNvPicPr>
+            <a:picLocks noGrp="1" noChangeAspect="1"/>
+          </p:cNvPicPr>
+          <p:nvPr>
+            <p:ph type="pic" sz="quarter" idx="13"/>
+          </p:nvPr>
+        </p:nvPicPr>
+        <p:blipFill>
+          <a:blip r:embed="rId4" cstate="email">
+            <a:extLst>
+              <a:ext uri="{28A0092B-C50C-407E-A947-70E740481C1C}">
+                <a14:useLocalDpi xmlns:a14="http://schemas.microsoft.com/office/drawing/2010/main"/>
+              </a:ext>
+            </a:extLst>
+          </a:blip>
+          <a:srcRect/>
+          <a:stretch>
+            <a:fillRect/>
+          </a:stretch>
+        </p:blipFill>
+        <p:spPr>
+          <a:xfrm flipH="1">
+            <a:off x="6179737" y="4586414"/>
+            <a:ext cx="2817564" cy="2271585"/>
+          </a:xfrm>
+        </p:spPr>
+      </p:pic>
+      <p:sp>
+        <p:nvSpPr>
+          <p:cNvPr id="54" name="Title 53" hidden="1">
+            <a:extLst>
+              <a:ext uri="{FF2B5EF4-FFF2-40B4-BE49-F238E27FC236}">
+                <a16:creationId xmlns:a16="http://schemas.microsoft.com/office/drawing/2014/main" id="{4C6A162B-A7A0-49BC-B7CB-0A66DC41715E}"/>
+              </a:ext>
+            </a:extLst>
+          </p:cNvPr>
+          <p:cNvSpPr>
+            <a:spLocks noGrp="1"/>
+          </p:cNvSpPr>
+          <p:nvPr>
+            <p:ph type="title" idx="4294967295"/>
+          </p:nvPr>
+        </p:nvSpPr>
+        <p:spPr>
+          <a:xfrm>
+            <a:off x="0" y="-571500"/>
+            <a:ext cx="10515600" cy="555625"/>
+          </a:xfrm>
+        </p:spPr>
+        <p:txBody>
+          <a:bodyPr>
+            <a:normAutofit/>
+          </a:bodyPr>
+          <a:lstStyle/>
+          <a:p>
+            <a:r>
+              <a:rPr lang="en-US" sz="2000" dirty="0">
+                <a:solidFill>
+                  <a:schemeClr val="bg1">
+                    <a:lumMod val="85000"/>
+                  </a:schemeClr>
+                </a:solidFill>
+              </a:rPr>
+              <a:t>Photo Collage</a:t>
+            </a:r>
+          </a:p>
+        </p:txBody>
+      </p:sp>
+      <p:pic>
+        <p:nvPicPr>
+          <p:cNvPr id="13" name="Picture Placeholder 5">
+            <a:extLst>
+              <a:ext uri="{FF2B5EF4-FFF2-40B4-BE49-F238E27FC236}">
+                <a16:creationId xmlns:a16="http://schemas.microsoft.com/office/drawing/2014/main" id="{C1F0D4FA-A491-4D35-84B8-333978500F59}"/>
+              </a:ext>
+              <a:ext uri="{C183D7F6-B498-43B3-948B-1728B52AA6E4}">
+                <adec:decorative xmlns:adec="http://schemas.microsoft.com/office/drawing/2017/decorative" val="1"/>
+              </a:ext>
+            </a:extLst>
+          </p:cNvPr>
+          <p:cNvPicPr>
+            <a:picLocks noGrp="1" noChangeAspect="1"/>
+          </p:cNvPicPr>
+          <p:nvPr>
+            <p:ph type="pic" sz="quarter" idx="14"/>
+          </p:nvPr>
+        </p:nvPicPr>
+        <p:blipFill rotWithShape="1">
+          <a:blip r:embed="rId5" cstate="email">
+            <a:extLst>
+              <a:ext uri="{28A0092B-C50C-407E-A947-70E740481C1C}">
+                <a14:useLocalDpi xmlns:a14="http://schemas.microsoft.com/office/drawing/2010/main"/>
+              </a:ext>
+            </a:extLst>
+          </a:blip>
+          <a:srcRect/>
+          <a:stretch/>
+        </p:blipFill>
+        <p:spPr>
+          <a:xfrm flipH="1">
+            <a:off x="6177889" y="2030436"/>
+            <a:ext cx="2817564" cy="2403769"/>
+          </a:xfrm>
+        </p:spPr>
+      </p:pic>
+      <p:sp>
+        <p:nvSpPr>
+          <p:cNvPr id="6" name="TextBox 5">
+            <a:extLst>
+              <a:ext uri="{FF2B5EF4-FFF2-40B4-BE49-F238E27FC236}">
+                <a16:creationId xmlns:a16="http://schemas.microsoft.com/office/drawing/2014/main" id="{4E4C247D-5293-4C30-AAAB-8E37F11C9B8F}"/>
+              </a:ext>
+            </a:extLst>
+          </p:cNvPr>
+          <p:cNvSpPr txBox="1"/>
+          <p:nvPr/>
+        </p:nvSpPr>
+        <p:spPr>
+          <a:xfrm>
+            <a:off x="3238910" y="2030436"/>
+            <a:ext cx="2729145" cy="830997"/>
+          </a:xfrm>
+          <a:prstGeom prst="rect">
+            <a:avLst/>
+          </a:prstGeom>
+          <a:noFill/>
+        </p:spPr>
+        <p:txBody>
+          <a:bodyPr wrap="none" rtlCol="0">
+            <a:spAutoFit/>
+          </a:bodyPr>
+          <a:lstStyle/>
+          <a:p>
+            <a:r>
+              <a:rPr lang="en-US" sz="4800" dirty="0"/>
+              <a:t>Thank you</a:t>
+            </a:r>
+          </a:p>
+        </p:txBody>
+      </p:sp>
+    </p:spTree>
+    <p:extLst>
+      <p:ext uri="{BB962C8B-B14F-4D97-AF65-F5344CB8AC3E}">
+        <p14:creationId xmlns:p14="http://schemas.microsoft.com/office/powerpoint/2010/main" val="1250005957"/>
+      </p:ext>
+    </p:extLst>
+  </p:cSld>
+  <p:clrMapOvr>
+    <a:masterClrMapping/>
+  </p:clrMapOvr>
+</p:sld>
+</file>
+
+<file path=ppt/slides/slide11.xml><?xml version="1.0" encoding="utf-8"?>
+<p:sld xmlns:a="http://schemas.openxmlformats.org/drawingml/2006/main" xmlns:r="http://schemas.openxmlformats.org/officeDocument/2006/relationships" xmlns:p="http://schemas.openxmlformats.org/presentationml/2006/main">
+  <p:cSld>
+    <p:spTree>
+      <p:nvGrpSpPr>
+        <p:cNvPr id="1" name=""/>
+        <p:cNvGrpSpPr/>
+        <p:nvPr/>
+      </p:nvGrpSpPr>
+      <p:grpSpPr>
+        <a:xfrm>
+          <a:off x="0" y="0"/>
+          <a:ext cx="0" cy="0"/>
+          <a:chOff x="0" y="0"/>
+          <a:chExt cx="0" cy="0"/>
+        </a:xfrm>
+      </p:grpSpPr>
+      <p:sp>
+        <p:nvSpPr>
+          <p:cNvPr id="4" name="Title 3">
+            <a:extLst>
+              <a:ext uri="{FF2B5EF4-FFF2-40B4-BE49-F238E27FC236}">
+                <a16:creationId xmlns:a16="http://schemas.microsoft.com/office/drawing/2014/main" id="{997EAB6E-5FFF-4923-BC7F-D2C71AD246DB}"/>
+              </a:ext>
+            </a:extLst>
+          </p:cNvPr>
+          <p:cNvSpPr>
+            <a:spLocks noGrp="1"/>
+          </p:cNvSpPr>
+          <p:nvPr>
+            <p:ph type="title"/>
+          </p:nvPr>
+        </p:nvSpPr>
+        <p:spPr/>
+        <p:txBody>
+          <a:bodyPr>
+            <a:normAutofit/>
+          </a:bodyPr>
+          <a:lstStyle/>
+          <a:p>
+            <a:r>
+              <a:rPr lang="en-US" dirty="0"/>
+              <a:t>Appendix:</a:t>
+            </a:r>
+          </a:p>
+        </p:txBody>
+      </p:sp>
+      <p:pic>
+        <p:nvPicPr>
+          <p:cNvPr id="6" name="Picture Placeholder 8" title="Decorative">
+            <a:extLst>
+              <a:ext uri="{FF2B5EF4-FFF2-40B4-BE49-F238E27FC236}">
+                <a16:creationId xmlns:a16="http://schemas.microsoft.com/office/drawing/2014/main" id="{12CA7E11-5B3B-41CE-8985-8282F7F493A8}"/>
+              </a:ext>
+            </a:extLst>
+          </p:cNvPr>
+          <p:cNvPicPr>
+            <a:picLocks noChangeAspect="1"/>
+          </p:cNvPicPr>
+          <p:nvPr/>
+        </p:nvPicPr>
+        <p:blipFill>
+          <a:blip r:embed="rId2" cstate="email">
+            <a:extLst>
+              <a:ext uri="{28A0092B-C50C-407E-A947-70E740481C1C}">
+                <a14:useLocalDpi xmlns:a14="http://schemas.microsoft.com/office/drawing/2010/main"/>
+              </a:ext>
+            </a:extLst>
+          </a:blip>
+          <a:srcRect/>
+          <a:stretch>
+            <a:fillRect/>
+          </a:stretch>
+        </p:blipFill>
+        <p:spPr>
+          <a:xfrm>
+            <a:off x="6958954" y="2591144"/>
+            <a:ext cx="3523423" cy="3206186"/>
+          </a:xfrm>
+          <a:prstGeom prst="rect">
+            <a:avLst/>
+          </a:prstGeom>
+        </p:spPr>
+      </p:pic>
+    </p:spTree>
+    <p:extLst>
+      <p:ext uri="{BB962C8B-B14F-4D97-AF65-F5344CB8AC3E}">
+        <p14:creationId xmlns:p14="http://schemas.microsoft.com/office/powerpoint/2010/main" val="660194915"/>
+      </p:ext>
+    </p:extLst>
+  </p:cSld>
+  <p:clrMapOvr>
+    <a:masterClrMapping/>
+  </p:clrMapOvr>
+</p:sld>
+</file>
+
+<file path=ppt/slides/slide12.xml><?xml version="1.0" encoding="utf-8"?>
+<p:sld xmlns:a="http://schemas.openxmlformats.org/drawingml/2006/main" xmlns:r="http://schemas.openxmlformats.org/officeDocument/2006/relationships" xmlns:p="http://schemas.openxmlformats.org/presentationml/2006/main">
+  <p:cSld>
+    <p:spTree>
+      <p:nvGrpSpPr>
+        <p:cNvPr id="1" name=""/>
+        <p:cNvGrpSpPr/>
+        <p:nvPr/>
+      </p:nvGrpSpPr>
+      <p:grpSpPr>
+        <a:xfrm>
+          <a:off x="0" y="0"/>
+          <a:ext cx="0" cy="0"/>
+          <a:chOff x="0" y="0"/>
+          <a:chExt cx="0" cy="0"/>
+        </a:xfrm>
+      </p:grpSpPr>
+      <p:pic>
+        <p:nvPicPr>
+          <p:cNvPr id="4" name="Picture 3">
+            <a:extLst>
+              <a:ext uri="{FF2B5EF4-FFF2-40B4-BE49-F238E27FC236}">
+                <a16:creationId xmlns:a16="http://schemas.microsoft.com/office/drawing/2014/main" id="{2A3DE1EA-1353-4895-9B56-3F87CDB1AF17}"/>
+              </a:ext>
+            </a:extLst>
+          </p:cNvPr>
+          <p:cNvPicPr>
+            <a:picLocks noChangeAspect="1"/>
+          </p:cNvPicPr>
+          <p:nvPr/>
+        </p:nvPicPr>
+        <p:blipFill>
+          <a:blip r:embed="rId2"/>
+          <a:stretch>
+            <a:fillRect/>
+          </a:stretch>
+        </p:blipFill>
+        <p:spPr>
+          <a:xfrm>
+            <a:off x="6545760" y="1827803"/>
+            <a:ext cx="3577953" cy="2804751"/>
+          </a:xfrm>
+          <a:prstGeom prst="rect">
+            <a:avLst/>
+          </a:prstGeom>
+        </p:spPr>
+      </p:pic>
+      <p:sp>
+        <p:nvSpPr>
+          <p:cNvPr id="5" name="TextBox 4">
+            <a:extLst>
+              <a:ext uri="{FF2B5EF4-FFF2-40B4-BE49-F238E27FC236}">
+                <a16:creationId xmlns:a16="http://schemas.microsoft.com/office/drawing/2014/main" id="{47F5AA85-3323-4102-A946-D284FF5C5BE8}"/>
+              </a:ext>
+            </a:extLst>
+          </p:cNvPr>
+          <p:cNvSpPr txBox="1"/>
+          <p:nvPr/>
+        </p:nvSpPr>
+        <p:spPr>
+          <a:xfrm>
+            <a:off x="653143" y="2032907"/>
+            <a:ext cx="3755571" cy="1569660"/>
+          </a:xfrm>
+          <a:prstGeom prst="rect">
+            <a:avLst/>
+          </a:prstGeom>
+          <a:noFill/>
+        </p:spPr>
+        <p:txBody>
+          <a:bodyPr wrap="square" rtlCol="0">
+            <a:spAutoFit/>
+          </a:bodyPr>
+          <a:lstStyle/>
+          <a:p>
+            <a:r>
+              <a:rPr lang="en-US" sz="9600" dirty="0">
+                <a:solidFill>
+                  <a:schemeClr val="bg1"/>
+                </a:solidFill>
+              </a:rPr>
+              <a:t>LSTM</a:t>
+            </a:r>
+          </a:p>
+        </p:txBody>
+      </p:sp>
+    </p:spTree>
+    <p:extLst>
+      <p:ext uri="{BB962C8B-B14F-4D97-AF65-F5344CB8AC3E}">
+        <p14:creationId xmlns:p14="http://schemas.microsoft.com/office/powerpoint/2010/main" val="4171130381"/>
+      </p:ext>
+    </p:extLst>
+  </p:cSld>
+  <p:clrMapOvr>
+    <a:masterClrMapping/>
+  </p:clrMapOvr>
+</p:sld>
+</file>
+
 <file path=ppt/slides/slide2.xml><?xml version="1.0" encoding="utf-8"?>
 <p:sld xmlns:a="http://schemas.openxmlformats.org/drawingml/2006/main" xmlns:r="http://schemas.openxmlformats.org/officeDocument/2006/relationships" xmlns:p="http://schemas.openxmlformats.org/presentationml/2006/main">
   <p:cSld>
@@ -21731,52 +22181,6 @@
           </a:solidFill>
         </p:spPr>
       </p:pic>
-      <p:pic>
-        <p:nvPicPr>
-          <p:cNvPr id="13" name="Picture 12">
-            <a:extLst>
-              <a:ext uri="{FF2B5EF4-FFF2-40B4-BE49-F238E27FC236}">
-                <a16:creationId xmlns:a16="http://schemas.microsoft.com/office/drawing/2014/main" id="{2475CA3B-0941-4971-812C-8D723914FD12}"/>
-              </a:ext>
-            </a:extLst>
-          </p:cNvPr>
-          <p:cNvPicPr>
-            <a:picLocks noChangeAspect="1"/>
-          </p:cNvPicPr>
-          <p:nvPr/>
-        </p:nvPicPr>
-        <p:blipFill>
-          <a:blip r:embed="rId5">
-            <a:extLst>
-              <a:ext uri="{BEBA8EAE-BF5A-486C-A8C5-ECC9F3942E4B}">
-                <a14:imgProps xmlns:a14="http://schemas.microsoft.com/office/drawing/2010/main">
-                  <a14:imgLayer r:embed="rId6">
-                    <a14:imgEffect>
-                      <a14:sharpenSoften amount="50000"/>
-                    </a14:imgEffect>
-                    <a14:imgEffect>
-                      <a14:saturation sat="66000"/>
-                    </a14:imgEffect>
-                  </a14:imgLayer>
-                </a14:imgProps>
-              </a:ext>
-            </a:extLst>
-          </a:blip>
-          <a:stretch>
-            <a:fillRect/>
-          </a:stretch>
-        </p:blipFill>
-        <p:spPr>
-          <a:xfrm>
-            <a:off x="7661583" y="3494315"/>
-            <a:ext cx="4233023" cy="3111270"/>
-          </a:xfrm>
-          <a:prstGeom prst="rect">
-            <a:avLst/>
-          </a:prstGeom>
-          <a:noFill/>
-        </p:spPr>
-      </p:pic>
       <p:sp>
         <p:nvSpPr>
           <p:cNvPr id="6" name="Oval 5">
@@ -21829,6 +22233,48 @@
           </a:p>
         </p:txBody>
       </p:sp>
+      <p:pic>
+        <p:nvPicPr>
+          <p:cNvPr id="2" name="Picture 1">
+            <a:extLst>
+              <a:ext uri="{FF2B5EF4-FFF2-40B4-BE49-F238E27FC236}">
+                <a16:creationId xmlns:a16="http://schemas.microsoft.com/office/drawing/2014/main" id="{BB76336A-9A81-4B14-A456-24A0844BE978}"/>
+              </a:ext>
+            </a:extLst>
+          </p:cNvPr>
+          <p:cNvPicPr>
+            <a:picLocks noChangeAspect="1"/>
+          </p:cNvPicPr>
+          <p:nvPr/>
+        </p:nvPicPr>
+        <p:blipFill>
+          <a:blip r:embed="rId5">
+            <a:extLst>
+              <a:ext uri="{BEBA8EAE-BF5A-486C-A8C5-ECC9F3942E4B}">
+                <a14:imgProps xmlns:a14="http://schemas.microsoft.com/office/drawing/2010/main">
+                  <a14:imgLayer r:embed="rId6">
+                    <a14:imgEffect>
+                      <a14:saturation sat="66000"/>
+                    </a14:imgEffect>
+                  </a14:imgLayer>
+                </a14:imgProps>
+              </a:ext>
+            </a:extLst>
+          </a:blip>
+          <a:stretch>
+            <a:fillRect/>
+          </a:stretch>
+        </p:blipFill>
+        <p:spPr>
+          <a:xfrm>
+            <a:off x="7599905" y="3494316"/>
+            <a:ext cx="4017115" cy="2904093"/>
+          </a:xfrm>
+          <a:prstGeom prst="rect">
+            <a:avLst/>
+          </a:prstGeom>
+        </p:spPr>
+      </p:pic>
       <p:sp>
         <p:nvSpPr>
           <p:cNvPr id="14" name="Arrow: Striped Right 13">
@@ -21843,15 +22289,15 @@
         </p:nvSpPr>
         <p:spPr>
           <a:xfrm>
-            <a:off x="4530418" y="5496560"/>
-            <a:ext cx="2944810" cy="812800"/>
+            <a:off x="4530417" y="5265964"/>
+            <a:ext cx="3388940" cy="1043396"/>
           </a:xfrm>
           <a:prstGeom prst="stripedRightArrow">
             <a:avLst/>
           </a:prstGeom>
           <a:solidFill>
             <a:srgbClr val="00CC00">
-              <a:alpha val="45000"/>
+              <a:alpha val="26000"/>
             </a:srgbClr>
           </a:solidFill>
           <a:ln>
@@ -21948,10 +22394,10 @@
       </p:pic>
       <p:pic>
         <p:nvPicPr>
-          <p:cNvPr id="6" name="Picture 5">
-            <a:extLst>
-              <a:ext uri="{FF2B5EF4-FFF2-40B4-BE49-F238E27FC236}">
-                <a16:creationId xmlns:a16="http://schemas.microsoft.com/office/drawing/2014/main" id="{C5CCD369-7342-4B3F-B31C-0B864091F060}"/>
+          <p:cNvPr id="12" name="Graphic 11" descr="Magnifying glass">
+            <a:extLst>
+              <a:ext uri="{FF2B5EF4-FFF2-40B4-BE49-F238E27FC236}">
+                <a16:creationId xmlns:a16="http://schemas.microsoft.com/office/drawing/2014/main" id="{FEBE4C0A-EFEF-4B17-82E4-266CB2D352C7}"/>
               </a:ext>
             </a:extLst>
           </p:cNvPr>
@@ -21962,7 +22408,11 @@
         </p:nvPicPr>
         <p:blipFill>
           <a:blip r:embed="rId3">
-            <a:alphaModFix amt="87000"/>
+            <a:extLst>
+              <a:ext uri="{96DAC541-7B7A-43D3-8B79-37D633B846F1}">
+                <asvg:svgBlip xmlns:asvg="http://schemas.microsoft.com/office/drawing/2016/SVG/main" r:embed="rId4"/>
+              </a:ext>
+            </a:extLst>
           </a:blip>
           <a:stretch>
             <a:fillRect/>
@@ -21970,20 +22420,61 @@
         </p:blipFill>
         <p:spPr>
           <a:xfrm>
-            <a:off x="3226546" y="1882493"/>
-            <a:ext cx="3808348" cy="1690945"/>
+            <a:off x="1101305" y="2736373"/>
+            <a:ext cx="1312932" cy="1312932"/>
           </a:xfrm>
           <a:prstGeom prst="rect">
             <a:avLst/>
           </a:prstGeom>
         </p:spPr>
       </p:pic>
+      <p:sp>
+        <p:nvSpPr>
+          <p:cNvPr id="13" name="TextBox 12">
+            <a:extLst>
+              <a:ext uri="{FF2B5EF4-FFF2-40B4-BE49-F238E27FC236}">
+                <a16:creationId xmlns:a16="http://schemas.microsoft.com/office/drawing/2014/main" id="{5E7EF3B7-CB35-4C6F-AAE8-F22E0DC39D22}"/>
+              </a:ext>
+            </a:extLst>
+          </p:cNvPr>
+          <p:cNvSpPr txBox="1"/>
+          <p:nvPr/>
+        </p:nvSpPr>
+        <p:spPr>
+          <a:xfrm>
+            <a:off x="6262008" y="4587361"/>
+            <a:ext cx="5333834" cy="523220"/>
+          </a:xfrm>
+          <a:prstGeom prst="rect">
+            <a:avLst/>
+          </a:prstGeom>
+          <a:noFill/>
+        </p:spPr>
+        <p:txBody>
+          <a:bodyPr wrap="square" rtlCol="0">
+            <a:spAutoFit/>
+          </a:bodyPr>
+          <a:lstStyle/>
+          <a:p>
+            <a:r>
+              <a:rPr lang="en-US" sz="2800" b="1" dirty="0">
+                <a:solidFill>
+                  <a:schemeClr val="accent4">
+                    <a:lumMod val="50000"/>
+                  </a:schemeClr>
+                </a:solidFill>
+              </a:rPr>
+              <a:t>No… focus more on the words…..</a:t>
+            </a:r>
+          </a:p>
+        </p:txBody>
+      </p:sp>
       <p:pic>
         <p:nvPicPr>
-          <p:cNvPr id="7" name="Picture 6">
-            <a:extLst>
-              <a:ext uri="{FF2B5EF4-FFF2-40B4-BE49-F238E27FC236}">
-                <a16:creationId xmlns:a16="http://schemas.microsoft.com/office/drawing/2014/main" id="{B40016AA-C0C7-4063-B94C-4E46BC98FC44}"/>
+          <p:cNvPr id="8" name="Picture 7">
+            <a:extLst>
+              <a:ext uri="{FF2B5EF4-FFF2-40B4-BE49-F238E27FC236}">
+                <a16:creationId xmlns:a16="http://schemas.microsoft.com/office/drawing/2014/main" id="{48B45210-6D9D-4F24-B5A7-08C0615858BA}"/>
               </a:ext>
             </a:extLst>
           </p:cNvPr>
@@ -21993,87 +22484,21 @@
           <p:nvPr/>
         </p:nvPicPr>
         <p:blipFill>
-          <a:blip r:embed="rId4"/>
+          <a:blip r:embed="rId5"/>
           <a:stretch>
             <a:fillRect/>
           </a:stretch>
         </p:blipFill>
         <p:spPr>
           <a:xfrm>
-            <a:off x="7666465" y="1881673"/>
-            <a:ext cx="3840104" cy="1647309"/>
+            <a:off x="3003371" y="2025117"/>
+            <a:ext cx="9509759" cy="1422512"/>
           </a:xfrm>
           <a:prstGeom prst="rect">
             <a:avLst/>
           </a:prstGeom>
         </p:spPr>
       </p:pic>
-      <p:pic>
-        <p:nvPicPr>
-          <p:cNvPr id="12" name="Graphic 11" descr="Magnifying glass">
-            <a:extLst>
-              <a:ext uri="{FF2B5EF4-FFF2-40B4-BE49-F238E27FC236}">
-                <a16:creationId xmlns:a16="http://schemas.microsoft.com/office/drawing/2014/main" id="{FEBE4C0A-EFEF-4B17-82E4-266CB2D352C7}"/>
-              </a:ext>
-            </a:extLst>
-          </p:cNvPr>
-          <p:cNvPicPr>
-            <a:picLocks noChangeAspect="1"/>
-          </p:cNvPicPr>
-          <p:nvPr/>
-        </p:nvPicPr>
-        <p:blipFill>
-          <a:blip r:embed="rId5">
-            <a:extLst>
-              <a:ext uri="{96DAC541-7B7A-43D3-8B79-37D633B846F1}">
-                <asvg:svgBlip xmlns:asvg="http://schemas.microsoft.com/office/drawing/2016/SVG/main" r:embed="rId6"/>
-              </a:ext>
-            </a:extLst>
-          </a:blip>
-          <a:stretch>
-            <a:fillRect/>
-          </a:stretch>
-        </p:blipFill>
-        <p:spPr>
-          <a:xfrm>
-            <a:off x="1154284" y="2748407"/>
-            <a:ext cx="1312932" cy="1312932"/>
-          </a:xfrm>
-          <a:prstGeom prst="rect">
-            <a:avLst/>
-          </a:prstGeom>
-        </p:spPr>
-      </p:pic>
-      <p:pic>
-        <p:nvPicPr>
-          <p:cNvPr id="8" name="Picture 7">
-            <a:extLst>
-              <a:ext uri="{FF2B5EF4-FFF2-40B4-BE49-F238E27FC236}">
-                <a16:creationId xmlns:a16="http://schemas.microsoft.com/office/drawing/2014/main" id="{48B45210-6D9D-4F24-B5A7-08C0615858BA}"/>
-              </a:ext>
-            </a:extLst>
-          </p:cNvPr>
-          <p:cNvPicPr>
-            <a:picLocks noChangeAspect="1"/>
-          </p:cNvPicPr>
-          <p:nvPr/>
-        </p:nvPicPr>
-        <p:blipFill>
-          <a:blip r:embed="rId7"/>
-          <a:stretch>
-            <a:fillRect/>
-          </a:stretch>
-        </p:blipFill>
-        <p:spPr>
-          <a:xfrm>
-            <a:off x="3003371" y="2923358"/>
-            <a:ext cx="9509759" cy="1422512"/>
-          </a:xfrm>
-          <a:prstGeom prst="rect">
-            <a:avLst/>
-          </a:prstGeom>
-        </p:spPr>
-      </p:pic>
       <p:sp>
         <p:nvSpPr>
           <p:cNvPr id="3" name="Title 2">
@@ -22092,7 +22517,7 @@
         </p:nvSpPr>
         <p:spPr>
           <a:xfrm>
-            <a:off x="3094265" y="3502306"/>
+            <a:off x="3094265" y="2604065"/>
             <a:ext cx="9254670" cy="1796481"/>
           </a:xfrm>
         </p:spPr>
@@ -22110,47 +22535,6 @@
             <a:r>
               <a:rPr lang="en-US" dirty="0"/>
               <a:t>Are toxic comments longer than non-toxic?</a:t>
-            </a:r>
-          </a:p>
-        </p:txBody>
-      </p:sp>
-      <p:sp>
-        <p:nvSpPr>
-          <p:cNvPr id="13" name="TextBox 12">
-            <a:extLst>
-              <a:ext uri="{FF2B5EF4-FFF2-40B4-BE49-F238E27FC236}">
-                <a16:creationId xmlns:a16="http://schemas.microsoft.com/office/drawing/2014/main" id="{5E7EF3B7-CB35-4C6F-AAE8-F22E0DC39D22}"/>
-              </a:ext>
-            </a:extLst>
-          </p:cNvPr>
-          <p:cNvSpPr txBox="1"/>
-          <p:nvPr/>
-        </p:nvSpPr>
-        <p:spPr>
-          <a:xfrm>
-            <a:off x="7034894" y="5461908"/>
-            <a:ext cx="4969161" cy="523220"/>
-          </a:xfrm>
-          <a:prstGeom prst="rect">
-            <a:avLst/>
-          </a:prstGeom>
-          <a:noFill/>
-        </p:spPr>
-        <p:txBody>
-          <a:bodyPr wrap="square" rtlCol="0">
-            <a:spAutoFit/>
-          </a:bodyPr>
-          <a:lstStyle/>
-          <a:p>
-            <a:r>
-              <a:rPr lang="en-US" sz="2800" b="1" dirty="0">
-                <a:solidFill>
-                  <a:schemeClr val="accent4">
-                    <a:lumMod val="50000"/>
-                  </a:schemeClr>
-                </a:solidFill>
-              </a:rPr>
-              <a:t>No… focus more on the words…..</a:t>
             </a:r>
           </a:p>
         </p:txBody>
@@ -22187,10 +22571,76 @@
       </p:grpSpPr>
       <p:sp>
         <p:nvSpPr>
-          <p:cNvPr id="42" name="Rectangle 41">
-            <a:extLst>
-              <a:ext uri="{FF2B5EF4-FFF2-40B4-BE49-F238E27FC236}">
-                <a16:creationId xmlns:a16="http://schemas.microsoft.com/office/drawing/2014/main" id="{F08D5DF9-6AFE-42B7-9AFE-CD514925D6A7}"/>
+          <p:cNvPr id="2" name="Text Placeholder 1">
+            <a:extLst>
+              <a:ext uri="{FF2B5EF4-FFF2-40B4-BE49-F238E27FC236}">
+                <a16:creationId xmlns:a16="http://schemas.microsoft.com/office/drawing/2014/main" id="{D5BB3514-D74F-46CC-9747-042067545637}"/>
+              </a:ext>
+            </a:extLst>
+          </p:cNvPr>
+          <p:cNvSpPr>
+            <a:spLocks noGrp="1"/>
+          </p:cNvSpPr>
+          <p:nvPr>
+            <p:ph type="body" sz="quarter" idx="11"/>
+          </p:nvPr>
+        </p:nvSpPr>
+        <p:spPr>
+          <a:xfrm>
+            <a:off x="0" y="1838960"/>
+            <a:ext cx="12192000" cy="5019039"/>
+          </a:xfrm>
+        </p:spPr>
+        <p:txBody>
+          <a:bodyPr/>
+          <a:lstStyle/>
+          <a:p>
+            <a:r>
+              <a:rPr lang="en-US" dirty="0"/>
+              <a:t>Word Clouds display words in a collection. The larger the word, the more frequently used the word is.</a:t>
+            </a:r>
+          </a:p>
+        </p:txBody>
+      </p:sp>
+      <p:sp>
+        <p:nvSpPr>
+          <p:cNvPr id="3" name="Title 2">
+            <a:extLst>
+              <a:ext uri="{FF2B5EF4-FFF2-40B4-BE49-F238E27FC236}">
+                <a16:creationId xmlns:a16="http://schemas.microsoft.com/office/drawing/2014/main" id="{5ABB6330-9533-4E7E-A6D3-3267B6599BAC}"/>
+              </a:ext>
+            </a:extLst>
+          </p:cNvPr>
+          <p:cNvSpPr>
+            <a:spLocks noGrp="1"/>
+          </p:cNvSpPr>
+          <p:nvPr>
+            <p:ph type="title"/>
+          </p:nvPr>
+        </p:nvSpPr>
+        <p:spPr>
+          <a:xfrm>
+            <a:off x="500798" y="398428"/>
+            <a:ext cx="6435524" cy="1325563"/>
+          </a:xfrm>
+        </p:spPr>
+        <p:txBody>
+          <a:bodyPr/>
+          <a:lstStyle/>
+          <a:p>
+            <a:r>
+              <a:rPr lang="en-US" dirty="0"/>
+              <a:t>Examples:</a:t>
+            </a:r>
+          </a:p>
+        </p:txBody>
+      </p:sp>
+      <p:sp>
+        <p:nvSpPr>
+          <p:cNvPr id="11" name="Rectangle 10">
+            <a:extLst>
+              <a:ext uri="{FF2B5EF4-FFF2-40B4-BE49-F238E27FC236}">
+                <a16:creationId xmlns:a16="http://schemas.microsoft.com/office/drawing/2014/main" id="{E7E40AA9-7C87-4EBC-9387-8F49EF5F85BC}"/>
               </a:ext>
             </a:extLst>
           </p:cNvPr>
@@ -22199,8 +22649,412 @@
         </p:nvSpPr>
         <p:spPr>
           <a:xfrm>
-            <a:off x="9129335" y="720042"/>
-            <a:ext cx="216114" cy="969182"/>
+            <a:off x="367393" y="3282044"/>
+            <a:ext cx="5189165" cy="3510642"/>
+          </a:xfrm>
+          <a:prstGeom prst="rect">
+            <a:avLst/>
+          </a:prstGeom>
+          <a:solidFill>
+            <a:srgbClr val="FFFF99"/>
+          </a:solidFill>
+        </p:spPr>
+        <p:style>
+          <a:lnRef idx="2">
+            <a:schemeClr val="accent1">
+              <a:shade val="50000"/>
+            </a:schemeClr>
+          </a:lnRef>
+          <a:fillRef idx="1">
+            <a:schemeClr val="accent1"/>
+          </a:fillRef>
+          <a:effectRef idx="0">
+            <a:schemeClr val="accent1"/>
+          </a:effectRef>
+          <a:fontRef idx="minor">
+            <a:schemeClr val="lt1"/>
+          </a:fontRef>
+        </p:style>
+        <p:txBody>
+          <a:bodyPr rtlCol="0" anchor="ctr"/>
+          <a:lstStyle/>
+          <a:p>
+            <a:pPr algn="ctr"/>
+            <a:endParaRPr lang="en-US"/>
+          </a:p>
+        </p:txBody>
+      </p:sp>
+      <p:pic>
+        <p:nvPicPr>
+          <p:cNvPr id="10" name="Picture 9">
+            <a:extLst>
+              <a:ext uri="{FF2B5EF4-FFF2-40B4-BE49-F238E27FC236}">
+                <a16:creationId xmlns:a16="http://schemas.microsoft.com/office/drawing/2014/main" id="{FD804BAA-EEB5-4A6A-BCB1-6396D609CE4C}"/>
+              </a:ext>
+            </a:extLst>
+          </p:cNvPr>
+          <p:cNvPicPr>
+            <a:picLocks noChangeAspect="1"/>
+          </p:cNvPicPr>
+          <p:nvPr/>
+        </p:nvPicPr>
+        <p:blipFill>
+          <a:blip r:embed="rId2"/>
+          <a:stretch>
+            <a:fillRect/>
+          </a:stretch>
+        </p:blipFill>
+        <p:spPr>
+          <a:xfrm>
+            <a:off x="611662" y="3429000"/>
+            <a:ext cx="4700625" cy="2420822"/>
+          </a:xfrm>
+          <a:prstGeom prst="rect">
+            <a:avLst/>
+          </a:prstGeom>
+          <a:noFill/>
+        </p:spPr>
+      </p:pic>
+      <p:sp>
+        <p:nvSpPr>
+          <p:cNvPr id="12" name="Rectangle 11">
+            <a:extLst>
+              <a:ext uri="{FF2B5EF4-FFF2-40B4-BE49-F238E27FC236}">
+                <a16:creationId xmlns:a16="http://schemas.microsoft.com/office/drawing/2014/main" id="{1110259C-18E8-4B41-84E5-F6D8CC0B2A5E}"/>
+              </a:ext>
+            </a:extLst>
+          </p:cNvPr>
+          <p:cNvSpPr/>
+          <p:nvPr/>
+        </p:nvSpPr>
+        <p:spPr>
+          <a:xfrm>
+            <a:off x="6515100" y="3282044"/>
+            <a:ext cx="5065238" cy="3451844"/>
+          </a:xfrm>
+          <a:prstGeom prst="rect">
+            <a:avLst/>
+          </a:prstGeom>
+          <a:solidFill>
+            <a:srgbClr val="99FF99"/>
+          </a:solidFill>
+        </p:spPr>
+        <p:style>
+          <a:lnRef idx="2">
+            <a:schemeClr val="accent1">
+              <a:shade val="50000"/>
+            </a:schemeClr>
+          </a:lnRef>
+          <a:fillRef idx="1">
+            <a:schemeClr val="accent1"/>
+          </a:fillRef>
+          <a:effectRef idx="0">
+            <a:schemeClr val="accent1"/>
+          </a:effectRef>
+          <a:fontRef idx="minor">
+            <a:schemeClr val="lt1"/>
+          </a:fontRef>
+        </p:style>
+        <p:txBody>
+          <a:bodyPr rtlCol="0" anchor="ctr"/>
+          <a:lstStyle/>
+          <a:p>
+            <a:pPr algn="ctr"/>
+            <a:endParaRPr lang="en-US"/>
+          </a:p>
+        </p:txBody>
+      </p:sp>
+      <p:pic>
+        <p:nvPicPr>
+          <p:cNvPr id="7" name="Picture 6">
+            <a:extLst>
+              <a:ext uri="{FF2B5EF4-FFF2-40B4-BE49-F238E27FC236}">
+                <a16:creationId xmlns:a16="http://schemas.microsoft.com/office/drawing/2014/main" id="{7B6B0858-6668-41F6-AA03-BA51B1498DBF}"/>
+              </a:ext>
+            </a:extLst>
+          </p:cNvPr>
+          <p:cNvPicPr>
+            <a:picLocks noChangeAspect="1"/>
+          </p:cNvPicPr>
+          <p:nvPr/>
+        </p:nvPicPr>
+        <p:blipFill>
+          <a:blip r:embed="rId2"/>
+          <a:stretch>
+            <a:fillRect/>
+          </a:stretch>
+        </p:blipFill>
+        <p:spPr>
+          <a:xfrm>
+            <a:off x="6782159" y="3429000"/>
+            <a:ext cx="4638588" cy="2388873"/>
+          </a:xfrm>
+          <a:prstGeom prst="rect">
+            <a:avLst/>
+          </a:prstGeom>
+          <a:noFill/>
+        </p:spPr>
+      </p:pic>
+      <p:sp>
+        <p:nvSpPr>
+          <p:cNvPr id="13" name="TextBox 12">
+            <a:extLst>
+              <a:ext uri="{FF2B5EF4-FFF2-40B4-BE49-F238E27FC236}">
+                <a16:creationId xmlns:a16="http://schemas.microsoft.com/office/drawing/2014/main" id="{CCCAD86A-9D9E-430E-934E-8505D48095A0}"/>
+              </a:ext>
+            </a:extLst>
+          </p:cNvPr>
+          <p:cNvSpPr txBox="1"/>
+          <p:nvPr/>
+        </p:nvSpPr>
+        <p:spPr>
+          <a:xfrm>
+            <a:off x="2220686" y="6034331"/>
+            <a:ext cx="3584122" cy="584775"/>
+          </a:xfrm>
+          <a:prstGeom prst="rect">
+            <a:avLst/>
+          </a:prstGeom>
+          <a:noFill/>
+        </p:spPr>
+        <p:txBody>
+          <a:bodyPr wrap="square" rtlCol="0">
+            <a:spAutoFit/>
+          </a:bodyPr>
+          <a:lstStyle/>
+          <a:p>
+            <a:r>
+              <a:rPr lang="en-US" sz="3200" b="1" dirty="0"/>
+              <a:t>Toxic</a:t>
+            </a:r>
+          </a:p>
+        </p:txBody>
+      </p:sp>
+      <p:sp>
+        <p:nvSpPr>
+          <p:cNvPr id="14" name="TextBox 13">
+            <a:extLst>
+              <a:ext uri="{FF2B5EF4-FFF2-40B4-BE49-F238E27FC236}">
+                <a16:creationId xmlns:a16="http://schemas.microsoft.com/office/drawing/2014/main" id="{0C2B052B-DB93-4189-9FF1-CEF3641CCBB9}"/>
+              </a:ext>
+            </a:extLst>
+          </p:cNvPr>
+          <p:cNvSpPr txBox="1"/>
+          <p:nvPr/>
+        </p:nvSpPr>
+        <p:spPr>
+          <a:xfrm>
+            <a:off x="8299059" y="5949641"/>
+            <a:ext cx="3584122" cy="584775"/>
+          </a:xfrm>
+          <a:prstGeom prst="rect">
+            <a:avLst/>
+          </a:prstGeom>
+          <a:noFill/>
+        </p:spPr>
+        <p:txBody>
+          <a:bodyPr wrap="square" rtlCol="0">
+            <a:spAutoFit/>
+          </a:bodyPr>
+          <a:lstStyle/>
+          <a:p>
+            <a:r>
+              <a:rPr lang="en-US" sz="3200" b="1" dirty="0"/>
+              <a:t>Clean</a:t>
+            </a:r>
+          </a:p>
+        </p:txBody>
+      </p:sp>
+    </p:spTree>
+    <p:extLst>
+      <p:ext uri="{BB962C8B-B14F-4D97-AF65-F5344CB8AC3E}">
+        <p14:creationId xmlns:p14="http://schemas.microsoft.com/office/powerpoint/2010/main" val="64979710"/>
+      </p:ext>
+    </p:extLst>
+  </p:cSld>
+  <p:clrMapOvr>
+    <a:masterClrMapping/>
+  </p:clrMapOvr>
+</p:sld>
+</file>
+
+<file path=ppt/slides/slide6.xml><?xml version="1.0" encoding="utf-8"?>
+<p:sld xmlns:a="http://schemas.openxmlformats.org/drawingml/2006/main" xmlns:r="http://schemas.openxmlformats.org/officeDocument/2006/relationships" xmlns:p="http://schemas.openxmlformats.org/presentationml/2006/main">
+  <p:cSld>
+    <p:spTree>
+      <p:nvGrpSpPr>
+        <p:cNvPr id="1" name=""/>
+        <p:cNvGrpSpPr/>
+        <p:nvPr/>
+      </p:nvGrpSpPr>
+      <p:grpSpPr>
+        <a:xfrm>
+          <a:off x="0" y="0"/>
+          <a:ext cx="0" cy="0"/>
+          <a:chOff x="0" y="0"/>
+          <a:chExt cx="0" cy="0"/>
+        </a:xfrm>
+      </p:grpSpPr>
+      <p:sp>
+        <p:nvSpPr>
+          <p:cNvPr id="58" name="Rectangle 57">
+            <a:extLst>
+              <a:ext uri="{FF2B5EF4-FFF2-40B4-BE49-F238E27FC236}">
+                <a16:creationId xmlns:a16="http://schemas.microsoft.com/office/drawing/2014/main" id="{B2D6D4AE-00BA-40E1-B0B4-58F198B99A9D}"/>
+              </a:ext>
+            </a:extLst>
+          </p:cNvPr>
+          <p:cNvSpPr/>
+          <p:nvPr/>
+        </p:nvSpPr>
+        <p:spPr>
+          <a:xfrm>
+            <a:off x="0" y="3610596"/>
+            <a:ext cx="12181840" cy="3258942"/>
+          </a:xfrm>
+          <a:prstGeom prst="rect">
+            <a:avLst/>
+          </a:prstGeom>
+          <a:solidFill>
+            <a:schemeClr val="accent3"/>
+          </a:solidFill>
+          <a:ln>
+            <a:noFill/>
+          </a:ln>
+        </p:spPr>
+        <p:style>
+          <a:lnRef idx="2">
+            <a:schemeClr val="accent1">
+              <a:shade val="50000"/>
+            </a:schemeClr>
+          </a:lnRef>
+          <a:fillRef idx="1">
+            <a:schemeClr val="accent1"/>
+          </a:fillRef>
+          <a:effectRef idx="0">
+            <a:schemeClr val="accent1"/>
+          </a:effectRef>
+          <a:fontRef idx="minor">
+            <a:schemeClr val="lt1"/>
+          </a:fontRef>
+        </p:style>
+        <p:txBody>
+          <a:bodyPr rtlCol="0" anchor="ctr"/>
+          <a:lstStyle/>
+          <a:p>
+            <a:pPr algn="ctr"/>
+            <a:endParaRPr lang="en-US"/>
+          </a:p>
+        </p:txBody>
+      </p:sp>
+      <p:sp>
+        <p:nvSpPr>
+          <p:cNvPr id="57" name="Rectangle 56">
+            <a:extLst>
+              <a:ext uri="{FF2B5EF4-FFF2-40B4-BE49-F238E27FC236}">
+                <a16:creationId xmlns:a16="http://schemas.microsoft.com/office/drawing/2014/main" id="{16490F65-AB25-4076-94F6-FDB54F475A67}"/>
+              </a:ext>
+            </a:extLst>
+          </p:cNvPr>
+          <p:cNvSpPr/>
+          <p:nvPr/>
+        </p:nvSpPr>
+        <p:spPr>
+          <a:xfrm>
+            <a:off x="9345448" y="2834869"/>
+            <a:ext cx="2784025" cy="559967"/>
+          </a:xfrm>
+          <a:prstGeom prst="rect">
+            <a:avLst/>
+          </a:prstGeom>
+        </p:spPr>
+        <p:style>
+          <a:lnRef idx="2">
+            <a:schemeClr val="accent1">
+              <a:shade val="50000"/>
+            </a:schemeClr>
+          </a:lnRef>
+          <a:fillRef idx="1">
+            <a:schemeClr val="accent1"/>
+          </a:fillRef>
+          <a:effectRef idx="0">
+            <a:schemeClr val="accent1"/>
+          </a:effectRef>
+          <a:fontRef idx="minor">
+            <a:schemeClr val="lt1"/>
+          </a:fontRef>
+        </p:style>
+        <p:txBody>
+          <a:bodyPr rtlCol="0" anchor="ctr"/>
+          <a:lstStyle/>
+          <a:p>
+            <a:pPr algn="ctr"/>
+            <a:endParaRPr lang="en-US"/>
+          </a:p>
+        </p:txBody>
+      </p:sp>
+      <p:sp>
+        <p:nvSpPr>
+          <p:cNvPr id="55" name="Rectangle 54">
+            <a:extLst>
+              <a:ext uri="{FF2B5EF4-FFF2-40B4-BE49-F238E27FC236}">
+                <a16:creationId xmlns:a16="http://schemas.microsoft.com/office/drawing/2014/main" id="{0CB9CD3F-6DBB-4676-960D-CAD31CF0A9A9}"/>
+              </a:ext>
+            </a:extLst>
+          </p:cNvPr>
+          <p:cNvSpPr/>
+          <p:nvPr/>
+        </p:nvSpPr>
+        <p:spPr>
+          <a:xfrm>
+            <a:off x="6010433" y="2824843"/>
+            <a:ext cx="3070601" cy="590777"/>
+          </a:xfrm>
+          <a:prstGeom prst="rect">
+            <a:avLst/>
+          </a:prstGeom>
+        </p:spPr>
+        <p:style>
+          <a:lnRef idx="2">
+            <a:schemeClr val="accent1">
+              <a:shade val="50000"/>
+            </a:schemeClr>
+          </a:lnRef>
+          <a:fillRef idx="1">
+            <a:schemeClr val="accent1"/>
+          </a:fillRef>
+          <a:effectRef idx="0">
+            <a:schemeClr val="accent1"/>
+          </a:effectRef>
+          <a:fontRef idx="minor">
+            <a:schemeClr val="lt1"/>
+          </a:fontRef>
+        </p:style>
+        <p:txBody>
+          <a:bodyPr rtlCol="0" anchor="ctr"/>
+          <a:lstStyle/>
+          <a:p>
+            <a:pPr algn="ctr"/>
+            <a:endParaRPr lang="en-US"/>
+          </a:p>
+        </p:txBody>
+      </p:sp>
+      <p:sp>
+        <p:nvSpPr>
+          <p:cNvPr id="42" name="Rectangle 41">
+            <a:extLst>
+              <a:ext uri="{FF2B5EF4-FFF2-40B4-BE49-F238E27FC236}">
+                <a16:creationId xmlns:a16="http://schemas.microsoft.com/office/drawing/2014/main" id="{F08D5DF9-6AFE-42B7-9AFE-CD514925D6A7}"/>
+              </a:ext>
+            </a:extLst>
+          </p:cNvPr>
+          <p:cNvSpPr/>
+          <p:nvPr/>
+        </p:nvSpPr>
+        <p:spPr>
+          <a:xfrm>
+            <a:off x="9122540" y="526521"/>
+            <a:ext cx="222909" cy="1225889"/>
           </a:xfrm>
           <a:prstGeom prst="rect">
             <a:avLst/>
@@ -22245,34 +23099,6 @@
           </a:p>
         </p:txBody>
       </p:sp>
-      <p:pic>
-        <p:nvPicPr>
-          <p:cNvPr id="17" name="Picture Placeholder 16" title="Decorative"/>
-          <p:cNvPicPr>
-            <a:picLocks noGrp="1" noChangeAspect="1"/>
-          </p:cNvPicPr>
-          <p:nvPr>
-            <p:ph type="pic" sz="quarter" idx="10"/>
-          </p:nvPr>
-        </p:nvPicPr>
-        <p:blipFill rotWithShape="1">
-          <a:blip r:embed="rId2" cstate="email">
-            <a:extLst>
-              <a:ext uri="{28A0092B-C50C-407E-A947-70E740481C1C}">
-                <a14:useLocalDpi xmlns:a14="http://schemas.microsoft.com/office/drawing/2010/main"/>
-              </a:ext>
-            </a:extLst>
-          </a:blip>
-          <a:srcRect l="53" r="53"/>
-          <a:stretch/>
-        </p:blipFill>
-        <p:spPr>
-          <a:xfrm>
-            <a:off x="7226071" y="3142986"/>
-            <a:ext cx="6924080" cy="3188493"/>
-          </a:xfrm>
-        </p:spPr>
-      </p:pic>
       <p:sp>
         <p:nvSpPr>
           <p:cNvPr id="5" name="Title 4">
@@ -22320,8 +23146,8 @@
         </p:nvSpPr>
         <p:spPr>
           <a:xfrm>
-            <a:off x="482600" y="3737092"/>
-            <a:ext cx="3476778" cy="2663707"/>
+            <a:off x="7331978" y="3916795"/>
+            <a:ext cx="4849862" cy="2745315"/>
           </a:xfrm>
         </p:spPr>
         <p:txBody>
@@ -22392,7 +23218,19 @@
             </a:pPr>
             <a:r>
               <a:rPr lang="en-US" dirty="0"/>
-              <a:t>Added ‘weights’ to maintain state</a:t>
+              <a:t>Added ‘</a:t>
+            </a:r>
+            <a:r>
+              <a:rPr lang="en-US" sz="1400" b="1" dirty="0">
+                <a:solidFill>
+                  <a:srgbClr val="00B050"/>
+                </a:solidFill>
+              </a:rPr>
+              <a:t>weights</a:t>
+            </a:r>
+            <a:r>
+              <a:rPr lang="en-US" dirty="0"/>
+              <a:t>’ to maintain state</a:t>
             </a:r>
           </a:p>
           <a:p>
@@ -22402,7 +23240,11 @@
             </a:pPr>
             <a:r>
               <a:rPr lang="en-US" dirty="0"/>
-              <a:t>Long Short Term Memory LSTM</a:t>
+              <a:t>Long Short Term Memory </a:t>
+            </a:r>
+            <a:r>
+              <a:rPr lang="en-US" b="1" dirty="0"/>
+              <a:t>LSTM</a:t>
             </a:r>
           </a:p>
         </p:txBody>
@@ -22422,10 +23264,10 @@
           <p:nvPr/>
         </p:nvPicPr>
         <p:blipFill>
-          <a:blip r:embed="rId3">
+          <a:blip r:embed="rId2">
             <a:extLst>
               <a:ext uri="{96DAC541-7B7A-43D3-8B79-37D633B846F1}">
-                <asvg:svgBlip xmlns:asvg="http://schemas.microsoft.com/office/drawing/2016/SVG/main" r:embed="rId4"/>
+                <asvg:svgBlip xmlns:asvg="http://schemas.microsoft.com/office/drawing/2016/SVG/main" r:embed="rId3"/>
               </a:ext>
             </a:extLst>
           </a:blip>
@@ -22458,10 +23300,10 @@
           <p:nvPr/>
         </p:nvPicPr>
         <p:blipFill>
-          <a:blip r:embed="rId5">
+          <a:blip r:embed="rId4">
             <a:extLst>
               <a:ext uri="{96DAC541-7B7A-43D3-8B79-37D633B846F1}">
-                <asvg:svgBlip xmlns:asvg="http://schemas.microsoft.com/office/drawing/2016/SVG/main" r:embed="rId6"/>
+                <asvg:svgBlip xmlns:asvg="http://schemas.microsoft.com/office/drawing/2016/SVG/main" r:embed="rId5"/>
               </a:ext>
             </a:extLst>
           </a:blip>
@@ -22502,6 +23344,11 @@
           <a:solidFill>
             <a:schemeClr val="bg2"/>
           </a:solidFill>
+          <a:ln cmpd="sng">
+            <a:solidFill>
+              <a:schemeClr val="tx2"/>
+            </a:solidFill>
+          </a:ln>
         </p:spPr>
         <p:txBody>
           <a:bodyPr wrap="square" rtlCol="0">
@@ -22539,6 +23386,9 @@
           <a:solidFill>
             <a:schemeClr val="bg2"/>
           </a:solidFill>
+          <a:ln>
+            <a:noFill/>
+          </a:ln>
         </p:spPr>
         <p:txBody>
           <a:bodyPr wrap="square" rtlCol="0">
@@ -22593,10 +23443,10 @@
             <p:nvPr/>
           </p:nvPicPr>
           <p:blipFill>
-            <a:blip r:embed="rId7">
+            <a:blip r:embed="rId6">
               <a:extLst>
                 <a:ext uri="{96DAC541-7B7A-43D3-8B79-37D633B846F1}">
-                  <asvg:svgBlip xmlns:asvg="http://schemas.microsoft.com/office/drawing/2016/SVG/main" r:embed="rId8"/>
+                  <asvg:svgBlip xmlns:asvg="http://schemas.microsoft.com/office/drawing/2016/SVG/main" r:embed="rId7"/>
                 </a:ext>
               </a:extLst>
             </a:blip>
@@ -22629,10 +23479,10 @@
             <p:nvPr/>
           </p:nvPicPr>
           <p:blipFill>
-            <a:blip r:embed="rId9">
+            <a:blip r:embed="rId8">
               <a:extLst>
                 <a:ext uri="{96DAC541-7B7A-43D3-8B79-37D633B846F1}">
-                  <asvg:svgBlip xmlns:asvg="http://schemas.microsoft.com/office/drawing/2016/SVG/main" r:embed="rId10"/>
+                  <asvg:svgBlip xmlns:asvg="http://schemas.microsoft.com/office/drawing/2016/SVG/main" r:embed="rId9"/>
                 </a:ext>
               </a:extLst>
             </a:blip>
@@ -22665,10 +23515,10 @@
             <p:nvPr/>
           </p:nvPicPr>
           <p:blipFill>
-            <a:blip r:embed="rId7">
+            <a:blip r:embed="rId6">
               <a:extLst>
                 <a:ext uri="{96DAC541-7B7A-43D3-8B79-37D633B846F1}">
-                  <asvg:svgBlip xmlns:asvg="http://schemas.microsoft.com/office/drawing/2016/SVG/main" r:embed="rId8"/>
+                  <asvg:svgBlip xmlns:asvg="http://schemas.microsoft.com/office/drawing/2016/SVG/main" r:embed="rId7"/>
                 </a:ext>
               </a:extLst>
             </a:blip>
@@ -22752,11 +23602,11 @@
           <p:nvPr/>
         </p:nvPicPr>
         <p:blipFill>
-          <a:blip r:embed="rId11">
+          <a:blip r:embed="rId10">
             <a:extLst>
               <a:ext uri="{BEBA8EAE-BF5A-486C-A8C5-ECC9F3942E4B}">
                 <a14:imgProps xmlns:a14="http://schemas.microsoft.com/office/drawing/2010/main">
-                  <a14:imgLayer r:embed="rId12">
+                  <a14:imgLayer r:embed="rId11">
                     <a14:imgEffect>
                       <a14:sharpenSoften amount="40000"/>
                     </a14:imgEffect>
@@ -23427,10 +24277,10 @@
       </p:sp>
       <p:pic>
         <p:nvPicPr>
-          <p:cNvPr id="40" name="Picture 39">
-            <a:extLst>
-              <a:ext uri="{FF2B5EF4-FFF2-40B4-BE49-F238E27FC236}">
-                <a16:creationId xmlns:a16="http://schemas.microsoft.com/office/drawing/2014/main" id="{0DE28260-4CE3-42C7-847C-2C34E77BBE8E}"/>
+          <p:cNvPr id="43" name="Graphic 42" descr="Server">
+            <a:extLst>
+              <a:ext uri="{FF2B5EF4-FFF2-40B4-BE49-F238E27FC236}">
+                <a16:creationId xmlns:a16="http://schemas.microsoft.com/office/drawing/2014/main" id="{F03C790D-A78D-403B-A925-5466846A60D9}"/>
               </a:ext>
             </a:extLst>
           </p:cNvPr>
@@ -23440,75 +24290,10 @@
           <p:nvPr/>
         </p:nvPicPr>
         <p:blipFill>
-          <a:blip r:embed="rId13"/>
-          <a:stretch>
-            <a:fillRect/>
-          </a:stretch>
-        </p:blipFill>
-        <p:spPr>
-          <a:xfrm>
-            <a:off x="4837039" y="4187882"/>
-            <a:ext cx="2247900" cy="1762125"/>
-          </a:xfrm>
-          <a:prstGeom prst="rect">
-            <a:avLst/>
-          </a:prstGeom>
-        </p:spPr>
-      </p:pic>
-      <p:sp>
-        <p:nvSpPr>
-          <p:cNvPr id="41" name="TextBox 40">
-            <a:extLst>
-              <a:ext uri="{FF2B5EF4-FFF2-40B4-BE49-F238E27FC236}">
-                <a16:creationId xmlns:a16="http://schemas.microsoft.com/office/drawing/2014/main" id="{69882A7E-8030-424E-9FAF-F847F7C49738}"/>
-              </a:ext>
-            </a:extLst>
-          </p:cNvPr>
-          <p:cNvSpPr txBox="1"/>
-          <p:nvPr/>
-        </p:nvSpPr>
-        <p:spPr>
-          <a:xfrm>
-            <a:off x="5016572" y="3881044"/>
-            <a:ext cx="2318876" cy="707886"/>
-          </a:xfrm>
-          <a:prstGeom prst="rect">
-            <a:avLst/>
-          </a:prstGeom>
-          <a:noFill/>
-        </p:spPr>
-        <p:txBody>
-          <a:bodyPr wrap="square" rtlCol="0">
-            <a:spAutoFit/>
-          </a:bodyPr>
-          <a:lstStyle/>
-          <a:p>
-            <a:r>
-              <a:rPr lang="en-US" sz="4000" dirty="0"/>
-              <a:t>LSTM</a:t>
-            </a:r>
-          </a:p>
-        </p:txBody>
-      </p:sp>
-      <p:pic>
-        <p:nvPicPr>
-          <p:cNvPr id="43" name="Graphic 42" descr="Server">
-            <a:extLst>
-              <a:ext uri="{FF2B5EF4-FFF2-40B4-BE49-F238E27FC236}">
-                <a16:creationId xmlns:a16="http://schemas.microsoft.com/office/drawing/2014/main" id="{F03C790D-A78D-403B-A925-5466846A60D9}"/>
-              </a:ext>
-            </a:extLst>
-          </p:cNvPr>
-          <p:cNvPicPr>
-            <a:picLocks noChangeAspect="1"/>
-          </p:cNvPicPr>
-          <p:nvPr/>
-        </p:nvPicPr>
-        <p:blipFill>
-          <a:blip r:embed="rId5">
+          <a:blip r:embed="rId4">
             <a:extLst>
               <a:ext uri="{96DAC541-7B7A-43D3-8B79-37D633B846F1}">
-                <asvg:svgBlip xmlns:asvg="http://schemas.microsoft.com/office/drawing/2016/SVG/main" r:embed="rId6"/>
+                <asvg:svgBlip xmlns:asvg="http://schemas.microsoft.com/office/drawing/2016/SVG/main" r:embed="rId5"/>
               </a:ext>
             </a:extLst>
           </a:blip>
@@ -23518,7 +24303,7 @@
         </p:blipFill>
         <p:spPr>
           <a:xfrm rot="5400000">
-            <a:off x="9061863" y="787515"/>
+            <a:off x="9061863" y="671638"/>
             <a:ext cx="357853" cy="222908"/>
           </a:xfrm>
           <a:prstGeom prst="rect">
@@ -23611,7 +24396,7 @@
         </p:spPr>
         <p:txBody>
           <a:bodyPr vert="horz" lIns="0" tIns="45720" rIns="91440" bIns="45720" rtlCol="0" anchor="t">
-            <a:normAutofit/>
+            <a:normAutofit fontScale="85000" lnSpcReduction="10000"/>
           </a:bodyPr>
           <a:lstStyle>
             <a:lvl1pPr algn="l" defTabSz="914400" rtl="0" eaLnBrk="1" latinLnBrk="0" hangingPunct="1">
@@ -23635,11 +24420,732 @@
           <a:p>
             <a:r>
               <a:rPr lang="en-US" sz="2800" b="0" dirty="0"/>
-              <a:t>Deep Learning using Neural Networks</a:t>
-            </a:r>
-          </a:p>
-        </p:txBody>
-      </p:sp>
+              <a:t>Deep Learning using</a:t>
+            </a:r>
+          </a:p>
+          <a:p>
+            <a:r>
+              <a:rPr lang="en-US" sz="2800" b="0" dirty="0"/>
+              <a:t>Natural Language Processing and  Neural Networks</a:t>
+            </a:r>
+          </a:p>
+        </p:txBody>
+      </p:sp>
+      <p:cxnSp>
+        <p:nvCxnSpPr>
+          <p:cNvPr id="3" name="Straight Connector 2">
+            <a:extLst>
+              <a:ext uri="{FF2B5EF4-FFF2-40B4-BE49-F238E27FC236}">
+                <a16:creationId xmlns:a16="http://schemas.microsoft.com/office/drawing/2014/main" id="{99489967-960E-41FF-B302-21FE9C94B280}"/>
+              </a:ext>
+            </a:extLst>
+          </p:cNvPr>
+          <p:cNvCxnSpPr>
+            <a:cxnSpLocks/>
+          </p:cNvCxnSpPr>
+          <p:nvPr/>
+        </p:nvCxnSpPr>
+        <p:spPr>
+          <a:xfrm flipV="1">
+            <a:off x="9899009" y="645952"/>
+            <a:ext cx="335560" cy="95024"/>
+          </a:xfrm>
+          <a:prstGeom prst="line">
+            <a:avLst/>
+          </a:prstGeom>
+          <a:ln w="38100">
+            <a:solidFill>
+              <a:srgbClr val="00CC00"/>
+            </a:solidFill>
+          </a:ln>
+        </p:spPr>
+        <p:style>
+          <a:lnRef idx="1">
+            <a:schemeClr val="accent1"/>
+          </a:lnRef>
+          <a:fillRef idx="0">
+            <a:schemeClr val="accent1"/>
+          </a:fillRef>
+          <a:effectRef idx="0">
+            <a:schemeClr val="accent1"/>
+          </a:effectRef>
+          <a:fontRef idx="minor">
+            <a:schemeClr val="tx1"/>
+          </a:fontRef>
+        </p:style>
+      </p:cxnSp>
+      <p:cxnSp>
+        <p:nvCxnSpPr>
+          <p:cNvPr id="38" name="Straight Connector 37">
+            <a:extLst>
+              <a:ext uri="{FF2B5EF4-FFF2-40B4-BE49-F238E27FC236}">
+                <a16:creationId xmlns:a16="http://schemas.microsoft.com/office/drawing/2014/main" id="{754F6D36-3B1C-48DF-8820-41A704EF125B}"/>
+              </a:ext>
+            </a:extLst>
+          </p:cNvPr>
+          <p:cNvCxnSpPr>
+            <a:cxnSpLocks/>
+          </p:cNvCxnSpPr>
+          <p:nvPr/>
+        </p:nvCxnSpPr>
+        <p:spPr>
+          <a:xfrm>
+            <a:off x="10559300" y="643130"/>
+            <a:ext cx="335560" cy="2822"/>
+          </a:xfrm>
+          <a:prstGeom prst="line">
+            <a:avLst/>
+          </a:prstGeom>
+          <a:ln w="38100">
+            <a:solidFill>
+              <a:srgbClr val="00CC00"/>
+            </a:solidFill>
+          </a:ln>
+        </p:spPr>
+        <p:style>
+          <a:lnRef idx="1">
+            <a:schemeClr val="accent1"/>
+          </a:lnRef>
+          <a:fillRef idx="0">
+            <a:schemeClr val="accent1"/>
+          </a:fillRef>
+          <a:effectRef idx="0">
+            <a:schemeClr val="accent1"/>
+          </a:effectRef>
+          <a:fontRef idx="minor">
+            <a:schemeClr val="tx1"/>
+          </a:fontRef>
+        </p:style>
+      </p:cxnSp>
+      <p:cxnSp>
+        <p:nvCxnSpPr>
+          <p:cNvPr id="45" name="Straight Connector 44">
+            <a:extLst>
+              <a:ext uri="{FF2B5EF4-FFF2-40B4-BE49-F238E27FC236}">
+                <a16:creationId xmlns:a16="http://schemas.microsoft.com/office/drawing/2014/main" id="{E05ED994-C6F4-44B2-B848-ECEC0652A379}"/>
+              </a:ext>
+            </a:extLst>
+          </p:cNvPr>
+          <p:cNvCxnSpPr>
+            <a:cxnSpLocks/>
+          </p:cNvCxnSpPr>
+          <p:nvPr/>
+        </p:nvCxnSpPr>
+        <p:spPr>
+          <a:xfrm>
+            <a:off x="11185829" y="645952"/>
+            <a:ext cx="399367" cy="221933"/>
+          </a:xfrm>
+          <a:prstGeom prst="line">
+            <a:avLst/>
+          </a:prstGeom>
+          <a:ln w="38100">
+            <a:solidFill>
+              <a:srgbClr val="00CC00"/>
+            </a:solidFill>
+          </a:ln>
+        </p:spPr>
+        <p:style>
+          <a:lnRef idx="1">
+            <a:schemeClr val="accent1"/>
+          </a:lnRef>
+          <a:fillRef idx="0">
+            <a:schemeClr val="accent1"/>
+          </a:fillRef>
+          <a:effectRef idx="0">
+            <a:schemeClr val="accent1"/>
+          </a:effectRef>
+          <a:fontRef idx="minor">
+            <a:schemeClr val="tx1"/>
+          </a:fontRef>
+        </p:style>
+      </p:cxnSp>
+      <p:cxnSp>
+        <p:nvCxnSpPr>
+          <p:cNvPr id="47" name="Straight Connector 46">
+            <a:extLst>
+              <a:ext uri="{FF2B5EF4-FFF2-40B4-BE49-F238E27FC236}">
+                <a16:creationId xmlns:a16="http://schemas.microsoft.com/office/drawing/2014/main" id="{427D952B-3B97-4BED-B4AF-7666BF26CB86}"/>
+              </a:ext>
+            </a:extLst>
+          </p:cNvPr>
+          <p:cNvCxnSpPr>
+            <a:cxnSpLocks/>
+          </p:cNvCxnSpPr>
+          <p:nvPr/>
+        </p:nvCxnSpPr>
+        <p:spPr>
+          <a:xfrm>
+            <a:off x="9865456" y="1024707"/>
+            <a:ext cx="459624" cy="125388"/>
+          </a:xfrm>
+          <a:prstGeom prst="line">
+            <a:avLst/>
+          </a:prstGeom>
+          <a:ln w="19050">
+            <a:solidFill>
+              <a:srgbClr val="00CC00"/>
+            </a:solidFill>
+          </a:ln>
+        </p:spPr>
+        <p:style>
+          <a:lnRef idx="1">
+            <a:schemeClr val="accent1"/>
+          </a:lnRef>
+          <a:fillRef idx="0">
+            <a:schemeClr val="accent1"/>
+          </a:fillRef>
+          <a:effectRef idx="0">
+            <a:schemeClr val="accent1"/>
+          </a:effectRef>
+          <a:fontRef idx="minor">
+            <a:schemeClr val="tx1"/>
+          </a:fontRef>
+        </p:style>
+      </p:cxnSp>
+      <p:cxnSp>
+        <p:nvCxnSpPr>
+          <p:cNvPr id="48" name="Straight Connector 47">
+            <a:extLst>
+              <a:ext uri="{FF2B5EF4-FFF2-40B4-BE49-F238E27FC236}">
+                <a16:creationId xmlns:a16="http://schemas.microsoft.com/office/drawing/2014/main" id="{54D51411-B5FC-46EE-AE40-4DCC5525A594}"/>
+              </a:ext>
+            </a:extLst>
+          </p:cNvPr>
+          <p:cNvCxnSpPr>
+            <a:cxnSpLocks/>
+          </p:cNvCxnSpPr>
+          <p:nvPr/>
+        </p:nvCxnSpPr>
+        <p:spPr>
+          <a:xfrm flipV="1">
+            <a:off x="10520537" y="693464"/>
+            <a:ext cx="459624" cy="433415"/>
+          </a:xfrm>
+          <a:prstGeom prst="line">
+            <a:avLst/>
+          </a:prstGeom>
+          <a:ln w="19050">
+            <a:solidFill>
+              <a:srgbClr val="00CC00"/>
+            </a:solidFill>
+          </a:ln>
+        </p:spPr>
+        <p:style>
+          <a:lnRef idx="1">
+            <a:schemeClr val="accent1"/>
+          </a:lnRef>
+          <a:fillRef idx="0">
+            <a:schemeClr val="accent1"/>
+          </a:fillRef>
+          <a:effectRef idx="0">
+            <a:schemeClr val="accent1"/>
+          </a:effectRef>
+          <a:fontRef idx="minor">
+            <a:schemeClr val="tx1"/>
+          </a:fontRef>
+        </p:style>
+      </p:cxnSp>
+      <p:sp>
+        <p:nvSpPr>
+          <p:cNvPr id="27" name="TextBox 26">
+            <a:extLst>
+              <a:ext uri="{FF2B5EF4-FFF2-40B4-BE49-F238E27FC236}">
+                <a16:creationId xmlns:a16="http://schemas.microsoft.com/office/drawing/2014/main" id="{E92E4649-9E48-493D-8AF1-1018ECC3283E}"/>
+              </a:ext>
+            </a:extLst>
+          </p:cNvPr>
+          <p:cNvSpPr txBox="1"/>
+          <p:nvPr/>
+        </p:nvSpPr>
+        <p:spPr>
+          <a:xfrm>
+            <a:off x="5971731" y="156337"/>
+            <a:ext cx="1628282" cy="261610"/>
+          </a:xfrm>
+          <a:prstGeom prst="rect">
+            <a:avLst/>
+          </a:prstGeom>
+          <a:noFill/>
+        </p:spPr>
+        <p:txBody>
+          <a:bodyPr wrap="square" rtlCol="0">
+            <a:spAutoFit/>
+          </a:bodyPr>
+          <a:lstStyle/>
+          <a:p>
+            <a:r>
+              <a:rPr lang="en-US" sz="1050" dirty="0">
+                <a:solidFill>
+                  <a:schemeClr val="accent5">
+                    <a:lumMod val="90000"/>
+                    <a:lumOff val="10000"/>
+                  </a:schemeClr>
+                </a:solidFill>
+              </a:rPr>
+              <a:t>“You are a $@^%!”</a:t>
+            </a:r>
+          </a:p>
+        </p:txBody>
+      </p:sp>
+      <p:sp>
+        <p:nvSpPr>
+          <p:cNvPr id="49" name="TextBox 48">
+            <a:extLst>
+              <a:ext uri="{FF2B5EF4-FFF2-40B4-BE49-F238E27FC236}">
+                <a16:creationId xmlns:a16="http://schemas.microsoft.com/office/drawing/2014/main" id="{3CA02062-051A-4C94-A8B3-3AD90CAECCBA}"/>
+              </a:ext>
+            </a:extLst>
+          </p:cNvPr>
+          <p:cNvSpPr txBox="1"/>
+          <p:nvPr/>
+        </p:nvSpPr>
+        <p:spPr>
+          <a:xfrm>
+            <a:off x="5052892" y="152950"/>
+            <a:ext cx="692968" cy="253916"/>
+          </a:xfrm>
+          <a:prstGeom prst="rect">
+            <a:avLst/>
+          </a:prstGeom>
+          <a:noFill/>
+        </p:spPr>
+        <p:txBody>
+          <a:bodyPr wrap="square" rtlCol="0">
+            <a:spAutoFit/>
+          </a:bodyPr>
+          <a:lstStyle/>
+          <a:p>
+            <a:r>
+              <a:rPr lang="en-US" sz="1050" dirty="0">
+                <a:solidFill>
+                  <a:schemeClr val="accent5">
+                    <a:lumMod val="90000"/>
+                    <a:lumOff val="10000"/>
+                  </a:schemeClr>
+                </a:solidFill>
+              </a:rPr>
+              <a:t>Toxic = 1</a:t>
+            </a:r>
+          </a:p>
+        </p:txBody>
+      </p:sp>
+      <p:sp>
+        <p:nvSpPr>
+          <p:cNvPr id="50" name="TextBox 49">
+            <a:extLst>
+              <a:ext uri="{FF2B5EF4-FFF2-40B4-BE49-F238E27FC236}">
+                <a16:creationId xmlns:a16="http://schemas.microsoft.com/office/drawing/2014/main" id="{40DF6826-9659-43D3-BDFF-6647F2AAE05A}"/>
+              </a:ext>
+            </a:extLst>
+          </p:cNvPr>
+          <p:cNvSpPr txBox="1"/>
+          <p:nvPr/>
+        </p:nvSpPr>
+        <p:spPr>
+          <a:xfrm>
+            <a:off x="7335476" y="112508"/>
+            <a:ext cx="1628282" cy="261610"/>
+          </a:xfrm>
+          <a:prstGeom prst="rect">
+            <a:avLst/>
+          </a:prstGeom>
+          <a:noFill/>
+        </p:spPr>
+        <p:txBody>
+          <a:bodyPr wrap="square" rtlCol="0">
+            <a:spAutoFit/>
+          </a:bodyPr>
+          <a:lstStyle/>
+          <a:p>
+            <a:r>
+              <a:rPr lang="en-US" sz="1050" dirty="0">
+                <a:solidFill>
+                  <a:schemeClr val="accent5">
+                    <a:lumMod val="90000"/>
+                    <a:lumOff val="10000"/>
+                  </a:schemeClr>
+                </a:solidFill>
+              </a:rPr>
+              <a:t>[1 4 8 6]</a:t>
+            </a:r>
+          </a:p>
+        </p:txBody>
+      </p:sp>
+      <p:sp>
+        <p:nvSpPr>
+          <p:cNvPr id="35" name="TextBox 34">
+            <a:extLst>
+              <a:ext uri="{FF2B5EF4-FFF2-40B4-BE49-F238E27FC236}">
+                <a16:creationId xmlns:a16="http://schemas.microsoft.com/office/drawing/2014/main" id="{4C7CB81F-56D6-4694-9C89-7EA5109C4639}"/>
+              </a:ext>
+            </a:extLst>
+          </p:cNvPr>
+          <p:cNvSpPr txBox="1"/>
+          <p:nvPr/>
+        </p:nvSpPr>
+        <p:spPr>
+          <a:xfrm>
+            <a:off x="447040" y="3871032"/>
+            <a:ext cx="2069657" cy="369332"/>
+          </a:xfrm>
+          <a:prstGeom prst="rect">
+            <a:avLst/>
+          </a:prstGeom>
+          <a:noFill/>
+        </p:spPr>
+        <p:txBody>
+          <a:bodyPr wrap="square" rtlCol="0">
+            <a:spAutoFit/>
+          </a:bodyPr>
+          <a:lstStyle/>
+          <a:p>
+            <a:endParaRPr lang="en-US" dirty="0"/>
+          </a:p>
+        </p:txBody>
+      </p:sp>
+      <p:sp>
+        <p:nvSpPr>
+          <p:cNvPr id="53" name="Text Placeholder 8">
+            <a:extLst>
+              <a:ext uri="{FF2B5EF4-FFF2-40B4-BE49-F238E27FC236}">
+                <a16:creationId xmlns:a16="http://schemas.microsoft.com/office/drawing/2014/main" id="{5502487D-CA9C-4DC8-8BC4-1858B67D8829}"/>
+              </a:ext>
+            </a:extLst>
+          </p:cNvPr>
+          <p:cNvSpPr txBox="1">
+            <a:spLocks/>
+          </p:cNvSpPr>
+          <p:nvPr/>
+        </p:nvSpPr>
+        <p:spPr>
+          <a:xfrm>
+            <a:off x="413863" y="3916795"/>
+            <a:ext cx="4950866" cy="1849774"/>
+          </a:xfrm>
+          <a:prstGeom prst="rect">
+            <a:avLst/>
+          </a:prstGeom>
+        </p:spPr>
+        <p:txBody>
+          <a:bodyPr vert="horz" lIns="0" tIns="0" rIns="91440" bIns="45720" rtlCol="0">
+            <a:noAutofit/>
+          </a:bodyPr>
+          <a:lstStyle>
+            <a:lvl1pPr marL="0" indent="0" algn="l" defTabSz="914400" rtl="0" eaLnBrk="1" latinLnBrk="0" hangingPunct="1">
+              <a:lnSpc>
+                <a:spcPct val="100000"/>
+              </a:lnSpc>
+              <a:spcBef>
+                <a:spcPts val="1000"/>
+              </a:spcBef>
+              <a:buFont typeface="Arial" panose="020B0604020202020204" pitchFamily="34" charset="0"/>
+              <a:buNone/>
+              <a:defRPr sz="2000" b="0" i="0" kern="1200">
+                <a:solidFill>
+                  <a:schemeClr val="tx1"/>
+                </a:solidFill>
+                <a:latin typeface="+mn-lt"/>
+                <a:ea typeface="+mn-ea"/>
+                <a:cs typeface="Arial" panose="020B0604020202020204" pitchFamily="34" charset="0"/>
+              </a:defRPr>
+            </a:lvl1pPr>
+            <a:lvl2pPr marL="457200" indent="0" algn="l" defTabSz="914400" rtl="0" eaLnBrk="1" latinLnBrk="0" hangingPunct="1">
+              <a:lnSpc>
+                <a:spcPct val="90000"/>
+              </a:lnSpc>
+              <a:spcBef>
+                <a:spcPts val="500"/>
+              </a:spcBef>
+              <a:buFont typeface="Arial" panose="020B0604020202020204" pitchFamily="34" charset="0"/>
+              <a:buNone/>
+              <a:defRPr sz="1200" b="0" i="0" kern="1200">
+                <a:solidFill>
+                  <a:schemeClr val="tx2"/>
+                </a:solidFill>
+                <a:latin typeface="+mn-lt"/>
+                <a:ea typeface="+mn-ea"/>
+                <a:cs typeface="Arial" panose="020B0604020202020204" pitchFamily="34" charset="0"/>
+              </a:defRPr>
+            </a:lvl2pPr>
+            <a:lvl3pPr marL="914400" indent="0" algn="l" defTabSz="914400" rtl="0" eaLnBrk="1" latinLnBrk="0" hangingPunct="1">
+              <a:lnSpc>
+                <a:spcPct val="90000"/>
+              </a:lnSpc>
+              <a:spcBef>
+                <a:spcPts val="500"/>
+              </a:spcBef>
+              <a:buFont typeface="Arial" panose="020B0604020202020204" pitchFamily="34" charset="0"/>
+              <a:buNone/>
+              <a:defRPr sz="1100" b="0" i="0" kern="1200">
+                <a:solidFill>
+                  <a:schemeClr val="tx2"/>
+                </a:solidFill>
+                <a:latin typeface="+mn-lt"/>
+                <a:ea typeface="+mn-ea"/>
+                <a:cs typeface="Arial" panose="020B0604020202020204" pitchFamily="34" charset="0"/>
+              </a:defRPr>
+            </a:lvl3pPr>
+            <a:lvl4pPr marL="1600200" indent="-228600" algn="l" defTabSz="914400" rtl="0" eaLnBrk="1" latinLnBrk="0" hangingPunct="1">
+              <a:lnSpc>
+                <a:spcPct val="90000"/>
+              </a:lnSpc>
+              <a:spcBef>
+                <a:spcPts val="500"/>
+              </a:spcBef>
+              <a:buFont typeface="Arial" panose="020B0604020202020204" pitchFamily="34" charset="0"/>
+              <a:buChar char="•"/>
+              <a:defRPr sz="1050" b="0" i="0" kern="1200">
+                <a:solidFill>
+                  <a:schemeClr val="tx2"/>
+                </a:solidFill>
+                <a:latin typeface="+mn-lt"/>
+                <a:ea typeface="+mn-ea"/>
+                <a:cs typeface="Arial" panose="020B0604020202020204" pitchFamily="34" charset="0"/>
+              </a:defRPr>
+            </a:lvl4pPr>
+            <a:lvl5pPr marL="2057400" indent="-228600" algn="l" defTabSz="914400" rtl="0" eaLnBrk="1" latinLnBrk="0" hangingPunct="1">
+              <a:lnSpc>
+                <a:spcPct val="90000"/>
+              </a:lnSpc>
+              <a:spcBef>
+                <a:spcPts val="500"/>
+              </a:spcBef>
+              <a:buFont typeface="Arial" panose="020B0604020202020204" pitchFamily="34" charset="0"/>
+              <a:buChar char="•"/>
+              <a:defRPr sz="1050" b="0" i="0" kern="1200">
+                <a:solidFill>
+                  <a:schemeClr val="tx2"/>
+                </a:solidFill>
+                <a:latin typeface="+mn-lt"/>
+                <a:ea typeface="+mn-ea"/>
+                <a:cs typeface="Arial" panose="020B0604020202020204" pitchFamily="34" charset="0"/>
+              </a:defRPr>
+            </a:lvl5pPr>
+            <a:lvl6pPr marL="2514600" indent="-228600" algn="l" defTabSz="914400" rtl="0" eaLnBrk="1" latinLnBrk="0" hangingPunct="1">
+              <a:lnSpc>
+                <a:spcPct val="90000"/>
+              </a:lnSpc>
+              <a:spcBef>
+                <a:spcPts val="500"/>
+              </a:spcBef>
+              <a:buFont typeface="Arial" panose="020B0604020202020204" pitchFamily="34" charset="0"/>
+              <a:buChar char="•"/>
+              <a:defRPr sz="1800" kern="1200">
+                <a:solidFill>
+                  <a:schemeClr val="tx1"/>
+                </a:solidFill>
+                <a:latin typeface="+mn-lt"/>
+                <a:ea typeface="+mn-ea"/>
+                <a:cs typeface="+mn-cs"/>
+              </a:defRPr>
+            </a:lvl6pPr>
+            <a:lvl7pPr marL="2971800" indent="-228600" algn="l" defTabSz="914400" rtl="0" eaLnBrk="1" latinLnBrk="0" hangingPunct="1">
+              <a:lnSpc>
+                <a:spcPct val="90000"/>
+              </a:lnSpc>
+              <a:spcBef>
+                <a:spcPts val="500"/>
+              </a:spcBef>
+              <a:buFont typeface="Arial" panose="020B0604020202020204" pitchFamily="34" charset="0"/>
+              <a:buChar char="•"/>
+              <a:defRPr sz="1800" kern="1200">
+                <a:solidFill>
+                  <a:schemeClr val="tx1"/>
+                </a:solidFill>
+                <a:latin typeface="+mn-lt"/>
+                <a:ea typeface="+mn-ea"/>
+                <a:cs typeface="+mn-cs"/>
+              </a:defRPr>
+            </a:lvl7pPr>
+            <a:lvl8pPr marL="3429000" indent="-228600" algn="l" defTabSz="914400" rtl="0" eaLnBrk="1" latinLnBrk="0" hangingPunct="1">
+              <a:lnSpc>
+                <a:spcPct val="90000"/>
+              </a:lnSpc>
+              <a:spcBef>
+                <a:spcPts val="500"/>
+              </a:spcBef>
+              <a:buFont typeface="Arial" panose="020B0604020202020204" pitchFamily="34" charset="0"/>
+              <a:buChar char="•"/>
+              <a:defRPr sz="1800" kern="1200">
+                <a:solidFill>
+                  <a:schemeClr val="tx1"/>
+                </a:solidFill>
+                <a:latin typeface="+mn-lt"/>
+                <a:ea typeface="+mn-ea"/>
+                <a:cs typeface="+mn-cs"/>
+              </a:defRPr>
+            </a:lvl8pPr>
+            <a:lvl9pPr marL="3886200" indent="-228600" algn="l" defTabSz="914400" rtl="0" eaLnBrk="1" latinLnBrk="0" hangingPunct="1">
+              <a:lnSpc>
+                <a:spcPct val="90000"/>
+              </a:lnSpc>
+              <a:spcBef>
+                <a:spcPts val="500"/>
+              </a:spcBef>
+              <a:buFont typeface="Arial" panose="020B0604020202020204" pitchFamily="34" charset="0"/>
+              <a:buChar char="•"/>
+              <a:defRPr sz="1800" kern="1200">
+                <a:solidFill>
+                  <a:schemeClr val="tx1"/>
+                </a:solidFill>
+                <a:latin typeface="+mn-lt"/>
+                <a:ea typeface="+mn-ea"/>
+                <a:cs typeface="+mn-cs"/>
+              </a:defRPr>
+            </a:lvl9pPr>
+          </a:lstStyle>
+          <a:p>
+            <a:r>
+              <a:rPr lang="en-US" sz="1900" dirty="0"/>
+              <a:t>Natural Language Processing (NLP):</a:t>
+            </a:r>
+          </a:p>
+          <a:p>
+            <a:pPr marL="342900" indent="-342900">
+              <a:buFont typeface="Arial" panose="020B0604020202020204" pitchFamily="34" charset="0"/>
+              <a:buChar char="•"/>
+            </a:pPr>
+            <a:r>
+              <a:rPr lang="en-US" sz="1900" dirty="0"/>
+              <a:t>“Tokenizes” text</a:t>
+            </a:r>
+          </a:p>
+          <a:p>
+            <a:endParaRPr lang="en-US" sz="1900" dirty="0"/>
+          </a:p>
+          <a:p>
+            <a:pPr marL="342900" indent="-342900">
+              <a:buFont typeface="Arial" panose="020B0604020202020204" pitchFamily="34" charset="0"/>
+              <a:buChar char="•"/>
+            </a:pPr>
+            <a:r>
+              <a:rPr lang="en-US" sz="1900" dirty="0"/>
+              <a:t>Uses resulting tokens to create </a:t>
+            </a:r>
+            <a:r>
+              <a:rPr lang="en-US" sz="1900" b="1" dirty="0"/>
+              <a:t>vectors</a:t>
+            </a:r>
+            <a:r>
+              <a:rPr lang="en-US" sz="1900" dirty="0"/>
+              <a:t> as data</a:t>
+            </a:r>
+          </a:p>
+        </p:txBody>
+      </p:sp>
+      <p:sp>
+        <p:nvSpPr>
+          <p:cNvPr id="52" name="Rectangle 51">
+            <a:extLst>
+              <a:ext uri="{FF2B5EF4-FFF2-40B4-BE49-F238E27FC236}">
+                <a16:creationId xmlns:a16="http://schemas.microsoft.com/office/drawing/2014/main" id="{05BE79F4-CBC4-423E-93BC-E55D8766B089}"/>
+              </a:ext>
+            </a:extLst>
+          </p:cNvPr>
+          <p:cNvSpPr/>
+          <p:nvPr/>
+        </p:nvSpPr>
+        <p:spPr>
+          <a:xfrm>
+            <a:off x="6777357" y="2899979"/>
+            <a:ext cx="2828409" cy="369332"/>
+          </a:xfrm>
+          <a:prstGeom prst="rect">
+            <a:avLst/>
+          </a:prstGeom>
+        </p:spPr>
+        <p:txBody>
+          <a:bodyPr wrap="square">
+            <a:spAutoFit/>
+          </a:bodyPr>
+          <a:lstStyle/>
+          <a:p>
+            <a:r>
+              <a:rPr lang="en-US" dirty="0">
+                <a:solidFill>
+                  <a:schemeClr val="bg2"/>
+                </a:solidFill>
+              </a:rPr>
+              <a:t>N        L        P</a:t>
+            </a:r>
+          </a:p>
+        </p:txBody>
+      </p:sp>
+      <p:sp>
+        <p:nvSpPr>
+          <p:cNvPr id="54" name="Rectangle 53">
+            <a:extLst>
+              <a:ext uri="{FF2B5EF4-FFF2-40B4-BE49-F238E27FC236}">
+                <a16:creationId xmlns:a16="http://schemas.microsoft.com/office/drawing/2014/main" id="{27C9E11C-EB16-4CAA-A454-6C0224172462}"/>
+              </a:ext>
+            </a:extLst>
+          </p:cNvPr>
+          <p:cNvSpPr/>
+          <p:nvPr/>
+        </p:nvSpPr>
+        <p:spPr>
+          <a:xfrm>
+            <a:off x="9850359" y="2857231"/>
+            <a:ext cx="1651542" cy="369332"/>
+          </a:xfrm>
+          <a:prstGeom prst="rect">
+            <a:avLst/>
+          </a:prstGeom>
+        </p:spPr>
+        <p:txBody>
+          <a:bodyPr wrap="none">
+            <a:spAutoFit/>
+          </a:bodyPr>
+          <a:lstStyle/>
+          <a:p>
+            <a:r>
+              <a:rPr lang="en-US" dirty="0">
+                <a:solidFill>
+                  <a:schemeClr val="bg2"/>
+                </a:solidFill>
+              </a:rPr>
+              <a:t>Neural Network</a:t>
+            </a:r>
+          </a:p>
+        </p:txBody>
+      </p:sp>
+      <p:pic>
+        <p:nvPicPr>
+          <p:cNvPr id="60" name="Graphic 59" descr="Add">
+            <a:extLst>
+              <a:ext uri="{FF2B5EF4-FFF2-40B4-BE49-F238E27FC236}">
+                <a16:creationId xmlns:a16="http://schemas.microsoft.com/office/drawing/2014/main" id="{FB3D8A05-8E26-4CAC-979E-EC1F07763321}"/>
+              </a:ext>
+            </a:extLst>
+          </p:cNvPr>
+          <p:cNvPicPr>
+            <a:picLocks noChangeAspect="1"/>
+          </p:cNvPicPr>
+          <p:nvPr/>
+        </p:nvPicPr>
+        <p:blipFill>
+          <a:blip r:embed="rId12">
+            <a:extLst>
+              <a:ext uri="{96DAC541-7B7A-43D3-8B79-37D633B846F1}">
+                <asvg:svgBlip xmlns:asvg="http://schemas.microsoft.com/office/drawing/2016/SVG/main" r:embed="rId13"/>
+              </a:ext>
+            </a:extLst>
+          </a:blip>
+          <a:stretch>
+            <a:fillRect/>
+          </a:stretch>
+        </p:blipFill>
+        <p:spPr>
+          <a:xfrm>
+            <a:off x="5473172" y="4313930"/>
+            <a:ext cx="1074522" cy="793905"/>
+          </a:xfrm>
+          <a:prstGeom prst="rect">
+            <a:avLst/>
+          </a:prstGeom>
+        </p:spPr>
+      </p:pic>
     </p:spTree>
     <p:extLst>
       <p:ext uri="{BB962C8B-B14F-4D97-AF65-F5344CB8AC3E}">
@@ -23650,138 +25156,387 @@
   <p:clrMapOvr>
     <a:masterClrMapping/>
   </p:clrMapOvr>
-</p:sld>
-</file>
-
-<file path=ppt/slides/slide6.xml><?xml version="1.0" encoding="utf-8"?>
-<p:sld xmlns:a="http://schemas.openxmlformats.org/drawingml/2006/main" xmlns:r="http://schemas.openxmlformats.org/officeDocument/2006/relationships" xmlns:p="http://schemas.openxmlformats.org/presentationml/2006/main">
-  <p:cSld>
-    <p:spTree>
-      <p:nvGrpSpPr>
-        <p:cNvPr id="1" name=""/>
-        <p:cNvGrpSpPr/>
-        <p:nvPr/>
-      </p:nvGrpSpPr>
-      <p:grpSpPr>
-        <a:xfrm>
-          <a:off x="0" y="0"/>
-          <a:ext cx="0" cy="0"/>
-          <a:chOff x="0" y="0"/>
-          <a:chExt cx="0" cy="0"/>
-        </a:xfrm>
-      </p:grpSpPr>
-      <p:sp>
-        <p:nvSpPr>
-          <p:cNvPr id="2" name="Title 1">
-            <a:extLst>
-              <a:ext uri="{FF2B5EF4-FFF2-40B4-BE49-F238E27FC236}">
-                <a16:creationId xmlns:a16="http://schemas.microsoft.com/office/drawing/2014/main" id="{A6E56B58-2B80-4397-A29D-207CA1020DEA}"/>
-              </a:ext>
-            </a:extLst>
-          </p:cNvPr>
-          <p:cNvSpPr>
-            <a:spLocks noGrp="1"/>
-          </p:cNvSpPr>
-          <p:nvPr>
-            <p:ph type="title"/>
-          </p:nvPr>
-        </p:nvSpPr>
-        <p:spPr/>
-        <p:txBody>
-          <a:bodyPr/>
-          <a:lstStyle/>
-          <a:p>
-            <a:r>
-              <a:rPr lang="en-US" dirty="0"/>
-              <a:t>Results:</a:t>
-            </a:r>
-          </a:p>
-        </p:txBody>
-      </p:sp>
-      <p:pic>
-        <p:nvPicPr>
-          <p:cNvPr id="4" name="Picture Placeholder 11" title="Decorative">
-            <a:extLst>
-              <a:ext uri="{FF2B5EF4-FFF2-40B4-BE49-F238E27FC236}">
-                <a16:creationId xmlns:a16="http://schemas.microsoft.com/office/drawing/2014/main" id="{1D5E3FE6-79CC-481A-95F3-0D60F853BAC6}"/>
-              </a:ext>
-            </a:extLst>
-          </p:cNvPr>
-          <p:cNvPicPr>
-            <a:picLocks noChangeAspect="1"/>
-          </p:cNvPicPr>
-          <p:nvPr/>
-        </p:nvPicPr>
-        <p:blipFill>
-          <a:blip r:embed="rId2" cstate="email">
-            <a:extLst>
-              <a:ext uri="{28A0092B-C50C-407E-A947-70E740481C1C}">
-                <a14:useLocalDpi xmlns:a14="http://schemas.microsoft.com/office/drawing/2010/main"/>
-              </a:ext>
-            </a:extLst>
-          </a:blip>
-          <a:srcRect/>
-          <a:stretch>
-            <a:fillRect/>
-          </a:stretch>
-        </p:blipFill>
-        <p:spPr>
-          <a:xfrm flipH="1">
-            <a:off x="9987823" y="389195"/>
-            <a:ext cx="1869440" cy="2749520"/>
-          </a:xfrm>
-          <a:prstGeom prst="rect">
-            <a:avLst/>
-          </a:prstGeom>
-        </p:spPr>
-      </p:pic>
-      <p:pic>
-        <p:nvPicPr>
-          <p:cNvPr id="5" name="Picture Placeholder 8" title="Decorative">
-            <a:extLst>
-              <a:ext uri="{FF2B5EF4-FFF2-40B4-BE49-F238E27FC236}">
-                <a16:creationId xmlns:a16="http://schemas.microsoft.com/office/drawing/2014/main" id="{D6292B76-48BE-4EF8-A03B-13A48DC142A8}"/>
-              </a:ext>
-            </a:extLst>
-          </p:cNvPr>
-          <p:cNvPicPr>
-            <a:picLocks noChangeAspect="1"/>
-          </p:cNvPicPr>
-          <p:nvPr/>
-        </p:nvPicPr>
-        <p:blipFill>
-          <a:blip r:embed="rId3" cstate="email">
-            <a:extLst>
-              <a:ext uri="{28A0092B-C50C-407E-A947-70E740481C1C}">
-                <a14:useLocalDpi xmlns:a14="http://schemas.microsoft.com/office/drawing/2010/main"/>
-              </a:ext>
-            </a:extLst>
-          </a:blip>
-          <a:srcRect/>
-          <a:stretch>
-            <a:fillRect/>
-          </a:stretch>
-        </p:blipFill>
-        <p:spPr>
-          <a:xfrm>
-            <a:off x="185451" y="4218244"/>
-            <a:ext cx="2611637" cy="2376494"/>
-          </a:xfrm>
-          <a:prstGeom prst="rect">
-            <a:avLst/>
-          </a:prstGeom>
-        </p:spPr>
-      </p:pic>
-    </p:spTree>
-    <p:extLst>
-      <p:ext uri="{BB962C8B-B14F-4D97-AF65-F5344CB8AC3E}">
-        <p14:creationId xmlns:p14="http://schemas.microsoft.com/office/powerpoint/2010/main" val="2408151303"/>
-      </p:ext>
-    </p:extLst>
-  </p:cSld>
-  <p:clrMapOvr>
-    <a:masterClrMapping/>
-  </p:clrMapOvr>
+  <p:timing>
+    <p:tnLst>
+      <p:par>
+        <p:cTn id="1" dur="indefinite" restart="never" nodeType="tmRoot">
+          <p:childTnLst>
+            <p:seq concurrent="1" nextAc="seek">
+              <p:cTn id="2" dur="indefinite" nodeType="mainSeq">
+                <p:childTnLst>
+                  <p:par>
+                    <p:cTn id="3" fill="hold">
+                      <p:stCondLst>
+                        <p:cond delay="indefinite"/>
+                      </p:stCondLst>
+                      <p:childTnLst>
+                        <p:par>
+                          <p:cTn id="4" fill="hold">
+                            <p:stCondLst>
+                              <p:cond delay="0"/>
+                            </p:stCondLst>
+                            <p:childTnLst>
+                              <p:par>
+                                <p:cTn id="5" presetID="1" presetClass="entr" presetSubtype="0" fill="hold" grpId="0" nodeType="clickEffect">
+                                  <p:stCondLst>
+                                    <p:cond delay="0"/>
+                                  </p:stCondLst>
+                                  <p:childTnLst>
+                                    <p:set>
+                                      <p:cBhvr>
+                                        <p:cTn id="6" dur="1" fill="hold">
+                                          <p:stCondLst>
+                                            <p:cond delay="0"/>
+                                          </p:stCondLst>
+                                        </p:cTn>
+                                        <p:tgtEl>
+                                          <p:spTgt spid="53"/>
+                                        </p:tgtEl>
+                                        <p:attrNameLst>
+                                          <p:attrName>style.visibility</p:attrName>
+                                        </p:attrNameLst>
+                                      </p:cBhvr>
+                                      <p:to>
+                                        <p:strVal val="visible"/>
+                                      </p:to>
+                                    </p:set>
+                                  </p:childTnLst>
+                                </p:cTn>
+                              </p:par>
+                            </p:childTnLst>
+                          </p:cTn>
+                        </p:par>
+                      </p:childTnLst>
+                    </p:cTn>
+                  </p:par>
+                  <p:par>
+                    <p:cTn id="7" fill="hold">
+                      <p:stCondLst>
+                        <p:cond delay="indefinite"/>
+                      </p:stCondLst>
+                      <p:childTnLst>
+                        <p:par>
+                          <p:cTn id="8" fill="hold">
+                            <p:stCondLst>
+                              <p:cond delay="0"/>
+                            </p:stCondLst>
+                            <p:childTnLst>
+                              <p:par>
+                                <p:cTn id="9" presetID="1" presetClass="entr" presetSubtype="0" fill="hold" grpId="0" nodeType="clickEffect">
+                                  <p:stCondLst>
+                                    <p:cond delay="0"/>
+                                  </p:stCondLst>
+                                  <p:childTnLst>
+                                    <p:set>
+                                      <p:cBhvr>
+                                        <p:cTn id="10" dur="1" fill="hold">
+                                          <p:stCondLst>
+                                            <p:cond delay="0"/>
+                                          </p:stCondLst>
+                                        </p:cTn>
+                                        <p:tgtEl>
+                                          <p:spTgt spid="9">
+                                            <p:txEl>
+                                              <p:pRg st="0" end="0"/>
+                                            </p:txEl>
+                                          </p:spTgt>
+                                        </p:tgtEl>
+                                        <p:attrNameLst>
+                                          <p:attrName>style.visibility</p:attrName>
+                                        </p:attrNameLst>
+                                      </p:cBhvr>
+                                      <p:to>
+                                        <p:strVal val="visible"/>
+                                      </p:to>
+                                    </p:set>
+                                  </p:childTnLst>
+                                </p:cTn>
+                              </p:par>
+                            </p:childTnLst>
+                          </p:cTn>
+                        </p:par>
+                      </p:childTnLst>
+                    </p:cTn>
+                  </p:par>
+                  <p:par>
+                    <p:cTn id="11" fill="hold">
+                      <p:stCondLst>
+                        <p:cond delay="indefinite"/>
+                      </p:stCondLst>
+                      <p:childTnLst>
+                        <p:par>
+                          <p:cTn id="12" fill="hold">
+                            <p:stCondLst>
+                              <p:cond delay="0"/>
+                            </p:stCondLst>
+                            <p:childTnLst>
+                              <p:par>
+                                <p:cTn id="13" presetID="1" presetClass="entr" presetSubtype="0" fill="hold" grpId="0" nodeType="clickEffect">
+                                  <p:stCondLst>
+                                    <p:cond delay="0"/>
+                                  </p:stCondLst>
+                                  <p:childTnLst>
+                                    <p:set>
+                                      <p:cBhvr>
+                                        <p:cTn id="14" dur="1" fill="hold">
+                                          <p:stCondLst>
+                                            <p:cond delay="0"/>
+                                          </p:stCondLst>
+                                        </p:cTn>
+                                        <p:tgtEl>
+                                          <p:spTgt spid="9">
+                                            <p:txEl>
+                                              <p:pRg st="1" end="1"/>
+                                            </p:txEl>
+                                          </p:spTgt>
+                                        </p:tgtEl>
+                                        <p:attrNameLst>
+                                          <p:attrName>style.visibility</p:attrName>
+                                        </p:attrNameLst>
+                                      </p:cBhvr>
+                                      <p:to>
+                                        <p:strVal val="visible"/>
+                                      </p:to>
+                                    </p:set>
+                                  </p:childTnLst>
+                                </p:cTn>
+                              </p:par>
+                              <p:par>
+                                <p:cTn id="15" presetID="1" presetClass="entr" presetSubtype="0" fill="hold" grpId="0" nodeType="withEffect">
+                                  <p:stCondLst>
+                                    <p:cond delay="0"/>
+                                  </p:stCondLst>
+                                  <p:childTnLst>
+                                    <p:set>
+                                      <p:cBhvr>
+                                        <p:cTn id="16" dur="1" fill="hold">
+                                          <p:stCondLst>
+                                            <p:cond delay="0"/>
+                                          </p:stCondLst>
+                                        </p:cTn>
+                                        <p:tgtEl>
+                                          <p:spTgt spid="9">
+                                            <p:txEl>
+                                              <p:pRg st="2" end="2"/>
+                                            </p:txEl>
+                                          </p:spTgt>
+                                        </p:tgtEl>
+                                        <p:attrNameLst>
+                                          <p:attrName>style.visibility</p:attrName>
+                                        </p:attrNameLst>
+                                      </p:cBhvr>
+                                      <p:to>
+                                        <p:strVal val="visible"/>
+                                      </p:to>
+                                    </p:set>
+                                  </p:childTnLst>
+                                </p:cTn>
+                              </p:par>
+                              <p:par>
+                                <p:cTn id="17" presetID="1" presetClass="entr" presetSubtype="0" fill="hold" grpId="0" nodeType="withEffect">
+                                  <p:stCondLst>
+                                    <p:cond delay="0"/>
+                                  </p:stCondLst>
+                                  <p:childTnLst>
+                                    <p:set>
+                                      <p:cBhvr>
+                                        <p:cTn id="18" dur="1" fill="hold">
+                                          <p:stCondLst>
+                                            <p:cond delay="0"/>
+                                          </p:stCondLst>
+                                        </p:cTn>
+                                        <p:tgtEl>
+                                          <p:spTgt spid="9">
+                                            <p:txEl>
+                                              <p:pRg st="3" end="3"/>
+                                            </p:txEl>
+                                          </p:spTgt>
+                                        </p:tgtEl>
+                                        <p:attrNameLst>
+                                          <p:attrName>style.visibility</p:attrName>
+                                        </p:attrNameLst>
+                                      </p:cBhvr>
+                                      <p:to>
+                                        <p:strVal val="visible"/>
+                                      </p:to>
+                                    </p:set>
+                                  </p:childTnLst>
+                                </p:cTn>
+                              </p:par>
+                              <p:par>
+                                <p:cTn id="19" presetID="1" presetClass="entr" presetSubtype="0" fill="hold" grpId="0" nodeType="withEffect">
+                                  <p:stCondLst>
+                                    <p:cond delay="0"/>
+                                  </p:stCondLst>
+                                  <p:childTnLst>
+                                    <p:set>
+                                      <p:cBhvr>
+                                        <p:cTn id="20" dur="1" fill="hold">
+                                          <p:stCondLst>
+                                            <p:cond delay="0"/>
+                                          </p:stCondLst>
+                                        </p:cTn>
+                                        <p:tgtEl>
+                                          <p:spTgt spid="9">
+                                            <p:txEl>
+                                              <p:pRg st="4" end="4"/>
+                                            </p:txEl>
+                                          </p:spTgt>
+                                        </p:tgtEl>
+                                        <p:attrNameLst>
+                                          <p:attrName>style.visibility</p:attrName>
+                                        </p:attrNameLst>
+                                      </p:cBhvr>
+                                      <p:to>
+                                        <p:strVal val="visible"/>
+                                      </p:to>
+                                    </p:set>
+                                  </p:childTnLst>
+                                </p:cTn>
+                              </p:par>
+                            </p:childTnLst>
+                          </p:cTn>
+                        </p:par>
+                      </p:childTnLst>
+                    </p:cTn>
+                  </p:par>
+                  <p:par>
+                    <p:cTn id="21" fill="hold">
+                      <p:stCondLst>
+                        <p:cond delay="indefinite"/>
+                      </p:stCondLst>
+                      <p:childTnLst>
+                        <p:par>
+                          <p:cTn id="22" fill="hold">
+                            <p:stCondLst>
+                              <p:cond delay="0"/>
+                            </p:stCondLst>
+                            <p:childTnLst>
+                              <p:par>
+                                <p:cTn id="23" presetID="1" presetClass="entr" presetSubtype="0" fill="hold" grpId="0" nodeType="clickEffect">
+                                  <p:stCondLst>
+                                    <p:cond delay="0"/>
+                                  </p:stCondLst>
+                                  <p:childTnLst>
+                                    <p:set>
+                                      <p:cBhvr>
+                                        <p:cTn id="24" dur="1" fill="hold">
+                                          <p:stCondLst>
+                                            <p:cond delay="0"/>
+                                          </p:stCondLst>
+                                        </p:cTn>
+                                        <p:tgtEl>
+                                          <p:spTgt spid="9">
+                                            <p:txEl>
+                                              <p:pRg st="5" end="5"/>
+                                            </p:txEl>
+                                          </p:spTgt>
+                                        </p:tgtEl>
+                                        <p:attrNameLst>
+                                          <p:attrName>style.visibility</p:attrName>
+                                        </p:attrNameLst>
+                                      </p:cBhvr>
+                                      <p:to>
+                                        <p:strVal val="visible"/>
+                                      </p:to>
+                                    </p:set>
+                                  </p:childTnLst>
+                                </p:cTn>
+                              </p:par>
+                              <p:par>
+                                <p:cTn id="25" presetID="1" presetClass="entr" presetSubtype="0" fill="hold" grpId="0" nodeType="withEffect">
+                                  <p:stCondLst>
+                                    <p:cond delay="0"/>
+                                  </p:stCondLst>
+                                  <p:childTnLst>
+                                    <p:set>
+                                      <p:cBhvr>
+                                        <p:cTn id="26" dur="1" fill="hold">
+                                          <p:stCondLst>
+                                            <p:cond delay="0"/>
+                                          </p:stCondLst>
+                                        </p:cTn>
+                                        <p:tgtEl>
+                                          <p:spTgt spid="9">
+                                            <p:txEl>
+                                              <p:pRg st="6" end="6"/>
+                                            </p:txEl>
+                                          </p:spTgt>
+                                        </p:tgtEl>
+                                        <p:attrNameLst>
+                                          <p:attrName>style.visibility</p:attrName>
+                                        </p:attrNameLst>
+                                      </p:cBhvr>
+                                      <p:to>
+                                        <p:strVal val="visible"/>
+                                      </p:to>
+                                    </p:set>
+                                  </p:childTnLst>
+                                </p:cTn>
+                              </p:par>
+                              <p:par>
+                                <p:cTn id="27" presetID="1" presetClass="entr" presetSubtype="0" fill="hold" grpId="0" nodeType="withEffect">
+                                  <p:stCondLst>
+                                    <p:cond delay="0"/>
+                                  </p:stCondLst>
+                                  <p:childTnLst>
+                                    <p:set>
+                                      <p:cBhvr>
+                                        <p:cTn id="28" dur="1" fill="hold">
+                                          <p:stCondLst>
+                                            <p:cond delay="0"/>
+                                          </p:stCondLst>
+                                        </p:cTn>
+                                        <p:tgtEl>
+                                          <p:spTgt spid="9">
+                                            <p:txEl>
+                                              <p:pRg st="7" end="7"/>
+                                            </p:txEl>
+                                          </p:spTgt>
+                                        </p:tgtEl>
+                                        <p:attrNameLst>
+                                          <p:attrName>style.visibility</p:attrName>
+                                        </p:attrNameLst>
+                                      </p:cBhvr>
+                                      <p:to>
+                                        <p:strVal val="visible"/>
+                                      </p:to>
+                                    </p:set>
+                                  </p:childTnLst>
+                                </p:cTn>
+                              </p:par>
+                            </p:childTnLst>
+                          </p:cTn>
+                        </p:par>
+                      </p:childTnLst>
+                    </p:cTn>
+                  </p:par>
+                </p:childTnLst>
+              </p:cTn>
+              <p:prevCondLst>
+                <p:cond evt="onPrev" delay="0">
+                  <p:tgtEl>
+                    <p:sldTgt/>
+                  </p:tgtEl>
+                </p:cond>
+              </p:prevCondLst>
+              <p:nextCondLst>
+                <p:cond evt="onNext" delay="0">
+                  <p:tgtEl>
+                    <p:sldTgt/>
+                  </p:tgtEl>
+                </p:cond>
+              </p:nextCondLst>
+            </p:seq>
+          </p:childTnLst>
+        </p:cTn>
+      </p:par>
+    </p:tnLst>
+    <p:bldLst>
+      <p:bldP spid="9" grpId="0" build="p"/>
+      <p:bldP spid="53" grpId="0"/>
+    </p:bldLst>
+  </p:timing>
 </p:sld>
 </file>
 
@@ -23804,10 +25559,10 @@
       </p:grpSpPr>
       <p:sp>
         <p:nvSpPr>
-          <p:cNvPr id="4" name="Title 3">
-            <a:extLst>
-              <a:ext uri="{FF2B5EF4-FFF2-40B4-BE49-F238E27FC236}">
-                <a16:creationId xmlns:a16="http://schemas.microsoft.com/office/drawing/2014/main" id="{997EAB6E-5FFF-4923-BC7F-D2C71AD246DB}"/>
+          <p:cNvPr id="2" name="Title 1">
+            <a:extLst>
+              <a:ext uri="{FF2B5EF4-FFF2-40B4-BE49-F238E27FC236}">
+                <a16:creationId xmlns:a16="http://schemas.microsoft.com/office/drawing/2014/main" id="{A6E56B58-2B80-4397-A29D-207CA1020DEA}"/>
               </a:ext>
             </a:extLst>
           </p:cNvPr>
@@ -23820,49 +25575,1155 @@
         </p:nvSpPr>
         <p:spPr/>
         <p:txBody>
-          <a:bodyPr>
-            <a:normAutofit/>
+          <a:bodyPr/>
+          <a:lstStyle/>
+          <a:p>
+            <a:r>
+              <a:rPr lang="en-US" dirty="0"/>
+              <a:t>Results:</a:t>
+            </a:r>
+          </a:p>
+        </p:txBody>
+      </p:sp>
+      <p:pic>
+        <p:nvPicPr>
+          <p:cNvPr id="6" name="Picture Placeholder 16" title="Decorative">
+            <a:extLst>
+              <a:ext uri="{FF2B5EF4-FFF2-40B4-BE49-F238E27FC236}">
+                <a16:creationId xmlns:a16="http://schemas.microsoft.com/office/drawing/2014/main" id="{016A5EBD-C0B9-4903-830B-0887D21B9165}"/>
+              </a:ext>
+            </a:extLst>
+          </p:cNvPr>
+          <p:cNvPicPr>
+            <a:picLocks noChangeAspect="1"/>
+          </p:cNvPicPr>
+          <p:nvPr/>
+        </p:nvPicPr>
+        <p:blipFill rotWithShape="1">
+          <a:blip r:embed="rId2" cstate="email">
+            <a:extLst>
+              <a:ext uri="{28A0092B-C50C-407E-A947-70E740481C1C}">
+                <a14:useLocalDpi xmlns:a14="http://schemas.microsoft.com/office/drawing/2010/main"/>
+              </a:ext>
+            </a:extLst>
+          </a:blip>
+          <a:srcRect l="53" r="53"/>
+          <a:stretch/>
+        </p:blipFill>
+        <p:spPr>
+          <a:xfrm>
+            <a:off x="7315557" y="-230135"/>
+            <a:ext cx="6924080" cy="3188493"/>
+          </a:xfrm>
+          <a:prstGeom prst="rect">
+            <a:avLst/>
+          </a:prstGeom>
+          <a:solidFill>
+            <a:schemeClr val="accent2">
+              <a:lumMod val="75000"/>
+              <a:lumOff val="25000"/>
+            </a:schemeClr>
+          </a:solidFill>
+        </p:spPr>
+      </p:pic>
+      <p:sp>
+        <p:nvSpPr>
+          <p:cNvPr id="3" name="TextBox 2">
+            <a:extLst>
+              <a:ext uri="{FF2B5EF4-FFF2-40B4-BE49-F238E27FC236}">
+                <a16:creationId xmlns:a16="http://schemas.microsoft.com/office/drawing/2014/main" id="{2BACC81E-6996-4905-9F71-4AA351542BE0}"/>
+              </a:ext>
+            </a:extLst>
+          </p:cNvPr>
+          <p:cNvSpPr txBox="1"/>
+          <p:nvPr/>
+        </p:nvSpPr>
+        <p:spPr>
+          <a:xfrm>
+            <a:off x="4020768" y="1429731"/>
+            <a:ext cx="3657600" cy="2031325"/>
+          </a:xfrm>
+          <a:prstGeom prst="rect">
+            <a:avLst/>
+          </a:prstGeom>
+          <a:noFill/>
+        </p:spPr>
+        <p:txBody>
+          <a:bodyPr wrap="square" rtlCol="0">
+            <a:spAutoFit/>
           </a:bodyPr>
           <a:lstStyle/>
           <a:p>
-            <a:endParaRPr lang="en-US" dirty="0"/>
-          </a:p>
-        </p:txBody>
-      </p:sp>
-      <p:sp>
-        <p:nvSpPr>
-          <p:cNvPr id="5" name="Text Placeholder 4">
-            <a:extLst>
-              <a:ext uri="{FF2B5EF4-FFF2-40B4-BE49-F238E27FC236}">
-                <a16:creationId xmlns:a16="http://schemas.microsoft.com/office/drawing/2014/main" id="{DBE20D5C-43B3-4BCF-8700-BD30912F7568}"/>
-              </a:ext>
-            </a:extLst>
-          </p:cNvPr>
-          <p:cNvSpPr>
-            <a:spLocks noGrp="1"/>
-          </p:cNvSpPr>
-          <p:nvPr>
-            <p:ph type="body" sz="quarter" idx="10"/>
-          </p:nvPr>
-        </p:nvSpPr>
-        <p:spPr/>
-        <p:txBody>
-          <a:bodyPr/>
+            <a:r>
+              <a:rPr lang="en-US" dirty="0">
+                <a:solidFill>
+                  <a:schemeClr val="bg1"/>
+                </a:solidFill>
+              </a:rPr>
+              <a:t>98% Accuracy Rate</a:t>
+            </a:r>
+          </a:p>
+          <a:p>
+            <a:endParaRPr lang="en-US" dirty="0">
+              <a:solidFill>
+                <a:schemeClr val="bg1"/>
+              </a:solidFill>
+            </a:endParaRPr>
+          </a:p>
+          <a:p>
+            <a:r>
+              <a:rPr lang="en-US" b="1" dirty="0">
+                <a:solidFill>
+                  <a:schemeClr val="bg1"/>
+                </a:solidFill>
+              </a:rPr>
+              <a:t>100% of the time identified clean </a:t>
+            </a:r>
+          </a:p>
+          <a:p>
+            <a:r>
+              <a:rPr lang="en-US" b="1" dirty="0">
+                <a:solidFill>
+                  <a:schemeClr val="bg1"/>
+                </a:solidFill>
+              </a:rPr>
+              <a:t>text</a:t>
+            </a:r>
+          </a:p>
+          <a:p>
+            <a:endParaRPr lang="en-US" dirty="0">
+              <a:solidFill>
+                <a:schemeClr val="bg1"/>
+              </a:solidFill>
+            </a:endParaRPr>
+          </a:p>
+          <a:p>
+            <a:r>
+              <a:rPr lang="en-US" dirty="0">
+                <a:solidFill>
+                  <a:schemeClr val="bg1"/>
+                </a:solidFill>
+              </a:rPr>
+              <a:t>Better at predicting classes where there is more data… a lot better.</a:t>
+            </a:r>
+          </a:p>
+        </p:txBody>
+      </p:sp>
+      <p:graphicFrame>
+        <p:nvGraphicFramePr>
+          <p:cNvPr id="11" name="Table 10">
+            <a:extLst>
+              <a:ext uri="{FF2B5EF4-FFF2-40B4-BE49-F238E27FC236}">
+                <a16:creationId xmlns:a16="http://schemas.microsoft.com/office/drawing/2014/main" id="{CAB193D4-30D3-4244-A9B0-B762F930FA84}"/>
+              </a:ext>
+            </a:extLst>
+          </p:cNvPr>
+          <p:cNvGraphicFramePr>
+            <a:graphicFrameLocks noGrp="1"/>
+          </p:cNvGraphicFramePr>
+          <p:nvPr>
+            <p:extLst>
+              <p:ext uri="{D42A27DB-BD31-4B8C-83A1-F6EECF244321}">
+                <p14:modId xmlns:p14="http://schemas.microsoft.com/office/powerpoint/2010/main" val="3613635704"/>
+              </p:ext>
+            </p:extLst>
+          </p:nvPr>
+        </p:nvGraphicFramePr>
+        <p:xfrm>
+          <a:off x="8720666" y="3498209"/>
+          <a:ext cx="3040699" cy="2801951"/>
+        </p:xfrm>
+        <a:graphic>
+          <a:graphicData uri="http://schemas.openxmlformats.org/drawingml/2006/table">
+            <a:tbl>
+              <a:tblPr/>
+              <a:tblGrid>
+                <a:gridCol w="1441516">
+                  <a:extLst>
+                    <a:ext uri="{9D8B030D-6E8A-4147-A177-3AD203B41FA5}">
+                      <a16:colId xmlns:a16="http://schemas.microsoft.com/office/drawing/2014/main" val="622717998"/>
+                    </a:ext>
+                  </a:extLst>
+                </a:gridCol>
+                <a:gridCol w="1599183">
+                  <a:extLst>
+                    <a:ext uri="{9D8B030D-6E8A-4147-A177-3AD203B41FA5}">
+                      <a16:colId xmlns:a16="http://schemas.microsoft.com/office/drawing/2014/main" val="3258729050"/>
+                    </a:ext>
+                  </a:extLst>
+                </a:gridCol>
+              </a:tblGrid>
+              <a:tr h="962177">
+                <a:tc>
+                  <a:txBody>
+                    <a:bodyPr/>
+                    <a:lstStyle/>
+                    <a:p>
+                      <a:pPr algn="ctr" fontAlgn="ctr"/>
+                      <a:r>
+                        <a:rPr lang="en-US" sz="1100" b="1" i="0" u="none" strike="noStrike" dirty="0">
+                          <a:solidFill>
+                            <a:srgbClr val="E7E6E6"/>
+                          </a:solidFill>
+                          <a:effectLst/>
+                          <a:latin typeface="Calibri" panose="020F0502020204030204" pitchFamily="34" charset="0"/>
+                        </a:rPr>
+                        <a:t>Category</a:t>
+                      </a:r>
+                    </a:p>
+                  </a:txBody>
+                  <a:tcPr marL="6350" marR="6350" marT="6350" marB="0" anchor="ctr">
+                    <a:lnL w="6350" cap="flat" cmpd="sng" algn="ctr">
+                      <a:solidFill>
+                        <a:srgbClr val="000000"/>
+                      </a:solidFill>
+                      <a:prstDash val="solid"/>
+                      <a:round/>
+                      <a:headEnd type="none" w="med" len="med"/>
+                      <a:tailEnd type="none" w="med" len="med"/>
+                    </a:lnL>
+                    <a:lnR w="6350" cap="flat" cmpd="sng" algn="ctr">
+                      <a:solidFill>
+                        <a:srgbClr val="000000"/>
+                      </a:solidFill>
+                      <a:prstDash val="solid"/>
+                      <a:round/>
+                      <a:headEnd type="none" w="med" len="med"/>
+                      <a:tailEnd type="none" w="med" len="med"/>
+                    </a:lnR>
+                    <a:lnT w="6350" cap="flat" cmpd="sng" algn="ctr">
+                      <a:solidFill>
+                        <a:srgbClr val="000000"/>
+                      </a:solidFill>
+                      <a:prstDash val="solid"/>
+                      <a:round/>
+                      <a:headEnd type="none" w="med" len="med"/>
+                      <a:tailEnd type="none" w="med" len="med"/>
+                    </a:lnT>
+                    <a:lnB w="6350" cap="flat" cmpd="sng" algn="ctr">
+                      <a:solidFill>
+                        <a:srgbClr val="000000"/>
+                      </a:solidFill>
+                      <a:prstDash val="solid"/>
+                      <a:round/>
+                      <a:headEnd type="none" w="med" len="med"/>
+                      <a:tailEnd type="none" w="med" len="med"/>
+                    </a:lnB>
+                    <a:solidFill>
+                      <a:srgbClr val="336600"/>
+                    </a:solidFill>
+                  </a:tcPr>
+                </a:tc>
+                <a:tc>
+                  <a:txBody>
+                    <a:bodyPr/>
+                    <a:lstStyle/>
+                    <a:p>
+                      <a:pPr algn="ctr" fontAlgn="ctr"/>
+                      <a:r>
+                        <a:rPr lang="en-US" sz="1100" b="1" i="0" u="none" strike="noStrike" dirty="0">
+                          <a:solidFill>
+                            <a:srgbClr val="E7E6E6"/>
+                          </a:solidFill>
+                          <a:effectLst/>
+                          <a:latin typeface="Calibri" panose="020F0502020204030204" pitchFamily="34" charset="0"/>
+                        </a:rPr>
+                        <a:t>Rate of </a:t>
+                      </a:r>
+                      <a:br>
+                        <a:rPr lang="en-US" sz="1100" b="1" i="0" u="none" strike="noStrike" dirty="0">
+                          <a:solidFill>
+                            <a:srgbClr val="E7E6E6"/>
+                          </a:solidFill>
+                          <a:effectLst/>
+                          <a:latin typeface="Calibri" panose="020F0502020204030204" pitchFamily="34" charset="0"/>
+                        </a:rPr>
+                      </a:br>
+                      <a:r>
+                        <a:rPr lang="en-US" sz="1100" b="1" i="0" u="none" strike="noStrike" dirty="0">
+                          <a:solidFill>
+                            <a:srgbClr val="E7E6E6"/>
+                          </a:solidFill>
+                          <a:effectLst/>
+                          <a:latin typeface="Calibri" panose="020F0502020204030204" pitchFamily="34" charset="0"/>
+                        </a:rPr>
+                        <a:t>Predicting Cases or ‘Recall”</a:t>
+                      </a:r>
+                    </a:p>
+                  </a:txBody>
+                  <a:tcPr marL="6350" marR="6350" marT="6350" marB="0" anchor="ctr">
+                    <a:lnL w="6350" cap="flat" cmpd="sng" algn="ctr">
+                      <a:solidFill>
+                        <a:srgbClr val="000000"/>
+                      </a:solidFill>
+                      <a:prstDash val="solid"/>
+                      <a:round/>
+                      <a:headEnd type="none" w="med" len="med"/>
+                      <a:tailEnd type="none" w="med" len="med"/>
+                    </a:lnL>
+                    <a:lnR w="6350" cap="flat" cmpd="sng" algn="ctr">
+                      <a:solidFill>
+                        <a:srgbClr val="000000"/>
+                      </a:solidFill>
+                      <a:prstDash val="solid"/>
+                      <a:round/>
+                      <a:headEnd type="none" w="med" len="med"/>
+                      <a:tailEnd type="none" w="med" len="med"/>
+                    </a:lnR>
+                    <a:lnT w="6350" cap="flat" cmpd="sng" algn="ctr">
+                      <a:solidFill>
+                        <a:srgbClr val="000000"/>
+                      </a:solidFill>
+                      <a:prstDash val="solid"/>
+                      <a:round/>
+                      <a:headEnd type="none" w="med" len="med"/>
+                      <a:tailEnd type="none" w="med" len="med"/>
+                    </a:lnT>
+                    <a:lnB w="6350" cap="flat" cmpd="sng" algn="ctr">
+                      <a:solidFill>
+                        <a:srgbClr val="000000"/>
+                      </a:solidFill>
+                      <a:prstDash val="solid"/>
+                      <a:round/>
+                      <a:headEnd type="none" w="med" len="med"/>
+                      <a:tailEnd type="none" w="med" len="med"/>
+                    </a:lnB>
+                    <a:solidFill>
+                      <a:srgbClr val="336600"/>
+                    </a:solidFill>
+                  </a:tcPr>
+                </a:tc>
+                <a:extLst>
+                  <a:ext uri="{0D108BD9-81ED-4DB2-BD59-A6C34878D82A}">
+                    <a16:rowId xmlns:a16="http://schemas.microsoft.com/office/drawing/2014/main" val="1794141234"/>
+                  </a:ext>
+                </a:extLst>
+              </a:tr>
+              <a:tr h="306629">
+                <a:tc>
+                  <a:txBody>
+                    <a:bodyPr/>
+                    <a:lstStyle/>
+                    <a:p>
+                      <a:pPr algn="ctr" fontAlgn="b"/>
+                      <a:r>
+                        <a:rPr lang="en-US" sz="1100" b="0" i="0" u="none" strike="noStrike" dirty="0">
+                          <a:solidFill>
+                            <a:srgbClr val="000000"/>
+                          </a:solidFill>
+                          <a:effectLst/>
+                          <a:latin typeface="Calibri" panose="020F0502020204030204" pitchFamily="34" charset="0"/>
+                        </a:rPr>
+                        <a:t>Toxic</a:t>
+                      </a:r>
+                    </a:p>
+                  </a:txBody>
+                  <a:tcPr marL="6350" marR="6350" marT="6350" marB="0" anchor="b">
+                    <a:lnL w="6350" cap="flat" cmpd="sng" algn="ctr">
+                      <a:solidFill>
+                        <a:srgbClr val="000000"/>
+                      </a:solidFill>
+                      <a:prstDash val="solid"/>
+                      <a:round/>
+                      <a:headEnd type="none" w="med" len="med"/>
+                      <a:tailEnd type="none" w="med" len="med"/>
+                    </a:lnL>
+                    <a:lnR w="6350" cap="flat" cmpd="sng" algn="ctr">
+                      <a:solidFill>
+                        <a:srgbClr val="000000"/>
+                      </a:solidFill>
+                      <a:prstDash val="solid"/>
+                      <a:round/>
+                      <a:headEnd type="none" w="med" len="med"/>
+                      <a:tailEnd type="none" w="med" len="med"/>
+                    </a:lnR>
+                    <a:lnT w="6350" cap="flat" cmpd="sng" algn="ctr">
+                      <a:solidFill>
+                        <a:srgbClr val="000000"/>
+                      </a:solidFill>
+                      <a:prstDash val="solid"/>
+                      <a:round/>
+                      <a:headEnd type="none" w="med" len="med"/>
+                      <a:tailEnd type="none" w="med" len="med"/>
+                    </a:lnT>
+                    <a:lnB w="6350" cap="flat" cmpd="sng" algn="ctr">
+                      <a:solidFill>
+                        <a:srgbClr val="000000"/>
+                      </a:solidFill>
+                      <a:prstDash val="solid"/>
+                      <a:round/>
+                      <a:headEnd type="none" w="med" len="med"/>
+                      <a:tailEnd type="none" w="med" len="med"/>
+                    </a:lnB>
+                    <a:solidFill>
+                      <a:srgbClr val="FFFFFF"/>
+                    </a:solidFill>
+                  </a:tcPr>
+                </a:tc>
+                <a:tc>
+                  <a:txBody>
+                    <a:bodyPr/>
+                    <a:lstStyle/>
+                    <a:p>
+                      <a:pPr algn="ctr" fontAlgn="b"/>
+                      <a:r>
+                        <a:rPr lang="en-US" sz="1100" b="0" i="0" u="none" strike="noStrike" dirty="0">
+                          <a:solidFill>
+                            <a:srgbClr val="000000"/>
+                          </a:solidFill>
+                          <a:effectLst/>
+                          <a:latin typeface="Calibri" panose="020F0502020204030204" pitchFamily="34" charset="0"/>
+                        </a:rPr>
+                        <a:t>67</a:t>
+                      </a:r>
+                    </a:p>
+                  </a:txBody>
+                  <a:tcPr marL="6350" marR="6350" marT="6350" marB="0" anchor="b">
+                    <a:lnL w="6350" cap="flat" cmpd="sng" algn="ctr">
+                      <a:solidFill>
+                        <a:srgbClr val="000000"/>
+                      </a:solidFill>
+                      <a:prstDash val="solid"/>
+                      <a:round/>
+                      <a:headEnd type="none" w="med" len="med"/>
+                      <a:tailEnd type="none" w="med" len="med"/>
+                    </a:lnL>
+                    <a:lnR w="6350" cap="flat" cmpd="sng" algn="ctr">
+                      <a:solidFill>
+                        <a:srgbClr val="000000"/>
+                      </a:solidFill>
+                      <a:prstDash val="solid"/>
+                      <a:round/>
+                      <a:headEnd type="none" w="med" len="med"/>
+                      <a:tailEnd type="none" w="med" len="med"/>
+                    </a:lnR>
+                    <a:lnT w="6350" cap="flat" cmpd="sng" algn="ctr">
+                      <a:solidFill>
+                        <a:srgbClr val="000000"/>
+                      </a:solidFill>
+                      <a:prstDash val="solid"/>
+                      <a:round/>
+                      <a:headEnd type="none" w="med" len="med"/>
+                      <a:tailEnd type="none" w="med" len="med"/>
+                    </a:lnT>
+                    <a:lnB w="6350" cap="flat" cmpd="sng" algn="ctr">
+                      <a:solidFill>
+                        <a:srgbClr val="000000"/>
+                      </a:solidFill>
+                      <a:prstDash val="solid"/>
+                      <a:round/>
+                      <a:headEnd type="none" w="med" len="med"/>
+                      <a:tailEnd type="none" w="med" len="med"/>
+                    </a:lnB>
+                    <a:solidFill>
+                      <a:srgbClr val="FFFFFF"/>
+                    </a:solidFill>
+                  </a:tcPr>
+                </a:tc>
+                <a:extLst>
+                  <a:ext uri="{0D108BD9-81ED-4DB2-BD59-A6C34878D82A}">
+                    <a16:rowId xmlns:a16="http://schemas.microsoft.com/office/drawing/2014/main" val="2687774338"/>
+                  </a:ext>
+                </a:extLst>
+              </a:tr>
+              <a:tr h="306629">
+                <a:tc>
+                  <a:txBody>
+                    <a:bodyPr/>
+                    <a:lstStyle/>
+                    <a:p>
+                      <a:pPr algn="ctr" fontAlgn="b"/>
+                      <a:r>
+                        <a:rPr lang="en-US" sz="1100" b="0" i="0" u="none" strike="noStrike" dirty="0">
+                          <a:solidFill>
+                            <a:srgbClr val="000000"/>
+                          </a:solidFill>
+                          <a:effectLst/>
+                          <a:latin typeface="Calibri" panose="020F0502020204030204" pitchFamily="34" charset="0"/>
+                        </a:rPr>
+                        <a:t>Severe toxic</a:t>
+                      </a:r>
+                    </a:p>
+                  </a:txBody>
+                  <a:tcPr marL="6350" marR="6350" marT="6350" marB="0" anchor="b">
+                    <a:lnL w="6350" cap="flat" cmpd="sng" algn="ctr">
+                      <a:solidFill>
+                        <a:srgbClr val="000000"/>
+                      </a:solidFill>
+                      <a:prstDash val="solid"/>
+                      <a:round/>
+                      <a:headEnd type="none" w="med" len="med"/>
+                      <a:tailEnd type="none" w="med" len="med"/>
+                    </a:lnL>
+                    <a:lnR w="6350" cap="flat" cmpd="sng" algn="ctr">
+                      <a:solidFill>
+                        <a:srgbClr val="000000"/>
+                      </a:solidFill>
+                      <a:prstDash val="solid"/>
+                      <a:round/>
+                      <a:headEnd type="none" w="med" len="med"/>
+                      <a:tailEnd type="none" w="med" len="med"/>
+                    </a:lnR>
+                    <a:lnT w="6350" cap="flat" cmpd="sng" algn="ctr">
+                      <a:solidFill>
+                        <a:srgbClr val="000000"/>
+                      </a:solidFill>
+                      <a:prstDash val="solid"/>
+                      <a:round/>
+                      <a:headEnd type="none" w="med" len="med"/>
+                      <a:tailEnd type="none" w="med" len="med"/>
+                    </a:lnT>
+                    <a:lnB w="6350" cap="flat" cmpd="sng" algn="ctr">
+                      <a:solidFill>
+                        <a:srgbClr val="000000"/>
+                      </a:solidFill>
+                      <a:prstDash val="solid"/>
+                      <a:round/>
+                      <a:headEnd type="none" w="med" len="med"/>
+                      <a:tailEnd type="none" w="med" len="med"/>
+                    </a:lnB>
+                    <a:solidFill>
+                      <a:schemeClr val="bg2">
+                        <a:lumMod val="20000"/>
+                        <a:lumOff val="80000"/>
+                      </a:schemeClr>
+                    </a:solidFill>
+                  </a:tcPr>
+                </a:tc>
+                <a:tc>
+                  <a:txBody>
+                    <a:bodyPr/>
+                    <a:lstStyle/>
+                    <a:p>
+                      <a:pPr algn="ctr" fontAlgn="b"/>
+                      <a:r>
+                        <a:rPr lang="en-US" sz="800" b="0" i="0" u="none" strike="noStrike" dirty="0">
+                          <a:solidFill>
+                            <a:srgbClr val="000000"/>
+                          </a:solidFill>
+                          <a:effectLst/>
+                          <a:latin typeface="Calibri" panose="020F0502020204030204" pitchFamily="34" charset="0"/>
+                        </a:rPr>
+                        <a:t>not enough samples</a:t>
+                      </a:r>
+                    </a:p>
+                  </a:txBody>
+                  <a:tcPr marL="6350" marR="6350" marT="6350" marB="0" anchor="b">
+                    <a:lnL w="6350" cap="flat" cmpd="sng" algn="ctr">
+                      <a:solidFill>
+                        <a:srgbClr val="000000"/>
+                      </a:solidFill>
+                      <a:prstDash val="solid"/>
+                      <a:round/>
+                      <a:headEnd type="none" w="med" len="med"/>
+                      <a:tailEnd type="none" w="med" len="med"/>
+                    </a:lnL>
+                    <a:lnR w="6350" cap="flat" cmpd="sng" algn="ctr">
+                      <a:solidFill>
+                        <a:srgbClr val="000000"/>
+                      </a:solidFill>
+                      <a:prstDash val="solid"/>
+                      <a:round/>
+                      <a:headEnd type="none" w="med" len="med"/>
+                      <a:tailEnd type="none" w="med" len="med"/>
+                    </a:lnR>
+                    <a:lnT w="6350" cap="flat" cmpd="sng" algn="ctr">
+                      <a:solidFill>
+                        <a:srgbClr val="000000"/>
+                      </a:solidFill>
+                      <a:prstDash val="solid"/>
+                      <a:round/>
+                      <a:headEnd type="none" w="med" len="med"/>
+                      <a:tailEnd type="none" w="med" len="med"/>
+                    </a:lnT>
+                    <a:lnB w="6350" cap="flat" cmpd="sng" algn="ctr">
+                      <a:solidFill>
+                        <a:srgbClr val="000000"/>
+                      </a:solidFill>
+                      <a:prstDash val="solid"/>
+                      <a:round/>
+                      <a:headEnd type="none" w="med" len="med"/>
+                      <a:tailEnd type="none" w="med" len="med"/>
+                    </a:lnB>
+                    <a:solidFill>
+                      <a:schemeClr val="bg2">
+                        <a:lumMod val="20000"/>
+                        <a:lumOff val="80000"/>
+                      </a:schemeClr>
+                    </a:solidFill>
+                  </a:tcPr>
+                </a:tc>
+                <a:extLst>
+                  <a:ext uri="{0D108BD9-81ED-4DB2-BD59-A6C34878D82A}">
+                    <a16:rowId xmlns:a16="http://schemas.microsoft.com/office/drawing/2014/main" val="3229741442"/>
+                  </a:ext>
+                </a:extLst>
+              </a:tr>
+              <a:tr h="306629">
+                <a:tc>
+                  <a:txBody>
+                    <a:bodyPr/>
+                    <a:lstStyle/>
+                    <a:p>
+                      <a:pPr algn="ctr" fontAlgn="b"/>
+                      <a:r>
+                        <a:rPr lang="en-US" sz="1100" b="0" i="0" u="none" strike="noStrike" dirty="0">
+                          <a:solidFill>
+                            <a:srgbClr val="000000"/>
+                          </a:solidFill>
+                          <a:effectLst/>
+                          <a:latin typeface="Calibri" panose="020F0502020204030204" pitchFamily="34" charset="0"/>
+                        </a:rPr>
+                        <a:t>Obscene</a:t>
+                      </a:r>
+                    </a:p>
+                  </a:txBody>
+                  <a:tcPr marL="6350" marR="6350" marT="6350" marB="0" anchor="b">
+                    <a:lnL w="6350" cap="flat" cmpd="sng" algn="ctr">
+                      <a:solidFill>
+                        <a:srgbClr val="000000"/>
+                      </a:solidFill>
+                      <a:prstDash val="solid"/>
+                      <a:round/>
+                      <a:headEnd type="none" w="med" len="med"/>
+                      <a:tailEnd type="none" w="med" len="med"/>
+                    </a:lnL>
+                    <a:lnR w="6350" cap="flat" cmpd="sng" algn="ctr">
+                      <a:solidFill>
+                        <a:srgbClr val="000000"/>
+                      </a:solidFill>
+                      <a:prstDash val="solid"/>
+                      <a:round/>
+                      <a:headEnd type="none" w="med" len="med"/>
+                      <a:tailEnd type="none" w="med" len="med"/>
+                    </a:lnR>
+                    <a:lnT w="6350" cap="flat" cmpd="sng" algn="ctr">
+                      <a:solidFill>
+                        <a:srgbClr val="000000"/>
+                      </a:solidFill>
+                      <a:prstDash val="solid"/>
+                      <a:round/>
+                      <a:headEnd type="none" w="med" len="med"/>
+                      <a:tailEnd type="none" w="med" len="med"/>
+                    </a:lnT>
+                    <a:lnB w="6350" cap="flat" cmpd="sng" algn="ctr">
+                      <a:solidFill>
+                        <a:srgbClr val="000000"/>
+                      </a:solidFill>
+                      <a:prstDash val="solid"/>
+                      <a:round/>
+                      <a:headEnd type="none" w="med" len="med"/>
+                      <a:tailEnd type="none" w="med" len="med"/>
+                    </a:lnB>
+                    <a:solidFill>
+                      <a:srgbClr val="FFFFFF"/>
+                    </a:solidFill>
+                  </a:tcPr>
+                </a:tc>
+                <a:tc>
+                  <a:txBody>
+                    <a:bodyPr/>
+                    <a:lstStyle/>
+                    <a:p>
+                      <a:pPr algn="ctr" fontAlgn="b"/>
+                      <a:r>
+                        <a:rPr lang="en-US" sz="1100" b="0" i="0" u="none" strike="noStrike" dirty="0">
+                          <a:solidFill>
+                            <a:srgbClr val="000000"/>
+                          </a:solidFill>
+                          <a:effectLst/>
+                          <a:latin typeface="Calibri" panose="020F0502020204030204" pitchFamily="34" charset="0"/>
+                        </a:rPr>
+                        <a:t>76</a:t>
+                      </a:r>
+                    </a:p>
+                  </a:txBody>
+                  <a:tcPr marL="6350" marR="6350" marT="6350" marB="0" anchor="b">
+                    <a:lnL w="6350" cap="flat" cmpd="sng" algn="ctr">
+                      <a:solidFill>
+                        <a:srgbClr val="000000"/>
+                      </a:solidFill>
+                      <a:prstDash val="solid"/>
+                      <a:round/>
+                      <a:headEnd type="none" w="med" len="med"/>
+                      <a:tailEnd type="none" w="med" len="med"/>
+                    </a:lnL>
+                    <a:lnR w="6350" cap="flat" cmpd="sng" algn="ctr">
+                      <a:solidFill>
+                        <a:srgbClr val="000000"/>
+                      </a:solidFill>
+                      <a:prstDash val="solid"/>
+                      <a:round/>
+                      <a:headEnd type="none" w="med" len="med"/>
+                      <a:tailEnd type="none" w="med" len="med"/>
+                    </a:lnR>
+                    <a:lnT w="6350" cap="flat" cmpd="sng" algn="ctr">
+                      <a:solidFill>
+                        <a:srgbClr val="000000"/>
+                      </a:solidFill>
+                      <a:prstDash val="solid"/>
+                      <a:round/>
+                      <a:headEnd type="none" w="med" len="med"/>
+                      <a:tailEnd type="none" w="med" len="med"/>
+                    </a:lnT>
+                    <a:lnB w="6350" cap="flat" cmpd="sng" algn="ctr">
+                      <a:solidFill>
+                        <a:srgbClr val="000000"/>
+                      </a:solidFill>
+                      <a:prstDash val="solid"/>
+                      <a:round/>
+                      <a:headEnd type="none" w="med" len="med"/>
+                      <a:tailEnd type="none" w="med" len="med"/>
+                    </a:lnB>
+                    <a:solidFill>
+                      <a:srgbClr val="FFFFFF"/>
+                    </a:solidFill>
+                  </a:tcPr>
+                </a:tc>
+                <a:extLst>
+                  <a:ext uri="{0D108BD9-81ED-4DB2-BD59-A6C34878D82A}">
+                    <a16:rowId xmlns:a16="http://schemas.microsoft.com/office/drawing/2014/main" val="2331656692"/>
+                  </a:ext>
+                </a:extLst>
+              </a:tr>
+              <a:tr h="306629">
+                <a:tc>
+                  <a:txBody>
+                    <a:bodyPr/>
+                    <a:lstStyle/>
+                    <a:p>
+                      <a:pPr algn="ctr" fontAlgn="b"/>
+                      <a:r>
+                        <a:rPr lang="en-US" sz="1100" b="0" i="0" u="none" strike="noStrike" dirty="0">
+                          <a:solidFill>
+                            <a:srgbClr val="000000"/>
+                          </a:solidFill>
+                          <a:effectLst/>
+                          <a:latin typeface="Calibri" panose="020F0502020204030204" pitchFamily="34" charset="0"/>
+                        </a:rPr>
+                        <a:t>Threat</a:t>
+                      </a:r>
+                    </a:p>
+                  </a:txBody>
+                  <a:tcPr marL="6350" marR="6350" marT="6350" marB="0" anchor="b">
+                    <a:lnL w="6350" cap="flat" cmpd="sng" algn="ctr">
+                      <a:solidFill>
+                        <a:srgbClr val="000000"/>
+                      </a:solidFill>
+                      <a:prstDash val="solid"/>
+                      <a:round/>
+                      <a:headEnd type="none" w="med" len="med"/>
+                      <a:tailEnd type="none" w="med" len="med"/>
+                    </a:lnL>
+                    <a:lnR w="6350" cap="flat" cmpd="sng" algn="ctr">
+                      <a:solidFill>
+                        <a:srgbClr val="000000"/>
+                      </a:solidFill>
+                      <a:prstDash val="solid"/>
+                      <a:round/>
+                      <a:headEnd type="none" w="med" len="med"/>
+                      <a:tailEnd type="none" w="med" len="med"/>
+                    </a:lnR>
+                    <a:lnT w="6350" cap="flat" cmpd="sng" algn="ctr">
+                      <a:solidFill>
+                        <a:srgbClr val="000000"/>
+                      </a:solidFill>
+                      <a:prstDash val="solid"/>
+                      <a:round/>
+                      <a:headEnd type="none" w="med" len="med"/>
+                      <a:tailEnd type="none" w="med" len="med"/>
+                    </a:lnT>
+                    <a:lnB w="6350" cap="flat" cmpd="sng" algn="ctr">
+                      <a:solidFill>
+                        <a:srgbClr val="000000"/>
+                      </a:solidFill>
+                      <a:prstDash val="solid"/>
+                      <a:round/>
+                      <a:headEnd type="none" w="med" len="med"/>
+                      <a:tailEnd type="none" w="med" len="med"/>
+                    </a:lnB>
+                    <a:solidFill>
+                      <a:schemeClr val="bg2">
+                        <a:lumMod val="20000"/>
+                        <a:lumOff val="80000"/>
+                      </a:schemeClr>
+                    </a:solidFill>
+                  </a:tcPr>
+                </a:tc>
+                <a:tc>
+                  <a:txBody>
+                    <a:bodyPr/>
+                    <a:lstStyle/>
+                    <a:p>
+                      <a:pPr algn="ctr" fontAlgn="b"/>
+                      <a:r>
+                        <a:rPr lang="en-US" sz="800" b="0" i="0" u="none" strike="noStrike" dirty="0">
+                          <a:solidFill>
+                            <a:srgbClr val="000000"/>
+                          </a:solidFill>
+                          <a:effectLst/>
+                          <a:latin typeface="Calibri" panose="020F0502020204030204" pitchFamily="34" charset="0"/>
+                        </a:rPr>
+                        <a:t>not enough samples</a:t>
+                      </a:r>
+                    </a:p>
+                  </a:txBody>
+                  <a:tcPr marL="6350" marR="6350" marT="6350" marB="0" anchor="b">
+                    <a:lnL w="6350" cap="flat" cmpd="sng" algn="ctr">
+                      <a:solidFill>
+                        <a:srgbClr val="000000"/>
+                      </a:solidFill>
+                      <a:prstDash val="solid"/>
+                      <a:round/>
+                      <a:headEnd type="none" w="med" len="med"/>
+                      <a:tailEnd type="none" w="med" len="med"/>
+                    </a:lnL>
+                    <a:lnR w="6350" cap="flat" cmpd="sng" algn="ctr">
+                      <a:solidFill>
+                        <a:srgbClr val="000000"/>
+                      </a:solidFill>
+                      <a:prstDash val="solid"/>
+                      <a:round/>
+                      <a:headEnd type="none" w="med" len="med"/>
+                      <a:tailEnd type="none" w="med" len="med"/>
+                    </a:lnR>
+                    <a:lnT w="6350" cap="flat" cmpd="sng" algn="ctr">
+                      <a:solidFill>
+                        <a:srgbClr val="000000"/>
+                      </a:solidFill>
+                      <a:prstDash val="solid"/>
+                      <a:round/>
+                      <a:headEnd type="none" w="med" len="med"/>
+                      <a:tailEnd type="none" w="med" len="med"/>
+                    </a:lnT>
+                    <a:lnB w="6350" cap="flat" cmpd="sng" algn="ctr">
+                      <a:solidFill>
+                        <a:srgbClr val="000000"/>
+                      </a:solidFill>
+                      <a:prstDash val="solid"/>
+                      <a:round/>
+                      <a:headEnd type="none" w="med" len="med"/>
+                      <a:tailEnd type="none" w="med" len="med"/>
+                    </a:lnB>
+                    <a:solidFill>
+                      <a:schemeClr val="bg2">
+                        <a:lumMod val="20000"/>
+                        <a:lumOff val="80000"/>
+                      </a:schemeClr>
+                    </a:solidFill>
+                  </a:tcPr>
+                </a:tc>
+                <a:extLst>
+                  <a:ext uri="{0D108BD9-81ED-4DB2-BD59-A6C34878D82A}">
+                    <a16:rowId xmlns:a16="http://schemas.microsoft.com/office/drawing/2014/main" val="2195411762"/>
+                  </a:ext>
+                </a:extLst>
+              </a:tr>
+              <a:tr h="306629">
+                <a:tc>
+                  <a:txBody>
+                    <a:bodyPr/>
+                    <a:lstStyle/>
+                    <a:p>
+                      <a:pPr algn="ctr" fontAlgn="b"/>
+                      <a:r>
+                        <a:rPr lang="en-US" sz="1100" b="0" i="0" u="none" strike="noStrike" dirty="0">
+                          <a:solidFill>
+                            <a:srgbClr val="000000"/>
+                          </a:solidFill>
+                          <a:effectLst/>
+                          <a:latin typeface="Calibri" panose="020F0502020204030204" pitchFamily="34" charset="0"/>
+                        </a:rPr>
+                        <a:t>Insult</a:t>
+                      </a:r>
+                    </a:p>
+                  </a:txBody>
+                  <a:tcPr marL="6350" marR="6350" marT="6350" marB="0" anchor="b">
+                    <a:lnL w="6350" cap="flat" cmpd="sng" algn="ctr">
+                      <a:solidFill>
+                        <a:srgbClr val="000000"/>
+                      </a:solidFill>
+                      <a:prstDash val="solid"/>
+                      <a:round/>
+                      <a:headEnd type="none" w="med" len="med"/>
+                      <a:tailEnd type="none" w="med" len="med"/>
+                    </a:lnL>
+                    <a:lnR w="6350" cap="flat" cmpd="sng" algn="ctr">
+                      <a:solidFill>
+                        <a:srgbClr val="000000"/>
+                      </a:solidFill>
+                      <a:prstDash val="solid"/>
+                      <a:round/>
+                      <a:headEnd type="none" w="med" len="med"/>
+                      <a:tailEnd type="none" w="med" len="med"/>
+                    </a:lnR>
+                    <a:lnT w="6350" cap="flat" cmpd="sng" algn="ctr">
+                      <a:solidFill>
+                        <a:srgbClr val="000000"/>
+                      </a:solidFill>
+                      <a:prstDash val="solid"/>
+                      <a:round/>
+                      <a:headEnd type="none" w="med" len="med"/>
+                      <a:tailEnd type="none" w="med" len="med"/>
+                    </a:lnT>
+                    <a:lnB w="6350" cap="flat" cmpd="sng" algn="ctr">
+                      <a:solidFill>
+                        <a:srgbClr val="000000"/>
+                      </a:solidFill>
+                      <a:prstDash val="solid"/>
+                      <a:round/>
+                      <a:headEnd type="none" w="med" len="med"/>
+                      <a:tailEnd type="none" w="med" len="med"/>
+                    </a:lnB>
+                    <a:solidFill>
+                      <a:srgbClr val="FFFFFF"/>
+                    </a:solidFill>
+                  </a:tcPr>
+                </a:tc>
+                <a:tc>
+                  <a:txBody>
+                    <a:bodyPr/>
+                    <a:lstStyle/>
+                    <a:p>
+                      <a:pPr algn="ctr" fontAlgn="b"/>
+                      <a:r>
+                        <a:rPr lang="en-US" sz="1100" b="0" i="0" u="none" strike="noStrike" dirty="0">
+                          <a:solidFill>
+                            <a:srgbClr val="000000"/>
+                          </a:solidFill>
+                          <a:effectLst/>
+                          <a:latin typeface="Calibri" panose="020F0502020204030204" pitchFamily="34" charset="0"/>
+                        </a:rPr>
+                        <a:t>65</a:t>
+                      </a:r>
+                    </a:p>
+                  </a:txBody>
+                  <a:tcPr marL="6350" marR="6350" marT="6350" marB="0" anchor="b">
+                    <a:lnL w="6350" cap="flat" cmpd="sng" algn="ctr">
+                      <a:solidFill>
+                        <a:srgbClr val="000000"/>
+                      </a:solidFill>
+                      <a:prstDash val="solid"/>
+                      <a:round/>
+                      <a:headEnd type="none" w="med" len="med"/>
+                      <a:tailEnd type="none" w="med" len="med"/>
+                    </a:lnL>
+                    <a:lnR w="6350" cap="flat" cmpd="sng" algn="ctr">
+                      <a:solidFill>
+                        <a:srgbClr val="000000"/>
+                      </a:solidFill>
+                      <a:prstDash val="solid"/>
+                      <a:round/>
+                      <a:headEnd type="none" w="med" len="med"/>
+                      <a:tailEnd type="none" w="med" len="med"/>
+                    </a:lnR>
+                    <a:lnT w="6350" cap="flat" cmpd="sng" algn="ctr">
+                      <a:solidFill>
+                        <a:srgbClr val="000000"/>
+                      </a:solidFill>
+                      <a:prstDash val="solid"/>
+                      <a:round/>
+                      <a:headEnd type="none" w="med" len="med"/>
+                      <a:tailEnd type="none" w="med" len="med"/>
+                    </a:lnT>
+                    <a:lnB w="6350" cap="flat" cmpd="sng" algn="ctr">
+                      <a:solidFill>
+                        <a:srgbClr val="000000"/>
+                      </a:solidFill>
+                      <a:prstDash val="solid"/>
+                      <a:round/>
+                      <a:headEnd type="none" w="med" len="med"/>
+                      <a:tailEnd type="none" w="med" len="med"/>
+                    </a:lnB>
+                    <a:solidFill>
+                      <a:srgbClr val="FFFFFF"/>
+                    </a:solidFill>
+                  </a:tcPr>
+                </a:tc>
+                <a:extLst>
+                  <a:ext uri="{0D108BD9-81ED-4DB2-BD59-A6C34878D82A}">
+                    <a16:rowId xmlns:a16="http://schemas.microsoft.com/office/drawing/2014/main" val="2137228558"/>
+                  </a:ext>
+                </a:extLst>
+              </a:tr>
+              <a:tr h="306629">
+                <a:tc>
+                  <a:txBody>
+                    <a:bodyPr/>
+                    <a:lstStyle/>
+                    <a:p>
+                      <a:pPr algn="ctr" fontAlgn="b"/>
+                      <a:r>
+                        <a:rPr lang="en-US" sz="1100" b="0" i="0" u="none" strike="noStrike" dirty="0">
+                          <a:solidFill>
+                            <a:srgbClr val="000000"/>
+                          </a:solidFill>
+                          <a:effectLst/>
+                          <a:latin typeface="Calibri" panose="020F0502020204030204" pitchFamily="34" charset="0"/>
+                        </a:rPr>
+                        <a:t>Identity Hate</a:t>
+                      </a:r>
+                    </a:p>
+                  </a:txBody>
+                  <a:tcPr marL="6350" marR="6350" marT="6350" marB="0" anchor="b">
+                    <a:lnL w="6350" cap="flat" cmpd="sng" algn="ctr">
+                      <a:solidFill>
+                        <a:srgbClr val="000000"/>
+                      </a:solidFill>
+                      <a:prstDash val="solid"/>
+                      <a:round/>
+                      <a:headEnd type="none" w="med" len="med"/>
+                      <a:tailEnd type="none" w="med" len="med"/>
+                    </a:lnL>
+                    <a:lnR w="6350" cap="flat" cmpd="sng" algn="ctr">
+                      <a:solidFill>
+                        <a:srgbClr val="000000"/>
+                      </a:solidFill>
+                      <a:prstDash val="solid"/>
+                      <a:round/>
+                      <a:headEnd type="none" w="med" len="med"/>
+                      <a:tailEnd type="none" w="med" len="med"/>
+                    </a:lnR>
+                    <a:lnT w="6350" cap="flat" cmpd="sng" algn="ctr">
+                      <a:solidFill>
+                        <a:srgbClr val="000000"/>
+                      </a:solidFill>
+                      <a:prstDash val="solid"/>
+                      <a:round/>
+                      <a:headEnd type="none" w="med" len="med"/>
+                      <a:tailEnd type="none" w="med" len="med"/>
+                    </a:lnT>
+                    <a:lnB w="6350" cap="flat" cmpd="sng" algn="ctr">
+                      <a:solidFill>
+                        <a:srgbClr val="000000"/>
+                      </a:solidFill>
+                      <a:prstDash val="solid"/>
+                      <a:round/>
+                      <a:headEnd type="none" w="med" len="med"/>
+                      <a:tailEnd type="none" w="med" len="med"/>
+                    </a:lnB>
+                    <a:solidFill>
+                      <a:schemeClr val="bg2">
+                        <a:lumMod val="20000"/>
+                        <a:lumOff val="80000"/>
+                      </a:schemeClr>
+                    </a:solidFill>
+                  </a:tcPr>
+                </a:tc>
+                <a:tc>
+                  <a:txBody>
+                    <a:bodyPr/>
+                    <a:lstStyle/>
+                    <a:p>
+                      <a:pPr algn="ctr" fontAlgn="b"/>
+                      <a:r>
+                        <a:rPr lang="en-US" sz="800" b="0" i="0" u="none" strike="noStrike" dirty="0">
+                          <a:solidFill>
+                            <a:srgbClr val="000000"/>
+                          </a:solidFill>
+                          <a:effectLst/>
+                          <a:latin typeface="Calibri" panose="020F0502020204030204" pitchFamily="34" charset="0"/>
+                        </a:rPr>
+                        <a:t>not enough samples</a:t>
+                      </a:r>
+                    </a:p>
+                  </a:txBody>
+                  <a:tcPr marL="6350" marR="6350" marT="6350" marB="0" anchor="b">
+                    <a:lnL w="6350" cap="flat" cmpd="sng" algn="ctr">
+                      <a:solidFill>
+                        <a:srgbClr val="000000"/>
+                      </a:solidFill>
+                      <a:prstDash val="solid"/>
+                      <a:round/>
+                      <a:headEnd type="none" w="med" len="med"/>
+                      <a:tailEnd type="none" w="med" len="med"/>
+                    </a:lnL>
+                    <a:lnR w="6350" cap="flat" cmpd="sng" algn="ctr">
+                      <a:solidFill>
+                        <a:srgbClr val="000000"/>
+                      </a:solidFill>
+                      <a:prstDash val="solid"/>
+                      <a:round/>
+                      <a:headEnd type="none" w="med" len="med"/>
+                      <a:tailEnd type="none" w="med" len="med"/>
+                    </a:lnR>
+                    <a:lnT w="6350" cap="flat" cmpd="sng" algn="ctr">
+                      <a:solidFill>
+                        <a:srgbClr val="000000"/>
+                      </a:solidFill>
+                      <a:prstDash val="solid"/>
+                      <a:round/>
+                      <a:headEnd type="none" w="med" len="med"/>
+                      <a:tailEnd type="none" w="med" len="med"/>
+                    </a:lnT>
+                    <a:lnB w="6350" cap="flat" cmpd="sng" algn="ctr">
+                      <a:solidFill>
+                        <a:srgbClr val="000000"/>
+                      </a:solidFill>
+                      <a:prstDash val="solid"/>
+                      <a:round/>
+                      <a:headEnd type="none" w="med" len="med"/>
+                      <a:tailEnd type="none" w="med" len="med"/>
+                    </a:lnB>
+                    <a:solidFill>
+                      <a:schemeClr val="bg2">
+                        <a:lumMod val="20000"/>
+                        <a:lumOff val="80000"/>
+                      </a:schemeClr>
+                    </a:solidFill>
+                  </a:tcPr>
+                </a:tc>
+                <a:extLst>
+                  <a:ext uri="{0D108BD9-81ED-4DB2-BD59-A6C34878D82A}">
+                    <a16:rowId xmlns:a16="http://schemas.microsoft.com/office/drawing/2014/main" val="580769828"/>
+                  </a:ext>
+                </a:extLst>
+              </a:tr>
+            </a:tbl>
+          </a:graphicData>
+        </a:graphic>
+      </p:graphicFrame>
+      <p:sp>
+        <p:nvSpPr>
+          <p:cNvPr id="12" name="TextBox 11">
+            <a:extLst>
+              <a:ext uri="{FF2B5EF4-FFF2-40B4-BE49-F238E27FC236}">
+                <a16:creationId xmlns:a16="http://schemas.microsoft.com/office/drawing/2014/main" id="{DC684F3E-92D2-4186-8BBF-361D8CCFCFF7}"/>
+              </a:ext>
+            </a:extLst>
+          </p:cNvPr>
+          <p:cNvSpPr txBox="1"/>
+          <p:nvPr/>
+        </p:nvSpPr>
+        <p:spPr>
+          <a:xfrm>
+            <a:off x="5214068" y="6454050"/>
+            <a:ext cx="3506598" cy="307777"/>
+          </a:xfrm>
+          <a:prstGeom prst="rect">
+            <a:avLst/>
+          </a:prstGeom>
+          <a:noFill/>
+        </p:spPr>
+        <p:txBody>
+          <a:bodyPr wrap="square" rtlCol="0">
+            <a:spAutoFit/>
+          </a:bodyPr>
           <a:lstStyle/>
           <a:p>
             <a:r>
-              <a:rPr lang="en-US" dirty="0"/>
-              <a:t>1</a:t>
+              <a:rPr lang="en-US" sz="1400" dirty="0"/>
+              <a:t>Epoch # (Round of training)</a:t>
             </a:r>
           </a:p>
         </p:txBody>
       </p:sp>
       <p:pic>
         <p:nvPicPr>
-          <p:cNvPr id="6" name="Picture Placeholder 8" title="Decorative">
-            <a:extLst>
-              <a:ext uri="{FF2B5EF4-FFF2-40B4-BE49-F238E27FC236}">
-                <a16:creationId xmlns:a16="http://schemas.microsoft.com/office/drawing/2014/main" id="{12CA7E11-5B3B-41CE-8985-8282F7F493A8}"/>
+          <p:cNvPr id="16" name="Picture 15">
+            <a:extLst>
+              <a:ext uri="{FF2B5EF4-FFF2-40B4-BE49-F238E27FC236}">
+                <a16:creationId xmlns:a16="http://schemas.microsoft.com/office/drawing/2014/main" id="{D0F3DCC8-3DFF-451C-9765-61177BF0D4E1}"/>
               </a:ext>
             </a:extLst>
           </p:cNvPr>
@@ -23872,32 +26733,60 @@
           <p:nvPr/>
         </p:nvPicPr>
         <p:blipFill>
-          <a:blip r:embed="rId2" cstate="email">
-            <a:extLst>
-              <a:ext uri="{28A0092B-C50C-407E-A947-70E740481C1C}">
-                <a14:useLocalDpi xmlns:a14="http://schemas.microsoft.com/office/drawing/2010/main"/>
-              </a:ext>
-            </a:extLst>
-          </a:blip>
-          <a:srcRect/>
+          <a:blip r:embed="rId3"/>
           <a:stretch>
             <a:fillRect/>
           </a:stretch>
         </p:blipFill>
         <p:spPr>
           <a:xfrm>
-            <a:off x="971836" y="3358587"/>
-            <a:ext cx="3523423" cy="3206186"/>
+            <a:off x="3969983" y="3498209"/>
+            <a:ext cx="4592200" cy="3019529"/>
           </a:xfrm>
           <a:prstGeom prst="rect">
             <a:avLst/>
           </a:prstGeom>
         </p:spPr>
       </p:pic>
+      <p:sp>
+        <p:nvSpPr>
+          <p:cNvPr id="15" name="TextBox 14">
+            <a:extLst>
+              <a:ext uri="{FF2B5EF4-FFF2-40B4-BE49-F238E27FC236}">
+                <a16:creationId xmlns:a16="http://schemas.microsoft.com/office/drawing/2014/main" id="{0DA8BD8D-734C-4614-BE17-675E4D1091BE}"/>
+              </a:ext>
+            </a:extLst>
+          </p:cNvPr>
+          <p:cNvSpPr txBox="1"/>
+          <p:nvPr/>
+        </p:nvSpPr>
+        <p:spPr>
+          <a:xfrm rot="16200000">
+            <a:off x="2232464" y="4492312"/>
+            <a:ext cx="3506598" cy="307777"/>
+          </a:xfrm>
+          <a:prstGeom prst="rect">
+            <a:avLst/>
+          </a:prstGeom>
+          <a:noFill/>
+        </p:spPr>
+        <p:txBody>
+          <a:bodyPr wrap="square" rtlCol="0">
+            <a:spAutoFit/>
+          </a:bodyPr>
+          <a:lstStyle/>
+          <a:p>
+            <a:r>
+              <a:rPr lang="en-US" sz="1400" dirty="0"/>
+              <a:t>Accuracy</a:t>
+            </a:r>
+          </a:p>
+        </p:txBody>
+      </p:sp>
     </p:spTree>
     <p:extLst>
       <p:ext uri="{BB962C8B-B14F-4D97-AF65-F5344CB8AC3E}">
-        <p14:creationId xmlns:p14="http://schemas.microsoft.com/office/powerpoint/2010/main" val="660194915"/>
+        <p14:creationId xmlns:p14="http://schemas.microsoft.com/office/powerpoint/2010/main" val="2408151303"/>
       </p:ext>
     </p:extLst>
   </p:cSld>
@@ -23924,212 +26813,12 @@
           <a:chExt cx="0" cy="0"/>
         </a:xfrm>
       </p:grpSpPr>
-      <p:sp>
-        <p:nvSpPr>
-          <p:cNvPr id="7" name="Text Placeholder 6">
-            <a:extLst>
-              <a:ext uri="{FF2B5EF4-FFF2-40B4-BE49-F238E27FC236}">
-                <a16:creationId xmlns:a16="http://schemas.microsoft.com/office/drawing/2014/main" id="{87FCC6D1-213C-4A86-A2D0-742E15438C09}"/>
-              </a:ext>
-            </a:extLst>
-          </p:cNvPr>
-          <p:cNvSpPr>
-            <a:spLocks noGrp="1"/>
-          </p:cNvSpPr>
-          <p:nvPr>
-            <p:ph type="body" sz="quarter" idx="17"/>
-          </p:nvPr>
-        </p:nvSpPr>
-        <p:spPr>
-          <a:xfrm>
-            <a:off x="7552199" y="614715"/>
-            <a:ext cx="3977648" cy="1691133"/>
-          </a:xfrm>
-        </p:spPr>
-        <p:txBody>
-          <a:bodyPr>
-            <a:normAutofit/>
-          </a:bodyPr>
-          <a:lstStyle/>
-          <a:p>
-            <a:pPr marL="285750" indent="-285750">
-              <a:buFont typeface="Arial" panose="020B0604020202020204" pitchFamily="34" charset="0"/>
-              <a:buChar char="•"/>
-            </a:pPr>
-            <a:r>
-              <a:rPr lang="en-US" sz="1800" dirty="0"/>
-              <a:t>Collect more data around these more severe types of toxic comments to improve recognition.</a:t>
-            </a:r>
-          </a:p>
-          <a:p>
-            <a:pPr marL="285750" indent="-285750">
-              <a:buFont typeface="Arial" panose="020B0604020202020204" pitchFamily="34" charset="0"/>
-              <a:buChar char="•"/>
-            </a:pPr>
-            <a:r>
-              <a:rPr lang="en-US" sz="1800" dirty="0"/>
-              <a:t>Make threatening content main target</a:t>
-            </a:r>
-          </a:p>
-        </p:txBody>
-      </p:sp>
-      <p:sp>
-        <p:nvSpPr>
-          <p:cNvPr id="5" name="Title 4">
-            <a:extLst>
-              <a:ext uri="{FF2B5EF4-FFF2-40B4-BE49-F238E27FC236}">
-                <a16:creationId xmlns:a16="http://schemas.microsoft.com/office/drawing/2014/main" id="{96DBE169-BA91-4B17-9AF2-4BAD528BEE06}"/>
-              </a:ext>
-            </a:extLst>
-          </p:cNvPr>
-          <p:cNvSpPr>
-            <a:spLocks noGrp="1"/>
-          </p:cNvSpPr>
-          <p:nvPr>
-            <p:ph type="title"/>
-          </p:nvPr>
-        </p:nvSpPr>
-        <p:spPr/>
-        <p:txBody>
-          <a:bodyPr/>
-          <a:lstStyle/>
-          <a:p>
-            <a:r>
-              <a:rPr lang="en-US" dirty="0"/>
-              <a:t>Future Work:</a:t>
-            </a:r>
-          </a:p>
-        </p:txBody>
-      </p:sp>
-      <p:sp>
-        <p:nvSpPr>
-          <p:cNvPr id="66" name="Text Placeholder 65">
-            <a:extLst>
-              <a:ext uri="{FF2B5EF4-FFF2-40B4-BE49-F238E27FC236}">
-                <a16:creationId xmlns:a16="http://schemas.microsoft.com/office/drawing/2014/main" id="{1AEF3ED8-A75C-4318-877C-139C98C0007D}"/>
-              </a:ext>
-            </a:extLst>
-          </p:cNvPr>
-          <p:cNvSpPr>
-            <a:spLocks noGrp="1"/>
-          </p:cNvSpPr>
-          <p:nvPr>
-            <p:ph type="body" sz="quarter" idx="12"/>
-          </p:nvPr>
-        </p:nvSpPr>
-        <p:spPr/>
-        <p:txBody>
-          <a:bodyPr>
-            <a:normAutofit/>
-          </a:bodyPr>
-          <a:lstStyle/>
-          <a:p>
-            <a:r>
-              <a:rPr lang="en-US" dirty="0"/>
-              <a:t>THREATS &amp; </a:t>
-            </a:r>
-          </a:p>
-          <a:p>
-            <a:r>
-              <a:rPr lang="en-US" dirty="0"/>
-              <a:t>SENTIMENT ANALYSIS</a:t>
-            </a:r>
-          </a:p>
-        </p:txBody>
-      </p:sp>
-      <p:sp>
-        <p:nvSpPr>
-          <p:cNvPr id="8" name="Text Placeholder 7">
-            <a:extLst>
-              <a:ext uri="{FF2B5EF4-FFF2-40B4-BE49-F238E27FC236}">
-                <a16:creationId xmlns:a16="http://schemas.microsoft.com/office/drawing/2014/main" id="{D9C2EAA8-D3C6-403B-B439-F95C60D0B3B9}"/>
-              </a:ext>
-            </a:extLst>
-          </p:cNvPr>
-          <p:cNvSpPr>
-            <a:spLocks noGrp="1"/>
-          </p:cNvSpPr>
-          <p:nvPr>
-            <p:ph type="body" sz="quarter" idx="11"/>
-          </p:nvPr>
-        </p:nvSpPr>
-        <p:spPr/>
-        <p:txBody>
-          <a:bodyPr/>
-          <a:lstStyle/>
-          <a:p>
-            <a:r>
-              <a:rPr lang="en-US" dirty="0"/>
-              <a:t>Thankfully the most severe types of toxic comments are less frequent. In some situations, speech can constitute a crime, such as in the case of criminal threats. </a:t>
-            </a:r>
-          </a:p>
-          <a:p>
-            <a:endParaRPr lang="en-US" dirty="0"/>
-          </a:p>
-          <a:p>
-            <a:r>
-              <a:rPr lang="en-US" dirty="0"/>
-              <a:t>The focus of this round of evaluation was specifically on words – in some cases sentiment is lost.</a:t>
-            </a:r>
-          </a:p>
-          <a:p>
-            <a:endParaRPr lang="en-US" dirty="0"/>
-          </a:p>
-        </p:txBody>
-      </p:sp>
       <p:pic>
         <p:nvPicPr>
-          <p:cNvPr id="41" name="Picture Placeholder 40" title="Decorative"/>
-          <p:cNvPicPr>
-            <a:picLocks noGrp="1" noChangeAspect="1"/>
-          </p:cNvPicPr>
-          <p:nvPr>
-            <p:ph type="pic" sz="quarter" idx="14"/>
-          </p:nvPr>
-        </p:nvPicPr>
-        <p:blipFill rotWithShape="1">
-          <a:blip r:embed="rId2" cstate="email">
-            <a:duotone>
-              <a:schemeClr val="accent2">
-                <a:shade val="45000"/>
-                <a:satMod val="135000"/>
-              </a:schemeClr>
-              <a:prstClr val="white"/>
-            </a:duotone>
-            <a:extLst>
-              <a:ext uri="{BEBA8EAE-BF5A-486C-A8C5-ECC9F3942E4B}">
-                <a14:imgProps xmlns:a14="http://schemas.microsoft.com/office/drawing/2010/main">
-                  <a14:imgLayer r:embed="rId3">
-                    <a14:imgEffect>
-                      <a14:brightnessContrast bright="-100000"/>
-                    </a14:imgEffect>
-                  </a14:imgLayer>
-                </a14:imgProps>
-              </a:ext>
-              <a:ext uri="{28A0092B-C50C-407E-A947-70E740481C1C}">
-                <a14:useLocalDpi xmlns:a14="http://schemas.microsoft.com/office/drawing/2010/main"/>
-              </a:ext>
-            </a:extLst>
-          </a:blip>
-          <a:srcRect l="-13860" t="-15649" r="-14314" b="-12525"/>
-          <a:stretch/>
-        </p:blipFill>
-        <p:spPr>
-          <a:xfrm>
-            <a:off x="790266" y="500843"/>
-            <a:ext cx="885235" cy="885235"/>
-          </a:xfrm>
-          <a:prstGeom prst="rect">
-            <a:avLst/>
-          </a:prstGeom>
-        </p:spPr>
-      </p:pic>
-      <p:pic>
-        <p:nvPicPr>
-          <p:cNvPr id="13" name="Picture 12">
-            <a:extLst>
-              <a:ext uri="{FF2B5EF4-FFF2-40B4-BE49-F238E27FC236}">
-                <a16:creationId xmlns:a16="http://schemas.microsoft.com/office/drawing/2014/main" id="{28784754-6023-4509-8EBF-5497D01B354D}"/>
+          <p:cNvPr id="25" name="Picture Placeholder 8" title="Decorative">
+            <a:extLst>
+              <a:ext uri="{FF2B5EF4-FFF2-40B4-BE49-F238E27FC236}">
+                <a16:creationId xmlns:a16="http://schemas.microsoft.com/office/drawing/2014/main" id="{D74F7EF0-D38A-419F-A943-89F88B5B7A4C}"/>
               </a:ext>
             </a:extLst>
           </p:cNvPr>
@@ -24139,27 +26828,372 @@
           <p:nvPr/>
         </p:nvPicPr>
         <p:blipFill>
-          <a:blip r:embed="rId4"/>
+          <a:blip r:embed="rId2" cstate="email">
+            <a:extLst>
+              <a:ext uri="{28A0092B-C50C-407E-A947-70E740481C1C}">
+                <a14:useLocalDpi xmlns:a14="http://schemas.microsoft.com/office/drawing/2010/main"/>
+              </a:ext>
+            </a:extLst>
+          </a:blip>
+          <a:srcRect/>
           <a:stretch>
             <a:fillRect/>
           </a:stretch>
         </p:blipFill>
         <p:spPr>
           <a:xfrm>
-            <a:off x="7342507" y="2495498"/>
-            <a:ext cx="4290890" cy="2178452"/>
+            <a:off x="496029" y="618256"/>
+            <a:ext cx="2611637" cy="2376494"/>
           </a:xfrm>
           <a:prstGeom prst="rect">
             <a:avLst/>
           </a:prstGeom>
         </p:spPr>
       </p:pic>
+      <p:sp>
+        <p:nvSpPr>
+          <p:cNvPr id="10" name="Title 9">
+            <a:extLst>
+              <a:ext uri="{FF2B5EF4-FFF2-40B4-BE49-F238E27FC236}">
+                <a16:creationId xmlns:a16="http://schemas.microsoft.com/office/drawing/2014/main" id="{55D4DC6B-E774-4C3D-9238-F200BD832071}"/>
+              </a:ext>
+            </a:extLst>
+          </p:cNvPr>
+          <p:cNvSpPr>
+            <a:spLocks noGrp="1"/>
+          </p:cNvSpPr>
+          <p:nvPr>
+            <p:ph type="title"/>
+          </p:nvPr>
+        </p:nvSpPr>
+        <p:spPr>
+          <a:xfrm>
+            <a:off x="841057" y="2234610"/>
+            <a:ext cx="4008437" cy="1395208"/>
+          </a:xfrm>
+        </p:spPr>
+        <p:txBody>
+          <a:bodyPr anchor="b">
+            <a:normAutofit/>
+          </a:bodyPr>
+          <a:lstStyle/>
+          <a:p>
+            <a:r>
+              <a:rPr lang="en-US" sz="3700"/>
+              <a:t>Recommendations</a:t>
+            </a:r>
+          </a:p>
+        </p:txBody>
+      </p:sp>
+      <p:sp>
+        <p:nvSpPr>
+          <p:cNvPr id="11" name="Text Placeholder 10">
+            <a:extLst>
+              <a:ext uri="{FF2B5EF4-FFF2-40B4-BE49-F238E27FC236}">
+                <a16:creationId xmlns:a16="http://schemas.microsoft.com/office/drawing/2014/main" id="{B39CAC7D-23C7-4EA4-AEA8-97EFE6B7F9A2}"/>
+              </a:ext>
+            </a:extLst>
+          </p:cNvPr>
+          <p:cNvSpPr>
+            <a:spLocks noGrp="1"/>
+          </p:cNvSpPr>
+          <p:nvPr>
+            <p:ph type="body" sz="quarter" idx="12"/>
+          </p:nvPr>
+        </p:nvSpPr>
+        <p:spPr>
+          <a:xfrm>
+            <a:off x="841058" y="3695479"/>
+            <a:ext cx="4008437" cy="602887"/>
+          </a:xfrm>
+        </p:spPr>
+        <p:txBody>
+          <a:bodyPr anchor="t">
+            <a:normAutofit/>
+          </a:bodyPr>
+          <a:lstStyle/>
+          <a:p>
+            <a:r>
+              <a:rPr lang="en-US" dirty="0"/>
+              <a:t>So now what?:</a:t>
+            </a:r>
+          </a:p>
+        </p:txBody>
+      </p:sp>
       <p:pic>
         <p:nvPicPr>
-          <p:cNvPr id="28" name="Picture Placeholder 11" title="Decorative">
-            <a:extLst>
-              <a:ext uri="{FF2B5EF4-FFF2-40B4-BE49-F238E27FC236}">
-                <a16:creationId xmlns:a16="http://schemas.microsoft.com/office/drawing/2014/main" id="{A617490B-434C-4D5B-A53F-EDC7581BBB5E}"/>
+          <p:cNvPr id="14" name="Picture Placeholder 13" descr="Playbook">
+            <a:extLst>
+              <a:ext uri="{FF2B5EF4-FFF2-40B4-BE49-F238E27FC236}">
+                <a16:creationId xmlns:a16="http://schemas.microsoft.com/office/drawing/2014/main" id="{17DBA397-400A-4C4A-A061-CF21548A4FAB}"/>
+              </a:ext>
+            </a:extLst>
+          </p:cNvPr>
+          <p:cNvPicPr>
+            <a:picLocks noGrp="1" noChangeAspect="1"/>
+          </p:cNvPicPr>
+          <p:nvPr>
+            <p:ph type="pic" sz="quarter" idx="13"/>
+          </p:nvPr>
+        </p:nvPicPr>
+        <p:blipFill rotWithShape="1">
+          <a:blip r:embed="rId3">
+            <a:extLst>
+              <a:ext uri="{96DAC541-7B7A-43D3-8B79-37D633B846F1}">
+                <asvg:svgBlip xmlns:asvg="http://schemas.microsoft.com/office/drawing/2016/SVG/main" r:embed="rId4"/>
+              </a:ext>
+            </a:extLst>
+          </a:blip>
+          <a:stretch/>
+        </p:blipFill>
+        <p:spPr>
+          <a:xfrm>
+            <a:off x="6744563" y="2275264"/>
+            <a:ext cx="973759" cy="973759"/>
+          </a:xfrm>
+        </p:spPr>
+      </p:pic>
+      <p:pic>
+        <p:nvPicPr>
+          <p:cNvPr id="16" name="Picture Placeholder 15" descr="Magnifying glass">
+            <a:extLst>
+              <a:ext uri="{FF2B5EF4-FFF2-40B4-BE49-F238E27FC236}">
+                <a16:creationId xmlns:a16="http://schemas.microsoft.com/office/drawing/2014/main" id="{911E5455-1362-4318-AEE8-E19830A8F53C}"/>
+              </a:ext>
+            </a:extLst>
+          </p:cNvPr>
+          <p:cNvPicPr>
+            <a:picLocks noGrp="1" noChangeAspect="1"/>
+          </p:cNvPicPr>
+          <p:nvPr>
+            <p:ph type="pic" sz="quarter" idx="14"/>
+          </p:nvPr>
+        </p:nvPicPr>
+        <p:blipFill rotWithShape="1">
+          <a:blip r:embed="rId5">
+            <a:extLst>
+              <a:ext uri="{96DAC541-7B7A-43D3-8B79-37D633B846F1}">
+                <asvg:svgBlip xmlns:asvg="http://schemas.microsoft.com/office/drawing/2016/SVG/main" r:embed="rId6"/>
+              </a:ext>
+            </a:extLst>
+          </a:blip>
+          <a:stretch/>
+        </p:blipFill>
+        <p:spPr>
+          <a:xfrm>
+            <a:off x="6744564" y="953776"/>
+            <a:ext cx="973759" cy="973759"/>
+          </a:xfrm>
+        </p:spPr>
+      </p:pic>
+      <p:pic>
+        <p:nvPicPr>
+          <p:cNvPr id="22" name="Picture Placeholder 21" descr="Target">
+            <a:extLst>
+              <a:ext uri="{FF2B5EF4-FFF2-40B4-BE49-F238E27FC236}">
+                <a16:creationId xmlns:a16="http://schemas.microsoft.com/office/drawing/2014/main" id="{22596A5B-50A4-4022-924A-1708A741F03E}"/>
+              </a:ext>
+            </a:extLst>
+          </p:cNvPr>
+          <p:cNvPicPr>
+            <a:picLocks noGrp="1" noChangeAspect="1"/>
+          </p:cNvPicPr>
+          <p:nvPr>
+            <p:ph type="pic" sz="quarter" idx="16"/>
+          </p:nvPr>
+        </p:nvPicPr>
+        <p:blipFill rotWithShape="1">
+          <a:blip r:embed="rId7">
+            <a:extLst>
+              <a:ext uri="{96DAC541-7B7A-43D3-8B79-37D633B846F1}">
+                <asvg:svgBlip xmlns:asvg="http://schemas.microsoft.com/office/drawing/2016/SVG/main" r:embed="rId8"/>
+              </a:ext>
+            </a:extLst>
+          </a:blip>
+          <a:srcRect t="81" b="81"/>
+          <a:stretch/>
+        </p:blipFill>
+        <p:spPr>
+          <a:xfrm>
+            <a:off x="6855627" y="3536021"/>
+            <a:ext cx="973759" cy="972181"/>
+          </a:xfrm>
+        </p:spPr>
+      </p:pic>
+      <p:sp>
+        <p:nvSpPr>
+          <p:cNvPr id="2" name="Text Placeholder 1">
+            <a:extLst>
+              <a:ext uri="{FF2B5EF4-FFF2-40B4-BE49-F238E27FC236}">
+                <a16:creationId xmlns:a16="http://schemas.microsoft.com/office/drawing/2014/main" id="{E283FD54-E6C7-4991-AF57-FE6535B82773}"/>
+              </a:ext>
+            </a:extLst>
+          </p:cNvPr>
+          <p:cNvSpPr>
+            <a:spLocks noGrp="1"/>
+          </p:cNvSpPr>
+          <p:nvPr>
+            <p:ph type="body" sz="quarter" idx="17"/>
+          </p:nvPr>
+        </p:nvSpPr>
+        <p:spPr>
+          <a:xfrm>
+            <a:off x="7718323" y="1074809"/>
+            <a:ext cx="3977648" cy="731694"/>
+          </a:xfrm>
+        </p:spPr>
+        <p:txBody>
+          <a:bodyPr anchor="ctr">
+            <a:normAutofit/>
+          </a:bodyPr>
+          <a:lstStyle/>
+          <a:p>
+            <a:r>
+              <a:rPr lang="en-US" sz="1600" b="1" dirty="0">
+                <a:solidFill>
+                  <a:schemeClr val="accent5">
+                    <a:lumMod val="75000"/>
+                    <a:lumOff val="25000"/>
+                  </a:schemeClr>
+                </a:solidFill>
+              </a:rPr>
+              <a:t>Use model to identify comments that are toxic in nature.</a:t>
+            </a:r>
+          </a:p>
+        </p:txBody>
+      </p:sp>
+      <p:sp>
+        <p:nvSpPr>
+          <p:cNvPr id="3" name="Text Placeholder 2">
+            <a:extLst>
+              <a:ext uri="{FF2B5EF4-FFF2-40B4-BE49-F238E27FC236}">
+                <a16:creationId xmlns:a16="http://schemas.microsoft.com/office/drawing/2014/main" id="{9AFC142F-5BBE-44FC-BCC8-C09A6F3558E6}"/>
+              </a:ext>
+            </a:extLst>
+          </p:cNvPr>
+          <p:cNvSpPr>
+            <a:spLocks noGrp="1"/>
+          </p:cNvSpPr>
+          <p:nvPr>
+            <p:ph type="body" sz="quarter" idx="18"/>
+          </p:nvPr>
+        </p:nvSpPr>
+        <p:spPr>
+          <a:xfrm>
+            <a:off x="7718323" y="2365537"/>
+            <a:ext cx="3977648" cy="731694"/>
+          </a:xfrm>
+        </p:spPr>
+        <p:txBody>
+          <a:bodyPr anchor="ctr">
+            <a:normAutofit/>
+          </a:bodyPr>
+          <a:lstStyle/>
+          <a:p>
+            <a:r>
+              <a:rPr lang="en-US" sz="1600" b="1" dirty="0">
+                <a:solidFill>
+                  <a:schemeClr val="accent5">
+                    <a:lumMod val="75000"/>
+                    <a:lumOff val="25000"/>
+                  </a:schemeClr>
+                </a:solidFill>
+              </a:rPr>
+              <a:t>Develop metrics and actionable plans for varying levels of toxicity</a:t>
+            </a:r>
+          </a:p>
+        </p:txBody>
+      </p:sp>
+      <p:sp>
+        <p:nvSpPr>
+          <p:cNvPr id="4" name="Text Placeholder 3">
+            <a:extLst>
+              <a:ext uri="{FF2B5EF4-FFF2-40B4-BE49-F238E27FC236}">
+                <a16:creationId xmlns:a16="http://schemas.microsoft.com/office/drawing/2014/main" id="{3302DD29-F241-4A45-9C84-25EF073180F7}"/>
+              </a:ext>
+            </a:extLst>
+          </p:cNvPr>
+          <p:cNvSpPr>
+            <a:spLocks noGrp="1"/>
+          </p:cNvSpPr>
+          <p:nvPr>
+            <p:ph type="body" sz="quarter" idx="19"/>
+          </p:nvPr>
+        </p:nvSpPr>
+        <p:spPr>
+          <a:xfrm>
+            <a:off x="7829386" y="3656264"/>
+            <a:ext cx="3977648" cy="731694"/>
+          </a:xfrm>
+        </p:spPr>
+        <p:txBody>
+          <a:bodyPr anchor="ctr">
+            <a:normAutofit lnSpcReduction="10000"/>
+          </a:bodyPr>
+          <a:lstStyle/>
+          <a:p>
+            <a:r>
+              <a:rPr lang="en-US" sz="1600" b="1" dirty="0">
+                <a:solidFill>
+                  <a:schemeClr val="accent5">
+                    <a:lumMod val="75000"/>
+                    <a:lumOff val="25000"/>
+                  </a:schemeClr>
+                </a:solidFill>
+              </a:rPr>
+              <a:t>Invest in future work to further develop existing models to identify severe forms of targeting threats </a:t>
+            </a:r>
+          </a:p>
+        </p:txBody>
+      </p:sp>
+      <p:sp>
+        <p:nvSpPr>
+          <p:cNvPr id="5" name="Text Placeholder 4">
+            <a:extLst>
+              <a:ext uri="{FF2B5EF4-FFF2-40B4-BE49-F238E27FC236}">
+                <a16:creationId xmlns:a16="http://schemas.microsoft.com/office/drawing/2014/main" id="{3BD89B92-B364-4000-8D59-2875AD0DC0D2}"/>
+              </a:ext>
+            </a:extLst>
+          </p:cNvPr>
+          <p:cNvSpPr>
+            <a:spLocks noGrp="1"/>
+          </p:cNvSpPr>
+          <p:nvPr>
+            <p:ph type="body" sz="quarter" idx="20"/>
+          </p:nvPr>
+        </p:nvSpPr>
+        <p:spPr>
+          <a:xfrm>
+            <a:off x="7829386" y="4840833"/>
+            <a:ext cx="3977648" cy="731694"/>
+          </a:xfrm>
+        </p:spPr>
+        <p:txBody>
+          <a:bodyPr anchor="ctr">
+            <a:normAutofit fontScale="92500" lnSpcReduction="10000"/>
+          </a:bodyPr>
+          <a:lstStyle/>
+          <a:p>
+            <a:r>
+              <a:rPr lang="en-US" sz="1800" b="1" dirty="0">
+                <a:solidFill>
+                  <a:schemeClr val="accent5">
+                    <a:lumMod val="75000"/>
+                    <a:lumOff val="25000"/>
+                  </a:schemeClr>
+                </a:solidFill>
+              </a:rPr>
+              <a:t>Research and implement best practices so that everyone feels comfortable sharing thoughts. </a:t>
+            </a:r>
+          </a:p>
+        </p:txBody>
+      </p:sp>
+      <p:pic>
+        <p:nvPicPr>
+          <p:cNvPr id="31" name="Graphic 30" descr="Smiling face with no fill">
+            <a:extLst>
+              <a:ext uri="{FF2B5EF4-FFF2-40B4-BE49-F238E27FC236}">
+                <a16:creationId xmlns:a16="http://schemas.microsoft.com/office/drawing/2014/main" id="{1AA98A27-3CB7-4468-9233-01EAE186E32A}"/>
               </a:ext>
             </a:extLst>
           </p:cNvPr>
@@ -24169,22 +27203,57 @@
           <p:nvPr/>
         </p:nvPicPr>
         <p:blipFill>
-          <a:blip r:embed="rId5" cstate="email">
-            <a:extLst>
-              <a:ext uri="{28A0092B-C50C-407E-A947-70E740481C1C}">
-                <a14:useLocalDpi xmlns:a14="http://schemas.microsoft.com/office/drawing/2010/main"/>
+          <a:blip r:embed="rId9">
+            <a:extLst>
+              <a:ext uri="{96DAC541-7B7A-43D3-8B79-37D633B846F1}">
+                <asvg:svgBlip xmlns:asvg="http://schemas.microsoft.com/office/drawing/2016/SVG/main" r:embed="rId10"/>
               </a:ext>
             </a:extLst>
           </a:blip>
-          <a:srcRect/>
           <a:stretch>
             <a:fillRect/>
           </a:stretch>
         </p:blipFill>
         <p:spPr>
-          <a:xfrm flipH="1">
-            <a:off x="4465888" y="581834"/>
-            <a:ext cx="1869440" cy="2749520"/>
+          <a:xfrm>
+            <a:off x="6844563" y="4749480"/>
+            <a:ext cx="914400" cy="914400"/>
+          </a:xfrm>
+          <a:prstGeom prst="rect">
+            <a:avLst/>
+          </a:prstGeom>
+        </p:spPr>
+      </p:pic>
+      <p:pic>
+        <p:nvPicPr>
+          <p:cNvPr id="33" name="Graphic 32" descr="Glasses">
+            <a:extLst>
+              <a:ext uri="{FF2B5EF4-FFF2-40B4-BE49-F238E27FC236}">
+                <a16:creationId xmlns:a16="http://schemas.microsoft.com/office/drawing/2014/main" id="{B9C8922B-7148-44EC-802B-6FE090A68ABF}"/>
+              </a:ext>
+            </a:extLst>
+          </p:cNvPr>
+          <p:cNvPicPr>
+            <a:picLocks noChangeAspect="1"/>
+          </p:cNvPicPr>
+          <p:nvPr/>
+        </p:nvPicPr>
+        <p:blipFill>
+          <a:blip r:embed="rId11">
+            <a:extLst>
+              <a:ext uri="{96DAC541-7B7A-43D3-8B79-37D633B846F1}">
+                <asvg:svgBlip xmlns:asvg="http://schemas.microsoft.com/office/drawing/2016/SVG/main" r:embed="rId12"/>
+              </a:ext>
+            </a:extLst>
+          </a:blip>
+          <a:stretch>
+            <a:fillRect/>
+          </a:stretch>
+        </p:blipFill>
+        <p:spPr>
+          <a:xfrm>
+            <a:off x="6972754" y="4813343"/>
+            <a:ext cx="658018" cy="658018"/>
           </a:xfrm>
           <a:prstGeom prst="rect">
             <a:avLst/>
@@ -24194,7 +27263,7 @@
     </p:spTree>
     <p:extLst>
       <p:ext uri="{BB962C8B-B14F-4D97-AF65-F5344CB8AC3E}">
-        <p14:creationId xmlns:p14="http://schemas.microsoft.com/office/powerpoint/2010/main" val="2032607428"/>
+        <p14:creationId xmlns:p14="http://schemas.microsoft.com/office/powerpoint/2010/main" val="4058259925"/>
       </p:ext>
     </p:extLst>
   </p:cSld>
@@ -24221,96 +27290,277 @@
           <a:chExt cx="0" cy="0"/>
         </a:xfrm>
       </p:grpSpPr>
+      <p:sp>
+        <p:nvSpPr>
+          <p:cNvPr id="7" name="Text Placeholder 6">
+            <a:extLst>
+              <a:ext uri="{FF2B5EF4-FFF2-40B4-BE49-F238E27FC236}">
+                <a16:creationId xmlns:a16="http://schemas.microsoft.com/office/drawing/2014/main" id="{87FCC6D1-213C-4A86-A2D0-742E15438C09}"/>
+              </a:ext>
+            </a:extLst>
+          </p:cNvPr>
+          <p:cNvSpPr>
+            <a:spLocks noGrp="1"/>
+          </p:cNvSpPr>
+          <p:nvPr>
+            <p:ph type="body" sz="quarter" idx="17"/>
+          </p:nvPr>
+        </p:nvSpPr>
+        <p:spPr>
+          <a:xfrm>
+            <a:off x="7486650" y="614715"/>
+            <a:ext cx="4639190" cy="1691133"/>
+          </a:xfrm>
+        </p:spPr>
+        <p:txBody>
+          <a:bodyPr>
+            <a:normAutofit/>
+          </a:bodyPr>
+          <a:lstStyle/>
+          <a:p>
+            <a:pPr marL="285750" indent="-285750">
+              <a:buFont typeface="Arial" panose="020B0604020202020204" pitchFamily="34" charset="0"/>
+              <a:buChar char="•"/>
+            </a:pPr>
+            <a:r>
+              <a:rPr lang="en-US" sz="1800" dirty="0"/>
+              <a:t>Collect more data around these more severe types of toxic comments to improve recognition.</a:t>
+            </a:r>
+          </a:p>
+          <a:p>
+            <a:pPr marL="285750" indent="-285750">
+              <a:buFont typeface="Arial" panose="020B0604020202020204" pitchFamily="34" charset="0"/>
+              <a:buChar char="•"/>
+            </a:pPr>
+            <a:r>
+              <a:rPr lang="en-US" sz="1800" dirty="0"/>
+              <a:t>Make </a:t>
+            </a:r>
+            <a:r>
+              <a:rPr lang="en-US" sz="2400" b="1" dirty="0">
+                <a:solidFill>
+                  <a:schemeClr val="accent1">
+                    <a:lumMod val="75000"/>
+                  </a:schemeClr>
+                </a:solidFill>
+              </a:rPr>
+              <a:t>threatening content </a:t>
+            </a:r>
+            <a:r>
+              <a:rPr lang="en-US" sz="1800" dirty="0"/>
+              <a:t>main target</a:t>
+            </a:r>
+          </a:p>
+        </p:txBody>
+      </p:sp>
+      <p:sp>
+        <p:nvSpPr>
+          <p:cNvPr id="5" name="Title 4">
+            <a:extLst>
+              <a:ext uri="{FF2B5EF4-FFF2-40B4-BE49-F238E27FC236}">
+                <a16:creationId xmlns:a16="http://schemas.microsoft.com/office/drawing/2014/main" id="{96DBE169-BA91-4B17-9AF2-4BAD528BEE06}"/>
+              </a:ext>
+            </a:extLst>
+          </p:cNvPr>
+          <p:cNvSpPr>
+            <a:spLocks noGrp="1"/>
+          </p:cNvSpPr>
+          <p:nvPr>
+            <p:ph type="title"/>
+          </p:nvPr>
+        </p:nvSpPr>
+        <p:spPr/>
+        <p:txBody>
+          <a:bodyPr/>
+          <a:lstStyle/>
+          <a:p>
+            <a:r>
+              <a:rPr lang="en-US" dirty="0"/>
+              <a:t>Future Work:</a:t>
+            </a:r>
+          </a:p>
+        </p:txBody>
+      </p:sp>
+      <p:sp>
+        <p:nvSpPr>
+          <p:cNvPr id="66" name="Text Placeholder 65">
+            <a:extLst>
+              <a:ext uri="{FF2B5EF4-FFF2-40B4-BE49-F238E27FC236}">
+                <a16:creationId xmlns:a16="http://schemas.microsoft.com/office/drawing/2014/main" id="{1AEF3ED8-A75C-4318-877C-139C98C0007D}"/>
+              </a:ext>
+            </a:extLst>
+          </p:cNvPr>
+          <p:cNvSpPr>
+            <a:spLocks noGrp="1"/>
+          </p:cNvSpPr>
+          <p:nvPr>
+            <p:ph type="body" sz="quarter" idx="12"/>
+          </p:nvPr>
+        </p:nvSpPr>
+        <p:spPr/>
+        <p:txBody>
+          <a:bodyPr>
+            <a:normAutofit/>
+          </a:bodyPr>
+          <a:lstStyle/>
+          <a:p>
+            <a:r>
+              <a:rPr lang="en-US" dirty="0"/>
+              <a:t>THREATS &amp; </a:t>
+            </a:r>
+          </a:p>
+          <a:p>
+            <a:r>
+              <a:rPr lang="en-US" dirty="0"/>
+              <a:t>SENTIMENT ANALYSIS</a:t>
+            </a:r>
+          </a:p>
+        </p:txBody>
+      </p:sp>
+      <p:sp>
+        <p:nvSpPr>
+          <p:cNvPr id="8" name="Text Placeholder 7">
+            <a:extLst>
+              <a:ext uri="{FF2B5EF4-FFF2-40B4-BE49-F238E27FC236}">
+                <a16:creationId xmlns:a16="http://schemas.microsoft.com/office/drawing/2014/main" id="{D9C2EAA8-D3C6-403B-B439-F95C60D0B3B9}"/>
+              </a:ext>
+            </a:extLst>
+          </p:cNvPr>
+          <p:cNvSpPr>
+            <a:spLocks noGrp="1"/>
+          </p:cNvSpPr>
+          <p:nvPr>
+            <p:ph type="body" sz="quarter" idx="11"/>
+          </p:nvPr>
+        </p:nvSpPr>
+        <p:spPr>
+          <a:xfrm>
+            <a:off x="838200" y="3498661"/>
+            <a:ext cx="4008438" cy="2777505"/>
+          </a:xfrm>
+        </p:spPr>
+        <p:txBody>
+          <a:bodyPr/>
+          <a:lstStyle/>
+          <a:p>
+            <a:r>
+              <a:rPr lang="en-US" dirty="0"/>
+              <a:t>Hopefully collective work can help everyone express themselves in more meaningful.</a:t>
+            </a:r>
+          </a:p>
+          <a:p>
+            <a:endParaRPr lang="en-US" dirty="0"/>
+          </a:p>
+          <a:p>
+            <a:endParaRPr lang="en-US" dirty="0"/>
+          </a:p>
+          <a:p>
+            <a:endParaRPr lang="en-US" dirty="0"/>
+          </a:p>
+          <a:p>
+            <a:r>
+              <a:rPr lang="en-US" dirty="0"/>
+              <a:t>Thankfully the most severe types of toxic comments are less frequent. In some situations, speech can constitute a crime, such as in the case of criminal threats. </a:t>
+            </a:r>
+          </a:p>
+          <a:p>
+            <a:endParaRPr lang="en-US" dirty="0"/>
+          </a:p>
+        </p:txBody>
+      </p:sp>
       <p:pic>
         <p:nvPicPr>
-          <p:cNvPr id="14" name="Picture Placeholder 13">
-            <a:extLst>
-              <a:ext uri="{FF2B5EF4-FFF2-40B4-BE49-F238E27FC236}">
-                <a16:creationId xmlns:a16="http://schemas.microsoft.com/office/drawing/2014/main" id="{D81EF999-A884-4768-A0F6-4A5244B24ED1}"/>
-              </a:ext>
-              <a:ext uri="{C183D7F6-B498-43B3-948B-1728B52AA6E4}">
-                <adec:decorative xmlns:adec="http://schemas.microsoft.com/office/drawing/2017/decorative" val="1"/>
-              </a:ext>
-            </a:extLst>
-          </p:cNvPr>
+          <p:cNvPr id="41" name="Picture Placeholder 40" title="Decorative"/>
           <p:cNvPicPr>
             <a:picLocks noGrp="1" noChangeAspect="1"/>
           </p:cNvPicPr>
           <p:nvPr>
-            <p:ph type="pic" sz="quarter" idx="10"/>
+            <p:ph type="pic" sz="quarter" idx="14"/>
           </p:nvPr>
         </p:nvPicPr>
         <p:blipFill rotWithShape="1">
           <a:blip r:embed="rId2" cstate="email">
-            <a:extLst>
+            <a:duotone>
+              <a:schemeClr val="accent2">
+                <a:shade val="45000"/>
+                <a:satMod val="135000"/>
+              </a:schemeClr>
+              <a:prstClr val="white"/>
+            </a:duotone>
+            <a:extLst>
+              <a:ext uri="{BEBA8EAE-BF5A-486C-A8C5-ECC9F3942E4B}">
+                <a14:imgProps xmlns:a14="http://schemas.microsoft.com/office/drawing/2010/main">
+                  <a14:imgLayer r:embed="rId3">
+                    <a14:imgEffect>
+                      <a14:brightnessContrast bright="-100000"/>
+                    </a14:imgEffect>
+                  </a14:imgLayer>
+                </a14:imgProps>
+              </a:ext>
               <a:ext uri="{28A0092B-C50C-407E-A947-70E740481C1C}">
                 <a14:useLocalDpi xmlns:a14="http://schemas.microsoft.com/office/drawing/2010/main"/>
               </a:ext>
             </a:extLst>
           </a:blip>
-          <a:srcRect/>
+          <a:srcRect l="-13860" t="-15649" r="-14314" b="-12525"/>
           <a:stretch/>
         </p:blipFill>
         <p:spPr>
-          <a:xfrm flipH="1">
-            <a:off x="212725" y="1260389"/>
-            <a:ext cx="2816352" cy="3173816"/>
-          </a:xfrm>
+          <a:xfrm>
+            <a:off x="790266" y="500843"/>
+            <a:ext cx="885235" cy="885235"/>
+          </a:xfrm>
+          <a:prstGeom prst="rect">
+            <a:avLst/>
+          </a:prstGeom>
         </p:spPr>
       </p:pic>
       <p:pic>
         <p:nvPicPr>
-          <p:cNvPr id="36" name="Picture Placeholder 35">
-            <a:extLst>
-              <a:ext uri="{FF2B5EF4-FFF2-40B4-BE49-F238E27FC236}">
-                <a16:creationId xmlns:a16="http://schemas.microsoft.com/office/drawing/2014/main" id="{6CBE990D-619E-4EC3-8E3B-3235FF40870D}"/>
-              </a:ext>
-              <a:ext uri="{C183D7F6-B498-43B3-948B-1728B52AA6E4}">
-                <adec:decorative xmlns:adec="http://schemas.microsoft.com/office/drawing/2017/decorative" val="1"/>
+          <p:cNvPr id="13" name="Picture 12">
+            <a:extLst>
+              <a:ext uri="{FF2B5EF4-FFF2-40B4-BE49-F238E27FC236}">
+                <a16:creationId xmlns:a16="http://schemas.microsoft.com/office/drawing/2014/main" id="{28784754-6023-4509-8EBF-5497D01B354D}"/>
               </a:ext>
             </a:extLst>
           </p:cNvPr>
           <p:cNvPicPr>
-            <a:picLocks noGrp="1" noChangeAspect="1"/>
+            <a:picLocks noChangeAspect="1"/>
           </p:cNvPicPr>
-          <p:nvPr>
-            <p:ph type="pic" sz="quarter" idx="12"/>
-          </p:nvPr>
+          <p:nvPr/>
         </p:nvPicPr>
-        <p:blipFill rotWithShape="1">
-          <a:blip r:embed="rId3" cstate="email">
-            <a:extLst>
-              <a:ext uri="{28A0092B-C50C-407E-A947-70E740481C1C}">
-                <a14:useLocalDpi xmlns:a14="http://schemas.microsoft.com/office/drawing/2010/main"/>
-              </a:ext>
-            </a:extLst>
-          </a:blip>
-          <a:srcRect/>
-          <a:stretch/>
+        <p:blipFill>
+          <a:blip r:embed="rId4"/>
+          <a:stretch>
+            <a:fillRect/>
+          </a:stretch>
         </p:blipFill>
-        <p:spPr/>
+        <p:spPr>
+          <a:xfrm>
+            <a:off x="7637025" y="2411052"/>
+            <a:ext cx="4161558" cy="2112791"/>
+          </a:xfrm>
+          <a:prstGeom prst="rect">
+            <a:avLst/>
+          </a:prstGeom>
+        </p:spPr>
       </p:pic>
       <p:pic>
         <p:nvPicPr>
-          <p:cNvPr id="45" name="Picture Placeholder 13" descr="3 ladies in discussion" title="Decorative">
-            <a:extLst>
-              <a:ext uri="{FF2B5EF4-FFF2-40B4-BE49-F238E27FC236}">
-                <a16:creationId xmlns:a16="http://schemas.microsoft.com/office/drawing/2014/main" id="{15E558B1-9F51-4146-A449-BF38892A8453}"/>
-              </a:ext>
-              <a:ext uri="{C183D7F6-B498-43B3-948B-1728B52AA6E4}">
-                <adec:decorative xmlns:adec="http://schemas.microsoft.com/office/drawing/2017/decorative" val="0"/>
+          <p:cNvPr id="28" name="Picture Placeholder 11" title="Decorative">
+            <a:extLst>
+              <a:ext uri="{FF2B5EF4-FFF2-40B4-BE49-F238E27FC236}">
+                <a16:creationId xmlns:a16="http://schemas.microsoft.com/office/drawing/2014/main" id="{A617490B-434C-4D5B-A53F-EDC7581BBB5E}"/>
               </a:ext>
             </a:extLst>
           </p:cNvPr>
           <p:cNvPicPr>
-            <a:picLocks noGrp="1" noChangeAspect="1"/>
+            <a:picLocks noChangeAspect="1"/>
           </p:cNvPicPr>
-          <p:nvPr>
-            <p:ph type="pic" sz="quarter" idx="13"/>
-          </p:nvPr>
+          <p:nvPr/>
         </p:nvPicPr>
         <p:blipFill>
-          <a:blip r:embed="rId4" cstate="email">
+          <a:blip r:embed="rId5" cstate="email">
             <a:extLst>
               <a:ext uri="{28A0092B-C50C-407E-A947-70E740481C1C}">
                 <a14:useLocalDpi xmlns:a14="http://schemas.microsoft.com/office/drawing/2010/main"/>
@@ -24324,120 +27574,213 @@
         </p:blipFill>
         <p:spPr>
           <a:xfrm flipH="1">
-            <a:off x="6179737" y="4586414"/>
-            <a:ext cx="2817564" cy="2271585"/>
-          </a:xfrm>
-        </p:spPr>
-      </p:pic>
-      <p:sp>
-        <p:nvSpPr>
-          <p:cNvPr id="54" name="Title 53" hidden="1">
-            <a:extLst>
-              <a:ext uri="{FF2B5EF4-FFF2-40B4-BE49-F238E27FC236}">
-                <a16:creationId xmlns:a16="http://schemas.microsoft.com/office/drawing/2014/main" id="{4C6A162B-A7A0-49BC-B7CB-0A66DC41715E}"/>
-              </a:ext>
-            </a:extLst>
-          </p:cNvPr>
-          <p:cNvSpPr>
-            <a:spLocks noGrp="1"/>
-          </p:cNvSpPr>
-          <p:nvPr>
-            <p:ph type="title" idx="4294967295"/>
-          </p:nvPr>
-        </p:nvSpPr>
-        <p:spPr>
-          <a:xfrm>
-            <a:off x="0" y="-571500"/>
-            <a:ext cx="10515600" cy="555625"/>
-          </a:xfrm>
-        </p:spPr>
-        <p:txBody>
-          <a:bodyPr>
-            <a:normAutofit/>
-          </a:bodyPr>
-          <a:lstStyle/>
-          <a:p>
-            <a:r>
-              <a:rPr lang="en-US" sz="2000" dirty="0">
-                <a:solidFill>
-                  <a:schemeClr val="bg1">
-                    <a:lumMod val="85000"/>
-                  </a:schemeClr>
-                </a:solidFill>
-              </a:rPr>
-              <a:t>Photo Collage</a:t>
-            </a:r>
-          </a:p>
-        </p:txBody>
-      </p:sp>
-      <p:pic>
-        <p:nvPicPr>
-          <p:cNvPr id="13" name="Picture Placeholder 5">
-            <a:extLst>
-              <a:ext uri="{FF2B5EF4-FFF2-40B4-BE49-F238E27FC236}">
-                <a16:creationId xmlns:a16="http://schemas.microsoft.com/office/drawing/2014/main" id="{C1F0D4FA-A491-4D35-84B8-333978500F59}"/>
-              </a:ext>
-              <a:ext uri="{C183D7F6-B498-43B3-948B-1728B52AA6E4}">
-                <adec:decorative xmlns:adec="http://schemas.microsoft.com/office/drawing/2017/decorative" val="1"/>
-              </a:ext>
-            </a:extLst>
-          </p:cNvPr>
-          <p:cNvPicPr>
-            <a:picLocks noGrp="1" noChangeAspect="1"/>
-          </p:cNvPicPr>
-          <p:nvPr>
-            <p:ph type="pic" sz="quarter" idx="14"/>
-          </p:nvPr>
-        </p:nvPicPr>
-        <p:blipFill rotWithShape="1">
-          <a:blip r:embed="rId5" cstate="email">
-            <a:extLst>
-              <a:ext uri="{28A0092B-C50C-407E-A947-70E740481C1C}">
-                <a14:useLocalDpi xmlns:a14="http://schemas.microsoft.com/office/drawing/2010/main"/>
-              </a:ext>
-            </a:extLst>
-          </a:blip>
-          <a:srcRect/>
-          <a:stretch/>
-        </p:blipFill>
-        <p:spPr>
-          <a:xfrm flipH="1">
-            <a:off x="6177889" y="2030436"/>
-            <a:ext cx="2817564" cy="2403769"/>
-          </a:xfrm>
-        </p:spPr>
-      </p:pic>
-      <p:sp>
-        <p:nvSpPr>
-          <p:cNvPr id="6" name="TextBox 5">
-            <a:extLst>
-              <a:ext uri="{FF2B5EF4-FFF2-40B4-BE49-F238E27FC236}">
-                <a16:creationId xmlns:a16="http://schemas.microsoft.com/office/drawing/2014/main" id="{4E4C247D-5293-4C30-AAAB-8E37F11C9B8F}"/>
-              </a:ext>
-            </a:extLst>
-          </p:cNvPr>
-          <p:cNvSpPr txBox="1"/>
-          <p:nvPr/>
-        </p:nvSpPr>
-        <p:spPr>
-          <a:xfrm>
-            <a:off x="3238910" y="2030436"/>
-            <a:ext cx="2729145" cy="830997"/>
+            <a:off x="4465888" y="581834"/>
+            <a:ext cx="1869440" cy="2749520"/>
           </a:xfrm>
           <a:prstGeom prst="rect">
             <a:avLst/>
           </a:prstGeom>
-          <a:noFill/>
-        </p:spPr>
-        <p:txBody>
-          <a:bodyPr wrap="none" rtlCol="0">
-            <a:spAutoFit/>
+        </p:spPr>
+      </p:pic>
+      <p:sp>
+        <p:nvSpPr>
+          <p:cNvPr id="11" name="Text Placeholder 6">
+            <a:extLst>
+              <a:ext uri="{FF2B5EF4-FFF2-40B4-BE49-F238E27FC236}">
+                <a16:creationId xmlns:a16="http://schemas.microsoft.com/office/drawing/2014/main" id="{2463E68D-89A7-42B6-996B-B316F90E08A4}"/>
+              </a:ext>
+            </a:extLst>
+          </p:cNvPr>
+          <p:cNvSpPr txBox="1">
+            <a:spLocks/>
+          </p:cNvSpPr>
+          <p:nvPr/>
+        </p:nvSpPr>
+        <p:spPr>
+          <a:xfrm>
+            <a:off x="7398209" y="4808437"/>
+            <a:ext cx="4639190" cy="1691133"/>
+          </a:xfrm>
+          <a:prstGeom prst="rect">
+            <a:avLst/>
+          </a:prstGeom>
+        </p:spPr>
+        <p:txBody>
+          <a:bodyPr vert="horz" lIns="91440" tIns="45720" rIns="91440" bIns="45720" rtlCol="0" anchor="ctr">
+            <a:normAutofit/>
           </a:bodyPr>
-          <a:lstStyle/>
-          <a:p>
-            <a:r>
-              <a:rPr lang="en-US" sz="4800" dirty="0"/>
-              <a:t>Thank you</a:t>
+          <a:lstStyle>
+            <a:lvl1pPr marL="0" indent="0" algn="l" defTabSz="914400" rtl="0" eaLnBrk="1" latinLnBrk="0" hangingPunct="1">
+              <a:lnSpc>
+                <a:spcPct val="90000"/>
+              </a:lnSpc>
+              <a:spcBef>
+                <a:spcPts val="1000"/>
+              </a:spcBef>
+              <a:buFont typeface="Arial" panose="020B0604020202020204" pitchFamily="34" charset="0"/>
+              <a:buNone/>
+              <a:defRPr sz="1400" b="0" i="0" kern="1200">
+                <a:solidFill>
+                  <a:schemeClr val="tx2"/>
+                </a:solidFill>
+                <a:latin typeface="+mn-lt"/>
+                <a:ea typeface="+mn-ea"/>
+                <a:cs typeface="Arial" panose="020B0604020202020204" pitchFamily="34" charset="0"/>
+              </a:defRPr>
+            </a:lvl1pPr>
+            <a:lvl2pPr marL="685800" indent="-228600" algn="l" defTabSz="914400" rtl="0" eaLnBrk="1" latinLnBrk="0" hangingPunct="1">
+              <a:lnSpc>
+                <a:spcPct val="90000"/>
+              </a:lnSpc>
+              <a:spcBef>
+                <a:spcPts val="500"/>
+              </a:spcBef>
+              <a:buFont typeface="Arial" panose="020B0604020202020204" pitchFamily="34" charset="0"/>
+              <a:buChar char="•"/>
+              <a:defRPr sz="1800" b="0" i="0" kern="1200">
+                <a:solidFill>
+                  <a:schemeClr val="tx2"/>
+                </a:solidFill>
+                <a:latin typeface="+mn-lt"/>
+                <a:ea typeface="+mn-ea"/>
+                <a:cs typeface="Arial" panose="020B0604020202020204" pitchFamily="34" charset="0"/>
+              </a:defRPr>
+            </a:lvl2pPr>
+            <a:lvl3pPr marL="1143000" indent="-228600" algn="l" defTabSz="914400" rtl="0" eaLnBrk="1" latinLnBrk="0" hangingPunct="1">
+              <a:lnSpc>
+                <a:spcPct val="90000"/>
+              </a:lnSpc>
+              <a:spcBef>
+                <a:spcPts val="500"/>
+              </a:spcBef>
+              <a:buFont typeface="Arial" panose="020B0604020202020204" pitchFamily="34" charset="0"/>
+              <a:buChar char="•"/>
+              <a:defRPr sz="1600" b="0" i="0" kern="1200">
+                <a:solidFill>
+                  <a:schemeClr val="tx2"/>
+                </a:solidFill>
+                <a:latin typeface="+mn-lt"/>
+                <a:ea typeface="+mn-ea"/>
+                <a:cs typeface="Arial" panose="020B0604020202020204" pitchFamily="34" charset="0"/>
+              </a:defRPr>
+            </a:lvl3pPr>
+            <a:lvl4pPr marL="1600200" indent="-228600" algn="l" defTabSz="914400" rtl="0" eaLnBrk="1" latinLnBrk="0" hangingPunct="1">
+              <a:lnSpc>
+                <a:spcPct val="90000"/>
+              </a:lnSpc>
+              <a:spcBef>
+                <a:spcPts val="500"/>
+              </a:spcBef>
+              <a:buFont typeface="Arial" panose="020B0604020202020204" pitchFamily="34" charset="0"/>
+              <a:buChar char="•"/>
+              <a:defRPr sz="1400" b="0" i="0" kern="1200">
+                <a:solidFill>
+                  <a:schemeClr val="tx2"/>
+                </a:solidFill>
+                <a:latin typeface="+mn-lt"/>
+                <a:ea typeface="+mn-ea"/>
+                <a:cs typeface="Arial" panose="020B0604020202020204" pitchFamily="34" charset="0"/>
+              </a:defRPr>
+            </a:lvl4pPr>
+            <a:lvl5pPr marL="2057400" indent="-228600" algn="l" defTabSz="914400" rtl="0" eaLnBrk="1" latinLnBrk="0" hangingPunct="1">
+              <a:lnSpc>
+                <a:spcPct val="90000"/>
+              </a:lnSpc>
+              <a:spcBef>
+                <a:spcPts val="500"/>
+              </a:spcBef>
+              <a:buFont typeface="Arial" panose="020B0604020202020204" pitchFamily="34" charset="0"/>
+              <a:buChar char="•"/>
+              <a:defRPr sz="1400" b="0" i="0" kern="1200">
+                <a:solidFill>
+                  <a:schemeClr val="tx2"/>
+                </a:solidFill>
+                <a:latin typeface="+mn-lt"/>
+                <a:ea typeface="+mn-ea"/>
+                <a:cs typeface="Arial" panose="020B0604020202020204" pitchFamily="34" charset="0"/>
+              </a:defRPr>
+            </a:lvl5pPr>
+            <a:lvl6pPr marL="2514600" indent="-228600" algn="l" defTabSz="914400" rtl="0" eaLnBrk="1" latinLnBrk="0" hangingPunct="1">
+              <a:lnSpc>
+                <a:spcPct val="90000"/>
+              </a:lnSpc>
+              <a:spcBef>
+                <a:spcPts val="500"/>
+              </a:spcBef>
+              <a:buFont typeface="Arial" panose="020B0604020202020204" pitchFamily="34" charset="0"/>
+              <a:buChar char="•"/>
+              <a:defRPr sz="1800" kern="1200">
+                <a:solidFill>
+                  <a:schemeClr val="tx1"/>
+                </a:solidFill>
+                <a:latin typeface="+mn-lt"/>
+                <a:ea typeface="+mn-ea"/>
+                <a:cs typeface="+mn-cs"/>
+              </a:defRPr>
+            </a:lvl6pPr>
+            <a:lvl7pPr marL="2971800" indent="-228600" algn="l" defTabSz="914400" rtl="0" eaLnBrk="1" latinLnBrk="0" hangingPunct="1">
+              <a:lnSpc>
+                <a:spcPct val="90000"/>
+              </a:lnSpc>
+              <a:spcBef>
+                <a:spcPts val="500"/>
+              </a:spcBef>
+              <a:buFont typeface="Arial" panose="020B0604020202020204" pitchFamily="34" charset="0"/>
+              <a:buChar char="•"/>
+              <a:defRPr sz="1800" kern="1200">
+                <a:solidFill>
+                  <a:schemeClr val="tx1"/>
+                </a:solidFill>
+                <a:latin typeface="+mn-lt"/>
+                <a:ea typeface="+mn-ea"/>
+                <a:cs typeface="+mn-cs"/>
+              </a:defRPr>
+            </a:lvl7pPr>
+            <a:lvl8pPr marL="3429000" indent="-228600" algn="l" defTabSz="914400" rtl="0" eaLnBrk="1" latinLnBrk="0" hangingPunct="1">
+              <a:lnSpc>
+                <a:spcPct val="90000"/>
+              </a:lnSpc>
+              <a:spcBef>
+                <a:spcPts val="500"/>
+              </a:spcBef>
+              <a:buFont typeface="Arial" panose="020B0604020202020204" pitchFamily="34" charset="0"/>
+              <a:buChar char="•"/>
+              <a:defRPr sz="1800" kern="1200">
+                <a:solidFill>
+                  <a:schemeClr val="tx1"/>
+                </a:solidFill>
+                <a:latin typeface="+mn-lt"/>
+                <a:ea typeface="+mn-ea"/>
+                <a:cs typeface="+mn-cs"/>
+              </a:defRPr>
+            </a:lvl8pPr>
+            <a:lvl9pPr marL="3886200" indent="-228600" algn="l" defTabSz="914400" rtl="0" eaLnBrk="1" latinLnBrk="0" hangingPunct="1">
+              <a:lnSpc>
+                <a:spcPct val="90000"/>
+              </a:lnSpc>
+              <a:spcBef>
+                <a:spcPts val="500"/>
+              </a:spcBef>
+              <a:buFont typeface="Arial" panose="020B0604020202020204" pitchFamily="34" charset="0"/>
+              <a:buChar char="•"/>
+              <a:defRPr sz="1800" kern="1200">
+                <a:solidFill>
+                  <a:schemeClr val="tx1"/>
+                </a:solidFill>
+                <a:latin typeface="+mn-lt"/>
+                <a:ea typeface="+mn-ea"/>
+                <a:cs typeface="+mn-cs"/>
+              </a:defRPr>
+            </a:lvl9pPr>
+          </a:lstStyle>
+          <a:p>
+            <a:pPr marL="285750" indent="-285750">
+              <a:buFont typeface="Arial" panose="020B0604020202020204" pitchFamily="34" charset="0"/>
+              <a:buChar char="•"/>
+            </a:pPr>
+            <a:r>
+              <a:rPr lang="en-US" sz="1800" dirty="0"/>
+              <a:t>Comparative analysis on sentence sentiment rather than word.</a:t>
             </a:r>
           </a:p>
         </p:txBody>
@@ -24445,7 +27788,7 @@
     </p:spTree>
     <p:extLst>
       <p:ext uri="{BB962C8B-B14F-4D97-AF65-F5344CB8AC3E}">
-        <p14:creationId xmlns:p14="http://schemas.microsoft.com/office/powerpoint/2010/main" val="1250005957"/>
+        <p14:creationId xmlns:p14="http://schemas.microsoft.com/office/powerpoint/2010/main" val="2032607428"/>
       </p:ext>
     </p:extLst>
   </p:cSld>
@@ -25247,24 +28590,6 @@
 </file>
 
 <file path=customXml/item1.xml><?xml version="1.0" encoding="utf-8"?>
-<?mso-contentType ?>
-<FormTemplates xmlns="http://schemas.microsoft.com/sharepoint/v3/contenttype/forms">
-  <Display>DocumentLibraryForm</Display>
-  <Edit>DocumentLibraryForm</Edit>
-  <New>DocumentLibraryForm</New>
-</FormTemplates>
-</file>
-
-<file path=customXml/item2.xml><?xml version="1.0" encoding="utf-8"?>
-<p:properties xmlns:p="http://schemas.microsoft.com/office/2006/metadata/properties" xmlns:xsi="http://www.w3.org/2001/XMLSchema-instance" xmlns:pc="http://schemas.microsoft.com/office/infopath/2007/PartnerControls">
-  <documentManagement>
-    <Status xmlns="71af3243-3dd4-4a8d-8c0d-dd76da1f02a5">Not started</Status>
-    <MediaServiceKeyPoints xmlns="71af3243-3dd4-4a8d-8c0d-dd76da1f02a5" xsi:nil="true"/>
-  </documentManagement>
-</p:properties>
-</file>
-
-<file path=customXml/item3.xml><?xml version="1.0" encoding="utf-8"?>
 <ct:contentTypeSchema xmlns:ct="http://schemas.microsoft.com/office/2006/metadata/contentType" xmlns:ma="http://schemas.microsoft.com/office/2006/metadata/properties/metaAttributes" ct:_="" ma:_="" ma:contentTypeName="Document" ma:contentTypeID="0x01010079F111ED35F8CC479449609E8A0923A6" ma:contentTypeVersion="12" ma:contentTypeDescription="Create a new document." ma:contentTypeScope="" ma:versionID="f9fc9171bb41dc08635275f351de8590">
   <xsd:schema xmlns:xsd="http://www.w3.org/2001/XMLSchema" xmlns:xs="http://www.w3.org/2001/XMLSchema" xmlns:p="http://schemas.microsoft.com/office/2006/metadata/properties" xmlns:ns2="71af3243-3dd4-4a8d-8c0d-dd76da1f02a5" xmlns:ns3="16c05727-aa75-4e4a-9b5f-8a80a1165891" targetNamespace="http://schemas.microsoft.com/office/2006/metadata/properties" ma:root="true" ma:fieldsID="29387215989a890c06011de04edfe97d" ns2:_="" ns3:_="">
     <xsd:import namespace="71af3243-3dd4-4a8d-8c0d-dd76da1f02a5"/>
@@ -25485,10 +28810,39 @@
 </ct:contentTypeSchema>
 </file>
 
+<file path=customXml/item2.xml><?xml version="1.0" encoding="utf-8"?>
+<p:properties xmlns:p="http://schemas.microsoft.com/office/2006/metadata/properties" xmlns:xsi="http://www.w3.org/2001/XMLSchema-instance" xmlns:pc="http://schemas.microsoft.com/office/infopath/2007/PartnerControls">
+  <documentManagement>
+    <Status xmlns="71af3243-3dd4-4a8d-8c0d-dd76da1f02a5">Not started</Status>
+    <MediaServiceKeyPoints xmlns="71af3243-3dd4-4a8d-8c0d-dd76da1f02a5" xsi:nil="true"/>
+  </documentManagement>
+</p:properties>
+</file>
+
+<file path=customXml/item3.xml><?xml version="1.0" encoding="utf-8"?>
+<?mso-contentType ?>
+<FormTemplates xmlns="http://schemas.microsoft.com/sharepoint/v3/contenttype/forms">
+  <Display>DocumentLibraryForm</Display>
+  <Edit>DocumentLibraryForm</Edit>
+  <New>DocumentLibraryForm</New>
+</FormTemplates>
+</file>
+
 <file path=customXml/itemProps1.xml><?xml version="1.0" encoding="utf-8"?>
-<ds:datastoreItem xmlns:ds="http://schemas.openxmlformats.org/officeDocument/2006/customXml" ds:itemID="{5E8B52BE-6787-403E-A094-B18CEB016691}">
+<ds:datastoreItem xmlns:ds="http://schemas.openxmlformats.org/officeDocument/2006/customXml" ds:itemID="{A843D30A-FE5A-4A75-9AAA-C9B333E4865F}">
   <ds:schemaRefs>
-    <ds:schemaRef ds:uri="http://schemas.microsoft.com/sharepoint/v3/contenttype/forms"/>
+    <ds:schemaRef ds:uri="http://schemas.microsoft.com/office/2006/metadata/contentType"/>
+    <ds:schemaRef ds:uri="http://schemas.microsoft.com/office/2006/metadata/properties/metaAttributes"/>
+    <ds:schemaRef ds:uri="http://www.w3.org/2001/XMLSchema"/>
+    <ds:schemaRef ds:uri="http://schemas.microsoft.com/office/2006/metadata/properties"/>
+    <ds:schemaRef ds:uri="71af3243-3dd4-4a8d-8c0d-dd76da1f02a5"/>
+    <ds:schemaRef ds:uri="16c05727-aa75-4e4a-9b5f-8a80a1165891"/>
+    <ds:schemaRef ds:uri="http://schemas.microsoft.com/office/2006/documentManagement/types"/>
+    <ds:schemaRef ds:uri="http://schemas.microsoft.com/office/infopath/2007/PartnerControls"/>
+    <ds:schemaRef ds:uri="http://schemas.openxmlformats.org/package/2006/metadata/core-properties"/>
+    <ds:schemaRef ds:uri="http://purl.org/dc/elements/1.1/"/>
+    <ds:schemaRef ds:uri="http://purl.org/dc/terms/"/>
+    <ds:schemaRef ds:uri="http://schemas.microsoft.com/internal/obd"/>
   </ds:schemaRefs>
 </ds:datastoreItem>
 </file>
@@ -25511,20 +28865,9 @@
 </file>
 
 <file path=customXml/itemProps3.xml><?xml version="1.0" encoding="utf-8"?>
-<ds:datastoreItem xmlns:ds="http://schemas.openxmlformats.org/officeDocument/2006/customXml" ds:itemID="{A843D30A-FE5A-4A75-9AAA-C9B333E4865F}">
+<ds:datastoreItem xmlns:ds="http://schemas.openxmlformats.org/officeDocument/2006/customXml" ds:itemID="{5E8B52BE-6787-403E-A094-B18CEB016691}">
   <ds:schemaRefs>
-    <ds:schemaRef ds:uri="http://schemas.microsoft.com/office/2006/metadata/contentType"/>
-    <ds:schemaRef ds:uri="http://schemas.microsoft.com/office/2006/metadata/properties/metaAttributes"/>
-    <ds:schemaRef ds:uri="http://www.w3.org/2001/XMLSchema"/>
-    <ds:schemaRef ds:uri="http://schemas.microsoft.com/office/2006/metadata/properties"/>
-    <ds:schemaRef ds:uri="71af3243-3dd4-4a8d-8c0d-dd76da1f02a5"/>
-    <ds:schemaRef ds:uri="16c05727-aa75-4e4a-9b5f-8a80a1165891"/>
-    <ds:schemaRef ds:uri="http://schemas.microsoft.com/office/2006/documentManagement/types"/>
-    <ds:schemaRef ds:uri="http://schemas.microsoft.com/office/infopath/2007/PartnerControls"/>
-    <ds:schemaRef ds:uri="http://schemas.openxmlformats.org/package/2006/metadata/core-properties"/>
-    <ds:schemaRef ds:uri="http://purl.org/dc/elements/1.1/"/>
-    <ds:schemaRef ds:uri="http://purl.org/dc/terms/"/>
-    <ds:schemaRef ds:uri="http://schemas.microsoft.com/internal/obd"/>
+    <ds:schemaRef ds:uri="http://schemas.microsoft.com/sharepoint/v3/contenttype/forms"/>
   </ds:schemaRefs>
 </ds:datastoreItem>
 </file>
--- a/NonToxic_Communication.pptx
+++ b/NonToxic_Communication.pptx
@@ -5,24 +5,27 @@
     <p:sldMasterId id="2147483648" r:id="rId4"/>
   </p:sldMasterIdLst>
   <p:notesMasterIdLst>
-    <p:notesMasterId r:id="rId17"/>
+    <p:notesMasterId r:id="rId20"/>
   </p:notesMasterIdLst>
   <p:handoutMasterIdLst>
-    <p:handoutMasterId r:id="rId18"/>
+    <p:handoutMasterId r:id="rId21"/>
   </p:handoutMasterIdLst>
   <p:sldIdLst>
     <p:sldId id="2596" r:id="rId5"/>
     <p:sldId id="2584" r:id="rId6"/>
     <p:sldId id="2565" r:id="rId7"/>
-    <p:sldId id="2601" r:id="rId8"/>
-    <p:sldId id="2604" r:id="rId9"/>
-    <p:sldId id="2567" r:id="rId10"/>
-    <p:sldId id="2598" r:id="rId11"/>
-    <p:sldId id="2603" r:id="rId12"/>
-    <p:sldId id="2571" r:id="rId13"/>
-    <p:sldId id="2581" r:id="rId14"/>
-    <p:sldId id="2555" r:id="rId15"/>
-    <p:sldId id="2602" r:id="rId16"/>
+    <p:sldId id="2604" r:id="rId8"/>
+    <p:sldId id="2601" r:id="rId9"/>
+    <p:sldId id="2609" r:id="rId10"/>
+    <p:sldId id="2567" r:id="rId11"/>
+    <p:sldId id="2598" r:id="rId12"/>
+    <p:sldId id="2603" r:id="rId13"/>
+    <p:sldId id="2571" r:id="rId14"/>
+    <p:sldId id="2581" r:id="rId15"/>
+    <p:sldId id="2555" r:id="rId16"/>
+    <p:sldId id="2607" r:id="rId17"/>
+    <p:sldId id="2602" r:id="rId18"/>
+    <p:sldId id="2608" r:id="rId19"/>
   </p:sldIdLst>
   <p:sldSz cx="12192000" cy="6858000"/>
   <p:notesSz cx="6858000" cy="9144000"/>
@@ -243,7 +246,7 @@
           <a:p>
             <a:fld id="{0248B25D-8766-427E-8C9E-4845048D8DFC}" type="datetimeFigureOut">
               <a:rPr lang="en-US" smtClean="0"/>
-              <a:t>6/17/2020</a:t>
+              <a:t>6/23/2020</a:t>
             </a:fld>
             <a:endParaRPr lang="en-US" dirty="0"/>
           </a:p>
@@ -420,7 +423,7 @@
           <a:p>
             <a:fld id="{426F439B-391B-4B41-826A-951FCF412C34}" type="datetimeFigureOut">
               <a:rPr lang="en-US" smtClean="0"/>
-              <a:t>6/17/2020</a:t>
+              <a:t>6/22/2020</a:t>
             </a:fld>
             <a:endParaRPr lang="en-US" dirty="0"/>
           </a:p>
@@ -687,6 +690,310 @@
 </p:notesMaster>
 </file>
 
+<file path=ppt/notesSlides/notesSlide1.xml><?xml version="1.0" encoding="utf-8"?>
+<p:notes xmlns:a="http://schemas.openxmlformats.org/drawingml/2006/main" xmlns:r="http://schemas.openxmlformats.org/officeDocument/2006/relationships" xmlns:p="http://schemas.openxmlformats.org/presentationml/2006/main">
+  <p:cSld>
+    <p:spTree>
+      <p:nvGrpSpPr>
+        <p:cNvPr id="1" name=""/>
+        <p:cNvGrpSpPr/>
+        <p:nvPr/>
+      </p:nvGrpSpPr>
+      <p:grpSpPr>
+        <a:xfrm>
+          <a:off x="0" y="0"/>
+          <a:ext cx="0" cy="0"/>
+          <a:chOff x="0" y="0"/>
+          <a:chExt cx="0" cy="0"/>
+        </a:xfrm>
+      </p:grpSpPr>
+      <p:sp>
+        <p:nvSpPr>
+          <p:cNvPr id="2" name="Slide Image Placeholder 1"/>
+          <p:cNvSpPr>
+            <a:spLocks noGrp="1" noRot="1" noChangeAspect="1"/>
+          </p:cNvSpPr>
+          <p:nvPr>
+            <p:ph type="sldImg"/>
+          </p:nvPr>
+        </p:nvSpPr>
+        <p:spPr/>
+      </p:sp>
+      <p:sp>
+        <p:nvSpPr>
+          <p:cNvPr id="3" name="Notes Placeholder 2"/>
+          <p:cNvSpPr>
+            <a:spLocks noGrp="1"/>
+          </p:cNvSpPr>
+          <p:nvPr>
+            <p:ph type="body" idx="1"/>
+          </p:nvPr>
+        </p:nvSpPr>
+        <p:spPr/>
+        <p:txBody>
+          <a:bodyPr/>
+          <a:lstStyle/>
+          <a:p>
+            <a:r>
+              <a:rPr lang="en-US" dirty="0"/>
+              <a:t>Conversation AI Dataset: https://conversationai.github.io/</a:t>
+            </a:r>
+          </a:p>
+          <a:p>
+            <a:r>
+              <a:rPr lang="en-US" dirty="0"/>
+              <a:t> </a:t>
+            </a:r>
+          </a:p>
+          <a:p>
+            <a:endParaRPr lang="en-US" dirty="0"/>
+          </a:p>
+          <a:p>
+            <a:r>
+              <a:rPr lang="en-US" dirty="0"/>
+              <a:t>From Kaggle:</a:t>
+            </a:r>
+          </a:p>
+          <a:p>
+            <a:endParaRPr lang="en-US" dirty="0"/>
+          </a:p>
+          <a:p>
+            <a:r>
+              <a:rPr lang="en-US" sz="1200" b="0" i="0" kern="1200" dirty="0">
+                <a:solidFill>
+                  <a:schemeClr val="tx1"/>
+                </a:solidFill>
+                <a:effectLst/>
+                <a:latin typeface="+mn-lt"/>
+                <a:ea typeface="+mn-ea"/>
+                <a:cs typeface="+mn-cs"/>
+              </a:rPr>
+              <a:t>Discussing things you care about can be difficult. The threat of abuse and harassment online means that many people stop expressing themselves and give up on seeking different opinions. Platforms struggle to effectively facilitate conversations, leading many communities to limit or completely shut down user comments.</a:t>
+            </a:r>
+          </a:p>
+          <a:p>
+            <a:endParaRPr lang="en-US" sz="1200" b="0" i="0" kern="1200" dirty="0">
+              <a:solidFill>
+                <a:schemeClr val="tx1"/>
+              </a:solidFill>
+              <a:effectLst/>
+              <a:latin typeface="+mn-lt"/>
+              <a:ea typeface="+mn-ea"/>
+              <a:cs typeface="+mn-cs"/>
+            </a:endParaRPr>
+          </a:p>
+          <a:p>
+            <a:r>
+              <a:rPr lang="en-US" sz="1200" b="0" i="0" kern="1200" dirty="0">
+                <a:solidFill>
+                  <a:schemeClr val="tx1"/>
+                </a:solidFill>
+                <a:effectLst/>
+                <a:latin typeface="+mn-lt"/>
+                <a:ea typeface="+mn-ea"/>
+                <a:cs typeface="+mn-cs"/>
+              </a:rPr>
+              <a:t>The </a:t>
+            </a:r>
+            <a:r>
+              <a:rPr lang="en-US" sz="1200" b="0" i="0" u="none" strike="noStrike" kern="1200" dirty="0">
+                <a:solidFill>
+                  <a:schemeClr val="tx1"/>
+                </a:solidFill>
+                <a:effectLst/>
+                <a:latin typeface="+mn-lt"/>
+                <a:ea typeface="+mn-ea"/>
+                <a:cs typeface="+mn-cs"/>
+                <a:hlinkClick r:id="rId3"/>
+              </a:rPr>
+              <a:t>Conversation AI</a:t>
+            </a:r>
+            <a:r>
+              <a:rPr lang="en-US" sz="1200" b="0" i="0" kern="1200" dirty="0">
+                <a:solidFill>
+                  <a:schemeClr val="tx1"/>
+                </a:solidFill>
+                <a:effectLst/>
+                <a:latin typeface="+mn-lt"/>
+                <a:ea typeface="+mn-ea"/>
+                <a:cs typeface="+mn-cs"/>
+              </a:rPr>
+              <a:t> team, a research initiative founded by </a:t>
+            </a:r>
+            <a:r>
+              <a:rPr lang="en-US" sz="1200" b="0" i="0" u="none" strike="noStrike" kern="1200" dirty="0">
+                <a:solidFill>
+                  <a:schemeClr val="tx1"/>
+                </a:solidFill>
+                <a:effectLst/>
+                <a:latin typeface="+mn-lt"/>
+                <a:ea typeface="+mn-ea"/>
+                <a:cs typeface="+mn-cs"/>
+                <a:hlinkClick r:id="rId4"/>
+              </a:rPr>
+              <a:t>Jigsaw</a:t>
+            </a:r>
+            <a:r>
+              <a:rPr lang="en-US" sz="1200" b="0" i="0" kern="1200" dirty="0">
+                <a:solidFill>
+                  <a:schemeClr val="tx1"/>
+                </a:solidFill>
+                <a:effectLst/>
+                <a:latin typeface="+mn-lt"/>
+                <a:ea typeface="+mn-ea"/>
+                <a:cs typeface="+mn-cs"/>
+              </a:rPr>
+              <a:t> and Google (both a part of Alphabet) are working on tools to help improve online conversation. One area of focus is the study of negative online behaviors, like toxic comments (i.e. comments that are rude, disrespectful or otherwise likely to make someone leave a discussion). So far they’ve built a range of publicly available models served through the </a:t>
+            </a:r>
+            <a:r>
+              <a:rPr lang="en-US" sz="1200" b="0" i="0" u="none" strike="noStrike" kern="1200" dirty="0">
+                <a:solidFill>
+                  <a:schemeClr val="tx1"/>
+                </a:solidFill>
+                <a:effectLst/>
+                <a:latin typeface="+mn-lt"/>
+                <a:ea typeface="+mn-ea"/>
+                <a:cs typeface="+mn-cs"/>
+                <a:hlinkClick r:id="rId5"/>
+              </a:rPr>
+              <a:t>Perspective API</a:t>
+            </a:r>
+            <a:r>
+              <a:rPr lang="en-US" sz="1200" b="0" i="0" kern="1200" dirty="0">
+                <a:solidFill>
+                  <a:schemeClr val="tx1"/>
+                </a:solidFill>
+                <a:effectLst/>
+                <a:latin typeface="+mn-lt"/>
+                <a:ea typeface="+mn-ea"/>
+                <a:cs typeface="+mn-cs"/>
+              </a:rPr>
+              <a:t>, including toxicity. But the current models still make errors, and they don’t allow users to select which types of toxicity they’re interested in finding (e.g. some platforms may be fine with profanity, but not with other types of toxic content).</a:t>
+            </a:r>
+            <a:endParaRPr lang="en-US" dirty="0"/>
+          </a:p>
+        </p:txBody>
+      </p:sp>
+      <p:sp>
+        <p:nvSpPr>
+          <p:cNvPr id="4" name="Slide Number Placeholder 3"/>
+          <p:cNvSpPr>
+            <a:spLocks noGrp="1"/>
+          </p:cNvSpPr>
+          <p:nvPr>
+            <p:ph type="sldNum" sz="quarter" idx="5"/>
+          </p:nvPr>
+        </p:nvSpPr>
+        <p:spPr/>
+        <p:txBody>
+          <a:bodyPr/>
+          <a:lstStyle/>
+          <a:p>
+            <a:fld id="{3CFA0038-7055-434C-B6C4-B8C69565C600}" type="slidenum">
+              <a:rPr lang="en-US" smtClean="0"/>
+              <a:t>3</a:t>
+            </a:fld>
+            <a:endParaRPr lang="en-US" dirty="0"/>
+          </a:p>
+        </p:txBody>
+      </p:sp>
+    </p:spTree>
+    <p:extLst>
+      <p:ext uri="{BB962C8B-B14F-4D97-AF65-F5344CB8AC3E}">
+        <p14:creationId xmlns:p14="http://schemas.microsoft.com/office/powerpoint/2010/main" val="9353674"/>
+      </p:ext>
+    </p:extLst>
+  </p:cSld>
+  <p:clrMapOvr>
+    <a:masterClrMapping/>
+  </p:clrMapOvr>
+</p:notes>
+</file>
+
+<file path=ppt/notesSlides/notesSlide2.xml><?xml version="1.0" encoding="utf-8"?>
+<p:notes xmlns:a="http://schemas.openxmlformats.org/drawingml/2006/main" xmlns:r="http://schemas.openxmlformats.org/officeDocument/2006/relationships" xmlns:p="http://schemas.openxmlformats.org/presentationml/2006/main">
+  <p:cSld>
+    <p:spTree>
+      <p:nvGrpSpPr>
+        <p:cNvPr id="1" name=""/>
+        <p:cNvGrpSpPr/>
+        <p:nvPr/>
+      </p:nvGrpSpPr>
+      <p:grpSpPr>
+        <a:xfrm>
+          <a:off x="0" y="0"/>
+          <a:ext cx="0" cy="0"/>
+          <a:chOff x="0" y="0"/>
+          <a:chExt cx="0" cy="0"/>
+        </a:xfrm>
+      </p:grpSpPr>
+      <p:sp>
+        <p:nvSpPr>
+          <p:cNvPr id="2" name="Slide Image Placeholder 1"/>
+          <p:cNvSpPr>
+            <a:spLocks noGrp="1" noRot="1" noChangeAspect="1"/>
+          </p:cNvSpPr>
+          <p:nvPr>
+            <p:ph type="sldImg"/>
+          </p:nvPr>
+        </p:nvSpPr>
+        <p:spPr/>
+      </p:sp>
+      <p:sp>
+        <p:nvSpPr>
+          <p:cNvPr id="3" name="Notes Placeholder 2"/>
+          <p:cNvSpPr>
+            <a:spLocks noGrp="1"/>
+          </p:cNvSpPr>
+          <p:nvPr>
+            <p:ph type="body" idx="1"/>
+          </p:nvPr>
+        </p:nvSpPr>
+        <p:spPr/>
+        <p:txBody>
+          <a:bodyPr/>
+          <a:lstStyle/>
+          <a:p>
+            <a:endParaRPr lang="en-US" dirty="0"/>
+          </a:p>
+        </p:txBody>
+      </p:sp>
+      <p:sp>
+        <p:nvSpPr>
+          <p:cNvPr id="4" name="Slide Number Placeholder 3"/>
+          <p:cNvSpPr>
+            <a:spLocks noGrp="1"/>
+          </p:cNvSpPr>
+          <p:nvPr>
+            <p:ph type="sldNum" sz="quarter" idx="5"/>
+          </p:nvPr>
+        </p:nvSpPr>
+        <p:spPr/>
+        <p:txBody>
+          <a:bodyPr/>
+          <a:lstStyle/>
+          <a:p>
+            <a:fld id="{3CFA0038-7055-434C-B6C4-B8C69565C600}" type="slidenum">
+              <a:rPr lang="en-US" smtClean="0"/>
+              <a:t>8</a:t>
+            </a:fld>
+            <a:endParaRPr lang="en-US" dirty="0"/>
+          </a:p>
+        </p:txBody>
+      </p:sp>
+    </p:spTree>
+    <p:extLst>
+      <p:ext uri="{BB962C8B-B14F-4D97-AF65-F5344CB8AC3E}">
+        <p14:creationId xmlns:p14="http://schemas.microsoft.com/office/powerpoint/2010/main" val="1372146840"/>
+      </p:ext>
+    </p:extLst>
+  </p:cSld>
+  <p:clrMapOvr>
+    <a:masterClrMapping/>
+  </p:clrMapOvr>
+</p:notes>
+</file>
+
 <file path=ppt/slideLayouts/slideLayout1.xml><?xml version="1.0" encoding="utf-8"?>
 <p:sldLayout xmlns:a="http://schemas.openxmlformats.org/drawingml/2006/main" xmlns:r="http://schemas.openxmlformats.org/officeDocument/2006/relationships" xmlns:p="http://schemas.openxmlformats.org/presentationml/2006/main" preserve="1" userDrawn="1">
   <p:cSld name="Title Slide with Image">
@@ -10499,7 +10806,7 @@
             </a:ln>
             <a:extLst>
               <a:ext uri="{C572A759-6A51-4108-AA02-DFA0A04FC94B}">
-                <ma14:wrappingTextBoxFlag xmlns="" xmlns:ma14="http://schemas.microsoft.com/office/mac/drawingml/2011/main" val="1"/>
+                <ma14:wrappingTextBoxFlag xmlns:ma14="http://schemas.microsoft.com/office/mac/drawingml/2011/main" xmlns="" val="1"/>
               </a:ext>
             </a:extLst>
           </p:spPr>
@@ -10735,7 +11042,7 @@
             </a:ln>
             <a:extLst>
               <a:ext uri="{C572A759-6A51-4108-AA02-DFA0A04FC94B}">
-                <ma14:wrappingTextBoxFlag xmlns="" xmlns:ma14="http://schemas.microsoft.com/office/mac/drawingml/2011/main" val="1"/>
+                <ma14:wrappingTextBoxFlag xmlns:ma14="http://schemas.microsoft.com/office/mac/drawingml/2011/main" xmlns="" val="1"/>
               </a:ext>
             </a:extLst>
           </p:spPr>
@@ -10971,7 +11278,7 @@
             </a:ln>
             <a:extLst>
               <a:ext uri="{C572A759-6A51-4108-AA02-DFA0A04FC94B}">
-                <ma14:wrappingTextBoxFlag xmlns="" xmlns:ma14="http://schemas.microsoft.com/office/mac/drawingml/2011/main" val="1"/>
+                <ma14:wrappingTextBoxFlag xmlns:ma14="http://schemas.microsoft.com/office/mac/drawingml/2011/main" xmlns="" val="1"/>
               </a:ext>
             </a:extLst>
           </p:spPr>
@@ -21265,13 +21572,13 @@
         <p:spPr/>
         <p:txBody>
           <a:bodyPr>
-            <a:normAutofit fontScale="77500" lnSpcReduction="20000"/>
+            <a:normAutofit/>
           </a:bodyPr>
           <a:lstStyle/>
           <a:p>
             <a:r>
               <a:rPr lang="en-US" dirty="0"/>
-              <a:t>Using Natural Language Processing to help keep sharing ideas healthy</a:t>
+              <a:t>Using Natural Language Processing to identify toxic speech</a:t>
             </a:r>
           </a:p>
         </p:txBody>
@@ -21340,7 +21647,7 @@
         </p:blipFill>
         <p:spPr>
           <a:xfrm>
-            <a:off x="1673859" y="1035785"/>
+            <a:off x="1673859" y="1105926"/>
             <a:ext cx="1783081" cy="1783081"/>
           </a:xfrm>
           <a:prstGeom prst="rect">
@@ -21348,6 +21655,125 @@
           </a:prstGeom>
         </p:spPr>
       </p:pic>
+      <p:pic>
+        <p:nvPicPr>
+          <p:cNvPr id="6" name="Graphic 5" descr="Radioactive sign">
+            <a:extLst>
+              <a:ext uri="{FF2B5EF4-FFF2-40B4-BE49-F238E27FC236}">
+                <a16:creationId xmlns:a16="http://schemas.microsoft.com/office/drawing/2014/main" id="{02C33AB8-4DEE-4CC3-BF9C-483802637E68}"/>
+              </a:ext>
+            </a:extLst>
+          </p:cNvPr>
+          <p:cNvPicPr>
+            <a:picLocks noChangeAspect="1"/>
+          </p:cNvPicPr>
+          <p:nvPr/>
+        </p:nvPicPr>
+        <p:blipFill>
+          <a:blip r:embed="rId2">
+            <a:extLst>
+              <a:ext uri="{96DAC541-7B7A-43D3-8B79-37D633B846F1}">
+                <asvg:svgBlip xmlns:asvg="http://schemas.microsoft.com/office/drawing/2016/SVG/main" r:embed="rId3"/>
+              </a:ext>
+            </a:extLst>
+          </a:blip>
+          <a:stretch>
+            <a:fillRect/>
+          </a:stretch>
+        </p:blipFill>
+        <p:spPr>
+          <a:xfrm>
+            <a:off x="2260599" y="4730792"/>
+            <a:ext cx="914400" cy="914400"/>
+          </a:xfrm>
+          <a:prstGeom prst="rect">
+            <a:avLst/>
+          </a:prstGeom>
+        </p:spPr>
+      </p:pic>
+      <p:pic>
+        <p:nvPicPr>
+          <p:cNvPr id="8" name="Graphic 7" descr="Radioactive sign">
+            <a:extLst>
+              <a:ext uri="{FF2B5EF4-FFF2-40B4-BE49-F238E27FC236}">
+                <a16:creationId xmlns:a16="http://schemas.microsoft.com/office/drawing/2014/main" id="{E7200319-392A-464D-B0FF-83348F3DE282}"/>
+              </a:ext>
+            </a:extLst>
+          </p:cNvPr>
+          <p:cNvPicPr>
+            <a:picLocks noChangeAspect="1"/>
+          </p:cNvPicPr>
+          <p:nvPr/>
+        </p:nvPicPr>
+        <p:blipFill>
+          <a:blip r:embed="rId2">
+            <a:extLst>
+              <a:ext uri="{96DAC541-7B7A-43D3-8B79-37D633B846F1}">
+                <asvg:svgBlip xmlns:asvg="http://schemas.microsoft.com/office/drawing/2016/SVG/main" r:embed="rId3"/>
+              </a:ext>
+            </a:extLst>
+          </a:blip>
+          <a:stretch>
+            <a:fillRect/>
+          </a:stretch>
+        </p:blipFill>
+        <p:spPr>
+          <a:xfrm>
+            <a:off x="7807959" y="4738970"/>
+            <a:ext cx="914400" cy="914400"/>
+          </a:xfrm>
+          <a:prstGeom prst="rect">
+            <a:avLst/>
+          </a:prstGeom>
+        </p:spPr>
+      </p:pic>
+      <p:sp>
+        <p:nvSpPr>
+          <p:cNvPr id="4" name="TextBox 3">
+            <a:extLst>
+              <a:ext uri="{FF2B5EF4-FFF2-40B4-BE49-F238E27FC236}">
+                <a16:creationId xmlns:a16="http://schemas.microsoft.com/office/drawing/2014/main" id="{5BDFD193-CE10-403B-BBBB-098DEEE71940}"/>
+              </a:ext>
+            </a:extLst>
+          </p:cNvPr>
+          <p:cNvSpPr txBox="1"/>
+          <p:nvPr/>
+        </p:nvSpPr>
+        <p:spPr>
+          <a:xfrm>
+            <a:off x="3456940" y="5011504"/>
+            <a:ext cx="4909821" cy="369332"/>
+          </a:xfrm>
+          <a:prstGeom prst="rect">
+            <a:avLst/>
+          </a:prstGeom>
+          <a:noFill/>
+        </p:spPr>
+        <p:txBody>
+          <a:bodyPr wrap="square" rtlCol="0">
+            <a:spAutoFit/>
+          </a:bodyPr>
+          <a:lstStyle/>
+          <a:p>
+            <a:r>
+              <a:rPr lang="en-US" dirty="0">
+                <a:solidFill>
+                  <a:srgbClr val="FF0000"/>
+                </a:solidFill>
+              </a:rPr>
+              <a:t>WARNING: </a:t>
+            </a:r>
+            <a:r>
+              <a:rPr lang="en-US" dirty="0">
+                <a:solidFill>
+                  <a:srgbClr val="FFFFCC"/>
+                </a:solidFill>
+              </a:rPr>
+              <a:t>Offensive Language Identified</a:t>
+            </a:r>
+          </a:p>
+        </p:txBody>
+      </p:sp>
     </p:spTree>
     <p:extLst>
       <p:ext uri="{BB962C8B-B14F-4D97-AF65-F5344CB8AC3E}">
@@ -21378,96 +21804,277 @@
           <a:chExt cx="0" cy="0"/>
         </a:xfrm>
       </p:grpSpPr>
+      <p:sp>
+        <p:nvSpPr>
+          <p:cNvPr id="7" name="Text Placeholder 6">
+            <a:extLst>
+              <a:ext uri="{FF2B5EF4-FFF2-40B4-BE49-F238E27FC236}">
+                <a16:creationId xmlns:a16="http://schemas.microsoft.com/office/drawing/2014/main" id="{87FCC6D1-213C-4A86-A2D0-742E15438C09}"/>
+              </a:ext>
+            </a:extLst>
+          </p:cNvPr>
+          <p:cNvSpPr>
+            <a:spLocks noGrp="1"/>
+          </p:cNvSpPr>
+          <p:nvPr>
+            <p:ph type="body" sz="quarter" idx="17"/>
+          </p:nvPr>
+        </p:nvSpPr>
+        <p:spPr>
+          <a:xfrm>
+            <a:off x="7486650" y="614715"/>
+            <a:ext cx="4639190" cy="1691133"/>
+          </a:xfrm>
+        </p:spPr>
+        <p:txBody>
+          <a:bodyPr>
+            <a:normAutofit/>
+          </a:bodyPr>
+          <a:lstStyle/>
+          <a:p>
+            <a:pPr marL="285750" indent="-285750">
+              <a:buFont typeface="Arial" panose="020B0604020202020204" pitchFamily="34" charset="0"/>
+              <a:buChar char="•"/>
+            </a:pPr>
+            <a:r>
+              <a:rPr lang="en-US" sz="1800" dirty="0"/>
+              <a:t>Collect more data around these more severe types of toxic comments to improve recognition.</a:t>
+            </a:r>
+          </a:p>
+          <a:p>
+            <a:pPr marL="285750" indent="-285750">
+              <a:buFont typeface="Arial" panose="020B0604020202020204" pitchFamily="34" charset="0"/>
+              <a:buChar char="•"/>
+            </a:pPr>
+            <a:r>
+              <a:rPr lang="en-US" sz="1800" dirty="0"/>
+              <a:t>Make </a:t>
+            </a:r>
+            <a:r>
+              <a:rPr lang="en-US" sz="2400" b="1" dirty="0">
+                <a:solidFill>
+                  <a:schemeClr val="accent1">
+                    <a:lumMod val="75000"/>
+                  </a:schemeClr>
+                </a:solidFill>
+              </a:rPr>
+              <a:t>threatening content </a:t>
+            </a:r>
+            <a:r>
+              <a:rPr lang="en-US" sz="1800" dirty="0"/>
+              <a:t>main target</a:t>
+            </a:r>
+          </a:p>
+        </p:txBody>
+      </p:sp>
+      <p:sp>
+        <p:nvSpPr>
+          <p:cNvPr id="5" name="Title 4">
+            <a:extLst>
+              <a:ext uri="{FF2B5EF4-FFF2-40B4-BE49-F238E27FC236}">
+                <a16:creationId xmlns:a16="http://schemas.microsoft.com/office/drawing/2014/main" id="{96DBE169-BA91-4B17-9AF2-4BAD528BEE06}"/>
+              </a:ext>
+            </a:extLst>
+          </p:cNvPr>
+          <p:cNvSpPr>
+            <a:spLocks noGrp="1"/>
+          </p:cNvSpPr>
+          <p:nvPr>
+            <p:ph type="title"/>
+          </p:nvPr>
+        </p:nvSpPr>
+        <p:spPr/>
+        <p:txBody>
+          <a:bodyPr/>
+          <a:lstStyle/>
+          <a:p>
+            <a:r>
+              <a:rPr lang="en-US" dirty="0"/>
+              <a:t>Future Work:</a:t>
+            </a:r>
+          </a:p>
+        </p:txBody>
+      </p:sp>
+      <p:sp>
+        <p:nvSpPr>
+          <p:cNvPr id="66" name="Text Placeholder 65">
+            <a:extLst>
+              <a:ext uri="{FF2B5EF4-FFF2-40B4-BE49-F238E27FC236}">
+                <a16:creationId xmlns:a16="http://schemas.microsoft.com/office/drawing/2014/main" id="{1AEF3ED8-A75C-4318-877C-139C98C0007D}"/>
+              </a:ext>
+            </a:extLst>
+          </p:cNvPr>
+          <p:cNvSpPr>
+            <a:spLocks noGrp="1"/>
+          </p:cNvSpPr>
+          <p:nvPr>
+            <p:ph type="body" sz="quarter" idx="12"/>
+          </p:nvPr>
+        </p:nvSpPr>
+        <p:spPr/>
+        <p:txBody>
+          <a:bodyPr>
+            <a:normAutofit/>
+          </a:bodyPr>
+          <a:lstStyle/>
+          <a:p>
+            <a:r>
+              <a:rPr lang="en-US" dirty="0"/>
+              <a:t>THREATS &amp; </a:t>
+            </a:r>
+          </a:p>
+          <a:p>
+            <a:r>
+              <a:rPr lang="en-US" dirty="0"/>
+              <a:t>SENTIMENT ANALYSIS</a:t>
+            </a:r>
+          </a:p>
+        </p:txBody>
+      </p:sp>
+      <p:sp>
+        <p:nvSpPr>
+          <p:cNvPr id="8" name="Text Placeholder 7">
+            <a:extLst>
+              <a:ext uri="{FF2B5EF4-FFF2-40B4-BE49-F238E27FC236}">
+                <a16:creationId xmlns:a16="http://schemas.microsoft.com/office/drawing/2014/main" id="{D9C2EAA8-D3C6-403B-B439-F95C60D0B3B9}"/>
+              </a:ext>
+            </a:extLst>
+          </p:cNvPr>
+          <p:cNvSpPr>
+            <a:spLocks noGrp="1"/>
+          </p:cNvSpPr>
+          <p:nvPr>
+            <p:ph type="body" sz="quarter" idx="11"/>
+          </p:nvPr>
+        </p:nvSpPr>
+        <p:spPr>
+          <a:xfrm>
+            <a:off x="838200" y="3498661"/>
+            <a:ext cx="4008438" cy="2777505"/>
+          </a:xfrm>
+        </p:spPr>
+        <p:txBody>
+          <a:bodyPr/>
+          <a:lstStyle/>
+          <a:p>
+            <a:r>
+              <a:rPr lang="en-US" dirty="0"/>
+              <a:t>Hopefully collective work can help everyone express themselves in more meaningful.</a:t>
+            </a:r>
+          </a:p>
+          <a:p>
+            <a:endParaRPr lang="en-US" dirty="0"/>
+          </a:p>
+          <a:p>
+            <a:endParaRPr lang="en-US" dirty="0"/>
+          </a:p>
+          <a:p>
+            <a:endParaRPr lang="en-US" dirty="0"/>
+          </a:p>
+          <a:p>
+            <a:r>
+              <a:rPr lang="en-US" dirty="0"/>
+              <a:t>Thankfully the most severe types of toxic comments are less frequent. In some situations, speech can constitute a crime, such as in the case of criminal threats. </a:t>
+            </a:r>
+          </a:p>
+          <a:p>
+            <a:endParaRPr lang="en-US" dirty="0"/>
+          </a:p>
+        </p:txBody>
+      </p:sp>
       <p:pic>
         <p:nvPicPr>
-          <p:cNvPr id="14" name="Picture Placeholder 13">
-            <a:extLst>
-              <a:ext uri="{FF2B5EF4-FFF2-40B4-BE49-F238E27FC236}">
-                <a16:creationId xmlns:a16="http://schemas.microsoft.com/office/drawing/2014/main" id="{D81EF999-A884-4768-A0F6-4A5244B24ED1}"/>
-              </a:ext>
-              <a:ext uri="{C183D7F6-B498-43B3-948B-1728B52AA6E4}">
-                <adec:decorative xmlns:adec="http://schemas.microsoft.com/office/drawing/2017/decorative" val="1"/>
-              </a:ext>
-            </a:extLst>
-          </p:cNvPr>
+          <p:cNvPr id="41" name="Picture Placeholder 40" title="Decorative"/>
           <p:cNvPicPr>
             <a:picLocks noGrp="1" noChangeAspect="1"/>
           </p:cNvPicPr>
           <p:nvPr>
-            <p:ph type="pic" sz="quarter" idx="10"/>
+            <p:ph type="pic" sz="quarter" idx="14"/>
           </p:nvPr>
         </p:nvPicPr>
         <p:blipFill rotWithShape="1">
           <a:blip r:embed="rId2" cstate="email">
-            <a:extLst>
+            <a:duotone>
+              <a:schemeClr val="accent2">
+                <a:shade val="45000"/>
+                <a:satMod val="135000"/>
+              </a:schemeClr>
+              <a:prstClr val="white"/>
+            </a:duotone>
+            <a:extLst>
+              <a:ext uri="{BEBA8EAE-BF5A-486C-A8C5-ECC9F3942E4B}">
+                <a14:imgProps xmlns:a14="http://schemas.microsoft.com/office/drawing/2010/main">
+                  <a14:imgLayer r:embed="rId3">
+                    <a14:imgEffect>
+                      <a14:brightnessContrast bright="-100000"/>
+                    </a14:imgEffect>
+                  </a14:imgLayer>
+                </a14:imgProps>
+              </a:ext>
               <a:ext uri="{28A0092B-C50C-407E-A947-70E740481C1C}">
                 <a14:useLocalDpi xmlns:a14="http://schemas.microsoft.com/office/drawing/2010/main"/>
               </a:ext>
             </a:extLst>
           </a:blip>
-          <a:srcRect/>
+          <a:srcRect l="-13860" t="-15649" r="-14314" b="-12525"/>
           <a:stretch/>
         </p:blipFill>
         <p:spPr>
-          <a:xfrm flipH="1">
-            <a:off x="212725" y="1260389"/>
-            <a:ext cx="2816352" cy="3173816"/>
-          </a:xfrm>
+          <a:xfrm>
+            <a:off x="790266" y="500843"/>
+            <a:ext cx="885235" cy="885235"/>
+          </a:xfrm>
+          <a:prstGeom prst="rect">
+            <a:avLst/>
+          </a:prstGeom>
         </p:spPr>
       </p:pic>
       <p:pic>
         <p:nvPicPr>
-          <p:cNvPr id="36" name="Picture Placeholder 35">
-            <a:extLst>
-              <a:ext uri="{FF2B5EF4-FFF2-40B4-BE49-F238E27FC236}">
-                <a16:creationId xmlns:a16="http://schemas.microsoft.com/office/drawing/2014/main" id="{6CBE990D-619E-4EC3-8E3B-3235FF40870D}"/>
-              </a:ext>
-              <a:ext uri="{C183D7F6-B498-43B3-948B-1728B52AA6E4}">
-                <adec:decorative xmlns:adec="http://schemas.microsoft.com/office/drawing/2017/decorative" val="1"/>
+          <p:cNvPr id="13" name="Picture 12">
+            <a:extLst>
+              <a:ext uri="{FF2B5EF4-FFF2-40B4-BE49-F238E27FC236}">
+                <a16:creationId xmlns:a16="http://schemas.microsoft.com/office/drawing/2014/main" id="{28784754-6023-4509-8EBF-5497D01B354D}"/>
               </a:ext>
             </a:extLst>
           </p:cNvPr>
           <p:cNvPicPr>
-            <a:picLocks noGrp="1" noChangeAspect="1"/>
+            <a:picLocks noChangeAspect="1"/>
           </p:cNvPicPr>
-          <p:nvPr>
-            <p:ph type="pic" sz="quarter" idx="12"/>
-          </p:nvPr>
+          <p:nvPr/>
         </p:nvPicPr>
-        <p:blipFill rotWithShape="1">
-          <a:blip r:embed="rId3" cstate="email">
-            <a:extLst>
-              <a:ext uri="{28A0092B-C50C-407E-A947-70E740481C1C}">
-                <a14:useLocalDpi xmlns:a14="http://schemas.microsoft.com/office/drawing/2010/main"/>
-              </a:ext>
-            </a:extLst>
-          </a:blip>
-          <a:srcRect/>
-          <a:stretch/>
+        <p:blipFill>
+          <a:blip r:embed="rId4"/>
+          <a:stretch>
+            <a:fillRect/>
+          </a:stretch>
         </p:blipFill>
-        <p:spPr/>
+        <p:spPr>
+          <a:xfrm>
+            <a:off x="7637025" y="2411052"/>
+            <a:ext cx="4161558" cy="2112791"/>
+          </a:xfrm>
+          <a:prstGeom prst="rect">
+            <a:avLst/>
+          </a:prstGeom>
+        </p:spPr>
       </p:pic>
       <p:pic>
         <p:nvPicPr>
-          <p:cNvPr id="45" name="Picture Placeholder 13" descr="3 ladies in discussion" title="Decorative">
-            <a:extLst>
-              <a:ext uri="{FF2B5EF4-FFF2-40B4-BE49-F238E27FC236}">
-                <a16:creationId xmlns:a16="http://schemas.microsoft.com/office/drawing/2014/main" id="{15E558B1-9F51-4146-A449-BF38892A8453}"/>
-              </a:ext>
-              <a:ext uri="{C183D7F6-B498-43B3-948B-1728B52AA6E4}">
-                <adec:decorative xmlns:adec="http://schemas.microsoft.com/office/drawing/2017/decorative" val="0"/>
+          <p:cNvPr id="28" name="Picture Placeholder 11" title="Decorative">
+            <a:extLst>
+              <a:ext uri="{FF2B5EF4-FFF2-40B4-BE49-F238E27FC236}">
+                <a16:creationId xmlns:a16="http://schemas.microsoft.com/office/drawing/2014/main" id="{A617490B-434C-4D5B-A53F-EDC7581BBB5E}"/>
               </a:ext>
             </a:extLst>
           </p:cNvPr>
           <p:cNvPicPr>
-            <a:picLocks noGrp="1" noChangeAspect="1"/>
+            <a:picLocks noChangeAspect="1"/>
           </p:cNvPicPr>
-          <p:nvPr>
-            <p:ph type="pic" sz="quarter" idx="13"/>
-          </p:nvPr>
+          <p:nvPr/>
         </p:nvPicPr>
         <p:blipFill>
-          <a:blip r:embed="rId4" cstate="email">
+          <a:blip r:embed="rId5" cstate="email">
             <a:extLst>
               <a:ext uri="{28A0092B-C50C-407E-A947-70E740481C1C}">
                 <a14:useLocalDpi xmlns:a14="http://schemas.microsoft.com/office/drawing/2010/main"/>
@@ -21481,120 +22088,213 @@
         </p:blipFill>
         <p:spPr>
           <a:xfrm flipH="1">
-            <a:off x="6179737" y="4586414"/>
-            <a:ext cx="2817564" cy="2271585"/>
-          </a:xfrm>
-        </p:spPr>
-      </p:pic>
-      <p:sp>
-        <p:nvSpPr>
-          <p:cNvPr id="54" name="Title 53" hidden="1">
-            <a:extLst>
-              <a:ext uri="{FF2B5EF4-FFF2-40B4-BE49-F238E27FC236}">
-                <a16:creationId xmlns:a16="http://schemas.microsoft.com/office/drawing/2014/main" id="{4C6A162B-A7A0-49BC-B7CB-0A66DC41715E}"/>
-              </a:ext>
-            </a:extLst>
-          </p:cNvPr>
-          <p:cNvSpPr>
-            <a:spLocks noGrp="1"/>
-          </p:cNvSpPr>
-          <p:nvPr>
-            <p:ph type="title" idx="4294967295"/>
-          </p:nvPr>
-        </p:nvSpPr>
-        <p:spPr>
-          <a:xfrm>
-            <a:off x="0" y="-571500"/>
-            <a:ext cx="10515600" cy="555625"/>
-          </a:xfrm>
-        </p:spPr>
-        <p:txBody>
-          <a:bodyPr>
-            <a:normAutofit/>
-          </a:bodyPr>
-          <a:lstStyle/>
-          <a:p>
-            <a:r>
-              <a:rPr lang="en-US" sz="2000" dirty="0">
-                <a:solidFill>
-                  <a:schemeClr val="bg1">
-                    <a:lumMod val="85000"/>
-                  </a:schemeClr>
-                </a:solidFill>
-              </a:rPr>
-              <a:t>Photo Collage</a:t>
-            </a:r>
-          </a:p>
-        </p:txBody>
-      </p:sp>
-      <p:pic>
-        <p:nvPicPr>
-          <p:cNvPr id="13" name="Picture Placeholder 5">
-            <a:extLst>
-              <a:ext uri="{FF2B5EF4-FFF2-40B4-BE49-F238E27FC236}">
-                <a16:creationId xmlns:a16="http://schemas.microsoft.com/office/drawing/2014/main" id="{C1F0D4FA-A491-4D35-84B8-333978500F59}"/>
-              </a:ext>
-              <a:ext uri="{C183D7F6-B498-43B3-948B-1728B52AA6E4}">
-                <adec:decorative xmlns:adec="http://schemas.microsoft.com/office/drawing/2017/decorative" val="1"/>
-              </a:ext>
-            </a:extLst>
-          </p:cNvPr>
-          <p:cNvPicPr>
-            <a:picLocks noGrp="1" noChangeAspect="1"/>
-          </p:cNvPicPr>
-          <p:nvPr>
-            <p:ph type="pic" sz="quarter" idx="14"/>
-          </p:nvPr>
-        </p:nvPicPr>
-        <p:blipFill rotWithShape="1">
-          <a:blip r:embed="rId5" cstate="email">
-            <a:extLst>
-              <a:ext uri="{28A0092B-C50C-407E-A947-70E740481C1C}">
-                <a14:useLocalDpi xmlns:a14="http://schemas.microsoft.com/office/drawing/2010/main"/>
-              </a:ext>
-            </a:extLst>
-          </a:blip>
-          <a:srcRect/>
-          <a:stretch/>
-        </p:blipFill>
-        <p:spPr>
-          <a:xfrm flipH="1">
-            <a:off x="6177889" y="2030436"/>
-            <a:ext cx="2817564" cy="2403769"/>
-          </a:xfrm>
-        </p:spPr>
-      </p:pic>
-      <p:sp>
-        <p:nvSpPr>
-          <p:cNvPr id="6" name="TextBox 5">
-            <a:extLst>
-              <a:ext uri="{FF2B5EF4-FFF2-40B4-BE49-F238E27FC236}">
-                <a16:creationId xmlns:a16="http://schemas.microsoft.com/office/drawing/2014/main" id="{4E4C247D-5293-4C30-AAAB-8E37F11C9B8F}"/>
-              </a:ext>
-            </a:extLst>
-          </p:cNvPr>
-          <p:cNvSpPr txBox="1"/>
-          <p:nvPr/>
-        </p:nvSpPr>
-        <p:spPr>
-          <a:xfrm>
-            <a:off x="3238910" y="2030436"/>
-            <a:ext cx="2729145" cy="830997"/>
+            <a:off x="4465888" y="581834"/>
+            <a:ext cx="1869440" cy="2749520"/>
           </a:xfrm>
           <a:prstGeom prst="rect">
             <a:avLst/>
           </a:prstGeom>
-          <a:noFill/>
-        </p:spPr>
-        <p:txBody>
-          <a:bodyPr wrap="none" rtlCol="0">
-            <a:spAutoFit/>
+        </p:spPr>
+      </p:pic>
+      <p:sp>
+        <p:nvSpPr>
+          <p:cNvPr id="11" name="Text Placeholder 6">
+            <a:extLst>
+              <a:ext uri="{FF2B5EF4-FFF2-40B4-BE49-F238E27FC236}">
+                <a16:creationId xmlns:a16="http://schemas.microsoft.com/office/drawing/2014/main" id="{2463E68D-89A7-42B6-996B-B316F90E08A4}"/>
+              </a:ext>
+            </a:extLst>
+          </p:cNvPr>
+          <p:cNvSpPr txBox="1">
+            <a:spLocks/>
+          </p:cNvSpPr>
+          <p:nvPr/>
+        </p:nvSpPr>
+        <p:spPr>
+          <a:xfrm>
+            <a:off x="7398209" y="4808437"/>
+            <a:ext cx="4639190" cy="1691133"/>
+          </a:xfrm>
+          <a:prstGeom prst="rect">
+            <a:avLst/>
+          </a:prstGeom>
+        </p:spPr>
+        <p:txBody>
+          <a:bodyPr vert="horz" lIns="91440" tIns="45720" rIns="91440" bIns="45720" rtlCol="0" anchor="ctr">
+            <a:normAutofit/>
           </a:bodyPr>
-          <a:lstStyle/>
-          <a:p>
-            <a:r>
-              <a:rPr lang="en-US" sz="4800" dirty="0"/>
-              <a:t>Thank you</a:t>
+          <a:lstStyle>
+            <a:lvl1pPr marL="0" indent="0" algn="l" defTabSz="914400" rtl="0" eaLnBrk="1" latinLnBrk="0" hangingPunct="1">
+              <a:lnSpc>
+                <a:spcPct val="90000"/>
+              </a:lnSpc>
+              <a:spcBef>
+                <a:spcPts val="1000"/>
+              </a:spcBef>
+              <a:buFont typeface="Arial" panose="020B0604020202020204" pitchFamily="34" charset="0"/>
+              <a:buNone/>
+              <a:defRPr sz="1400" b="0" i="0" kern="1200">
+                <a:solidFill>
+                  <a:schemeClr val="tx2"/>
+                </a:solidFill>
+                <a:latin typeface="+mn-lt"/>
+                <a:ea typeface="+mn-ea"/>
+                <a:cs typeface="Arial" panose="020B0604020202020204" pitchFamily="34" charset="0"/>
+              </a:defRPr>
+            </a:lvl1pPr>
+            <a:lvl2pPr marL="685800" indent="-228600" algn="l" defTabSz="914400" rtl="0" eaLnBrk="1" latinLnBrk="0" hangingPunct="1">
+              <a:lnSpc>
+                <a:spcPct val="90000"/>
+              </a:lnSpc>
+              <a:spcBef>
+                <a:spcPts val="500"/>
+              </a:spcBef>
+              <a:buFont typeface="Arial" panose="020B0604020202020204" pitchFamily="34" charset="0"/>
+              <a:buChar char="•"/>
+              <a:defRPr sz="1800" b="0" i="0" kern="1200">
+                <a:solidFill>
+                  <a:schemeClr val="tx2"/>
+                </a:solidFill>
+                <a:latin typeface="+mn-lt"/>
+                <a:ea typeface="+mn-ea"/>
+                <a:cs typeface="Arial" panose="020B0604020202020204" pitchFamily="34" charset="0"/>
+              </a:defRPr>
+            </a:lvl2pPr>
+            <a:lvl3pPr marL="1143000" indent="-228600" algn="l" defTabSz="914400" rtl="0" eaLnBrk="1" latinLnBrk="0" hangingPunct="1">
+              <a:lnSpc>
+                <a:spcPct val="90000"/>
+              </a:lnSpc>
+              <a:spcBef>
+                <a:spcPts val="500"/>
+              </a:spcBef>
+              <a:buFont typeface="Arial" panose="020B0604020202020204" pitchFamily="34" charset="0"/>
+              <a:buChar char="•"/>
+              <a:defRPr sz="1600" b="0" i="0" kern="1200">
+                <a:solidFill>
+                  <a:schemeClr val="tx2"/>
+                </a:solidFill>
+                <a:latin typeface="+mn-lt"/>
+                <a:ea typeface="+mn-ea"/>
+                <a:cs typeface="Arial" panose="020B0604020202020204" pitchFamily="34" charset="0"/>
+              </a:defRPr>
+            </a:lvl3pPr>
+            <a:lvl4pPr marL="1600200" indent="-228600" algn="l" defTabSz="914400" rtl="0" eaLnBrk="1" latinLnBrk="0" hangingPunct="1">
+              <a:lnSpc>
+                <a:spcPct val="90000"/>
+              </a:lnSpc>
+              <a:spcBef>
+                <a:spcPts val="500"/>
+              </a:spcBef>
+              <a:buFont typeface="Arial" panose="020B0604020202020204" pitchFamily="34" charset="0"/>
+              <a:buChar char="•"/>
+              <a:defRPr sz="1400" b="0" i="0" kern="1200">
+                <a:solidFill>
+                  <a:schemeClr val="tx2"/>
+                </a:solidFill>
+                <a:latin typeface="+mn-lt"/>
+                <a:ea typeface="+mn-ea"/>
+                <a:cs typeface="Arial" panose="020B0604020202020204" pitchFamily="34" charset="0"/>
+              </a:defRPr>
+            </a:lvl4pPr>
+            <a:lvl5pPr marL="2057400" indent="-228600" algn="l" defTabSz="914400" rtl="0" eaLnBrk="1" latinLnBrk="0" hangingPunct="1">
+              <a:lnSpc>
+                <a:spcPct val="90000"/>
+              </a:lnSpc>
+              <a:spcBef>
+                <a:spcPts val="500"/>
+              </a:spcBef>
+              <a:buFont typeface="Arial" panose="020B0604020202020204" pitchFamily="34" charset="0"/>
+              <a:buChar char="•"/>
+              <a:defRPr sz="1400" b="0" i="0" kern="1200">
+                <a:solidFill>
+                  <a:schemeClr val="tx2"/>
+                </a:solidFill>
+                <a:latin typeface="+mn-lt"/>
+                <a:ea typeface="+mn-ea"/>
+                <a:cs typeface="Arial" panose="020B0604020202020204" pitchFamily="34" charset="0"/>
+              </a:defRPr>
+            </a:lvl5pPr>
+            <a:lvl6pPr marL="2514600" indent="-228600" algn="l" defTabSz="914400" rtl="0" eaLnBrk="1" latinLnBrk="0" hangingPunct="1">
+              <a:lnSpc>
+                <a:spcPct val="90000"/>
+              </a:lnSpc>
+              <a:spcBef>
+                <a:spcPts val="500"/>
+              </a:spcBef>
+              <a:buFont typeface="Arial" panose="020B0604020202020204" pitchFamily="34" charset="0"/>
+              <a:buChar char="•"/>
+              <a:defRPr sz="1800" kern="1200">
+                <a:solidFill>
+                  <a:schemeClr val="tx1"/>
+                </a:solidFill>
+                <a:latin typeface="+mn-lt"/>
+                <a:ea typeface="+mn-ea"/>
+                <a:cs typeface="+mn-cs"/>
+              </a:defRPr>
+            </a:lvl6pPr>
+            <a:lvl7pPr marL="2971800" indent="-228600" algn="l" defTabSz="914400" rtl="0" eaLnBrk="1" latinLnBrk="0" hangingPunct="1">
+              <a:lnSpc>
+                <a:spcPct val="90000"/>
+              </a:lnSpc>
+              <a:spcBef>
+                <a:spcPts val="500"/>
+              </a:spcBef>
+              <a:buFont typeface="Arial" panose="020B0604020202020204" pitchFamily="34" charset="0"/>
+              <a:buChar char="•"/>
+              <a:defRPr sz="1800" kern="1200">
+                <a:solidFill>
+                  <a:schemeClr val="tx1"/>
+                </a:solidFill>
+                <a:latin typeface="+mn-lt"/>
+                <a:ea typeface="+mn-ea"/>
+                <a:cs typeface="+mn-cs"/>
+              </a:defRPr>
+            </a:lvl7pPr>
+            <a:lvl8pPr marL="3429000" indent="-228600" algn="l" defTabSz="914400" rtl="0" eaLnBrk="1" latinLnBrk="0" hangingPunct="1">
+              <a:lnSpc>
+                <a:spcPct val="90000"/>
+              </a:lnSpc>
+              <a:spcBef>
+                <a:spcPts val="500"/>
+              </a:spcBef>
+              <a:buFont typeface="Arial" panose="020B0604020202020204" pitchFamily="34" charset="0"/>
+              <a:buChar char="•"/>
+              <a:defRPr sz="1800" kern="1200">
+                <a:solidFill>
+                  <a:schemeClr val="tx1"/>
+                </a:solidFill>
+                <a:latin typeface="+mn-lt"/>
+                <a:ea typeface="+mn-ea"/>
+                <a:cs typeface="+mn-cs"/>
+              </a:defRPr>
+            </a:lvl8pPr>
+            <a:lvl9pPr marL="3886200" indent="-228600" algn="l" defTabSz="914400" rtl="0" eaLnBrk="1" latinLnBrk="0" hangingPunct="1">
+              <a:lnSpc>
+                <a:spcPct val="90000"/>
+              </a:lnSpc>
+              <a:spcBef>
+                <a:spcPts val="500"/>
+              </a:spcBef>
+              <a:buFont typeface="Arial" panose="020B0604020202020204" pitchFamily="34" charset="0"/>
+              <a:buChar char="•"/>
+              <a:defRPr sz="1800" kern="1200">
+                <a:solidFill>
+                  <a:schemeClr val="tx1"/>
+                </a:solidFill>
+                <a:latin typeface="+mn-lt"/>
+                <a:ea typeface="+mn-ea"/>
+                <a:cs typeface="+mn-cs"/>
+              </a:defRPr>
+            </a:lvl9pPr>
+          </a:lstStyle>
+          <a:p>
+            <a:pPr marL="285750" indent="-285750">
+              <a:buFont typeface="Arial" panose="020B0604020202020204" pitchFamily="34" charset="0"/>
+              <a:buChar char="•"/>
+            </a:pPr>
+            <a:r>
+              <a:rPr lang="en-US" sz="1800" dirty="0"/>
+              <a:t>Comparative analysis on sentence sentiment rather than word.</a:t>
             </a:r>
           </a:p>
         </p:txBody>
@@ -21602,7 +22302,7 @@
     </p:spTree>
     <p:extLst>
       <p:ext uri="{BB962C8B-B14F-4D97-AF65-F5344CB8AC3E}">
-        <p14:creationId xmlns:p14="http://schemas.microsoft.com/office/powerpoint/2010/main" val="1250005957"/>
+        <p14:creationId xmlns:p14="http://schemas.microsoft.com/office/powerpoint/2010/main" val="2032607428"/>
       </p:ext>
     </p:extLst>
   </p:cSld>
@@ -21629,52 +22329,96 @@
           <a:chExt cx="0" cy="0"/>
         </a:xfrm>
       </p:grpSpPr>
-      <p:sp>
-        <p:nvSpPr>
-          <p:cNvPr id="4" name="Title 3">
-            <a:extLst>
-              <a:ext uri="{FF2B5EF4-FFF2-40B4-BE49-F238E27FC236}">
-                <a16:creationId xmlns:a16="http://schemas.microsoft.com/office/drawing/2014/main" id="{997EAB6E-5FFF-4923-BC7F-D2C71AD246DB}"/>
-              </a:ext>
-            </a:extLst>
-          </p:cNvPr>
-          <p:cNvSpPr>
-            <a:spLocks noGrp="1"/>
-          </p:cNvSpPr>
-          <p:nvPr>
-            <p:ph type="title"/>
-          </p:nvPr>
-        </p:nvSpPr>
-        <p:spPr/>
-        <p:txBody>
-          <a:bodyPr>
-            <a:normAutofit/>
-          </a:bodyPr>
-          <a:lstStyle/>
-          <a:p>
-            <a:r>
-              <a:rPr lang="en-US" dirty="0"/>
-              <a:t>Appendix:</a:t>
-            </a:r>
-          </a:p>
-        </p:txBody>
-      </p:sp>
       <p:pic>
         <p:nvPicPr>
-          <p:cNvPr id="6" name="Picture Placeholder 8" title="Decorative">
-            <a:extLst>
-              <a:ext uri="{FF2B5EF4-FFF2-40B4-BE49-F238E27FC236}">
-                <a16:creationId xmlns:a16="http://schemas.microsoft.com/office/drawing/2014/main" id="{12CA7E11-5B3B-41CE-8985-8282F7F493A8}"/>
+          <p:cNvPr id="14" name="Picture Placeholder 13">
+            <a:extLst>
+              <a:ext uri="{FF2B5EF4-FFF2-40B4-BE49-F238E27FC236}">
+                <a16:creationId xmlns:a16="http://schemas.microsoft.com/office/drawing/2014/main" id="{D81EF999-A884-4768-A0F6-4A5244B24ED1}"/>
+              </a:ext>
+              <a:ext uri="{C183D7F6-B498-43B3-948B-1728B52AA6E4}">
+                <adec:decorative xmlns:adec="http://schemas.microsoft.com/office/drawing/2017/decorative" val="1"/>
               </a:ext>
             </a:extLst>
           </p:cNvPr>
           <p:cNvPicPr>
-            <a:picLocks noChangeAspect="1"/>
+            <a:picLocks noGrp="1" noChangeAspect="1"/>
           </p:cNvPicPr>
-          <p:nvPr/>
+          <p:nvPr>
+            <p:ph type="pic" sz="quarter" idx="10"/>
+          </p:nvPr>
+        </p:nvPicPr>
+        <p:blipFill rotWithShape="1">
+          <a:blip r:embed="rId2" cstate="email">
+            <a:extLst>
+              <a:ext uri="{28A0092B-C50C-407E-A947-70E740481C1C}">
+                <a14:useLocalDpi xmlns:a14="http://schemas.microsoft.com/office/drawing/2010/main"/>
+              </a:ext>
+            </a:extLst>
+          </a:blip>
+          <a:srcRect/>
+          <a:stretch/>
+        </p:blipFill>
+        <p:spPr>
+          <a:xfrm flipH="1">
+            <a:off x="212725" y="1260389"/>
+            <a:ext cx="2816352" cy="3173816"/>
+          </a:xfrm>
+        </p:spPr>
+      </p:pic>
+      <p:pic>
+        <p:nvPicPr>
+          <p:cNvPr id="36" name="Picture Placeholder 35">
+            <a:extLst>
+              <a:ext uri="{FF2B5EF4-FFF2-40B4-BE49-F238E27FC236}">
+                <a16:creationId xmlns:a16="http://schemas.microsoft.com/office/drawing/2014/main" id="{6CBE990D-619E-4EC3-8E3B-3235FF40870D}"/>
+              </a:ext>
+              <a:ext uri="{C183D7F6-B498-43B3-948B-1728B52AA6E4}">
+                <adec:decorative xmlns:adec="http://schemas.microsoft.com/office/drawing/2017/decorative" val="1"/>
+              </a:ext>
+            </a:extLst>
+          </p:cNvPr>
+          <p:cNvPicPr>
+            <a:picLocks noGrp="1" noChangeAspect="1"/>
+          </p:cNvPicPr>
+          <p:nvPr>
+            <p:ph type="pic" sz="quarter" idx="12"/>
+          </p:nvPr>
+        </p:nvPicPr>
+        <p:blipFill rotWithShape="1">
+          <a:blip r:embed="rId3" cstate="email">
+            <a:extLst>
+              <a:ext uri="{28A0092B-C50C-407E-A947-70E740481C1C}">
+                <a14:useLocalDpi xmlns:a14="http://schemas.microsoft.com/office/drawing/2010/main"/>
+              </a:ext>
+            </a:extLst>
+          </a:blip>
+          <a:srcRect/>
+          <a:stretch/>
+        </p:blipFill>
+        <p:spPr/>
+      </p:pic>
+      <p:pic>
+        <p:nvPicPr>
+          <p:cNvPr id="45" name="Picture Placeholder 13" descr="3 ladies in discussion" title="Decorative">
+            <a:extLst>
+              <a:ext uri="{FF2B5EF4-FFF2-40B4-BE49-F238E27FC236}">
+                <a16:creationId xmlns:a16="http://schemas.microsoft.com/office/drawing/2014/main" id="{15E558B1-9F51-4146-A449-BF38892A8453}"/>
+              </a:ext>
+              <a:ext uri="{C183D7F6-B498-43B3-948B-1728B52AA6E4}">
+                <adec:decorative xmlns:adec="http://schemas.microsoft.com/office/drawing/2017/decorative" val="0"/>
+              </a:ext>
+            </a:extLst>
+          </p:cNvPr>
+          <p:cNvPicPr>
+            <a:picLocks noGrp="1" noChangeAspect="1"/>
+          </p:cNvPicPr>
+          <p:nvPr>
+            <p:ph type="pic" sz="quarter" idx="13"/>
+          </p:nvPr>
         </p:nvPicPr>
         <p:blipFill>
-          <a:blip r:embed="rId2" cstate="email">
+          <a:blip r:embed="rId4" cstate="email">
             <a:extLst>
               <a:ext uri="{28A0092B-C50C-407E-A947-70E740481C1C}">
                 <a14:useLocalDpi xmlns:a14="http://schemas.microsoft.com/office/drawing/2010/main"/>
@@ -21687,19 +22431,129 @@
           </a:stretch>
         </p:blipFill>
         <p:spPr>
-          <a:xfrm>
-            <a:off x="6958954" y="2591144"/>
-            <a:ext cx="3523423" cy="3206186"/>
+          <a:xfrm flipH="1">
+            <a:off x="6179737" y="4586414"/>
+            <a:ext cx="2817564" cy="2271585"/>
+          </a:xfrm>
+        </p:spPr>
+      </p:pic>
+      <p:sp>
+        <p:nvSpPr>
+          <p:cNvPr id="54" name="Title 53" hidden="1">
+            <a:extLst>
+              <a:ext uri="{FF2B5EF4-FFF2-40B4-BE49-F238E27FC236}">
+                <a16:creationId xmlns:a16="http://schemas.microsoft.com/office/drawing/2014/main" id="{4C6A162B-A7A0-49BC-B7CB-0A66DC41715E}"/>
+              </a:ext>
+            </a:extLst>
+          </p:cNvPr>
+          <p:cNvSpPr>
+            <a:spLocks noGrp="1"/>
+          </p:cNvSpPr>
+          <p:nvPr>
+            <p:ph type="title" idx="4294967295"/>
+          </p:nvPr>
+        </p:nvSpPr>
+        <p:spPr>
+          <a:xfrm>
+            <a:off x="0" y="-571500"/>
+            <a:ext cx="10515600" cy="555625"/>
+          </a:xfrm>
+        </p:spPr>
+        <p:txBody>
+          <a:bodyPr>
+            <a:normAutofit/>
+          </a:bodyPr>
+          <a:lstStyle/>
+          <a:p>
+            <a:r>
+              <a:rPr lang="en-US" sz="2000" dirty="0">
+                <a:solidFill>
+                  <a:schemeClr val="bg1">
+                    <a:lumMod val="85000"/>
+                  </a:schemeClr>
+                </a:solidFill>
+              </a:rPr>
+              <a:t>Photo Collage</a:t>
+            </a:r>
+          </a:p>
+        </p:txBody>
+      </p:sp>
+      <p:pic>
+        <p:nvPicPr>
+          <p:cNvPr id="13" name="Picture Placeholder 5">
+            <a:extLst>
+              <a:ext uri="{FF2B5EF4-FFF2-40B4-BE49-F238E27FC236}">
+                <a16:creationId xmlns:a16="http://schemas.microsoft.com/office/drawing/2014/main" id="{C1F0D4FA-A491-4D35-84B8-333978500F59}"/>
+              </a:ext>
+              <a:ext uri="{C183D7F6-B498-43B3-948B-1728B52AA6E4}">
+                <adec:decorative xmlns:adec="http://schemas.microsoft.com/office/drawing/2017/decorative" val="1"/>
+              </a:ext>
+            </a:extLst>
+          </p:cNvPr>
+          <p:cNvPicPr>
+            <a:picLocks noGrp="1" noChangeAspect="1"/>
+          </p:cNvPicPr>
+          <p:nvPr>
+            <p:ph type="pic" sz="quarter" idx="14"/>
+          </p:nvPr>
+        </p:nvPicPr>
+        <p:blipFill rotWithShape="1">
+          <a:blip r:embed="rId5" cstate="email">
+            <a:extLst>
+              <a:ext uri="{28A0092B-C50C-407E-A947-70E740481C1C}">
+                <a14:useLocalDpi xmlns:a14="http://schemas.microsoft.com/office/drawing/2010/main"/>
+              </a:ext>
+            </a:extLst>
+          </a:blip>
+          <a:srcRect/>
+          <a:stretch/>
+        </p:blipFill>
+        <p:spPr>
+          <a:xfrm flipH="1">
+            <a:off x="6177889" y="2030436"/>
+            <a:ext cx="2817564" cy="2403769"/>
+          </a:xfrm>
+        </p:spPr>
+      </p:pic>
+      <p:sp>
+        <p:nvSpPr>
+          <p:cNvPr id="6" name="TextBox 5">
+            <a:extLst>
+              <a:ext uri="{FF2B5EF4-FFF2-40B4-BE49-F238E27FC236}">
+                <a16:creationId xmlns:a16="http://schemas.microsoft.com/office/drawing/2014/main" id="{4E4C247D-5293-4C30-AAAB-8E37F11C9B8F}"/>
+              </a:ext>
+            </a:extLst>
+          </p:cNvPr>
+          <p:cNvSpPr txBox="1"/>
+          <p:nvPr/>
+        </p:nvSpPr>
+        <p:spPr>
+          <a:xfrm>
+            <a:off x="3238910" y="2030436"/>
+            <a:ext cx="2729145" cy="830997"/>
           </a:xfrm>
           <a:prstGeom prst="rect">
             <a:avLst/>
           </a:prstGeom>
-        </p:spPr>
-      </p:pic>
+          <a:noFill/>
+        </p:spPr>
+        <p:txBody>
+          <a:bodyPr wrap="none" rtlCol="0">
+            <a:spAutoFit/>
+          </a:bodyPr>
+          <a:lstStyle/>
+          <a:p>
+            <a:r>
+              <a:rPr lang="en-US" sz="4800" dirty="0"/>
+              <a:t>Thank you</a:t>
+            </a:r>
+          </a:p>
+        </p:txBody>
+      </p:sp>
     </p:spTree>
     <p:extLst>
       <p:ext uri="{BB962C8B-B14F-4D97-AF65-F5344CB8AC3E}">
-        <p14:creationId xmlns:p14="http://schemas.microsoft.com/office/powerpoint/2010/main" val="660194915"/>
+        <p14:creationId xmlns:p14="http://schemas.microsoft.com/office/powerpoint/2010/main" val="1250005957"/>
       </p:ext>
     </p:extLst>
   </p:cSld>
@@ -21726,6 +22580,103 @@
           <a:chExt cx="0" cy="0"/>
         </a:xfrm>
       </p:grpSpPr>
+      <p:sp>
+        <p:nvSpPr>
+          <p:cNvPr id="4" name="Title 3">
+            <a:extLst>
+              <a:ext uri="{FF2B5EF4-FFF2-40B4-BE49-F238E27FC236}">
+                <a16:creationId xmlns:a16="http://schemas.microsoft.com/office/drawing/2014/main" id="{997EAB6E-5FFF-4923-BC7F-D2C71AD246DB}"/>
+              </a:ext>
+            </a:extLst>
+          </p:cNvPr>
+          <p:cNvSpPr>
+            <a:spLocks noGrp="1"/>
+          </p:cNvSpPr>
+          <p:nvPr>
+            <p:ph type="title"/>
+          </p:nvPr>
+        </p:nvSpPr>
+        <p:spPr/>
+        <p:txBody>
+          <a:bodyPr>
+            <a:normAutofit/>
+          </a:bodyPr>
+          <a:lstStyle/>
+          <a:p>
+            <a:r>
+              <a:rPr lang="en-US" dirty="0"/>
+              <a:t>Appendix:</a:t>
+            </a:r>
+          </a:p>
+        </p:txBody>
+      </p:sp>
+      <p:pic>
+        <p:nvPicPr>
+          <p:cNvPr id="6" name="Picture Placeholder 8" title="Decorative">
+            <a:extLst>
+              <a:ext uri="{FF2B5EF4-FFF2-40B4-BE49-F238E27FC236}">
+                <a16:creationId xmlns:a16="http://schemas.microsoft.com/office/drawing/2014/main" id="{12CA7E11-5B3B-41CE-8985-8282F7F493A8}"/>
+              </a:ext>
+            </a:extLst>
+          </p:cNvPr>
+          <p:cNvPicPr>
+            <a:picLocks noChangeAspect="1"/>
+          </p:cNvPicPr>
+          <p:nvPr/>
+        </p:nvPicPr>
+        <p:blipFill>
+          <a:blip r:embed="rId2" cstate="email">
+            <a:extLst>
+              <a:ext uri="{28A0092B-C50C-407E-A947-70E740481C1C}">
+                <a14:useLocalDpi xmlns:a14="http://schemas.microsoft.com/office/drawing/2010/main"/>
+              </a:ext>
+            </a:extLst>
+          </a:blip>
+          <a:srcRect/>
+          <a:stretch>
+            <a:fillRect/>
+          </a:stretch>
+        </p:blipFill>
+        <p:spPr>
+          <a:xfrm>
+            <a:off x="6958954" y="2591144"/>
+            <a:ext cx="3523423" cy="3206186"/>
+          </a:xfrm>
+          <a:prstGeom prst="rect">
+            <a:avLst/>
+          </a:prstGeom>
+        </p:spPr>
+      </p:pic>
+    </p:spTree>
+    <p:extLst>
+      <p:ext uri="{BB962C8B-B14F-4D97-AF65-F5344CB8AC3E}">
+        <p14:creationId xmlns:p14="http://schemas.microsoft.com/office/powerpoint/2010/main" val="660194915"/>
+      </p:ext>
+    </p:extLst>
+  </p:cSld>
+  <p:clrMapOvr>
+    <a:masterClrMapping/>
+  </p:clrMapOvr>
+</p:sld>
+</file>
+
+<file path=ppt/slides/slide13.xml><?xml version="1.0" encoding="utf-8"?>
+<p:sld xmlns:a="http://schemas.openxmlformats.org/drawingml/2006/main" xmlns:r="http://schemas.openxmlformats.org/officeDocument/2006/relationships" xmlns:p="http://schemas.openxmlformats.org/presentationml/2006/main">
+  <p:cSld>
+    <p:spTree>
+      <p:nvGrpSpPr>
+        <p:cNvPr id="1" name=""/>
+        <p:cNvGrpSpPr/>
+        <p:nvPr/>
+      </p:nvGrpSpPr>
+      <p:grpSpPr>
+        <a:xfrm>
+          <a:off x="0" y="0"/>
+          <a:ext cx="0" cy="0"/>
+          <a:chOff x="0" y="0"/>
+          <a:chExt cx="0" cy="0"/>
+        </a:xfrm>
+      </p:grpSpPr>
       <p:pic>
         <p:nvPicPr>
           <p:cNvPr id="4" name="Picture 3">
@@ -21798,7 +22749,319 @@
     </p:spTree>
     <p:extLst>
       <p:ext uri="{BB962C8B-B14F-4D97-AF65-F5344CB8AC3E}">
+        <p14:creationId xmlns:p14="http://schemas.microsoft.com/office/powerpoint/2010/main" val="3500526434"/>
+      </p:ext>
+    </p:extLst>
+  </p:cSld>
+  <p:clrMapOvr>
+    <a:masterClrMapping/>
+  </p:clrMapOvr>
+</p:sld>
+</file>
+
+<file path=ppt/slides/slide14.xml><?xml version="1.0" encoding="utf-8"?>
+<p:sld xmlns:a="http://schemas.openxmlformats.org/drawingml/2006/main" xmlns:r="http://schemas.openxmlformats.org/officeDocument/2006/relationships" xmlns:p="http://schemas.openxmlformats.org/presentationml/2006/main">
+  <p:cSld>
+    <p:spTree>
+      <p:nvGrpSpPr>
+        <p:cNvPr id="1" name=""/>
+        <p:cNvGrpSpPr/>
+        <p:nvPr/>
+      </p:nvGrpSpPr>
+      <p:grpSpPr>
+        <a:xfrm>
+          <a:off x="0" y="0"/>
+          <a:ext cx="0" cy="0"/>
+          <a:chOff x="0" y="0"/>
+          <a:chExt cx="0" cy="0"/>
+        </a:xfrm>
+      </p:grpSpPr>
+      <p:sp>
+        <p:nvSpPr>
+          <p:cNvPr id="5" name="TextBox 4">
+            <a:extLst>
+              <a:ext uri="{FF2B5EF4-FFF2-40B4-BE49-F238E27FC236}">
+                <a16:creationId xmlns:a16="http://schemas.microsoft.com/office/drawing/2014/main" id="{47F5AA85-3323-4102-A946-D284FF5C5BE8}"/>
+              </a:ext>
+            </a:extLst>
+          </p:cNvPr>
+          <p:cNvSpPr txBox="1"/>
+          <p:nvPr/>
+        </p:nvSpPr>
+        <p:spPr>
+          <a:xfrm>
+            <a:off x="653143" y="2032907"/>
+            <a:ext cx="3755571" cy="1569660"/>
+          </a:xfrm>
+          <a:prstGeom prst="rect">
+            <a:avLst/>
+          </a:prstGeom>
+          <a:noFill/>
+        </p:spPr>
+        <p:txBody>
+          <a:bodyPr wrap="square" rtlCol="0">
+            <a:spAutoFit/>
+          </a:bodyPr>
+          <a:lstStyle/>
+          <a:p>
+            <a:r>
+              <a:rPr lang="en-US" sz="9600" dirty="0">
+                <a:solidFill>
+                  <a:schemeClr val="bg1"/>
+                </a:solidFill>
+              </a:rPr>
+              <a:t>LSTM</a:t>
+            </a:r>
+          </a:p>
+        </p:txBody>
+      </p:sp>
+    </p:spTree>
+    <p:extLst>
+      <p:ext uri="{BB962C8B-B14F-4D97-AF65-F5344CB8AC3E}">
         <p14:creationId xmlns:p14="http://schemas.microsoft.com/office/powerpoint/2010/main" val="4171130381"/>
+      </p:ext>
+    </p:extLst>
+  </p:cSld>
+  <p:clrMapOvr>
+    <a:masterClrMapping/>
+  </p:clrMapOvr>
+</p:sld>
+</file>
+
+<file path=ppt/slides/slide15.xml><?xml version="1.0" encoding="utf-8"?>
+<p:sld xmlns:a="http://schemas.openxmlformats.org/drawingml/2006/main" xmlns:r="http://schemas.openxmlformats.org/officeDocument/2006/relationships" xmlns:p="http://schemas.openxmlformats.org/presentationml/2006/main">
+  <p:cSld>
+    <p:spTree>
+      <p:nvGrpSpPr>
+        <p:cNvPr id="1" name=""/>
+        <p:cNvGrpSpPr/>
+        <p:nvPr/>
+      </p:nvGrpSpPr>
+      <p:grpSpPr>
+        <a:xfrm>
+          <a:off x="0" y="0"/>
+          <a:ext cx="0" cy="0"/>
+          <a:chOff x="0" y="0"/>
+          <a:chExt cx="0" cy="0"/>
+        </a:xfrm>
+      </p:grpSpPr>
+      <p:sp>
+        <p:nvSpPr>
+          <p:cNvPr id="5" name="TextBox 4">
+            <a:extLst>
+              <a:ext uri="{FF2B5EF4-FFF2-40B4-BE49-F238E27FC236}">
+                <a16:creationId xmlns:a16="http://schemas.microsoft.com/office/drawing/2014/main" id="{47F5AA85-3323-4102-A946-D284FF5C5BE8}"/>
+              </a:ext>
+            </a:extLst>
+          </p:cNvPr>
+          <p:cNvSpPr txBox="1"/>
+          <p:nvPr/>
+        </p:nvSpPr>
+        <p:spPr>
+          <a:xfrm>
+            <a:off x="284481" y="2032907"/>
+            <a:ext cx="4124234" cy="1015663"/>
+          </a:xfrm>
+          <a:prstGeom prst="rect">
+            <a:avLst/>
+          </a:prstGeom>
+          <a:noFill/>
+        </p:spPr>
+        <p:txBody>
+          <a:bodyPr wrap="square" rtlCol="0">
+            <a:spAutoFit/>
+          </a:bodyPr>
+          <a:lstStyle/>
+          <a:p>
+            <a:r>
+              <a:rPr lang="en-US" sz="6000" dirty="0">
+                <a:solidFill>
+                  <a:schemeClr val="bg1"/>
+                </a:solidFill>
+              </a:rPr>
+              <a:t>Correlations:</a:t>
+            </a:r>
+          </a:p>
+        </p:txBody>
+      </p:sp>
+      <p:pic>
+        <p:nvPicPr>
+          <p:cNvPr id="2" name="Picture 1">
+            <a:extLst>
+              <a:ext uri="{FF2B5EF4-FFF2-40B4-BE49-F238E27FC236}">
+                <a16:creationId xmlns:a16="http://schemas.microsoft.com/office/drawing/2014/main" id="{52C5C067-6032-439C-831E-4360FB995564}"/>
+              </a:ext>
+            </a:extLst>
+          </p:cNvPr>
+          <p:cNvPicPr>
+            <a:picLocks noChangeAspect="1"/>
+          </p:cNvPicPr>
+          <p:nvPr/>
+        </p:nvPicPr>
+        <p:blipFill>
+          <a:blip r:embed="rId2"/>
+          <a:stretch>
+            <a:fillRect/>
+          </a:stretch>
+        </p:blipFill>
+        <p:spPr>
+          <a:xfrm>
+            <a:off x="4479835" y="251989"/>
+            <a:ext cx="7346627" cy="6333701"/>
+          </a:xfrm>
+          <a:prstGeom prst="rect">
+            <a:avLst/>
+          </a:prstGeom>
+        </p:spPr>
+      </p:pic>
+      <p:sp>
+        <p:nvSpPr>
+          <p:cNvPr id="3" name="Oval 2">
+            <a:extLst>
+              <a:ext uri="{FF2B5EF4-FFF2-40B4-BE49-F238E27FC236}">
+                <a16:creationId xmlns:a16="http://schemas.microsoft.com/office/drawing/2014/main" id="{E795F0A9-5A29-4588-B548-E4446B4E61A6}"/>
+              </a:ext>
+            </a:extLst>
+          </p:cNvPr>
+          <p:cNvSpPr/>
+          <p:nvPr/>
+        </p:nvSpPr>
+        <p:spPr>
+          <a:xfrm>
+            <a:off x="4883026" y="2301239"/>
+            <a:ext cx="1121534" cy="1076960"/>
+          </a:xfrm>
+          <a:prstGeom prst="ellipse">
+            <a:avLst/>
+          </a:prstGeom>
+          <a:noFill/>
+          <a:ln w="41275"/>
+        </p:spPr>
+        <p:style>
+          <a:lnRef idx="2">
+            <a:schemeClr val="accent1">
+              <a:shade val="50000"/>
+            </a:schemeClr>
+          </a:lnRef>
+          <a:fillRef idx="1">
+            <a:schemeClr val="accent1"/>
+          </a:fillRef>
+          <a:effectRef idx="0">
+            <a:schemeClr val="accent1"/>
+          </a:effectRef>
+          <a:fontRef idx="minor">
+            <a:schemeClr val="lt1"/>
+          </a:fontRef>
+        </p:style>
+        <p:txBody>
+          <a:bodyPr rtlCol="0" anchor="ctr"/>
+          <a:lstStyle/>
+          <a:p>
+            <a:pPr algn="ctr"/>
+            <a:endParaRPr lang="en-US"/>
+          </a:p>
+        </p:txBody>
+      </p:sp>
+      <p:sp>
+        <p:nvSpPr>
+          <p:cNvPr id="8" name="Oval 7">
+            <a:extLst>
+              <a:ext uri="{FF2B5EF4-FFF2-40B4-BE49-F238E27FC236}">
+                <a16:creationId xmlns:a16="http://schemas.microsoft.com/office/drawing/2014/main" id="{8CEBC205-9F60-4339-A4E8-C2310A5FB813}"/>
+              </a:ext>
+            </a:extLst>
+          </p:cNvPr>
+          <p:cNvSpPr/>
+          <p:nvPr/>
+        </p:nvSpPr>
+        <p:spPr>
+          <a:xfrm>
+            <a:off x="4883026" y="4185920"/>
+            <a:ext cx="1121534" cy="1076960"/>
+          </a:xfrm>
+          <a:prstGeom prst="ellipse">
+            <a:avLst/>
+          </a:prstGeom>
+          <a:noFill/>
+          <a:ln w="41275"/>
+        </p:spPr>
+        <p:style>
+          <a:lnRef idx="2">
+            <a:schemeClr val="accent1">
+              <a:shade val="50000"/>
+            </a:schemeClr>
+          </a:lnRef>
+          <a:fillRef idx="1">
+            <a:schemeClr val="accent1"/>
+          </a:fillRef>
+          <a:effectRef idx="0">
+            <a:schemeClr val="accent1"/>
+          </a:effectRef>
+          <a:fontRef idx="minor">
+            <a:schemeClr val="lt1"/>
+          </a:fontRef>
+        </p:style>
+        <p:txBody>
+          <a:bodyPr rtlCol="0" anchor="ctr"/>
+          <a:lstStyle/>
+          <a:p>
+            <a:pPr algn="ctr"/>
+            <a:endParaRPr lang="en-US"/>
+          </a:p>
+        </p:txBody>
+      </p:sp>
+      <p:sp>
+        <p:nvSpPr>
+          <p:cNvPr id="9" name="Oval 8">
+            <a:extLst>
+              <a:ext uri="{FF2B5EF4-FFF2-40B4-BE49-F238E27FC236}">
+                <a16:creationId xmlns:a16="http://schemas.microsoft.com/office/drawing/2014/main" id="{8EC00232-9744-41AC-B8E8-E7B3B7D24A9F}"/>
+              </a:ext>
+            </a:extLst>
+          </p:cNvPr>
+          <p:cNvSpPr/>
+          <p:nvPr/>
+        </p:nvSpPr>
+        <p:spPr>
+          <a:xfrm>
+            <a:off x="6843906" y="4196080"/>
+            <a:ext cx="1121534" cy="1076960"/>
+          </a:xfrm>
+          <a:prstGeom prst="ellipse">
+            <a:avLst/>
+          </a:prstGeom>
+          <a:noFill/>
+          <a:ln w="41275"/>
+        </p:spPr>
+        <p:style>
+          <a:lnRef idx="2">
+            <a:schemeClr val="accent1">
+              <a:shade val="50000"/>
+            </a:schemeClr>
+          </a:lnRef>
+          <a:fillRef idx="1">
+            <a:schemeClr val="accent1"/>
+          </a:fillRef>
+          <a:effectRef idx="0">
+            <a:schemeClr val="accent1"/>
+          </a:effectRef>
+          <a:fontRef idx="minor">
+            <a:schemeClr val="lt1"/>
+          </a:fontRef>
+        </p:style>
+        <p:txBody>
+          <a:bodyPr rtlCol="0" anchor="ctr"/>
+          <a:lstStyle/>
+          <a:p>
+            <a:pPr algn="ctr"/>
+            <a:endParaRPr lang="en-US"/>
+          </a:p>
+        </p:txBody>
+      </p:sp>
+    </p:spTree>
+    <p:extLst>
+      <p:ext uri="{BB962C8B-B14F-4D97-AF65-F5344CB8AC3E}">
+        <p14:creationId xmlns:p14="http://schemas.microsoft.com/office/powerpoint/2010/main" val="2290846230"/>
       </p:ext>
     </p:extLst>
   </p:cSld>
@@ -22118,7 +23381,7 @@
           </p:nvPr>
         </p:nvPicPr>
         <p:blipFill rotWithShape="1">
-          <a:blip r:embed="rId2" cstate="email">
+          <a:blip r:embed="rId3" cstate="email">
             <a:extLst>
               <a:ext uri="{28A0092B-C50C-407E-A947-70E740481C1C}">
                 <a14:useLocalDpi xmlns:a14="http://schemas.microsoft.com/office/drawing/2010/main"/>
@@ -22145,11 +23408,11 @@
           <p:nvPr/>
         </p:nvPicPr>
         <p:blipFill>
-          <a:blip r:embed="rId3">
+          <a:blip r:embed="rId4">
             <a:extLst>
               <a:ext uri="{BEBA8EAE-BF5A-486C-A8C5-ECC9F3942E4B}">
                 <a14:imgProps xmlns:a14="http://schemas.microsoft.com/office/drawing/2010/main">
-                  <a14:imgLayer r:embed="rId4">
+                  <a14:imgLayer r:embed="rId5">
                     <a14:imgEffect>
                       <a14:saturation sat="33000"/>
                     </a14:imgEffect>
@@ -22248,11 +23511,11 @@
           <p:nvPr/>
         </p:nvPicPr>
         <p:blipFill>
-          <a:blip r:embed="rId5">
+          <a:blip r:embed="rId6">
             <a:extLst>
               <a:ext uri="{BEBA8EAE-BF5A-486C-A8C5-ECC9F3942E4B}">
                 <a14:imgProps xmlns:a14="http://schemas.microsoft.com/office/drawing/2010/main">
-                  <a14:imgLayer r:embed="rId6">
+                  <a14:imgLayer r:embed="rId7">
                     <a14:imgEffect>
                       <a14:saturation sat="66000"/>
                     </a14:imgEffect>
@@ -22361,12 +23624,176 @@
           <a:chExt cx="0" cy="0"/>
         </a:xfrm>
       </p:grpSpPr>
+      <p:sp>
+        <p:nvSpPr>
+          <p:cNvPr id="2" name="Text Placeholder 1">
+            <a:extLst>
+              <a:ext uri="{FF2B5EF4-FFF2-40B4-BE49-F238E27FC236}">
+                <a16:creationId xmlns:a16="http://schemas.microsoft.com/office/drawing/2014/main" id="{D5BB3514-D74F-46CC-9747-042067545637}"/>
+              </a:ext>
+            </a:extLst>
+          </p:cNvPr>
+          <p:cNvSpPr>
+            <a:spLocks noGrp="1"/>
+          </p:cNvSpPr>
+          <p:nvPr>
+            <p:ph type="body" sz="quarter" idx="11"/>
+          </p:nvPr>
+        </p:nvSpPr>
+        <p:spPr>
+          <a:xfrm>
+            <a:off x="0" y="1838960"/>
+            <a:ext cx="12192000" cy="5019039"/>
+          </a:xfrm>
+        </p:spPr>
+        <p:txBody>
+          <a:bodyPr/>
+          <a:lstStyle/>
+          <a:p>
+            <a:r>
+              <a:rPr lang="en-US" dirty="0"/>
+              <a:t>Word Clouds display words in a collection. The larger the word, the more frequently used the word is.</a:t>
+            </a:r>
+          </a:p>
+        </p:txBody>
+      </p:sp>
+      <p:sp>
+        <p:nvSpPr>
+          <p:cNvPr id="3" name="Title 2">
+            <a:extLst>
+              <a:ext uri="{FF2B5EF4-FFF2-40B4-BE49-F238E27FC236}">
+                <a16:creationId xmlns:a16="http://schemas.microsoft.com/office/drawing/2014/main" id="{5ABB6330-9533-4E7E-A6D3-3267B6599BAC}"/>
+              </a:ext>
+            </a:extLst>
+          </p:cNvPr>
+          <p:cNvSpPr>
+            <a:spLocks noGrp="1"/>
+          </p:cNvSpPr>
+          <p:nvPr>
+            <p:ph type="title"/>
+          </p:nvPr>
+        </p:nvSpPr>
+        <p:spPr>
+          <a:xfrm>
+            <a:off x="500798" y="398428"/>
+            <a:ext cx="6435524" cy="1325563"/>
+          </a:xfrm>
+        </p:spPr>
+        <p:txBody>
+          <a:bodyPr/>
+          <a:lstStyle/>
+          <a:p>
+            <a:r>
+              <a:rPr lang="en-US" dirty="0"/>
+              <a:t>Examples:</a:t>
+            </a:r>
+          </a:p>
+        </p:txBody>
+      </p:sp>
+      <p:sp>
+        <p:nvSpPr>
+          <p:cNvPr id="11" name="Rectangle 10">
+            <a:extLst>
+              <a:ext uri="{FF2B5EF4-FFF2-40B4-BE49-F238E27FC236}">
+                <a16:creationId xmlns:a16="http://schemas.microsoft.com/office/drawing/2014/main" id="{E7E40AA9-7C87-4EBC-9387-8F49EF5F85BC}"/>
+              </a:ext>
+            </a:extLst>
+          </p:cNvPr>
+          <p:cNvSpPr/>
+          <p:nvPr/>
+        </p:nvSpPr>
+        <p:spPr>
+          <a:xfrm>
+            <a:off x="367393" y="3282044"/>
+            <a:ext cx="5189165" cy="3510642"/>
+          </a:xfrm>
+          <a:prstGeom prst="rect">
+            <a:avLst/>
+          </a:prstGeom>
+          <a:solidFill>
+            <a:srgbClr val="FFFF99"/>
+          </a:solidFill>
+        </p:spPr>
+        <p:style>
+          <a:lnRef idx="2">
+            <a:schemeClr val="accent1">
+              <a:shade val="50000"/>
+            </a:schemeClr>
+          </a:lnRef>
+          <a:fillRef idx="1">
+            <a:schemeClr val="accent1"/>
+          </a:fillRef>
+          <a:effectRef idx="0">
+            <a:schemeClr val="accent1"/>
+          </a:effectRef>
+          <a:fontRef idx="minor">
+            <a:schemeClr val="lt1"/>
+          </a:fontRef>
+        </p:style>
+        <p:txBody>
+          <a:bodyPr rtlCol="0" anchor="ctr"/>
+          <a:lstStyle/>
+          <a:p>
+            <a:pPr algn="ctr"/>
+            <a:endParaRPr lang="en-US"/>
+          </a:p>
+        </p:txBody>
+      </p:sp>
+      <p:sp>
+        <p:nvSpPr>
+          <p:cNvPr id="12" name="Rectangle 11">
+            <a:extLst>
+              <a:ext uri="{FF2B5EF4-FFF2-40B4-BE49-F238E27FC236}">
+                <a16:creationId xmlns:a16="http://schemas.microsoft.com/office/drawing/2014/main" id="{1110259C-18E8-4B41-84E5-F6D8CC0B2A5E}"/>
+              </a:ext>
+            </a:extLst>
+          </p:cNvPr>
+          <p:cNvSpPr/>
+          <p:nvPr/>
+        </p:nvSpPr>
+        <p:spPr>
+          <a:xfrm>
+            <a:off x="6515100" y="3282044"/>
+            <a:ext cx="5065238" cy="3451844"/>
+          </a:xfrm>
+          <a:prstGeom prst="rect">
+            <a:avLst/>
+          </a:prstGeom>
+          <a:solidFill>
+            <a:srgbClr val="99FF99"/>
+          </a:solidFill>
+        </p:spPr>
+        <p:style>
+          <a:lnRef idx="2">
+            <a:schemeClr val="accent1">
+              <a:shade val="50000"/>
+            </a:schemeClr>
+          </a:lnRef>
+          <a:fillRef idx="1">
+            <a:schemeClr val="accent1"/>
+          </a:fillRef>
+          <a:effectRef idx="0">
+            <a:schemeClr val="accent1"/>
+          </a:effectRef>
+          <a:fontRef idx="minor">
+            <a:schemeClr val="lt1"/>
+          </a:fontRef>
+        </p:style>
+        <p:txBody>
+          <a:bodyPr rtlCol="0" anchor="ctr"/>
+          <a:lstStyle/>
+          <a:p>
+            <a:pPr algn="ctr"/>
+            <a:endParaRPr lang="en-US"/>
+          </a:p>
+        </p:txBody>
+      </p:sp>
       <p:pic>
         <p:nvPicPr>
-          <p:cNvPr id="5" name="Picture 4">
-            <a:extLst>
-              <a:ext uri="{FF2B5EF4-FFF2-40B4-BE49-F238E27FC236}">
-                <a16:creationId xmlns:a16="http://schemas.microsoft.com/office/drawing/2014/main" id="{6A28597E-5652-4C6B-BFCD-F288449E3BF9}"/>
+          <p:cNvPr id="7" name="Picture 6">
+            <a:extLst>
+              <a:ext uri="{FF2B5EF4-FFF2-40B4-BE49-F238E27FC236}">
+                <a16:creationId xmlns:a16="http://schemas.microsoft.com/office/drawing/2014/main" id="{7B6B0858-6668-41F6-AA03-BA51B1498DBF}"/>
               </a:ext>
             </a:extLst>
           </p:cNvPr>
@@ -22383,8 +23810,8 @@
         </p:blipFill>
         <p:spPr>
           <a:xfrm>
-            <a:off x="421277" y="133187"/>
-            <a:ext cx="6709033" cy="6591625"/>
+            <a:off x="6782159" y="3429000"/>
+            <a:ext cx="4638588" cy="2388873"/>
           </a:xfrm>
           <a:prstGeom prst="rect">
             <a:avLst/>
@@ -22392,12 +23819,82 @@
           <a:noFill/>
         </p:spPr>
       </p:pic>
+      <p:sp>
+        <p:nvSpPr>
+          <p:cNvPr id="13" name="TextBox 12">
+            <a:extLst>
+              <a:ext uri="{FF2B5EF4-FFF2-40B4-BE49-F238E27FC236}">
+                <a16:creationId xmlns:a16="http://schemas.microsoft.com/office/drawing/2014/main" id="{CCCAD86A-9D9E-430E-934E-8505D48095A0}"/>
+              </a:ext>
+            </a:extLst>
+          </p:cNvPr>
+          <p:cNvSpPr txBox="1"/>
+          <p:nvPr/>
+        </p:nvSpPr>
+        <p:spPr>
+          <a:xfrm>
+            <a:off x="2220686" y="6034331"/>
+            <a:ext cx="3584122" cy="584775"/>
+          </a:xfrm>
+          <a:prstGeom prst="rect">
+            <a:avLst/>
+          </a:prstGeom>
+          <a:noFill/>
+        </p:spPr>
+        <p:txBody>
+          <a:bodyPr wrap="square" rtlCol="0">
+            <a:spAutoFit/>
+          </a:bodyPr>
+          <a:lstStyle/>
+          <a:p>
+            <a:r>
+              <a:rPr lang="en-US" sz="3200" b="1" dirty="0"/>
+              <a:t>Toxic</a:t>
+            </a:r>
+          </a:p>
+        </p:txBody>
+      </p:sp>
+      <p:sp>
+        <p:nvSpPr>
+          <p:cNvPr id="14" name="TextBox 13">
+            <a:extLst>
+              <a:ext uri="{FF2B5EF4-FFF2-40B4-BE49-F238E27FC236}">
+                <a16:creationId xmlns:a16="http://schemas.microsoft.com/office/drawing/2014/main" id="{0C2B052B-DB93-4189-9FF1-CEF3641CCBB9}"/>
+              </a:ext>
+            </a:extLst>
+          </p:cNvPr>
+          <p:cNvSpPr txBox="1"/>
+          <p:nvPr/>
+        </p:nvSpPr>
+        <p:spPr>
+          <a:xfrm>
+            <a:off x="8299059" y="5949641"/>
+            <a:ext cx="3584122" cy="584775"/>
+          </a:xfrm>
+          <a:prstGeom prst="rect">
+            <a:avLst/>
+          </a:prstGeom>
+          <a:noFill/>
+        </p:spPr>
+        <p:txBody>
+          <a:bodyPr wrap="square" rtlCol="0">
+            <a:spAutoFit/>
+          </a:bodyPr>
+          <a:lstStyle/>
+          <a:p>
+            <a:r>
+              <a:rPr lang="en-US" sz="3200" b="1" dirty="0"/>
+              <a:t>Clean</a:t>
+            </a:r>
+          </a:p>
+        </p:txBody>
+      </p:sp>
       <p:pic>
         <p:nvPicPr>
-          <p:cNvPr id="12" name="Graphic 11" descr="Magnifying glass">
-            <a:extLst>
-              <a:ext uri="{FF2B5EF4-FFF2-40B4-BE49-F238E27FC236}">
-                <a16:creationId xmlns:a16="http://schemas.microsoft.com/office/drawing/2014/main" id="{FEBE4C0A-EFEF-4B17-82E4-266CB2D352C7}"/>
+          <p:cNvPr id="4" name="Picture 3">
+            <a:extLst>
+              <a:ext uri="{FF2B5EF4-FFF2-40B4-BE49-F238E27FC236}">
+                <a16:creationId xmlns:a16="http://schemas.microsoft.com/office/drawing/2014/main" id="{27CB7377-7474-4DD8-B036-E8E880A47DD5}"/>
               </a:ext>
             </a:extLst>
           </p:cNvPr>
@@ -22407,74 +23904,27 @@
           <p:nvPr/>
         </p:nvPicPr>
         <p:blipFill>
-          <a:blip r:embed="rId3">
-            <a:extLst>
-              <a:ext uri="{96DAC541-7B7A-43D3-8B79-37D633B846F1}">
-                <asvg:svgBlip xmlns:asvg="http://schemas.microsoft.com/office/drawing/2016/SVG/main" r:embed="rId4"/>
-              </a:ext>
-            </a:extLst>
-          </a:blip>
+          <a:blip r:embed="rId3"/>
           <a:stretch>
             <a:fillRect/>
           </a:stretch>
         </p:blipFill>
         <p:spPr>
           <a:xfrm>
-            <a:off x="1101305" y="2736373"/>
-            <a:ext cx="1312932" cy="1312932"/>
+            <a:off x="611662" y="3552924"/>
+            <a:ext cx="4500872" cy="2366438"/>
           </a:xfrm>
           <a:prstGeom prst="rect">
             <a:avLst/>
           </a:prstGeom>
         </p:spPr>
       </p:pic>
-      <p:sp>
-        <p:nvSpPr>
-          <p:cNvPr id="13" name="TextBox 12">
-            <a:extLst>
-              <a:ext uri="{FF2B5EF4-FFF2-40B4-BE49-F238E27FC236}">
-                <a16:creationId xmlns:a16="http://schemas.microsoft.com/office/drawing/2014/main" id="{5E7EF3B7-CB35-4C6F-AAE8-F22E0DC39D22}"/>
-              </a:ext>
-            </a:extLst>
-          </p:cNvPr>
-          <p:cNvSpPr txBox="1"/>
-          <p:nvPr/>
-        </p:nvSpPr>
-        <p:spPr>
-          <a:xfrm>
-            <a:off x="6262008" y="4587361"/>
-            <a:ext cx="5333834" cy="523220"/>
-          </a:xfrm>
-          <a:prstGeom prst="rect">
-            <a:avLst/>
-          </a:prstGeom>
-          <a:noFill/>
-        </p:spPr>
-        <p:txBody>
-          <a:bodyPr wrap="square" rtlCol="0">
-            <a:spAutoFit/>
-          </a:bodyPr>
-          <a:lstStyle/>
-          <a:p>
-            <a:r>
-              <a:rPr lang="en-US" sz="2800" b="1" dirty="0">
-                <a:solidFill>
-                  <a:schemeClr val="accent4">
-                    <a:lumMod val="50000"/>
-                  </a:schemeClr>
-                </a:solidFill>
-              </a:rPr>
-              <a:t>No… focus more on the words…..</a:t>
-            </a:r>
-          </a:p>
-        </p:txBody>
-      </p:sp>
       <p:pic>
         <p:nvPicPr>
-          <p:cNvPr id="8" name="Picture 7">
-            <a:extLst>
-              <a:ext uri="{FF2B5EF4-FFF2-40B4-BE49-F238E27FC236}">
-                <a16:creationId xmlns:a16="http://schemas.microsoft.com/office/drawing/2014/main" id="{48B45210-6D9D-4F24-B5A7-08C0615858BA}"/>
+          <p:cNvPr id="6" name="Graphic 5" descr="Radioactive">
+            <a:extLst>
+              <a:ext uri="{FF2B5EF4-FFF2-40B4-BE49-F238E27FC236}">
+                <a16:creationId xmlns:a16="http://schemas.microsoft.com/office/drawing/2014/main" id="{00129EC4-B5E4-497E-A700-BDDC0973F500}"/>
               </a:ext>
             </a:extLst>
           </p:cNvPr>
@@ -22484,65 +23934,427 @@
           <p:nvPr/>
         </p:nvPicPr>
         <p:blipFill>
-          <a:blip r:embed="rId5"/>
+          <a:blip r:embed="rId4">
+            <a:extLst>
+              <a:ext uri="{96DAC541-7B7A-43D3-8B79-37D633B846F1}">
+                <asvg:svgBlip xmlns:asvg="http://schemas.microsoft.com/office/drawing/2016/SVG/main" r:embed="rId5"/>
+              </a:ext>
+            </a:extLst>
+          </a:blip>
           <a:stretch>
             <a:fillRect/>
           </a:stretch>
         </p:blipFill>
         <p:spPr>
           <a:xfrm>
-            <a:off x="3003371" y="2025117"/>
-            <a:ext cx="9509759" cy="1422512"/>
+            <a:off x="3649871" y="3437955"/>
+            <a:ext cx="1058096" cy="1058096"/>
           </a:xfrm>
           <a:prstGeom prst="rect">
             <a:avLst/>
           </a:prstGeom>
         </p:spPr>
       </p:pic>
-      <p:sp>
-        <p:nvSpPr>
-          <p:cNvPr id="3" name="Title 2">
-            <a:extLst>
-              <a:ext uri="{FF2B5EF4-FFF2-40B4-BE49-F238E27FC236}">
-                <a16:creationId xmlns:a16="http://schemas.microsoft.com/office/drawing/2014/main" id="{1611737A-1399-454F-A3FC-E6B5E2DD8F5E}"/>
-              </a:ext>
-            </a:extLst>
-          </p:cNvPr>
-          <p:cNvSpPr>
-            <a:spLocks noGrp="1"/>
-          </p:cNvSpPr>
-          <p:nvPr>
-            <p:ph type="body" sz="quarter" idx="14"/>
-          </p:nvPr>
-        </p:nvSpPr>
-        <p:spPr>
-          <a:xfrm>
-            <a:off x="3094265" y="2604065"/>
-            <a:ext cx="9254670" cy="1796481"/>
-          </a:xfrm>
-        </p:spPr>
-        <p:txBody>
-          <a:bodyPr anchor="ctr">
-            <a:normAutofit/>
-          </a:bodyPr>
-          <a:lstStyle/>
-          <a:p>
-            <a:pPr>
-              <a:spcAft>
-                <a:spcPts val="600"/>
-              </a:spcAft>
-            </a:pPr>
-            <a:r>
-              <a:rPr lang="en-US" dirty="0"/>
-              <a:t>Are toxic comments longer than non-toxic?</a:t>
-            </a:r>
-          </a:p>
-        </p:txBody>
-      </p:sp>
+      <p:pic>
+        <p:nvPicPr>
+          <p:cNvPr id="15" name="Graphic 14" descr="Radioactive">
+            <a:extLst>
+              <a:ext uri="{FF2B5EF4-FFF2-40B4-BE49-F238E27FC236}">
+                <a16:creationId xmlns:a16="http://schemas.microsoft.com/office/drawing/2014/main" id="{3826067F-599D-4DAF-826D-F349E54AF77B}"/>
+              </a:ext>
+            </a:extLst>
+          </p:cNvPr>
+          <p:cNvPicPr>
+            <a:picLocks noChangeAspect="1"/>
+          </p:cNvPicPr>
+          <p:nvPr/>
+        </p:nvPicPr>
+        <p:blipFill>
+          <a:blip r:embed="rId4">
+            <a:extLst>
+              <a:ext uri="{96DAC541-7B7A-43D3-8B79-37D633B846F1}">
+                <asvg:svgBlip xmlns:asvg="http://schemas.microsoft.com/office/drawing/2016/SVG/main" r:embed="rId5"/>
+              </a:ext>
+            </a:extLst>
+          </a:blip>
+          <a:stretch>
+            <a:fillRect/>
+          </a:stretch>
+        </p:blipFill>
+        <p:spPr>
+          <a:xfrm>
+            <a:off x="1174423" y="5329811"/>
+            <a:ext cx="647036" cy="647036"/>
+          </a:xfrm>
+          <a:prstGeom prst="rect">
+            <a:avLst/>
+          </a:prstGeom>
+        </p:spPr>
+      </p:pic>
+      <p:pic>
+        <p:nvPicPr>
+          <p:cNvPr id="16" name="Graphic 15" descr="Radioactive">
+            <a:extLst>
+              <a:ext uri="{FF2B5EF4-FFF2-40B4-BE49-F238E27FC236}">
+                <a16:creationId xmlns:a16="http://schemas.microsoft.com/office/drawing/2014/main" id="{C9902073-6515-4BFE-BD00-227D8AA73509}"/>
+              </a:ext>
+            </a:extLst>
+          </p:cNvPr>
+          <p:cNvPicPr>
+            <a:picLocks noChangeAspect="1"/>
+          </p:cNvPicPr>
+          <p:nvPr/>
+        </p:nvPicPr>
+        <p:blipFill>
+          <a:blip r:embed="rId4">
+            <a:extLst>
+              <a:ext uri="{96DAC541-7B7A-43D3-8B79-37D633B846F1}">
+                <asvg:svgBlip xmlns:asvg="http://schemas.microsoft.com/office/drawing/2016/SVG/main" r:embed="rId5"/>
+              </a:ext>
+            </a:extLst>
+          </a:blip>
+          <a:stretch>
+            <a:fillRect/>
+          </a:stretch>
+        </p:blipFill>
+        <p:spPr>
+          <a:xfrm>
+            <a:off x="4428324" y="4476278"/>
+            <a:ext cx="647036" cy="647036"/>
+          </a:xfrm>
+          <a:prstGeom prst="rect">
+            <a:avLst/>
+          </a:prstGeom>
+        </p:spPr>
+      </p:pic>
+      <p:pic>
+        <p:nvPicPr>
+          <p:cNvPr id="17" name="Graphic 16" descr="Radioactive">
+            <a:extLst>
+              <a:ext uri="{FF2B5EF4-FFF2-40B4-BE49-F238E27FC236}">
+                <a16:creationId xmlns:a16="http://schemas.microsoft.com/office/drawing/2014/main" id="{6A6E456C-EA72-4325-B39E-DF4C004182DF}"/>
+              </a:ext>
+            </a:extLst>
+          </p:cNvPr>
+          <p:cNvPicPr>
+            <a:picLocks noChangeAspect="1"/>
+          </p:cNvPicPr>
+          <p:nvPr/>
+        </p:nvPicPr>
+        <p:blipFill>
+          <a:blip r:embed="rId4">
+            <a:extLst>
+              <a:ext uri="{96DAC541-7B7A-43D3-8B79-37D633B846F1}">
+                <asvg:svgBlip xmlns:asvg="http://schemas.microsoft.com/office/drawing/2016/SVG/main" r:embed="rId5"/>
+              </a:ext>
+            </a:extLst>
+          </a:blip>
+          <a:stretch>
+            <a:fillRect/>
+          </a:stretch>
+        </p:blipFill>
+        <p:spPr>
+          <a:xfrm>
+            <a:off x="3490280" y="4241825"/>
+            <a:ext cx="647036" cy="647036"/>
+          </a:xfrm>
+          <a:prstGeom prst="rect">
+            <a:avLst/>
+          </a:prstGeom>
+        </p:spPr>
+      </p:pic>
+      <p:pic>
+        <p:nvPicPr>
+          <p:cNvPr id="19" name="Graphic 18" descr="Radioactive">
+            <a:extLst>
+              <a:ext uri="{FF2B5EF4-FFF2-40B4-BE49-F238E27FC236}">
+                <a16:creationId xmlns:a16="http://schemas.microsoft.com/office/drawing/2014/main" id="{071FE3D8-87EE-4914-BBFE-0CEC7BC9C9C6}"/>
+              </a:ext>
+            </a:extLst>
+          </p:cNvPr>
+          <p:cNvPicPr>
+            <a:picLocks noChangeAspect="1"/>
+          </p:cNvPicPr>
+          <p:nvPr/>
+        </p:nvPicPr>
+        <p:blipFill>
+          <a:blip r:embed="rId4">
+            <a:extLst>
+              <a:ext uri="{96DAC541-7B7A-43D3-8B79-37D633B846F1}">
+                <asvg:svgBlip xmlns:asvg="http://schemas.microsoft.com/office/drawing/2016/SVG/main" r:embed="rId5"/>
+              </a:ext>
+            </a:extLst>
+          </a:blip>
+          <a:stretch>
+            <a:fillRect/>
+          </a:stretch>
+        </p:blipFill>
+        <p:spPr>
+          <a:xfrm>
+            <a:off x="1410190" y="4244275"/>
+            <a:ext cx="647036" cy="647036"/>
+          </a:xfrm>
+          <a:prstGeom prst="rect">
+            <a:avLst/>
+          </a:prstGeom>
+        </p:spPr>
+      </p:pic>
+      <p:pic>
+        <p:nvPicPr>
+          <p:cNvPr id="20" name="Graphic 19" descr="Radioactive">
+            <a:extLst>
+              <a:ext uri="{FF2B5EF4-FFF2-40B4-BE49-F238E27FC236}">
+                <a16:creationId xmlns:a16="http://schemas.microsoft.com/office/drawing/2014/main" id="{F32FDA77-76FE-4E16-AA30-E93DB382C111}"/>
+              </a:ext>
+            </a:extLst>
+          </p:cNvPr>
+          <p:cNvPicPr>
+            <a:picLocks noChangeAspect="1"/>
+          </p:cNvPicPr>
+          <p:nvPr/>
+        </p:nvPicPr>
+        <p:blipFill>
+          <a:blip r:embed="rId4">
+            <a:extLst>
+              <a:ext uri="{96DAC541-7B7A-43D3-8B79-37D633B846F1}">
+                <asvg:svgBlip xmlns:asvg="http://schemas.microsoft.com/office/drawing/2016/SVG/main" r:embed="rId5"/>
+              </a:ext>
+            </a:extLst>
+          </a:blip>
+          <a:stretch>
+            <a:fillRect/>
+          </a:stretch>
+        </p:blipFill>
+        <p:spPr>
+          <a:xfrm>
+            <a:off x="1884883" y="3663142"/>
+            <a:ext cx="647036" cy="647036"/>
+          </a:xfrm>
+          <a:prstGeom prst="rect">
+            <a:avLst/>
+          </a:prstGeom>
+        </p:spPr>
+      </p:pic>
+      <p:pic>
+        <p:nvPicPr>
+          <p:cNvPr id="21" name="Graphic 20" descr="Radioactive">
+            <a:extLst>
+              <a:ext uri="{FF2B5EF4-FFF2-40B4-BE49-F238E27FC236}">
+                <a16:creationId xmlns:a16="http://schemas.microsoft.com/office/drawing/2014/main" id="{EF6E82F3-8637-4398-A0E5-D3A9743B6577}"/>
+              </a:ext>
+            </a:extLst>
+          </p:cNvPr>
+          <p:cNvPicPr>
+            <a:picLocks noChangeAspect="1"/>
+          </p:cNvPicPr>
+          <p:nvPr/>
+        </p:nvPicPr>
+        <p:blipFill>
+          <a:blip r:embed="rId4">
+            <a:extLst>
+              <a:ext uri="{96DAC541-7B7A-43D3-8B79-37D633B846F1}">
+                <asvg:svgBlip xmlns:asvg="http://schemas.microsoft.com/office/drawing/2016/SVG/main" r:embed="rId5"/>
+              </a:ext>
+            </a:extLst>
+          </a:blip>
+          <a:stretch>
+            <a:fillRect/>
+          </a:stretch>
+        </p:blipFill>
+        <p:spPr>
+          <a:xfrm>
+            <a:off x="1639472" y="4738505"/>
+            <a:ext cx="571511" cy="571511"/>
+          </a:xfrm>
+          <a:prstGeom prst="rect">
+            <a:avLst/>
+          </a:prstGeom>
+        </p:spPr>
+      </p:pic>
+      <p:pic>
+        <p:nvPicPr>
+          <p:cNvPr id="22" name="Graphic 21" descr="Radioactive">
+            <a:extLst>
+              <a:ext uri="{FF2B5EF4-FFF2-40B4-BE49-F238E27FC236}">
+                <a16:creationId xmlns:a16="http://schemas.microsoft.com/office/drawing/2014/main" id="{BDA3C95F-DA59-46C0-B3EE-A5F243BA0189}"/>
+              </a:ext>
+            </a:extLst>
+          </p:cNvPr>
+          <p:cNvPicPr>
+            <a:picLocks noChangeAspect="1"/>
+          </p:cNvPicPr>
+          <p:nvPr/>
+        </p:nvPicPr>
+        <p:blipFill>
+          <a:blip r:embed="rId4">
+            <a:extLst>
+              <a:ext uri="{96DAC541-7B7A-43D3-8B79-37D633B846F1}">
+                <asvg:svgBlip xmlns:asvg="http://schemas.microsoft.com/office/drawing/2016/SVG/main" r:embed="rId5"/>
+              </a:ext>
+            </a:extLst>
+          </a:blip>
+          <a:stretch>
+            <a:fillRect/>
+          </a:stretch>
+        </p:blipFill>
+        <p:spPr>
+          <a:xfrm>
+            <a:off x="3933688" y="5494355"/>
+            <a:ext cx="647036" cy="647036"/>
+          </a:xfrm>
+          <a:prstGeom prst="rect">
+            <a:avLst/>
+          </a:prstGeom>
+        </p:spPr>
+      </p:pic>
+      <p:pic>
+        <p:nvPicPr>
+          <p:cNvPr id="23" name="Graphic 22" descr="Radioactive">
+            <a:extLst>
+              <a:ext uri="{FF2B5EF4-FFF2-40B4-BE49-F238E27FC236}">
+                <a16:creationId xmlns:a16="http://schemas.microsoft.com/office/drawing/2014/main" id="{F6AC7826-BAE8-491A-825D-8800E0B04A1A}"/>
+              </a:ext>
+            </a:extLst>
+          </p:cNvPr>
+          <p:cNvPicPr>
+            <a:picLocks noChangeAspect="1"/>
+          </p:cNvPicPr>
+          <p:nvPr/>
+        </p:nvPicPr>
+        <p:blipFill>
+          <a:blip r:embed="rId4">
+            <a:extLst>
+              <a:ext uri="{96DAC541-7B7A-43D3-8B79-37D633B846F1}">
+                <asvg:svgBlip xmlns:asvg="http://schemas.microsoft.com/office/drawing/2016/SVG/main" r:embed="rId5"/>
+              </a:ext>
+            </a:extLst>
+          </a:blip>
+          <a:stretch>
+            <a:fillRect/>
+          </a:stretch>
+        </p:blipFill>
+        <p:spPr>
+          <a:xfrm>
+            <a:off x="3118512" y="3620513"/>
+            <a:ext cx="485872" cy="485872"/>
+          </a:xfrm>
+          <a:prstGeom prst="rect">
+            <a:avLst/>
+          </a:prstGeom>
+        </p:spPr>
+      </p:pic>
+      <p:pic>
+        <p:nvPicPr>
+          <p:cNvPr id="24" name="Graphic 23" descr="Radioactive">
+            <a:extLst>
+              <a:ext uri="{FF2B5EF4-FFF2-40B4-BE49-F238E27FC236}">
+                <a16:creationId xmlns:a16="http://schemas.microsoft.com/office/drawing/2014/main" id="{D5EBD08A-01DB-4384-A414-B4BF480ADEF2}"/>
+              </a:ext>
+            </a:extLst>
+          </p:cNvPr>
+          <p:cNvPicPr>
+            <a:picLocks noChangeAspect="1"/>
+          </p:cNvPicPr>
+          <p:nvPr/>
+        </p:nvPicPr>
+        <p:blipFill>
+          <a:blip r:embed="rId4">
+            <a:extLst>
+              <a:ext uri="{96DAC541-7B7A-43D3-8B79-37D633B846F1}">
+                <asvg:svgBlip xmlns:asvg="http://schemas.microsoft.com/office/drawing/2016/SVG/main" r:embed="rId5"/>
+              </a:ext>
+            </a:extLst>
+          </a:blip>
+          <a:stretch>
+            <a:fillRect/>
+          </a:stretch>
+        </p:blipFill>
+        <p:spPr>
+          <a:xfrm>
+            <a:off x="1151696" y="4351740"/>
+            <a:ext cx="384403" cy="384403"/>
+          </a:xfrm>
+          <a:prstGeom prst="rect">
+            <a:avLst/>
+          </a:prstGeom>
+        </p:spPr>
+      </p:pic>
+      <p:pic>
+        <p:nvPicPr>
+          <p:cNvPr id="25" name="Graphic 24" descr="Radioactive">
+            <a:extLst>
+              <a:ext uri="{FF2B5EF4-FFF2-40B4-BE49-F238E27FC236}">
+                <a16:creationId xmlns:a16="http://schemas.microsoft.com/office/drawing/2014/main" id="{C42DCE7F-7F03-47E1-A27B-79F9BB9D958D}"/>
+              </a:ext>
+            </a:extLst>
+          </p:cNvPr>
+          <p:cNvPicPr>
+            <a:picLocks noChangeAspect="1"/>
+          </p:cNvPicPr>
+          <p:nvPr/>
+        </p:nvPicPr>
+        <p:blipFill>
+          <a:blip r:embed="rId4">
+            <a:extLst>
+              <a:ext uri="{96DAC541-7B7A-43D3-8B79-37D633B846F1}">
+                <asvg:svgBlip xmlns:asvg="http://schemas.microsoft.com/office/drawing/2016/SVG/main" r:embed="rId5"/>
+              </a:ext>
+            </a:extLst>
+          </a:blip>
+          <a:stretch>
+            <a:fillRect/>
+          </a:stretch>
+        </p:blipFill>
+        <p:spPr>
+          <a:xfrm>
+            <a:off x="1576804" y="6011458"/>
+            <a:ext cx="647036" cy="647036"/>
+          </a:xfrm>
+          <a:prstGeom prst="rect">
+            <a:avLst/>
+          </a:prstGeom>
+        </p:spPr>
+      </p:pic>
+      <p:pic>
+        <p:nvPicPr>
+          <p:cNvPr id="26" name="Graphic 25" descr="Radioactive">
+            <a:extLst>
+              <a:ext uri="{FF2B5EF4-FFF2-40B4-BE49-F238E27FC236}">
+                <a16:creationId xmlns:a16="http://schemas.microsoft.com/office/drawing/2014/main" id="{99D1035C-2076-4EB8-8C22-07B882CD2D07}"/>
+              </a:ext>
+            </a:extLst>
+          </p:cNvPr>
+          <p:cNvPicPr>
+            <a:picLocks noChangeAspect="1"/>
+          </p:cNvPicPr>
+          <p:nvPr/>
+        </p:nvPicPr>
+        <p:blipFill>
+          <a:blip r:embed="rId4">
+            <a:extLst>
+              <a:ext uri="{96DAC541-7B7A-43D3-8B79-37D633B846F1}">
+                <asvg:svgBlip xmlns:asvg="http://schemas.microsoft.com/office/drawing/2016/SVG/main" r:embed="rId5"/>
+              </a:ext>
+            </a:extLst>
+          </a:blip>
+          <a:stretch>
+            <a:fillRect/>
+          </a:stretch>
+        </p:blipFill>
+        <p:spPr>
+          <a:xfrm>
+            <a:off x="3321852" y="6018537"/>
+            <a:ext cx="647036" cy="647036"/>
+          </a:xfrm>
+          <a:prstGeom prst="rect">
+            <a:avLst/>
+          </a:prstGeom>
+        </p:spPr>
+      </p:pic>
     </p:spTree>
     <p:extLst>
       <p:ext uri="{BB962C8B-B14F-4D97-AF65-F5344CB8AC3E}">
-        <p14:creationId xmlns:p14="http://schemas.microsoft.com/office/powerpoint/2010/main" val="1968336381"/>
+        <p14:creationId xmlns:p14="http://schemas.microsoft.com/office/powerpoint/2010/main" val="64979710"/>
       </p:ext>
     </p:extLst>
   </p:cSld>
@@ -22569,94 +24381,541 @@
           <a:chExt cx="0" cy="0"/>
         </a:xfrm>
       </p:grpSpPr>
-      <p:sp>
-        <p:nvSpPr>
-          <p:cNvPr id="2" name="Text Placeholder 1">
-            <a:extLst>
-              <a:ext uri="{FF2B5EF4-FFF2-40B4-BE49-F238E27FC236}">
-                <a16:creationId xmlns:a16="http://schemas.microsoft.com/office/drawing/2014/main" id="{D5BB3514-D74F-46CC-9747-042067545637}"/>
-              </a:ext>
-            </a:extLst>
-          </p:cNvPr>
-          <p:cNvSpPr>
-            <a:spLocks noGrp="1"/>
-          </p:cNvSpPr>
-          <p:nvPr>
-            <p:ph type="body" sz="quarter" idx="11"/>
-          </p:nvPr>
-        </p:nvSpPr>
-        <p:spPr>
-          <a:xfrm>
-            <a:off x="0" y="1838960"/>
-            <a:ext cx="12192000" cy="5019039"/>
-          </a:xfrm>
-        </p:spPr>
-        <p:txBody>
-          <a:bodyPr/>
-          <a:lstStyle/>
-          <a:p>
-            <a:r>
-              <a:rPr lang="en-US" dirty="0"/>
-              <a:t>Word Clouds display words in a collection. The larger the word, the more frequently used the word is.</a:t>
-            </a:r>
-          </a:p>
-        </p:txBody>
-      </p:sp>
-      <p:sp>
-        <p:nvSpPr>
-          <p:cNvPr id="3" name="Title 2">
-            <a:extLst>
-              <a:ext uri="{FF2B5EF4-FFF2-40B4-BE49-F238E27FC236}">
-                <a16:creationId xmlns:a16="http://schemas.microsoft.com/office/drawing/2014/main" id="{5ABB6330-9533-4E7E-A6D3-3267B6599BAC}"/>
-              </a:ext>
-            </a:extLst>
-          </p:cNvPr>
-          <p:cNvSpPr>
-            <a:spLocks noGrp="1"/>
-          </p:cNvSpPr>
-          <p:nvPr>
-            <p:ph type="title"/>
-          </p:nvPr>
-        </p:nvSpPr>
-        <p:spPr>
-          <a:xfrm>
-            <a:off x="500798" y="398428"/>
-            <a:ext cx="6435524" cy="1325563"/>
-          </a:xfrm>
-        </p:spPr>
-        <p:txBody>
-          <a:bodyPr/>
-          <a:lstStyle/>
-          <a:p>
-            <a:r>
-              <a:rPr lang="en-US" dirty="0"/>
-              <a:t>Examples:</a:t>
-            </a:r>
-          </a:p>
-        </p:txBody>
-      </p:sp>
-      <p:sp>
-        <p:nvSpPr>
-          <p:cNvPr id="11" name="Rectangle 10">
-            <a:extLst>
-              <a:ext uri="{FF2B5EF4-FFF2-40B4-BE49-F238E27FC236}">
-                <a16:creationId xmlns:a16="http://schemas.microsoft.com/office/drawing/2014/main" id="{E7E40AA9-7C87-4EBC-9387-8F49EF5F85BC}"/>
-              </a:ext>
-            </a:extLst>
-          </p:cNvPr>
-          <p:cNvSpPr/>
+      <p:pic>
+        <p:nvPicPr>
+          <p:cNvPr id="5" name="Picture 4">
+            <a:extLst>
+              <a:ext uri="{FF2B5EF4-FFF2-40B4-BE49-F238E27FC236}">
+                <a16:creationId xmlns:a16="http://schemas.microsoft.com/office/drawing/2014/main" id="{6A28597E-5652-4C6B-BFCD-F288449E3BF9}"/>
+              </a:ext>
+            </a:extLst>
+          </p:cNvPr>
+          <p:cNvPicPr>
+            <a:picLocks noChangeAspect="1"/>
+          </p:cNvPicPr>
           <p:nvPr/>
-        </p:nvSpPr>
-        <p:spPr>
-          <a:xfrm>
-            <a:off x="367393" y="3282044"/>
-            <a:ext cx="5189165" cy="3510642"/>
+        </p:nvPicPr>
+        <p:blipFill>
+          <a:blip r:embed="rId2"/>
+          <a:stretch>
+            <a:fillRect/>
+          </a:stretch>
+        </p:blipFill>
+        <p:spPr>
+          <a:xfrm>
+            <a:off x="421277" y="133187"/>
+            <a:ext cx="6709033" cy="6591625"/>
           </a:xfrm>
           <a:prstGeom prst="rect">
             <a:avLst/>
           </a:prstGeom>
+          <a:noFill/>
+        </p:spPr>
+      </p:pic>
+      <p:pic>
+        <p:nvPicPr>
+          <p:cNvPr id="12" name="Graphic 11" descr="Magnifying glass">
+            <a:extLst>
+              <a:ext uri="{FF2B5EF4-FFF2-40B4-BE49-F238E27FC236}">
+                <a16:creationId xmlns:a16="http://schemas.microsoft.com/office/drawing/2014/main" id="{FEBE4C0A-EFEF-4B17-82E4-266CB2D352C7}"/>
+              </a:ext>
+            </a:extLst>
+          </p:cNvPr>
+          <p:cNvPicPr>
+            <a:picLocks noChangeAspect="1"/>
+          </p:cNvPicPr>
+          <p:nvPr/>
+        </p:nvPicPr>
+        <p:blipFill>
+          <a:blip r:embed="rId3">
+            <a:extLst>
+              <a:ext uri="{96DAC541-7B7A-43D3-8B79-37D633B846F1}">
+                <asvg:svgBlip xmlns:asvg="http://schemas.microsoft.com/office/drawing/2016/SVG/main" r:embed="rId4"/>
+              </a:ext>
+            </a:extLst>
+          </a:blip>
+          <a:stretch>
+            <a:fillRect/>
+          </a:stretch>
+        </p:blipFill>
+        <p:spPr>
+          <a:xfrm>
+            <a:off x="1101305" y="2736373"/>
+            <a:ext cx="1312932" cy="1312932"/>
+          </a:xfrm>
+          <a:prstGeom prst="rect">
+            <a:avLst/>
+          </a:prstGeom>
+        </p:spPr>
+      </p:pic>
+      <p:sp>
+        <p:nvSpPr>
+          <p:cNvPr id="13" name="TextBox 12">
+            <a:extLst>
+              <a:ext uri="{FF2B5EF4-FFF2-40B4-BE49-F238E27FC236}">
+                <a16:creationId xmlns:a16="http://schemas.microsoft.com/office/drawing/2014/main" id="{5E7EF3B7-CB35-4C6F-AAE8-F22E0DC39D22}"/>
+              </a:ext>
+            </a:extLst>
+          </p:cNvPr>
+          <p:cNvSpPr txBox="1"/>
+          <p:nvPr/>
+        </p:nvSpPr>
+        <p:spPr>
+          <a:xfrm>
+            <a:off x="6262008" y="4587361"/>
+            <a:ext cx="5333834" cy="523220"/>
+          </a:xfrm>
+          <a:prstGeom prst="rect">
+            <a:avLst/>
+          </a:prstGeom>
+          <a:noFill/>
+        </p:spPr>
+        <p:txBody>
+          <a:bodyPr wrap="square" rtlCol="0">
+            <a:spAutoFit/>
+          </a:bodyPr>
+          <a:lstStyle/>
+          <a:p>
+            <a:r>
+              <a:rPr lang="en-US" sz="2800" b="1" dirty="0">
+                <a:solidFill>
+                  <a:schemeClr val="accent4">
+                    <a:lumMod val="50000"/>
+                  </a:schemeClr>
+                </a:solidFill>
+              </a:rPr>
+              <a:t>No… focus more on the words…..</a:t>
+            </a:r>
+          </a:p>
+        </p:txBody>
+      </p:sp>
+      <p:pic>
+        <p:nvPicPr>
+          <p:cNvPr id="8" name="Picture 7">
+            <a:extLst>
+              <a:ext uri="{FF2B5EF4-FFF2-40B4-BE49-F238E27FC236}">
+                <a16:creationId xmlns:a16="http://schemas.microsoft.com/office/drawing/2014/main" id="{48B45210-6D9D-4F24-B5A7-08C0615858BA}"/>
+              </a:ext>
+            </a:extLst>
+          </p:cNvPr>
+          <p:cNvPicPr>
+            <a:picLocks noChangeAspect="1"/>
+          </p:cNvPicPr>
+          <p:nvPr/>
+        </p:nvPicPr>
+        <p:blipFill>
+          <a:blip r:embed="rId5"/>
+          <a:stretch>
+            <a:fillRect/>
+          </a:stretch>
+        </p:blipFill>
+        <p:spPr>
+          <a:xfrm>
+            <a:off x="3003371" y="2025117"/>
+            <a:ext cx="9509759" cy="1422512"/>
+          </a:xfrm>
+          <a:prstGeom prst="rect">
+            <a:avLst/>
+          </a:prstGeom>
+        </p:spPr>
+      </p:pic>
+      <p:sp>
+        <p:nvSpPr>
+          <p:cNvPr id="3" name="Title 2">
+            <a:extLst>
+              <a:ext uri="{FF2B5EF4-FFF2-40B4-BE49-F238E27FC236}">
+                <a16:creationId xmlns:a16="http://schemas.microsoft.com/office/drawing/2014/main" id="{1611737A-1399-454F-A3FC-E6B5E2DD8F5E}"/>
+              </a:ext>
+            </a:extLst>
+          </p:cNvPr>
+          <p:cNvSpPr>
+            <a:spLocks noGrp="1"/>
+          </p:cNvSpPr>
+          <p:nvPr>
+            <p:ph type="body" sz="quarter" idx="14"/>
+          </p:nvPr>
+        </p:nvSpPr>
+        <p:spPr>
+          <a:xfrm>
+            <a:off x="3094265" y="2604065"/>
+            <a:ext cx="9254670" cy="1796481"/>
+          </a:xfrm>
+        </p:spPr>
+        <p:txBody>
+          <a:bodyPr anchor="ctr">
+            <a:normAutofit/>
+          </a:bodyPr>
+          <a:lstStyle/>
+          <a:p>
+            <a:pPr>
+              <a:spcAft>
+                <a:spcPts val="600"/>
+              </a:spcAft>
+            </a:pPr>
+            <a:r>
+              <a:rPr lang="en-US" dirty="0"/>
+              <a:t>Are toxic comments longer than non-toxic?</a:t>
+            </a:r>
+          </a:p>
+        </p:txBody>
+      </p:sp>
+    </p:spTree>
+    <p:extLst>
+      <p:ext uri="{BB962C8B-B14F-4D97-AF65-F5344CB8AC3E}">
+        <p14:creationId xmlns:p14="http://schemas.microsoft.com/office/powerpoint/2010/main" val="1968336381"/>
+      </p:ext>
+    </p:extLst>
+  </p:cSld>
+  <p:clrMapOvr>
+    <a:masterClrMapping/>
+  </p:clrMapOvr>
+</p:sld>
+</file>
+
+<file path=ppt/slides/slide6.xml><?xml version="1.0" encoding="utf-8"?>
+<p:sld xmlns:a="http://schemas.openxmlformats.org/drawingml/2006/main" xmlns:r="http://schemas.openxmlformats.org/officeDocument/2006/relationships" xmlns:p="http://schemas.openxmlformats.org/presentationml/2006/main">
+  <p:cSld>
+    <p:spTree>
+      <p:nvGrpSpPr>
+        <p:cNvPr id="1" name=""/>
+        <p:cNvGrpSpPr/>
+        <p:nvPr/>
+      </p:nvGrpSpPr>
+      <p:grpSpPr>
+        <a:xfrm>
+          <a:off x="0" y="0"/>
+          <a:ext cx="0" cy="0"/>
+          <a:chOff x="0" y="0"/>
+          <a:chExt cx="0" cy="0"/>
+        </a:xfrm>
+      </p:grpSpPr>
+      <p:sp>
+        <p:nvSpPr>
+          <p:cNvPr id="2" name="Title 1">
+            <a:extLst>
+              <a:ext uri="{FF2B5EF4-FFF2-40B4-BE49-F238E27FC236}">
+                <a16:creationId xmlns:a16="http://schemas.microsoft.com/office/drawing/2014/main" id="{285097A8-FDF2-415B-A525-792A93E0F4B6}"/>
+              </a:ext>
+            </a:extLst>
+          </p:cNvPr>
+          <p:cNvSpPr>
+            <a:spLocks noGrp="1"/>
+          </p:cNvSpPr>
+          <p:nvPr>
+            <p:ph type="title"/>
+          </p:nvPr>
+        </p:nvSpPr>
+        <p:spPr/>
+        <p:txBody>
+          <a:bodyPr/>
+          <a:lstStyle/>
+          <a:p>
+            <a:r>
+              <a:rPr lang="en-US" dirty="0"/>
+              <a:t>Top 5 Words Per Category:</a:t>
+            </a:r>
+          </a:p>
+        </p:txBody>
+      </p:sp>
+      <p:sp>
+        <p:nvSpPr>
+          <p:cNvPr id="3" name="Text Placeholder 2">
+            <a:extLst>
+              <a:ext uri="{FF2B5EF4-FFF2-40B4-BE49-F238E27FC236}">
+                <a16:creationId xmlns:a16="http://schemas.microsoft.com/office/drawing/2014/main" id="{CBF927C8-2102-46A9-90C5-37FC3A28C534}"/>
+              </a:ext>
+            </a:extLst>
+          </p:cNvPr>
+          <p:cNvSpPr>
+            <a:spLocks noGrp="1"/>
+          </p:cNvSpPr>
+          <p:nvPr>
+            <p:ph type="body" sz="quarter" idx="11"/>
+          </p:nvPr>
+        </p:nvSpPr>
+        <p:spPr>
+          <a:xfrm>
+            <a:off x="660400" y="2635242"/>
+            <a:ext cx="4945062" cy="3483263"/>
+          </a:xfrm>
+        </p:spPr>
+        <p:txBody>
+          <a:bodyPr/>
+          <a:lstStyle/>
+          <a:p>
+            <a:r>
+              <a:rPr lang="en-US" sz="2000" dirty="0"/>
+              <a:t>The same words appeared in 4 categories:</a:t>
+            </a:r>
+          </a:p>
+          <a:p>
+            <a:pPr algn="ctr"/>
+            <a:r>
+              <a:rPr lang="en-US" sz="2000" b="1" dirty="0"/>
+              <a:t>Toxic, Severely Toxic, Insulting &amp; Obscene</a:t>
+            </a:r>
+          </a:p>
+          <a:p>
+            <a:endParaRPr lang="en-US" dirty="0"/>
+          </a:p>
+          <a:p>
+            <a:endParaRPr lang="en-US" dirty="0"/>
+          </a:p>
+          <a:p>
+            <a:endParaRPr lang="en-US" sz="2000" dirty="0"/>
+          </a:p>
+          <a:p>
+            <a:endParaRPr lang="en-US" sz="2000" dirty="0"/>
+          </a:p>
+          <a:p>
+            <a:r>
+              <a:rPr lang="en-US" sz="2000" dirty="0"/>
+              <a:t>Two categories had more distinct top 5 words:</a:t>
+            </a:r>
+          </a:p>
+          <a:p>
+            <a:pPr algn="ctr"/>
+            <a:r>
+              <a:rPr lang="en-US" sz="2000" b="1" dirty="0"/>
+              <a:t>Threatening  &amp; Identity-Based Hate</a:t>
+            </a:r>
+          </a:p>
+        </p:txBody>
+      </p:sp>
+      <p:sp>
+        <p:nvSpPr>
+          <p:cNvPr id="4" name="Text Placeholder 3">
+            <a:extLst>
+              <a:ext uri="{FF2B5EF4-FFF2-40B4-BE49-F238E27FC236}">
+                <a16:creationId xmlns:a16="http://schemas.microsoft.com/office/drawing/2014/main" id="{2690EE78-F93F-493B-9C33-0B5B3362D7B2}"/>
+              </a:ext>
+            </a:extLst>
+          </p:cNvPr>
+          <p:cNvSpPr>
+            <a:spLocks noGrp="1"/>
+          </p:cNvSpPr>
+          <p:nvPr>
+            <p:ph type="body" sz="quarter" idx="12"/>
+          </p:nvPr>
+        </p:nvSpPr>
+        <p:spPr/>
+        <p:txBody>
+          <a:bodyPr>
+            <a:normAutofit/>
+          </a:bodyPr>
+          <a:lstStyle/>
+          <a:p>
+            <a:r>
+              <a:rPr lang="en-US" dirty="0"/>
+              <a:t>Patterns Emerged</a:t>
+            </a:r>
+          </a:p>
+        </p:txBody>
+      </p:sp>
+      <p:pic>
+        <p:nvPicPr>
+          <p:cNvPr id="8" name="Picture 7">
+            <a:extLst>
+              <a:ext uri="{FF2B5EF4-FFF2-40B4-BE49-F238E27FC236}">
+                <a16:creationId xmlns:a16="http://schemas.microsoft.com/office/drawing/2014/main" id="{EE89C95D-8C5C-4A88-BA0D-A80CB8BAE417}"/>
+              </a:ext>
+            </a:extLst>
+          </p:cNvPr>
+          <p:cNvPicPr>
+            <a:picLocks noChangeAspect="1"/>
+          </p:cNvPicPr>
+          <p:nvPr/>
+        </p:nvPicPr>
+        <p:blipFill>
+          <a:blip r:embed="rId2"/>
+          <a:stretch>
+            <a:fillRect/>
+          </a:stretch>
+        </p:blipFill>
+        <p:spPr>
+          <a:xfrm>
+            <a:off x="6373951" y="202432"/>
+            <a:ext cx="2483154" cy="1690983"/>
+          </a:xfrm>
+          <a:prstGeom prst="rect">
+            <a:avLst/>
+          </a:prstGeom>
+        </p:spPr>
+      </p:pic>
+      <p:pic>
+        <p:nvPicPr>
+          <p:cNvPr id="9" name="Picture 8">
+            <a:extLst>
+              <a:ext uri="{FF2B5EF4-FFF2-40B4-BE49-F238E27FC236}">
+                <a16:creationId xmlns:a16="http://schemas.microsoft.com/office/drawing/2014/main" id="{DEAC99C1-B4B6-410F-8200-6F40F1A68A30}"/>
+              </a:ext>
+            </a:extLst>
+          </p:cNvPr>
+          <p:cNvPicPr>
+            <a:picLocks noChangeAspect="1"/>
+          </p:cNvPicPr>
+          <p:nvPr/>
+        </p:nvPicPr>
+        <p:blipFill>
+          <a:blip r:embed="rId3"/>
+          <a:stretch>
+            <a:fillRect/>
+          </a:stretch>
+        </p:blipFill>
+        <p:spPr>
+          <a:xfrm>
+            <a:off x="9348938" y="129248"/>
+            <a:ext cx="2506409" cy="1764167"/>
+          </a:xfrm>
+          <a:prstGeom prst="rect">
+            <a:avLst/>
+          </a:prstGeom>
+        </p:spPr>
+      </p:pic>
+      <p:pic>
+        <p:nvPicPr>
+          <p:cNvPr id="10" name="Picture 9">
+            <a:extLst>
+              <a:ext uri="{FF2B5EF4-FFF2-40B4-BE49-F238E27FC236}">
+                <a16:creationId xmlns:a16="http://schemas.microsoft.com/office/drawing/2014/main" id="{3334C29D-3F8C-4CA3-A665-5A686225A09D}"/>
+              </a:ext>
+            </a:extLst>
+          </p:cNvPr>
+          <p:cNvPicPr>
+            <a:picLocks noChangeAspect="1"/>
+          </p:cNvPicPr>
+          <p:nvPr/>
+        </p:nvPicPr>
+        <p:blipFill>
+          <a:blip r:embed="rId4"/>
+          <a:stretch>
+            <a:fillRect/>
+          </a:stretch>
+        </p:blipFill>
+        <p:spPr>
+          <a:xfrm>
+            <a:off x="9328329" y="1978817"/>
+            <a:ext cx="2527020" cy="1627983"/>
+          </a:xfrm>
+          <a:prstGeom prst="rect">
+            <a:avLst/>
+          </a:prstGeom>
+        </p:spPr>
+      </p:pic>
+      <p:pic>
+        <p:nvPicPr>
+          <p:cNvPr id="11" name="Picture 10">
+            <a:extLst>
+              <a:ext uri="{FF2B5EF4-FFF2-40B4-BE49-F238E27FC236}">
+                <a16:creationId xmlns:a16="http://schemas.microsoft.com/office/drawing/2014/main" id="{BEA640BC-A159-4478-8DF8-7AB3017ED038}"/>
+              </a:ext>
+            </a:extLst>
+          </p:cNvPr>
+          <p:cNvPicPr>
+            <a:picLocks noChangeAspect="1"/>
+          </p:cNvPicPr>
+          <p:nvPr/>
+        </p:nvPicPr>
+        <p:blipFill>
+          <a:blip r:embed="rId5"/>
+          <a:stretch>
+            <a:fillRect/>
+          </a:stretch>
+        </p:blipFill>
+        <p:spPr>
+          <a:xfrm>
+            <a:off x="5851068" y="4433440"/>
+            <a:ext cx="2951120" cy="2116016"/>
+          </a:xfrm>
+          <a:prstGeom prst="rect">
+            <a:avLst/>
+          </a:prstGeom>
+        </p:spPr>
+      </p:pic>
+      <p:pic>
+        <p:nvPicPr>
+          <p:cNvPr id="12" name="Picture 11">
+            <a:extLst>
+              <a:ext uri="{FF2B5EF4-FFF2-40B4-BE49-F238E27FC236}">
+                <a16:creationId xmlns:a16="http://schemas.microsoft.com/office/drawing/2014/main" id="{685115FF-C2EB-46EF-BDE5-2ADF18D05059}"/>
+              </a:ext>
+            </a:extLst>
+          </p:cNvPr>
+          <p:cNvPicPr>
+            <a:picLocks noChangeAspect="1"/>
+          </p:cNvPicPr>
+          <p:nvPr/>
+        </p:nvPicPr>
+        <p:blipFill>
+          <a:blip r:embed="rId6"/>
+          <a:stretch>
+            <a:fillRect/>
+          </a:stretch>
+        </p:blipFill>
+        <p:spPr>
+          <a:xfrm>
+            <a:off x="6373951" y="1978817"/>
+            <a:ext cx="2472367" cy="1614705"/>
+          </a:xfrm>
+          <a:prstGeom prst="rect">
+            <a:avLst/>
+          </a:prstGeom>
+        </p:spPr>
+      </p:pic>
+      <p:pic>
+        <p:nvPicPr>
+          <p:cNvPr id="13" name="Picture 12">
+            <a:extLst>
+              <a:ext uri="{FF2B5EF4-FFF2-40B4-BE49-F238E27FC236}">
+                <a16:creationId xmlns:a16="http://schemas.microsoft.com/office/drawing/2014/main" id="{7B88C1E9-A6F2-4C7D-8862-374B8E59B19D}"/>
+              </a:ext>
+            </a:extLst>
+          </p:cNvPr>
+          <p:cNvPicPr>
+            <a:picLocks noChangeAspect="1"/>
+          </p:cNvPicPr>
+          <p:nvPr/>
+        </p:nvPicPr>
+        <p:blipFill>
+          <a:blip r:embed="rId7"/>
+          <a:stretch>
+            <a:fillRect/>
+          </a:stretch>
+        </p:blipFill>
+        <p:spPr>
+          <a:xfrm>
+            <a:off x="8887774" y="4460240"/>
+            <a:ext cx="3283257" cy="2116016"/>
+          </a:xfrm>
+          <a:prstGeom prst="rect">
+            <a:avLst/>
+          </a:prstGeom>
+        </p:spPr>
+      </p:pic>
+      <p:sp>
+        <p:nvSpPr>
+          <p:cNvPr id="14" name="Oval 13">
+            <a:extLst>
+              <a:ext uri="{FF2B5EF4-FFF2-40B4-BE49-F238E27FC236}">
+                <a16:creationId xmlns:a16="http://schemas.microsoft.com/office/drawing/2014/main" id="{742EBDFF-C676-430B-8523-B7BFE7303855}"/>
+              </a:ext>
+            </a:extLst>
+          </p:cNvPr>
+          <p:cNvSpPr/>
+          <p:nvPr/>
+        </p:nvSpPr>
+        <p:spPr>
+          <a:xfrm>
+            <a:off x="6573520" y="1381760"/>
+            <a:ext cx="223520" cy="182880"/>
+          </a:xfrm>
+          <a:prstGeom prst="ellipse">
+            <a:avLst/>
+          </a:prstGeom>
           <a:solidFill>
-            <a:srgbClr val="FFFF99"/>
+            <a:schemeClr val="accent1">
+              <a:alpha val="56000"/>
+            </a:schemeClr>
           </a:solidFill>
         </p:spPr>
         <p:style>
@@ -22680,47 +24939,16 @@
           <a:lstStyle/>
           <a:p>
             <a:pPr algn="ctr"/>
-            <a:endParaRPr lang="en-US"/>
-          </a:p>
-        </p:txBody>
-      </p:sp>
-      <p:pic>
-        <p:nvPicPr>
-          <p:cNvPr id="10" name="Picture 9">
-            <a:extLst>
-              <a:ext uri="{FF2B5EF4-FFF2-40B4-BE49-F238E27FC236}">
-                <a16:creationId xmlns:a16="http://schemas.microsoft.com/office/drawing/2014/main" id="{FD804BAA-EEB5-4A6A-BCB1-6396D609CE4C}"/>
-              </a:ext>
-            </a:extLst>
-          </p:cNvPr>
-          <p:cNvPicPr>
-            <a:picLocks noChangeAspect="1"/>
-          </p:cNvPicPr>
-          <p:nvPr/>
-        </p:nvPicPr>
-        <p:blipFill>
-          <a:blip r:embed="rId2"/>
-          <a:stretch>
-            <a:fillRect/>
-          </a:stretch>
-        </p:blipFill>
-        <p:spPr>
-          <a:xfrm>
-            <a:off x="611662" y="3429000"/>
-            <a:ext cx="4700625" cy="2420822"/>
-          </a:xfrm>
-          <a:prstGeom prst="rect">
-            <a:avLst/>
-          </a:prstGeom>
-          <a:noFill/>
-        </p:spPr>
-      </p:pic>
-      <p:sp>
-        <p:nvSpPr>
-          <p:cNvPr id="12" name="Rectangle 11">
-            <a:extLst>
-              <a:ext uri="{FF2B5EF4-FFF2-40B4-BE49-F238E27FC236}">
-                <a16:creationId xmlns:a16="http://schemas.microsoft.com/office/drawing/2014/main" id="{1110259C-18E8-4B41-84E5-F6D8CC0B2A5E}"/>
+            <a:endParaRPr lang="en-US" dirty="0"/>
+          </a:p>
+        </p:txBody>
+      </p:sp>
+      <p:sp>
+        <p:nvSpPr>
+          <p:cNvPr id="15" name="Oval 14">
+            <a:extLst>
+              <a:ext uri="{FF2B5EF4-FFF2-40B4-BE49-F238E27FC236}">
+                <a16:creationId xmlns:a16="http://schemas.microsoft.com/office/drawing/2014/main" id="{D0F5CAC2-B87D-405B-8247-D479E1AFB9AF}"/>
               </a:ext>
             </a:extLst>
           </p:cNvPr>
@@ -22729,14 +24957,16 @@
         </p:nvSpPr>
         <p:spPr>
           <a:xfrm>
-            <a:off x="6515100" y="3282044"/>
-            <a:ext cx="5065238" cy="3451844"/>
-          </a:xfrm>
-          <a:prstGeom prst="rect">
+            <a:off x="9513834" y="1369217"/>
+            <a:ext cx="223520" cy="182880"/>
+          </a:xfrm>
+          <a:prstGeom prst="ellipse">
             <a:avLst/>
           </a:prstGeom>
           <a:solidFill>
-            <a:srgbClr val="99FF99"/>
+            <a:schemeClr val="accent1">
+              <a:alpha val="56000"/>
+            </a:schemeClr>
           </a:solidFill>
         </p:spPr>
         <p:style>
@@ -22760,47 +24990,1056 @@
           <a:lstStyle/>
           <a:p>
             <a:pPr algn="ctr"/>
-            <a:endParaRPr lang="en-US"/>
-          </a:p>
-        </p:txBody>
-      </p:sp>
-      <p:pic>
-        <p:nvPicPr>
-          <p:cNvPr id="7" name="Picture 6">
-            <a:extLst>
-              <a:ext uri="{FF2B5EF4-FFF2-40B4-BE49-F238E27FC236}">
-                <a16:creationId xmlns:a16="http://schemas.microsoft.com/office/drawing/2014/main" id="{7B6B0858-6668-41F6-AA03-BA51B1498DBF}"/>
-              </a:ext>
-            </a:extLst>
-          </p:cNvPr>
-          <p:cNvPicPr>
-            <a:picLocks noChangeAspect="1"/>
-          </p:cNvPicPr>
+            <a:endParaRPr lang="en-US" dirty="0"/>
+          </a:p>
+        </p:txBody>
+      </p:sp>
+      <p:sp>
+        <p:nvSpPr>
+          <p:cNvPr id="16" name="Oval 15">
+            <a:extLst>
+              <a:ext uri="{FF2B5EF4-FFF2-40B4-BE49-F238E27FC236}">
+                <a16:creationId xmlns:a16="http://schemas.microsoft.com/office/drawing/2014/main" id="{4EFF935B-7100-498B-8A88-6A77AEEEDFE2}"/>
+              </a:ext>
+            </a:extLst>
+          </p:cNvPr>
+          <p:cNvSpPr/>
           <p:nvPr/>
-        </p:nvPicPr>
-        <p:blipFill>
-          <a:blip r:embed="rId2"/>
-          <a:stretch>
-            <a:fillRect/>
-          </a:stretch>
-        </p:blipFill>
-        <p:spPr>
-          <a:xfrm>
-            <a:off x="6782159" y="3429000"/>
-            <a:ext cx="4638588" cy="2388873"/>
+        </p:nvSpPr>
+        <p:spPr>
+          <a:xfrm>
+            <a:off x="6573520" y="2214058"/>
+            <a:ext cx="264160" cy="182880"/>
+          </a:xfrm>
+          <a:prstGeom prst="ellipse">
+            <a:avLst/>
+          </a:prstGeom>
+          <a:solidFill>
+            <a:schemeClr val="accent1">
+              <a:alpha val="56000"/>
+            </a:schemeClr>
+          </a:solidFill>
+        </p:spPr>
+        <p:style>
+          <a:lnRef idx="2">
+            <a:schemeClr val="accent1">
+              <a:shade val="50000"/>
+            </a:schemeClr>
+          </a:lnRef>
+          <a:fillRef idx="1">
+            <a:schemeClr val="accent1"/>
+          </a:fillRef>
+          <a:effectRef idx="0">
+            <a:schemeClr val="accent1"/>
+          </a:effectRef>
+          <a:fontRef idx="minor">
+            <a:schemeClr val="lt1"/>
+          </a:fontRef>
+        </p:style>
+        <p:txBody>
+          <a:bodyPr rtlCol="0" anchor="ctr"/>
+          <a:lstStyle/>
+          <a:p>
+            <a:pPr algn="ctr"/>
+            <a:endParaRPr lang="en-US" dirty="0"/>
+          </a:p>
+        </p:txBody>
+      </p:sp>
+      <p:sp>
+        <p:nvSpPr>
+          <p:cNvPr id="17" name="Oval 16">
+            <a:extLst>
+              <a:ext uri="{FF2B5EF4-FFF2-40B4-BE49-F238E27FC236}">
+                <a16:creationId xmlns:a16="http://schemas.microsoft.com/office/drawing/2014/main" id="{4F8C8201-DCC0-4A3A-8108-17BB202CB6C7}"/>
+              </a:ext>
+            </a:extLst>
+          </p:cNvPr>
+          <p:cNvSpPr/>
+          <p:nvPr/>
+        </p:nvSpPr>
+        <p:spPr>
+          <a:xfrm>
+            <a:off x="6643557" y="3071988"/>
+            <a:ext cx="223520" cy="182880"/>
+          </a:xfrm>
+          <a:prstGeom prst="ellipse">
+            <a:avLst/>
+          </a:prstGeom>
+          <a:solidFill>
+            <a:schemeClr val="accent1">
+              <a:alpha val="56000"/>
+            </a:schemeClr>
+          </a:solidFill>
+        </p:spPr>
+        <p:style>
+          <a:lnRef idx="2">
+            <a:schemeClr val="accent1">
+              <a:shade val="50000"/>
+            </a:schemeClr>
+          </a:lnRef>
+          <a:fillRef idx="1">
+            <a:schemeClr val="accent1"/>
+          </a:fillRef>
+          <a:effectRef idx="0">
+            <a:schemeClr val="accent1"/>
+          </a:effectRef>
+          <a:fontRef idx="minor">
+            <a:schemeClr val="lt1"/>
+          </a:fontRef>
+        </p:style>
+        <p:txBody>
+          <a:bodyPr rtlCol="0" anchor="ctr"/>
+          <a:lstStyle/>
+          <a:p>
+            <a:pPr algn="ctr"/>
+            <a:endParaRPr lang="en-US" dirty="0"/>
+          </a:p>
+        </p:txBody>
+      </p:sp>
+      <p:sp>
+        <p:nvSpPr>
+          <p:cNvPr id="18" name="Oval 17">
+            <a:extLst>
+              <a:ext uri="{FF2B5EF4-FFF2-40B4-BE49-F238E27FC236}">
+                <a16:creationId xmlns:a16="http://schemas.microsoft.com/office/drawing/2014/main" id="{597C8FD6-7DFD-47B1-80F7-2268FBB0678E}"/>
+              </a:ext>
+            </a:extLst>
+          </p:cNvPr>
+          <p:cNvSpPr/>
+          <p:nvPr/>
+        </p:nvSpPr>
+        <p:spPr>
+          <a:xfrm>
+            <a:off x="9562094" y="3126400"/>
+            <a:ext cx="223520" cy="182880"/>
+          </a:xfrm>
+          <a:prstGeom prst="ellipse">
+            <a:avLst/>
+          </a:prstGeom>
+          <a:solidFill>
+            <a:schemeClr val="accent1">
+              <a:alpha val="56000"/>
+            </a:schemeClr>
+          </a:solidFill>
+        </p:spPr>
+        <p:style>
+          <a:lnRef idx="2">
+            <a:schemeClr val="accent1">
+              <a:shade val="50000"/>
+            </a:schemeClr>
+          </a:lnRef>
+          <a:fillRef idx="1">
+            <a:schemeClr val="accent1"/>
+          </a:fillRef>
+          <a:effectRef idx="0">
+            <a:schemeClr val="accent1"/>
+          </a:effectRef>
+          <a:fontRef idx="minor">
+            <a:schemeClr val="lt1"/>
+          </a:fontRef>
+        </p:style>
+        <p:txBody>
+          <a:bodyPr rtlCol="0" anchor="ctr"/>
+          <a:lstStyle/>
+          <a:p>
+            <a:pPr algn="ctr"/>
+            <a:endParaRPr lang="en-US" dirty="0"/>
+          </a:p>
+        </p:txBody>
+      </p:sp>
+      <p:sp>
+        <p:nvSpPr>
+          <p:cNvPr id="19" name="Oval 18">
+            <a:extLst>
+              <a:ext uri="{FF2B5EF4-FFF2-40B4-BE49-F238E27FC236}">
+                <a16:creationId xmlns:a16="http://schemas.microsoft.com/office/drawing/2014/main" id="{AAEC497B-93A8-46C3-A7FB-5377A959F62A}"/>
+              </a:ext>
+            </a:extLst>
+          </p:cNvPr>
+          <p:cNvSpPr/>
+          <p:nvPr/>
+        </p:nvSpPr>
+        <p:spPr>
+          <a:xfrm>
+            <a:off x="9497967" y="2824619"/>
+            <a:ext cx="264160" cy="182880"/>
+          </a:xfrm>
+          <a:prstGeom prst="ellipse">
+            <a:avLst/>
+          </a:prstGeom>
+          <a:solidFill>
+            <a:schemeClr val="accent1">
+              <a:alpha val="56000"/>
+            </a:schemeClr>
+          </a:solidFill>
+        </p:spPr>
+        <p:style>
+          <a:lnRef idx="2">
+            <a:schemeClr val="accent1">
+              <a:shade val="50000"/>
+            </a:schemeClr>
+          </a:lnRef>
+          <a:fillRef idx="1">
+            <a:schemeClr val="accent1"/>
+          </a:fillRef>
+          <a:effectRef idx="0">
+            <a:schemeClr val="accent1"/>
+          </a:effectRef>
+          <a:fontRef idx="minor">
+            <a:schemeClr val="lt1"/>
+          </a:fontRef>
+        </p:style>
+        <p:txBody>
+          <a:bodyPr rtlCol="0" anchor="ctr"/>
+          <a:lstStyle/>
+          <a:p>
+            <a:pPr algn="ctr"/>
+            <a:endParaRPr lang="en-US" dirty="0"/>
+          </a:p>
+        </p:txBody>
+      </p:sp>
+      <p:sp>
+        <p:nvSpPr>
+          <p:cNvPr id="20" name="Oval 19">
+            <a:extLst>
+              <a:ext uri="{FF2B5EF4-FFF2-40B4-BE49-F238E27FC236}">
+                <a16:creationId xmlns:a16="http://schemas.microsoft.com/office/drawing/2014/main" id="{B07222FB-0C82-47AA-9CE5-00D10127226E}"/>
+              </a:ext>
+            </a:extLst>
+          </p:cNvPr>
+          <p:cNvSpPr/>
+          <p:nvPr/>
+        </p:nvSpPr>
+        <p:spPr>
+          <a:xfrm>
+            <a:off x="6572437" y="769703"/>
+            <a:ext cx="223520" cy="182880"/>
+          </a:xfrm>
+          <a:prstGeom prst="ellipse">
+            <a:avLst/>
+          </a:prstGeom>
+          <a:solidFill>
+            <a:srgbClr val="5DAAB0">
+              <a:alpha val="56000"/>
+            </a:srgbClr>
+          </a:solidFill>
+          <a:ln>
+            <a:solidFill>
+              <a:schemeClr val="bg2">
+                <a:lumMod val="75000"/>
+              </a:schemeClr>
+            </a:solidFill>
+          </a:ln>
+        </p:spPr>
+        <p:style>
+          <a:lnRef idx="2">
+            <a:schemeClr val="accent1">
+              <a:shade val="50000"/>
+            </a:schemeClr>
+          </a:lnRef>
+          <a:fillRef idx="1">
+            <a:schemeClr val="accent1"/>
+          </a:fillRef>
+          <a:effectRef idx="0">
+            <a:schemeClr val="accent1"/>
+          </a:effectRef>
+          <a:fontRef idx="minor">
+            <a:schemeClr val="lt1"/>
+          </a:fontRef>
+        </p:style>
+        <p:txBody>
+          <a:bodyPr rtlCol="0" anchor="ctr"/>
+          <a:lstStyle/>
+          <a:p>
+            <a:pPr algn="ctr"/>
+            <a:endParaRPr lang="en-US" dirty="0"/>
+          </a:p>
+        </p:txBody>
+      </p:sp>
+      <p:sp>
+        <p:nvSpPr>
+          <p:cNvPr id="23" name="Oval 22">
+            <a:extLst>
+              <a:ext uri="{FF2B5EF4-FFF2-40B4-BE49-F238E27FC236}">
+                <a16:creationId xmlns:a16="http://schemas.microsoft.com/office/drawing/2014/main" id="{A52EDB89-E2F6-447F-92F6-DA372ABDB548}"/>
+              </a:ext>
+            </a:extLst>
+          </p:cNvPr>
+          <p:cNvSpPr/>
+          <p:nvPr/>
+        </p:nvSpPr>
+        <p:spPr>
+          <a:xfrm>
+            <a:off x="6494068" y="452682"/>
+            <a:ext cx="301889" cy="182880"/>
+          </a:xfrm>
+          <a:prstGeom prst="ellipse">
+            <a:avLst/>
+          </a:prstGeom>
+          <a:solidFill>
+            <a:schemeClr val="bg2">
+              <a:lumMod val="50000"/>
+              <a:alpha val="56000"/>
+            </a:schemeClr>
+          </a:solidFill>
+        </p:spPr>
+        <p:style>
+          <a:lnRef idx="2">
+            <a:schemeClr val="accent1">
+              <a:shade val="50000"/>
+            </a:schemeClr>
+          </a:lnRef>
+          <a:fillRef idx="1">
+            <a:schemeClr val="accent1"/>
+          </a:fillRef>
+          <a:effectRef idx="0">
+            <a:schemeClr val="accent1"/>
+          </a:effectRef>
+          <a:fontRef idx="minor">
+            <a:schemeClr val="lt1"/>
+          </a:fontRef>
+        </p:style>
+        <p:txBody>
+          <a:bodyPr rtlCol="0" anchor="ctr"/>
+          <a:lstStyle/>
+          <a:p>
+            <a:pPr algn="ctr"/>
+            <a:endParaRPr lang="en-US" dirty="0"/>
+          </a:p>
+        </p:txBody>
+      </p:sp>
+      <p:sp>
+        <p:nvSpPr>
+          <p:cNvPr id="24" name="Oval 23">
+            <a:extLst>
+              <a:ext uri="{FF2B5EF4-FFF2-40B4-BE49-F238E27FC236}">
+                <a16:creationId xmlns:a16="http://schemas.microsoft.com/office/drawing/2014/main" id="{C45F4D67-6C96-4867-AFD5-26944894B643}"/>
+              </a:ext>
+            </a:extLst>
+          </p:cNvPr>
+          <p:cNvSpPr/>
+          <p:nvPr/>
+        </p:nvSpPr>
+        <p:spPr>
+          <a:xfrm>
+            <a:off x="9508127" y="386087"/>
+            <a:ext cx="223520" cy="182880"/>
+          </a:xfrm>
+          <a:prstGeom prst="ellipse">
+            <a:avLst/>
+          </a:prstGeom>
+          <a:solidFill>
+            <a:srgbClr val="5DAAB0">
+              <a:alpha val="56000"/>
+            </a:srgbClr>
+          </a:solidFill>
+          <a:ln>
+            <a:solidFill>
+              <a:schemeClr val="bg2">
+                <a:lumMod val="75000"/>
+              </a:schemeClr>
+            </a:solidFill>
+          </a:ln>
+        </p:spPr>
+        <p:style>
+          <a:lnRef idx="2">
+            <a:schemeClr val="accent1">
+              <a:shade val="50000"/>
+            </a:schemeClr>
+          </a:lnRef>
+          <a:fillRef idx="1">
+            <a:schemeClr val="accent1"/>
+          </a:fillRef>
+          <a:effectRef idx="0">
+            <a:schemeClr val="accent1"/>
+          </a:effectRef>
+          <a:fontRef idx="minor">
+            <a:schemeClr val="lt1"/>
+          </a:fontRef>
+        </p:style>
+        <p:txBody>
+          <a:bodyPr rtlCol="0" anchor="ctr"/>
+          <a:lstStyle/>
+          <a:p>
+            <a:pPr algn="ctr"/>
+            <a:endParaRPr lang="en-US" dirty="0"/>
+          </a:p>
+        </p:txBody>
+      </p:sp>
+      <p:sp>
+        <p:nvSpPr>
+          <p:cNvPr id="25" name="Oval 24">
+            <a:extLst>
+              <a:ext uri="{FF2B5EF4-FFF2-40B4-BE49-F238E27FC236}">
+                <a16:creationId xmlns:a16="http://schemas.microsoft.com/office/drawing/2014/main" id="{21420A43-6037-4CD7-B2FB-FE441149BA3F}"/>
+              </a:ext>
+            </a:extLst>
+          </p:cNvPr>
+          <p:cNvSpPr/>
+          <p:nvPr/>
+        </p:nvSpPr>
+        <p:spPr>
+          <a:xfrm>
+            <a:off x="9569753" y="2535059"/>
+            <a:ext cx="223520" cy="182880"/>
+          </a:xfrm>
+          <a:prstGeom prst="ellipse">
+            <a:avLst/>
+          </a:prstGeom>
+          <a:solidFill>
+            <a:srgbClr val="5DAAB0">
+              <a:alpha val="56000"/>
+            </a:srgbClr>
+          </a:solidFill>
+          <a:ln>
+            <a:solidFill>
+              <a:schemeClr val="bg2">
+                <a:lumMod val="75000"/>
+              </a:schemeClr>
+            </a:solidFill>
+          </a:ln>
+        </p:spPr>
+        <p:style>
+          <a:lnRef idx="2">
+            <a:schemeClr val="accent1">
+              <a:shade val="50000"/>
+            </a:schemeClr>
+          </a:lnRef>
+          <a:fillRef idx="1">
+            <a:schemeClr val="accent1"/>
+          </a:fillRef>
+          <a:effectRef idx="0">
+            <a:schemeClr val="accent1"/>
+          </a:effectRef>
+          <a:fontRef idx="minor">
+            <a:schemeClr val="lt1"/>
+          </a:fontRef>
+        </p:style>
+        <p:txBody>
+          <a:bodyPr rtlCol="0" anchor="ctr"/>
+          <a:lstStyle/>
+          <a:p>
+            <a:pPr algn="ctr"/>
+            <a:endParaRPr lang="en-US" dirty="0"/>
+          </a:p>
+        </p:txBody>
+      </p:sp>
+      <p:sp>
+        <p:nvSpPr>
+          <p:cNvPr id="26" name="Oval 25">
+            <a:extLst>
+              <a:ext uri="{FF2B5EF4-FFF2-40B4-BE49-F238E27FC236}">
+                <a16:creationId xmlns:a16="http://schemas.microsoft.com/office/drawing/2014/main" id="{89947F25-C92D-4272-ADA6-1C59CF5C7750}"/>
+              </a:ext>
+            </a:extLst>
+          </p:cNvPr>
+          <p:cNvSpPr/>
+          <p:nvPr/>
+        </p:nvSpPr>
+        <p:spPr>
+          <a:xfrm>
+            <a:off x="6573520" y="2792657"/>
+            <a:ext cx="301889" cy="182880"/>
+          </a:xfrm>
+          <a:prstGeom prst="ellipse">
+            <a:avLst/>
+          </a:prstGeom>
+          <a:solidFill>
+            <a:schemeClr val="bg2">
+              <a:lumMod val="50000"/>
+              <a:alpha val="56000"/>
+            </a:schemeClr>
+          </a:solidFill>
+        </p:spPr>
+        <p:style>
+          <a:lnRef idx="2">
+            <a:schemeClr val="accent1">
+              <a:shade val="50000"/>
+            </a:schemeClr>
+          </a:lnRef>
+          <a:fillRef idx="1">
+            <a:schemeClr val="accent1"/>
+          </a:fillRef>
+          <a:effectRef idx="0">
+            <a:schemeClr val="accent1"/>
+          </a:effectRef>
+          <a:fontRef idx="minor">
+            <a:schemeClr val="lt1"/>
+          </a:fontRef>
+        </p:style>
+        <p:txBody>
+          <a:bodyPr rtlCol="0" anchor="ctr"/>
+          <a:lstStyle/>
+          <a:p>
+            <a:pPr algn="ctr"/>
+            <a:endParaRPr lang="en-US" dirty="0"/>
+          </a:p>
+        </p:txBody>
+      </p:sp>
+      <p:sp>
+        <p:nvSpPr>
+          <p:cNvPr id="27" name="Oval 26">
+            <a:extLst>
+              <a:ext uri="{FF2B5EF4-FFF2-40B4-BE49-F238E27FC236}">
+                <a16:creationId xmlns:a16="http://schemas.microsoft.com/office/drawing/2014/main" id="{3B8C69D6-B140-442C-89FC-B3E732E94D0A}"/>
+              </a:ext>
+            </a:extLst>
+          </p:cNvPr>
+          <p:cNvSpPr/>
+          <p:nvPr/>
+        </p:nvSpPr>
+        <p:spPr>
+          <a:xfrm>
+            <a:off x="9328329" y="5929133"/>
+            <a:ext cx="295732" cy="159247"/>
+          </a:xfrm>
+          <a:prstGeom prst="ellipse">
+            <a:avLst/>
+          </a:prstGeom>
+          <a:solidFill>
+            <a:schemeClr val="bg2">
+              <a:lumMod val="50000"/>
+              <a:alpha val="56000"/>
+            </a:schemeClr>
+          </a:solidFill>
+        </p:spPr>
+        <p:style>
+          <a:lnRef idx="2">
+            <a:schemeClr val="accent1">
+              <a:shade val="50000"/>
+            </a:schemeClr>
+          </a:lnRef>
+          <a:fillRef idx="1">
+            <a:schemeClr val="accent1"/>
+          </a:fillRef>
+          <a:effectRef idx="0">
+            <a:schemeClr val="accent1"/>
+          </a:effectRef>
+          <a:fontRef idx="minor">
+            <a:schemeClr val="lt1"/>
+          </a:fontRef>
+        </p:style>
+        <p:txBody>
+          <a:bodyPr rtlCol="0" anchor="ctr"/>
+          <a:lstStyle/>
+          <a:p>
+            <a:pPr algn="ctr"/>
+            <a:endParaRPr lang="en-US" dirty="0"/>
+          </a:p>
+        </p:txBody>
+      </p:sp>
+      <p:sp>
+        <p:nvSpPr>
+          <p:cNvPr id="28" name="Oval 27">
+            <a:extLst>
+              <a:ext uri="{FF2B5EF4-FFF2-40B4-BE49-F238E27FC236}">
+                <a16:creationId xmlns:a16="http://schemas.microsoft.com/office/drawing/2014/main" id="{B52AAC05-EBA9-4C4D-96E6-236582D2B69E}"/>
+              </a:ext>
+            </a:extLst>
+          </p:cNvPr>
+          <p:cNvSpPr/>
+          <p:nvPr/>
+        </p:nvSpPr>
+        <p:spPr>
+          <a:xfrm>
+            <a:off x="9513834" y="1040541"/>
+            <a:ext cx="223520" cy="182880"/>
+          </a:xfrm>
+          <a:prstGeom prst="ellipse">
+            <a:avLst/>
+          </a:prstGeom>
+          <a:solidFill>
+            <a:schemeClr val="accent2">
+              <a:lumMod val="50000"/>
+              <a:lumOff val="50000"/>
+              <a:alpha val="56000"/>
+            </a:schemeClr>
+          </a:solidFill>
+          <a:ln>
+            <a:solidFill>
+              <a:schemeClr val="bg2">
+                <a:lumMod val="75000"/>
+              </a:schemeClr>
+            </a:solidFill>
+          </a:ln>
+        </p:spPr>
+        <p:style>
+          <a:lnRef idx="2">
+            <a:schemeClr val="accent1">
+              <a:shade val="50000"/>
+            </a:schemeClr>
+          </a:lnRef>
+          <a:fillRef idx="1">
+            <a:schemeClr val="accent1"/>
+          </a:fillRef>
+          <a:effectRef idx="0">
+            <a:schemeClr val="accent1"/>
+          </a:effectRef>
+          <a:fontRef idx="minor">
+            <a:schemeClr val="lt1"/>
+          </a:fontRef>
+        </p:style>
+        <p:txBody>
+          <a:bodyPr rtlCol="0" anchor="ctr"/>
+          <a:lstStyle/>
+          <a:p>
+            <a:pPr algn="ctr"/>
+            <a:endParaRPr lang="en-US" dirty="0"/>
+          </a:p>
+        </p:txBody>
+      </p:sp>
+      <p:sp>
+        <p:nvSpPr>
+          <p:cNvPr id="29" name="Oval 28">
+            <a:extLst>
+              <a:ext uri="{FF2B5EF4-FFF2-40B4-BE49-F238E27FC236}">
+                <a16:creationId xmlns:a16="http://schemas.microsoft.com/office/drawing/2014/main" id="{D6A1DF66-BAB2-4074-853C-81AC8F5CFD47}"/>
+              </a:ext>
+            </a:extLst>
+          </p:cNvPr>
+          <p:cNvSpPr/>
+          <p:nvPr/>
+        </p:nvSpPr>
+        <p:spPr>
+          <a:xfrm>
+            <a:off x="9538607" y="2229539"/>
+            <a:ext cx="223520" cy="182880"/>
+          </a:xfrm>
+          <a:prstGeom prst="ellipse">
+            <a:avLst/>
+          </a:prstGeom>
+          <a:solidFill>
+            <a:schemeClr val="accent2">
+              <a:lumMod val="50000"/>
+              <a:lumOff val="50000"/>
+              <a:alpha val="56000"/>
+            </a:schemeClr>
+          </a:solidFill>
+          <a:ln>
+            <a:solidFill>
+              <a:schemeClr val="bg2">
+                <a:lumMod val="75000"/>
+              </a:schemeClr>
+            </a:solidFill>
+          </a:ln>
+        </p:spPr>
+        <p:style>
+          <a:lnRef idx="2">
+            <a:schemeClr val="accent1">
+              <a:shade val="50000"/>
+            </a:schemeClr>
+          </a:lnRef>
+          <a:fillRef idx="1">
+            <a:schemeClr val="accent1"/>
+          </a:fillRef>
+          <a:effectRef idx="0">
+            <a:schemeClr val="accent1"/>
+          </a:effectRef>
+          <a:fontRef idx="minor">
+            <a:schemeClr val="lt1"/>
+          </a:fontRef>
+        </p:style>
+        <p:txBody>
+          <a:bodyPr rtlCol="0" anchor="ctr"/>
+          <a:lstStyle/>
+          <a:p>
+            <a:pPr algn="ctr"/>
+            <a:endParaRPr lang="en-US" dirty="0"/>
+          </a:p>
+        </p:txBody>
+      </p:sp>
+      <p:sp>
+        <p:nvSpPr>
+          <p:cNvPr id="30" name="Oval 29">
+            <a:extLst>
+              <a:ext uri="{FF2B5EF4-FFF2-40B4-BE49-F238E27FC236}">
+                <a16:creationId xmlns:a16="http://schemas.microsoft.com/office/drawing/2014/main" id="{AD3DAEFD-D1C5-413C-B1BC-ABD4E1B77F68}"/>
+              </a:ext>
+            </a:extLst>
+          </p:cNvPr>
+          <p:cNvSpPr/>
+          <p:nvPr/>
+        </p:nvSpPr>
+        <p:spPr>
+          <a:xfrm>
+            <a:off x="6651889" y="2513326"/>
+            <a:ext cx="223520" cy="182880"/>
+          </a:xfrm>
+          <a:prstGeom prst="ellipse">
+            <a:avLst/>
+          </a:prstGeom>
+          <a:solidFill>
+            <a:schemeClr val="accent2">
+              <a:lumMod val="50000"/>
+              <a:lumOff val="50000"/>
+              <a:alpha val="56000"/>
+            </a:schemeClr>
+          </a:solidFill>
+          <a:ln>
+            <a:solidFill>
+              <a:schemeClr val="bg2">
+                <a:lumMod val="75000"/>
+              </a:schemeClr>
+            </a:solidFill>
+          </a:ln>
+        </p:spPr>
+        <p:style>
+          <a:lnRef idx="2">
+            <a:schemeClr val="accent1">
+              <a:shade val="50000"/>
+            </a:schemeClr>
+          </a:lnRef>
+          <a:fillRef idx="1">
+            <a:schemeClr val="accent1"/>
+          </a:fillRef>
+          <a:effectRef idx="0">
+            <a:schemeClr val="accent1"/>
+          </a:effectRef>
+          <a:fontRef idx="minor">
+            <a:schemeClr val="lt1"/>
+          </a:fontRef>
+        </p:style>
+        <p:txBody>
+          <a:bodyPr rtlCol="0" anchor="ctr"/>
+          <a:lstStyle/>
+          <a:p>
+            <a:pPr algn="ctr"/>
+            <a:endParaRPr lang="en-US" dirty="0"/>
+          </a:p>
+        </p:txBody>
+      </p:sp>
+      <p:sp>
+        <p:nvSpPr>
+          <p:cNvPr id="31" name="Oval 30">
+            <a:extLst>
+              <a:ext uri="{FF2B5EF4-FFF2-40B4-BE49-F238E27FC236}">
+                <a16:creationId xmlns:a16="http://schemas.microsoft.com/office/drawing/2014/main" id="{0F565CF8-625C-4539-A1CA-4C55FAADFFAD}"/>
+              </a:ext>
+            </a:extLst>
+          </p:cNvPr>
+          <p:cNvSpPr/>
+          <p:nvPr/>
+        </p:nvSpPr>
+        <p:spPr>
+          <a:xfrm>
+            <a:off x="9513834" y="704901"/>
+            <a:ext cx="223520" cy="182880"/>
+          </a:xfrm>
+          <a:prstGeom prst="ellipse">
+            <a:avLst/>
+          </a:prstGeom>
+          <a:solidFill>
+            <a:schemeClr val="accent2">
+              <a:lumMod val="25000"/>
+              <a:lumOff val="75000"/>
+              <a:alpha val="56000"/>
+            </a:schemeClr>
+          </a:solidFill>
+          <a:ln>
+            <a:solidFill>
+              <a:schemeClr val="bg2">
+                <a:lumMod val="75000"/>
+              </a:schemeClr>
+            </a:solidFill>
+          </a:ln>
+        </p:spPr>
+        <p:style>
+          <a:lnRef idx="2">
+            <a:schemeClr val="accent1">
+              <a:shade val="50000"/>
+            </a:schemeClr>
+          </a:lnRef>
+          <a:fillRef idx="1">
+            <a:schemeClr val="accent1"/>
+          </a:fillRef>
+          <a:effectRef idx="0">
+            <a:schemeClr val="accent1"/>
+          </a:effectRef>
+          <a:fontRef idx="minor">
+            <a:schemeClr val="lt1"/>
+          </a:fontRef>
+        </p:style>
+        <p:txBody>
+          <a:bodyPr rtlCol="0" anchor="ctr"/>
+          <a:lstStyle/>
+          <a:p>
+            <a:pPr algn="ctr"/>
+            <a:endParaRPr lang="en-US" dirty="0"/>
+          </a:p>
+        </p:txBody>
+      </p:sp>
+      <p:sp>
+        <p:nvSpPr>
+          <p:cNvPr id="32" name="Oval 31">
+            <a:extLst>
+              <a:ext uri="{FF2B5EF4-FFF2-40B4-BE49-F238E27FC236}">
+                <a16:creationId xmlns:a16="http://schemas.microsoft.com/office/drawing/2014/main" id="{E9B9A5EF-27DA-434B-A6CC-067D0C137BEA}"/>
+              </a:ext>
+            </a:extLst>
+          </p:cNvPr>
+          <p:cNvSpPr/>
+          <p:nvPr/>
+        </p:nvSpPr>
+        <p:spPr>
+          <a:xfrm>
+            <a:off x="6014720" y="5518248"/>
+            <a:ext cx="223520" cy="182880"/>
+          </a:xfrm>
+          <a:prstGeom prst="ellipse">
+            <a:avLst/>
+          </a:prstGeom>
+          <a:solidFill>
+            <a:schemeClr val="accent2">
+              <a:lumMod val="25000"/>
+              <a:lumOff val="75000"/>
+              <a:alpha val="56000"/>
+            </a:schemeClr>
+          </a:solidFill>
+          <a:ln>
+            <a:solidFill>
+              <a:schemeClr val="bg2">
+                <a:lumMod val="75000"/>
+              </a:schemeClr>
+            </a:solidFill>
+          </a:ln>
+        </p:spPr>
+        <p:style>
+          <a:lnRef idx="2">
+            <a:schemeClr val="accent1">
+              <a:shade val="50000"/>
+            </a:schemeClr>
+          </a:lnRef>
+          <a:fillRef idx="1">
+            <a:schemeClr val="accent1"/>
+          </a:fillRef>
+          <a:effectRef idx="0">
+            <a:schemeClr val="accent1"/>
+          </a:effectRef>
+          <a:fontRef idx="minor">
+            <a:schemeClr val="lt1"/>
+          </a:fontRef>
+        </p:style>
+        <p:txBody>
+          <a:bodyPr rtlCol="0" anchor="ctr"/>
+          <a:lstStyle/>
+          <a:p>
+            <a:pPr algn="ctr"/>
+            <a:endParaRPr lang="en-US" dirty="0"/>
+          </a:p>
+        </p:txBody>
+      </p:sp>
+      <p:sp>
+        <p:nvSpPr>
+          <p:cNvPr id="33" name="Oval 32">
+            <a:extLst>
+              <a:ext uri="{FF2B5EF4-FFF2-40B4-BE49-F238E27FC236}">
+                <a16:creationId xmlns:a16="http://schemas.microsoft.com/office/drawing/2014/main" id="{6094DB27-D3BE-42A7-B80A-ABE1E9AC4217}"/>
+              </a:ext>
+            </a:extLst>
+          </p:cNvPr>
+          <p:cNvSpPr/>
+          <p:nvPr/>
+        </p:nvSpPr>
+        <p:spPr>
+          <a:xfrm>
+            <a:off x="1046245" y="3597051"/>
+            <a:ext cx="1156474" cy="1014967"/>
+          </a:xfrm>
+          <a:prstGeom prst="ellipse">
+            <a:avLst/>
+          </a:prstGeom>
+          <a:solidFill>
+            <a:schemeClr val="accent1">
+              <a:alpha val="56000"/>
+            </a:schemeClr>
+          </a:solidFill>
+        </p:spPr>
+        <p:style>
+          <a:lnRef idx="2">
+            <a:schemeClr val="accent1">
+              <a:shade val="50000"/>
+            </a:schemeClr>
+          </a:lnRef>
+          <a:fillRef idx="1">
+            <a:schemeClr val="accent1"/>
+          </a:fillRef>
+          <a:effectRef idx="0">
+            <a:schemeClr val="accent1"/>
+          </a:effectRef>
+          <a:fontRef idx="minor">
+            <a:schemeClr val="lt1"/>
+          </a:fontRef>
+        </p:style>
+        <p:txBody>
+          <a:bodyPr rtlCol="0" anchor="ctr"/>
+          <a:lstStyle/>
+          <a:p>
+            <a:pPr algn="ctr"/>
+            <a:endParaRPr lang="en-US" sz="800" b="1" dirty="0">
+              <a:latin typeface="Arial Narrow" panose="020B0606020202030204" pitchFamily="34" charset="0"/>
+            </a:endParaRPr>
+          </a:p>
+        </p:txBody>
+      </p:sp>
+      <p:sp>
+        <p:nvSpPr>
+          <p:cNvPr id="34" name="Oval 33">
+            <a:extLst>
+              <a:ext uri="{FF2B5EF4-FFF2-40B4-BE49-F238E27FC236}">
+                <a16:creationId xmlns:a16="http://schemas.microsoft.com/office/drawing/2014/main" id="{804A3018-6071-4161-A787-8B3AFFD35215}"/>
+              </a:ext>
+            </a:extLst>
+          </p:cNvPr>
+          <p:cNvSpPr/>
+          <p:nvPr/>
+        </p:nvSpPr>
+        <p:spPr>
+          <a:xfrm>
+            <a:off x="2416059" y="3602508"/>
+            <a:ext cx="1196600" cy="1014967"/>
+          </a:xfrm>
+          <a:prstGeom prst="ellipse">
+            <a:avLst/>
+          </a:prstGeom>
+          <a:solidFill>
+            <a:srgbClr val="5DAAB0">
+              <a:alpha val="56000"/>
+            </a:srgbClr>
+          </a:solidFill>
+          <a:ln>
+            <a:solidFill>
+              <a:schemeClr val="bg2">
+                <a:lumMod val="75000"/>
+              </a:schemeClr>
+            </a:solidFill>
+          </a:ln>
+        </p:spPr>
+        <p:style>
+          <a:lnRef idx="2">
+            <a:schemeClr val="accent1">
+              <a:shade val="50000"/>
+            </a:schemeClr>
+          </a:lnRef>
+          <a:fillRef idx="1">
+            <a:schemeClr val="accent1"/>
+          </a:fillRef>
+          <a:effectRef idx="0">
+            <a:schemeClr val="accent1"/>
+          </a:effectRef>
+          <a:fontRef idx="minor">
+            <a:schemeClr val="lt1"/>
+          </a:fontRef>
+        </p:style>
+        <p:txBody>
+          <a:bodyPr rtlCol="0" anchor="ctr"/>
+          <a:lstStyle/>
+          <a:p>
+            <a:pPr algn="ctr"/>
+            <a:endParaRPr lang="en-US" dirty="0"/>
+          </a:p>
+        </p:txBody>
+      </p:sp>
+      <p:sp>
+        <p:nvSpPr>
+          <p:cNvPr id="35" name="Oval 34">
+            <a:extLst>
+              <a:ext uri="{FF2B5EF4-FFF2-40B4-BE49-F238E27FC236}">
+                <a16:creationId xmlns:a16="http://schemas.microsoft.com/office/drawing/2014/main" id="{3E4A0D4D-BA4A-4D21-A607-7E802CFA0E53}"/>
+              </a:ext>
+            </a:extLst>
+          </p:cNvPr>
+          <p:cNvSpPr/>
+          <p:nvPr/>
+        </p:nvSpPr>
+        <p:spPr>
+          <a:xfrm>
+            <a:off x="3747462" y="3602509"/>
+            <a:ext cx="1204229" cy="979923"/>
+          </a:xfrm>
+          <a:prstGeom prst="ellipse">
+            <a:avLst/>
+          </a:prstGeom>
+          <a:solidFill>
+            <a:schemeClr val="accent2">
+              <a:lumMod val="50000"/>
+              <a:lumOff val="50000"/>
+              <a:alpha val="56000"/>
+            </a:schemeClr>
+          </a:solidFill>
+          <a:ln>
+            <a:solidFill>
+              <a:schemeClr val="bg2">
+                <a:lumMod val="75000"/>
+              </a:schemeClr>
+            </a:solidFill>
+          </a:ln>
+        </p:spPr>
+        <p:style>
+          <a:lnRef idx="2">
+            <a:schemeClr val="accent1">
+              <a:shade val="50000"/>
+            </a:schemeClr>
+          </a:lnRef>
+          <a:fillRef idx="1">
+            <a:schemeClr val="accent1"/>
+          </a:fillRef>
+          <a:effectRef idx="0">
+            <a:schemeClr val="accent1"/>
+          </a:effectRef>
+          <a:fontRef idx="minor">
+            <a:schemeClr val="lt1"/>
+          </a:fontRef>
+        </p:style>
+        <p:txBody>
+          <a:bodyPr rtlCol="0" anchor="ctr"/>
+          <a:lstStyle/>
+          <a:p>
+            <a:pPr algn="ctr"/>
+            <a:endParaRPr lang="en-US" dirty="0"/>
+          </a:p>
+        </p:txBody>
+      </p:sp>
+      <p:sp>
+        <p:nvSpPr>
+          <p:cNvPr id="36" name="TextBox 35">
+            <a:extLst>
+              <a:ext uri="{FF2B5EF4-FFF2-40B4-BE49-F238E27FC236}">
+                <a16:creationId xmlns:a16="http://schemas.microsoft.com/office/drawing/2014/main" id="{58593F53-BF21-4A8C-B002-DA49267059C5}"/>
+              </a:ext>
+            </a:extLst>
+          </p:cNvPr>
+          <p:cNvSpPr txBox="1"/>
+          <p:nvPr/>
+        </p:nvSpPr>
+        <p:spPr>
+          <a:xfrm>
+            <a:off x="1238302" y="3807392"/>
+            <a:ext cx="797789" cy="584775"/>
           </a:xfrm>
           <a:prstGeom prst="rect">
             <a:avLst/>
           </a:prstGeom>
           <a:noFill/>
         </p:spPr>
-      </p:pic>
-      <p:sp>
-        <p:nvSpPr>
-          <p:cNvPr id="13" name="TextBox 12">
-            <a:extLst>
-              <a:ext uri="{FF2B5EF4-FFF2-40B4-BE49-F238E27FC236}">
-                <a16:creationId xmlns:a16="http://schemas.microsoft.com/office/drawing/2014/main" id="{CCCAD86A-9D9E-430E-934E-8505D48095A0}"/>
+        <p:txBody>
+          <a:bodyPr wrap="square" rtlCol="0">
+            <a:spAutoFit/>
+          </a:bodyPr>
+          <a:lstStyle/>
+          <a:p>
+            <a:r>
+              <a:rPr lang="en-US" sz="3200" b="1" dirty="0"/>
+              <a:t>4/4</a:t>
+            </a:r>
+          </a:p>
+        </p:txBody>
+      </p:sp>
+      <p:sp>
+        <p:nvSpPr>
+          <p:cNvPr id="37" name="TextBox 36">
+            <a:extLst>
+              <a:ext uri="{FF2B5EF4-FFF2-40B4-BE49-F238E27FC236}">
+                <a16:creationId xmlns:a16="http://schemas.microsoft.com/office/drawing/2014/main" id="{1512EE73-0640-4A30-B781-9E719D3655ED}"/>
               </a:ext>
             </a:extLst>
           </p:cNvPr>
@@ -22809,8 +26048,8 @@
         </p:nvSpPr>
         <p:spPr>
           <a:xfrm>
-            <a:off x="2220686" y="6034331"/>
-            <a:ext cx="3584122" cy="584775"/>
+            <a:off x="2626455" y="3788927"/>
+            <a:ext cx="770826" cy="584775"/>
           </a:xfrm>
           <a:prstGeom prst="rect">
             <a:avLst/>
@@ -22825,17 +26064,17 @@
           <a:p>
             <a:r>
               <a:rPr lang="en-US" sz="3200" b="1" dirty="0"/>
-              <a:t>Toxic</a:t>
-            </a:r>
-          </a:p>
-        </p:txBody>
-      </p:sp>
-      <p:sp>
-        <p:nvSpPr>
-          <p:cNvPr id="14" name="TextBox 13">
-            <a:extLst>
-              <a:ext uri="{FF2B5EF4-FFF2-40B4-BE49-F238E27FC236}">
-                <a16:creationId xmlns:a16="http://schemas.microsoft.com/office/drawing/2014/main" id="{0C2B052B-DB93-4189-9FF1-CEF3641CCBB9}"/>
+              <a:t>3/4</a:t>
+            </a:r>
+          </a:p>
+        </p:txBody>
+      </p:sp>
+      <p:sp>
+        <p:nvSpPr>
+          <p:cNvPr id="38" name="TextBox 37">
+            <a:extLst>
+              <a:ext uri="{FF2B5EF4-FFF2-40B4-BE49-F238E27FC236}">
+                <a16:creationId xmlns:a16="http://schemas.microsoft.com/office/drawing/2014/main" id="{E54FBF1B-C3A3-42A0-B20C-28F872BCCFB8}"/>
               </a:ext>
             </a:extLst>
           </p:cNvPr>
@@ -22844,8 +26083,8 @@
         </p:nvSpPr>
         <p:spPr>
           <a:xfrm>
-            <a:off x="8299059" y="5949641"/>
-            <a:ext cx="3584122" cy="584775"/>
+            <a:off x="3981114" y="3752980"/>
+            <a:ext cx="847854" cy="584775"/>
           </a:xfrm>
           <a:prstGeom prst="rect">
             <a:avLst/>
@@ -22860,7 +26099,7 @@
           <a:p>
             <a:r>
               <a:rPr lang="en-US" sz="3200" b="1" dirty="0"/>
-              <a:t>Clean</a:t>
+              <a:t>3/4</a:t>
             </a:r>
           </a:p>
         </p:txBody>
@@ -22868,17 +26107,169 @@
     </p:spTree>
     <p:extLst>
       <p:ext uri="{BB962C8B-B14F-4D97-AF65-F5344CB8AC3E}">
-        <p14:creationId xmlns:p14="http://schemas.microsoft.com/office/powerpoint/2010/main" val="64979710"/>
+        <p14:creationId xmlns:p14="http://schemas.microsoft.com/office/powerpoint/2010/main" val="1223870253"/>
       </p:ext>
     </p:extLst>
   </p:cSld>
   <p:clrMapOvr>
     <a:masterClrMapping/>
   </p:clrMapOvr>
+  <p:timing>
+    <p:tnLst>
+      <p:par>
+        <p:cTn id="1" dur="indefinite" restart="never" nodeType="tmRoot">
+          <p:childTnLst>
+            <p:seq concurrent="1" nextAc="seek">
+              <p:cTn id="2" dur="indefinite" nodeType="mainSeq">
+                <p:childTnLst>
+                  <p:par>
+                    <p:cTn id="3" fill="hold">
+                      <p:stCondLst>
+                        <p:cond delay="indefinite"/>
+                      </p:stCondLst>
+                      <p:childTnLst>
+                        <p:par>
+                          <p:cTn id="4" fill="hold">
+                            <p:stCondLst>
+                              <p:cond delay="0"/>
+                            </p:stCondLst>
+                            <p:childTnLst>
+                              <p:par>
+                                <p:cTn id="5" presetID="1" presetClass="entr" presetSubtype="0" fill="hold" grpId="0" nodeType="clickEffect">
+                                  <p:stCondLst>
+                                    <p:cond delay="0"/>
+                                  </p:stCondLst>
+                                  <p:childTnLst>
+                                    <p:set>
+                                      <p:cBhvr>
+                                        <p:cTn id="6" dur="1" fill="hold">
+                                          <p:stCondLst>
+                                            <p:cond delay="0"/>
+                                          </p:stCondLst>
+                                        </p:cTn>
+                                        <p:tgtEl>
+                                          <p:spTgt spid="38"/>
+                                        </p:tgtEl>
+                                        <p:attrNameLst>
+                                          <p:attrName>style.visibility</p:attrName>
+                                        </p:attrNameLst>
+                                      </p:cBhvr>
+                                      <p:to>
+                                        <p:strVal val="visible"/>
+                                      </p:to>
+                                    </p:set>
+                                  </p:childTnLst>
+                                </p:cTn>
+                              </p:par>
+                              <p:par>
+                                <p:cTn id="7" presetID="1" presetClass="entr" presetSubtype="0" fill="hold" grpId="0" nodeType="withEffect">
+                                  <p:stCondLst>
+                                    <p:cond delay="0"/>
+                                  </p:stCondLst>
+                                  <p:childTnLst>
+                                    <p:set>
+                                      <p:cBhvr>
+                                        <p:cTn id="8" dur="1" fill="hold">
+                                          <p:stCondLst>
+                                            <p:cond delay="0"/>
+                                          </p:stCondLst>
+                                        </p:cTn>
+                                        <p:tgtEl>
+                                          <p:spTgt spid="37"/>
+                                        </p:tgtEl>
+                                        <p:attrNameLst>
+                                          <p:attrName>style.visibility</p:attrName>
+                                        </p:attrNameLst>
+                                      </p:cBhvr>
+                                      <p:to>
+                                        <p:strVal val="visible"/>
+                                      </p:to>
+                                    </p:set>
+                                  </p:childTnLst>
+                                </p:cTn>
+                              </p:par>
+                            </p:childTnLst>
+                          </p:cTn>
+                        </p:par>
+                      </p:childTnLst>
+                    </p:cTn>
+                  </p:par>
+                  <p:par>
+                    <p:cTn id="9" fill="hold">
+                      <p:stCondLst>
+                        <p:cond delay="indefinite"/>
+                      </p:stCondLst>
+                      <p:childTnLst>
+                        <p:par>
+                          <p:cTn id="10" fill="hold">
+                            <p:stCondLst>
+                              <p:cond delay="0"/>
+                            </p:stCondLst>
+                            <p:childTnLst>
+                              <p:par>
+                                <p:cTn id="11" presetID="1" presetClass="entr" presetSubtype="0" fill="hold" grpId="0" nodeType="clickEffect">
+                                  <p:stCondLst>
+                                    <p:cond delay="0"/>
+                                  </p:stCondLst>
+                                  <p:childTnLst>
+                                    <p:set>
+                                      <p:cBhvr>
+                                        <p:cTn id="12" dur="1" fill="hold">
+                                          <p:stCondLst>
+                                            <p:cond delay="0"/>
+                                          </p:stCondLst>
+                                        </p:cTn>
+                                        <p:tgtEl>
+                                          <p:spTgt spid="36"/>
+                                        </p:tgtEl>
+                                        <p:attrNameLst>
+                                          <p:attrName>style.visibility</p:attrName>
+                                        </p:attrNameLst>
+                                      </p:cBhvr>
+                                      <p:to>
+                                        <p:strVal val="visible"/>
+                                      </p:to>
+                                    </p:set>
+                                  </p:childTnLst>
+                                </p:cTn>
+                              </p:par>
+                            </p:childTnLst>
+                          </p:cTn>
+                        </p:par>
+                      </p:childTnLst>
+                    </p:cTn>
+                  </p:par>
+                </p:childTnLst>
+              </p:cTn>
+              <p:prevCondLst>
+                <p:cond evt="onPrev" delay="0">
+                  <p:tgtEl>
+                    <p:sldTgt/>
+                  </p:tgtEl>
+                </p:cond>
+              </p:prevCondLst>
+              <p:nextCondLst>
+                <p:cond evt="onNext" delay="0">
+                  <p:tgtEl>
+                    <p:sldTgt/>
+                  </p:tgtEl>
+                </p:cond>
+              </p:nextCondLst>
+            </p:seq>
+          </p:childTnLst>
+        </p:cTn>
+      </p:par>
+    </p:tnLst>
+    <p:bldLst>
+      <p:bldP spid="36" grpId="0"/>
+      <p:bldP spid="37" grpId="0"/>
+      <p:bldP spid="38" grpId="0"/>
+    </p:bldLst>
+  </p:timing>
 </p:sld>
 </file>
 
-<file path=ppt/slides/slide6.xml><?xml version="1.0" encoding="utf-8"?>
+<file path=ppt/slides/slide7.xml><?xml version="1.0" encoding="utf-8"?>
 <p:sld xmlns:a="http://schemas.openxmlformats.org/drawingml/2006/main" xmlns:r="http://schemas.openxmlformats.org/officeDocument/2006/relationships" xmlns:p="http://schemas.openxmlformats.org/presentationml/2006/main">
   <p:cSld>
     <p:spTree>
@@ -25540,7 +28931,7 @@
 </p:sld>
 </file>
 
-<file path=ppt/slides/slide7.xml><?xml version="1.0" encoding="utf-8"?>
+<file path=ppt/slides/slide8.xml><?xml version="1.0" encoding="utf-8"?>
 <p:sld xmlns:a="http://schemas.openxmlformats.org/drawingml/2006/main" xmlns:r="http://schemas.openxmlformats.org/officeDocument/2006/relationships" xmlns:p="http://schemas.openxmlformats.org/presentationml/2006/main">
   <p:cSld>
     <p:spTree>
@@ -25600,7 +28991,7 @@
           <p:nvPr/>
         </p:nvPicPr>
         <p:blipFill rotWithShape="1">
-          <a:blip r:embed="rId2" cstate="email">
+          <a:blip r:embed="rId3" cstate="email">
             <a:extLst>
               <a:ext uri="{28A0092B-C50C-407E-A947-70E740481C1C}">
                 <a14:useLocalDpi xmlns:a14="http://schemas.microsoft.com/office/drawing/2010/main"/>
@@ -25677,7 +29068,7 @@
                   <a:schemeClr val="bg1"/>
                 </a:solidFill>
               </a:rPr>
-              <a:t>100% of the time identified clean </a:t>
+              <a:t>99- 100% of the time identified </a:t>
             </a:r>
           </a:p>
           <a:p>
@@ -25687,7 +29078,7 @@
                   <a:schemeClr val="bg1"/>
                 </a:solidFill>
               </a:rPr>
-              <a:t>text</a:t>
+              <a:t>clean text</a:t>
             </a:r>
           </a:p>
           <a:p>
@@ -25724,7 +29115,7 @@
           <p:nvPr>
             <p:extLst>
               <p:ext uri="{D42A27DB-BD31-4B8C-83A1-F6EECF244321}">
-                <p14:modId xmlns:p14="http://schemas.microsoft.com/office/powerpoint/2010/main" val="3613635704"/>
+                <p14:modId xmlns:p14="http://schemas.microsoft.com/office/powerpoint/2010/main" val="3276809590"/>
               </p:ext>
             </p:extLst>
           </p:nvPr>
@@ -25974,7 +29365,7 @@
                           <a:effectLst/>
                           <a:latin typeface="Calibri" panose="020F0502020204030204" pitchFamily="34" charset="0"/>
                         </a:rPr>
-                        <a:t>67</a:t>
+                        <a:t>68</a:t>
                       </a:r>
                     </a:p>
                   </a:txBody>
@@ -26097,14 +29488,14 @@
                     <a:p>
                       <a:pPr algn="ctr" fontAlgn="b"/>
                       <a:r>
-                        <a:rPr lang="en-US" sz="800" b="0" i="0" u="none" strike="noStrike" dirty="0">
+                        <a:rPr lang="en-US" sz="1200" b="0" i="0" u="none" strike="noStrike" dirty="0">
                           <a:solidFill>
                             <a:srgbClr val="000000"/>
                           </a:solidFill>
                           <a:effectLst/>
                           <a:latin typeface="Calibri" panose="020F0502020204030204" pitchFamily="34" charset="0"/>
                         </a:rPr>
-                        <a:t>not enough samples</a:t>
+                        <a:t>39 </a:t>
                       </a:r>
                     </a:p>
                   </a:txBody>
@@ -26234,7 +29625,7 @@
                           <a:effectLst/>
                           <a:latin typeface="Calibri" panose="020F0502020204030204" pitchFamily="34" charset="0"/>
                         </a:rPr>
-                        <a:t>76</a:t>
+                        <a:t>78</a:t>
                       </a:r>
                     </a:p>
                   </a:txBody>
@@ -26364,7 +29755,7 @@
                           <a:effectLst/>
                           <a:latin typeface="Calibri" panose="020F0502020204030204" pitchFamily="34" charset="0"/>
                         </a:rPr>
-                        <a:t>not enough samples</a:t>
+                        <a:t>not enough samples </a:t>
                       </a:r>
                     </a:p>
                   </a:txBody>
@@ -26733,7 +30124,7 @@
           <p:nvPr/>
         </p:nvPicPr>
         <p:blipFill>
-          <a:blip r:embed="rId3"/>
+          <a:blip r:embed="rId4"/>
           <a:stretch>
             <a:fillRect/>
           </a:stretch>
@@ -26787,483 +30178,6 @@
     <p:extLst>
       <p:ext uri="{BB962C8B-B14F-4D97-AF65-F5344CB8AC3E}">
         <p14:creationId xmlns:p14="http://schemas.microsoft.com/office/powerpoint/2010/main" val="2408151303"/>
-      </p:ext>
-    </p:extLst>
-  </p:cSld>
-  <p:clrMapOvr>
-    <a:masterClrMapping/>
-  </p:clrMapOvr>
-</p:sld>
-</file>
-
-<file path=ppt/slides/slide8.xml><?xml version="1.0" encoding="utf-8"?>
-<p:sld xmlns:a="http://schemas.openxmlformats.org/drawingml/2006/main" xmlns:r="http://schemas.openxmlformats.org/officeDocument/2006/relationships" xmlns:p="http://schemas.openxmlformats.org/presentationml/2006/main">
-  <p:cSld>
-    <p:spTree>
-      <p:nvGrpSpPr>
-        <p:cNvPr id="1" name=""/>
-        <p:cNvGrpSpPr/>
-        <p:nvPr/>
-      </p:nvGrpSpPr>
-      <p:grpSpPr>
-        <a:xfrm>
-          <a:off x="0" y="0"/>
-          <a:ext cx="0" cy="0"/>
-          <a:chOff x="0" y="0"/>
-          <a:chExt cx="0" cy="0"/>
-        </a:xfrm>
-      </p:grpSpPr>
-      <p:pic>
-        <p:nvPicPr>
-          <p:cNvPr id="25" name="Picture Placeholder 8" title="Decorative">
-            <a:extLst>
-              <a:ext uri="{FF2B5EF4-FFF2-40B4-BE49-F238E27FC236}">
-                <a16:creationId xmlns:a16="http://schemas.microsoft.com/office/drawing/2014/main" id="{D74F7EF0-D38A-419F-A943-89F88B5B7A4C}"/>
-              </a:ext>
-            </a:extLst>
-          </p:cNvPr>
-          <p:cNvPicPr>
-            <a:picLocks noChangeAspect="1"/>
-          </p:cNvPicPr>
-          <p:nvPr/>
-        </p:nvPicPr>
-        <p:blipFill>
-          <a:blip r:embed="rId2" cstate="email">
-            <a:extLst>
-              <a:ext uri="{28A0092B-C50C-407E-A947-70E740481C1C}">
-                <a14:useLocalDpi xmlns:a14="http://schemas.microsoft.com/office/drawing/2010/main"/>
-              </a:ext>
-            </a:extLst>
-          </a:blip>
-          <a:srcRect/>
-          <a:stretch>
-            <a:fillRect/>
-          </a:stretch>
-        </p:blipFill>
-        <p:spPr>
-          <a:xfrm>
-            <a:off x="496029" y="618256"/>
-            <a:ext cx="2611637" cy="2376494"/>
-          </a:xfrm>
-          <a:prstGeom prst="rect">
-            <a:avLst/>
-          </a:prstGeom>
-        </p:spPr>
-      </p:pic>
-      <p:sp>
-        <p:nvSpPr>
-          <p:cNvPr id="10" name="Title 9">
-            <a:extLst>
-              <a:ext uri="{FF2B5EF4-FFF2-40B4-BE49-F238E27FC236}">
-                <a16:creationId xmlns:a16="http://schemas.microsoft.com/office/drawing/2014/main" id="{55D4DC6B-E774-4C3D-9238-F200BD832071}"/>
-              </a:ext>
-            </a:extLst>
-          </p:cNvPr>
-          <p:cNvSpPr>
-            <a:spLocks noGrp="1"/>
-          </p:cNvSpPr>
-          <p:nvPr>
-            <p:ph type="title"/>
-          </p:nvPr>
-        </p:nvSpPr>
-        <p:spPr>
-          <a:xfrm>
-            <a:off x="841057" y="2234610"/>
-            <a:ext cx="4008437" cy="1395208"/>
-          </a:xfrm>
-        </p:spPr>
-        <p:txBody>
-          <a:bodyPr anchor="b">
-            <a:normAutofit/>
-          </a:bodyPr>
-          <a:lstStyle/>
-          <a:p>
-            <a:r>
-              <a:rPr lang="en-US" sz="3700"/>
-              <a:t>Recommendations</a:t>
-            </a:r>
-          </a:p>
-        </p:txBody>
-      </p:sp>
-      <p:sp>
-        <p:nvSpPr>
-          <p:cNvPr id="11" name="Text Placeholder 10">
-            <a:extLst>
-              <a:ext uri="{FF2B5EF4-FFF2-40B4-BE49-F238E27FC236}">
-                <a16:creationId xmlns:a16="http://schemas.microsoft.com/office/drawing/2014/main" id="{B39CAC7D-23C7-4EA4-AEA8-97EFE6B7F9A2}"/>
-              </a:ext>
-            </a:extLst>
-          </p:cNvPr>
-          <p:cNvSpPr>
-            <a:spLocks noGrp="1"/>
-          </p:cNvSpPr>
-          <p:nvPr>
-            <p:ph type="body" sz="quarter" idx="12"/>
-          </p:nvPr>
-        </p:nvSpPr>
-        <p:spPr>
-          <a:xfrm>
-            <a:off x="841058" y="3695479"/>
-            <a:ext cx="4008437" cy="602887"/>
-          </a:xfrm>
-        </p:spPr>
-        <p:txBody>
-          <a:bodyPr anchor="t">
-            <a:normAutofit/>
-          </a:bodyPr>
-          <a:lstStyle/>
-          <a:p>
-            <a:r>
-              <a:rPr lang="en-US" dirty="0"/>
-              <a:t>So now what?:</a:t>
-            </a:r>
-          </a:p>
-        </p:txBody>
-      </p:sp>
-      <p:pic>
-        <p:nvPicPr>
-          <p:cNvPr id="14" name="Picture Placeholder 13" descr="Playbook">
-            <a:extLst>
-              <a:ext uri="{FF2B5EF4-FFF2-40B4-BE49-F238E27FC236}">
-                <a16:creationId xmlns:a16="http://schemas.microsoft.com/office/drawing/2014/main" id="{17DBA397-400A-4C4A-A061-CF21548A4FAB}"/>
-              </a:ext>
-            </a:extLst>
-          </p:cNvPr>
-          <p:cNvPicPr>
-            <a:picLocks noGrp="1" noChangeAspect="1"/>
-          </p:cNvPicPr>
-          <p:nvPr>
-            <p:ph type="pic" sz="quarter" idx="13"/>
-          </p:nvPr>
-        </p:nvPicPr>
-        <p:blipFill rotWithShape="1">
-          <a:blip r:embed="rId3">
-            <a:extLst>
-              <a:ext uri="{96DAC541-7B7A-43D3-8B79-37D633B846F1}">
-                <asvg:svgBlip xmlns:asvg="http://schemas.microsoft.com/office/drawing/2016/SVG/main" r:embed="rId4"/>
-              </a:ext>
-            </a:extLst>
-          </a:blip>
-          <a:stretch/>
-        </p:blipFill>
-        <p:spPr>
-          <a:xfrm>
-            <a:off x="6744563" y="2275264"/>
-            <a:ext cx="973759" cy="973759"/>
-          </a:xfrm>
-        </p:spPr>
-      </p:pic>
-      <p:pic>
-        <p:nvPicPr>
-          <p:cNvPr id="16" name="Picture Placeholder 15" descr="Magnifying glass">
-            <a:extLst>
-              <a:ext uri="{FF2B5EF4-FFF2-40B4-BE49-F238E27FC236}">
-                <a16:creationId xmlns:a16="http://schemas.microsoft.com/office/drawing/2014/main" id="{911E5455-1362-4318-AEE8-E19830A8F53C}"/>
-              </a:ext>
-            </a:extLst>
-          </p:cNvPr>
-          <p:cNvPicPr>
-            <a:picLocks noGrp="1" noChangeAspect="1"/>
-          </p:cNvPicPr>
-          <p:nvPr>
-            <p:ph type="pic" sz="quarter" idx="14"/>
-          </p:nvPr>
-        </p:nvPicPr>
-        <p:blipFill rotWithShape="1">
-          <a:blip r:embed="rId5">
-            <a:extLst>
-              <a:ext uri="{96DAC541-7B7A-43D3-8B79-37D633B846F1}">
-                <asvg:svgBlip xmlns:asvg="http://schemas.microsoft.com/office/drawing/2016/SVG/main" r:embed="rId6"/>
-              </a:ext>
-            </a:extLst>
-          </a:blip>
-          <a:stretch/>
-        </p:blipFill>
-        <p:spPr>
-          <a:xfrm>
-            <a:off x="6744564" y="953776"/>
-            <a:ext cx="973759" cy="973759"/>
-          </a:xfrm>
-        </p:spPr>
-      </p:pic>
-      <p:pic>
-        <p:nvPicPr>
-          <p:cNvPr id="22" name="Picture Placeholder 21" descr="Target">
-            <a:extLst>
-              <a:ext uri="{FF2B5EF4-FFF2-40B4-BE49-F238E27FC236}">
-                <a16:creationId xmlns:a16="http://schemas.microsoft.com/office/drawing/2014/main" id="{22596A5B-50A4-4022-924A-1708A741F03E}"/>
-              </a:ext>
-            </a:extLst>
-          </p:cNvPr>
-          <p:cNvPicPr>
-            <a:picLocks noGrp="1" noChangeAspect="1"/>
-          </p:cNvPicPr>
-          <p:nvPr>
-            <p:ph type="pic" sz="quarter" idx="16"/>
-          </p:nvPr>
-        </p:nvPicPr>
-        <p:blipFill rotWithShape="1">
-          <a:blip r:embed="rId7">
-            <a:extLst>
-              <a:ext uri="{96DAC541-7B7A-43D3-8B79-37D633B846F1}">
-                <asvg:svgBlip xmlns:asvg="http://schemas.microsoft.com/office/drawing/2016/SVG/main" r:embed="rId8"/>
-              </a:ext>
-            </a:extLst>
-          </a:blip>
-          <a:srcRect t="81" b="81"/>
-          <a:stretch/>
-        </p:blipFill>
-        <p:spPr>
-          <a:xfrm>
-            <a:off x="6855627" y="3536021"/>
-            <a:ext cx="973759" cy="972181"/>
-          </a:xfrm>
-        </p:spPr>
-      </p:pic>
-      <p:sp>
-        <p:nvSpPr>
-          <p:cNvPr id="2" name="Text Placeholder 1">
-            <a:extLst>
-              <a:ext uri="{FF2B5EF4-FFF2-40B4-BE49-F238E27FC236}">
-                <a16:creationId xmlns:a16="http://schemas.microsoft.com/office/drawing/2014/main" id="{E283FD54-E6C7-4991-AF57-FE6535B82773}"/>
-              </a:ext>
-            </a:extLst>
-          </p:cNvPr>
-          <p:cNvSpPr>
-            <a:spLocks noGrp="1"/>
-          </p:cNvSpPr>
-          <p:nvPr>
-            <p:ph type="body" sz="quarter" idx="17"/>
-          </p:nvPr>
-        </p:nvSpPr>
-        <p:spPr>
-          <a:xfrm>
-            <a:off x="7718323" y="1074809"/>
-            <a:ext cx="3977648" cy="731694"/>
-          </a:xfrm>
-        </p:spPr>
-        <p:txBody>
-          <a:bodyPr anchor="ctr">
-            <a:normAutofit/>
-          </a:bodyPr>
-          <a:lstStyle/>
-          <a:p>
-            <a:r>
-              <a:rPr lang="en-US" sz="1600" b="1" dirty="0">
-                <a:solidFill>
-                  <a:schemeClr val="accent5">
-                    <a:lumMod val="75000"/>
-                    <a:lumOff val="25000"/>
-                  </a:schemeClr>
-                </a:solidFill>
-              </a:rPr>
-              <a:t>Use model to identify comments that are toxic in nature.</a:t>
-            </a:r>
-          </a:p>
-        </p:txBody>
-      </p:sp>
-      <p:sp>
-        <p:nvSpPr>
-          <p:cNvPr id="3" name="Text Placeholder 2">
-            <a:extLst>
-              <a:ext uri="{FF2B5EF4-FFF2-40B4-BE49-F238E27FC236}">
-                <a16:creationId xmlns:a16="http://schemas.microsoft.com/office/drawing/2014/main" id="{9AFC142F-5BBE-44FC-BCC8-C09A6F3558E6}"/>
-              </a:ext>
-            </a:extLst>
-          </p:cNvPr>
-          <p:cNvSpPr>
-            <a:spLocks noGrp="1"/>
-          </p:cNvSpPr>
-          <p:nvPr>
-            <p:ph type="body" sz="quarter" idx="18"/>
-          </p:nvPr>
-        </p:nvSpPr>
-        <p:spPr>
-          <a:xfrm>
-            <a:off x="7718323" y="2365537"/>
-            <a:ext cx="3977648" cy="731694"/>
-          </a:xfrm>
-        </p:spPr>
-        <p:txBody>
-          <a:bodyPr anchor="ctr">
-            <a:normAutofit/>
-          </a:bodyPr>
-          <a:lstStyle/>
-          <a:p>
-            <a:r>
-              <a:rPr lang="en-US" sz="1600" b="1" dirty="0">
-                <a:solidFill>
-                  <a:schemeClr val="accent5">
-                    <a:lumMod val="75000"/>
-                    <a:lumOff val="25000"/>
-                  </a:schemeClr>
-                </a:solidFill>
-              </a:rPr>
-              <a:t>Develop metrics and actionable plans for varying levels of toxicity</a:t>
-            </a:r>
-          </a:p>
-        </p:txBody>
-      </p:sp>
-      <p:sp>
-        <p:nvSpPr>
-          <p:cNvPr id="4" name="Text Placeholder 3">
-            <a:extLst>
-              <a:ext uri="{FF2B5EF4-FFF2-40B4-BE49-F238E27FC236}">
-                <a16:creationId xmlns:a16="http://schemas.microsoft.com/office/drawing/2014/main" id="{3302DD29-F241-4A45-9C84-25EF073180F7}"/>
-              </a:ext>
-            </a:extLst>
-          </p:cNvPr>
-          <p:cNvSpPr>
-            <a:spLocks noGrp="1"/>
-          </p:cNvSpPr>
-          <p:nvPr>
-            <p:ph type="body" sz="quarter" idx="19"/>
-          </p:nvPr>
-        </p:nvSpPr>
-        <p:spPr>
-          <a:xfrm>
-            <a:off x="7829386" y="3656264"/>
-            <a:ext cx="3977648" cy="731694"/>
-          </a:xfrm>
-        </p:spPr>
-        <p:txBody>
-          <a:bodyPr anchor="ctr">
-            <a:normAutofit lnSpcReduction="10000"/>
-          </a:bodyPr>
-          <a:lstStyle/>
-          <a:p>
-            <a:r>
-              <a:rPr lang="en-US" sz="1600" b="1" dirty="0">
-                <a:solidFill>
-                  <a:schemeClr val="accent5">
-                    <a:lumMod val="75000"/>
-                    <a:lumOff val="25000"/>
-                  </a:schemeClr>
-                </a:solidFill>
-              </a:rPr>
-              <a:t>Invest in future work to further develop existing models to identify severe forms of targeting threats </a:t>
-            </a:r>
-          </a:p>
-        </p:txBody>
-      </p:sp>
-      <p:sp>
-        <p:nvSpPr>
-          <p:cNvPr id="5" name="Text Placeholder 4">
-            <a:extLst>
-              <a:ext uri="{FF2B5EF4-FFF2-40B4-BE49-F238E27FC236}">
-                <a16:creationId xmlns:a16="http://schemas.microsoft.com/office/drawing/2014/main" id="{3BD89B92-B364-4000-8D59-2875AD0DC0D2}"/>
-              </a:ext>
-            </a:extLst>
-          </p:cNvPr>
-          <p:cNvSpPr>
-            <a:spLocks noGrp="1"/>
-          </p:cNvSpPr>
-          <p:nvPr>
-            <p:ph type="body" sz="quarter" idx="20"/>
-          </p:nvPr>
-        </p:nvSpPr>
-        <p:spPr>
-          <a:xfrm>
-            <a:off x="7829386" y="4840833"/>
-            <a:ext cx="3977648" cy="731694"/>
-          </a:xfrm>
-        </p:spPr>
-        <p:txBody>
-          <a:bodyPr anchor="ctr">
-            <a:normAutofit fontScale="92500" lnSpcReduction="10000"/>
-          </a:bodyPr>
-          <a:lstStyle/>
-          <a:p>
-            <a:r>
-              <a:rPr lang="en-US" sz="1800" b="1" dirty="0">
-                <a:solidFill>
-                  <a:schemeClr val="accent5">
-                    <a:lumMod val="75000"/>
-                    <a:lumOff val="25000"/>
-                  </a:schemeClr>
-                </a:solidFill>
-              </a:rPr>
-              <a:t>Research and implement best practices so that everyone feels comfortable sharing thoughts. </a:t>
-            </a:r>
-          </a:p>
-        </p:txBody>
-      </p:sp>
-      <p:pic>
-        <p:nvPicPr>
-          <p:cNvPr id="31" name="Graphic 30" descr="Smiling face with no fill">
-            <a:extLst>
-              <a:ext uri="{FF2B5EF4-FFF2-40B4-BE49-F238E27FC236}">
-                <a16:creationId xmlns:a16="http://schemas.microsoft.com/office/drawing/2014/main" id="{1AA98A27-3CB7-4468-9233-01EAE186E32A}"/>
-              </a:ext>
-            </a:extLst>
-          </p:cNvPr>
-          <p:cNvPicPr>
-            <a:picLocks noChangeAspect="1"/>
-          </p:cNvPicPr>
-          <p:nvPr/>
-        </p:nvPicPr>
-        <p:blipFill>
-          <a:blip r:embed="rId9">
-            <a:extLst>
-              <a:ext uri="{96DAC541-7B7A-43D3-8B79-37D633B846F1}">
-                <asvg:svgBlip xmlns:asvg="http://schemas.microsoft.com/office/drawing/2016/SVG/main" r:embed="rId10"/>
-              </a:ext>
-            </a:extLst>
-          </a:blip>
-          <a:stretch>
-            <a:fillRect/>
-          </a:stretch>
-        </p:blipFill>
-        <p:spPr>
-          <a:xfrm>
-            <a:off x="6844563" y="4749480"/>
-            <a:ext cx="914400" cy="914400"/>
-          </a:xfrm>
-          <a:prstGeom prst="rect">
-            <a:avLst/>
-          </a:prstGeom>
-        </p:spPr>
-      </p:pic>
-      <p:pic>
-        <p:nvPicPr>
-          <p:cNvPr id="33" name="Graphic 32" descr="Glasses">
-            <a:extLst>
-              <a:ext uri="{FF2B5EF4-FFF2-40B4-BE49-F238E27FC236}">
-                <a16:creationId xmlns:a16="http://schemas.microsoft.com/office/drawing/2014/main" id="{B9C8922B-7148-44EC-802B-6FE090A68ABF}"/>
-              </a:ext>
-            </a:extLst>
-          </p:cNvPr>
-          <p:cNvPicPr>
-            <a:picLocks noChangeAspect="1"/>
-          </p:cNvPicPr>
-          <p:nvPr/>
-        </p:nvPicPr>
-        <p:blipFill>
-          <a:blip r:embed="rId11">
-            <a:extLst>
-              <a:ext uri="{96DAC541-7B7A-43D3-8B79-37D633B846F1}">
-                <asvg:svgBlip xmlns:asvg="http://schemas.microsoft.com/office/drawing/2016/SVG/main" r:embed="rId12"/>
-              </a:ext>
-            </a:extLst>
-          </a:blip>
-          <a:stretch>
-            <a:fillRect/>
-          </a:stretch>
-        </p:blipFill>
-        <p:spPr>
-          <a:xfrm>
-            <a:off x="6972754" y="4813343"/>
-            <a:ext cx="658018" cy="658018"/>
-          </a:xfrm>
-          <a:prstGeom prst="rect">
-            <a:avLst/>
-          </a:prstGeom>
-        </p:spPr>
-      </p:pic>
-    </p:spTree>
-    <p:extLst>
-      <p:ext uri="{BB962C8B-B14F-4D97-AF65-F5344CB8AC3E}">
-        <p14:creationId xmlns:p14="http://schemas.microsoft.com/office/powerpoint/2010/main" val="4058259925"/>
       </p:ext>
     </p:extLst>
   </p:cSld>
@@ -27290,237 +30204,12 @@
           <a:chExt cx="0" cy="0"/>
         </a:xfrm>
       </p:grpSpPr>
-      <p:sp>
-        <p:nvSpPr>
-          <p:cNvPr id="7" name="Text Placeholder 6">
-            <a:extLst>
-              <a:ext uri="{FF2B5EF4-FFF2-40B4-BE49-F238E27FC236}">
-                <a16:creationId xmlns:a16="http://schemas.microsoft.com/office/drawing/2014/main" id="{87FCC6D1-213C-4A86-A2D0-742E15438C09}"/>
-              </a:ext>
-            </a:extLst>
-          </p:cNvPr>
-          <p:cNvSpPr>
-            <a:spLocks noGrp="1"/>
-          </p:cNvSpPr>
-          <p:nvPr>
-            <p:ph type="body" sz="quarter" idx="17"/>
-          </p:nvPr>
-        </p:nvSpPr>
-        <p:spPr>
-          <a:xfrm>
-            <a:off x="7486650" y="614715"/>
-            <a:ext cx="4639190" cy="1691133"/>
-          </a:xfrm>
-        </p:spPr>
-        <p:txBody>
-          <a:bodyPr>
-            <a:normAutofit/>
-          </a:bodyPr>
-          <a:lstStyle/>
-          <a:p>
-            <a:pPr marL="285750" indent="-285750">
-              <a:buFont typeface="Arial" panose="020B0604020202020204" pitchFamily="34" charset="0"/>
-              <a:buChar char="•"/>
-            </a:pPr>
-            <a:r>
-              <a:rPr lang="en-US" sz="1800" dirty="0"/>
-              <a:t>Collect more data around these more severe types of toxic comments to improve recognition.</a:t>
-            </a:r>
-          </a:p>
-          <a:p>
-            <a:pPr marL="285750" indent="-285750">
-              <a:buFont typeface="Arial" panose="020B0604020202020204" pitchFamily="34" charset="0"/>
-              <a:buChar char="•"/>
-            </a:pPr>
-            <a:r>
-              <a:rPr lang="en-US" sz="1800" dirty="0"/>
-              <a:t>Make </a:t>
-            </a:r>
-            <a:r>
-              <a:rPr lang="en-US" sz="2400" b="1" dirty="0">
-                <a:solidFill>
-                  <a:schemeClr val="accent1">
-                    <a:lumMod val="75000"/>
-                  </a:schemeClr>
-                </a:solidFill>
-              </a:rPr>
-              <a:t>threatening content </a:t>
-            </a:r>
-            <a:r>
-              <a:rPr lang="en-US" sz="1800" dirty="0"/>
-              <a:t>main target</a:t>
-            </a:r>
-          </a:p>
-        </p:txBody>
-      </p:sp>
-      <p:sp>
-        <p:nvSpPr>
-          <p:cNvPr id="5" name="Title 4">
-            <a:extLst>
-              <a:ext uri="{FF2B5EF4-FFF2-40B4-BE49-F238E27FC236}">
-                <a16:creationId xmlns:a16="http://schemas.microsoft.com/office/drawing/2014/main" id="{96DBE169-BA91-4B17-9AF2-4BAD528BEE06}"/>
-              </a:ext>
-            </a:extLst>
-          </p:cNvPr>
-          <p:cNvSpPr>
-            <a:spLocks noGrp="1"/>
-          </p:cNvSpPr>
-          <p:nvPr>
-            <p:ph type="title"/>
-          </p:nvPr>
-        </p:nvSpPr>
-        <p:spPr/>
-        <p:txBody>
-          <a:bodyPr/>
-          <a:lstStyle/>
-          <a:p>
-            <a:r>
-              <a:rPr lang="en-US" dirty="0"/>
-              <a:t>Future Work:</a:t>
-            </a:r>
-          </a:p>
-        </p:txBody>
-      </p:sp>
-      <p:sp>
-        <p:nvSpPr>
-          <p:cNvPr id="66" name="Text Placeholder 65">
-            <a:extLst>
-              <a:ext uri="{FF2B5EF4-FFF2-40B4-BE49-F238E27FC236}">
-                <a16:creationId xmlns:a16="http://schemas.microsoft.com/office/drawing/2014/main" id="{1AEF3ED8-A75C-4318-877C-139C98C0007D}"/>
-              </a:ext>
-            </a:extLst>
-          </p:cNvPr>
-          <p:cNvSpPr>
-            <a:spLocks noGrp="1"/>
-          </p:cNvSpPr>
-          <p:nvPr>
-            <p:ph type="body" sz="quarter" idx="12"/>
-          </p:nvPr>
-        </p:nvSpPr>
-        <p:spPr/>
-        <p:txBody>
-          <a:bodyPr>
-            <a:normAutofit/>
-          </a:bodyPr>
-          <a:lstStyle/>
-          <a:p>
-            <a:r>
-              <a:rPr lang="en-US" dirty="0"/>
-              <a:t>THREATS &amp; </a:t>
-            </a:r>
-          </a:p>
-          <a:p>
-            <a:r>
-              <a:rPr lang="en-US" dirty="0"/>
-              <a:t>SENTIMENT ANALYSIS</a:t>
-            </a:r>
-          </a:p>
-        </p:txBody>
-      </p:sp>
-      <p:sp>
-        <p:nvSpPr>
-          <p:cNvPr id="8" name="Text Placeholder 7">
-            <a:extLst>
-              <a:ext uri="{FF2B5EF4-FFF2-40B4-BE49-F238E27FC236}">
-                <a16:creationId xmlns:a16="http://schemas.microsoft.com/office/drawing/2014/main" id="{D9C2EAA8-D3C6-403B-B439-F95C60D0B3B9}"/>
-              </a:ext>
-            </a:extLst>
-          </p:cNvPr>
-          <p:cNvSpPr>
-            <a:spLocks noGrp="1"/>
-          </p:cNvSpPr>
-          <p:nvPr>
-            <p:ph type="body" sz="quarter" idx="11"/>
-          </p:nvPr>
-        </p:nvSpPr>
-        <p:spPr>
-          <a:xfrm>
-            <a:off x="838200" y="3498661"/>
-            <a:ext cx="4008438" cy="2777505"/>
-          </a:xfrm>
-        </p:spPr>
-        <p:txBody>
-          <a:bodyPr/>
-          <a:lstStyle/>
-          <a:p>
-            <a:r>
-              <a:rPr lang="en-US" dirty="0"/>
-              <a:t>Hopefully collective work can help everyone express themselves in more meaningful.</a:t>
-            </a:r>
-          </a:p>
-          <a:p>
-            <a:endParaRPr lang="en-US" dirty="0"/>
-          </a:p>
-          <a:p>
-            <a:endParaRPr lang="en-US" dirty="0"/>
-          </a:p>
-          <a:p>
-            <a:endParaRPr lang="en-US" dirty="0"/>
-          </a:p>
-          <a:p>
-            <a:r>
-              <a:rPr lang="en-US" dirty="0"/>
-              <a:t>Thankfully the most severe types of toxic comments are less frequent. In some situations, speech can constitute a crime, such as in the case of criminal threats. </a:t>
-            </a:r>
-          </a:p>
-          <a:p>
-            <a:endParaRPr lang="en-US" dirty="0"/>
-          </a:p>
-        </p:txBody>
-      </p:sp>
       <p:pic>
         <p:nvPicPr>
-          <p:cNvPr id="41" name="Picture Placeholder 40" title="Decorative"/>
-          <p:cNvPicPr>
-            <a:picLocks noGrp="1" noChangeAspect="1"/>
-          </p:cNvPicPr>
-          <p:nvPr>
-            <p:ph type="pic" sz="quarter" idx="14"/>
-          </p:nvPr>
-        </p:nvPicPr>
-        <p:blipFill rotWithShape="1">
-          <a:blip r:embed="rId2" cstate="email">
-            <a:duotone>
-              <a:schemeClr val="accent2">
-                <a:shade val="45000"/>
-                <a:satMod val="135000"/>
-              </a:schemeClr>
-              <a:prstClr val="white"/>
-            </a:duotone>
-            <a:extLst>
-              <a:ext uri="{BEBA8EAE-BF5A-486C-A8C5-ECC9F3942E4B}">
-                <a14:imgProps xmlns:a14="http://schemas.microsoft.com/office/drawing/2010/main">
-                  <a14:imgLayer r:embed="rId3">
-                    <a14:imgEffect>
-                      <a14:brightnessContrast bright="-100000"/>
-                    </a14:imgEffect>
-                  </a14:imgLayer>
-                </a14:imgProps>
-              </a:ext>
-              <a:ext uri="{28A0092B-C50C-407E-A947-70E740481C1C}">
-                <a14:useLocalDpi xmlns:a14="http://schemas.microsoft.com/office/drawing/2010/main"/>
-              </a:ext>
-            </a:extLst>
-          </a:blip>
-          <a:srcRect l="-13860" t="-15649" r="-14314" b="-12525"/>
-          <a:stretch/>
-        </p:blipFill>
-        <p:spPr>
-          <a:xfrm>
-            <a:off x="790266" y="500843"/>
-            <a:ext cx="885235" cy="885235"/>
-          </a:xfrm>
-          <a:prstGeom prst="rect">
-            <a:avLst/>
-          </a:prstGeom>
-        </p:spPr>
-      </p:pic>
-      <p:pic>
-        <p:nvPicPr>
-          <p:cNvPr id="13" name="Picture 12">
-            <a:extLst>
-              <a:ext uri="{FF2B5EF4-FFF2-40B4-BE49-F238E27FC236}">
-                <a16:creationId xmlns:a16="http://schemas.microsoft.com/office/drawing/2014/main" id="{28784754-6023-4509-8EBF-5497D01B354D}"/>
+          <p:cNvPr id="25" name="Picture Placeholder 8" title="Decorative">
+            <a:extLst>
+              <a:ext uri="{FF2B5EF4-FFF2-40B4-BE49-F238E27FC236}">
+                <a16:creationId xmlns:a16="http://schemas.microsoft.com/office/drawing/2014/main" id="{D74F7EF0-D38A-419F-A943-89F88B5B7A4C}"/>
               </a:ext>
             </a:extLst>
           </p:cNvPr>
@@ -27530,27 +30219,372 @@
           <p:nvPr/>
         </p:nvPicPr>
         <p:blipFill>
-          <a:blip r:embed="rId4"/>
+          <a:blip r:embed="rId2" cstate="email">
+            <a:extLst>
+              <a:ext uri="{28A0092B-C50C-407E-A947-70E740481C1C}">
+                <a14:useLocalDpi xmlns:a14="http://schemas.microsoft.com/office/drawing/2010/main"/>
+              </a:ext>
+            </a:extLst>
+          </a:blip>
+          <a:srcRect/>
           <a:stretch>
             <a:fillRect/>
           </a:stretch>
         </p:blipFill>
         <p:spPr>
           <a:xfrm>
-            <a:off x="7637025" y="2411052"/>
-            <a:ext cx="4161558" cy="2112791"/>
+            <a:off x="496029" y="618256"/>
+            <a:ext cx="2611637" cy="2376494"/>
           </a:xfrm>
           <a:prstGeom prst="rect">
             <a:avLst/>
           </a:prstGeom>
         </p:spPr>
       </p:pic>
+      <p:sp>
+        <p:nvSpPr>
+          <p:cNvPr id="10" name="Title 9">
+            <a:extLst>
+              <a:ext uri="{FF2B5EF4-FFF2-40B4-BE49-F238E27FC236}">
+                <a16:creationId xmlns:a16="http://schemas.microsoft.com/office/drawing/2014/main" id="{55D4DC6B-E774-4C3D-9238-F200BD832071}"/>
+              </a:ext>
+            </a:extLst>
+          </p:cNvPr>
+          <p:cNvSpPr>
+            <a:spLocks noGrp="1"/>
+          </p:cNvSpPr>
+          <p:nvPr>
+            <p:ph type="title"/>
+          </p:nvPr>
+        </p:nvSpPr>
+        <p:spPr>
+          <a:xfrm>
+            <a:off x="841057" y="2234610"/>
+            <a:ext cx="4008437" cy="1395208"/>
+          </a:xfrm>
+        </p:spPr>
+        <p:txBody>
+          <a:bodyPr anchor="b">
+            <a:normAutofit/>
+          </a:bodyPr>
+          <a:lstStyle/>
+          <a:p>
+            <a:r>
+              <a:rPr lang="en-US" sz="3700"/>
+              <a:t>Recommendations</a:t>
+            </a:r>
+          </a:p>
+        </p:txBody>
+      </p:sp>
+      <p:sp>
+        <p:nvSpPr>
+          <p:cNvPr id="11" name="Text Placeholder 10">
+            <a:extLst>
+              <a:ext uri="{FF2B5EF4-FFF2-40B4-BE49-F238E27FC236}">
+                <a16:creationId xmlns:a16="http://schemas.microsoft.com/office/drawing/2014/main" id="{B39CAC7D-23C7-4EA4-AEA8-97EFE6B7F9A2}"/>
+              </a:ext>
+            </a:extLst>
+          </p:cNvPr>
+          <p:cNvSpPr>
+            <a:spLocks noGrp="1"/>
+          </p:cNvSpPr>
+          <p:nvPr>
+            <p:ph type="body" sz="quarter" idx="12"/>
+          </p:nvPr>
+        </p:nvSpPr>
+        <p:spPr>
+          <a:xfrm>
+            <a:off x="841058" y="3695479"/>
+            <a:ext cx="4008437" cy="602887"/>
+          </a:xfrm>
+        </p:spPr>
+        <p:txBody>
+          <a:bodyPr anchor="t">
+            <a:normAutofit/>
+          </a:bodyPr>
+          <a:lstStyle/>
+          <a:p>
+            <a:r>
+              <a:rPr lang="en-US" dirty="0"/>
+              <a:t>So now what?:</a:t>
+            </a:r>
+          </a:p>
+        </p:txBody>
+      </p:sp>
       <p:pic>
         <p:nvPicPr>
-          <p:cNvPr id="28" name="Picture Placeholder 11" title="Decorative">
-            <a:extLst>
-              <a:ext uri="{FF2B5EF4-FFF2-40B4-BE49-F238E27FC236}">
-                <a16:creationId xmlns:a16="http://schemas.microsoft.com/office/drawing/2014/main" id="{A617490B-434C-4D5B-A53F-EDC7581BBB5E}"/>
+          <p:cNvPr id="14" name="Picture Placeholder 13" descr="Playbook">
+            <a:extLst>
+              <a:ext uri="{FF2B5EF4-FFF2-40B4-BE49-F238E27FC236}">
+                <a16:creationId xmlns:a16="http://schemas.microsoft.com/office/drawing/2014/main" id="{17DBA397-400A-4C4A-A061-CF21548A4FAB}"/>
+              </a:ext>
+            </a:extLst>
+          </p:cNvPr>
+          <p:cNvPicPr>
+            <a:picLocks noGrp="1" noChangeAspect="1"/>
+          </p:cNvPicPr>
+          <p:nvPr>
+            <p:ph type="pic" sz="quarter" idx="13"/>
+          </p:nvPr>
+        </p:nvPicPr>
+        <p:blipFill rotWithShape="1">
+          <a:blip r:embed="rId3">
+            <a:extLst>
+              <a:ext uri="{96DAC541-7B7A-43D3-8B79-37D633B846F1}">
+                <asvg:svgBlip xmlns:asvg="http://schemas.microsoft.com/office/drawing/2016/SVG/main" r:embed="rId4"/>
+              </a:ext>
+            </a:extLst>
+          </a:blip>
+          <a:stretch/>
+        </p:blipFill>
+        <p:spPr>
+          <a:xfrm>
+            <a:off x="6744563" y="2275264"/>
+            <a:ext cx="973759" cy="973759"/>
+          </a:xfrm>
+        </p:spPr>
+      </p:pic>
+      <p:pic>
+        <p:nvPicPr>
+          <p:cNvPr id="16" name="Picture Placeholder 15" descr="Magnifying glass">
+            <a:extLst>
+              <a:ext uri="{FF2B5EF4-FFF2-40B4-BE49-F238E27FC236}">
+                <a16:creationId xmlns:a16="http://schemas.microsoft.com/office/drawing/2014/main" id="{911E5455-1362-4318-AEE8-E19830A8F53C}"/>
+              </a:ext>
+            </a:extLst>
+          </p:cNvPr>
+          <p:cNvPicPr>
+            <a:picLocks noGrp="1" noChangeAspect="1"/>
+          </p:cNvPicPr>
+          <p:nvPr>
+            <p:ph type="pic" sz="quarter" idx="14"/>
+          </p:nvPr>
+        </p:nvPicPr>
+        <p:blipFill rotWithShape="1">
+          <a:blip r:embed="rId5">
+            <a:extLst>
+              <a:ext uri="{96DAC541-7B7A-43D3-8B79-37D633B846F1}">
+                <asvg:svgBlip xmlns:asvg="http://schemas.microsoft.com/office/drawing/2016/SVG/main" r:embed="rId6"/>
+              </a:ext>
+            </a:extLst>
+          </a:blip>
+          <a:stretch/>
+        </p:blipFill>
+        <p:spPr>
+          <a:xfrm>
+            <a:off x="6744564" y="953776"/>
+            <a:ext cx="973759" cy="973759"/>
+          </a:xfrm>
+        </p:spPr>
+      </p:pic>
+      <p:pic>
+        <p:nvPicPr>
+          <p:cNvPr id="22" name="Picture Placeholder 21" descr="Target">
+            <a:extLst>
+              <a:ext uri="{FF2B5EF4-FFF2-40B4-BE49-F238E27FC236}">
+                <a16:creationId xmlns:a16="http://schemas.microsoft.com/office/drawing/2014/main" id="{22596A5B-50A4-4022-924A-1708A741F03E}"/>
+              </a:ext>
+            </a:extLst>
+          </p:cNvPr>
+          <p:cNvPicPr>
+            <a:picLocks noGrp="1" noChangeAspect="1"/>
+          </p:cNvPicPr>
+          <p:nvPr>
+            <p:ph type="pic" sz="quarter" idx="16"/>
+          </p:nvPr>
+        </p:nvPicPr>
+        <p:blipFill rotWithShape="1">
+          <a:blip r:embed="rId7">
+            <a:extLst>
+              <a:ext uri="{96DAC541-7B7A-43D3-8B79-37D633B846F1}">
+                <asvg:svgBlip xmlns:asvg="http://schemas.microsoft.com/office/drawing/2016/SVG/main" r:embed="rId8"/>
+              </a:ext>
+            </a:extLst>
+          </a:blip>
+          <a:srcRect t="81" b="81"/>
+          <a:stretch/>
+        </p:blipFill>
+        <p:spPr>
+          <a:xfrm>
+            <a:off x="6855627" y="3536021"/>
+            <a:ext cx="973759" cy="972181"/>
+          </a:xfrm>
+        </p:spPr>
+      </p:pic>
+      <p:sp>
+        <p:nvSpPr>
+          <p:cNvPr id="2" name="Text Placeholder 1">
+            <a:extLst>
+              <a:ext uri="{FF2B5EF4-FFF2-40B4-BE49-F238E27FC236}">
+                <a16:creationId xmlns:a16="http://schemas.microsoft.com/office/drawing/2014/main" id="{E283FD54-E6C7-4991-AF57-FE6535B82773}"/>
+              </a:ext>
+            </a:extLst>
+          </p:cNvPr>
+          <p:cNvSpPr>
+            <a:spLocks noGrp="1"/>
+          </p:cNvSpPr>
+          <p:nvPr>
+            <p:ph type="body" sz="quarter" idx="17"/>
+          </p:nvPr>
+        </p:nvSpPr>
+        <p:spPr>
+          <a:xfrm>
+            <a:off x="7718323" y="1074809"/>
+            <a:ext cx="3977648" cy="731694"/>
+          </a:xfrm>
+        </p:spPr>
+        <p:txBody>
+          <a:bodyPr anchor="ctr">
+            <a:normAutofit/>
+          </a:bodyPr>
+          <a:lstStyle/>
+          <a:p>
+            <a:r>
+              <a:rPr lang="en-US" sz="1600" b="1" dirty="0">
+                <a:solidFill>
+                  <a:schemeClr val="accent5">
+                    <a:lumMod val="75000"/>
+                    <a:lumOff val="25000"/>
+                  </a:schemeClr>
+                </a:solidFill>
+              </a:rPr>
+              <a:t>Use model to identify comments that are toxic in nature.</a:t>
+            </a:r>
+          </a:p>
+        </p:txBody>
+      </p:sp>
+      <p:sp>
+        <p:nvSpPr>
+          <p:cNvPr id="3" name="Text Placeholder 2">
+            <a:extLst>
+              <a:ext uri="{FF2B5EF4-FFF2-40B4-BE49-F238E27FC236}">
+                <a16:creationId xmlns:a16="http://schemas.microsoft.com/office/drawing/2014/main" id="{9AFC142F-5BBE-44FC-BCC8-C09A6F3558E6}"/>
+              </a:ext>
+            </a:extLst>
+          </p:cNvPr>
+          <p:cNvSpPr>
+            <a:spLocks noGrp="1"/>
+          </p:cNvSpPr>
+          <p:nvPr>
+            <p:ph type="body" sz="quarter" idx="18"/>
+          </p:nvPr>
+        </p:nvSpPr>
+        <p:spPr>
+          <a:xfrm>
+            <a:off x="7718323" y="2365537"/>
+            <a:ext cx="3977648" cy="731694"/>
+          </a:xfrm>
+        </p:spPr>
+        <p:txBody>
+          <a:bodyPr anchor="ctr">
+            <a:normAutofit/>
+          </a:bodyPr>
+          <a:lstStyle/>
+          <a:p>
+            <a:r>
+              <a:rPr lang="en-US" sz="1600" b="1" dirty="0">
+                <a:solidFill>
+                  <a:schemeClr val="accent5">
+                    <a:lumMod val="75000"/>
+                    <a:lumOff val="25000"/>
+                  </a:schemeClr>
+                </a:solidFill>
+              </a:rPr>
+              <a:t>Develop metrics and actionable plans for varying levels of toxicity</a:t>
+            </a:r>
+          </a:p>
+        </p:txBody>
+      </p:sp>
+      <p:sp>
+        <p:nvSpPr>
+          <p:cNvPr id="4" name="Text Placeholder 3">
+            <a:extLst>
+              <a:ext uri="{FF2B5EF4-FFF2-40B4-BE49-F238E27FC236}">
+                <a16:creationId xmlns:a16="http://schemas.microsoft.com/office/drawing/2014/main" id="{3302DD29-F241-4A45-9C84-25EF073180F7}"/>
+              </a:ext>
+            </a:extLst>
+          </p:cNvPr>
+          <p:cNvSpPr>
+            <a:spLocks noGrp="1"/>
+          </p:cNvSpPr>
+          <p:nvPr>
+            <p:ph type="body" sz="quarter" idx="19"/>
+          </p:nvPr>
+        </p:nvSpPr>
+        <p:spPr>
+          <a:xfrm>
+            <a:off x="7829386" y="3695479"/>
+            <a:ext cx="4149254" cy="731694"/>
+          </a:xfrm>
+        </p:spPr>
+        <p:txBody>
+          <a:bodyPr anchor="ctr">
+            <a:normAutofit fontScale="92500"/>
+          </a:bodyPr>
+          <a:lstStyle/>
+          <a:p>
+            <a:r>
+              <a:rPr lang="en-US" sz="1600" b="1" dirty="0">
+                <a:solidFill>
+                  <a:schemeClr val="accent5">
+                    <a:lumMod val="75000"/>
+                    <a:lumOff val="25000"/>
+                  </a:schemeClr>
+                </a:solidFill>
+              </a:rPr>
+              <a:t>Invest in future work to further develop existing models to specifically identify severe forms, targeting threats and identity based hate specifically</a:t>
+            </a:r>
+          </a:p>
+        </p:txBody>
+      </p:sp>
+      <p:sp>
+        <p:nvSpPr>
+          <p:cNvPr id="5" name="Text Placeholder 4">
+            <a:extLst>
+              <a:ext uri="{FF2B5EF4-FFF2-40B4-BE49-F238E27FC236}">
+                <a16:creationId xmlns:a16="http://schemas.microsoft.com/office/drawing/2014/main" id="{3BD89B92-B364-4000-8D59-2875AD0DC0D2}"/>
+              </a:ext>
+            </a:extLst>
+          </p:cNvPr>
+          <p:cNvSpPr>
+            <a:spLocks noGrp="1"/>
+          </p:cNvSpPr>
+          <p:nvPr>
+            <p:ph type="body" sz="quarter" idx="20"/>
+          </p:nvPr>
+        </p:nvSpPr>
+        <p:spPr>
+          <a:xfrm>
+            <a:off x="7829386" y="4840833"/>
+            <a:ext cx="3977648" cy="731694"/>
+          </a:xfrm>
+        </p:spPr>
+        <p:txBody>
+          <a:bodyPr anchor="ctr">
+            <a:normAutofit fontScale="92500" lnSpcReduction="10000"/>
+          </a:bodyPr>
+          <a:lstStyle/>
+          <a:p>
+            <a:r>
+              <a:rPr lang="en-US" sz="1800" b="1" dirty="0">
+                <a:solidFill>
+                  <a:schemeClr val="accent5">
+                    <a:lumMod val="75000"/>
+                    <a:lumOff val="25000"/>
+                  </a:schemeClr>
+                </a:solidFill>
+              </a:rPr>
+              <a:t>Research and implement best practices so that everyone feels comfortable sharing thoughts. </a:t>
+            </a:r>
+          </a:p>
+        </p:txBody>
+      </p:sp>
+      <p:pic>
+        <p:nvPicPr>
+          <p:cNvPr id="31" name="Graphic 30" descr="Smiling face with no fill">
+            <a:extLst>
+              <a:ext uri="{FF2B5EF4-FFF2-40B4-BE49-F238E27FC236}">
+                <a16:creationId xmlns:a16="http://schemas.microsoft.com/office/drawing/2014/main" id="{1AA98A27-3CB7-4468-9233-01EAE186E32A}"/>
               </a:ext>
             </a:extLst>
           </p:cNvPr>
@@ -27560,235 +30594,67 @@
           <p:nvPr/>
         </p:nvPicPr>
         <p:blipFill>
-          <a:blip r:embed="rId5" cstate="email">
-            <a:extLst>
-              <a:ext uri="{28A0092B-C50C-407E-A947-70E740481C1C}">
-                <a14:useLocalDpi xmlns:a14="http://schemas.microsoft.com/office/drawing/2010/main"/>
+          <a:blip r:embed="rId9">
+            <a:extLst>
+              <a:ext uri="{96DAC541-7B7A-43D3-8B79-37D633B846F1}">
+                <asvg:svgBlip xmlns:asvg="http://schemas.microsoft.com/office/drawing/2016/SVG/main" r:embed="rId10"/>
               </a:ext>
             </a:extLst>
           </a:blip>
-          <a:srcRect/>
           <a:stretch>
             <a:fillRect/>
           </a:stretch>
         </p:blipFill>
         <p:spPr>
-          <a:xfrm flipH="1">
-            <a:off x="4465888" y="581834"/>
-            <a:ext cx="1869440" cy="2749520"/>
+          <a:xfrm>
+            <a:off x="6844563" y="4749480"/>
+            <a:ext cx="914400" cy="914400"/>
           </a:xfrm>
           <a:prstGeom prst="rect">
             <a:avLst/>
           </a:prstGeom>
         </p:spPr>
       </p:pic>
-      <p:sp>
-        <p:nvSpPr>
-          <p:cNvPr id="11" name="Text Placeholder 6">
-            <a:extLst>
-              <a:ext uri="{FF2B5EF4-FFF2-40B4-BE49-F238E27FC236}">
-                <a16:creationId xmlns:a16="http://schemas.microsoft.com/office/drawing/2014/main" id="{2463E68D-89A7-42B6-996B-B316F90E08A4}"/>
-              </a:ext>
-            </a:extLst>
-          </p:cNvPr>
-          <p:cNvSpPr txBox="1">
-            <a:spLocks/>
-          </p:cNvSpPr>
+      <p:pic>
+        <p:nvPicPr>
+          <p:cNvPr id="33" name="Graphic 32" descr="Glasses">
+            <a:extLst>
+              <a:ext uri="{FF2B5EF4-FFF2-40B4-BE49-F238E27FC236}">
+                <a16:creationId xmlns:a16="http://schemas.microsoft.com/office/drawing/2014/main" id="{B9C8922B-7148-44EC-802B-6FE090A68ABF}"/>
+              </a:ext>
+            </a:extLst>
+          </p:cNvPr>
+          <p:cNvPicPr>
+            <a:picLocks noChangeAspect="1"/>
+          </p:cNvPicPr>
           <p:nvPr/>
-        </p:nvSpPr>
-        <p:spPr>
-          <a:xfrm>
-            <a:off x="7398209" y="4808437"/>
-            <a:ext cx="4639190" cy="1691133"/>
+        </p:nvPicPr>
+        <p:blipFill>
+          <a:blip r:embed="rId11">
+            <a:extLst>
+              <a:ext uri="{96DAC541-7B7A-43D3-8B79-37D633B846F1}">
+                <asvg:svgBlip xmlns:asvg="http://schemas.microsoft.com/office/drawing/2016/SVG/main" r:embed="rId12"/>
+              </a:ext>
+            </a:extLst>
+          </a:blip>
+          <a:stretch>
+            <a:fillRect/>
+          </a:stretch>
+        </p:blipFill>
+        <p:spPr>
+          <a:xfrm>
+            <a:off x="6972754" y="4813343"/>
+            <a:ext cx="658018" cy="658018"/>
           </a:xfrm>
           <a:prstGeom prst="rect">
             <a:avLst/>
           </a:prstGeom>
         </p:spPr>
-        <p:txBody>
-          <a:bodyPr vert="horz" lIns="91440" tIns="45720" rIns="91440" bIns="45720" rtlCol="0" anchor="ctr">
-            <a:normAutofit/>
-          </a:bodyPr>
-          <a:lstStyle>
-            <a:lvl1pPr marL="0" indent="0" algn="l" defTabSz="914400" rtl="0" eaLnBrk="1" latinLnBrk="0" hangingPunct="1">
-              <a:lnSpc>
-                <a:spcPct val="90000"/>
-              </a:lnSpc>
-              <a:spcBef>
-                <a:spcPts val="1000"/>
-              </a:spcBef>
-              <a:buFont typeface="Arial" panose="020B0604020202020204" pitchFamily="34" charset="0"/>
-              <a:buNone/>
-              <a:defRPr sz="1400" b="0" i="0" kern="1200">
-                <a:solidFill>
-                  <a:schemeClr val="tx2"/>
-                </a:solidFill>
-                <a:latin typeface="+mn-lt"/>
-                <a:ea typeface="+mn-ea"/>
-                <a:cs typeface="Arial" panose="020B0604020202020204" pitchFamily="34" charset="0"/>
-              </a:defRPr>
-            </a:lvl1pPr>
-            <a:lvl2pPr marL="685800" indent="-228600" algn="l" defTabSz="914400" rtl="0" eaLnBrk="1" latinLnBrk="0" hangingPunct="1">
-              <a:lnSpc>
-                <a:spcPct val="90000"/>
-              </a:lnSpc>
-              <a:spcBef>
-                <a:spcPts val="500"/>
-              </a:spcBef>
-              <a:buFont typeface="Arial" panose="020B0604020202020204" pitchFamily="34" charset="0"/>
-              <a:buChar char="•"/>
-              <a:defRPr sz="1800" b="0" i="0" kern="1200">
-                <a:solidFill>
-                  <a:schemeClr val="tx2"/>
-                </a:solidFill>
-                <a:latin typeface="+mn-lt"/>
-                <a:ea typeface="+mn-ea"/>
-                <a:cs typeface="Arial" panose="020B0604020202020204" pitchFamily="34" charset="0"/>
-              </a:defRPr>
-            </a:lvl2pPr>
-            <a:lvl3pPr marL="1143000" indent="-228600" algn="l" defTabSz="914400" rtl="0" eaLnBrk="1" latinLnBrk="0" hangingPunct="1">
-              <a:lnSpc>
-                <a:spcPct val="90000"/>
-              </a:lnSpc>
-              <a:spcBef>
-                <a:spcPts val="500"/>
-              </a:spcBef>
-              <a:buFont typeface="Arial" panose="020B0604020202020204" pitchFamily="34" charset="0"/>
-              <a:buChar char="•"/>
-              <a:defRPr sz="1600" b="0" i="0" kern="1200">
-                <a:solidFill>
-                  <a:schemeClr val="tx2"/>
-                </a:solidFill>
-                <a:latin typeface="+mn-lt"/>
-                <a:ea typeface="+mn-ea"/>
-                <a:cs typeface="Arial" panose="020B0604020202020204" pitchFamily="34" charset="0"/>
-              </a:defRPr>
-            </a:lvl3pPr>
-            <a:lvl4pPr marL="1600200" indent="-228600" algn="l" defTabSz="914400" rtl="0" eaLnBrk="1" latinLnBrk="0" hangingPunct="1">
-              <a:lnSpc>
-                <a:spcPct val="90000"/>
-              </a:lnSpc>
-              <a:spcBef>
-                <a:spcPts val="500"/>
-              </a:spcBef>
-              <a:buFont typeface="Arial" panose="020B0604020202020204" pitchFamily="34" charset="0"/>
-              <a:buChar char="•"/>
-              <a:defRPr sz="1400" b="0" i="0" kern="1200">
-                <a:solidFill>
-                  <a:schemeClr val="tx2"/>
-                </a:solidFill>
-                <a:latin typeface="+mn-lt"/>
-                <a:ea typeface="+mn-ea"/>
-                <a:cs typeface="Arial" panose="020B0604020202020204" pitchFamily="34" charset="0"/>
-              </a:defRPr>
-            </a:lvl4pPr>
-            <a:lvl5pPr marL="2057400" indent="-228600" algn="l" defTabSz="914400" rtl="0" eaLnBrk="1" latinLnBrk="0" hangingPunct="1">
-              <a:lnSpc>
-                <a:spcPct val="90000"/>
-              </a:lnSpc>
-              <a:spcBef>
-                <a:spcPts val="500"/>
-              </a:spcBef>
-              <a:buFont typeface="Arial" panose="020B0604020202020204" pitchFamily="34" charset="0"/>
-              <a:buChar char="•"/>
-              <a:defRPr sz="1400" b="0" i="0" kern="1200">
-                <a:solidFill>
-                  <a:schemeClr val="tx2"/>
-                </a:solidFill>
-                <a:latin typeface="+mn-lt"/>
-                <a:ea typeface="+mn-ea"/>
-                <a:cs typeface="Arial" panose="020B0604020202020204" pitchFamily="34" charset="0"/>
-              </a:defRPr>
-            </a:lvl5pPr>
-            <a:lvl6pPr marL="2514600" indent="-228600" algn="l" defTabSz="914400" rtl="0" eaLnBrk="1" latinLnBrk="0" hangingPunct="1">
-              <a:lnSpc>
-                <a:spcPct val="90000"/>
-              </a:lnSpc>
-              <a:spcBef>
-                <a:spcPts val="500"/>
-              </a:spcBef>
-              <a:buFont typeface="Arial" panose="020B0604020202020204" pitchFamily="34" charset="0"/>
-              <a:buChar char="•"/>
-              <a:defRPr sz="1800" kern="1200">
-                <a:solidFill>
-                  <a:schemeClr val="tx1"/>
-                </a:solidFill>
-                <a:latin typeface="+mn-lt"/>
-                <a:ea typeface="+mn-ea"/>
-                <a:cs typeface="+mn-cs"/>
-              </a:defRPr>
-            </a:lvl6pPr>
-            <a:lvl7pPr marL="2971800" indent="-228600" algn="l" defTabSz="914400" rtl="0" eaLnBrk="1" latinLnBrk="0" hangingPunct="1">
-              <a:lnSpc>
-                <a:spcPct val="90000"/>
-              </a:lnSpc>
-              <a:spcBef>
-                <a:spcPts val="500"/>
-              </a:spcBef>
-              <a:buFont typeface="Arial" panose="020B0604020202020204" pitchFamily="34" charset="0"/>
-              <a:buChar char="•"/>
-              <a:defRPr sz="1800" kern="1200">
-                <a:solidFill>
-                  <a:schemeClr val="tx1"/>
-                </a:solidFill>
-                <a:latin typeface="+mn-lt"/>
-                <a:ea typeface="+mn-ea"/>
-                <a:cs typeface="+mn-cs"/>
-              </a:defRPr>
-            </a:lvl7pPr>
-            <a:lvl8pPr marL="3429000" indent="-228600" algn="l" defTabSz="914400" rtl="0" eaLnBrk="1" latinLnBrk="0" hangingPunct="1">
-              <a:lnSpc>
-                <a:spcPct val="90000"/>
-              </a:lnSpc>
-              <a:spcBef>
-                <a:spcPts val="500"/>
-              </a:spcBef>
-              <a:buFont typeface="Arial" panose="020B0604020202020204" pitchFamily="34" charset="0"/>
-              <a:buChar char="•"/>
-              <a:defRPr sz="1800" kern="1200">
-                <a:solidFill>
-                  <a:schemeClr val="tx1"/>
-                </a:solidFill>
-                <a:latin typeface="+mn-lt"/>
-                <a:ea typeface="+mn-ea"/>
-                <a:cs typeface="+mn-cs"/>
-              </a:defRPr>
-            </a:lvl8pPr>
-            <a:lvl9pPr marL="3886200" indent="-228600" algn="l" defTabSz="914400" rtl="0" eaLnBrk="1" latinLnBrk="0" hangingPunct="1">
-              <a:lnSpc>
-                <a:spcPct val="90000"/>
-              </a:lnSpc>
-              <a:spcBef>
-                <a:spcPts val="500"/>
-              </a:spcBef>
-              <a:buFont typeface="Arial" panose="020B0604020202020204" pitchFamily="34" charset="0"/>
-              <a:buChar char="•"/>
-              <a:defRPr sz="1800" kern="1200">
-                <a:solidFill>
-                  <a:schemeClr val="tx1"/>
-                </a:solidFill>
-                <a:latin typeface="+mn-lt"/>
-                <a:ea typeface="+mn-ea"/>
-                <a:cs typeface="+mn-cs"/>
-              </a:defRPr>
-            </a:lvl9pPr>
-          </a:lstStyle>
-          <a:p>
-            <a:pPr marL="285750" indent="-285750">
-              <a:buFont typeface="Arial" panose="020B0604020202020204" pitchFamily="34" charset="0"/>
-              <a:buChar char="•"/>
-            </a:pPr>
-            <a:r>
-              <a:rPr lang="en-US" sz="1800" dirty="0"/>
-              <a:t>Comparative analysis on sentence sentiment rather than word.</a:t>
-            </a:r>
-          </a:p>
-        </p:txBody>
-      </p:sp>
+      </p:pic>
     </p:spTree>
     <p:extLst>
       <p:ext uri="{BB962C8B-B14F-4D97-AF65-F5344CB8AC3E}">
-        <p14:creationId xmlns:p14="http://schemas.microsoft.com/office/powerpoint/2010/main" val="2032607428"/>
+        <p14:creationId xmlns:p14="http://schemas.microsoft.com/office/powerpoint/2010/main" val="4058259925"/>
       </p:ext>
     </p:extLst>
   </p:cSld>
@@ -28811,21 +31677,21 @@
 </file>
 
 <file path=customXml/item2.xml><?xml version="1.0" encoding="utf-8"?>
+<?mso-contentType ?>
+<FormTemplates xmlns="http://schemas.microsoft.com/sharepoint/v3/contenttype/forms">
+  <Display>DocumentLibraryForm</Display>
+  <Edit>DocumentLibraryForm</Edit>
+  <New>DocumentLibraryForm</New>
+</FormTemplates>
+</file>
+
+<file path=customXml/item3.xml><?xml version="1.0" encoding="utf-8"?>
 <p:properties xmlns:p="http://schemas.microsoft.com/office/2006/metadata/properties" xmlns:xsi="http://www.w3.org/2001/XMLSchema-instance" xmlns:pc="http://schemas.microsoft.com/office/infopath/2007/PartnerControls">
   <documentManagement>
     <Status xmlns="71af3243-3dd4-4a8d-8c0d-dd76da1f02a5">Not started</Status>
     <MediaServiceKeyPoints xmlns="71af3243-3dd4-4a8d-8c0d-dd76da1f02a5" xsi:nil="true"/>
   </documentManagement>
 </p:properties>
-</file>
-
-<file path=customXml/item3.xml><?xml version="1.0" encoding="utf-8"?>
-<?mso-contentType ?>
-<FormTemplates xmlns="http://schemas.microsoft.com/sharepoint/v3/contenttype/forms">
-  <Display>DocumentLibraryForm</Display>
-  <Edit>DocumentLibraryForm</Edit>
-  <New>DocumentLibraryForm</New>
-</FormTemplates>
 </file>
 
 <file path=customXml/itemProps1.xml><?xml version="1.0" encoding="utf-8"?>
@@ -28848,26 +31714,26 @@
 </file>
 
 <file path=customXml/itemProps2.xml><?xml version="1.0" encoding="utf-8"?>
-<ds:datastoreItem xmlns:ds="http://schemas.openxmlformats.org/officeDocument/2006/customXml" ds:itemID="{D0FE9C68-0C22-4EEC-B457-063807029368}">
+<ds:datastoreItem xmlns:ds="http://schemas.openxmlformats.org/officeDocument/2006/customXml" ds:itemID="{5E8B52BE-6787-403E-A094-B18CEB016691}">
   <ds:schemaRefs>
-    <ds:schemaRef ds:uri="71af3243-3dd4-4a8d-8c0d-dd76da1f02a5"/>
-    <ds:schemaRef ds:uri="http://schemas.microsoft.com/office/2006/documentManagement/types"/>
-    <ds:schemaRef ds:uri="http://www.w3.org/XML/1998/namespace"/>
-    <ds:schemaRef ds:uri="http://schemas.openxmlformats.org/package/2006/metadata/core-properties"/>
-    <ds:schemaRef ds:uri="http://purl.org/dc/dcmitype/"/>
-    <ds:schemaRef ds:uri="http://purl.org/dc/elements/1.1/"/>
-    <ds:schemaRef ds:uri="http://schemas.microsoft.com/office/infopath/2007/PartnerControls"/>
-    <ds:schemaRef ds:uri="16c05727-aa75-4e4a-9b5f-8a80a1165891"/>
-    <ds:schemaRef ds:uri="http://schemas.microsoft.com/office/2006/metadata/properties"/>
-    <ds:schemaRef ds:uri="http://purl.org/dc/terms/"/>
+    <ds:schemaRef ds:uri="http://schemas.microsoft.com/sharepoint/v3/contenttype/forms"/>
   </ds:schemaRefs>
 </ds:datastoreItem>
 </file>
 
 <file path=customXml/itemProps3.xml><?xml version="1.0" encoding="utf-8"?>
-<ds:datastoreItem xmlns:ds="http://schemas.openxmlformats.org/officeDocument/2006/customXml" ds:itemID="{5E8B52BE-6787-403E-A094-B18CEB016691}">
+<ds:datastoreItem xmlns:ds="http://schemas.openxmlformats.org/officeDocument/2006/customXml" ds:itemID="{D0FE9C68-0C22-4EEC-B457-063807029368}">
   <ds:schemaRefs>
-    <ds:schemaRef ds:uri="http://schemas.microsoft.com/sharepoint/v3/contenttype/forms"/>
+    <ds:schemaRef ds:uri="http://schemas.microsoft.com/office/2006/metadata/properties"/>
+    <ds:schemaRef ds:uri="http://purl.org/dc/elements/1.1/"/>
+    <ds:schemaRef ds:uri="http://purl.org/dc/dcmitype/"/>
+    <ds:schemaRef ds:uri="71af3243-3dd4-4a8d-8c0d-dd76da1f02a5"/>
+    <ds:schemaRef ds:uri="http://schemas.microsoft.com/office/infopath/2007/PartnerControls"/>
+    <ds:schemaRef ds:uri="http://www.w3.org/XML/1998/namespace"/>
+    <ds:schemaRef ds:uri="http://schemas.microsoft.com/office/2006/documentManagement/types"/>
+    <ds:schemaRef ds:uri="http://schemas.openxmlformats.org/package/2006/metadata/core-properties"/>
+    <ds:schemaRef ds:uri="16c05727-aa75-4e4a-9b5f-8a80a1165891"/>
+    <ds:schemaRef ds:uri="http://purl.org/dc/terms/"/>
   </ds:schemaRefs>
 </ds:datastoreItem>
 </file>
--- a/NonToxic_Communication.pptx
+++ b/NonToxic_Communication.pptx
@@ -5,10 +5,10 @@
     <p:sldMasterId id="2147483648" r:id="rId4"/>
   </p:sldMasterIdLst>
   <p:notesMasterIdLst>
-    <p:notesMasterId r:id="rId20"/>
+    <p:notesMasterId r:id="rId19"/>
   </p:notesMasterIdLst>
   <p:handoutMasterIdLst>
-    <p:handoutMasterId r:id="rId21"/>
+    <p:handoutMasterId r:id="rId20"/>
   </p:handoutMasterIdLst>
   <p:sldIdLst>
     <p:sldId id="2596" r:id="rId5"/>
@@ -24,8 +24,7 @@
     <p:sldId id="2581" r:id="rId15"/>
     <p:sldId id="2555" r:id="rId16"/>
     <p:sldId id="2607" r:id="rId17"/>
-    <p:sldId id="2602" r:id="rId18"/>
-    <p:sldId id="2608" r:id="rId19"/>
+    <p:sldId id="2608" r:id="rId18"/>
   </p:sldIdLst>
   <p:sldSz cx="12192000" cy="6858000"/>
   <p:notesSz cx="6858000" cy="9144000"/>
@@ -246,7 +245,7 @@
           <a:p>
             <a:fld id="{0248B25D-8766-427E-8C9E-4845048D8DFC}" type="datetimeFigureOut">
               <a:rPr lang="en-US" smtClean="0"/>
-              <a:t>6/23/2020</a:t>
+              <a:t>6/24/2020</a:t>
             </a:fld>
             <a:endParaRPr lang="en-US" dirty="0"/>
           </a:p>
@@ -423,7 +422,7 @@
           <a:p>
             <a:fld id="{426F439B-391B-4B41-826A-951FCF412C34}" type="datetimeFigureOut">
               <a:rPr lang="en-US" smtClean="0"/>
-              <a:t>6/22/2020</a:t>
+              <a:t>6/24/2020</a:t>
             </a:fld>
             <a:endParaRPr lang="en-US" dirty="0"/>
           </a:p>
@@ -10806,7 +10805,7 @@
             </a:ln>
             <a:extLst>
               <a:ext uri="{C572A759-6A51-4108-AA02-DFA0A04FC94B}">
-                <ma14:wrappingTextBoxFlag xmlns:ma14="http://schemas.microsoft.com/office/mac/drawingml/2011/main" xmlns="" val="1"/>
+                <ma14:wrappingTextBoxFlag xmlns="" xmlns:ma14="http://schemas.microsoft.com/office/mac/drawingml/2011/main" val="1"/>
               </a:ext>
             </a:extLst>
           </p:spPr>
@@ -11042,7 +11041,7 @@
             </a:ln>
             <a:extLst>
               <a:ext uri="{C572A759-6A51-4108-AA02-DFA0A04FC94B}">
-                <ma14:wrappingTextBoxFlag xmlns:ma14="http://schemas.microsoft.com/office/mac/drawingml/2011/main" xmlns="" val="1"/>
+                <ma14:wrappingTextBoxFlag xmlns="" xmlns:ma14="http://schemas.microsoft.com/office/mac/drawingml/2011/main" val="1"/>
               </a:ext>
             </a:extLst>
           </p:spPr>
@@ -11278,7 +11277,7 @@
             </a:ln>
             <a:extLst>
               <a:ext uri="{C572A759-6A51-4108-AA02-DFA0A04FC94B}">
-                <ma14:wrappingTextBoxFlag xmlns:ma14="http://schemas.microsoft.com/office/mac/drawingml/2011/main" xmlns="" val="1"/>
+                <ma14:wrappingTextBoxFlag xmlns="" xmlns:ma14="http://schemas.microsoft.com/office/mac/drawingml/2011/main" val="1"/>
               </a:ext>
             </a:extLst>
           </p:spPr>
@@ -22790,8 +22789,8 @@
         </p:nvSpPr>
         <p:spPr>
           <a:xfrm>
-            <a:off x="653143" y="2032907"/>
-            <a:ext cx="3755571" cy="1569660"/>
+            <a:off x="284481" y="2032907"/>
+            <a:ext cx="4124234" cy="1015663"/>
           </a:xfrm>
           <a:prstGeom prst="rect">
             <a:avLst/>
@@ -22805,75 +22804,6 @@
           <a:lstStyle/>
           <a:p>
             <a:r>
-              <a:rPr lang="en-US" sz="9600" dirty="0">
-                <a:solidFill>
-                  <a:schemeClr val="bg1"/>
-                </a:solidFill>
-              </a:rPr>
-              <a:t>LSTM</a:t>
-            </a:r>
-          </a:p>
-        </p:txBody>
-      </p:sp>
-    </p:spTree>
-    <p:extLst>
-      <p:ext uri="{BB962C8B-B14F-4D97-AF65-F5344CB8AC3E}">
-        <p14:creationId xmlns:p14="http://schemas.microsoft.com/office/powerpoint/2010/main" val="4171130381"/>
-      </p:ext>
-    </p:extLst>
-  </p:cSld>
-  <p:clrMapOvr>
-    <a:masterClrMapping/>
-  </p:clrMapOvr>
-</p:sld>
-</file>
-
-<file path=ppt/slides/slide15.xml><?xml version="1.0" encoding="utf-8"?>
-<p:sld xmlns:a="http://schemas.openxmlformats.org/drawingml/2006/main" xmlns:r="http://schemas.openxmlformats.org/officeDocument/2006/relationships" xmlns:p="http://schemas.openxmlformats.org/presentationml/2006/main">
-  <p:cSld>
-    <p:spTree>
-      <p:nvGrpSpPr>
-        <p:cNvPr id="1" name=""/>
-        <p:cNvGrpSpPr/>
-        <p:nvPr/>
-      </p:nvGrpSpPr>
-      <p:grpSpPr>
-        <a:xfrm>
-          <a:off x="0" y="0"/>
-          <a:ext cx="0" cy="0"/>
-          <a:chOff x="0" y="0"/>
-          <a:chExt cx="0" cy="0"/>
-        </a:xfrm>
-      </p:grpSpPr>
-      <p:sp>
-        <p:nvSpPr>
-          <p:cNvPr id="5" name="TextBox 4">
-            <a:extLst>
-              <a:ext uri="{FF2B5EF4-FFF2-40B4-BE49-F238E27FC236}">
-                <a16:creationId xmlns:a16="http://schemas.microsoft.com/office/drawing/2014/main" id="{47F5AA85-3323-4102-A946-D284FF5C5BE8}"/>
-              </a:ext>
-            </a:extLst>
-          </p:cNvPr>
-          <p:cNvSpPr txBox="1"/>
-          <p:nvPr/>
-        </p:nvSpPr>
-        <p:spPr>
-          <a:xfrm>
-            <a:off x="284481" y="2032907"/>
-            <a:ext cx="4124234" cy="1015663"/>
-          </a:xfrm>
-          <a:prstGeom prst="rect">
-            <a:avLst/>
-          </a:prstGeom>
-          <a:noFill/>
-        </p:spPr>
-        <p:txBody>
-          <a:bodyPr wrap="square" rtlCol="0">
-            <a:spAutoFit/>
-          </a:bodyPr>
-          <a:lstStyle/>
-          <a:p>
-            <a:r>
               <a:rPr lang="en-US" sz="6000" dirty="0">
                 <a:solidFill>
                   <a:schemeClr val="bg1"/>
@@ -22886,10 +22816,10 @@
       </p:sp>
       <p:pic>
         <p:nvPicPr>
-          <p:cNvPr id="2" name="Picture 1">
-            <a:extLst>
-              <a:ext uri="{FF2B5EF4-FFF2-40B4-BE49-F238E27FC236}">
-                <a16:creationId xmlns:a16="http://schemas.microsoft.com/office/drawing/2014/main" id="{52C5C067-6032-439C-831E-4360FB995564}"/>
+          <p:cNvPr id="4" name="Picture 3">
+            <a:extLst>
+              <a:ext uri="{FF2B5EF4-FFF2-40B4-BE49-F238E27FC236}">
+                <a16:creationId xmlns:a16="http://schemas.microsoft.com/office/drawing/2014/main" id="{BD420869-4A42-4935-BB8A-1D81EA5B2388}"/>
               </a:ext>
             </a:extLst>
           </p:cNvPr>
@@ -22906,8 +22836,8 @@
         </p:blipFill>
         <p:spPr>
           <a:xfrm>
-            <a:off x="4479835" y="251989"/>
-            <a:ext cx="7346627" cy="6333701"/>
+            <a:off x="4335143" y="494806"/>
+            <a:ext cx="7694770" cy="6363193"/>
           </a:xfrm>
           <a:prstGeom prst="rect">
             <a:avLst/>
@@ -22928,7 +22858,7 @@
         </p:nvSpPr>
         <p:spPr>
           <a:xfrm>
-            <a:off x="4883026" y="2301239"/>
+            <a:off x="5168557" y="2578886"/>
             <a:ext cx="1121534" cy="1076960"/>
           </a:xfrm>
           <a:prstGeom prst="ellipse">
@@ -22976,7 +22906,7 @@
         </p:nvSpPr>
         <p:spPr>
           <a:xfrm>
-            <a:off x="4883026" y="4185920"/>
+            <a:off x="5116007" y="4375108"/>
             <a:ext cx="1121534" cy="1076960"/>
           </a:xfrm>
           <a:prstGeom prst="ellipse">
@@ -23024,7 +22954,7 @@
         </p:nvSpPr>
         <p:spPr>
           <a:xfrm>
-            <a:off x="6843906" y="4196080"/>
+            <a:off x="6948252" y="4354085"/>
             <a:ext cx="1121534" cy="1076960"/>
           </a:xfrm>
           <a:prstGeom prst="ellipse">
@@ -31677,21 +31607,21 @@
 </file>
 
 <file path=customXml/item2.xml><?xml version="1.0" encoding="utf-8"?>
+<p:properties xmlns:p="http://schemas.microsoft.com/office/2006/metadata/properties" xmlns:xsi="http://www.w3.org/2001/XMLSchema-instance" xmlns:pc="http://schemas.microsoft.com/office/infopath/2007/PartnerControls">
+  <documentManagement>
+    <Status xmlns="71af3243-3dd4-4a8d-8c0d-dd76da1f02a5">Not started</Status>
+    <MediaServiceKeyPoints xmlns="71af3243-3dd4-4a8d-8c0d-dd76da1f02a5" xsi:nil="true"/>
+  </documentManagement>
+</p:properties>
+</file>
+
+<file path=customXml/item3.xml><?xml version="1.0" encoding="utf-8"?>
 <?mso-contentType ?>
 <FormTemplates xmlns="http://schemas.microsoft.com/sharepoint/v3/contenttype/forms">
   <Display>DocumentLibraryForm</Display>
   <Edit>DocumentLibraryForm</Edit>
   <New>DocumentLibraryForm</New>
 </FormTemplates>
-</file>
-
-<file path=customXml/item3.xml><?xml version="1.0" encoding="utf-8"?>
-<p:properties xmlns:p="http://schemas.microsoft.com/office/2006/metadata/properties" xmlns:xsi="http://www.w3.org/2001/XMLSchema-instance" xmlns:pc="http://schemas.microsoft.com/office/infopath/2007/PartnerControls">
-  <documentManagement>
-    <Status xmlns="71af3243-3dd4-4a8d-8c0d-dd76da1f02a5">Not started</Status>
-    <MediaServiceKeyPoints xmlns="71af3243-3dd4-4a8d-8c0d-dd76da1f02a5" xsi:nil="true"/>
-  </documentManagement>
-</p:properties>
 </file>
 
 <file path=customXml/itemProps1.xml><?xml version="1.0" encoding="utf-8"?>
@@ -31714,14 +31644,6 @@
 </file>
 
 <file path=customXml/itemProps2.xml><?xml version="1.0" encoding="utf-8"?>
-<ds:datastoreItem xmlns:ds="http://schemas.openxmlformats.org/officeDocument/2006/customXml" ds:itemID="{5E8B52BE-6787-403E-A094-B18CEB016691}">
-  <ds:schemaRefs>
-    <ds:schemaRef ds:uri="http://schemas.microsoft.com/sharepoint/v3/contenttype/forms"/>
-  </ds:schemaRefs>
-</ds:datastoreItem>
-</file>
-
-<file path=customXml/itemProps3.xml><?xml version="1.0" encoding="utf-8"?>
 <ds:datastoreItem xmlns:ds="http://schemas.openxmlformats.org/officeDocument/2006/customXml" ds:itemID="{D0FE9C68-0C22-4EEC-B457-063807029368}">
   <ds:schemaRefs>
     <ds:schemaRef ds:uri="http://schemas.microsoft.com/office/2006/metadata/properties"/>
@@ -31736,4 +31658,12 @@
     <ds:schemaRef ds:uri="http://purl.org/dc/terms/"/>
   </ds:schemaRefs>
 </ds:datastoreItem>
+</file>
+
+<file path=customXml/itemProps3.xml><?xml version="1.0" encoding="utf-8"?>
+<ds:datastoreItem xmlns:ds="http://schemas.openxmlformats.org/officeDocument/2006/customXml" ds:itemID="{5E8B52BE-6787-403E-A094-B18CEB016691}">
+  <ds:schemaRefs>
+    <ds:schemaRef ds:uri="http://schemas.microsoft.com/sharepoint/v3/contenttype/forms"/>
+  </ds:schemaRefs>
+</ds:datastoreItem>
 </file>
--- a/NonToxic_Communication.pptx
+++ b/NonToxic_Communication.pptx
@@ -16,15 +16,15 @@
     <p:sldId id="2565" r:id="rId7"/>
     <p:sldId id="2604" r:id="rId8"/>
     <p:sldId id="2601" r:id="rId9"/>
-    <p:sldId id="2609" r:id="rId10"/>
-    <p:sldId id="2567" r:id="rId11"/>
-    <p:sldId id="2598" r:id="rId12"/>
-    <p:sldId id="2603" r:id="rId13"/>
-    <p:sldId id="2571" r:id="rId14"/>
-    <p:sldId id="2581" r:id="rId15"/>
-    <p:sldId id="2555" r:id="rId16"/>
-    <p:sldId id="2607" r:id="rId17"/>
-    <p:sldId id="2608" r:id="rId18"/>
+    <p:sldId id="2567" r:id="rId10"/>
+    <p:sldId id="2598" r:id="rId11"/>
+    <p:sldId id="2609" r:id="rId12"/>
+    <p:sldId id="2608" r:id="rId13"/>
+    <p:sldId id="2603" r:id="rId14"/>
+    <p:sldId id="2571" r:id="rId15"/>
+    <p:sldId id="2581" r:id="rId16"/>
+    <p:sldId id="2555" r:id="rId17"/>
+    <p:sldId id="2607" r:id="rId18"/>
   </p:sldIdLst>
   <p:sldSz cx="12192000" cy="6858000"/>
   <p:notesSz cx="6858000" cy="9144000"/>
@@ -245,7 +245,7 @@
           <a:p>
             <a:fld id="{0248B25D-8766-427E-8C9E-4845048D8DFC}" type="datetimeFigureOut">
               <a:rPr lang="en-US" smtClean="0"/>
-              <a:t>6/24/2020</a:t>
+              <a:t>6/29/2020</a:t>
             </a:fld>
             <a:endParaRPr lang="en-US" dirty="0"/>
           </a:p>
@@ -422,7 +422,7 @@
           <a:p>
             <a:fld id="{426F439B-391B-4B41-826A-951FCF412C34}" type="datetimeFigureOut">
               <a:rPr lang="en-US" smtClean="0"/>
-              <a:t>6/24/2020</a:t>
+              <a:t>6/29/2020</a:t>
             </a:fld>
             <a:endParaRPr lang="en-US" dirty="0"/>
           </a:p>
@@ -974,7 +974,7 @@
           <a:p>
             <a:fld id="{3CFA0038-7055-434C-B6C4-B8C69565C600}" type="slidenum">
               <a:rPr lang="en-US" smtClean="0"/>
-              <a:t>8</a:t>
+              <a:t>7</a:t>
             </a:fld>
             <a:endParaRPr lang="en-US" dirty="0"/>
           </a:p>
@@ -21568,7 +21568,12 @@
             <p:ph type="body" sz="quarter" idx="14"/>
           </p:nvPr>
         </p:nvSpPr>
-        <p:spPr/>
+        <p:spPr>
+          <a:xfrm>
+            <a:off x="2565400" y="4195470"/>
+            <a:ext cx="7252504" cy="711810"/>
+          </a:xfrm>
+        </p:spPr>
         <p:txBody>
           <a:bodyPr>
             <a:normAutofit/>
@@ -21579,6 +21584,15 @@
               <a:rPr lang="en-US" dirty="0"/>
               <a:t>Using Natural Language Processing to identify toxic speech</a:t>
             </a:r>
+          </a:p>
+          <a:p>
+            <a:r>
+              <a:rPr lang="en-US" dirty="0"/>
+              <a:t>By Andi Osika</a:t>
+            </a:r>
+          </a:p>
+          <a:p>
+            <a:endParaRPr lang="en-US" dirty="0"/>
           </a:p>
         </p:txBody>
       </p:sp>
@@ -21803,237 +21817,12 @@
           <a:chExt cx="0" cy="0"/>
         </a:xfrm>
       </p:grpSpPr>
-      <p:sp>
-        <p:nvSpPr>
-          <p:cNvPr id="7" name="Text Placeholder 6">
-            <a:extLst>
-              <a:ext uri="{FF2B5EF4-FFF2-40B4-BE49-F238E27FC236}">
-                <a16:creationId xmlns:a16="http://schemas.microsoft.com/office/drawing/2014/main" id="{87FCC6D1-213C-4A86-A2D0-742E15438C09}"/>
-              </a:ext>
-            </a:extLst>
-          </p:cNvPr>
-          <p:cNvSpPr>
-            <a:spLocks noGrp="1"/>
-          </p:cNvSpPr>
-          <p:nvPr>
-            <p:ph type="body" sz="quarter" idx="17"/>
-          </p:nvPr>
-        </p:nvSpPr>
-        <p:spPr>
-          <a:xfrm>
-            <a:off x="7486650" y="614715"/>
-            <a:ext cx="4639190" cy="1691133"/>
-          </a:xfrm>
-        </p:spPr>
-        <p:txBody>
-          <a:bodyPr>
-            <a:normAutofit/>
-          </a:bodyPr>
-          <a:lstStyle/>
-          <a:p>
-            <a:pPr marL="285750" indent="-285750">
-              <a:buFont typeface="Arial" panose="020B0604020202020204" pitchFamily="34" charset="0"/>
-              <a:buChar char="•"/>
-            </a:pPr>
-            <a:r>
-              <a:rPr lang="en-US" sz="1800" dirty="0"/>
-              <a:t>Collect more data around these more severe types of toxic comments to improve recognition.</a:t>
-            </a:r>
-          </a:p>
-          <a:p>
-            <a:pPr marL="285750" indent="-285750">
-              <a:buFont typeface="Arial" panose="020B0604020202020204" pitchFamily="34" charset="0"/>
-              <a:buChar char="•"/>
-            </a:pPr>
-            <a:r>
-              <a:rPr lang="en-US" sz="1800" dirty="0"/>
-              <a:t>Make </a:t>
-            </a:r>
-            <a:r>
-              <a:rPr lang="en-US" sz="2400" b="1" dirty="0">
-                <a:solidFill>
-                  <a:schemeClr val="accent1">
-                    <a:lumMod val="75000"/>
-                  </a:schemeClr>
-                </a:solidFill>
-              </a:rPr>
-              <a:t>threatening content </a:t>
-            </a:r>
-            <a:r>
-              <a:rPr lang="en-US" sz="1800" dirty="0"/>
-              <a:t>main target</a:t>
-            </a:r>
-          </a:p>
-        </p:txBody>
-      </p:sp>
-      <p:sp>
-        <p:nvSpPr>
-          <p:cNvPr id="5" name="Title 4">
-            <a:extLst>
-              <a:ext uri="{FF2B5EF4-FFF2-40B4-BE49-F238E27FC236}">
-                <a16:creationId xmlns:a16="http://schemas.microsoft.com/office/drawing/2014/main" id="{96DBE169-BA91-4B17-9AF2-4BAD528BEE06}"/>
-              </a:ext>
-            </a:extLst>
-          </p:cNvPr>
-          <p:cNvSpPr>
-            <a:spLocks noGrp="1"/>
-          </p:cNvSpPr>
-          <p:nvPr>
-            <p:ph type="title"/>
-          </p:nvPr>
-        </p:nvSpPr>
-        <p:spPr/>
-        <p:txBody>
-          <a:bodyPr/>
-          <a:lstStyle/>
-          <a:p>
-            <a:r>
-              <a:rPr lang="en-US" dirty="0"/>
-              <a:t>Future Work:</a:t>
-            </a:r>
-          </a:p>
-        </p:txBody>
-      </p:sp>
-      <p:sp>
-        <p:nvSpPr>
-          <p:cNvPr id="66" name="Text Placeholder 65">
-            <a:extLst>
-              <a:ext uri="{FF2B5EF4-FFF2-40B4-BE49-F238E27FC236}">
-                <a16:creationId xmlns:a16="http://schemas.microsoft.com/office/drawing/2014/main" id="{1AEF3ED8-A75C-4318-877C-139C98C0007D}"/>
-              </a:ext>
-            </a:extLst>
-          </p:cNvPr>
-          <p:cNvSpPr>
-            <a:spLocks noGrp="1"/>
-          </p:cNvSpPr>
-          <p:nvPr>
-            <p:ph type="body" sz="quarter" idx="12"/>
-          </p:nvPr>
-        </p:nvSpPr>
-        <p:spPr/>
-        <p:txBody>
-          <a:bodyPr>
-            <a:normAutofit/>
-          </a:bodyPr>
-          <a:lstStyle/>
-          <a:p>
-            <a:r>
-              <a:rPr lang="en-US" dirty="0"/>
-              <a:t>THREATS &amp; </a:t>
-            </a:r>
-          </a:p>
-          <a:p>
-            <a:r>
-              <a:rPr lang="en-US" dirty="0"/>
-              <a:t>SENTIMENT ANALYSIS</a:t>
-            </a:r>
-          </a:p>
-        </p:txBody>
-      </p:sp>
-      <p:sp>
-        <p:nvSpPr>
-          <p:cNvPr id="8" name="Text Placeholder 7">
-            <a:extLst>
-              <a:ext uri="{FF2B5EF4-FFF2-40B4-BE49-F238E27FC236}">
-                <a16:creationId xmlns:a16="http://schemas.microsoft.com/office/drawing/2014/main" id="{D9C2EAA8-D3C6-403B-B439-F95C60D0B3B9}"/>
-              </a:ext>
-            </a:extLst>
-          </p:cNvPr>
-          <p:cNvSpPr>
-            <a:spLocks noGrp="1"/>
-          </p:cNvSpPr>
-          <p:nvPr>
-            <p:ph type="body" sz="quarter" idx="11"/>
-          </p:nvPr>
-        </p:nvSpPr>
-        <p:spPr>
-          <a:xfrm>
-            <a:off x="838200" y="3498661"/>
-            <a:ext cx="4008438" cy="2777505"/>
-          </a:xfrm>
-        </p:spPr>
-        <p:txBody>
-          <a:bodyPr/>
-          <a:lstStyle/>
-          <a:p>
-            <a:r>
-              <a:rPr lang="en-US" dirty="0"/>
-              <a:t>Hopefully collective work can help everyone express themselves in more meaningful.</a:t>
-            </a:r>
-          </a:p>
-          <a:p>
-            <a:endParaRPr lang="en-US" dirty="0"/>
-          </a:p>
-          <a:p>
-            <a:endParaRPr lang="en-US" dirty="0"/>
-          </a:p>
-          <a:p>
-            <a:endParaRPr lang="en-US" dirty="0"/>
-          </a:p>
-          <a:p>
-            <a:r>
-              <a:rPr lang="en-US" dirty="0"/>
-              <a:t>Thankfully the most severe types of toxic comments are less frequent. In some situations, speech can constitute a crime, such as in the case of criminal threats. </a:t>
-            </a:r>
-          </a:p>
-          <a:p>
-            <a:endParaRPr lang="en-US" dirty="0"/>
-          </a:p>
-        </p:txBody>
-      </p:sp>
       <p:pic>
         <p:nvPicPr>
-          <p:cNvPr id="41" name="Picture Placeholder 40" title="Decorative"/>
-          <p:cNvPicPr>
-            <a:picLocks noGrp="1" noChangeAspect="1"/>
-          </p:cNvPicPr>
-          <p:nvPr>
-            <p:ph type="pic" sz="quarter" idx="14"/>
-          </p:nvPr>
-        </p:nvPicPr>
-        <p:blipFill rotWithShape="1">
-          <a:blip r:embed="rId2" cstate="email">
-            <a:duotone>
-              <a:schemeClr val="accent2">
-                <a:shade val="45000"/>
-                <a:satMod val="135000"/>
-              </a:schemeClr>
-              <a:prstClr val="white"/>
-            </a:duotone>
-            <a:extLst>
-              <a:ext uri="{BEBA8EAE-BF5A-486C-A8C5-ECC9F3942E4B}">
-                <a14:imgProps xmlns:a14="http://schemas.microsoft.com/office/drawing/2010/main">
-                  <a14:imgLayer r:embed="rId3">
-                    <a14:imgEffect>
-                      <a14:brightnessContrast bright="-100000"/>
-                    </a14:imgEffect>
-                  </a14:imgLayer>
-                </a14:imgProps>
-              </a:ext>
-              <a:ext uri="{28A0092B-C50C-407E-A947-70E740481C1C}">
-                <a14:useLocalDpi xmlns:a14="http://schemas.microsoft.com/office/drawing/2010/main"/>
-              </a:ext>
-            </a:extLst>
-          </a:blip>
-          <a:srcRect l="-13860" t="-15649" r="-14314" b="-12525"/>
-          <a:stretch/>
-        </p:blipFill>
-        <p:spPr>
-          <a:xfrm>
-            <a:off x="790266" y="500843"/>
-            <a:ext cx="885235" cy="885235"/>
-          </a:xfrm>
-          <a:prstGeom prst="rect">
-            <a:avLst/>
-          </a:prstGeom>
-        </p:spPr>
-      </p:pic>
-      <p:pic>
-        <p:nvPicPr>
-          <p:cNvPr id="13" name="Picture 12">
-            <a:extLst>
-              <a:ext uri="{FF2B5EF4-FFF2-40B4-BE49-F238E27FC236}">
-                <a16:creationId xmlns:a16="http://schemas.microsoft.com/office/drawing/2014/main" id="{28784754-6023-4509-8EBF-5497D01B354D}"/>
+          <p:cNvPr id="25" name="Picture Placeholder 8" title="Decorative">
+            <a:extLst>
+              <a:ext uri="{FF2B5EF4-FFF2-40B4-BE49-F238E27FC236}">
+                <a16:creationId xmlns:a16="http://schemas.microsoft.com/office/drawing/2014/main" id="{D74F7EF0-D38A-419F-A943-89F88B5B7A4C}"/>
               </a:ext>
             </a:extLst>
           </p:cNvPr>
@@ -22043,27 +21832,453 @@
           <p:nvPr/>
         </p:nvPicPr>
         <p:blipFill>
-          <a:blip r:embed="rId4"/>
+          <a:blip r:embed="rId2" cstate="email">
+            <a:extLst>
+              <a:ext uri="{28A0092B-C50C-407E-A947-70E740481C1C}">
+                <a14:useLocalDpi xmlns:a14="http://schemas.microsoft.com/office/drawing/2010/main"/>
+              </a:ext>
+            </a:extLst>
+          </a:blip>
+          <a:srcRect/>
           <a:stretch>
             <a:fillRect/>
           </a:stretch>
         </p:blipFill>
         <p:spPr>
           <a:xfrm>
-            <a:off x="7637025" y="2411052"/>
-            <a:ext cx="4161558" cy="2112791"/>
+            <a:off x="496029" y="618256"/>
+            <a:ext cx="2611637" cy="2376494"/>
           </a:xfrm>
           <a:prstGeom prst="rect">
             <a:avLst/>
           </a:prstGeom>
         </p:spPr>
       </p:pic>
+      <p:sp>
+        <p:nvSpPr>
+          <p:cNvPr id="10" name="Title 9">
+            <a:extLst>
+              <a:ext uri="{FF2B5EF4-FFF2-40B4-BE49-F238E27FC236}">
+                <a16:creationId xmlns:a16="http://schemas.microsoft.com/office/drawing/2014/main" id="{55D4DC6B-E774-4C3D-9238-F200BD832071}"/>
+              </a:ext>
+            </a:extLst>
+          </p:cNvPr>
+          <p:cNvSpPr>
+            <a:spLocks noGrp="1"/>
+          </p:cNvSpPr>
+          <p:nvPr>
+            <p:ph type="title"/>
+          </p:nvPr>
+        </p:nvSpPr>
+        <p:spPr>
+          <a:xfrm>
+            <a:off x="841057" y="2234610"/>
+            <a:ext cx="4008437" cy="1395208"/>
+          </a:xfrm>
+        </p:spPr>
+        <p:txBody>
+          <a:bodyPr anchor="b">
+            <a:normAutofit/>
+          </a:bodyPr>
+          <a:lstStyle/>
+          <a:p>
+            <a:r>
+              <a:rPr lang="en-US" sz="3700"/>
+              <a:t>Recommendations</a:t>
+            </a:r>
+          </a:p>
+        </p:txBody>
+      </p:sp>
+      <p:sp>
+        <p:nvSpPr>
+          <p:cNvPr id="11" name="Text Placeholder 10">
+            <a:extLst>
+              <a:ext uri="{FF2B5EF4-FFF2-40B4-BE49-F238E27FC236}">
+                <a16:creationId xmlns:a16="http://schemas.microsoft.com/office/drawing/2014/main" id="{B39CAC7D-23C7-4EA4-AEA8-97EFE6B7F9A2}"/>
+              </a:ext>
+            </a:extLst>
+          </p:cNvPr>
+          <p:cNvSpPr>
+            <a:spLocks noGrp="1"/>
+          </p:cNvSpPr>
+          <p:nvPr>
+            <p:ph type="body" sz="quarter" idx="12"/>
+          </p:nvPr>
+        </p:nvSpPr>
+        <p:spPr>
+          <a:xfrm>
+            <a:off x="841058" y="3695479"/>
+            <a:ext cx="4008437" cy="602887"/>
+          </a:xfrm>
+        </p:spPr>
+        <p:txBody>
+          <a:bodyPr anchor="t">
+            <a:normAutofit/>
+          </a:bodyPr>
+          <a:lstStyle/>
+          <a:p>
+            <a:r>
+              <a:rPr lang="en-US" dirty="0"/>
+              <a:t>So now what?:</a:t>
+            </a:r>
+          </a:p>
+        </p:txBody>
+      </p:sp>
       <p:pic>
         <p:nvPicPr>
-          <p:cNvPr id="28" name="Picture Placeholder 11" title="Decorative">
-            <a:extLst>
-              <a:ext uri="{FF2B5EF4-FFF2-40B4-BE49-F238E27FC236}">
-                <a16:creationId xmlns:a16="http://schemas.microsoft.com/office/drawing/2014/main" id="{A617490B-434C-4D5B-A53F-EDC7581BBB5E}"/>
+          <p:cNvPr id="14" name="Picture Placeholder 13" descr="Playbook">
+            <a:extLst>
+              <a:ext uri="{FF2B5EF4-FFF2-40B4-BE49-F238E27FC236}">
+                <a16:creationId xmlns:a16="http://schemas.microsoft.com/office/drawing/2014/main" id="{17DBA397-400A-4C4A-A061-CF21548A4FAB}"/>
+              </a:ext>
+            </a:extLst>
+          </p:cNvPr>
+          <p:cNvPicPr>
+            <a:picLocks noGrp="1" noChangeAspect="1"/>
+          </p:cNvPicPr>
+          <p:nvPr>
+            <p:ph type="pic" sz="quarter" idx="13"/>
+          </p:nvPr>
+        </p:nvPicPr>
+        <p:blipFill rotWithShape="1">
+          <a:blip r:embed="rId3">
+            <a:extLst>
+              <a:ext uri="{96DAC541-7B7A-43D3-8B79-37D633B846F1}">
+                <asvg:svgBlip xmlns:asvg="http://schemas.microsoft.com/office/drawing/2016/SVG/main" r:embed="rId4"/>
+              </a:ext>
+            </a:extLst>
+          </a:blip>
+          <a:stretch/>
+        </p:blipFill>
+        <p:spPr>
+          <a:xfrm>
+            <a:off x="6744563" y="527983"/>
+            <a:ext cx="973759" cy="973759"/>
+          </a:xfrm>
+        </p:spPr>
+      </p:pic>
+      <p:pic>
+        <p:nvPicPr>
+          <p:cNvPr id="16" name="Picture Placeholder 15" descr="Magnifying glass">
+            <a:extLst>
+              <a:ext uri="{FF2B5EF4-FFF2-40B4-BE49-F238E27FC236}">
+                <a16:creationId xmlns:a16="http://schemas.microsoft.com/office/drawing/2014/main" id="{911E5455-1362-4318-AEE8-E19830A8F53C}"/>
+              </a:ext>
+            </a:extLst>
+          </p:cNvPr>
+          <p:cNvPicPr>
+            <a:picLocks noGrp="1" noChangeAspect="1"/>
+          </p:cNvPicPr>
+          <p:nvPr>
+            <p:ph type="pic" sz="quarter" idx="14"/>
+          </p:nvPr>
+        </p:nvPicPr>
+        <p:blipFill rotWithShape="1">
+          <a:blip r:embed="rId5">
+            <a:extLst>
+              <a:ext uri="{96DAC541-7B7A-43D3-8B79-37D633B846F1}">
+                <asvg:svgBlip xmlns:asvg="http://schemas.microsoft.com/office/drawing/2016/SVG/main" r:embed="rId6"/>
+              </a:ext>
+            </a:extLst>
+          </a:blip>
+          <a:stretch/>
+        </p:blipFill>
+        <p:spPr>
+          <a:xfrm>
+            <a:off x="6744564" y="2044280"/>
+            <a:ext cx="973759" cy="973759"/>
+          </a:xfrm>
+        </p:spPr>
+      </p:pic>
+      <p:pic>
+        <p:nvPicPr>
+          <p:cNvPr id="22" name="Picture Placeholder 21" descr="Target">
+            <a:extLst>
+              <a:ext uri="{FF2B5EF4-FFF2-40B4-BE49-F238E27FC236}">
+                <a16:creationId xmlns:a16="http://schemas.microsoft.com/office/drawing/2014/main" id="{22596A5B-50A4-4022-924A-1708A741F03E}"/>
+              </a:ext>
+            </a:extLst>
+          </p:cNvPr>
+          <p:cNvPicPr>
+            <a:picLocks noGrp="1" noChangeAspect="1"/>
+          </p:cNvPicPr>
+          <p:nvPr>
+            <p:ph type="pic" sz="quarter" idx="16"/>
+          </p:nvPr>
+        </p:nvPicPr>
+        <p:blipFill rotWithShape="1">
+          <a:blip r:embed="rId7">
+            <a:extLst>
+              <a:ext uri="{96DAC541-7B7A-43D3-8B79-37D633B846F1}">
+                <asvg:svgBlip xmlns:asvg="http://schemas.microsoft.com/office/drawing/2016/SVG/main" r:embed="rId8"/>
+              </a:ext>
+            </a:extLst>
+          </a:blip>
+          <a:srcRect t="81" b="81"/>
+          <a:stretch/>
+        </p:blipFill>
+        <p:spPr>
+          <a:xfrm>
+            <a:off x="6855627" y="5049313"/>
+            <a:ext cx="973759" cy="972181"/>
+          </a:xfrm>
+        </p:spPr>
+      </p:pic>
+      <p:sp>
+        <p:nvSpPr>
+          <p:cNvPr id="2" name="Text Placeholder 1">
+            <a:extLst>
+              <a:ext uri="{FF2B5EF4-FFF2-40B4-BE49-F238E27FC236}">
+                <a16:creationId xmlns:a16="http://schemas.microsoft.com/office/drawing/2014/main" id="{E283FD54-E6C7-4991-AF57-FE6535B82773}"/>
+              </a:ext>
+            </a:extLst>
+          </p:cNvPr>
+          <p:cNvSpPr>
+            <a:spLocks noGrp="1"/>
+          </p:cNvSpPr>
+          <p:nvPr>
+            <p:ph type="body" sz="quarter" idx="17"/>
+          </p:nvPr>
+        </p:nvSpPr>
+        <p:spPr>
+          <a:xfrm>
+            <a:off x="7743863" y="1880143"/>
+            <a:ext cx="4320299" cy="1297474"/>
+          </a:xfrm>
+        </p:spPr>
+        <p:txBody>
+          <a:bodyPr anchor="ctr">
+            <a:normAutofit/>
+          </a:bodyPr>
+          <a:lstStyle/>
+          <a:p>
+            <a:r>
+              <a:rPr lang="en-US" sz="1600" b="1" dirty="0">
+                <a:solidFill>
+                  <a:schemeClr val="accent5">
+                    <a:lumMod val="75000"/>
+                    <a:lumOff val="25000"/>
+                  </a:schemeClr>
+                </a:solidFill>
+              </a:rPr>
+              <a:t>Use model to identify varying levels of toxicity  to </a:t>
+            </a:r>
+            <a:r>
+              <a:rPr lang="en-US" sz="2000" b="1" dirty="0">
+                <a:solidFill>
+                  <a:srgbClr val="002060"/>
+                </a:solidFill>
+              </a:rPr>
+              <a:t>promote brand loyalty </a:t>
+            </a:r>
+            <a:r>
+              <a:rPr lang="en-US" sz="1600" b="1" dirty="0">
+                <a:solidFill>
+                  <a:schemeClr val="accent5">
+                    <a:lumMod val="75000"/>
+                    <a:lumOff val="25000"/>
+                  </a:schemeClr>
+                </a:solidFill>
+              </a:rPr>
+              <a:t>by aligning with ideals of free speech AND creating a safe culture where true threats and hate aren’t tolerated</a:t>
+            </a:r>
+          </a:p>
+        </p:txBody>
+      </p:sp>
+      <p:sp>
+        <p:nvSpPr>
+          <p:cNvPr id="3" name="Text Placeholder 2">
+            <a:extLst>
+              <a:ext uri="{FF2B5EF4-FFF2-40B4-BE49-F238E27FC236}">
+                <a16:creationId xmlns:a16="http://schemas.microsoft.com/office/drawing/2014/main" id="{9AFC142F-5BBE-44FC-BCC8-C09A6F3558E6}"/>
+              </a:ext>
+            </a:extLst>
+          </p:cNvPr>
+          <p:cNvSpPr>
+            <a:spLocks noGrp="1"/>
+          </p:cNvSpPr>
+          <p:nvPr>
+            <p:ph type="body" sz="quarter" idx="18"/>
+          </p:nvPr>
+        </p:nvSpPr>
+        <p:spPr>
+          <a:xfrm>
+            <a:off x="7718323" y="618256"/>
+            <a:ext cx="3977648" cy="731694"/>
+          </a:xfrm>
+        </p:spPr>
+        <p:txBody>
+          <a:bodyPr anchor="ctr">
+            <a:normAutofit/>
+          </a:bodyPr>
+          <a:lstStyle/>
+          <a:p>
+            <a:r>
+              <a:rPr lang="en-US" sz="2000" b="1" dirty="0">
+                <a:solidFill>
+                  <a:srgbClr val="002060"/>
+                </a:solidFill>
+              </a:rPr>
+              <a:t>Develop metrics </a:t>
+            </a:r>
+            <a:r>
+              <a:rPr lang="en-US" sz="1600" b="1" dirty="0">
+                <a:solidFill>
+                  <a:schemeClr val="accent5">
+                    <a:lumMod val="75000"/>
+                    <a:lumOff val="25000"/>
+                  </a:schemeClr>
+                </a:solidFill>
+              </a:rPr>
+              <a:t>and actionable plans for varying levels of toxicity</a:t>
+            </a:r>
+          </a:p>
+        </p:txBody>
+      </p:sp>
+      <p:sp>
+        <p:nvSpPr>
+          <p:cNvPr id="4" name="Text Placeholder 3">
+            <a:extLst>
+              <a:ext uri="{FF2B5EF4-FFF2-40B4-BE49-F238E27FC236}">
+                <a16:creationId xmlns:a16="http://schemas.microsoft.com/office/drawing/2014/main" id="{3302DD29-F241-4A45-9C84-25EF073180F7}"/>
+              </a:ext>
+            </a:extLst>
+          </p:cNvPr>
+          <p:cNvSpPr>
+            <a:spLocks noGrp="1"/>
+          </p:cNvSpPr>
+          <p:nvPr>
+            <p:ph type="body" sz="quarter" idx="19"/>
+          </p:nvPr>
+        </p:nvSpPr>
+        <p:spPr>
+          <a:xfrm>
+            <a:off x="7829386" y="5208771"/>
+            <a:ext cx="4149254" cy="731694"/>
+          </a:xfrm>
+        </p:spPr>
+        <p:txBody>
+          <a:bodyPr anchor="ctr">
+            <a:normAutofit fontScale="77500" lnSpcReduction="20000"/>
+          </a:bodyPr>
+          <a:lstStyle/>
+          <a:p>
+            <a:r>
+              <a:rPr lang="en-US" sz="1600" b="1" dirty="0">
+                <a:solidFill>
+                  <a:schemeClr val="accent5">
+                    <a:lumMod val="75000"/>
+                    <a:lumOff val="25000"/>
+                  </a:schemeClr>
+                </a:solidFill>
+              </a:rPr>
+              <a:t>Invest in future work to further develop existing models to </a:t>
+            </a:r>
+            <a:r>
+              <a:rPr lang="en-US" sz="2200" b="1" dirty="0">
+                <a:solidFill>
+                  <a:schemeClr val="accent5">
+                    <a:lumMod val="75000"/>
+                    <a:lumOff val="25000"/>
+                  </a:schemeClr>
+                </a:solidFill>
+              </a:rPr>
+              <a:t>specifically identify severe forms</a:t>
+            </a:r>
+            <a:r>
+              <a:rPr lang="en-US" sz="1600" b="1" dirty="0">
+                <a:solidFill>
+                  <a:schemeClr val="accent5">
+                    <a:lumMod val="75000"/>
+                    <a:lumOff val="25000"/>
+                  </a:schemeClr>
+                </a:solidFill>
+              </a:rPr>
+              <a:t>, </a:t>
+            </a:r>
+            <a:r>
+              <a:rPr lang="en-US" sz="2300" b="1" dirty="0">
+                <a:solidFill>
+                  <a:srgbClr val="002060"/>
+                </a:solidFill>
+              </a:rPr>
+              <a:t>targeting threats and identity based hate specifically</a:t>
+            </a:r>
+            <a:endParaRPr lang="en-US" sz="1600" b="1" dirty="0">
+              <a:solidFill>
+                <a:srgbClr val="002060"/>
+              </a:solidFill>
+            </a:endParaRPr>
+          </a:p>
+        </p:txBody>
+      </p:sp>
+      <p:sp>
+        <p:nvSpPr>
+          <p:cNvPr id="5" name="Text Placeholder 4">
+            <a:extLst>
+              <a:ext uri="{FF2B5EF4-FFF2-40B4-BE49-F238E27FC236}">
+                <a16:creationId xmlns:a16="http://schemas.microsoft.com/office/drawing/2014/main" id="{3BD89B92-B364-4000-8D59-2875AD0DC0D2}"/>
+              </a:ext>
+            </a:extLst>
+          </p:cNvPr>
+          <p:cNvSpPr>
+            <a:spLocks noGrp="1"/>
+          </p:cNvSpPr>
+          <p:nvPr>
+            <p:ph type="body" sz="quarter" idx="20"/>
+          </p:nvPr>
+        </p:nvSpPr>
+        <p:spPr>
+          <a:xfrm>
+            <a:off x="7812119" y="3760770"/>
+            <a:ext cx="3977648" cy="731694"/>
+          </a:xfrm>
+        </p:spPr>
+        <p:txBody>
+          <a:bodyPr anchor="ctr">
+            <a:normAutofit fontScale="85000" lnSpcReduction="10000"/>
+          </a:bodyPr>
+          <a:lstStyle/>
+          <a:p>
+            <a:r>
+              <a:rPr lang="en-US" sz="1800" b="1" dirty="0">
+                <a:solidFill>
+                  <a:schemeClr val="accent5">
+                    <a:lumMod val="75000"/>
+                    <a:lumOff val="25000"/>
+                  </a:schemeClr>
+                </a:solidFill>
+              </a:rPr>
+              <a:t>Research </a:t>
+            </a:r>
+            <a:r>
+              <a:rPr lang="en-US" sz="2400" b="1" dirty="0">
+                <a:solidFill>
+                  <a:srgbClr val="002060"/>
+                </a:solidFill>
+              </a:rPr>
+              <a:t>and implement best practices </a:t>
+            </a:r>
+            <a:r>
+              <a:rPr lang="en-US" sz="1800" b="1" dirty="0">
+                <a:solidFill>
+                  <a:schemeClr val="accent5">
+                    <a:lumMod val="75000"/>
+                    <a:lumOff val="25000"/>
+                  </a:schemeClr>
+                </a:solidFill>
+              </a:rPr>
+              <a:t>so that everyone feels comfortable sharing thoughts. </a:t>
+            </a:r>
+          </a:p>
+        </p:txBody>
+      </p:sp>
+      <p:pic>
+        <p:nvPicPr>
+          <p:cNvPr id="31" name="Graphic 30" descr="Smiling face with no fill">
+            <a:extLst>
+              <a:ext uri="{FF2B5EF4-FFF2-40B4-BE49-F238E27FC236}">
+                <a16:creationId xmlns:a16="http://schemas.microsoft.com/office/drawing/2014/main" id="{1AA98A27-3CB7-4468-9233-01EAE186E32A}"/>
               </a:ext>
             </a:extLst>
           </p:cNvPr>
@@ -22073,235 +22288,67 @@
           <p:nvPr/>
         </p:nvPicPr>
         <p:blipFill>
-          <a:blip r:embed="rId5" cstate="email">
-            <a:extLst>
-              <a:ext uri="{28A0092B-C50C-407E-A947-70E740481C1C}">
-                <a14:useLocalDpi xmlns:a14="http://schemas.microsoft.com/office/drawing/2010/main"/>
+          <a:blip r:embed="rId9">
+            <a:extLst>
+              <a:ext uri="{96DAC541-7B7A-43D3-8B79-37D633B846F1}">
+                <asvg:svgBlip xmlns:asvg="http://schemas.microsoft.com/office/drawing/2016/SVG/main" r:embed="rId10"/>
               </a:ext>
             </a:extLst>
           </a:blip>
-          <a:srcRect/>
           <a:stretch>
             <a:fillRect/>
           </a:stretch>
         </p:blipFill>
         <p:spPr>
-          <a:xfrm flipH="1">
-            <a:off x="4465888" y="581834"/>
-            <a:ext cx="1869440" cy="2749520"/>
+          <a:xfrm>
+            <a:off x="6803923" y="3656265"/>
+            <a:ext cx="914400" cy="914400"/>
           </a:xfrm>
           <a:prstGeom prst="rect">
             <a:avLst/>
           </a:prstGeom>
         </p:spPr>
       </p:pic>
-      <p:sp>
-        <p:nvSpPr>
-          <p:cNvPr id="11" name="Text Placeholder 6">
-            <a:extLst>
-              <a:ext uri="{FF2B5EF4-FFF2-40B4-BE49-F238E27FC236}">
-                <a16:creationId xmlns:a16="http://schemas.microsoft.com/office/drawing/2014/main" id="{2463E68D-89A7-42B6-996B-B316F90E08A4}"/>
-              </a:ext>
-            </a:extLst>
-          </p:cNvPr>
-          <p:cNvSpPr txBox="1">
-            <a:spLocks/>
-          </p:cNvSpPr>
+      <p:pic>
+        <p:nvPicPr>
+          <p:cNvPr id="33" name="Graphic 32" descr="Glasses">
+            <a:extLst>
+              <a:ext uri="{FF2B5EF4-FFF2-40B4-BE49-F238E27FC236}">
+                <a16:creationId xmlns:a16="http://schemas.microsoft.com/office/drawing/2014/main" id="{B9C8922B-7148-44EC-802B-6FE090A68ABF}"/>
+              </a:ext>
+            </a:extLst>
+          </p:cNvPr>
+          <p:cNvPicPr>
+            <a:picLocks noChangeAspect="1"/>
+          </p:cNvPicPr>
           <p:nvPr/>
-        </p:nvSpPr>
-        <p:spPr>
-          <a:xfrm>
-            <a:off x="7398209" y="4808437"/>
-            <a:ext cx="4639190" cy="1691133"/>
+        </p:nvPicPr>
+        <p:blipFill>
+          <a:blip r:embed="rId11">
+            <a:extLst>
+              <a:ext uri="{96DAC541-7B7A-43D3-8B79-37D633B846F1}">
+                <asvg:svgBlip xmlns:asvg="http://schemas.microsoft.com/office/drawing/2016/SVG/main" r:embed="rId12"/>
+              </a:ext>
+            </a:extLst>
+          </a:blip>
+          <a:stretch>
+            <a:fillRect/>
+          </a:stretch>
+        </p:blipFill>
+        <p:spPr>
+          <a:xfrm>
+            <a:off x="6932114" y="3742020"/>
+            <a:ext cx="658018" cy="658018"/>
           </a:xfrm>
           <a:prstGeom prst="rect">
             <a:avLst/>
           </a:prstGeom>
         </p:spPr>
-        <p:txBody>
-          <a:bodyPr vert="horz" lIns="91440" tIns="45720" rIns="91440" bIns="45720" rtlCol="0" anchor="ctr">
-            <a:normAutofit/>
-          </a:bodyPr>
-          <a:lstStyle>
-            <a:lvl1pPr marL="0" indent="0" algn="l" defTabSz="914400" rtl="0" eaLnBrk="1" latinLnBrk="0" hangingPunct="1">
-              <a:lnSpc>
-                <a:spcPct val="90000"/>
-              </a:lnSpc>
-              <a:spcBef>
-                <a:spcPts val="1000"/>
-              </a:spcBef>
-              <a:buFont typeface="Arial" panose="020B0604020202020204" pitchFamily="34" charset="0"/>
-              <a:buNone/>
-              <a:defRPr sz="1400" b="0" i="0" kern="1200">
-                <a:solidFill>
-                  <a:schemeClr val="tx2"/>
-                </a:solidFill>
-                <a:latin typeface="+mn-lt"/>
-                <a:ea typeface="+mn-ea"/>
-                <a:cs typeface="Arial" panose="020B0604020202020204" pitchFamily="34" charset="0"/>
-              </a:defRPr>
-            </a:lvl1pPr>
-            <a:lvl2pPr marL="685800" indent="-228600" algn="l" defTabSz="914400" rtl="0" eaLnBrk="1" latinLnBrk="0" hangingPunct="1">
-              <a:lnSpc>
-                <a:spcPct val="90000"/>
-              </a:lnSpc>
-              <a:spcBef>
-                <a:spcPts val="500"/>
-              </a:spcBef>
-              <a:buFont typeface="Arial" panose="020B0604020202020204" pitchFamily="34" charset="0"/>
-              <a:buChar char="•"/>
-              <a:defRPr sz="1800" b="0" i="0" kern="1200">
-                <a:solidFill>
-                  <a:schemeClr val="tx2"/>
-                </a:solidFill>
-                <a:latin typeface="+mn-lt"/>
-                <a:ea typeface="+mn-ea"/>
-                <a:cs typeface="Arial" panose="020B0604020202020204" pitchFamily="34" charset="0"/>
-              </a:defRPr>
-            </a:lvl2pPr>
-            <a:lvl3pPr marL="1143000" indent="-228600" algn="l" defTabSz="914400" rtl="0" eaLnBrk="1" latinLnBrk="0" hangingPunct="1">
-              <a:lnSpc>
-                <a:spcPct val="90000"/>
-              </a:lnSpc>
-              <a:spcBef>
-                <a:spcPts val="500"/>
-              </a:spcBef>
-              <a:buFont typeface="Arial" panose="020B0604020202020204" pitchFamily="34" charset="0"/>
-              <a:buChar char="•"/>
-              <a:defRPr sz="1600" b="0" i="0" kern="1200">
-                <a:solidFill>
-                  <a:schemeClr val="tx2"/>
-                </a:solidFill>
-                <a:latin typeface="+mn-lt"/>
-                <a:ea typeface="+mn-ea"/>
-                <a:cs typeface="Arial" panose="020B0604020202020204" pitchFamily="34" charset="0"/>
-              </a:defRPr>
-            </a:lvl3pPr>
-            <a:lvl4pPr marL="1600200" indent="-228600" algn="l" defTabSz="914400" rtl="0" eaLnBrk="1" latinLnBrk="0" hangingPunct="1">
-              <a:lnSpc>
-                <a:spcPct val="90000"/>
-              </a:lnSpc>
-              <a:spcBef>
-                <a:spcPts val="500"/>
-              </a:spcBef>
-              <a:buFont typeface="Arial" panose="020B0604020202020204" pitchFamily="34" charset="0"/>
-              <a:buChar char="•"/>
-              <a:defRPr sz="1400" b="0" i="0" kern="1200">
-                <a:solidFill>
-                  <a:schemeClr val="tx2"/>
-                </a:solidFill>
-                <a:latin typeface="+mn-lt"/>
-                <a:ea typeface="+mn-ea"/>
-                <a:cs typeface="Arial" panose="020B0604020202020204" pitchFamily="34" charset="0"/>
-              </a:defRPr>
-            </a:lvl4pPr>
-            <a:lvl5pPr marL="2057400" indent="-228600" algn="l" defTabSz="914400" rtl="0" eaLnBrk="1" latinLnBrk="0" hangingPunct="1">
-              <a:lnSpc>
-                <a:spcPct val="90000"/>
-              </a:lnSpc>
-              <a:spcBef>
-                <a:spcPts val="500"/>
-              </a:spcBef>
-              <a:buFont typeface="Arial" panose="020B0604020202020204" pitchFamily="34" charset="0"/>
-              <a:buChar char="•"/>
-              <a:defRPr sz="1400" b="0" i="0" kern="1200">
-                <a:solidFill>
-                  <a:schemeClr val="tx2"/>
-                </a:solidFill>
-                <a:latin typeface="+mn-lt"/>
-                <a:ea typeface="+mn-ea"/>
-                <a:cs typeface="Arial" panose="020B0604020202020204" pitchFamily="34" charset="0"/>
-              </a:defRPr>
-            </a:lvl5pPr>
-            <a:lvl6pPr marL="2514600" indent="-228600" algn="l" defTabSz="914400" rtl="0" eaLnBrk="1" latinLnBrk="0" hangingPunct="1">
-              <a:lnSpc>
-                <a:spcPct val="90000"/>
-              </a:lnSpc>
-              <a:spcBef>
-                <a:spcPts val="500"/>
-              </a:spcBef>
-              <a:buFont typeface="Arial" panose="020B0604020202020204" pitchFamily="34" charset="0"/>
-              <a:buChar char="•"/>
-              <a:defRPr sz="1800" kern="1200">
-                <a:solidFill>
-                  <a:schemeClr val="tx1"/>
-                </a:solidFill>
-                <a:latin typeface="+mn-lt"/>
-                <a:ea typeface="+mn-ea"/>
-                <a:cs typeface="+mn-cs"/>
-              </a:defRPr>
-            </a:lvl6pPr>
-            <a:lvl7pPr marL="2971800" indent="-228600" algn="l" defTabSz="914400" rtl="0" eaLnBrk="1" latinLnBrk="0" hangingPunct="1">
-              <a:lnSpc>
-                <a:spcPct val="90000"/>
-              </a:lnSpc>
-              <a:spcBef>
-                <a:spcPts val="500"/>
-              </a:spcBef>
-              <a:buFont typeface="Arial" panose="020B0604020202020204" pitchFamily="34" charset="0"/>
-              <a:buChar char="•"/>
-              <a:defRPr sz="1800" kern="1200">
-                <a:solidFill>
-                  <a:schemeClr val="tx1"/>
-                </a:solidFill>
-                <a:latin typeface="+mn-lt"/>
-                <a:ea typeface="+mn-ea"/>
-                <a:cs typeface="+mn-cs"/>
-              </a:defRPr>
-            </a:lvl7pPr>
-            <a:lvl8pPr marL="3429000" indent="-228600" algn="l" defTabSz="914400" rtl="0" eaLnBrk="1" latinLnBrk="0" hangingPunct="1">
-              <a:lnSpc>
-                <a:spcPct val="90000"/>
-              </a:lnSpc>
-              <a:spcBef>
-                <a:spcPts val="500"/>
-              </a:spcBef>
-              <a:buFont typeface="Arial" panose="020B0604020202020204" pitchFamily="34" charset="0"/>
-              <a:buChar char="•"/>
-              <a:defRPr sz="1800" kern="1200">
-                <a:solidFill>
-                  <a:schemeClr val="tx1"/>
-                </a:solidFill>
-                <a:latin typeface="+mn-lt"/>
-                <a:ea typeface="+mn-ea"/>
-                <a:cs typeface="+mn-cs"/>
-              </a:defRPr>
-            </a:lvl8pPr>
-            <a:lvl9pPr marL="3886200" indent="-228600" algn="l" defTabSz="914400" rtl="0" eaLnBrk="1" latinLnBrk="0" hangingPunct="1">
-              <a:lnSpc>
-                <a:spcPct val="90000"/>
-              </a:lnSpc>
-              <a:spcBef>
-                <a:spcPts val="500"/>
-              </a:spcBef>
-              <a:buFont typeface="Arial" panose="020B0604020202020204" pitchFamily="34" charset="0"/>
-              <a:buChar char="•"/>
-              <a:defRPr sz="1800" kern="1200">
-                <a:solidFill>
-                  <a:schemeClr val="tx1"/>
-                </a:solidFill>
-                <a:latin typeface="+mn-lt"/>
-                <a:ea typeface="+mn-ea"/>
-                <a:cs typeface="+mn-cs"/>
-              </a:defRPr>
-            </a:lvl9pPr>
-          </a:lstStyle>
-          <a:p>
-            <a:pPr marL="285750" indent="-285750">
-              <a:buFont typeface="Arial" panose="020B0604020202020204" pitchFamily="34" charset="0"/>
-              <a:buChar char="•"/>
-            </a:pPr>
-            <a:r>
-              <a:rPr lang="en-US" sz="1800" dirty="0"/>
-              <a:t>Comparative analysis on sentence sentiment rather than word.</a:t>
-            </a:r>
-          </a:p>
-        </p:txBody>
-      </p:sp>
+      </p:pic>
     </p:spTree>
     <p:extLst>
       <p:ext uri="{BB962C8B-B14F-4D97-AF65-F5344CB8AC3E}">
-        <p14:creationId xmlns:p14="http://schemas.microsoft.com/office/powerpoint/2010/main" val="2032607428"/>
+        <p14:creationId xmlns:p14="http://schemas.microsoft.com/office/powerpoint/2010/main" val="4058259925"/>
       </p:ext>
     </p:extLst>
   </p:cSld>
@@ -22328,96 +22375,277 @@
           <a:chExt cx="0" cy="0"/>
         </a:xfrm>
       </p:grpSpPr>
+      <p:sp>
+        <p:nvSpPr>
+          <p:cNvPr id="7" name="Text Placeholder 6">
+            <a:extLst>
+              <a:ext uri="{FF2B5EF4-FFF2-40B4-BE49-F238E27FC236}">
+                <a16:creationId xmlns:a16="http://schemas.microsoft.com/office/drawing/2014/main" id="{87FCC6D1-213C-4A86-A2D0-742E15438C09}"/>
+              </a:ext>
+            </a:extLst>
+          </p:cNvPr>
+          <p:cNvSpPr>
+            <a:spLocks noGrp="1"/>
+          </p:cNvSpPr>
+          <p:nvPr>
+            <p:ph type="body" sz="quarter" idx="17"/>
+          </p:nvPr>
+        </p:nvSpPr>
+        <p:spPr>
+          <a:xfrm>
+            <a:off x="7486650" y="614715"/>
+            <a:ext cx="4639190" cy="1691133"/>
+          </a:xfrm>
+        </p:spPr>
+        <p:txBody>
+          <a:bodyPr>
+            <a:normAutofit/>
+          </a:bodyPr>
+          <a:lstStyle/>
+          <a:p>
+            <a:pPr marL="285750" indent="-285750">
+              <a:buFont typeface="Arial" panose="020B0604020202020204" pitchFamily="34" charset="0"/>
+              <a:buChar char="•"/>
+            </a:pPr>
+            <a:r>
+              <a:rPr lang="en-US" sz="1800" dirty="0"/>
+              <a:t>Collect more data around these more severe types of toxic comments to improve recognition.</a:t>
+            </a:r>
+          </a:p>
+          <a:p>
+            <a:pPr marL="285750" indent="-285750">
+              <a:buFont typeface="Arial" panose="020B0604020202020204" pitchFamily="34" charset="0"/>
+              <a:buChar char="•"/>
+            </a:pPr>
+            <a:r>
+              <a:rPr lang="en-US" sz="1800" dirty="0"/>
+              <a:t>Make </a:t>
+            </a:r>
+            <a:r>
+              <a:rPr lang="en-US" sz="2400" b="1" dirty="0">
+                <a:solidFill>
+                  <a:schemeClr val="accent1">
+                    <a:lumMod val="75000"/>
+                  </a:schemeClr>
+                </a:solidFill>
+              </a:rPr>
+              <a:t>threatening content </a:t>
+            </a:r>
+            <a:r>
+              <a:rPr lang="en-US" sz="1800" dirty="0"/>
+              <a:t>main target</a:t>
+            </a:r>
+          </a:p>
+        </p:txBody>
+      </p:sp>
+      <p:sp>
+        <p:nvSpPr>
+          <p:cNvPr id="5" name="Title 4">
+            <a:extLst>
+              <a:ext uri="{FF2B5EF4-FFF2-40B4-BE49-F238E27FC236}">
+                <a16:creationId xmlns:a16="http://schemas.microsoft.com/office/drawing/2014/main" id="{96DBE169-BA91-4B17-9AF2-4BAD528BEE06}"/>
+              </a:ext>
+            </a:extLst>
+          </p:cNvPr>
+          <p:cNvSpPr>
+            <a:spLocks noGrp="1"/>
+          </p:cNvSpPr>
+          <p:nvPr>
+            <p:ph type="title"/>
+          </p:nvPr>
+        </p:nvSpPr>
+        <p:spPr/>
+        <p:txBody>
+          <a:bodyPr/>
+          <a:lstStyle/>
+          <a:p>
+            <a:r>
+              <a:rPr lang="en-US" dirty="0"/>
+              <a:t>Future Work:</a:t>
+            </a:r>
+          </a:p>
+        </p:txBody>
+      </p:sp>
+      <p:sp>
+        <p:nvSpPr>
+          <p:cNvPr id="66" name="Text Placeholder 65">
+            <a:extLst>
+              <a:ext uri="{FF2B5EF4-FFF2-40B4-BE49-F238E27FC236}">
+                <a16:creationId xmlns:a16="http://schemas.microsoft.com/office/drawing/2014/main" id="{1AEF3ED8-A75C-4318-877C-139C98C0007D}"/>
+              </a:ext>
+            </a:extLst>
+          </p:cNvPr>
+          <p:cNvSpPr>
+            <a:spLocks noGrp="1"/>
+          </p:cNvSpPr>
+          <p:nvPr>
+            <p:ph type="body" sz="quarter" idx="12"/>
+          </p:nvPr>
+        </p:nvSpPr>
+        <p:spPr/>
+        <p:txBody>
+          <a:bodyPr>
+            <a:normAutofit/>
+          </a:bodyPr>
+          <a:lstStyle/>
+          <a:p>
+            <a:r>
+              <a:rPr lang="en-US" dirty="0"/>
+              <a:t>THREATS &amp; </a:t>
+            </a:r>
+          </a:p>
+          <a:p>
+            <a:r>
+              <a:rPr lang="en-US" dirty="0"/>
+              <a:t>SENTIMENT ANALYSIS</a:t>
+            </a:r>
+          </a:p>
+        </p:txBody>
+      </p:sp>
+      <p:sp>
+        <p:nvSpPr>
+          <p:cNvPr id="8" name="Text Placeholder 7">
+            <a:extLst>
+              <a:ext uri="{FF2B5EF4-FFF2-40B4-BE49-F238E27FC236}">
+                <a16:creationId xmlns:a16="http://schemas.microsoft.com/office/drawing/2014/main" id="{D9C2EAA8-D3C6-403B-B439-F95C60D0B3B9}"/>
+              </a:ext>
+            </a:extLst>
+          </p:cNvPr>
+          <p:cNvSpPr>
+            <a:spLocks noGrp="1"/>
+          </p:cNvSpPr>
+          <p:nvPr>
+            <p:ph type="body" sz="quarter" idx="11"/>
+          </p:nvPr>
+        </p:nvSpPr>
+        <p:spPr>
+          <a:xfrm>
+            <a:off x="838200" y="3498661"/>
+            <a:ext cx="4008438" cy="2777505"/>
+          </a:xfrm>
+        </p:spPr>
+        <p:txBody>
+          <a:bodyPr/>
+          <a:lstStyle/>
+          <a:p>
+            <a:r>
+              <a:rPr lang="en-US" dirty="0"/>
+              <a:t>Hopefully collective work can help everyone express themselves in more meaningful.</a:t>
+            </a:r>
+          </a:p>
+          <a:p>
+            <a:endParaRPr lang="en-US" dirty="0"/>
+          </a:p>
+          <a:p>
+            <a:endParaRPr lang="en-US" dirty="0"/>
+          </a:p>
+          <a:p>
+            <a:endParaRPr lang="en-US" dirty="0"/>
+          </a:p>
+          <a:p>
+            <a:r>
+              <a:rPr lang="en-US" dirty="0"/>
+              <a:t>Thankfully the most severe types of toxic comments are less frequent. In some situations, speech can constitute a crime, such as in the case of criminal threats. </a:t>
+            </a:r>
+          </a:p>
+          <a:p>
+            <a:endParaRPr lang="en-US" dirty="0"/>
+          </a:p>
+        </p:txBody>
+      </p:sp>
       <p:pic>
         <p:nvPicPr>
-          <p:cNvPr id="14" name="Picture Placeholder 13">
-            <a:extLst>
-              <a:ext uri="{FF2B5EF4-FFF2-40B4-BE49-F238E27FC236}">
-                <a16:creationId xmlns:a16="http://schemas.microsoft.com/office/drawing/2014/main" id="{D81EF999-A884-4768-A0F6-4A5244B24ED1}"/>
-              </a:ext>
-              <a:ext uri="{C183D7F6-B498-43B3-948B-1728B52AA6E4}">
-                <adec:decorative xmlns:adec="http://schemas.microsoft.com/office/drawing/2017/decorative" val="1"/>
-              </a:ext>
-            </a:extLst>
-          </p:cNvPr>
+          <p:cNvPr id="41" name="Picture Placeholder 40" title="Decorative"/>
           <p:cNvPicPr>
             <a:picLocks noGrp="1" noChangeAspect="1"/>
           </p:cNvPicPr>
           <p:nvPr>
-            <p:ph type="pic" sz="quarter" idx="10"/>
+            <p:ph type="pic" sz="quarter" idx="14"/>
           </p:nvPr>
         </p:nvPicPr>
         <p:blipFill rotWithShape="1">
           <a:blip r:embed="rId2" cstate="email">
-            <a:extLst>
+            <a:duotone>
+              <a:schemeClr val="accent2">
+                <a:shade val="45000"/>
+                <a:satMod val="135000"/>
+              </a:schemeClr>
+              <a:prstClr val="white"/>
+            </a:duotone>
+            <a:extLst>
+              <a:ext uri="{BEBA8EAE-BF5A-486C-A8C5-ECC9F3942E4B}">
+                <a14:imgProps xmlns:a14="http://schemas.microsoft.com/office/drawing/2010/main">
+                  <a14:imgLayer r:embed="rId3">
+                    <a14:imgEffect>
+                      <a14:brightnessContrast bright="-100000"/>
+                    </a14:imgEffect>
+                  </a14:imgLayer>
+                </a14:imgProps>
+              </a:ext>
               <a:ext uri="{28A0092B-C50C-407E-A947-70E740481C1C}">
                 <a14:useLocalDpi xmlns:a14="http://schemas.microsoft.com/office/drawing/2010/main"/>
               </a:ext>
             </a:extLst>
           </a:blip>
-          <a:srcRect/>
+          <a:srcRect l="-13860" t="-15649" r="-14314" b="-12525"/>
           <a:stretch/>
         </p:blipFill>
         <p:spPr>
-          <a:xfrm flipH="1">
-            <a:off x="212725" y="1260389"/>
-            <a:ext cx="2816352" cy="3173816"/>
-          </a:xfrm>
+          <a:xfrm>
+            <a:off x="790266" y="500843"/>
+            <a:ext cx="885235" cy="885235"/>
+          </a:xfrm>
+          <a:prstGeom prst="rect">
+            <a:avLst/>
+          </a:prstGeom>
         </p:spPr>
       </p:pic>
       <p:pic>
         <p:nvPicPr>
-          <p:cNvPr id="36" name="Picture Placeholder 35">
-            <a:extLst>
-              <a:ext uri="{FF2B5EF4-FFF2-40B4-BE49-F238E27FC236}">
-                <a16:creationId xmlns:a16="http://schemas.microsoft.com/office/drawing/2014/main" id="{6CBE990D-619E-4EC3-8E3B-3235FF40870D}"/>
-              </a:ext>
-              <a:ext uri="{C183D7F6-B498-43B3-948B-1728B52AA6E4}">
-                <adec:decorative xmlns:adec="http://schemas.microsoft.com/office/drawing/2017/decorative" val="1"/>
+          <p:cNvPr id="13" name="Picture 12">
+            <a:extLst>
+              <a:ext uri="{FF2B5EF4-FFF2-40B4-BE49-F238E27FC236}">
+                <a16:creationId xmlns:a16="http://schemas.microsoft.com/office/drawing/2014/main" id="{28784754-6023-4509-8EBF-5497D01B354D}"/>
               </a:ext>
             </a:extLst>
           </p:cNvPr>
           <p:cNvPicPr>
-            <a:picLocks noGrp="1" noChangeAspect="1"/>
+            <a:picLocks noChangeAspect="1"/>
           </p:cNvPicPr>
-          <p:nvPr>
-            <p:ph type="pic" sz="quarter" idx="12"/>
-          </p:nvPr>
+          <p:nvPr/>
         </p:nvPicPr>
-        <p:blipFill rotWithShape="1">
-          <a:blip r:embed="rId3" cstate="email">
-            <a:extLst>
-              <a:ext uri="{28A0092B-C50C-407E-A947-70E740481C1C}">
-                <a14:useLocalDpi xmlns:a14="http://schemas.microsoft.com/office/drawing/2010/main"/>
-              </a:ext>
-            </a:extLst>
-          </a:blip>
-          <a:srcRect/>
-          <a:stretch/>
+        <p:blipFill>
+          <a:blip r:embed="rId4"/>
+          <a:stretch>
+            <a:fillRect/>
+          </a:stretch>
         </p:blipFill>
-        <p:spPr/>
+        <p:spPr>
+          <a:xfrm>
+            <a:off x="7637025" y="2411052"/>
+            <a:ext cx="4161558" cy="2112791"/>
+          </a:xfrm>
+          <a:prstGeom prst="rect">
+            <a:avLst/>
+          </a:prstGeom>
+        </p:spPr>
       </p:pic>
       <p:pic>
         <p:nvPicPr>
-          <p:cNvPr id="45" name="Picture Placeholder 13" descr="3 ladies in discussion" title="Decorative">
-            <a:extLst>
-              <a:ext uri="{FF2B5EF4-FFF2-40B4-BE49-F238E27FC236}">
-                <a16:creationId xmlns:a16="http://schemas.microsoft.com/office/drawing/2014/main" id="{15E558B1-9F51-4146-A449-BF38892A8453}"/>
-              </a:ext>
-              <a:ext uri="{C183D7F6-B498-43B3-948B-1728B52AA6E4}">
-                <adec:decorative xmlns:adec="http://schemas.microsoft.com/office/drawing/2017/decorative" val="0"/>
+          <p:cNvPr id="28" name="Picture Placeholder 11" title="Decorative">
+            <a:extLst>
+              <a:ext uri="{FF2B5EF4-FFF2-40B4-BE49-F238E27FC236}">
+                <a16:creationId xmlns:a16="http://schemas.microsoft.com/office/drawing/2014/main" id="{A617490B-434C-4D5B-A53F-EDC7581BBB5E}"/>
               </a:ext>
             </a:extLst>
           </p:cNvPr>
           <p:cNvPicPr>
-            <a:picLocks noGrp="1" noChangeAspect="1"/>
+            <a:picLocks noChangeAspect="1"/>
           </p:cNvPicPr>
-          <p:nvPr>
-            <p:ph type="pic" sz="quarter" idx="13"/>
-          </p:nvPr>
+          <p:nvPr/>
         </p:nvPicPr>
         <p:blipFill>
-          <a:blip r:embed="rId4" cstate="email">
+          <a:blip r:embed="rId5" cstate="email">
             <a:extLst>
               <a:ext uri="{28A0092B-C50C-407E-A947-70E740481C1C}">
                 <a14:useLocalDpi xmlns:a14="http://schemas.microsoft.com/office/drawing/2010/main"/>
@@ -22431,120 +22659,213 @@
         </p:blipFill>
         <p:spPr>
           <a:xfrm flipH="1">
-            <a:off x="6179737" y="4586414"/>
-            <a:ext cx="2817564" cy="2271585"/>
-          </a:xfrm>
-        </p:spPr>
-      </p:pic>
-      <p:sp>
-        <p:nvSpPr>
-          <p:cNvPr id="54" name="Title 53" hidden="1">
-            <a:extLst>
-              <a:ext uri="{FF2B5EF4-FFF2-40B4-BE49-F238E27FC236}">
-                <a16:creationId xmlns:a16="http://schemas.microsoft.com/office/drawing/2014/main" id="{4C6A162B-A7A0-49BC-B7CB-0A66DC41715E}"/>
-              </a:ext>
-            </a:extLst>
-          </p:cNvPr>
-          <p:cNvSpPr>
-            <a:spLocks noGrp="1"/>
-          </p:cNvSpPr>
-          <p:nvPr>
-            <p:ph type="title" idx="4294967295"/>
-          </p:nvPr>
-        </p:nvSpPr>
-        <p:spPr>
-          <a:xfrm>
-            <a:off x="0" y="-571500"/>
-            <a:ext cx="10515600" cy="555625"/>
-          </a:xfrm>
-        </p:spPr>
-        <p:txBody>
-          <a:bodyPr>
-            <a:normAutofit/>
-          </a:bodyPr>
-          <a:lstStyle/>
-          <a:p>
-            <a:r>
-              <a:rPr lang="en-US" sz="2000" dirty="0">
-                <a:solidFill>
-                  <a:schemeClr val="bg1">
-                    <a:lumMod val="85000"/>
-                  </a:schemeClr>
-                </a:solidFill>
-              </a:rPr>
-              <a:t>Photo Collage</a:t>
-            </a:r>
-          </a:p>
-        </p:txBody>
-      </p:sp>
-      <p:pic>
-        <p:nvPicPr>
-          <p:cNvPr id="13" name="Picture Placeholder 5">
-            <a:extLst>
-              <a:ext uri="{FF2B5EF4-FFF2-40B4-BE49-F238E27FC236}">
-                <a16:creationId xmlns:a16="http://schemas.microsoft.com/office/drawing/2014/main" id="{C1F0D4FA-A491-4D35-84B8-333978500F59}"/>
-              </a:ext>
-              <a:ext uri="{C183D7F6-B498-43B3-948B-1728B52AA6E4}">
-                <adec:decorative xmlns:adec="http://schemas.microsoft.com/office/drawing/2017/decorative" val="1"/>
-              </a:ext>
-            </a:extLst>
-          </p:cNvPr>
-          <p:cNvPicPr>
-            <a:picLocks noGrp="1" noChangeAspect="1"/>
-          </p:cNvPicPr>
-          <p:nvPr>
-            <p:ph type="pic" sz="quarter" idx="14"/>
-          </p:nvPr>
-        </p:nvPicPr>
-        <p:blipFill rotWithShape="1">
-          <a:blip r:embed="rId5" cstate="email">
-            <a:extLst>
-              <a:ext uri="{28A0092B-C50C-407E-A947-70E740481C1C}">
-                <a14:useLocalDpi xmlns:a14="http://schemas.microsoft.com/office/drawing/2010/main"/>
-              </a:ext>
-            </a:extLst>
-          </a:blip>
-          <a:srcRect/>
-          <a:stretch/>
-        </p:blipFill>
-        <p:spPr>
-          <a:xfrm flipH="1">
-            <a:off x="6177889" y="2030436"/>
-            <a:ext cx="2817564" cy="2403769"/>
-          </a:xfrm>
-        </p:spPr>
-      </p:pic>
-      <p:sp>
-        <p:nvSpPr>
-          <p:cNvPr id="6" name="TextBox 5">
-            <a:extLst>
-              <a:ext uri="{FF2B5EF4-FFF2-40B4-BE49-F238E27FC236}">
-                <a16:creationId xmlns:a16="http://schemas.microsoft.com/office/drawing/2014/main" id="{4E4C247D-5293-4C30-AAAB-8E37F11C9B8F}"/>
-              </a:ext>
-            </a:extLst>
-          </p:cNvPr>
-          <p:cNvSpPr txBox="1"/>
-          <p:nvPr/>
-        </p:nvSpPr>
-        <p:spPr>
-          <a:xfrm>
-            <a:off x="3238910" y="2030436"/>
-            <a:ext cx="2729145" cy="830997"/>
+            <a:off x="4465888" y="581834"/>
+            <a:ext cx="1869440" cy="2749520"/>
           </a:xfrm>
           <a:prstGeom prst="rect">
             <a:avLst/>
           </a:prstGeom>
-          <a:noFill/>
-        </p:spPr>
-        <p:txBody>
-          <a:bodyPr wrap="none" rtlCol="0">
-            <a:spAutoFit/>
+        </p:spPr>
+      </p:pic>
+      <p:sp>
+        <p:nvSpPr>
+          <p:cNvPr id="11" name="Text Placeholder 6">
+            <a:extLst>
+              <a:ext uri="{FF2B5EF4-FFF2-40B4-BE49-F238E27FC236}">
+                <a16:creationId xmlns:a16="http://schemas.microsoft.com/office/drawing/2014/main" id="{2463E68D-89A7-42B6-996B-B316F90E08A4}"/>
+              </a:ext>
+            </a:extLst>
+          </p:cNvPr>
+          <p:cNvSpPr txBox="1">
+            <a:spLocks/>
+          </p:cNvSpPr>
+          <p:nvPr/>
+        </p:nvSpPr>
+        <p:spPr>
+          <a:xfrm>
+            <a:off x="7398209" y="4808437"/>
+            <a:ext cx="4639190" cy="1691133"/>
+          </a:xfrm>
+          <a:prstGeom prst="rect">
+            <a:avLst/>
+          </a:prstGeom>
+        </p:spPr>
+        <p:txBody>
+          <a:bodyPr vert="horz" lIns="91440" tIns="45720" rIns="91440" bIns="45720" rtlCol="0" anchor="ctr">
+            <a:normAutofit/>
           </a:bodyPr>
-          <a:lstStyle/>
-          <a:p>
-            <a:r>
-              <a:rPr lang="en-US" sz="4800" dirty="0"/>
-              <a:t>Thank you</a:t>
+          <a:lstStyle>
+            <a:lvl1pPr marL="0" indent="0" algn="l" defTabSz="914400" rtl="0" eaLnBrk="1" latinLnBrk="0" hangingPunct="1">
+              <a:lnSpc>
+                <a:spcPct val="90000"/>
+              </a:lnSpc>
+              <a:spcBef>
+                <a:spcPts val="1000"/>
+              </a:spcBef>
+              <a:buFont typeface="Arial" panose="020B0604020202020204" pitchFamily="34" charset="0"/>
+              <a:buNone/>
+              <a:defRPr sz="1400" b="0" i="0" kern="1200">
+                <a:solidFill>
+                  <a:schemeClr val="tx2"/>
+                </a:solidFill>
+                <a:latin typeface="+mn-lt"/>
+                <a:ea typeface="+mn-ea"/>
+                <a:cs typeface="Arial" panose="020B0604020202020204" pitchFamily="34" charset="0"/>
+              </a:defRPr>
+            </a:lvl1pPr>
+            <a:lvl2pPr marL="685800" indent="-228600" algn="l" defTabSz="914400" rtl="0" eaLnBrk="1" latinLnBrk="0" hangingPunct="1">
+              <a:lnSpc>
+                <a:spcPct val="90000"/>
+              </a:lnSpc>
+              <a:spcBef>
+                <a:spcPts val="500"/>
+              </a:spcBef>
+              <a:buFont typeface="Arial" panose="020B0604020202020204" pitchFamily="34" charset="0"/>
+              <a:buChar char="•"/>
+              <a:defRPr sz="1800" b="0" i="0" kern="1200">
+                <a:solidFill>
+                  <a:schemeClr val="tx2"/>
+                </a:solidFill>
+                <a:latin typeface="+mn-lt"/>
+                <a:ea typeface="+mn-ea"/>
+                <a:cs typeface="Arial" panose="020B0604020202020204" pitchFamily="34" charset="0"/>
+              </a:defRPr>
+            </a:lvl2pPr>
+            <a:lvl3pPr marL="1143000" indent="-228600" algn="l" defTabSz="914400" rtl="0" eaLnBrk="1" latinLnBrk="0" hangingPunct="1">
+              <a:lnSpc>
+                <a:spcPct val="90000"/>
+              </a:lnSpc>
+              <a:spcBef>
+                <a:spcPts val="500"/>
+              </a:spcBef>
+              <a:buFont typeface="Arial" panose="020B0604020202020204" pitchFamily="34" charset="0"/>
+              <a:buChar char="•"/>
+              <a:defRPr sz="1600" b="0" i="0" kern="1200">
+                <a:solidFill>
+                  <a:schemeClr val="tx2"/>
+                </a:solidFill>
+                <a:latin typeface="+mn-lt"/>
+                <a:ea typeface="+mn-ea"/>
+                <a:cs typeface="Arial" panose="020B0604020202020204" pitchFamily="34" charset="0"/>
+              </a:defRPr>
+            </a:lvl3pPr>
+            <a:lvl4pPr marL="1600200" indent="-228600" algn="l" defTabSz="914400" rtl="0" eaLnBrk="1" latinLnBrk="0" hangingPunct="1">
+              <a:lnSpc>
+                <a:spcPct val="90000"/>
+              </a:lnSpc>
+              <a:spcBef>
+                <a:spcPts val="500"/>
+              </a:spcBef>
+              <a:buFont typeface="Arial" panose="020B0604020202020204" pitchFamily="34" charset="0"/>
+              <a:buChar char="•"/>
+              <a:defRPr sz="1400" b="0" i="0" kern="1200">
+                <a:solidFill>
+                  <a:schemeClr val="tx2"/>
+                </a:solidFill>
+                <a:latin typeface="+mn-lt"/>
+                <a:ea typeface="+mn-ea"/>
+                <a:cs typeface="Arial" panose="020B0604020202020204" pitchFamily="34" charset="0"/>
+              </a:defRPr>
+            </a:lvl4pPr>
+            <a:lvl5pPr marL="2057400" indent="-228600" algn="l" defTabSz="914400" rtl="0" eaLnBrk="1" latinLnBrk="0" hangingPunct="1">
+              <a:lnSpc>
+                <a:spcPct val="90000"/>
+              </a:lnSpc>
+              <a:spcBef>
+                <a:spcPts val="500"/>
+              </a:spcBef>
+              <a:buFont typeface="Arial" panose="020B0604020202020204" pitchFamily="34" charset="0"/>
+              <a:buChar char="•"/>
+              <a:defRPr sz="1400" b="0" i="0" kern="1200">
+                <a:solidFill>
+                  <a:schemeClr val="tx2"/>
+                </a:solidFill>
+                <a:latin typeface="+mn-lt"/>
+                <a:ea typeface="+mn-ea"/>
+                <a:cs typeface="Arial" panose="020B0604020202020204" pitchFamily="34" charset="0"/>
+              </a:defRPr>
+            </a:lvl5pPr>
+            <a:lvl6pPr marL="2514600" indent="-228600" algn="l" defTabSz="914400" rtl="0" eaLnBrk="1" latinLnBrk="0" hangingPunct="1">
+              <a:lnSpc>
+                <a:spcPct val="90000"/>
+              </a:lnSpc>
+              <a:spcBef>
+                <a:spcPts val="500"/>
+              </a:spcBef>
+              <a:buFont typeface="Arial" panose="020B0604020202020204" pitchFamily="34" charset="0"/>
+              <a:buChar char="•"/>
+              <a:defRPr sz="1800" kern="1200">
+                <a:solidFill>
+                  <a:schemeClr val="tx1"/>
+                </a:solidFill>
+                <a:latin typeface="+mn-lt"/>
+                <a:ea typeface="+mn-ea"/>
+                <a:cs typeface="+mn-cs"/>
+              </a:defRPr>
+            </a:lvl6pPr>
+            <a:lvl7pPr marL="2971800" indent="-228600" algn="l" defTabSz="914400" rtl="0" eaLnBrk="1" latinLnBrk="0" hangingPunct="1">
+              <a:lnSpc>
+                <a:spcPct val="90000"/>
+              </a:lnSpc>
+              <a:spcBef>
+                <a:spcPts val="500"/>
+              </a:spcBef>
+              <a:buFont typeface="Arial" panose="020B0604020202020204" pitchFamily="34" charset="0"/>
+              <a:buChar char="•"/>
+              <a:defRPr sz="1800" kern="1200">
+                <a:solidFill>
+                  <a:schemeClr val="tx1"/>
+                </a:solidFill>
+                <a:latin typeface="+mn-lt"/>
+                <a:ea typeface="+mn-ea"/>
+                <a:cs typeface="+mn-cs"/>
+              </a:defRPr>
+            </a:lvl7pPr>
+            <a:lvl8pPr marL="3429000" indent="-228600" algn="l" defTabSz="914400" rtl="0" eaLnBrk="1" latinLnBrk="0" hangingPunct="1">
+              <a:lnSpc>
+                <a:spcPct val="90000"/>
+              </a:lnSpc>
+              <a:spcBef>
+                <a:spcPts val="500"/>
+              </a:spcBef>
+              <a:buFont typeface="Arial" panose="020B0604020202020204" pitchFamily="34" charset="0"/>
+              <a:buChar char="•"/>
+              <a:defRPr sz="1800" kern="1200">
+                <a:solidFill>
+                  <a:schemeClr val="tx1"/>
+                </a:solidFill>
+                <a:latin typeface="+mn-lt"/>
+                <a:ea typeface="+mn-ea"/>
+                <a:cs typeface="+mn-cs"/>
+              </a:defRPr>
+            </a:lvl8pPr>
+            <a:lvl9pPr marL="3886200" indent="-228600" algn="l" defTabSz="914400" rtl="0" eaLnBrk="1" latinLnBrk="0" hangingPunct="1">
+              <a:lnSpc>
+                <a:spcPct val="90000"/>
+              </a:lnSpc>
+              <a:spcBef>
+                <a:spcPts val="500"/>
+              </a:spcBef>
+              <a:buFont typeface="Arial" panose="020B0604020202020204" pitchFamily="34" charset="0"/>
+              <a:buChar char="•"/>
+              <a:defRPr sz="1800" kern="1200">
+                <a:solidFill>
+                  <a:schemeClr val="tx1"/>
+                </a:solidFill>
+                <a:latin typeface="+mn-lt"/>
+                <a:ea typeface="+mn-ea"/>
+                <a:cs typeface="+mn-cs"/>
+              </a:defRPr>
+            </a:lvl9pPr>
+          </a:lstStyle>
+          <a:p>
+            <a:pPr marL="285750" indent="-285750">
+              <a:buFont typeface="Arial" panose="020B0604020202020204" pitchFamily="34" charset="0"/>
+              <a:buChar char="•"/>
+            </a:pPr>
+            <a:r>
+              <a:rPr lang="en-US" sz="1800" dirty="0"/>
+              <a:t>Comparative analysis on sentence sentiment rather than word.</a:t>
             </a:r>
           </a:p>
         </p:txBody>
@@ -22552,7 +22873,7 @@
     </p:spTree>
     <p:extLst>
       <p:ext uri="{BB962C8B-B14F-4D97-AF65-F5344CB8AC3E}">
-        <p14:creationId xmlns:p14="http://schemas.microsoft.com/office/powerpoint/2010/main" val="1250005957"/>
+        <p14:creationId xmlns:p14="http://schemas.microsoft.com/office/powerpoint/2010/main" val="2032607428"/>
       </p:ext>
     </p:extLst>
   </p:cSld>
@@ -22579,52 +22900,96 @@
           <a:chExt cx="0" cy="0"/>
         </a:xfrm>
       </p:grpSpPr>
-      <p:sp>
-        <p:nvSpPr>
-          <p:cNvPr id="4" name="Title 3">
-            <a:extLst>
-              <a:ext uri="{FF2B5EF4-FFF2-40B4-BE49-F238E27FC236}">
-                <a16:creationId xmlns:a16="http://schemas.microsoft.com/office/drawing/2014/main" id="{997EAB6E-5FFF-4923-BC7F-D2C71AD246DB}"/>
-              </a:ext>
-            </a:extLst>
-          </p:cNvPr>
-          <p:cNvSpPr>
-            <a:spLocks noGrp="1"/>
-          </p:cNvSpPr>
-          <p:nvPr>
-            <p:ph type="title"/>
-          </p:nvPr>
-        </p:nvSpPr>
-        <p:spPr/>
-        <p:txBody>
-          <a:bodyPr>
-            <a:normAutofit/>
-          </a:bodyPr>
-          <a:lstStyle/>
-          <a:p>
-            <a:r>
-              <a:rPr lang="en-US" dirty="0"/>
-              <a:t>Appendix:</a:t>
-            </a:r>
-          </a:p>
-        </p:txBody>
-      </p:sp>
       <p:pic>
         <p:nvPicPr>
-          <p:cNvPr id="6" name="Picture Placeholder 8" title="Decorative">
-            <a:extLst>
-              <a:ext uri="{FF2B5EF4-FFF2-40B4-BE49-F238E27FC236}">
-                <a16:creationId xmlns:a16="http://schemas.microsoft.com/office/drawing/2014/main" id="{12CA7E11-5B3B-41CE-8985-8282F7F493A8}"/>
+          <p:cNvPr id="14" name="Picture Placeholder 13">
+            <a:extLst>
+              <a:ext uri="{FF2B5EF4-FFF2-40B4-BE49-F238E27FC236}">
+                <a16:creationId xmlns:a16="http://schemas.microsoft.com/office/drawing/2014/main" id="{D81EF999-A884-4768-A0F6-4A5244B24ED1}"/>
+              </a:ext>
+              <a:ext uri="{C183D7F6-B498-43B3-948B-1728B52AA6E4}">
+                <adec:decorative xmlns:adec="http://schemas.microsoft.com/office/drawing/2017/decorative" val="1"/>
               </a:ext>
             </a:extLst>
           </p:cNvPr>
           <p:cNvPicPr>
-            <a:picLocks noChangeAspect="1"/>
+            <a:picLocks noGrp="1" noChangeAspect="1"/>
           </p:cNvPicPr>
-          <p:nvPr/>
+          <p:nvPr>
+            <p:ph type="pic" sz="quarter" idx="10"/>
+          </p:nvPr>
+        </p:nvPicPr>
+        <p:blipFill rotWithShape="1">
+          <a:blip r:embed="rId2" cstate="email">
+            <a:extLst>
+              <a:ext uri="{28A0092B-C50C-407E-A947-70E740481C1C}">
+                <a14:useLocalDpi xmlns:a14="http://schemas.microsoft.com/office/drawing/2010/main"/>
+              </a:ext>
+            </a:extLst>
+          </a:blip>
+          <a:srcRect/>
+          <a:stretch/>
+        </p:blipFill>
+        <p:spPr>
+          <a:xfrm flipH="1">
+            <a:off x="212725" y="1260389"/>
+            <a:ext cx="2816352" cy="3173816"/>
+          </a:xfrm>
+        </p:spPr>
+      </p:pic>
+      <p:pic>
+        <p:nvPicPr>
+          <p:cNvPr id="36" name="Picture Placeholder 35">
+            <a:extLst>
+              <a:ext uri="{FF2B5EF4-FFF2-40B4-BE49-F238E27FC236}">
+                <a16:creationId xmlns:a16="http://schemas.microsoft.com/office/drawing/2014/main" id="{6CBE990D-619E-4EC3-8E3B-3235FF40870D}"/>
+              </a:ext>
+              <a:ext uri="{C183D7F6-B498-43B3-948B-1728B52AA6E4}">
+                <adec:decorative xmlns:adec="http://schemas.microsoft.com/office/drawing/2017/decorative" val="1"/>
+              </a:ext>
+            </a:extLst>
+          </p:cNvPr>
+          <p:cNvPicPr>
+            <a:picLocks noGrp="1" noChangeAspect="1"/>
+          </p:cNvPicPr>
+          <p:nvPr>
+            <p:ph type="pic" sz="quarter" idx="12"/>
+          </p:nvPr>
+        </p:nvPicPr>
+        <p:blipFill rotWithShape="1">
+          <a:blip r:embed="rId3" cstate="email">
+            <a:extLst>
+              <a:ext uri="{28A0092B-C50C-407E-A947-70E740481C1C}">
+                <a14:useLocalDpi xmlns:a14="http://schemas.microsoft.com/office/drawing/2010/main"/>
+              </a:ext>
+            </a:extLst>
+          </a:blip>
+          <a:srcRect/>
+          <a:stretch/>
+        </p:blipFill>
+        <p:spPr/>
+      </p:pic>
+      <p:pic>
+        <p:nvPicPr>
+          <p:cNvPr id="45" name="Picture Placeholder 13" descr="3 ladies in discussion" title="Decorative">
+            <a:extLst>
+              <a:ext uri="{FF2B5EF4-FFF2-40B4-BE49-F238E27FC236}">
+                <a16:creationId xmlns:a16="http://schemas.microsoft.com/office/drawing/2014/main" id="{15E558B1-9F51-4146-A449-BF38892A8453}"/>
+              </a:ext>
+              <a:ext uri="{C183D7F6-B498-43B3-948B-1728B52AA6E4}">
+                <adec:decorative xmlns:adec="http://schemas.microsoft.com/office/drawing/2017/decorative" val="0"/>
+              </a:ext>
+            </a:extLst>
+          </p:cNvPr>
+          <p:cNvPicPr>
+            <a:picLocks noGrp="1" noChangeAspect="1"/>
+          </p:cNvPicPr>
+          <p:nvPr>
+            <p:ph type="pic" sz="quarter" idx="13"/>
+          </p:nvPr>
         </p:nvPicPr>
         <p:blipFill>
-          <a:blip r:embed="rId2" cstate="email">
+          <a:blip r:embed="rId4" cstate="email">
             <a:extLst>
               <a:ext uri="{28A0092B-C50C-407E-A947-70E740481C1C}">
                 <a14:useLocalDpi xmlns:a14="http://schemas.microsoft.com/office/drawing/2010/main"/>
@@ -22637,19 +23002,129 @@
           </a:stretch>
         </p:blipFill>
         <p:spPr>
-          <a:xfrm>
-            <a:off x="6958954" y="2591144"/>
-            <a:ext cx="3523423" cy="3206186"/>
+          <a:xfrm flipH="1">
+            <a:off x="6179737" y="4586414"/>
+            <a:ext cx="2817564" cy="2271585"/>
+          </a:xfrm>
+        </p:spPr>
+      </p:pic>
+      <p:sp>
+        <p:nvSpPr>
+          <p:cNvPr id="54" name="Title 53" hidden="1">
+            <a:extLst>
+              <a:ext uri="{FF2B5EF4-FFF2-40B4-BE49-F238E27FC236}">
+                <a16:creationId xmlns:a16="http://schemas.microsoft.com/office/drawing/2014/main" id="{4C6A162B-A7A0-49BC-B7CB-0A66DC41715E}"/>
+              </a:ext>
+            </a:extLst>
+          </p:cNvPr>
+          <p:cNvSpPr>
+            <a:spLocks noGrp="1"/>
+          </p:cNvSpPr>
+          <p:nvPr>
+            <p:ph type="title" idx="4294967295"/>
+          </p:nvPr>
+        </p:nvSpPr>
+        <p:spPr>
+          <a:xfrm>
+            <a:off x="0" y="-571500"/>
+            <a:ext cx="10515600" cy="555625"/>
+          </a:xfrm>
+        </p:spPr>
+        <p:txBody>
+          <a:bodyPr>
+            <a:normAutofit/>
+          </a:bodyPr>
+          <a:lstStyle/>
+          <a:p>
+            <a:r>
+              <a:rPr lang="en-US" sz="2000" dirty="0">
+                <a:solidFill>
+                  <a:schemeClr val="bg1">
+                    <a:lumMod val="85000"/>
+                  </a:schemeClr>
+                </a:solidFill>
+              </a:rPr>
+              <a:t>Photo Collage</a:t>
+            </a:r>
+          </a:p>
+        </p:txBody>
+      </p:sp>
+      <p:pic>
+        <p:nvPicPr>
+          <p:cNvPr id="13" name="Picture Placeholder 5">
+            <a:extLst>
+              <a:ext uri="{FF2B5EF4-FFF2-40B4-BE49-F238E27FC236}">
+                <a16:creationId xmlns:a16="http://schemas.microsoft.com/office/drawing/2014/main" id="{C1F0D4FA-A491-4D35-84B8-333978500F59}"/>
+              </a:ext>
+              <a:ext uri="{C183D7F6-B498-43B3-948B-1728B52AA6E4}">
+                <adec:decorative xmlns:adec="http://schemas.microsoft.com/office/drawing/2017/decorative" val="1"/>
+              </a:ext>
+            </a:extLst>
+          </p:cNvPr>
+          <p:cNvPicPr>
+            <a:picLocks noGrp="1" noChangeAspect="1"/>
+          </p:cNvPicPr>
+          <p:nvPr>
+            <p:ph type="pic" sz="quarter" idx="14"/>
+          </p:nvPr>
+        </p:nvPicPr>
+        <p:blipFill rotWithShape="1">
+          <a:blip r:embed="rId5" cstate="email">
+            <a:extLst>
+              <a:ext uri="{28A0092B-C50C-407E-A947-70E740481C1C}">
+                <a14:useLocalDpi xmlns:a14="http://schemas.microsoft.com/office/drawing/2010/main"/>
+              </a:ext>
+            </a:extLst>
+          </a:blip>
+          <a:srcRect/>
+          <a:stretch/>
+        </p:blipFill>
+        <p:spPr>
+          <a:xfrm flipH="1">
+            <a:off x="6177889" y="2030436"/>
+            <a:ext cx="2817564" cy="2403769"/>
+          </a:xfrm>
+        </p:spPr>
+      </p:pic>
+      <p:sp>
+        <p:nvSpPr>
+          <p:cNvPr id="6" name="TextBox 5">
+            <a:extLst>
+              <a:ext uri="{FF2B5EF4-FFF2-40B4-BE49-F238E27FC236}">
+                <a16:creationId xmlns:a16="http://schemas.microsoft.com/office/drawing/2014/main" id="{4E4C247D-5293-4C30-AAAB-8E37F11C9B8F}"/>
+              </a:ext>
+            </a:extLst>
+          </p:cNvPr>
+          <p:cNvSpPr txBox="1"/>
+          <p:nvPr/>
+        </p:nvSpPr>
+        <p:spPr>
+          <a:xfrm>
+            <a:off x="3238910" y="2030436"/>
+            <a:ext cx="2729145" cy="830997"/>
           </a:xfrm>
           <a:prstGeom prst="rect">
             <a:avLst/>
           </a:prstGeom>
-        </p:spPr>
-      </p:pic>
+          <a:noFill/>
+        </p:spPr>
+        <p:txBody>
+          <a:bodyPr wrap="none" rtlCol="0">
+            <a:spAutoFit/>
+          </a:bodyPr>
+          <a:lstStyle/>
+          <a:p>
+            <a:r>
+              <a:rPr lang="en-US" sz="4800" dirty="0"/>
+              <a:t>Thank you</a:t>
+            </a:r>
+          </a:p>
+        </p:txBody>
+      </p:sp>
     </p:spTree>
     <p:extLst>
       <p:ext uri="{BB962C8B-B14F-4D97-AF65-F5344CB8AC3E}">
-        <p14:creationId xmlns:p14="http://schemas.microsoft.com/office/powerpoint/2010/main" val="660194915"/>
+        <p14:creationId xmlns:p14="http://schemas.microsoft.com/office/powerpoint/2010/main" val="1250005957"/>
       </p:ext>
     </p:extLst>
   </p:cSld>
@@ -22676,12 +23151,42 @@
           <a:chExt cx="0" cy="0"/>
         </a:xfrm>
       </p:grpSpPr>
+      <p:sp>
+        <p:nvSpPr>
+          <p:cNvPr id="4" name="Title 3">
+            <a:extLst>
+              <a:ext uri="{FF2B5EF4-FFF2-40B4-BE49-F238E27FC236}">
+                <a16:creationId xmlns:a16="http://schemas.microsoft.com/office/drawing/2014/main" id="{997EAB6E-5FFF-4923-BC7F-D2C71AD246DB}"/>
+              </a:ext>
+            </a:extLst>
+          </p:cNvPr>
+          <p:cNvSpPr>
+            <a:spLocks noGrp="1"/>
+          </p:cNvSpPr>
+          <p:nvPr>
+            <p:ph type="title"/>
+          </p:nvPr>
+        </p:nvSpPr>
+        <p:spPr/>
+        <p:txBody>
+          <a:bodyPr>
+            <a:normAutofit/>
+          </a:bodyPr>
+          <a:lstStyle/>
+          <a:p>
+            <a:r>
+              <a:rPr lang="en-US" dirty="0"/>
+              <a:t>Appendix:</a:t>
+            </a:r>
+          </a:p>
+        </p:txBody>
+      </p:sp>
       <p:pic>
         <p:nvPicPr>
-          <p:cNvPr id="4" name="Picture 3">
-            <a:extLst>
-              <a:ext uri="{FF2B5EF4-FFF2-40B4-BE49-F238E27FC236}">
-                <a16:creationId xmlns:a16="http://schemas.microsoft.com/office/drawing/2014/main" id="{2A3DE1EA-1353-4895-9B56-3F87CDB1AF17}"/>
+          <p:cNvPr id="6" name="Picture Placeholder 8" title="Decorative">
+            <a:extLst>
+              <a:ext uri="{FF2B5EF4-FFF2-40B4-BE49-F238E27FC236}">
+                <a16:creationId xmlns:a16="http://schemas.microsoft.com/office/drawing/2014/main" id="{12CA7E11-5B3B-41CE-8985-8282F7F493A8}"/>
               </a:ext>
             </a:extLst>
           </p:cNvPr>
@@ -22691,64 +23196,32 @@
           <p:nvPr/>
         </p:nvPicPr>
         <p:blipFill>
-          <a:blip r:embed="rId2"/>
+          <a:blip r:embed="rId2" cstate="email">
+            <a:extLst>
+              <a:ext uri="{28A0092B-C50C-407E-A947-70E740481C1C}">
+                <a14:useLocalDpi xmlns:a14="http://schemas.microsoft.com/office/drawing/2010/main"/>
+              </a:ext>
+            </a:extLst>
+          </a:blip>
+          <a:srcRect/>
           <a:stretch>
             <a:fillRect/>
           </a:stretch>
         </p:blipFill>
         <p:spPr>
           <a:xfrm>
-            <a:off x="6545760" y="1827803"/>
-            <a:ext cx="3577953" cy="2804751"/>
+            <a:off x="6958954" y="2591144"/>
+            <a:ext cx="3523423" cy="3206186"/>
           </a:xfrm>
           <a:prstGeom prst="rect">
             <a:avLst/>
           </a:prstGeom>
         </p:spPr>
       </p:pic>
-      <p:sp>
-        <p:nvSpPr>
-          <p:cNvPr id="5" name="TextBox 4">
-            <a:extLst>
-              <a:ext uri="{FF2B5EF4-FFF2-40B4-BE49-F238E27FC236}">
-                <a16:creationId xmlns:a16="http://schemas.microsoft.com/office/drawing/2014/main" id="{47F5AA85-3323-4102-A946-D284FF5C5BE8}"/>
-              </a:ext>
-            </a:extLst>
-          </p:cNvPr>
-          <p:cNvSpPr txBox="1"/>
-          <p:nvPr/>
-        </p:nvSpPr>
-        <p:spPr>
-          <a:xfrm>
-            <a:off x="653143" y="2032907"/>
-            <a:ext cx="3755571" cy="1569660"/>
-          </a:xfrm>
-          <a:prstGeom prst="rect">
-            <a:avLst/>
-          </a:prstGeom>
-          <a:noFill/>
-        </p:spPr>
-        <p:txBody>
-          <a:bodyPr wrap="square" rtlCol="0">
-            <a:spAutoFit/>
-          </a:bodyPr>
-          <a:lstStyle/>
-          <a:p>
-            <a:r>
-              <a:rPr lang="en-US" sz="9600" dirty="0">
-                <a:solidFill>
-                  <a:schemeClr val="bg1"/>
-                </a:solidFill>
-              </a:rPr>
-              <a:t>LSTM</a:t>
-            </a:r>
-          </a:p>
-        </p:txBody>
-      </p:sp>
     </p:spTree>
     <p:extLst>
       <p:ext uri="{BB962C8B-B14F-4D97-AF65-F5344CB8AC3E}">
-        <p14:creationId xmlns:p14="http://schemas.microsoft.com/office/powerpoint/2010/main" val="3500526434"/>
+        <p14:creationId xmlns:p14="http://schemas.microsoft.com/office/powerpoint/2010/main" val="660194915"/>
       </p:ext>
     </p:extLst>
   </p:cSld>
@@ -22775,51 +23248,12 @@
           <a:chExt cx="0" cy="0"/>
         </a:xfrm>
       </p:grpSpPr>
-      <p:sp>
-        <p:nvSpPr>
-          <p:cNvPr id="5" name="TextBox 4">
-            <a:extLst>
-              <a:ext uri="{FF2B5EF4-FFF2-40B4-BE49-F238E27FC236}">
-                <a16:creationId xmlns:a16="http://schemas.microsoft.com/office/drawing/2014/main" id="{47F5AA85-3323-4102-A946-D284FF5C5BE8}"/>
-              </a:ext>
-            </a:extLst>
-          </p:cNvPr>
-          <p:cNvSpPr txBox="1"/>
-          <p:nvPr/>
-        </p:nvSpPr>
-        <p:spPr>
-          <a:xfrm>
-            <a:off x="284481" y="2032907"/>
-            <a:ext cx="4124234" cy="1015663"/>
-          </a:xfrm>
-          <a:prstGeom prst="rect">
-            <a:avLst/>
-          </a:prstGeom>
-          <a:noFill/>
-        </p:spPr>
-        <p:txBody>
-          <a:bodyPr wrap="square" rtlCol="0">
-            <a:spAutoFit/>
-          </a:bodyPr>
-          <a:lstStyle/>
-          <a:p>
-            <a:r>
-              <a:rPr lang="en-US" sz="6000" dirty="0">
-                <a:solidFill>
-                  <a:schemeClr val="bg1"/>
-                </a:solidFill>
-              </a:rPr>
-              <a:t>Correlations:</a:t>
-            </a:r>
-          </a:p>
-        </p:txBody>
-      </p:sp>
       <p:pic>
         <p:nvPicPr>
           <p:cNvPr id="4" name="Picture 3">
             <a:extLst>
               <a:ext uri="{FF2B5EF4-FFF2-40B4-BE49-F238E27FC236}">
-                <a16:creationId xmlns:a16="http://schemas.microsoft.com/office/drawing/2014/main" id="{BD420869-4A42-4935-BB8A-1D81EA5B2388}"/>
+                <a16:creationId xmlns:a16="http://schemas.microsoft.com/office/drawing/2014/main" id="{2A3DE1EA-1353-4895-9B56-3F87CDB1AF17}"/>
               </a:ext>
             </a:extLst>
           </p:cNvPr>
@@ -22836,8 +23270,8 @@
         </p:blipFill>
         <p:spPr>
           <a:xfrm>
-            <a:off x="4335143" y="494806"/>
-            <a:ext cx="7694770" cy="6363193"/>
+            <a:off x="6545760" y="1827803"/>
+            <a:ext cx="3577953" cy="2804751"/>
           </a:xfrm>
           <a:prstGeom prst="rect">
             <a:avLst/>
@@ -22846,152 +23280,47 @@
       </p:pic>
       <p:sp>
         <p:nvSpPr>
-          <p:cNvPr id="3" name="Oval 2">
-            <a:extLst>
-              <a:ext uri="{FF2B5EF4-FFF2-40B4-BE49-F238E27FC236}">
-                <a16:creationId xmlns:a16="http://schemas.microsoft.com/office/drawing/2014/main" id="{E795F0A9-5A29-4588-B548-E4446B4E61A6}"/>
-              </a:ext>
-            </a:extLst>
-          </p:cNvPr>
-          <p:cNvSpPr/>
+          <p:cNvPr id="5" name="TextBox 4">
+            <a:extLst>
+              <a:ext uri="{FF2B5EF4-FFF2-40B4-BE49-F238E27FC236}">
+                <a16:creationId xmlns:a16="http://schemas.microsoft.com/office/drawing/2014/main" id="{47F5AA85-3323-4102-A946-D284FF5C5BE8}"/>
+              </a:ext>
+            </a:extLst>
+          </p:cNvPr>
+          <p:cNvSpPr txBox="1"/>
           <p:nvPr/>
         </p:nvSpPr>
         <p:spPr>
           <a:xfrm>
-            <a:off x="5168557" y="2578886"/>
-            <a:ext cx="1121534" cy="1076960"/>
-          </a:xfrm>
-          <a:prstGeom prst="ellipse">
+            <a:off x="653143" y="2032907"/>
+            <a:ext cx="3755571" cy="1569660"/>
+          </a:xfrm>
+          <a:prstGeom prst="rect">
             <a:avLst/>
           </a:prstGeom>
           <a:noFill/>
-          <a:ln w="41275"/>
-        </p:spPr>
-        <p:style>
-          <a:lnRef idx="2">
-            <a:schemeClr val="accent1">
-              <a:shade val="50000"/>
-            </a:schemeClr>
-          </a:lnRef>
-          <a:fillRef idx="1">
-            <a:schemeClr val="accent1"/>
-          </a:fillRef>
-          <a:effectRef idx="0">
-            <a:schemeClr val="accent1"/>
-          </a:effectRef>
-          <a:fontRef idx="minor">
-            <a:schemeClr val="lt1"/>
-          </a:fontRef>
-        </p:style>
-        <p:txBody>
-          <a:bodyPr rtlCol="0" anchor="ctr"/>
+        </p:spPr>
+        <p:txBody>
+          <a:bodyPr wrap="square" rtlCol="0">
+            <a:spAutoFit/>
+          </a:bodyPr>
           <a:lstStyle/>
           <a:p>
-            <a:pPr algn="ctr"/>
-            <a:endParaRPr lang="en-US"/>
-          </a:p>
-        </p:txBody>
-      </p:sp>
-      <p:sp>
-        <p:nvSpPr>
-          <p:cNvPr id="8" name="Oval 7">
-            <a:extLst>
-              <a:ext uri="{FF2B5EF4-FFF2-40B4-BE49-F238E27FC236}">
-                <a16:creationId xmlns:a16="http://schemas.microsoft.com/office/drawing/2014/main" id="{8CEBC205-9F60-4339-A4E8-C2310A5FB813}"/>
-              </a:ext>
-            </a:extLst>
-          </p:cNvPr>
-          <p:cNvSpPr/>
-          <p:nvPr/>
-        </p:nvSpPr>
-        <p:spPr>
-          <a:xfrm>
-            <a:off x="5116007" y="4375108"/>
-            <a:ext cx="1121534" cy="1076960"/>
-          </a:xfrm>
-          <a:prstGeom prst="ellipse">
-            <a:avLst/>
-          </a:prstGeom>
-          <a:noFill/>
-          <a:ln w="41275"/>
-        </p:spPr>
-        <p:style>
-          <a:lnRef idx="2">
-            <a:schemeClr val="accent1">
-              <a:shade val="50000"/>
-            </a:schemeClr>
-          </a:lnRef>
-          <a:fillRef idx="1">
-            <a:schemeClr val="accent1"/>
-          </a:fillRef>
-          <a:effectRef idx="0">
-            <a:schemeClr val="accent1"/>
-          </a:effectRef>
-          <a:fontRef idx="minor">
-            <a:schemeClr val="lt1"/>
-          </a:fontRef>
-        </p:style>
-        <p:txBody>
-          <a:bodyPr rtlCol="0" anchor="ctr"/>
-          <a:lstStyle/>
-          <a:p>
-            <a:pPr algn="ctr"/>
-            <a:endParaRPr lang="en-US"/>
-          </a:p>
-        </p:txBody>
-      </p:sp>
-      <p:sp>
-        <p:nvSpPr>
-          <p:cNvPr id="9" name="Oval 8">
-            <a:extLst>
-              <a:ext uri="{FF2B5EF4-FFF2-40B4-BE49-F238E27FC236}">
-                <a16:creationId xmlns:a16="http://schemas.microsoft.com/office/drawing/2014/main" id="{8EC00232-9744-41AC-B8E8-E7B3B7D24A9F}"/>
-              </a:ext>
-            </a:extLst>
-          </p:cNvPr>
-          <p:cNvSpPr/>
-          <p:nvPr/>
-        </p:nvSpPr>
-        <p:spPr>
-          <a:xfrm>
-            <a:off x="6948252" y="4354085"/>
-            <a:ext cx="1121534" cy="1076960"/>
-          </a:xfrm>
-          <a:prstGeom prst="ellipse">
-            <a:avLst/>
-          </a:prstGeom>
-          <a:noFill/>
-          <a:ln w="41275"/>
-        </p:spPr>
-        <p:style>
-          <a:lnRef idx="2">
-            <a:schemeClr val="accent1">
-              <a:shade val="50000"/>
-            </a:schemeClr>
-          </a:lnRef>
-          <a:fillRef idx="1">
-            <a:schemeClr val="accent1"/>
-          </a:fillRef>
-          <a:effectRef idx="0">
-            <a:schemeClr val="accent1"/>
-          </a:effectRef>
-          <a:fontRef idx="minor">
-            <a:schemeClr val="lt1"/>
-          </a:fontRef>
-        </p:style>
-        <p:txBody>
-          <a:bodyPr rtlCol="0" anchor="ctr"/>
-          <a:lstStyle/>
-          <a:p>
-            <a:pPr algn="ctr"/>
-            <a:endParaRPr lang="en-US"/>
+            <a:r>
+              <a:rPr lang="en-US" sz="9600" dirty="0">
+                <a:solidFill>
+                  <a:schemeClr val="bg1"/>
+                </a:solidFill>
+              </a:rPr>
+              <a:t>LSTM</a:t>
+            </a:r>
           </a:p>
         </p:txBody>
       </p:sp>
     </p:spTree>
     <p:extLst>
       <p:ext uri="{BB962C8B-B14F-4D97-AF65-F5344CB8AC3E}">
-        <p14:creationId xmlns:p14="http://schemas.microsoft.com/office/powerpoint/2010/main" val="2290846230"/>
+        <p14:creationId xmlns:p14="http://schemas.microsoft.com/office/powerpoint/2010/main" val="3500526434"/>
       </p:ext>
     </p:extLst>
   </p:cSld>
@@ -23067,7 +23396,7 @@
         </p:spPr>
         <p:txBody>
           <a:bodyPr anchor="ctr">
-            <a:normAutofit/>
+            <a:normAutofit lnSpcReduction="10000"/>
           </a:bodyPr>
           <a:lstStyle/>
           <a:p>
@@ -23077,8 +23406,8 @@
               </a:spcAft>
             </a:pPr>
             <a:r>
-              <a:rPr lang="en-US" dirty="0"/>
-              <a:t>Background:</a:t>
+              <a:rPr lang="en-US" sz="6000" dirty="0"/>
+              <a:t>Let’s talk…. </a:t>
             </a:r>
           </a:p>
           <a:p>
@@ -23089,12 +23418,8 @@
             </a:pPr>
             <a:r>
               <a:rPr lang="en-US" dirty="0"/>
-              <a:t>Let’s talk….  in a constructive way</a:t>
-            </a:r>
-            <a:br>
-              <a:rPr lang="en-US" dirty="0"/>
-            </a:br>
-            <a:endParaRPr lang="en-US" dirty="0"/>
+              <a:t>be completely honest in a safe, inclusive way.</a:t>
+            </a:r>
           </a:p>
         </p:txBody>
       </p:sp>
@@ -23634,7 +23959,7 @@
         </p:nvSpPr>
         <p:spPr>
           <a:xfrm>
-            <a:off x="367393" y="3282044"/>
+            <a:off x="332097" y="3158484"/>
             <a:ext cx="5189165" cy="3510642"/>
           </a:xfrm>
           <a:prstGeom prst="rect">
@@ -23683,7 +24008,7 @@
         </p:nvSpPr>
         <p:spPr>
           <a:xfrm>
-            <a:off x="6515100" y="3282044"/>
+            <a:off x="6515100" y="3158484"/>
             <a:ext cx="5065238" cy="3451844"/>
           </a:xfrm>
           <a:prstGeom prst="rect">
@@ -23740,8 +24065,8 @@
         </p:blipFill>
         <p:spPr>
           <a:xfrm>
-            <a:off x="6782159" y="3429000"/>
-            <a:ext cx="4638588" cy="2388873"/>
+            <a:off x="6600495" y="3371515"/>
+            <a:ext cx="4894448" cy="2520641"/>
           </a:xfrm>
           <a:prstGeom prst="rect">
             <a:avLst/>
@@ -23821,10 +24146,10 @@
       </p:sp>
       <p:pic>
         <p:nvPicPr>
-          <p:cNvPr id="4" name="Picture 3">
-            <a:extLst>
-              <a:ext uri="{FF2B5EF4-FFF2-40B4-BE49-F238E27FC236}">
-                <a16:creationId xmlns:a16="http://schemas.microsoft.com/office/drawing/2014/main" id="{27CB7377-7474-4DD8-B036-E8E880A47DD5}"/>
+          <p:cNvPr id="25" name="Graphic 24" descr="Radioactive">
+            <a:extLst>
+              <a:ext uri="{FF2B5EF4-FFF2-40B4-BE49-F238E27FC236}">
+                <a16:creationId xmlns:a16="http://schemas.microsoft.com/office/drawing/2014/main" id="{C42DCE7F-7F03-47E1-A27B-79F9BB9D958D}"/>
               </a:ext>
             </a:extLst>
           </p:cNvPr>
@@ -23834,15 +24159,21 @@
           <p:nvPr/>
         </p:nvPicPr>
         <p:blipFill>
-          <a:blip r:embed="rId3"/>
+          <a:blip r:embed="rId3">
+            <a:extLst>
+              <a:ext uri="{96DAC541-7B7A-43D3-8B79-37D633B846F1}">
+                <asvg:svgBlip xmlns:asvg="http://schemas.microsoft.com/office/drawing/2016/SVG/main" r:embed="rId4"/>
+              </a:ext>
+            </a:extLst>
+          </a:blip>
           <a:stretch>
             <a:fillRect/>
           </a:stretch>
         </p:blipFill>
         <p:spPr>
           <a:xfrm>
-            <a:off x="611662" y="3552924"/>
-            <a:ext cx="4500872" cy="2366438"/>
+            <a:off x="1576804" y="6011458"/>
+            <a:ext cx="647036" cy="647036"/>
           </a:xfrm>
           <a:prstGeom prst="rect">
             <a:avLst/>
@@ -23851,10 +24182,10 @@
       </p:pic>
       <p:pic>
         <p:nvPicPr>
-          <p:cNvPr id="6" name="Graphic 5" descr="Radioactive">
-            <a:extLst>
-              <a:ext uri="{FF2B5EF4-FFF2-40B4-BE49-F238E27FC236}">
-                <a16:creationId xmlns:a16="http://schemas.microsoft.com/office/drawing/2014/main" id="{00129EC4-B5E4-497E-A700-BDDC0973F500}"/>
+          <p:cNvPr id="26" name="Graphic 25" descr="Radioactive">
+            <a:extLst>
+              <a:ext uri="{FF2B5EF4-FFF2-40B4-BE49-F238E27FC236}">
+                <a16:creationId xmlns:a16="http://schemas.microsoft.com/office/drawing/2014/main" id="{99D1035C-2076-4EB8-8C22-07B882CD2D07}"/>
               </a:ext>
             </a:extLst>
           </p:cNvPr>
@@ -23864,10 +24195,10 @@
           <p:nvPr/>
         </p:nvPicPr>
         <p:blipFill>
-          <a:blip r:embed="rId4">
+          <a:blip r:embed="rId3">
             <a:extLst>
               <a:ext uri="{96DAC541-7B7A-43D3-8B79-37D633B846F1}">
-                <asvg:svgBlip xmlns:asvg="http://schemas.microsoft.com/office/drawing/2016/SVG/main" r:embed="rId5"/>
+                <asvg:svgBlip xmlns:asvg="http://schemas.microsoft.com/office/drawing/2016/SVG/main" r:embed="rId4"/>
               </a:ext>
             </a:extLst>
           </a:blip>
@@ -23877,8 +24208,8 @@
         </p:blipFill>
         <p:spPr>
           <a:xfrm>
-            <a:off x="3649871" y="3437955"/>
-            <a:ext cx="1058096" cy="1058096"/>
+            <a:off x="3321852" y="6018537"/>
+            <a:ext cx="647036" cy="647036"/>
           </a:xfrm>
           <a:prstGeom prst="rect">
             <a:avLst/>
@@ -23887,10 +24218,10 @@
       </p:pic>
       <p:pic>
         <p:nvPicPr>
-          <p:cNvPr id="15" name="Graphic 14" descr="Radioactive">
-            <a:extLst>
-              <a:ext uri="{FF2B5EF4-FFF2-40B4-BE49-F238E27FC236}">
-                <a16:creationId xmlns:a16="http://schemas.microsoft.com/office/drawing/2014/main" id="{3826067F-599D-4DAF-826D-F349E54AF77B}"/>
+          <p:cNvPr id="5" name="Picture 4">
+            <a:extLst>
+              <a:ext uri="{FF2B5EF4-FFF2-40B4-BE49-F238E27FC236}">
+                <a16:creationId xmlns:a16="http://schemas.microsoft.com/office/drawing/2014/main" id="{B59E41E6-29FE-4BAC-BBA8-168A5DE51314}"/>
               </a:ext>
             </a:extLst>
           </p:cNvPr>
@@ -23900,381 +24231,15 @@
           <p:nvPr/>
         </p:nvPicPr>
         <p:blipFill>
-          <a:blip r:embed="rId4">
-            <a:extLst>
-              <a:ext uri="{96DAC541-7B7A-43D3-8B79-37D633B846F1}">
-                <asvg:svgBlip xmlns:asvg="http://schemas.microsoft.com/office/drawing/2016/SVG/main" r:embed="rId5"/>
-              </a:ext>
-            </a:extLst>
-          </a:blip>
+          <a:blip r:embed="rId5"/>
           <a:stretch>
             <a:fillRect/>
           </a:stretch>
         </p:blipFill>
         <p:spPr>
           <a:xfrm>
-            <a:off x="1174423" y="5329811"/>
-            <a:ext cx="647036" cy="647036"/>
-          </a:xfrm>
-          <a:prstGeom prst="rect">
-            <a:avLst/>
-          </a:prstGeom>
-        </p:spPr>
-      </p:pic>
-      <p:pic>
-        <p:nvPicPr>
-          <p:cNvPr id="16" name="Graphic 15" descr="Radioactive">
-            <a:extLst>
-              <a:ext uri="{FF2B5EF4-FFF2-40B4-BE49-F238E27FC236}">
-                <a16:creationId xmlns:a16="http://schemas.microsoft.com/office/drawing/2014/main" id="{C9902073-6515-4BFE-BD00-227D8AA73509}"/>
-              </a:ext>
-            </a:extLst>
-          </p:cNvPr>
-          <p:cNvPicPr>
-            <a:picLocks noChangeAspect="1"/>
-          </p:cNvPicPr>
-          <p:nvPr/>
-        </p:nvPicPr>
-        <p:blipFill>
-          <a:blip r:embed="rId4">
-            <a:extLst>
-              <a:ext uri="{96DAC541-7B7A-43D3-8B79-37D633B846F1}">
-                <asvg:svgBlip xmlns:asvg="http://schemas.microsoft.com/office/drawing/2016/SVG/main" r:embed="rId5"/>
-              </a:ext>
-            </a:extLst>
-          </a:blip>
-          <a:stretch>
-            <a:fillRect/>
-          </a:stretch>
-        </p:blipFill>
-        <p:spPr>
-          <a:xfrm>
-            <a:off x="4428324" y="4476278"/>
-            <a:ext cx="647036" cy="647036"/>
-          </a:xfrm>
-          <a:prstGeom prst="rect">
-            <a:avLst/>
-          </a:prstGeom>
-        </p:spPr>
-      </p:pic>
-      <p:pic>
-        <p:nvPicPr>
-          <p:cNvPr id="17" name="Graphic 16" descr="Radioactive">
-            <a:extLst>
-              <a:ext uri="{FF2B5EF4-FFF2-40B4-BE49-F238E27FC236}">
-                <a16:creationId xmlns:a16="http://schemas.microsoft.com/office/drawing/2014/main" id="{6A6E456C-EA72-4325-B39E-DF4C004182DF}"/>
-              </a:ext>
-            </a:extLst>
-          </p:cNvPr>
-          <p:cNvPicPr>
-            <a:picLocks noChangeAspect="1"/>
-          </p:cNvPicPr>
-          <p:nvPr/>
-        </p:nvPicPr>
-        <p:blipFill>
-          <a:blip r:embed="rId4">
-            <a:extLst>
-              <a:ext uri="{96DAC541-7B7A-43D3-8B79-37D633B846F1}">
-                <asvg:svgBlip xmlns:asvg="http://schemas.microsoft.com/office/drawing/2016/SVG/main" r:embed="rId5"/>
-              </a:ext>
-            </a:extLst>
-          </a:blip>
-          <a:stretch>
-            <a:fillRect/>
-          </a:stretch>
-        </p:blipFill>
-        <p:spPr>
-          <a:xfrm>
-            <a:off x="3490280" y="4241825"/>
-            <a:ext cx="647036" cy="647036"/>
-          </a:xfrm>
-          <a:prstGeom prst="rect">
-            <a:avLst/>
-          </a:prstGeom>
-        </p:spPr>
-      </p:pic>
-      <p:pic>
-        <p:nvPicPr>
-          <p:cNvPr id="19" name="Graphic 18" descr="Radioactive">
-            <a:extLst>
-              <a:ext uri="{FF2B5EF4-FFF2-40B4-BE49-F238E27FC236}">
-                <a16:creationId xmlns:a16="http://schemas.microsoft.com/office/drawing/2014/main" id="{071FE3D8-87EE-4914-BBFE-0CEC7BC9C9C6}"/>
-              </a:ext>
-            </a:extLst>
-          </p:cNvPr>
-          <p:cNvPicPr>
-            <a:picLocks noChangeAspect="1"/>
-          </p:cNvPicPr>
-          <p:nvPr/>
-        </p:nvPicPr>
-        <p:blipFill>
-          <a:blip r:embed="rId4">
-            <a:extLst>
-              <a:ext uri="{96DAC541-7B7A-43D3-8B79-37D633B846F1}">
-                <asvg:svgBlip xmlns:asvg="http://schemas.microsoft.com/office/drawing/2016/SVG/main" r:embed="rId5"/>
-              </a:ext>
-            </a:extLst>
-          </a:blip>
-          <a:stretch>
-            <a:fillRect/>
-          </a:stretch>
-        </p:blipFill>
-        <p:spPr>
-          <a:xfrm>
-            <a:off x="1410190" y="4244275"/>
-            <a:ext cx="647036" cy="647036"/>
-          </a:xfrm>
-          <a:prstGeom prst="rect">
-            <a:avLst/>
-          </a:prstGeom>
-        </p:spPr>
-      </p:pic>
-      <p:pic>
-        <p:nvPicPr>
-          <p:cNvPr id="20" name="Graphic 19" descr="Radioactive">
-            <a:extLst>
-              <a:ext uri="{FF2B5EF4-FFF2-40B4-BE49-F238E27FC236}">
-                <a16:creationId xmlns:a16="http://schemas.microsoft.com/office/drawing/2014/main" id="{F32FDA77-76FE-4E16-AA30-E93DB382C111}"/>
-              </a:ext>
-            </a:extLst>
-          </p:cNvPr>
-          <p:cNvPicPr>
-            <a:picLocks noChangeAspect="1"/>
-          </p:cNvPicPr>
-          <p:nvPr/>
-        </p:nvPicPr>
-        <p:blipFill>
-          <a:blip r:embed="rId4">
-            <a:extLst>
-              <a:ext uri="{96DAC541-7B7A-43D3-8B79-37D633B846F1}">
-                <asvg:svgBlip xmlns:asvg="http://schemas.microsoft.com/office/drawing/2016/SVG/main" r:embed="rId5"/>
-              </a:ext>
-            </a:extLst>
-          </a:blip>
-          <a:stretch>
-            <a:fillRect/>
-          </a:stretch>
-        </p:blipFill>
-        <p:spPr>
-          <a:xfrm>
-            <a:off x="1884883" y="3663142"/>
-            <a:ext cx="647036" cy="647036"/>
-          </a:xfrm>
-          <a:prstGeom prst="rect">
-            <a:avLst/>
-          </a:prstGeom>
-        </p:spPr>
-      </p:pic>
-      <p:pic>
-        <p:nvPicPr>
-          <p:cNvPr id="21" name="Graphic 20" descr="Radioactive">
-            <a:extLst>
-              <a:ext uri="{FF2B5EF4-FFF2-40B4-BE49-F238E27FC236}">
-                <a16:creationId xmlns:a16="http://schemas.microsoft.com/office/drawing/2014/main" id="{EF6E82F3-8637-4398-A0E5-D3A9743B6577}"/>
-              </a:ext>
-            </a:extLst>
-          </p:cNvPr>
-          <p:cNvPicPr>
-            <a:picLocks noChangeAspect="1"/>
-          </p:cNvPicPr>
-          <p:nvPr/>
-        </p:nvPicPr>
-        <p:blipFill>
-          <a:blip r:embed="rId4">
-            <a:extLst>
-              <a:ext uri="{96DAC541-7B7A-43D3-8B79-37D633B846F1}">
-                <asvg:svgBlip xmlns:asvg="http://schemas.microsoft.com/office/drawing/2016/SVG/main" r:embed="rId5"/>
-              </a:ext>
-            </a:extLst>
-          </a:blip>
-          <a:stretch>
-            <a:fillRect/>
-          </a:stretch>
-        </p:blipFill>
-        <p:spPr>
-          <a:xfrm>
-            <a:off x="1639472" y="4738505"/>
-            <a:ext cx="571511" cy="571511"/>
-          </a:xfrm>
-          <a:prstGeom prst="rect">
-            <a:avLst/>
-          </a:prstGeom>
-        </p:spPr>
-      </p:pic>
-      <p:pic>
-        <p:nvPicPr>
-          <p:cNvPr id="22" name="Graphic 21" descr="Radioactive">
-            <a:extLst>
-              <a:ext uri="{FF2B5EF4-FFF2-40B4-BE49-F238E27FC236}">
-                <a16:creationId xmlns:a16="http://schemas.microsoft.com/office/drawing/2014/main" id="{BDA3C95F-DA59-46C0-B3EE-A5F243BA0189}"/>
-              </a:ext>
-            </a:extLst>
-          </p:cNvPr>
-          <p:cNvPicPr>
-            <a:picLocks noChangeAspect="1"/>
-          </p:cNvPicPr>
-          <p:nvPr/>
-        </p:nvPicPr>
-        <p:blipFill>
-          <a:blip r:embed="rId4">
-            <a:extLst>
-              <a:ext uri="{96DAC541-7B7A-43D3-8B79-37D633B846F1}">
-                <asvg:svgBlip xmlns:asvg="http://schemas.microsoft.com/office/drawing/2016/SVG/main" r:embed="rId5"/>
-              </a:ext>
-            </a:extLst>
-          </a:blip>
-          <a:stretch>
-            <a:fillRect/>
-          </a:stretch>
-        </p:blipFill>
-        <p:spPr>
-          <a:xfrm>
-            <a:off x="3933688" y="5494355"/>
-            <a:ext cx="647036" cy="647036"/>
-          </a:xfrm>
-          <a:prstGeom prst="rect">
-            <a:avLst/>
-          </a:prstGeom>
-        </p:spPr>
-      </p:pic>
-      <p:pic>
-        <p:nvPicPr>
-          <p:cNvPr id="23" name="Graphic 22" descr="Radioactive">
-            <a:extLst>
-              <a:ext uri="{FF2B5EF4-FFF2-40B4-BE49-F238E27FC236}">
-                <a16:creationId xmlns:a16="http://schemas.microsoft.com/office/drawing/2014/main" id="{F6AC7826-BAE8-491A-825D-8800E0B04A1A}"/>
-              </a:ext>
-            </a:extLst>
-          </p:cNvPr>
-          <p:cNvPicPr>
-            <a:picLocks noChangeAspect="1"/>
-          </p:cNvPicPr>
-          <p:nvPr/>
-        </p:nvPicPr>
-        <p:blipFill>
-          <a:blip r:embed="rId4">
-            <a:extLst>
-              <a:ext uri="{96DAC541-7B7A-43D3-8B79-37D633B846F1}">
-                <asvg:svgBlip xmlns:asvg="http://schemas.microsoft.com/office/drawing/2016/SVG/main" r:embed="rId5"/>
-              </a:ext>
-            </a:extLst>
-          </a:blip>
-          <a:stretch>
-            <a:fillRect/>
-          </a:stretch>
-        </p:blipFill>
-        <p:spPr>
-          <a:xfrm>
-            <a:off x="3118512" y="3620513"/>
-            <a:ext cx="485872" cy="485872"/>
-          </a:xfrm>
-          <a:prstGeom prst="rect">
-            <a:avLst/>
-          </a:prstGeom>
-        </p:spPr>
-      </p:pic>
-      <p:pic>
-        <p:nvPicPr>
-          <p:cNvPr id="24" name="Graphic 23" descr="Radioactive">
-            <a:extLst>
-              <a:ext uri="{FF2B5EF4-FFF2-40B4-BE49-F238E27FC236}">
-                <a16:creationId xmlns:a16="http://schemas.microsoft.com/office/drawing/2014/main" id="{D5EBD08A-01DB-4384-A414-B4BF480ADEF2}"/>
-              </a:ext>
-            </a:extLst>
-          </p:cNvPr>
-          <p:cNvPicPr>
-            <a:picLocks noChangeAspect="1"/>
-          </p:cNvPicPr>
-          <p:nvPr/>
-        </p:nvPicPr>
-        <p:blipFill>
-          <a:blip r:embed="rId4">
-            <a:extLst>
-              <a:ext uri="{96DAC541-7B7A-43D3-8B79-37D633B846F1}">
-                <asvg:svgBlip xmlns:asvg="http://schemas.microsoft.com/office/drawing/2016/SVG/main" r:embed="rId5"/>
-              </a:ext>
-            </a:extLst>
-          </a:blip>
-          <a:stretch>
-            <a:fillRect/>
-          </a:stretch>
-        </p:blipFill>
-        <p:spPr>
-          <a:xfrm>
-            <a:off x="1151696" y="4351740"/>
-            <a:ext cx="384403" cy="384403"/>
-          </a:xfrm>
-          <a:prstGeom prst="rect">
-            <a:avLst/>
-          </a:prstGeom>
-        </p:spPr>
-      </p:pic>
-      <p:pic>
-        <p:nvPicPr>
-          <p:cNvPr id="25" name="Graphic 24" descr="Radioactive">
-            <a:extLst>
-              <a:ext uri="{FF2B5EF4-FFF2-40B4-BE49-F238E27FC236}">
-                <a16:creationId xmlns:a16="http://schemas.microsoft.com/office/drawing/2014/main" id="{C42DCE7F-7F03-47E1-A27B-79F9BB9D958D}"/>
-              </a:ext>
-            </a:extLst>
-          </p:cNvPr>
-          <p:cNvPicPr>
-            <a:picLocks noChangeAspect="1"/>
-          </p:cNvPicPr>
-          <p:nvPr/>
-        </p:nvPicPr>
-        <p:blipFill>
-          <a:blip r:embed="rId4">
-            <a:extLst>
-              <a:ext uri="{96DAC541-7B7A-43D3-8B79-37D633B846F1}">
-                <asvg:svgBlip xmlns:asvg="http://schemas.microsoft.com/office/drawing/2016/SVG/main" r:embed="rId5"/>
-              </a:ext>
-            </a:extLst>
-          </a:blip>
-          <a:stretch>
-            <a:fillRect/>
-          </a:stretch>
-        </p:blipFill>
-        <p:spPr>
-          <a:xfrm>
-            <a:off x="1576804" y="6011458"/>
-            <a:ext cx="647036" cy="647036"/>
-          </a:xfrm>
-          <a:prstGeom prst="rect">
-            <a:avLst/>
-          </a:prstGeom>
-        </p:spPr>
-      </p:pic>
-      <p:pic>
-        <p:nvPicPr>
-          <p:cNvPr id="26" name="Graphic 25" descr="Radioactive">
-            <a:extLst>
-              <a:ext uri="{FF2B5EF4-FFF2-40B4-BE49-F238E27FC236}">
-                <a16:creationId xmlns:a16="http://schemas.microsoft.com/office/drawing/2014/main" id="{99D1035C-2076-4EB8-8C22-07B882CD2D07}"/>
-              </a:ext>
-            </a:extLst>
-          </p:cNvPr>
-          <p:cNvPicPr>
-            <a:picLocks noChangeAspect="1"/>
-          </p:cNvPicPr>
-          <p:nvPr/>
-        </p:nvPicPr>
-        <p:blipFill>
-          <a:blip r:embed="rId4">
-            <a:extLst>
-              <a:ext uri="{96DAC541-7B7A-43D3-8B79-37D633B846F1}">
-                <asvg:svgBlip xmlns:asvg="http://schemas.microsoft.com/office/drawing/2016/SVG/main" r:embed="rId5"/>
-              </a:ext>
-            </a:extLst>
-          </a:blip>
-          <a:stretch>
-            <a:fillRect/>
-          </a:stretch>
-        </p:blipFill>
-        <p:spPr>
-          <a:xfrm>
-            <a:off x="3321852" y="6018537"/>
-            <a:ext cx="647036" cy="647036"/>
+            <a:off x="500797" y="3359090"/>
+            <a:ext cx="4838915" cy="2481495"/>
           </a:xfrm>
           <a:prstGeom prst="rect">
             <a:avLst/>
@@ -24392,8 +24357,8 @@
         </p:nvSpPr>
         <p:spPr>
           <a:xfrm>
-            <a:off x="6262008" y="4587361"/>
-            <a:ext cx="5333834" cy="523220"/>
+            <a:off x="1618888" y="3877326"/>
+            <a:ext cx="5333834" cy="954107"/>
           </a:xfrm>
           <a:prstGeom prst="rect">
             <a:avLst/>
@@ -24414,7 +24379,19 @@
                   </a:schemeClr>
                 </a:solidFill>
               </a:rPr>
-              <a:t>No… focus more on the words…..</a:t>
+              <a:t>Nope…..</a:t>
+            </a:r>
+          </a:p>
+          <a:p>
+            <a:r>
+              <a:rPr lang="en-US" sz="2800" b="1" dirty="0">
+                <a:solidFill>
+                  <a:schemeClr val="accent4">
+                    <a:lumMod val="50000"/>
+                  </a:schemeClr>
+                </a:solidFill>
+              </a:rPr>
+              <a:t>They are about the same.</a:t>
             </a:r>
           </a:p>
         </p:txBody>
@@ -24521,332 +24498,30 @@
       </p:grpSpPr>
       <p:sp>
         <p:nvSpPr>
-          <p:cNvPr id="2" name="Title 1">
-            <a:extLst>
-              <a:ext uri="{FF2B5EF4-FFF2-40B4-BE49-F238E27FC236}">
-                <a16:creationId xmlns:a16="http://schemas.microsoft.com/office/drawing/2014/main" id="{285097A8-FDF2-415B-A525-792A93E0F4B6}"/>
-              </a:ext>
-            </a:extLst>
-          </p:cNvPr>
-          <p:cNvSpPr>
-            <a:spLocks noGrp="1"/>
-          </p:cNvSpPr>
-          <p:nvPr>
-            <p:ph type="title"/>
-          </p:nvPr>
-        </p:nvSpPr>
-        <p:spPr/>
-        <p:txBody>
-          <a:bodyPr/>
-          <a:lstStyle/>
-          <a:p>
-            <a:r>
-              <a:rPr lang="en-US" dirty="0"/>
-              <a:t>Top 5 Words Per Category:</a:t>
-            </a:r>
-          </a:p>
-        </p:txBody>
-      </p:sp>
-      <p:sp>
-        <p:nvSpPr>
-          <p:cNvPr id="3" name="Text Placeholder 2">
-            <a:extLst>
-              <a:ext uri="{FF2B5EF4-FFF2-40B4-BE49-F238E27FC236}">
-                <a16:creationId xmlns:a16="http://schemas.microsoft.com/office/drawing/2014/main" id="{CBF927C8-2102-46A9-90C5-37FC3A28C534}"/>
-              </a:ext>
-            </a:extLst>
-          </p:cNvPr>
-          <p:cNvSpPr>
-            <a:spLocks noGrp="1"/>
-          </p:cNvSpPr>
-          <p:nvPr>
-            <p:ph type="body" sz="quarter" idx="11"/>
-          </p:nvPr>
-        </p:nvSpPr>
-        <p:spPr>
-          <a:xfrm>
-            <a:off x="660400" y="2635242"/>
-            <a:ext cx="4945062" cy="3483263"/>
-          </a:xfrm>
-        </p:spPr>
-        <p:txBody>
-          <a:bodyPr/>
-          <a:lstStyle/>
-          <a:p>
-            <a:r>
-              <a:rPr lang="en-US" sz="2000" dirty="0"/>
-              <a:t>The same words appeared in 4 categories:</a:t>
-            </a:r>
-          </a:p>
-          <a:p>
-            <a:pPr algn="ctr"/>
-            <a:r>
-              <a:rPr lang="en-US" sz="2000" b="1" dirty="0"/>
-              <a:t>Toxic, Severely Toxic, Insulting &amp; Obscene</a:t>
-            </a:r>
-          </a:p>
-          <a:p>
-            <a:endParaRPr lang="en-US" dirty="0"/>
-          </a:p>
-          <a:p>
-            <a:endParaRPr lang="en-US" dirty="0"/>
-          </a:p>
-          <a:p>
-            <a:endParaRPr lang="en-US" sz="2000" dirty="0"/>
-          </a:p>
-          <a:p>
-            <a:endParaRPr lang="en-US" sz="2000" dirty="0"/>
-          </a:p>
-          <a:p>
-            <a:r>
-              <a:rPr lang="en-US" sz="2000" dirty="0"/>
-              <a:t>Two categories had more distinct top 5 words:</a:t>
-            </a:r>
-          </a:p>
-          <a:p>
-            <a:pPr algn="ctr"/>
-            <a:r>
-              <a:rPr lang="en-US" sz="2000" b="1" dirty="0"/>
-              <a:t>Threatening  &amp; Identity-Based Hate</a:t>
-            </a:r>
-          </a:p>
-        </p:txBody>
-      </p:sp>
-      <p:sp>
-        <p:nvSpPr>
-          <p:cNvPr id="4" name="Text Placeholder 3">
-            <a:extLst>
-              <a:ext uri="{FF2B5EF4-FFF2-40B4-BE49-F238E27FC236}">
-                <a16:creationId xmlns:a16="http://schemas.microsoft.com/office/drawing/2014/main" id="{2690EE78-F93F-493B-9C33-0B5B3362D7B2}"/>
-              </a:ext>
-            </a:extLst>
-          </p:cNvPr>
-          <p:cNvSpPr>
-            <a:spLocks noGrp="1"/>
-          </p:cNvSpPr>
-          <p:nvPr>
-            <p:ph type="body" sz="quarter" idx="12"/>
-          </p:nvPr>
-        </p:nvSpPr>
-        <p:spPr/>
-        <p:txBody>
-          <a:bodyPr>
-            <a:normAutofit/>
-          </a:bodyPr>
-          <a:lstStyle/>
-          <a:p>
-            <a:r>
-              <a:rPr lang="en-US" dirty="0"/>
-              <a:t>Patterns Emerged</a:t>
-            </a:r>
-          </a:p>
-        </p:txBody>
-      </p:sp>
-      <p:pic>
-        <p:nvPicPr>
-          <p:cNvPr id="8" name="Picture 7">
-            <a:extLst>
-              <a:ext uri="{FF2B5EF4-FFF2-40B4-BE49-F238E27FC236}">
-                <a16:creationId xmlns:a16="http://schemas.microsoft.com/office/drawing/2014/main" id="{EE89C95D-8C5C-4A88-BA0D-A80CB8BAE417}"/>
-              </a:ext>
-            </a:extLst>
-          </p:cNvPr>
-          <p:cNvPicPr>
-            <a:picLocks noChangeAspect="1"/>
-          </p:cNvPicPr>
+          <p:cNvPr id="58" name="Rectangle 57">
+            <a:extLst>
+              <a:ext uri="{FF2B5EF4-FFF2-40B4-BE49-F238E27FC236}">
+                <a16:creationId xmlns:a16="http://schemas.microsoft.com/office/drawing/2014/main" id="{B2D6D4AE-00BA-40E1-B0B4-58F198B99A9D}"/>
+              </a:ext>
+            </a:extLst>
+          </p:cNvPr>
+          <p:cNvSpPr/>
           <p:nvPr/>
-        </p:nvPicPr>
-        <p:blipFill>
-          <a:blip r:embed="rId2"/>
-          <a:stretch>
-            <a:fillRect/>
-          </a:stretch>
-        </p:blipFill>
-        <p:spPr>
-          <a:xfrm>
-            <a:off x="6373951" y="202432"/>
-            <a:ext cx="2483154" cy="1690983"/>
+        </p:nvSpPr>
+        <p:spPr>
+          <a:xfrm>
+            <a:off x="10160" y="3503353"/>
+            <a:ext cx="12181840" cy="3258942"/>
           </a:xfrm>
           <a:prstGeom prst="rect">
             <a:avLst/>
           </a:prstGeom>
-        </p:spPr>
-      </p:pic>
-      <p:pic>
-        <p:nvPicPr>
-          <p:cNvPr id="9" name="Picture 8">
-            <a:extLst>
-              <a:ext uri="{FF2B5EF4-FFF2-40B4-BE49-F238E27FC236}">
-                <a16:creationId xmlns:a16="http://schemas.microsoft.com/office/drawing/2014/main" id="{DEAC99C1-B4B6-410F-8200-6F40F1A68A30}"/>
-              </a:ext>
-            </a:extLst>
-          </p:cNvPr>
-          <p:cNvPicPr>
-            <a:picLocks noChangeAspect="1"/>
-          </p:cNvPicPr>
-          <p:nvPr/>
-        </p:nvPicPr>
-        <p:blipFill>
-          <a:blip r:embed="rId3"/>
-          <a:stretch>
-            <a:fillRect/>
-          </a:stretch>
-        </p:blipFill>
-        <p:spPr>
-          <a:xfrm>
-            <a:off x="9348938" y="129248"/>
-            <a:ext cx="2506409" cy="1764167"/>
-          </a:xfrm>
-          <a:prstGeom prst="rect">
-            <a:avLst/>
-          </a:prstGeom>
-        </p:spPr>
-      </p:pic>
-      <p:pic>
-        <p:nvPicPr>
-          <p:cNvPr id="10" name="Picture 9">
-            <a:extLst>
-              <a:ext uri="{FF2B5EF4-FFF2-40B4-BE49-F238E27FC236}">
-                <a16:creationId xmlns:a16="http://schemas.microsoft.com/office/drawing/2014/main" id="{3334C29D-3F8C-4CA3-A665-5A686225A09D}"/>
-              </a:ext>
-            </a:extLst>
-          </p:cNvPr>
-          <p:cNvPicPr>
-            <a:picLocks noChangeAspect="1"/>
-          </p:cNvPicPr>
-          <p:nvPr/>
-        </p:nvPicPr>
-        <p:blipFill>
-          <a:blip r:embed="rId4"/>
-          <a:stretch>
-            <a:fillRect/>
-          </a:stretch>
-        </p:blipFill>
-        <p:spPr>
-          <a:xfrm>
-            <a:off x="9328329" y="1978817"/>
-            <a:ext cx="2527020" cy="1627983"/>
-          </a:xfrm>
-          <a:prstGeom prst="rect">
-            <a:avLst/>
-          </a:prstGeom>
-        </p:spPr>
-      </p:pic>
-      <p:pic>
-        <p:nvPicPr>
-          <p:cNvPr id="11" name="Picture 10">
-            <a:extLst>
-              <a:ext uri="{FF2B5EF4-FFF2-40B4-BE49-F238E27FC236}">
-                <a16:creationId xmlns:a16="http://schemas.microsoft.com/office/drawing/2014/main" id="{BEA640BC-A159-4478-8DF8-7AB3017ED038}"/>
-              </a:ext>
-            </a:extLst>
-          </p:cNvPr>
-          <p:cNvPicPr>
-            <a:picLocks noChangeAspect="1"/>
-          </p:cNvPicPr>
-          <p:nvPr/>
-        </p:nvPicPr>
-        <p:blipFill>
-          <a:blip r:embed="rId5"/>
-          <a:stretch>
-            <a:fillRect/>
-          </a:stretch>
-        </p:blipFill>
-        <p:spPr>
-          <a:xfrm>
-            <a:off x="5851068" y="4433440"/>
-            <a:ext cx="2951120" cy="2116016"/>
-          </a:xfrm>
-          <a:prstGeom prst="rect">
-            <a:avLst/>
-          </a:prstGeom>
-        </p:spPr>
-      </p:pic>
-      <p:pic>
-        <p:nvPicPr>
-          <p:cNvPr id="12" name="Picture 11">
-            <a:extLst>
-              <a:ext uri="{FF2B5EF4-FFF2-40B4-BE49-F238E27FC236}">
-                <a16:creationId xmlns:a16="http://schemas.microsoft.com/office/drawing/2014/main" id="{685115FF-C2EB-46EF-BDE5-2ADF18D05059}"/>
-              </a:ext>
-            </a:extLst>
-          </p:cNvPr>
-          <p:cNvPicPr>
-            <a:picLocks noChangeAspect="1"/>
-          </p:cNvPicPr>
-          <p:nvPr/>
-        </p:nvPicPr>
-        <p:blipFill>
-          <a:blip r:embed="rId6"/>
-          <a:stretch>
-            <a:fillRect/>
-          </a:stretch>
-        </p:blipFill>
-        <p:spPr>
-          <a:xfrm>
-            <a:off x="6373951" y="1978817"/>
-            <a:ext cx="2472367" cy="1614705"/>
-          </a:xfrm>
-          <a:prstGeom prst="rect">
-            <a:avLst/>
-          </a:prstGeom>
-        </p:spPr>
-      </p:pic>
-      <p:pic>
-        <p:nvPicPr>
-          <p:cNvPr id="13" name="Picture 12">
-            <a:extLst>
-              <a:ext uri="{FF2B5EF4-FFF2-40B4-BE49-F238E27FC236}">
-                <a16:creationId xmlns:a16="http://schemas.microsoft.com/office/drawing/2014/main" id="{7B88C1E9-A6F2-4C7D-8862-374B8E59B19D}"/>
-              </a:ext>
-            </a:extLst>
-          </p:cNvPr>
-          <p:cNvPicPr>
-            <a:picLocks noChangeAspect="1"/>
-          </p:cNvPicPr>
-          <p:nvPr/>
-        </p:nvPicPr>
-        <p:blipFill>
-          <a:blip r:embed="rId7"/>
-          <a:stretch>
-            <a:fillRect/>
-          </a:stretch>
-        </p:blipFill>
-        <p:spPr>
-          <a:xfrm>
-            <a:off x="8887774" y="4460240"/>
-            <a:ext cx="3283257" cy="2116016"/>
-          </a:xfrm>
-          <a:prstGeom prst="rect">
-            <a:avLst/>
-          </a:prstGeom>
-        </p:spPr>
-      </p:pic>
-      <p:sp>
-        <p:nvSpPr>
-          <p:cNvPr id="14" name="Oval 13">
-            <a:extLst>
-              <a:ext uri="{FF2B5EF4-FFF2-40B4-BE49-F238E27FC236}">
-                <a16:creationId xmlns:a16="http://schemas.microsoft.com/office/drawing/2014/main" id="{742EBDFF-C676-430B-8523-B7BFE7303855}"/>
-              </a:ext>
-            </a:extLst>
-          </p:cNvPr>
-          <p:cNvSpPr/>
-          <p:nvPr/>
-        </p:nvSpPr>
-        <p:spPr>
-          <a:xfrm>
-            <a:off x="6573520" y="1381760"/>
-            <a:ext cx="223520" cy="182880"/>
-          </a:xfrm>
-          <a:prstGeom prst="ellipse">
-            <a:avLst/>
-          </a:prstGeom>
           <a:solidFill>
-            <a:schemeClr val="accent1">
-              <a:alpha val="56000"/>
-            </a:schemeClr>
+            <a:schemeClr val="accent3"/>
           </a:solidFill>
+          <a:ln>
+            <a:noFill/>
+          </a:ln>
         </p:spPr>
         <p:style>
           <a:lnRef idx="2">
@@ -24869,16 +24544,16 @@
           <a:lstStyle/>
           <a:p>
             <a:pPr algn="ctr"/>
-            <a:endParaRPr lang="en-US" dirty="0"/>
-          </a:p>
-        </p:txBody>
-      </p:sp>
-      <p:sp>
-        <p:nvSpPr>
-          <p:cNvPr id="15" name="Oval 14">
-            <a:extLst>
-              <a:ext uri="{FF2B5EF4-FFF2-40B4-BE49-F238E27FC236}">
-                <a16:creationId xmlns:a16="http://schemas.microsoft.com/office/drawing/2014/main" id="{D0F5CAC2-B87D-405B-8247-D479E1AFB9AF}"/>
+            <a:endParaRPr lang="en-US"/>
+          </a:p>
+        </p:txBody>
+      </p:sp>
+      <p:sp>
+        <p:nvSpPr>
+          <p:cNvPr id="57" name="Rectangle 56">
+            <a:extLst>
+              <a:ext uri="{FF2B5EF4-FFF2-40B4-BE49-F238E27FC236}">
+                <a16:creationId xmlns:a16="http://schemas.microsoft.com/office/drawing/2014/main" id="{16490F65-AB25-4076-94F6-FDB54F475A67}"/>
               </a:ext>
             </a:extLst>
           </p:cNvPr>
@@ -24887,17 +24562,12 @@
         </p:nvSpPr>
         <p:spPr>
           <a:xfrm>
-            <a:off x="9513834" y="1369217"/>
-            <a:ext cx="223520" cy="182880"/>
-          </a:xfrm>
-          <a:prstGeom prst="ellipse">
+            <a:off x="9345448" y="2834869"/>
+            <a:ext cx="2784025" cy="559967"/>
+          </a:xfrm>
+          <a:prstGeom prst="rect">
             <a:avLst/>
           </a:prstGeom>
-          <a:solidFill>
-            <a:schemeClr val="accent1">
-              <a:alpha val="56000"/>
-            </a:schemeClr>
-          </a:solidFill>
         </p:spPr>
         <p:style>
           <a:lnRef idx="2">
@@ -24920,16 +24590,16 @@
           <a:lstStyle/>
           <a:p>
             <a:pPr algn="ctr"/>
-            <a:endParaRPr lang="en-US" dirty="0"/>
-          </a:p>
-        </p:txBody>
-      </p:sp>
-      <p:sp>
-        <p:nvSpPr>
-          <p:cNvPr id="16" name="Oval 15">
-            <a:extLst>
-              <a:ext uri="{FF2B5EF4-FFF2-40B4-BE49-F238E27FC236}">
-                <a16:creationId xmlns:a16="http://schemas.microsoft.com/office/drawing/2014/main" id="{4EFF935B-7100-498B-8A88-6A77AEEEDFE2}"/>
+            <a:endParaRPr lang="en-US"/>
+          </a:p>
+        </p:txBody>
+      </p:sp>
+      <p:sp>
+        <p:nvSpPr>
+          <p:cNvPr id="55" name="Rectangle 54">
+            <a:extLst>
+              <a:ext uri="{FF2B5EF4-FFF2-40B4-BE49-F238E27FC236}">
+                <a16:creationId xmlns:a16="http://schemas.microsoft.com/office/drawing/2014/main" id="{0CB9CD3F-6DBB-4676-960D-CAD31CF0A9A9}"/>
               </a:ext>
             </a:extLst>
           </p:cNvPr>
@@ -24938,17 +24608,12 @@
         </p:nvSpPr>
         <p:spPr>
           <a:xfrm>
-            <a:off x="6573520" y="2214058"/>
-            <a:ext cx="264160" cy="182880"/>
-          </a:xfrm>
-          <a:prstGeom prst="ellipse">
+            <a:off x="6010433" y="2824843"/>
+            <a:ext cx="3070601" cy="590777"/>
+          </a:xfrm>
+          <a:prstGeom prst="rect">
             <a:avLst/>
           </a:prstGeom>
-          <a:solidFill>
-            <a:schemeClr val="accent1">
-              <a:alpha val="56000"/>
-            </a:schemeClr>
-          </a:solidFill>
         </p:spPr>
         <p:style>
           <a:lnRef idx="2">
@@ -24971,16 +24636,16 @@
           <a:lstStyle/>
           <a:p>
             <a:pPr algn="ctr"/>
-            <a:endParaRPr lang="en-US" dirty="0"/>
-          </a:p>
-        </p:txBody>
-      </p:sp>
-      <p:sp>
-        <p:nvSpPr>
-          <p:cNvPr id="17" name="Oval 16">
-            <a:extLst>
-              <a:ext uri="{FF2B5EF4-FFF2-40B4-BE49-F238E27FC236}">
-                <a16:creationId xmlns:a16="http://schemas.microsoft.com/office/drawing/2014/main" id="{4F8C8201-DCC0-4A3A-8108-17BB202CB6C7}"/>
+            <a:endParaRPr lang="en-US"/>
+          </a:p>
+        </p:txBody>
+      </p:sp>
+      <p:sp>
+        <p:nvSpPr>
+          <p:cNvPr id="42" name="Rectangle 41">
+            <a:extLst>
+              <a:ext uri="{FF2B5EF4-FFF2-40B4-BE49-F238E27FC236}">
+                <a16:creationId xmlns:a16="http://schemas.microsoft.com/office/drawing/2014/main" id="{F08D5DF9-6AFE-42B7-9AFE-CD514925D6A7}"/>
               </a:ext>
             </a:extLst>
           </p:cNvPr>
@@ -24989,1392 +24654,7 @@
         </p:nvSpPr>
         <p:spPr>
           <a:xfrm>
-            <a:off x="6643557" y="3071988"/>
-            <a:ext cx="223520" cy="182880"/>
-          </a:xfrm>
-          <a:prstGeom prst="ellipse">
-            <a:avLst/>
-          </a:prstGeom>
-          <a:solidFill>
-            <a:schemeClr val="accent1">
-              <a:alpha val="56000"/>
-            </a:schemeClr>
-          </a:solidFill>
-        </p:spPr>
-        <p:style>
-          <a:lnRef idx="2">
-            <a:schemeClr val="accent1">
-              <a:shade val="50000"/>
-            </a:schemeClr>
-          </a:lnRef>
-          <a:fillRef idx="1">
-            <a:schemeClr val="accent1"/>
-          </a:fillRef>
-          <a:effectRef idx="0">
-            <a:schemeClr val="accent1"/>
-          </a:effectRef>
-          <a:fontRef idx="minor">
-            <a:schemeClr val="lt1"/>
-          </a:fontRef>
-        </p:style>
-        <p:txBody>
-          <a:bodyPr rtlCol="0" anchor="ctr"/>
-          <a:lstStyle/>
-          <a:p>
-            <a:pPr algn="ctr"/>
-            <a:endParaRPr lang="en-US" dirty="0"/>
-          </a:p>
-        </p:txBody>
-      </p:sp>
-      <p:sp>
-        <p:nvSpPr>
-          <p:cNvPr id="18" name="Oval 17">
-            <a:extLst>
-              <a:ext uri="{FF2B5EF4-FFF2-40B4-BE49-F238E27FC236}">
-                <a16:creationId xmlns:a16="http://schemas.microsoft.com/office/drawing/2014/main" id="{597C8FD6-7DFD-47B1-80F7-2268FBB0678E}"/>
-              </a:ext>
-            </a:extLst>
-          </p:cNvPr>
-          <p:cNvSpPr/>
-          <p:nvPr/>
-        </p:nvSpPr>
-        <p:spPr>
-          <a:xfrm>
-            <a:off x="9562094" y="3126400"/>
-            <a:ext cx="223520" cy="182880"/>
-          </a:xfrm>
-          <a:prstGeom prst="ellipse">
-            <a:avLst/>
-          </a:prstGeom>
-          <a:solidFill>
-            <a:schemeClr val="accent1">
-              <a:alpha val="56000"/>
-            </a:schemeClr>
-          </a:solidFill>
-        </p:spPr>
-        <p:style>
-          <a:lnRef idx="2">
-            <a:schemeClr val="accent1">
-              <a:shade val="50000"/>
-            </a:schemeClr>
-          </a:lnRef>
-          <a:fillRef idx="1">
-            <a:schemeClr val="accent1"/>
-          </a:fillRef>
-          <a:effectRef idx="0">
-            <a:schemeClr val="accent1"/>
-          </a:effectRef>
-          <a:fontRef idx="minor">
-            <a:schemeClr val="lt1"/>
-          </a:fontRef>
-        </p:style>
-        <p:txBody>
-          <a:bodyPr rtlCol="0" anchor="ctr"/>
-          <a:lstStyle/>
-          <a:p>
-            <a:pPr algn="ctr"/>
-            <a:endParaRPr lang="en-US" dirty="0"/>
-          </a:p>
-        </p:txBody>
-      </p:sp>
-      <p:sp>
-        <p:nvSpPr>
-          <p:cNvPr id="19" name="Oval 18">
-            <a:extLst>
-              <a:ext uri="{FF2B5EF4-FFF2-40B4-BE49-F238E27FC236}">
-                <a16:creationId xmlns:a16="http://schemas.microsoft.com/office/drawing/2014/main" id="{AAEC497B-93A8-46C3-A7FB-5377A959F62A}"/>
-              </a:ext>
-            </a:extLst>
-          </p:cNvPr>
-          <p:cNvSpPr/>
-          <p:nvPr/>
-        </p:nvSpPr>
-        <p:spPr>
-          <a:xfrm>
-            <a:off x="9497967" y="2824619"/>
-            <a:ext cx="264160" cy="182880"/>
-          </a:xfrm>
-          <a:prstGeom prst="ellipse">
-            <a:avLst/>
-          </a:prstGeom>
-          <a:solidFill>
-            <a:schemeClr val="accent1">
-              <a:alpha val="56000"/>
-            </a:schemeClr>
-          </a:solidFill>
-        </p:spPr>
-        <p:style>
-          <a:lnRef idx="2">
-            <a:schemeClr val="accent1">
-              <a:shade val="50000"/>
-            </a:schemeClr>
-          </a:lnRef>
-          <a:fillRef idx="1">
-            <a:schemeClr val="accent1"/>
-          </a:fillRef>
-          <a:effectRef idx="0">
-            <a:schemeClr val="accent1"/>
-          </a:effectRef>
-          <a:fontRef idx="minor">
-            <a:schemeClr val="lt1"/>
-          </a:fontRef>
-        </p:style>
-        <p:txBody>
-          <a:bodyPr rtlCol="0" anchor="ctr"/>
-          <a:lstStyle/>
-          <a:p>
-            <a:pPr algn="ctr"/>
-            <a:endParaRPr lang="en-US" dirty="0"/>
-          </a:p>
-        </p:txBody>
-      </p:sp>
-      <p:sp>
-        <p:nvSpPr>
-          <p:cNvPr id="20" name="Oval 19">
-            <a:extLst>
-              <a:ext uri="{FF2B5EF4-FFF2-40B4-BE49-F238E27FC236}">
-                <a16:creationId xmlns:a16="http://schemas.microsoft.com/office/drawing/2014/main" id="{B07222FB-0C82-47AA-9CE5-00D10127226E}"/>
-              </a:ext>
-            </a:extLst>
-          </p:cNvPr>
-          <p:cNvSpPr/>
-          <p:nvPr/>
-        </p:nvSpPr>
-        <p:spPr>
-          <a:xfrm>
-            <a:off x="6572437" y="769703"/>
-            <a:ext cx="223520" cy="182880"/>
-          </a:xfrm>
-          <a:prstGeom prst="ellipse">
-            <a:avLst/>
-          </a:prstGeom>
-          <a:solidFill>
-            <a:srgbClr val="5DAAB0">
-              <a:alpha val="56000"/>
-            </a:srgbClr>
-          </a:solidFill>
-          <a:ln>
-            <a:solidFill>
-              <a:schemeClr val="bg2">
-                <a:lumMod val="75000"/>
-              </a:schemeClr>
-            </a:solidFill>
-          </a:ln>
-        </p:spPr>
-        <p:style>
-          <a:lnRef idx="2">
-            <a:schemeClr val="accent1">
-              <a:shade val="50000"/>
-            </a:schemeClr>
-          </a:lnRef>
-          <a:fillRef idx="1">
-            <a:schemeClr val="accent1"/>
-          </a:fillRef>
-          <a:effectRef idx="0">
-            <a:schemeClr val="accent1"/>
-          </a:effectRef>
-          <a:fontRef idx="minor">
-            <a:schemeClr val="lt1"/>
-          </a:fontRef>
-        </p:style>
-        <p:txBody>
-          <a:bodyPr rtlCol="0" anchor="ctr"/>
-          <a:lstStyle/>
-          <a:p>
-            <a:pPr algn="ctr"/>
-            <a:endParaRPr lang="en-US" dirty="0"/>
-          </a:p>
-        </p:txBody>
-      </p:sp>
-      <p:sp>
-        <p:nvSpPr>
-          <p:cNvPr id="23" name="Oval 22">
-            <a:extLst>
-              <a:ext uri="{FF2B5EF4-FFF2-40B4-BE49-F238E27FC236}">
-                <a16:creationId xmlns:a16="http://schemas.microsoft.com/office/drawing/2014/main" id="{A52EDB89-E2F6-447F-92F6-DA372ABDB548}"/>
-              </a:ext>
-            </a:extLst>
-          </p:cNvPr>
-          <p:cNvSpPr/>
-          <p:nvPr/>
-        </p:nvSpPr>
-        <p:spPr>
-          <a:xfrm>
-            <a:off x="6494068" y="452682"/>
-            <a:ext cx="301889" cy="182880"/>
-          </a:xfrm>
-          <a:prstGeom prst="ellipse">
-            <a:avLst/>
-          </a:prstGeom>
-          <a:solidFill>
-            <a:schemeClr val="bg2">
-              <a:lumMod val="50000"/>
-              <a:alpha val="56000"/>
-            </a:schemeClr>
-          </a:solidFill>
-        </p:spPr>
-        <p:style>
-          <a:lnRef idx="2">
-            <a:schemeClr val="accent1">
-              <a:shade val="50000"/>
-            </a:schemeClr>
-          </a:lnRef>
-          <a:fillRef idx="1">
-            <a:schemeClr val="accent1"/>
-          </a:fillRef>
-          <a:effectRef idx="0">
-            <a:schemeClr val="accent1"/>
-          </a:effectRef>
-          <a:fontRef idx="minor">
-            <a:schemeClr val="lt1"/>
-          </a:fontRef>
-        </p:style>
-        <p:txBody>
-          <a:bodyPr rtlCol="0" anchor="ctr"/>
-          <a:lstStyle/>
-          <a:p>
-            <a:pPr algn="ctr"/>
-            <a:endParaRPr lang="en-US" dirty="0"/>
-          </a:p>
-        </p:txBody>
-      </p:sp>
-      <p:sp>
-        <p:nvSpPr>
-          <p:cNvPr id="24" name="Oval 23">
-            <a:extLst>
-              <a:ext uri="{FF2B5EF4-FFF2-40B4-BE49-F238E27FC236}">
-                <a16:creationId xmlns:a16="http://schemas.microsoft.com/office/drawing/2014/main" id="{C45F4D67-6C96-4867-AFD5-26944894B643}"/>
-              </a:ext>
-            </a:extLst>
-          </p:cNvPr>
-          <p:cNvSpPr/>
-          <p:nvPr/>
-        </p:nvSpPr>
-        <p:spPr>
-          <a:xfrm>
-            <a:off x="9508127" y="386087"/>
-            <a:ext cx="223520" cy="182880"/>
-          </a:xfrm>
-          <a:prstGeom prst="ellipse">
-            <a:avLst/>
-          </a:prstGeom>
-          <a:solidFill>
-            <a:srgbClr val="5DAAB0">
-              <a:alpha val="56000"/>
-            </a:srgbClr>
-          </a:solidFill>
-          <a:ln>
-            <a:solidFill>
-              <a:schemeClr val="bg2">
-                <a:lumMod val="75000"/>
-              </a:schemeClr>
-            </a:solidFill>
-          </a:ln>
-        </p:spPr>
-        <p:style>
-          <a:lnRef idx="2">
-            <a:schemeClr val="accent1">
-              <a:shade val="50000"/>
-            </a:schemeClr>
-          </a:lnRef>
-          <a:fillRef idx="1">
-            <a:schemeClr val="accent1"/>
-          </a:fillRef>
-          <a:effectRef idx="0">
-            <a:schemeClr val="accent1"/>
-          </a:effectRef>
-          <a:fontRef idx="minor">
-            <a:schemeClr val="lt1"/>
-          </a:fontRef>
-        </p:style>
-        <p:txBody>
-          <a:bodyPr rtlCol="0" anchor="ctr"/>
-          <a:lstStyle/>
-          <a:p>
-            <a:pPr algn="ctr"/>
-            <a:endParaRPr lang="en-US" dirty="0"/>
-          </a:p>
-        </p:txBody>
-      </p:sp>
-      <p:sp>
-        <p:nvSpPr>
-          <p:cNvPr id="25" name="Oval 24">
-            <a:extLst>
-              <a:ext uri="{FF2B5EF4-FFF2-40B4-BE49-F238E27FC236}">
-                <a16:creationId xmlns:a16="http://schemas.microsoft.com/office/drawing/2014/main" id="{21420A43-6037-4CD7-B2FB-FE441149BA3F}"/>
-              </a:ext>
-            </a:extLst>
-          </p:cNvPr>
-          <p:cNvSpPr/>
-          <p:nvPr/>
-        </p:nvSpPr>
-        <p:spPr>
-          <a:xfrm>
-            <a:off x="9569753" y="2535059"/>
-            <a:ext cx="223520" cy="182880"/>
-          </a:xfrm>
-          <a:prstGeom prst="ellipse">
-            <a:avLst/>
-          </a:prstGeom>
-          <a:solidFill>
-            <a:srgbClr val="5DAAB0">
-              <a:alpha val="56000"/>
-            </a:srgbClr>
-          </a:solidFill>
-          <a:ln>
-            <a:solidFill>
-              <a:schemeClr val="bg2">
-                <a:lumMod val="75000"/>
-              </a:schemeClr>
-            </a:solidFill>
-          </a:ln>
-        </p:spPr>
-        <p:style>
-          <a:lnRef idx="2">
-            <a:schemeClr val="accent1">
-              <a:shade val="50000"/>
-            </a:schemeClr>
-          </a:lnRef>
-          <a:fillRef idx="1">
-            <a:schemeClr val="accent1"/>
-          </a:fillRef>
-          <a:effectRef idx="0">
-            <a:schemeClr val="accent1"/>
-          </a:effectRef>
-          <a:fontRef idx="minor">
-            <a:schemeClr val="lt1"/>
-          </a:fontRef>
-        </p:style>
-        <p:txBody>
-          <a:bodyPr rtlCol="0" anchor="ctr"/>
-          <a:lstStyle/>
-          <a:p>
-            <a:pPr algn="ctr"/>
-            <a:endParaRPr lang="en-US" dirty="0"/>
-          </a:p>
-        </p:txBody>
-      </p:sp>
-      <p:sp>
-        <p:nvSpPr>
-          <p:cNvPr id="26" name="Oval 25">
-            <a:extLst>
-              <a:ext uri="{FF2B5EF4-FFF2-40B4-BE49-F238E27FC236}">
-                <a16:creationId xmlns:a16="http://schemas.microsoft.com/office/drawing/2014/main" id="{89947F25-C92D-4272-ADA6-1C59CF5C7750}"/>
-              </a:ext>
-            </a:extLst>
-          </p:cNvPr>
-          <p:cNvSpPr/>
-          <p:nvPr/>
-        </p:nvSpPr>
-        <p:spPr>
-          <a:xfrm>
-            <a:off x="6573520" y="2792657"/>
-            <a:ext cx="301889" cy="182880"/>
-          </a:xfrm>
-          <a:prstGeom prst="ellipse">
-            <a:avLst/>
-          </a:prstGeom>
-          <a:solidFill>
-            <a:schemeClr val="bg2">
-              <a:lumMod val="50000"/>
-              <a:alpha val="56000"/>
-            </a:schemeClr>
-          </a:solidFill>
-        </p:spPr>
-        <p:style>
-          <a:lnRef idx="2">
-            <a:schemeClr val="accent1">
-              <a:shade val="50000"/>
-            </a:schemeClr>
-          </a:lnRef>
-          <a:fillRef idx="1">
-            <a:schemeClr val="accent1"/>
-          </a:fillRef>
-          <a:effectRef idx="0">
-            <a:schemeClr val="accent1"/>
-          </a:effectRef>
-          <a:fontRef idx="minor">
-            <a:schemeClr val="lt1"/>
-          </a:fontRef>
-        </p:style>
-        <p:txBody>
-          <a:bodyPr rtlCol="0" anchor="ctr"/>
-          <a:lstStyle/>
-          <a:p>
-            <a:pPr algn="ctr"/>
-            <a:endParaRPr lang="en-US" dirty="0"/>
-          </a:p>
-        </p:txBody>
-      </p:sp>
-      <p:sp>
-        <p:nvSpPr>
-          <p:cNvPr id="27" name="Oval 26">
-            <a:extLst>
-              <a:ext uri="{FF2B5EF4-FFF2-40B4-BE49-F238E27FC236}">
-                <a16:creationId xmlns:a16="http://schemas.microsoft.com/office/drawing/2014/main" id="{3B8C69D6-B140-442C-89FC-B3E732E94D0A}"/>
-              </a:ext>
-            </a:extLst>
-          </p:cNvPr>
-          <p:cNvSpPr/>
-          <p:nvPr/>
-        </p:nvSpPr>
-        <p:spPr>
-          <a:xfrm>
-            <a:off x="9328329" y="5929133"/>
-            <a:ext cx="295732" cy="159247"/>
-          </a:xfrm>
-          <a:prstGeom prst="ellipse">
-            <a:avLst/>
-          </a:prstGeom>
-          <a:solidFill>
-            <a:schemeClr val="bg2">
-              <a:lumMod val="50000"/>
-              <a:alpha val="56000"/>
-            </a:schemeClr>
-          </a:solidFill>
-        </p:spPr>
-        <p:style>
-          <a:lnRef idx="2">
-            <a:schemeClr val="accent1">
-              <a:shade val="50000"/>
-            </a:schemeClr>
-          </a:lnRef>
-          <a:fillRef idx="1">
-            <a:schemeClr val="accent1"/>
-          </a:fillRef>
-          <a:effectRef idx="0">
-            <a:schemeClr val="accent1"/>
-          </a:effectRef>
-          <a:fontRef idx="minor">
-            <a:schemeClr val="lt1"/>
-          </a:fontRef>
-        </p:style>
-        <p:txBody>
-          <a:bodyPr rtlCol="0" anchor="ctr"/>
-          <a:lstStyle/>
-          <a:p>
-            <a:pPr algn="ctr"/>
-            <a:endParaRPr lang="en-US" dirty="0"/>
-          </a:p>
-        </p:txBody>
-      </p:sp>
-      <p:sp>
-        <p:nvSpPr>
-          <p:cNvPr id="28" name="Oval 27">
-            <a:extLst>
-              <a:ext uri="{FF2B5EF4-FFF2-40B4-BE49-F238E27FC236}">
-                <a16:creationId xmlns:a16="http://schemas.microsoft.com/office/drawing/2014/main" id="{B52AAC05-EBA9-4C4D-96E6-236582D2B69E}"/>
-              </a:ext>
-            </a:extLst>
-          </p:cNvPr>
-          <p:cNvSpPr/>
-          <p:nvPr/>
-        </p:nvSpPr>
-        <p:spPr>
-          <a:xfrm>
-            <a:off x="9513834" y="1040541"/>
-            <a:ext cx="223520" cy="182880"/>
-          </a:xfrm>
-          <a:prstGeom prst="ellipse">
-            <a:avLst/>
-          </a:prstGeom>
-          <a:solidFill>
-            <a:schemeClr val="accent2">
-              <a:lumMod val="50000"/>
-              <a:lumOff val="50000"/>
-              <a:alpha val="56000"/>
-            </a:schemeClr>
-          </a:solidFill>
-          <a:ln>
-            <a:solidFill>
-              <a:schemeClr val="bg2">
-                <a:lumMod val="75000"/>
-              </a:schemeClr>
-            </a:solidFill>
-          </a:ln>
-        </p:spPr>
-        <p:style>
-          <a:lnRef idx="2">
-            <a:schemeClr val="accent1">
-              <a:shade val="50000"/>
-            </a:schemeClr>
-          </a:lnRef>
-          <a:fillRef idx="1">
-            <a:schemeClr val="accent1"/>
-          </a:fillRef>
-          <a:effectRef idx="0">
-            <a:schemeClr val="accent1"/>
-          </a:effectRef>
-          <a:fontRef idx="minor">
-            <a:schemeClr val="lt1"/>
-          </a:fontRef>
-        </p:style>
-        <p:txBody>
-          <a:bodyPr rtlCol="0" anchor="ctr"/>
-          <a:lstStyle/>
-          <a:p>
-            <a:pPr algn="ctr"/>
-            <a:endParaRPr lang="en-US" dirty="0"/>
-          </a:p>
-        </p:txBody>
-      </p:sp>
-      <p:sp>
-        <p:nvSpPr>
-          <p:cNvPr id="29" name="Oval 28">
-            <a:extLst>
-              <a:ext uri="{FF2B5EF4-FFF2-40B4-BE49-F238E27FC236}">
-                <a16:creationId xmlns:a16="http://schemas.microsoft.com/office/drawing/2014/main" id="{D6A1DF66-BAB2-4074-853C-81AC8F5CFD47}"/>
-              </a:ext>
-            </a:extLst>
-          </p:cNvPr>
-          <p:cNvSpPr/>
-          <p:nvPr/>
-        </p:nvSpPr>
-        <p:spPr>
-          <a:xfrm>
-            <a:off x="9538607" y="2229539"/>
-            <a:ext cx="223520" cy="182880"/>
-          </a:xfrm>
-          <a:prstGeom prst="ellipse">
-            <a:avLst/>
-          </a:prstGeom>
-          <a:solidFill>
-            <a:schemeClr val="accent2">
-              <a:lumMod val="50000"/>
-              <a:lumOff val="50000"/>
-              <a:alpha val="56000"/>
-            </a:schemeClr>
-          </a:solidFill>
-          <a:ln>
-            <a:solidFill>
-              <a:schemeClr val="bg2">
-                <a:lumMod val="75000"/>
-              </a:schemeClr>
-            </a:solidFill>
-          </a:ln>
-        </p:spPr>
-        <p:style>
-          <a:lnRef idx="2">
-            <a:schemeClr val="accent1">
-              <a:shade val="50000"/>
-            </a:schemeClr>
-          </a:lnRef>
-          <a:fillRef idx="1">
-            <a:schemeClr val="accent1"/>
-          </a:fillRef>
-          <a:effectRef idx="0">
-            <a:schemeClr val="accent1"/>
-          </a:effectRef>
-          <a:fontRef idx="minor">
-            <a:schemeClr val="lt1"/>
-          </a:fontRef>
-        </p:style>
-        <p:txBody>
-          <a:bodyPr rtlCol="0" anchor="ctr"/>
-          <a:lstStyle/>
-          <a:p>
-            <a:pPr algn="ctr"/>
-            <a:endParaRPr lang="en-US" dirty="0"/>
-          </a:p>
-        </p:txBody>
-      </p:sp>
-      <p:sp>
-        <p:nvSpPr>
-          <p:cNvPr id="30" name="Oval 29">
-            <a:extLst>
-              <a:ext uri="{FF2B5EF4-FFF2-40B4-BE49-F238E27FC236}">
-                <a16:creationId xmlns:a16="http://schemas.microsoft.com/office/drawing/2014/main" id="{AD3DAEFD-D1C5-413C-B1BC-ABD4E1B77F68}"/>
-              </a:ext>
-            </a:extLst>
-          </p:cNvPr>
-          <p:cNvSpPr/>
-          <p:nvPr/>
-        </p:nvSpPr>
-        <p:spPr>
-          <a:xfrm>
-            <a:off x="6651889" y="2513326"/>
-            <a:ext cx="223520" cy="182880"/>
-          </a:xfrm>
-          <a:prstGeom prst="ellipse">
-            <a:avLst/>
-          </a:prstGeom>
-          <a:solidFill>
-            <a:schemeClr val="accent2">
-              <a:lumMod val="50000"/>
-              <a:lumOff val="50000"/>
-              <a:alpha val="56000"/>
-            </a:schemeClr>
-          </a:solidFill>
-          <a:ln>
-            <a:solidFill>
-              <a:schemeClr val="bg2">
-                <a:lumMod val="75000"/>
-              </a:schemeClr>
-            </a:solidFill>
-          </a:ln>
-        </p:spPr>
-        <p:style>
-          <a:lnRef idx="2">
-            <a:schemeClr val="accent1">
-              <a:shade val="50000"/>
-            </a:schemeClr>
-          </a:lnRef>
-          <a:fillRef idx="1">
-            <a:schemeClr val="accent1"/>
-          </a:fillRef>
-          <a:effectRef idx="0">
-            <a:schemeClr val="accent1"/>
-          </a:effectRef>
-          <a:fontRef idx="minor">
-            <a:schemeClr val="lt1"/>
-          </a:fontRef>
-        </p:style>
-        <p:txBody>
-          <a:bodyPr rtlCol="0" anchor="ctr"/>
-          <a:lstStyle/>
-          <a:p>
-            <a:pPr algn="ctr"/>
-            <a:endParaRPr lang="en-US" dirty="0"/>
-          </a:p>
-        </p:txBody>
-      </p:sp>
-      <p:sp>
-        <p:nvSpPr>
-          <p:cNvPr id="31" name="Oval 30">
-            <a:extLst>
-              <a:ext uri="{FF2B5EF4-FFF2-40B4-BE49-F238E27FC236}">
-                <a16:creationId xmlns:a16="http://schemas.microsoft.com/office/drawing/2014/main" id="{0F565CF8-625C-4539-A1CA-4C55FAADFFAD}"/>
-              </a:ext>
-            </a:extLst>
-          </p:cNvPr>
-          <p:cNvSpPr/>
-          <p:nvPr/>
-        </p:nvSpPr>
-        <p:spPr>
-          <a:xfrm>
-            <a:off x="9513834" y="704901"/>
-            <a:ext cx="223520" cy="182880"/>
-          </a:xfrm>
-          <a:prstGeom prst="ellipse">
-            <a:avLst/>
-          </a:prstGeom>
-          <a:solidFill>
-            <a:schemeClr val="accent2">
-              <a:lumMod val="25000"/>
-              <a:lumOff val="75000"/>
-              <a:alpha val="56000"/>
-            </a:schemeClr>
-          </a:solidFill>
-          <a:ln>
-            <a:solidFill>
-              <a:schemeClr val="bg2">
-                <a:lumMod val="75000"/>
-              </a:schemeClr>
-            </a:solidFill>
-          </a:ln>
-        </p:spPr>
-        <p:style>
-          <a:lnRef idx="2">
-            <a:schemeClr val="accent1">
-              <a:shade val="50000"/>
-            </a:schemeClr>
-          </a:lnRef>
-          <a:fillRef idx="1">
-            <a:schemeClr val="accent1"/>
-          </a:fillRef>
-          <a:effectRef idx="0">
-            <a:schemeClr val="accent1"/>
-          </a:effectRef>
-          <a:fontRef idx="minor">
-            <a:schemeClr val="lt1"/>
-          </a:fontRef>
-        </p:style>
-        <p:txBody>
-          <a:bodyPr rtlCol="0" anchor="ctr"/>
-          <a:lstStyle/>
-          <a:p>
-            <a:pPr algn="ctr"/>
-            <a:endParaRPr lang="en-US" dirty="0"/>
-          </a:p>
-        </p:txBody>
-      </p:sp>
-      <p:sp>
-        <p:nvSpPr>
-          <p:cNvPr id="32" name="Oval 31">
-            <a:extLst>
-              <a:ext uri="{FF2B5EF4-FFF2-40B4-BE49-F238E27FC236}">
-                <a16:creationId xmlns:a16="http://schemas.microsoft.com/office/drawing/2014/main" id="{E9B9A5EF-27DA-434B-A6CC-067D0C137BEA}"/>
-              </a:ext>
-            </a:extLst>
-          </p:cNvPr>
-          <p:cNvSpPr/>
-          <p:nvPr/>
-        </p:nvSpPr>
-        <p:spPr>
-          <a:xfrm>
-            <a:off x="6014720" y="5518248"/>
-            <a:ext cx="223520" cy="182880"/>
-          </a:xfrm>
-          <a:prstGeom prst="ellipse">
-            <a:avLst/>
-          </a:prstGeom>
-          <a:solidFill>
-            <a:schemeClr val="accent2">
-              <a:lumMod val="25000"/>
-              <a:lumOff val="75000"/>
-              <a:alpha val="56000"/>
-            </a:schemeClr>
-          </a:solidFill>
-          <a:ln>
-            <a:solidFill>
-              <a:schemeClr val="bg2">
-                <a:lumMod val="75000"/>
-              </a:schemeClr>
-            </a:solidFill>
-          </a:ln>
-        </p:spPr>
-        <p:style>
-          <a:lnRef idx="2">
-            <a:schemeClr val="accent1">
-              <a:shade val="50000"/>
-            </a:schemeClr>
-          </a:lnRef>
-          <a:fillRef idx="1">
-            <a:schemeClr val="accent1"/>
-          </a:fillRef>
-          <a:effectRef idx="0">
-            <a:schemeClr val="accent1"/>
-          </a:effectRef>
-          <a:fontRef idx="minor">
-            <a:schemeClr val="lt1"/>
-          </a:fontRef>
-        </p:style>
-        <p:txBody>
-          <a:bodyPr rtlCol="0" anchor="ctr"/>
-          <a:lstStyle/>
-          <a:p>
-            <a:pPr algn="ctr"/>
-            <a:endParaRPr lang="en-US" dirty="0"/>
-          </a:p>
-        </p:txBody>
-      </p:sp>
-      <p:sp>
-        <p:nvSpPr>
-          <p:cNvPr id="33" name="Oval 32">
-            <a:extLst>
-              <a:ext uri="{FF2B5EF4-FFF2-40B4-BE49-F238E27FC236}">
-                <a16:creationId xmlns:a16="http://schemas.microsoft.com/office/drawing/2014/main" id="{6094DB27-D3BE-42A7-B80A-ABE1E9AC4217}"/>
-              </a:ext>
-            </a:extLst>
-          </p:cNvPr>
-          <p:cNvSpPr/>
-          <p:nvPr/>
-        </p:nvSpPr>
-        <p:spPr>
-          <a:xfrm>
-            <a:off x="1046245" y="3597051"/>
-            <a:ext cx="1156474" cy="1014967"/>
-          </a:xfrm>
-          <a:prstGeom prst="ellipse">
-            <a:avLst/>
-          </a:prstGeom>
-          <a:solidFill>
-            <a:schemeClr val="accent1">
-              <a:alpha val="56000"/>
-            </a:schemeClr>
-          </a:solidFill>
-        </p:spPr>
-        <p:style>
-          <a:lnRef idx="2">
-            <a:schemeClr val="accent1">
-              <a:shade val="50000"/>
-            </a:schemeClr>
-          </a:lnRef>
-          <a:fillRef idx="1">
-            <a:schemeClr val="accent1"/>
-          </a:fillRef>
-          <a:effectRef idx="0">
-            <a:schemeClr val="accent1"/>
-          </a:effectRef>
-          <a:fontRef idx="minor">
-            <a:schemeClr val="lt1"/>
-          </a:fontRef>
-        </p:style>
-        <p:txBody>
-          <a:bodyPr rtlCol="0" anchor="ctr"/>
-          <a:lstStyle/>
-          <a:p>
-            <a:pPr algn="ctr"/>
-            <a:endParaRPr lang="en-US" sz="800" b="1" dirty="0">
-              <a:latin typeface="Arial Narrow" panose="020B0606020202030204" pitchFamily="34" charset="0"/>
-            </a:endParaRPr>
-          </a:p>
-        </p:txBody>
-      </p:sp>
-      <p:sp>
-        <p:nvSpPr>
-          <p:cNvPr id="34" name="Oval 33">
-            <a:extLst>
-              <a:ext uri="{FF2B5EF4-FFF2-40B4-BE49-F238E27FC236}">
-                <a16:creationId xmlns:a16="http://schemas.microsoft.com/office/drawing/2014/main" id="{804A3018-6071-4161-A787-8B3AFFD35215}"/>
-              </a:ext>
-            </a:extLst>
-          </p:cNvPr>
-          <p:cNvSpPr/>
-          <p:nvPr/>
-        </p:nvSpPr>
-        <p:spPr>
-          <a:xfrm>
-            <a:off x="2416059" y="3602508"/>
-            <a:ext cx="1196600" cy="1014967"/>
-          </a:xfrm>
-          <a:prstGeom prst="ellipse">
-            <a:avLst/>
-          </a:prstGeom>
-          <a:solidFill>
-            <a:srgbClr val="5DAAB0">
-              <a:alpha val="56000"/>
-            </a:srgbClr>
-          </a:solidFill>
-          <a:ln>
-            <a:solidFill>
-              <a:schemeClr val="bg2">
-                <a:lumMod val="75000"/>
-              </a:schemeClr>
-            </a:solidFill>
-          </a:ln>
-        </p:spPr>
-        <p:style>
-          <a:lnRef idx="2">
-            <a:schemeClr val="accent1">
-              <a:shade val="50000"/>
-            </a:schemeClr>
-          </a:lnRef>
-          <a:fillRef idx="1">
-            <a:schemeClr val="accent1"/>
-          </a:fillRef>
-          <a:effectRef idx="0">
-            <a:schemeClr val="accent1"/>
-          </a:effectRef>
-          <a:fontRef idx="minor">
-            <a:schemeClr val="lt1"/>
-          </a:fontRef>
-        </p:style>
-        <p:txBody>
-          <a:bodyPr rtlCol="0" anchor="ctr"/>
-          <a:lstStyle/>
-          <a:p>
-            <a:pPr algn="ctr"/>
-            <a:endParaRPr lang="en-US" dirty="0"/>
-          </a:p>
-        </p:txBody>
-      </p:sp>
-      <p:sp>
-        <p:nvSpPr>
-          <p:cNvPr id="35" name="Oval 34">
-            <a:extLst>
-              <a:ext uri="{FF2B5EF4-FFF2-40B4-BE49-F238E27FC236}">
-                <a16:creationId xmlns:a16="http://schemas.microsoft.com/office/drawing/2014/main" id="{3E4A0D4D-BA4A-4D21-A607-7E802CFA0E53}"/>
-              </a:ext>
-            </a:extLst>
-          </p:cNvPr>
-          <p:cNvSpPr/>
-          <p:nvPr/>
-        </p:nvSpPr>
-        <p:spPr>
-          <a:xfrm>
-            <a:off x="3747462" y="3602509"/>
-            <a:ext cx="1204229" cy="979923"/>
-          </a:xfrm>
-          <a:prstGeom prst="ellipse">
-            <a:avLst/>
-          </a:prstGeom>
-          <a:solidFill>
-            <a:schemeClr val="accent2">
-              <a:lumMod val="50000"/>
-              <a:lumOff val="50000"/>
-              <a:alpha val="56000"/>
-            </a:schemeClr>
-          </a:solidFill>
-          <a:ln>
-            <a:solidFill>
-              <a:schemeClr val="bg2">
-                <a:lumMod val="75000"/>
-              </a:schemeClr>
-            </a:solidFill>
-          </a:ln>
-        </p:spPr>
-        <p:style>
-          <a:lnRef idx="2">
-            <a:schemeClr val="accent1">
-              <a:shade val="50000"/>
-            </a:schemeClr>
-          </a:lnRef>
-          <a:fillRef idx="1">
-            <a:schemeClr val="accent1"/>
-          </a:fillRef>
-          <a:effectRef idx="0">
-            <a:schemeClr val="accent1"/>
-          </a:effectRef>
-          <a:fontRef idx="minor">
-            <a:schemeClr val="lt1"/>
-          </a:fontRef>
-        </p:style>
-        <p:txBody>
-          <a:bodyPr rtlCol="0" anchor="ctr"/>
-          <a:lstStyle/>
-          <a:p>
-            <a:pPr algn="ctr"/>
-            <a:endParaRPr lang="en-US" dirty="0"/>
-          </a:p>
-        </p:txBody>
-      </p:sp>
-      <p:sp>
-        <p:nvSpPr>
-          <p:cNvPr id="36" name="TextBox 35">
-            <a:extLst>
-              <a:ext uri="{FF2B5EF4-FFF2-40B4-BE49-F238E27FC236}">
-                <a16:creationId xmlns:a16="http://schemas.microsoft.com/office/drawing/2014/main" id="{58593F53-BF21-4A8C-B002-DA49267059C5}"/>
-              </a:ext>
-            </a:extLst>
-          </p:cNvPr>
-          <p:cNvSpPr txBox="1"/>
-          <p:nvPr/>
-        </p:nvSpPr>
-        <p:spPr>
-          <a:xfrm>
-            <a:off x="1238302" y="3807392"/>
-            <a:ext cx="797789" cy="584775"/>
-          </a:xfrm>
-          <a:prstGeom prst="rect">
-            <a:avLst/>
-          </a:prstGeom>
-          <a:noFill/>
-        </p:spPr>
-        <p:txBody>
-          <a:bodyPr wrap="square" rtlCol="0">
-            <a:spAutoFit/>
-          </a:bodyPr>
-          <a:lstStyle/>
-          <a:p>
-            <a:r>
-              <a:rPr lang="en-US" sz="3200" b="1" dirty="0"/>
-              <a:t>4/4</a:t>
-            </a:r>
-          </a:p>
-        </p:txBody>
-      </p:sp>
-      <p:sp>
-        <p:nvSpPr>
-          <p:cNvPr id="37" name="TextBox 36">
-            <a:extLst>
-              <a:ext uri="{FF2B5EF4-FFF2-40B4-BE49-F238E27FC236}">
-                <a16:creationId xmlns:a16="http://schemas.microsoft.com/office/drawing/2014/main" id="{1512EE73-0640-4A30-B781-9E719D3655ED}"/>
-              </a:ext>
-            </a:extLst>
-          </p:cNvPr>
-          <p:cNvSpPr txBox="1"/>
-          <p:nvPr/>
-        </p:nvSpPr>
-        <p:spPr>
-          <a:xfrm>
-            <a:off x="2626455" y="3788927"/>
-            <a:ext cx="770826" cy="584775"/>
-          </a:xfrm>
-          <a:prstGeom prst="rect">
-            <a:avLst/>
-          </a:prstGeom>
-          <a:noFill/>
-        </p:spPr>
-        <p:txBody>
-          <a:bodyPr wrap="square" rtlCol="0">
-            <a:spAutoFit/>
-          </a:bodyPr>
-          <a:lstStyle/>
-          <a:p>
-            <a:r>
-              <a:rPr lang="en-US" sz="3200" b="1" dirty="0"/>
-              <a:t>3/4</a:t>
-            </a:r>
-          </a:p>
-        </p:txBody>
-      </p:sp>
-      <p:sp>
-        <p:nvSpPr>
-          <p:cNvPr id="38" name="TextBox 37">
-            <a:extLst>
-              <a:ext uri="{FF2B5EF4-FFF2-40B4-BE49-F238E27FC236}">
-                <a16:creationId xmlns:a16="http://schemas.microsoft.com/office/drawing/2014/main" id="{E54FBF1B-C3A3-42A0-B20C-28F872BCCFB8}"/>
-              </a:ext>
-            </a:extLst>
-          </p:cNvPr>
-          <p:cNvSpPr txBox="1"/>
-          <p:nvPr/>
-        </p:nvSpPr>
-        <p:spPr>
-          <a:xfrm>
-            <a:off x="3981114" y="3752980"/>
-            <a:ext cx="847854" cy="584775"/>
-          </a:xfrm>
-          <a:prstGeom prst="rect">
-            <a:avLst/>
-          </a:prstGeom>
-          <a:noFill/>
-        </p:spPr>
-        <p:txBody>
-          <a:bodyPr wrap="square" rtlCol="0">
-            <a:spAutoFit/>
-          </a:bodyPr>
-          <a:lstStyle/>
-          <a:p>
-            <a:r>
-              <a:rPr lang="en-US" sz="3200" b="1" dirty="0"/>
-              <a:t>3/4</a:t>
-            </a:r>
-          </a:p>
-        </p:txBody>
-      </p:sp>
-    </p:spTree>
-    <p:extLst>
-      <p:ext uri="{BB962C8B-B14F-4D97-AF65-F5344CB8AC3E}">
-        <p14:creationId xmlns:p14="http://schemas.microsoft.com/office/powerpoint/2010/main" val="1223870253"/>
-      </p:ext>
-    </p:extLst>
-  </p:cSld>
-  <p:clrMapOvr>
-    <a:masterClrMapping/>
-  </p:clrMapOvr>
-  <p:timing>
-    <p:tnLst>
-      <p:par>
-        <p:cTn id="1" dur="indefinite" restart="never" nodeType="tmRoot">
-          <p:childTnLst>
-            <p:seq concurrent="1" nextAc="seek">
-              <p:cTn id="2" dur="indefinite" nodeType="mainSeq">
-                <p:childTnLst>
-                  <p:par>
-                    <p:cTn id="3" fill="hold">
-                      <p:stCondLst>
-                        <p:cond delay="indefinite"/>
-                      </p:stCondLst>
-                      <p:childTnLst>
-                        <p:par>
-                          <p:cTn id="4" fill="hold">
-                            <p:stCondLst>
-                              <p:cond delay="0"/>
-                            </p:stCondLst>
-                            <p:childTnLst>
-                              <p:par>
-                                <p:cTn id="5" presetID="1" presetClass="entr" presetSubtype="0" fill="hold" grpId="0" nodeType="clickEffect">
-                                  <p:stCondLst>
-                                    <p:cond delay="0"/>
-                                  </p:stCondLst>
-                                  <p:childTnLst>
-                                    <p:set>
-                                      <p:cBhvr>
-                                        <p:cTn id="6" dur="1" fill="hold">
-                                          <p:stCondLst>
-                                            <p:cond delay="0"/>
-                                          </p:stCondLst>
-                                        </p:cTn>
-                                        <p:tgtEl>
-                                          <p:spTgt spid="38"/>
-                                        </p:tgtEl>
-                                        <p:attrNameLst>
-                                          <p:attrName>style.visibility</p:attrName>
-                                        </p:attrNameLst>
-                                      </p:cBhvr>
-                                      <p:to>
-                                        <p:strVal val="visible"/>
-                                      </p:to>
-                                    </p:set>
-                                  </p:childTnLst>
-                                </p:cTn>
-                              </p:par>
-                              <p:par>
-                                <p:cTn id="7" presetID="1" presetClass="entr" presetSubtype="0" fill="hold" grpId="0" nodeType="withEffect">
-                                  <p:stCondLst>
-                                    <p:cond delay="0"/>
-                                  </p:stCondLst>
-                                  <p:childTnLst>
-                                    <p:set>
-                                      <p:cBhvr>
-                                        <p:cTn id="8" dur="1" fill="hold">
-                                          <p:stCondLst>
-                                            <p:cond delay="0"/>
-                                          </p:stCondLst>
-                                        </p:cTn>
-                                        <p:tgtEl>
-                                          <p:spTgt spid="37"/>
-                                        </p:tgtEl>
-                                        <p:attrNameLst>
-                                          <p:attrName>style.visibility</p:attrName>
-                                        </p:attrNameLst>
-                                      </p:cBhvr>
-                                      <p:to>
-                                        <p:strVal val="visible"/>
-                                      </p:to>
-                                    </p:set>
-                                  </p:childTnLst>
-                                </p:cTn>
-                              </p:par>
-                            </p:childTnLst>
-                          </p:cTn>
-                        </p:par>
-                      </p:childTnLst>
-                    </p:cTn>
-                  </p:par>
-                  <p:par>
-                    <p:cTn id="9" fill="hold">
-                      <p:stCondLst>
-                        <p:cond delay="indefinite"/>
-                      </p:stCondLst>
-                      <p:childTnLst>
-                        <p:par>
-                          <p:cTn id="10" fill="hold">
-                            <p:stCondLst>
-                              <p:cond delay="0"/>
-                            </p:stCondLst>
-                            <p:childTnLst>
-                              <p:par>
-                                <p:cTn id="11" presetID="1" presetClass="entr" presetSubtype="0" fill="hold" grpId="0" nodeType="clickEffect">
-                                  <p:stCondLst>
-                                    <p:cond delay="0"/>
-                                  </p:stCondLst>
-                                  <p:childTnLst>
-                                    <p:set>
-                                      <p:cBhvr>
-                                        <p:cTn id="12" dur="1" fill="hold">
-                                          <p:stCondLst>
-                                            <p:cond delay="0"/>
-                                          </p:stCondLst>
-                                        </p:cTn>
-                                        <p:tgtEl>
-                                          <p:spTgt spid="36"/>
-                                        </p:tgtEl>
-                                        <p:attrNameLst>
-                                          <p:attrName>style.visibility</p:attrName>
-                                        </p:attrNameLst>
-                                      </p:cBhvr>
-                                      <p:to>
-                                        <p:strVal val="visible"/>
-                                      </p:to>
-                                    </p:set>
-                                  </p:childTnLst>
-                                </p:cTn>
-                              </p:par>
-                            </p:childTnLst>
-                          </p:cTn>
-                        </p:par>
-                      </p:childTnLst>
-                    </p:cTn>
-                  </p:par>
-                </p:childTnLst>
-              </p:cTn>
-              <p:prevCondLst>
-                <p:cond evt="onPrev" delay="0">
-                  <p:tgtEl>
-                    <p:sldTgt/>
-                  </p:tgtEl>
-                </p:cond>
-              </p:prevCondLst>
-              <p:nextCondLst>
-                <p:cond evt="onNext" delay="0">
-                  <p:tgtEl>
-                    <p:sldTgt/>
-                  </p:tgtEl>
-                </p:cond>
-              </p:nextCondLst>
-            </p:seq>
-          </p:childTnLst>
-        </p:cTn>
-      </p:par>
-    </p:tnLst>
-    <p:bldLst>
-      <p:bldP spid="36" grpId="0"/>
-      <p:bldP spid="37" grpId="0"/>
-      <p:bldP spid="38" grpId="0"/>
-    </p:bldLst>
-  </p:timing>
-</p:sld>
-</file>
-
-<file path=ppt/slides/slide7.xml><?xml version="1.0" encoding="utf-8"?>
-<p:sld xmlns:a="http://schemas.openxmlformats.org/drawingml/2006/main" xmlns:r="http://schemas.openxmlformats.org/officeDocument/2006/relationships" xmlns:p="http://schemas.openxmlformats.org/presentationml/2006/main">
-  <p:cSld>
-    <p:spTree>
-      <p:nvGrpSpPr>
-        <p:cNvPr id="1" name=""/>
-        <p:cNvGrpSpPr/>
-        <p:nvPr/>
-      </p:nvGrpSpPr>
-      <p:grpSpPr>
-        <a:xfrm>
-          <a:off x="0" y="0"/>
-          <a:ext cx="0" cy="0"/>
-          <a:chOff x="0" y="0"/>
-          <a:chExt cx="0" cy="0"/>
-        </a:xfrm>
-      </p:grpSpPr>
-      <p:sp>
-        <p:nvSpPr>
-          <p:cNvPr id="58" name="Rectangle 57">
-            <a:extLst>
-              <a:ext uri="{FF2B5EF4-FFF2-40B4-BE49-F238E27FC236}">
-                <a16:creationId xmlns:a16="http://schemas.microsoft.com/office/drawing/2014/main" id="{B2D6D4AE-00BA-40E1-B0B4-58F198B99A9D}"/>
-              </a:ext>
-            </a:extLst>
-          </p:cNvPr>
-          <p:cNvSpPr/>
-          <p:nvPr/>
-        </p:nvSpPr>
-        <p:spPr>
-          <a:xfrm>
-            <a:off x="0" y="3610596"/>
-            <a:ext cx="12181840" cy="3258942"/>
-          </a:xfrm>
-          <a:prstGeom prst="rect">
-            <a:avLst/>
-          </a:prstGeom>
-          <a:solidFill>
-            <a:schemeClr val="accent3"/>
-          </a:solidFill>
-          <a:ln>
-            <a:noFill/>
-          </a:ln>
-        </p:spPr>
-        <p:style>
-          <a:lnRef idx="2">
-            <a:schemeClr val="accent1">
-              <a:shade val="50000"/>
-            </a:schemeClr>
-          </a:lnRef>
-          <a:fillRef idx="1">
-            <a:schemeClr val="accent1"/>
-          </a:fillRef>
-          <a:effectRef idx="0">
-            <a:schemeClr val="accent1"/>
-          </a:effectRef>
-          <a:fontRef idx="minor">
-            <a:schemeClr val="lt1"/>
-          </a:fontRef>
-        </p:style>
-        <p:txBody>
-          <a:bodyPr rtlCol="0" anchor="ctr"/>
-          <a:lstStyle/>
-          <a:p>
-            <a:pPr algn="ctr"/>
-            <a:endParaRPr lang="en-US"/>
-          </a:p>
-        </p:txBody>
-      </p:sp>
-      <p:sp>
-        <p:nvSpPr>
-          <p:cNvPr id="57" name="Rectangle 56">
-            <a:extLst>
-              <a:ext uri="{FF2B5EF4-FFF2-40B4-BE49-F238E27FC236}">
-                <a16:creationId xmlns:a16="http://schemas.microsoft.com/office/drawing/2014/main" id="{16490F65-AB25-4076-94F6-FDB54F475A67}"/>
-              </a:ext>
-            </a:extLst>
-          </p:cNvPr>
-          <p:cNvSpPr/>
-          <p:nvPr/>
-        </p:nvSpPr>
-        <p:spPr>
-          <a:xfrm>
-            <a:off x="9345448" y="2834869"/>
-            <a:ext cx="2784025" cy="559967"/>
-          </a:xfrm>
-          <a:prstGeom prst="rect">
-            <a:avLst/>
-          </a:prstGeom>
-        </p:spPr>
-        <p:style>
-          <a:lnRef idx="2">
-            <a:schemeClr val="accent1">
-              <a:shade val="50000"/>
-            </a:schemeClr>
-          </a:lnRef>
-          <a:fillRef idx="1">
-            <a:schemeClr val="accent1"/>
-          </a:fillRef>
-          <a:effectRef idx="0">
-            <a:schemeClr val="accent1"/>
-          </a:effectRef>
-          <a:fontRef idx="minor">
-            <a:schemeClr val="lt1"/>
-          </a:fontRef>
-        </p:style>
-        <p:txBody>
-          <a:bodyPr rtlCol="0" anchor="ctr"/>
-          <a:lstStyle/>
-          <a:p>
-            <a:pPr algn="ctr"/>
-            <a:endParaRPr lang="en-US"/>
-          </a:p>
-        </p:txBody>
-      </p:sp>
-      <p:sp>
-        <p:nvSpPr>
-          <p:cNvPr id="55" name="Rectangle 54">
-            <a:extLst>
-              <a:ext uri="{FF2B5EF4-FFF2-40B4-BE49-F238E27FC236}">
-                <a16:creationId xmlns:a16="http://schemas.microsoft.com/office/drawing/2014/main" id="{0CB9CD3F-6DBB-4676-960D-CAD31CF0A9A9}"/>
-              </a:ext>
-            </a:extLst>
-          </p:cNvPr>
-          <p:cNvSpPr/>
-          <p:nvPr/>
-        </p:nvSpPr>
-        <p:spPr>
-          <a:xfrm>
-            <a:off x="6010433" y="2824843"/>
-            <a:ext cx="3070601" cy="590777"/>
-          </a:xfrm>
-          <a:prstGeom prst="rect">
-            <a:avLst/>
-          </a:prstGeom>
-        </p:spPr>
-        <p:style>
-          <a:lnRef idx="2">
-            <a:schemeClr val="accent1">
-              <a:shade val="50000"/>
-            </a:schemeClr>
-          </a:lnRef>
-          <a:fillRef idx="1">
-            <a:schemeClr val="accent1"/>
-          </a:fillRef>
-          <a:effectRef idx="0">
-            <a:schemeClr val="accent1"/>
-          </a:effectRef>
-          <a:fontRef idx="minor">
-            <a:schemeClr val="lt1"/>
-          </a:fontRef>
-        </p:style>
-        <p:txBody>
-          <a:bodyPr rtlCol="0" anchor="ctr"/>
-          <a:lstStyle/>
-          <a:p>
-            <a:pPr algn="ctr"/>
-            <a:endParaRPr lang="en-US"/>
-          </a:p>
-        </p:txBody>
-      </p:sp>
-      <p:sp>
-        <p:nvSpPr>
-          <p:cNvPr id="42" name="Rectangle 41">
-            <a:extLst>
-              <a:ext uri="{FF2B5EF4-FFF2-40B4-BE49-F238E27FC236}">
-                <a16:creationId xmlns:a16="http://schemas.microsoft.com/office/drawing/2014/main" id="{F08D5DF9-6AFE-42B7-9AFE-CD514925D6A7}"/>
-              </a:ext>
-            </a:extLst>
-          </p:cNvPr>
-          <p:cNvSpPr/>
-          <p:nvPr/>
-        </p:nvSpPr>
-        <p:spPr>
-          <a:xfrm>
-            <a:off x="9122540" y="526521"/>
+            <a:off x="8786261" y="548817"/>
             <a:ext cx="222909" cy="1225889"/>
           </a:xfrm>
           <a:prstGeom prst="rect">
@@ -26467,8 +24747,8 @@
         </p:nvSpPr>
         <p:spPr>
           <a:xfrm>
-            <a:off x="7331978" y="3916795"/>
-            <a:ext cx="4849862" cy="2745315"/>
+            <a:off x="6917581" y="3916795"/>
+            <a:ext cx="5264259" cy="3294028"/>
           </a:xfrm>
         </p:spPr>
         <p:txBody>
@@ -26478,7 +24758,7 @@
           <a:lstStyle/>
           <a:p>
             <a:r>
-              <a:rPr lang="en-US" dirty="0"/>
+              <a:rPr lang="en-US" sz="2400" dirty="0"/>
               <a:t>Neural Networks:</a:t>
             </a:r>
           </a:p>
@@ -26488,7 +24768,7 @@
               <a:buChar char="•"/>
             </a:pPr>
             <a:r>
-              <a:rPr lang="en-US" dirty="0"/>
+              <a:rPr lang="en-US" sz="2400" dirty="0"/>
               <a:t>multilayer perceptron</a:t>
             </a:r>
           </a:p>
@@ -26498,7 +24778,7 @@
               <a:buChar char="•"/>
             </a:pPr>
             <a:r>
-              <a:rPr lang="en-US" dirty="0"/>
+              <a:rPr lang="en-US" sz="1600" dirty="0"/>
               <a:t>Neurons</a:t>
             </a:r>
           </a:p>
@@ -26508,7 +24788,7 @@
               <a:buChar char="•"/>
             </a:pPr>
             <a:r>
-              <a:rPr lang="en-US" dirty="0"/>
+              <a:rPr lang="en-US" sz="1600" dirty="0"/>
               <a:t>Synapses</a:t>
             </a:r>
           </a:p>
@@ -26518,7 +24798,7 @@
               <a:buChar char="•"/>
             </a:pPr>
             <a:r>
-              <a:rPr lang="en-US" dirty="0"/>
+              <a:rPr lang="en-US" sz="1600" dirty="0"/>
               <a:t>Input and output</a:t>
             </a:r>
           </a:p>
@@ -26528,8 +24808,8 @@
               <a:buChar char="•"/>
             </a:pPr>
             <a:r>
-              <a:rPr lang="en-US" dirty="0"/>
-              <a:t>Recurrent Neural Networks</a:t>
+              <a:rPr lang="en-US" sz="2400" dirty="0"/>
+              <a:t>Artificial Neural Networks</a:t>
             </a:r>
           </a:p>
           <a:p>
@@ -26538,11 +24818,11 @@
               <a:buChar char="•"/>
             </a:pPr>
             <a:r>
-              <a:rPr lang="en-US" dirty="0"/>
-              <a:t>Added ‘</a:t>
-            </a:r>
-            <a:r>
-              <a:rPr lang="en-US" sz="1400" b="1" dirty="0">
+              <a:rPr lang="en-US" sz="1600" dirty="0"/>
+              <a:t>Updating ‘</a:t>
+            </a:r>
+            <a:r>
+              <a:rPr lang="en-US" sz="1800" b="1" dirty="0">
                 <a:solidFill>
                   <a:srgbClr val="00B050"/>
                 </a:solidFill>
@@ -26550,22 +24830,8 @@
               <a:t>weights</a:t>
             </a:r>
             <a:r>
-              <a:rPr lang="en-US" dirty="0"/>
-              <a:t>’ to maintain state</a:t>
-            </a:r>
-          </a:p>
-          <a:p>
-            <a:pPr marL="800100" lvl="1" indent="-342900">
-              <a:buFont typeface="Arial" panose="020B0604020202020204" pitchFamily="34" charset="0"/>
-              <a:buChar char="•"/>
-            </a:pPr>
-            <a:r>
-              <a:rPr lang="en-US" dirty="0"/>
-              <a:t>Long Short Term Memory </a:t>
-            </a:r>
-            <a:r>
-              <a:rPr lang="en-US" b="1" dirty="0"/>
-              <a:t>LSTM</a:t>
+              <a:rPr lang="en-US" sz="1600" dirty="0"/>
+              <a:t>’ as it ‘learns’ patterns </a:t>
             </a:r>
           </a:p>
         </p:txBody>
@@ -26981,7 +25247,7 @@
         </p:nvGrpSpPr>
         <p:grpSpPr>
           <a:xfrm>
-            <a:off x="7445673" y="374116"/>
+            <a:off x="7577920" y="374116"/>
             <a:ext cx="346447" cy="1693005"/>
             <a:chOff x="6951310" y="281477"/>
             <a:chExt cx="346447" cy="1693005"/>
@@ -27230,29 +25496,110 @@
       </p:grpSp>
       <p:sp>
         <p:nvSpPr>
-          <p:cNvPr id="30" name="Rectangle 29">
-            <a:extLst>
-              <a:ext uri="{FF2B5EF4-FFF2-40B4-BE49-F238E27FC236}">
-                <a16:creationId xmlns:a16="http://schemas.microsoft.com/office/drawing/2014/main" id="{F4FD0083-A820-431C-A365-46FB0E9E11FA}"/>
-              </a:ext>
-            </a:extLst>
-          </p:cNvPr>
-          <p:cNvSpPr/>
+          <p:cNvPr id="32" name="TextBox 31">
+            <a:extLst>
+              <a:ext uri="{FF2B5EF4-FFF2-40B4-BE49-F238E27FC236}">
+                <a16:creationId xmlns:a16="http://schemas.microsoft.com/office/drawing/2014/main" id="{2CC4904D-1FCC-4B50-8546-64C1F361BF62}"/>
+              </a:ext>
+            </a:extLst>
+          </p:cNvPr>
+          <p:cNvSpPr txBox="1"/>
           <p:nvPr/>
         </p:nvSpPr>
         <p:spPr>
           <a:xfrm>
-            <a:off x="8633378" y="431175"/>
-            <a:ext cx="45719" cy="1097237"/>
+            <a:off x="7280315" y="2135494"/>
+            <a:ext cx="929933" cy="430887"/>
           </a:xfrm>
           <a:prstGeom prst="rect">
             <a:avLst/>
           </a:prstGeom>
           <a:solidFill>
-            <a:schemeClr val="accent5">
-              <a:lumMod val="90000"/>
-              <a:lumOff val="10000"/>
-            </a:schemeClr>
+            <a:schemeClr val="bg2"/>
+          </a:solidFill>
+        </p:spPr>
+        <p:txBody>
+          <a:bodyPr wrap="square" rtlCol="0">
+            <a:spAutoFit/>
+          </a:bodyPr>
+          <a:lstStyle/>
+          <a:p>
+            <a:pPr algn="ctr"/>
+            <a:r>
+              <a:rPr lang="en-US" sz="1100" b="1" dirty="0">
+                <a:solidFill>
+                  <a:schemeClr val="bg1"/>
+                </a:solidFill>
+              </a:rPr>
+              <a:t>Word Vectors</a:t>
+            </a:r>
+          </a:p>
+        </p:txBody>
+      </p:sp>
+      <p:sp>
+        <p:nvSpPr>
+          <p:cNvPr id="34" name="TextBox 33">
+            <a:extLst>
+              <a:ext uri="{FF2B5EF4-FFF2-40B4-BE49-F238E27FC236}">
+                <a16:creationId xmlns:a16="http://schemas.microsoft.com/office/drawing/2014/main" id="{21277197-1DAD-4B22-9971-57039392C3EB}"/>
+              </a:ext>
+            </a:extLst>
+          </p:cNvPr>
+          <p:cNvSpPr txBox="1"/>
+          <p:nvPr/>
+        </p:nvSpPr>
+        <p:spPr>
+          <a:xfrm>
+            <a:off x="9268196" y="2288916"/>
+            <a:ext cx="2828408" cy="261610"/>
+          </a:xfrm>
+          <a:prstGeom prst="rect">
+            <a:avLst/>
+          </a:prstGeom>
+          <a:solidFill>
+            <a:schemeClr val="bg2"/>
+          </a:solidFill>
+        </p:spPr>
+        <p:txBody>
+          <a:bodyPr wrap="square" rtlCol="0">
+            <a:spAutoFit/>
+          </a:bodyPr>
+          <a:lstStyle/>
+          <a:p>
+            <a:pPr algn="ctr"/>
+            <a:r>
+              <a:rPr lang="en-US" sz="1100" b="1" dirty="0">
+                <a:solidFill>
+                  <a:schemeClr val="bg1"/>
+                </a:solidFill>
+              </a:rPr>
+              <a:t>Neural Network</a:t>
+            </a:r>
+          </a:p>
+        </p:txBody>
+      </p:sp>
+      <p:sp>
+        <p:nvSpPr>
+          <p:cNvPr id="31" name="Arrow: Right 30">
+            <a:extLst>
+              <a:ext uri="{FF2B5EF4-FFF2-40B4-BE49-F238E27FC236}">
+                <a16:creationId xmlns:a16="http://schemas.microsoft.com/office/drawing/2014/main" id="{7F1F4D4A-A022-4747-82ED-63F5D8AF11D9}"/>
+              </a:ext>
+            </a:extLst>
+          </p:cNvPr>
+          <p:cNvSpPr/>
+          <p:nvPr/>
+        </p:nvSpPr>
+        <p:spPr>
+          <a:xfrm>
+            <a:off x="5852516" y="979794"/>
+            <a:ext cx="216946" cy="45719"/>
+          </a:xfrm>
+          <a:prstGeom prst="rightArrow">
+            <a:avLst/>
+          </a:prstGeom>
+          <a:solidFill>
+            <a:schemeClr val="bg2"/>
           </a:solidFill>
           <a:ln>
             <a:solidFill>
@@ -27290,147 +25637,10 @@
       </p:sp>
       <p:sp>
         <p:nvSpPr>
-          <p:cNvPr id="32" name="TextBox 31">
-            <a:extLst>
-              <a:ext uri="{FF2B5EF4-FFF2-40B4-BE49-F238E27FC236}">
-                <a16:creationId xmlns:a16="http://schemas.microsoft.com/office/drawing/2014/main" id="{2CC4904D-1FCC-4B50-8546-64C1F361BF62}"/>
-              </a:ext>
-            </a:extLst>
-          </p:cNvPr>
-          <p:cNvSpPr txBox="1"/>
-          <p:nvPr/>
-        </p:nvSpPr>
-        <p:spPr>
-          <a:xfrm>
-            <a:off x="7148068" y="2135494"/>
-            <a:ext cx="929933" cy="430887"/>
-          </a:xfrm>
-          <a:prstGeom prst="rect">
-            <a:avLst/>
-          </a:prstGeom>
-          <a:solidFill>
-            <a:schemeClr val="bg2"/>
-          </a:solidFill>
-        </p:spPr>
-        <p:txBody>
-          <a:bodyPr wrap="square" rtlCol="0">
-            <a:spAutoFit/>
-          </a:bodyPr>
-          <a:lstStyle/>
-          <a:p>
-            <a:pPr algn="ctr"/>
-            <a:r>
-              <a:rPr lang="en-US" sz="1100" b="1" dirty="0">
-                <a:solidFill>
-                  <a:schemeClr val="bg1"/>
-                </a:solidFill>
-              </a:rPr>
-              <a:t>Word Vectors</a:t>
-            </a:r>
-          </a:p>
-        </p:txBody>
-      </p:sp>
-      <p:sp>
-        <p:nvSpPr>
-          <p:cNvPr id="33" name="TextBox 32">
-            <a:extLst>
-              <a:ext uri="{FF2B5EF4-FFF2-40B4-BE49-F238E27FC236}">
-                <a16:creationId xmlns:a16="http://schemas.microsoft.com/office/drawing/2014/main" id="{F2E204AA-88CA-4B2C-9102-8DDEAD4DEC1C}"/>
-              </a:ext>
-            </a:extLst>
-          </p:cNvPr>
-          <p:cNvSpPr txBox="1"/>
-          <p:nvPr/>
-        </p:nvSpPr>
-        <p:spPr>
-          <a:xfrm>
-            <a:off x="8306086" y="2125482"/>
-            <a:ext cx="841048" cy="430887"/>
-          </a:xfrm>
-          <a:prstGeom prst="rect">
-            <a:avLst/>
-          </a:prstGeom>
-          <a:solidFill>
-            <a:schemeClr val="bg2"/>
-          </a:solidFill>
-        </p:spPr>
-        <p:txBody>
-          <a:bodyPr wrap="square" rtlCol="0">
-            <a:spAutoFit/>
-          </a:bodyPr>
-          <a:lstStyle/>
-          <a:p>
-            <a:pPr algn="ctr"/>
-            <a:r>
-              <a:rPr lang="en-US" sz="1100" b="1" dirty="0">
-                <a:solidFill>
-                  <a:schemeClr val="bg1"/>
-                </a:solidFill>
-              </a:rPr>
-              <a:t>Padded </a:t>
-            </a:r>
-          </a:p>
-          <a:p>
-            <a:pPr algn="ctr"/>
-            <a:r>
-              <a:rPr lang="en-US" sz="1100" b="1" dirty="0">
-                <a:solidFill>
-                  <a:schemeClr val="bg1"/>
-                </a:solidFill>
-              </a:rPr>
-              <a:t>Vector</a:t>
-            </a:r>
-          </a:p>
-        </p:txBody>
-      </p:sp>
-      <p:sp>
-        <p:nvSpPr>
-          <p:cNvPr id="34" name="TextBox 33">
-            <a:extLst>
-              <a:ext uri="{FF2B5EF4-FFF2-40B4-BE49-F238E27FC236}">
-                <a16:creationId xmlns:a16="http://schemas.microsoft.com/office/drawing/2014/main" id="{21277197-1DAD-4B22-9971-57039392C3EB}"/>
-              </a:ext>
-            </a:extLst>
-          </p:cNvPr>
-          <p:cNvSpPr txBox="1"/>
-          <p:nvPr/>
-        </p:nvSpPr>
-        <p:spPr>
-          <a:xfrm>
-            <a:off x="9268196" y="2288916"/>
-            <a:ext cx="2828408" cy="261610"/>
-          </a:xfrm>
-          <a:prstGeom prst="rect">
-            <a:avLst/>
-          </a:prstGeom>
-          <a:solidFill>
-            <a:schemeClr val="bg2"/>
-          </a:solidFill>
-        </p:spPr>
-        <p:txBody>
-          <a:bodyPr wrap="square" rtlCol="0">
-            <a:spAutoFit/>
-          </a:bodyPr>
-          <a:lstStyle/>
-          <a:p>
-            <a:pPr algn="ctr"/>
-            <a:r>
-              <a:rPr lang="en-US" sz="1100" b="1" dirty="0">
-                <a:solidFill>
-                  <a:schemeClr val="bg1"/>
-                </a:solidFill>
-              </a:rPr>
-              <a:t>Recurrent Neural Network</a:t>
-            </a:r>
-          </a:p>
-        </p:txBody>
-      </p:sp>
-      <p:sp>
-        <p:nvSpPr>
-          <p:cNvPr id="31" name="Arrow: Right 30">
-            <a:extLst>
-              <a:ext uri="{FF2B5EF4-FFF2-40B4-BE49-F238E27FC236}">
-                <a16:creationId xmlns:a16="http://schemas.microsoft.com/office/drawing/2014/main" id="{7F1F4D4A-A022-4747-82ED-63F5D8AF11D9}"/>
+          <p:cNvPr id="36" name="Arrow: Right 35">
+            <a:extLst>
+              <a:ext uri="{FF2B5EF4-FFF2-40B4-BE49-F238E27FC236}">
+                <a16:creationId xmlns:a16="http://schemas.microsoft.com/office/drawing/2014/main" id="{2DCA415E-FE17-4C4F-95A8-713C722CB686}"/>
               </a:ext>
             </a:extLst>
           </p:cNvPr>
@@ -27439,7 +25649,7 @@
         </p:nvSpPr>
         <p:spPr>
           <a:xfrm>
-            <a:off x="5852516" y="979794"/>
+            <a:off x="7031320" y="966081"/>
             <a:ext cx="216946" cy="45719"/>
           </a:xfrm>
           <a:prstGeom prst="rightArrow">
@@ -27484,10 +25694,10 @@
       </p:sp>
       <p:sp>
         <p:nvSpPr>
-          <p:cNvPr id="36" name="Arrow: Right 35">
-            <a:extLst>
-              <a:ext uri="{FF2B5EF4-FFF2-40B4-BE49-F238E27FC236}">
-                <a16:creationId xmlns:a16="http://schemas.microsoft.com/office/drawing/2014/main" id="{2DCA415E-FE17-4C4F-95A8-713C722CB686}"/>
+          <p:cNvPr id="37" name="Arrow: Right 36">
+            <a:extLst>
+              <a:ext uri="{FF2B5EF4-FFF2-40B4-BE49-F238E27FC236}">
+                <a16:creationId xmlns:a16="http://schemas.microsoft.com/office/drawing/2014/main" id="{8E22E297-0A2D-443E-BACA-DB7C4D0525FB}"/>
               </a:ext>
             </a:extLst>
           </p:cNvPr>
@@ -27496,7 +25706,7 @@
         </p:nvSpPr>
         <p:spPr>
           <a:xfrm>
-            <a:off x="7031320" y="966081"/>
+            <a:off x="8078002" y="945012"/>
             <a:ext cx="216946" cy="45719"/>
           </a:xfrm>
           <a:prstGeom prst="rightArrow">
@@ -27539,63 +25749,6 @@
           </a:p>
         </p:txBody>
       </p:sp>
-      <p:sp>
-        <p:nvSpPr>
-          <p:cNvPr id="37" name="Arrow: Right 36">
-            <a:extLst>
-              <a:ext uri="{FF2B5EF4-FFF2-40B4-BE49-F238E27FC236}">
-                <a16:creationId xmlns:a16="http://schemas.microsoft.com/office/drawing/2014/main" id="{8E22E297-0A2D-443E-BACA-DB7C4D0525FB}"/>
-              </a:ext>
-            </a:extLst>
-          </p:cNvPr>
-          <p:cNvSpPr/>
-          <p:nvPr/>
-        </p:nvSpPr>
-        <p:spPr>
-          <a:xfrm>
-            <a:off x="8078002" y="945012"/>
-            <a:ext cx="216946" cy="45719"/>
-          </a:xfrm>
-          <a:prstGeom prst="rightArrow">
-            <a:avLst/>
-          </a:prstGeom>
-          <a:solidFill>
-            <a:schemeClr val="bg2"/>
-          </a:solidFill>
-          <a:ln>
-            <a:solidFill>
-              <a:schemeClr val="accent5">
-                <a:lumMod val="90000"/>
-                <a:lumOff val="10000"/>
-              </a:schemeClr>
-            </a:solidFill>
-          </a:ln>
-        </p:spPr>
-        <p:style>
-          <a:lnRef idx="2">
-            <a:schemeClr val="accent1">
-              <a:shade val="50000"/>
-            </a:schemeClr>
-          </a:lnRef>
-          <a:fillRef idx="1">
-            <a:schemeClr val="accent1"/>
-          </a:fillRef>
-          <a:effectRef idx="0">
-            <a:schemeClr val="accent1"/>
-          </a:effectRef>
-          <a:fontRef idx="minor">
-            <a:schemeClr val="lt1"/>
-          </a:fontRef>
-        </p:style>
-        <p:txBody>
-          <a:bodyPr rtlCol="0" anchor="ctr"/>
-          <a:lstStyle/>
-          <a:p>
-            <a:pPr algn="ctr"/>
-            <a:endParaRPr lang="en-US"/>
-          </a:p>
-        </p:txBody>
-      </p:sp>
       <p:pic>
         <p:nvPicPr>
           <p:cNvPr id="43" name="Graphic 42" descr="Server">
@@ -27624,7 +25777,7 @@
         </p:blipFill>
         <p:spPr>
           <a:xfrm rot="5400000">
-            <a:off x="9061863" y="671638"/>
+            <a:off x="8707020" y="692986"/>
             <a:ext cx="357853" cy="222908"/>
           </a:xfrm>
           <a:prstGeom prst="rect">
@@ -27646,7 +25799,7 @@
         </p:nvSpPr>
         <p:spPr>
           <a:xfrm>
-            <a:off x="9225990" y="1058880"/>
+            <a:off x="8882941" y="1104006"/>
             <a:ext cx="53753" cy="570990"/>
           </a:xfrm>
           <a:prstGeom prst="rect">
@@ -28065,7 +26218,7 @@
         </p:nvSpPr>
         <p:spPr>
           <a:xfrm>
-            <a:off x="7335476" y="112508"/>
+            <a:off x="7467723" y="112508"/>
             <a:ext cx="1628282" cy="261610"/>
           </a:xfrm>
           <a:prstGeom prst="rect">
@@ -28141,8 +26294,8 @@
         </p:nvSpPr>
         <p:spPr>
           <a:xfrm>
-            <a:off x="413863" y="3916795"/>
-            <a:ext cx="4950866" cy="1849774"/>
+            <a:off x="250371" y="3916795"/>
+            <a:ext cx="5114358" cy="2845500"/>
           </a:xfrm>
           <a:prstGeom prst="rect">
             <a:avLst/>
@@ -28318,7 +26471,7 @@
           </a:lstStyle>
           <a:p>
             <a:r>
-              <a:rPr lang="en-US" sz="1900" dirty="0"/>
+              <a:rPr lang="en-US" sz="2400" dirty="0"/>
               <a:t>Natural Language Processing (NLP):</a:t>
             </a:r>
           </a:p>
@@ -28328,12 +26481,12 @@
               <a:buChar char="•"/>
             </a:pPr>
             <a:r>
-              <a:rPr lang="en-US" sz="1900" dirty="0"/>
+              <a:rPr lang="en-US" sz="2400" dirty="0"/>
               <a:t>“Tokenizes” text</a:t>
             </a:r>
           </a:p>
           <a:p>
-            <a:endParaRPr lang="en-US" sz="1900" dirty="0"/>
+            <a:endParaRPr lang="en-US" sz="2400" dirty="0"/>
           </a:p>
           <a:p>
             <a:pPr marL="342900" indent="-342900">
@@ -28341,15 +26494,15 @@
               <a:buChar char="•"/>
             </a:pPr>
             <a:r>
-              <a:rPr lang="en-US" sz="1900" dirty="0"/>
+              <a:rPr lang="en-US" sz="2400" dirty="0"/>
               <a:t>Uses resulting tokens to create </a:t>
             </a:r>
             <a:r>
-              <a:rPr lang="en-US" sz="1900" b="1" dirty="0"/>
+              <a:rPr lang="en-US" sz="2400" b="1" dirty="0"/>
               <a:t>vectors</a:t>
             </a:r>
             <a:r>
-              <a:rPr lang="en-US" sz="1900" dirty="0"/>
+              <a:rPr lang="en-US" sz="2400" dirty="0"/>
               <a:t> as data</a:t>
             </a:r>
           </a:p>
@@ -28795,37 +26948,6 @@
                                   </p:childTnLst>
                                 </p:cTn>
                               </p:par>
-                              <p:par>
-                                <p:cTn id="27" presetID="1" presetClass="entr" presetSubtype="0" fill="hold" grpId="0" nodeType="withEffect">
-                                  <p:stCondLst>
-                                    <p:cond delay="0"/>
-                                  </p:stCondLst>
-                                  <p:childTnLst>
-                                    <p:set>
-                                      <p:cBhvr>
-                                        <p:cTn id="28" dur="1" fill="hold">
-                                          <p:stCondLst>
-                                            <p:cond delay="0"/>
-                                          </p:stCondLst>
-                                        </p:cTn>
-                                        <p:tgtEl>
-                                          <p:spTgt spid="9">
-                                            <p:txEl>
-                                              <p:pRg st="7" end="7"/>
-                                            </p:txEl>
-                                          </p:spTgt>
-                                        </p:tgtEl>
-                                        <p:attrNameLst>
-                                          <p:attrName>style.visibility</p:attrName>
-                                        </p:attrNameLst>
-                                      </p:cBhvr>
-                                      <p:to>
-                                        <p:strVal val="visible"/>
-                                      </p:to>
-                                    </p:set>
-                                  </p:childTnLst>
-                                </p:cTn>
-                              </p:par>
                             </p:childTnLst>
                           </p:cTn>
                         </p:par>
@@ -28861,7 +26983,7 @@
 </p:sld>
 </file>
 
-<file path=ppt/slides/slide8.xml><?xml version="1.0" encoding="utf-8"?>
+<file path=ppt/slides/slide7.xml><?xml version="1.0" encoding="utf-8"?>
 <p:sld xmlns:a="http://schemas.openxmlformats.org/drawingml/2006/main" xmlns:r="http://schemas.openxmlformats.org/officeDocument/2006/relationships" xmlns:p="http://schemas.openxmlformats.org/presentationml/2006/main">
   <p:cSld>
     <p:spTree>
@@ -29045,7 +27167,7 @@
           <p:nvPr>
             <p:extLst>
               <p:ext uri="{D42A27DB-BD31-4B8C-83A1-F6EECF244321}">
-                <p14:modId xmlns:p14="http://schemas.microsoft.com/office/powerpoint/2010/main" val="3276809590"/>
+                <p14:modId xmlns:p14="http://schemas.microsoft.com/office/powerpoint/2010/main" val="588710925"/>
               </p:ext>
             </p:extLst>
           </p:nvPr>
@@ -29149,7 +27271,7 @@
                           <a:effectLst/>
                           <a:latin typeface="Calibri" panose="020F0502020204030204" pitchFamily="34" charset="0"/>
                         </a:rPr>
-                        <a:t>Rate of </a:t>
+                        <a:t>Rate of Accurately</a:t>
                       </a:r>
                       <a:br>
                         <a:rPr lang="en-US" sz="1100" b="1" i="0" u="none" strike="noStrike" dirty="0">
@@ -29295,7 +27417,7 @@
                           <a:effectLst/>
                           <a:latin typeface="Calibri" panose="020F0502020204030204" pitchFamily="34" charset="0"/>
                         </a:rPr>
-                        <a:t>68</a:t>
+                        <a:t>70</a:t>
                       </a:r>
                     </a:p>
                   </a:txBody>
@@ -29425,7 +27547,7 @@
                           <a:effectLst/>
                           <a:latin typeface="Calibri" panose="020F0502020204030204" pitchFamily="34" charset="0"/>
                         </a:rPr>
-                        <a:t>39 </a:t>
+                        <a:t>32</a:t>
                       </a:r>
                     </a:p>
                   </a:txBody>
@@ -29555,7 +27677,7 @@
                           <a:effectLst/>
                           <a:latin typeface="Calibri" panose="020F0502020204030204" pitchFamily="34" charset="0"/>
                         </a:rPr>
-                        <a:t>78</a:t>
+                        <a:t>75</a:t>
                       </a:r>
                     </a:p>
                   </a:txBody>
@@ -29815,7 +27937,7 @@
                           <a:effectLst/>
                           <a:latin typeface="Calibri" panose="020F0502020204030204" pitchFamily="34" charset="0"/>
                         </a:rPr>
-                        <a:t>65</a:t>
+                        <a:t>60</a:t>
                       </a:r>
                     </a:p>
                   </a:txBody>
@@ -30117,6 +28239,2034 @@
 </p:sld>
 </file>
 
+<file path=ppt/slides/slide8.xml><?xml version="1.0" encoding="utf-8"?>
+<p:sld xmlns:a="http://schemas.openxmlformats.org/drawingml/2006/main" xmlns:r="http://schemas.openxmlformats.org/officeDocument/2006/relationships" xmlns:p="http://schemas.openxmlformats.org/presentationml/2006/main">
+  <p:cSld>
+    <p:spTree>
+      <p:nvGrpSpPr>
+        <p:cNvPr id="1" name=""/>
+        <p:cNvGrpSpPr/>
+        <p:nvPr/>
+      </p:nvGrpSpPr>
+      <p:grpSpPr>
+        <a:xfrm>
+          <a:off x="0" y="0"/>
+          <a:ext cx="0" cy="0"/>
+          <a:chOff x="0" y="0"/>
+          <a:chExt cx="0" cy="0"/>
+        </a:xfrm>
+      </p:grpSpPr>
+      <p:sp>
+        <p:nvSpPr>
+          <p:cNvPr id="6" name="Rectangle 5">
+            <a:extLst>
+              <a:ext uri="{FF2B5EF4-FFF2-40B4-BE49-F238E27FC236}">
+                <a16:creationId xmlns:a16="http://schemas.microsoft.com/office/drawing/2014/main" id="{2244C4E9-5517-4908-86D5-2B121DCFFC65}"/>
+              </a:ext>
+            </a:extLst>
+          </p:cNvPr>
+          <p:cNvSpPr/>
+          <p:nvPr/>
+        </p:nvSpPr>
+        <p:spPr>
+          <a:xfrm>
+            <a:off x="5753807" y="4474552"/>
+            <a:ext cx="6417873" cy="2312328"/>
+          </a:xfrm>
+          <a:prstGeom prst="rect">
+            <a:avLst/>
+          </a:prstGeom>
+          <a:solidFill>
+            <a:schemeClr val="accent1">
+              <a:lumMod val="75000"/>
+            </a:schemeClr>
+          </a:solidFill>
+        </p:spPr>
+        <p:style>
+          <a:lnRef idx="2">
+            <a:schemeClr val="accent1">
+              <a:shade val="50000"/>
+            </a:schemeClr>
+          </a:lnRef>
+          <a:fillRef idx="1">
+            <a:schemeClr val="accent1"/>
+          </a:fillRef>
+          <a:effectRef idx="0">
+            <a:schemeClr val="accent1"/>
+          </a:effectRef>
+          <a:fontRef idx="minor">
+            <a:schemeClr val="lt1"/>
+          </a:fontRef>
+        </p:style>
+        <p:txBody>
+          <a:bodyPr rtlCol="0" anchor="ctr"/>
+          <a:lstStyle/>
+          <a:p>
+            <a:pPr algn="ctr"/>
+            <a:endParaRPr lang="en-US"/>
+          </a:p>
+        </p:txBody>
+      </p:sp>
+      <p:sp>
+        <p:nvSpPr>
+          <p:cNvPr id="40" name="Rectangle 39">
+            <a:extLst>
+              <a:ext uri="{FF2B5EF4-FFF2-40B4-BE49-F238E27FC236}">
+                <a16:creationId xmlns:a16="http://schemas.microsoft.com/office/drawing/2014/main" id="{6449CBB7-F6E8-4436-8BFF-65AD7836E5A9}"/>
+              </a:ext>
+            </a:extLst>
+          </p:cNvPr>
+          <p:cNvSpPr/>
+          <p:nvPr/>
+        </p:nvSpPr>
+        <p:spPr>
+          <a:xfrm>
+            <a:off x="3728783" y="3429000"/>
+            <a:ext cx="1326216" cy="1539240"/>
+          </a:xfrm>
+          <a:prstGeom prst="rect">
+            <a:avLst/>
+          </a:prstGeom>
+        </p:spPr>
+        <p:style>
+          <a:lnRef idx="1">
+            <a:schemeClr val="accent3"/>
+          </a:lnRef>
+          <a:fillRef idx="2">
+            <a:schemeClr val="accent3"/>
+          </a:fillRef>
+          <a:effectRef idx="1">
+            <a:schemeClr val="accent3"/>
+          </a:effectRef>
+          <a:fontRef idx="minor">
+            <a:schemeClr val="dk1"/>
+          </a:fontRef>
+        </p:style>
+        <p:txBody>
+          <a:bodyPr rtlCol="0" anchor="ctr"/>
+          <a:lstStyle/>
+          <a:p>
+            <a:pPr algn="ctr"/>
+            <a:endParaRPr lang="en-US"/>
+          </a:p>
+        </p:txBody>
+      </p:sp>
+      <p:sp>
+        <p:nvSpPr>
+          <p:cNvPr id="39" name="Rectangle 38">
+            <a:extLst>
+              <a:ext uri="{FF2B5EF4-FFF2-40B4-BE49-F238E27FC236}">
+                <a16:creationId xmlns:a16="http://schemas.microsoft.com/office/drawing/2014/main" id="{CF913634-1B65-491B-B806-F55EF24E668D}"/>
+              </a:ext>
+            </a:extLst>
+          </p:cNvPr>
+          <p:cNvSpPr/>
+          <p:nvPr/>
+        </p:nvSpPr>
+        <p:spPr>
+          <a:xfrm>
+            <a:off x="2362829" y="3444029"/>
+            <a:ext cx="1326216" cy="1539240"/>
+          </a:xfrm>
+          <a:prstGeom prst="rect">
+            <a:avLst/>
+          </a:prstGeom>
+        </p:spPr>
+        <p:style>
+          <a:lnRef idx="1">
+            <a:schemeClr val="accent3"/>
+          </a:lnRef>
+          <a:fillRef idx="2">
+            <a:schemeClr val="accent3"/>
+          </a:fillRef>
+          <a:effectRef idx="1">
+            <a:schemeClr val="accent3"/>
+          </a:effectRef>
+          <a:fontRef idx="minor">
+            <a:schemeClr val="dk1"/>
+          </a:fontRef>
+        </p:style>
+        <p:txBody>
+          <a:bodyPr rtlCol="0" anchor="ctr"/>
+          <a:lstStyle/>
+          <a:p>
+            <a:pPr algn="ctr"/>
+            <a:endParaRPr lang="en-US"/>
+          </a:p>
+        </p:txBody>
+      </p:sp>
+      <p:sp>
+        <p:nvSpPr>
+          <p:cNvPr id="5" name="Rectangle 4">
+            <a:extLst>
+              <a:ext uri="{FF2B5EF4-FFF2-40B4-BE49-F238E27FC236}">
+                <a16:creationId xmlns:a16="http://schemas.microsoft.com/office/drawing/2014/main" id="{2A1354C3-7724-41BD-B233-0B62458287F6}"/>
+              </a:ext>
+            </a:extLst>
+          </p:cNvPr>
+          <p:cNvSpPr/>
+          <p:nvPr/>
+        </p:nvSpPr>
+        <p:spPr>
+          <a:xfrm>
+            <a:off x="955041" y="3449321"/>
+            <a:ext cx="1326216" cy="1539240"/>
+          </a:xfrm>
+          <a:prstGeom prst="rect">
+            <a:avLst/>
+          </a:prstGeom>
+        </p:spPr>
+        <p:style>
+          <a:lnRef idx="1">
+            <a:schemeClr val="accent3"/>
+          </a:lnRef>
+          <a:fillRef idx="2">
+            <a:schemeClr val="accent3"/>
+          </a:fillRef>
+          <a:effectRef idx="1">
+            <a:schemeClr val="accent3"/>
+          </a:effectRef>
+          <a:fontRef idx="minor">
+            <a:schemeClr val="dk1"/>
+          </a:fontRef>
+        </p:style>
+        <p:txBody>
+          <a:bodyPr rtlCol="0" anchor="ctr"/>
+          <a:lstStyle/>
+          <a:p>
+            <a:pPr algn="ctr"/>
+            <a:endParaRPr lang="en-US"/>
+          </a:p>
+        </p:txBody>
+      </p:sp>
+      <p:sp>
+        <p:nvSpPr>
+          <p:cNvPr id="2" name="Title 1">
+            <a:extLst>
+              <a:ext uri="{FF2B5EF4-FFF2-40B4-BE49-F238E27FC236}">
+                <a16:creationId xmlns:a16="http://schemas.microsoft.com/office/drawing/2014/main" id="{285097A8-FDF2-415B-A525-792A93E0F4B6}"/>
+              </a:ext>
+            </a:extLst>
+          </p:cNvPr>
+          <p:cNvSpPr>
+            <a:spLocks noGrp="1"/>
+          </p:cNvSpPr>
+          <p:nvPr>
+            <p:ph type="title"/>
+          </p:nvPr>
+        </p:nvSpPr>
+        <p:spPr>
+          <a:xfrm>
+            <a:off x="298516" y="1387177"/>
+            <a:ext cx="4767262" cy="1342045"/>
+          </a:xfrm>
+        </p:spPr>
+        <p:txBody>
+          <a:bodyPr/>
+          <a:lstStyle/>
+          <a:p>
+            <a:r>
+              <a:rPr lang="en-US" dirty="0"/>
+              <a:t>Top 5 Words Per Category:</a:t>
+            </a:r>
+          </a:p>
+        </p:txBody>
+      </p:sp>
+      <p:sp>
+        <p:nvSpPr>
+          <p:cNvPr id="3" name="Text Placeholder 2">
+            <a:extLst>
+              <a:ext uri="{FF2B5EF4-FFF2-40B4-BE49-F238E27FC236}">
+                <a16:creationId xmlns:a16="http://schemas.microsoft.com/office/drawing/2014/main" id="{CBF927C8-2102-46A9-90C5-37FC3A28C534}"/>
+              </a:ext>
+            </a:extLst>
+          </p:cNvPr>
+          <p:cNvSpPr>
+            <a:spLocks noGrp="1"/>
+          </p:cNvSpPr>
+          <p:nvPr>
+            <p:ph type="body" sz="quarter" idx="11"/>
+          </p:nvPr>
+        </p:nvSpPr>
+        <p:spPr>
+          <a:xfrm>
+            <a:off x="497840" y="2636512"/>
+            <a:ext cx="5112635" cy="3662688"/>
+          </a:xfrm>
+        </p:spPr>
+        <p:txBody>
+          <a:bodyPr>
+            <a:normAutofit lnSpcReduction="10000"/>
+          </a:bodyPr>
+          <a:lstStyle/>
+          <a:p>
+            <a:r>
+              <a:rPr lang="en-US" sz="2000" dirty="0"/>
+              <a:t>The same words appeared in 4 categories:</a:t>
+            </a:r>
+          </a:p>
+          <a:p>
+            <a:pPr algn="ctr"/>
+            <a:r>
+              <a:rPr lang="en-US" sz="2000" b="1" dirty="0"/>
+              <a:t>Toxic, Severely Toxic, Insulting &amp; Obscene</a:t>
+            </a:r>
+          </a:p>
+          <a:p>
+            <a:endParaRPr lang="en-US" dirty="0"/>
+          </a:p>
+          <a:p>
+            <a:endParaRPr lang="en-US" dirty="0"/>
+          </a:p>
+          <a:p>
+            <a:endParaRPr lang="en-US" sz="2000" dirty="0"/>
+          </a:p>
+          <a:p>
+            <a:r>
+              <a:rPr lang="en-US" sz="2000" dirty="0"/>
+              <a:t>               </a:t>
+            </a:r>
+            <a:r>
+              <a:rPr lang="en-US" sz="2000" b="1" dirty="0">
+                <a:solidFill>
+                  <a:schemeClr val="bg2">
+                    <a:lumMod val="50000"/>
+                  </a:schemeClr>
+                </a:solidFill>
+              </a:rPr>
+              <a:t>f$#!</a:t>
+            </a:r>
+            <a:r>
+              <a:rPr lang="en-US" sz="2000" dirty="0"/>
+              <a:t>	        </a:t>
+            </a:r>
+            <a:r>
+              <a:rPr lang="en-US" sz="2000" b="1" dirty="0">
+                <a:solidFill>
+                  <a:schemeClr val="bg2">
+                    <a:lumMod val="50000"/>
+                  </a:schemeClr>
+                </a:solidFill>
+              </a:rPr>
+              <a:t>shit</a:t>
+            </a:r>
+            <a:r>
+              <a:rPr lang="en-US" sz="2000" b="1" dirty="0"/>
+              <a:t>	</a:t>
+            </a:r>
+            <a:r>
+              <a:rPr lang="en-US" sz="2000" dirty="0"/>
+              <a:t>               </a:t>
+            </a:r>
+            <a:r>
+              <a:rPr lang="en-US" sz="2000" b="1" dirty="0">
+                <a:solidFill>
+                  <a:schemeClr val="bg2">
+                    <a:lumMod val="50000"/>
+                  </a:schemeClr>
+                </a:solidFill>
+              </a:rPr>
+              <a:t>suck</a:t>
+            </a:r>
+          </a:p>
+          <a:p>
+            <a:endParaRPr lang="en-US" sz="2000" dirty="0"/>
+          </a:p>
+          <a:p>
+            <a:r>
+              <a:rPr lang="en-US" sz="2000" dirty="0"/>
+              <a:t>Two categories had more distinct top 5 words:</a:t>
+            </a:r>
+          </a:p>
+          <a:p>
+            <a:pPr algn="ctr"/>
+            <a:r>
+              <a:rPr lang="en-US" sz="2000" b="1" dirty="0"/>
+              <a:t>Threatening  &amp; Identity-Based Hate</a:t>
+            </a:r>
+          </a:p>
+        </p:txBody>
+      </p:sp>
+      <p:sp>
+        <p:nvSpPr>
+          <p:cNvPr id="4" name="Text Placeholder 3">
+            <a:extLst>
+              <a:ext uri="{FF2B5EF4-FFF2-40B4-BE49-F238E27FC236}">
+                <a16:creationId xmlns:a16="http://schemas.microsoft.com/office/drawing/2014/main" id="{2690EE78-F93F-493B-9C33-0B5B3362D7B2}"/>
+              </a:ext>
+            </a:extLst>
+          </p:cNvPr>
+          <p:cNvSpPr>
+            <a:spLocks noGrp="1"/>
+          </p:cNvSpPr>
+          <p:nvPr>
+            <p:ph type="body" sz="quarter" idx="12"/>
+          </p:nvPr>
+        </p:nvSpPr>
+        <p:spPr>
+          <a:xfrm>
+            <a:off x="242824" y="973060"/>
+            <a:ext cx="4767262" cy="321901"/>
+          </a:xfrm>
+        </p:spPr>
+        <p:txBody>
+          <a:bodyPr>
+            <a:normAutofit/>
+          </a:bodyPr>
+          <a:lstStyle/>
+          <a:p>
+            <a:r>
+              <a:rPr lang="en-US" dirty="0"/>
+              <a:t>Patterns Emerged</a:t>
+            </a:r>
+          </a:p>
+        </p:txBody>
+      </p:sp>
+      <p:pic>
+        <p:nvPicPr>
+          <p:cNvPr id="8" name="Picture 7">
+            <a:extLst>
+              <a:ext uri="{FF2B5EF4-FFF2-40B4-BE49-F238E27FC236}">
+                <a16:creationId xmlns:a16="http://schemas.microsoft.com/office/drawing/2014/main" id="{EE89C95D-8C5C-4A88-BA0D-A80CB8BAE417}"/>
+              </a:ext>
+            </a:extLst>
+          </p:cNvPr>
+          <p:cNvPicPr>
+            <a:picLocks noChangeAspect="1"/>
+          </p:cNvPicPr>
+          <p:nvPr/>
+        </p:nvPicPr>
+        <p:blipFill>
+          <a:blip r:embed="rId2"/>
+          <a:stretch>
+            <a:fillRect/>
+          </a:stretch>
+        </p:blipFill>
+        <p:spPr>
+          <a:xfrm>
+            <a:off x="5792518" y="151971"/>
+            <a:ext cx="3064588" cy="2086929"/>
+          </a:xfrm>
+          <a:prstGeom prst="rect">
+            <a:avLst/>
+          </a:prstGeom>
+        </p:spPr>
+      </p:pic>
+      <p:pic>
+        <p:nvPicPr>
+          <p:cNvPr id="9" name="Picture 8">
+            <a:extLst>
+              <a:ext uri="{FF2B5EF4-FFF2-40B4-BE49-F238E27FC236}">
+                <a16:creationId xmlns:a16="http://schemas.microsoft.com/office/drawing/2014/main" id="{DEAC99C1-B4B6-410F-8200-6F40F1A68A30}"/>
+              </a:ext>
+            </a:extLst>
+          </p:cNvPr>
+          <p:cNvPicPr>
+            <a:picLocks noChangeAspect="1"/>
+          </p:cNvPicPr>
+          <p:nvPr/>
+        </p:nvPicPr>
+        <p:blipFill>
+          <a:blip r:embed="rId3"/>
+          <a:stretch>
+            <a:fillRect/>
+          </a:stretch>
+        </p:blipFill>
+        <p:spPr>
+          <a:xfrm>
+            <a:off x="8971880" y="168148"/>
+            <a:ext cx="3115041" cy="2080015"/>
+          </a:xfrm>
+          <a:prstGeom prst="rect">
+            <a:avLst/>
+          </a:prstGeom>
+        </p:spPr>
+      </p:pic>
+      <p:pic>
+        <p:nvPicPr>
+          <p:cNvPr id="10" name="Picture 9">
+            <a:extLst>
+              <a:ext uri="{FF2B5EF4-FFF2-40B4-BE49-F238E27FC236}">
+                <a16:creationId xmlns:a16="http://schemas.microsoft.com/office/drawing/2014/main" id="{3334C29D-3F8C-4CA3-A665-5A686225A09D}"/>
+              </a:ext>
+            </a:extLst>
+          </p:cNvPr>
+          <p:cNvPicPr>
+            <a:picLocks noChangeAspect="1"/>
+          </p:cNvPicPr>
+          <p:nvPr/>
+        </p:nvPicPr>
+        <p:blipFill>
+          <a:blip r:embed="rId4"/>
+          <a:stretch>
+            <a:fillRect/>
+          </a:stretch>
+        </p:blipFill>
+        <p:spPr>
+          <a:xfrm>
+            <a:off x="8971881" y="2350517"/>
+            <a:ext cx="3115042" cy="2006805"/>
+          </a:xfrm>
+          <a:prstGeom prst="rect">
+            <a:avLst/>
+          </a:prstGeom>
+        </p:spPr>
+      </p:pic>
+      <p:pic>
+        <p:nvPicPr>
+          <p:cNvPr id="11" name="Picture 10">
+            <a:extLst>
+              <a:ext uri="{FF2B5EF4-FFF2-40B4-BE49-F238E27FC236}">
+                <a16:creationId xmlns:a16="http://schemas.microsoft.com/office/drawing/2014/main" id="{BEA640BC-A159-4478-8DF8-7AB3017ED038}"/>
+              </a:ext>
+            </a:extLst>
+          </p:cNvPr>
+          <p:cNvPicPr>
+            <a:picLocks noChangeAspect="1"/>
+          </p:cNvPicPr>
+          <p:nvPr/>
+        </p:nvPicPr>
+        <p:blipFill>
+          <a:blip r:embed="rId5"/>
+          <a:stretch>
+            <a:fillRect/>
+          </a:stretch>
+        </p:blipFill>
+        <p:spPr>
+          <a:xfrm>
+            <a:off x="5851068" y="4582432"/>
+            <a:ext cx="2951120" cy="2116016"/>
+          </a:xfrm>
+          <a:prstGeom prst="rect">
+            <a:avLst/>
+          </a:prstGeom>
+        </p:spPr>
+      </p:pic>
+      <p:pic>
+        <p:nvPicPr>
+          <p:cNvPr id="12" name="Picture 11">
+            <a:extLst>
+              <a:ext uri="{FF2B5EF4-FFF2-40B4-BE49-F238E27FC236}">
+                <a16:creationId xmlns:a16="http://schemas.microsoft.com/office/drawing/2014/main" id="{685115FF-C2EB-46EF-BDE5-2ADF18D05059}"/>
+              </a:ext>
+            </a:extLst>
+          </p:cNvPr>
+          <p:cNvPicPr>
+            <a:picLocks noChangeAspect="1"/>
+          </p:cNvPicPr>
+          <p:nvPr/>
+        </p:nvPicPr>
+        <p:blipFill>
+          <a:blip r:embed="rId6"/>
+          <a:stretch>
+            <a:fillRect/>
+          </a:stretch>
+        </p:blipFill>
+        <p:spPr>
+          <a:xfrm>
+            <a:off x="5830752" y="2361239"/>
+            <a:ext cx="3026354" cy="1976515"/>
+          </a:xfrm>
+          <a:prstGeom prst="rect">
+            <a:avLst/>
+          </a:prstGeom>
+        </p:spPr>
+      </p:pic>
+      <p:pic>
+        <p:nvPicPr>
+          <p:cNvPr id="13" name="Picture 12">
+            <a:extLst>
+              <a:ext uri="{FF2B5EF4-FFF2-40B4-BE49-F238E27FC236}">
+                <a16:creationId xmlns:a16="http://schemas.microsoft.com/office/drawing/2014/main" id="{7B88C1E9-A6F2-4C7D-8862-374B8E59B19D}"/>
+              </a:ext>
+            </a:extLst>
+          </p:cNvPr>
+          <p:cNvPicPr>
+            <a:picLocks noChangeAspect="1"/>
+          </p:cNvPicPr>
+          <p:nvPr/>
+        </p:nvPicPr>
+        <p:blipFill>
+          <a:blip r:embed="rId7"/>
+          <a:stretch>
+            <a:fillRect/>
+          </a:stretch>
+        </p:blipFill>
+        <p:spPr>
+          <a:xfrm>
+            <a:off x="8857106" y="4573836"/>
+            <a:ext cx="3283257" cy="2116016"/>
+          </a:xfrm>
+          <a:prstGeom prst="rect">
+            <a:avLst/>
+          </a:prstGeom>
+        </p:spPr>
+      </p:pic>
+      <p:sp>
+        <p:nvSpPr>
+          <p:cNvPr id="14" name="Oval 13">
+            <a:extLst>
+              <a:ext uri="{FF2B5EF4-FFF2-40B4-BE49-F238E27FC236}">
+                <a16:creationId xmlns:a16="http://schemas.microsoft.com/office/drawing/2014/main" id="{742EBDFF-C676-430B-8523-B7BFE7303855}"/>
+              </a:ext>
+            </a:extLst>
+          </p:cNvPr>
+          <p:cNvSpPr/>
+          <p:nvPr/>
+        </p:nvSpPr>
+        <p:spPr>
+          <a:xfrm>
+            <a:off x="6044117" y="1627855"/>
+            <a:ext cx="223520" cy="182880"/>
+          </a:xfrm>
+          <a:prstGeom prst="ellipse">
+            <a:avLst/>
+          </a:prstGeom>
+          <a:solidFill>
+            <a:schemeClr val="accent1">
+              <a:alpha val="56000"/>
+            </a:schemeClr>
+          </a:solidFill>
+        </p:spPr>
+        <p:style>
+          <a:lnRef idx="2">
+            <a:schemeClr val="accent1">
+              <a:shade val="50000"/>
+            </a:schemeClr>
+          </a:lnRef>
+          <a:fillRef idx="1">
+            <a:schemeClr val="accent1"/>
+          </a:fillRef>
+          <a:effectRef idx="0">
+            <a:schemeClr val="accent1"/>
+          </a:effectRef>
+          <a:fontRef idx="minor">
+            <a:schemeClr val="lt1"/>
+          </a:fontRef>
+        </p:style>
+        <p:txBody>
+          <a:bodyPr rtlCol="0" anchor="ctr"/>
+          <a:lstStyle/>
+          <a:p>
+            <a:pPr algn="ctr"/>
+            <a:endParaRPr lang="en-US" dirty="0"/>
+          </a:p>
+        </p:txBody>
+      </p:sp>
+      <p:sp>
+        <p:nvSpPr>
+          <p:cNvPr id="15" name="Oval 14">
+            <a:extLst>
+              <a:ext uri="{FF2B5EF4-FFF2-40B4-BE49-F238E27FC236}">
+                <a16:creationId xmlns:a16="http://schemas.microsoft.com/office/drawing/2014/main" id="{D0F5CAC2-B87D-405B-8247-D479E1AFB9AF}"/>
+              </a:ext>
+            </a:extLst>
+          </p:cNvPr>
+          <p:cNvSpPr/>
+          <p:nvPr/>
+        </p:nvSpPr>
+        <p:spPr>
+          <a:xfrm>
+            <a:off x="9178081" y="1648175"/>
+            <a:ext cx="223520" cy="182880"/>
+          </a:xfrm>
+          <a:prstGeom prst="ellipse">
+            <a:avLst/>
+          </a:prstGeom>
+          <a:solidFill>
+            <a:schemeClr val="accent1">
+              <a:alpha val="56000"/>
+            </a:schemeClr>
+          </a:solidFill>
+        </p:spPr>
+        <p:style>
+          <a:lnRef idx="2">
+            <a:schemeClr val="accent1">
+              <a:shade val="50000"/>
+            </a:schemeClr>
+          </a:lnRef>
+          <a:fillRef idx="1">
+            <a:schemeClr val="accent1"/>
+          </a:fillRef>
+          <a:effectRef idx="0">
+            <a:schemeClr val="accent1"/>
+          </a:effectRef>
+          <a:fontRef idx="minor">
+            <a:schemeClr val="lt1"/>
+          </a:fontRef>
+        </p:style>
+        <p:txBody>
+          <a:bodyPr rtlCol="0" anchor="ctr"/>
+          <a:lstStyle/>
+          <a:p>
+            <a:pPr algn="ctr"/>
+            <a:endParaRPr lang="en-US" dirty="0"/>
+          </a:p>
+        </p:txBody>
+      </p:sp>
+      <p:sp>
+        <p:nvSpPr>
+          <p:cNvPr id="16" name="Oval 15">
+            <a:extLst>
+              <a:ext uri="{FF2B5EF4-FFF2-40B4-BE49-F238E27FC236}">
+                <a16:creationId xmlns:a16="http://schemas.microsoft.com/office/drawing/2014/main" id="{4EFF935B-7100-498B-8A88-6A77AEEEDFE2}"/>
+              </a:ext>
+            </a:extLst>
+          </p:cNvPr>
+          <p:cNvSpPr/>
+          <p:nvPr/>
+        </p:nvSpPr>
+        <p:spPr>
+          <a:xfrm>
+            <a:off x="6058270" y="2651077"/>
+            <a:ext cx="301889" cy="182880"/>
+          </a:xfrm>
+          <a:prstGeom prst="ellipse">
+            <a:avLst/>
+          </a:prstGeom>
+          <a:solidFill>
+            <a:schemeClr val="accent1">
+              <a:alpha val="56000"/>
+            </a:schemeClr>
+          </a:solidFill>
+        </p:spPr>
+        <p:style>
+          <a:lnRef idx="2">
+            <a:schemeClr val="accent1">
+              <a:shade val="50000"/>
+            </a:schemeClr>
+          </a:lnRef>
+          <a:fillRef idx="1">
+            <a:schemeClr val="accent1"/>
+          </a:fillRef>
+          <a:effectRef idx="0">
+            <a:schemeClr val="accent1"/>
+          </a:effectRef>
+          <a:fontRef idx="minor">
+            <a:schemeClr val="lt1"/>
+          </a:fontRef>
+        </p:style>
+        <p:txBody>
+          <a:bodyPr rtlCol="0" anchor="ctr"/>
+          <a:lstStyle/>
+          <a:p>
+            <a:pPr algn="ctr"/>
+            <a:endParaRPr lang="en-US" dirty="0"/>
+          </a:p>
+        </p:txBody>
+      </p:sp>
+      <p:sp>
+        <p:nvSpPr>
+          <p:cNvPr id="17" name="Oval 16">
+            <a:extLst>
+              <a:ext uri="{FF2B5EF4-FFF2-40B4-BE49-F238E27FC236}">
+                <a16:creationId xmlns:a16="http://schemas.microsoft.com/office/drawing/2014/main" id="{4F8C8201-DCC0-4A3A-8108-17BB202CB6C7}"/>
+              </a:ext>
+            </a:extLst>
+          </p:cNvPr>
+          <p:cNvSpPr/>
+          <p:nvPr/>
+        </p:nvSpPr>
+        <p:spPr>
+          <a:xfrm>
+            <a:off x="6167491" y="3722653"/>
+            <a:ext cx="223520" cy="182880"/>
+          </a:xfrm>
+          <a:prstGeom prst="ellipse">
+            <a:avLst/>
+          </a:prstGeom>
+          <a:solidFill>
+            <a:schemeClr val="accent1">
+              <a:alpha val="56000"/>
+            </a:schemeClr>
+          </a:solidFill>
+        </p:spPr>
+        <p:style>
+          <a:lnRef idx="2">
+            <a:schemeClr val="accent1">
+              <a:shade val="50000"/>
+            </a:schemeClr>
+          </a:lnRef>
+          <a:fillRef idx="1">
+            <a:schemeClr val="accent1"/>
+          </a:fillRef>
+          <a:effectRef idx="0">
+            <a:schemeClr val="accent1"/>
+          </a:effectRef>
+          <a:fontRef idx="minor">
+            <a:schemeClr val="lt1"/>
+          </a:fontRef>
+        </p:style>
+        <p:txBody>
+          <a:bodyPr rtlCol="0" anchor="ctr"/>
+          <a:lstStyle/>
+          <a:p>
+            <a:pPr algn="ctr"/>
+            <a:endParaRPr lang="en-US" dirty="0"/>
+          </a:p>
+        </p:txBody>
+      </p:sp>
+      <p:sp>
+        <p:nvSpPr>
+          <p:cNvPr id="18" name="Oval 17">
+            <a:extLst>
+              <a:ext uri="{FF2B5EF4-FFF2-40B4-BE49-F238E27FC236}">
+                <a16:creationId xmlns:a16="http://schemas.microsoft.com/office/drawing/2014/main" id="{597C8FD6-7DFD-47B1-80F7-2268FBB0678E}"/>
+              </a:ext>
+            </a:extLst>
+          </p:cNvPr>
+          <p:cNvSpPr/>
+          <p:nvPr/>
+        </p:nvSpPr>
+        <p:spPr>
+          <a:xfrm>
+            <a:off x="9264369" y="3776321"/>
+            <a:ext cx="223520" cy="182880"/>
+          </a:xfrm>
+          <a:prstGeom prst="ellipse">
+            <a:avLst/>
+          </a:prstGeom>
+          <a:solidFill>
+            <a:schemeClr val="accent1">
+              <a:alpha val="56000"/>
+            </a:schemeClr>
+          </a:solidFill>
+        </p:spPr>
+        <p:style>
+          <a:lnRef idx="2">
+            <a:schemeClr val="accent1">
+              <a:shade val="50000"/>
+            </a:schemeClr>
+          </a:lnRef>
+          <a:fillRef idx="1">
+            <a:schemeClr val="accent1"/>
+          </a:fillRef>
+          <a:effectRef idx="0">
+            <a:schemeClr val="accent1"/>
+          </a:effectRef>
+          <a:fontRef idx="minor">
+            <a:schemeClr val="lt1"/>
+          </a:fontRef>
+        </p:style>
+        <p:txBody>
+          <a:bodyPr rtlCol="0" anchor="ctr"/>
+          <a:lstStyle/>
+          <a:p>
+            <a:pPr algn="ctr"/>
+            <a:endParaRPr lang="en-US" dirty="0"/>
+          </a:p>
+        </p:txBody>
+      </p:sp>
+      <p:sp>
+        <p:nvSpPr>
+          <p:cNvPr id="19" name="Oval 18">
+            <a:extLst>
+              <a:ext uri="{FF2B5EF4-FFF2-40B4-BE49-F238E27FC236}">
+                <a16:creationId xmlns:a16="http://schemas.microsoft.com/office/drawing/2014/main" id="{AAEC497B-93A8-46C3-A7FB-5377A959F62A}"/>
+              </a:ext>
+            </a:extLst>
+          </p:cNvPr>
+          <p:cNvSpPr/>
+          <p:nvPr/>
+        </p:nvSpPr>
+        <p:spPr>
+          <a:xfrm>
+            <a:off x="9144129" y="3371607"/>
+            <a:ext cx="345212" cy="248455"/>
+          </a:xfrm>
+          <a:prstGeom prst="ellipse">
+            <a:avLst/>
+          </a:prstGeom>
+          <a:solidFill>
+            <a:schemeClr val="accent1">
+              <a:alpha val="56000"/>
+            </a:schemeClr>
+          </a:solidFill>
+        </p:spPr>
+        <p:style>
+          <a:lnRef idx="2">
+            <a:schemeClr val="accent1">
+              <a:shade val="50000"/>
+            </a:schemeClr>
+          </a:lnRef>
+          <a:fillRef idx="1">
+            <a:schemeClr val="accent1"/>
+          </a:fillRef>
+          <a:effectRef idx="0">
+            <a:schemeClr val="accent1"/>
+          </a:effectRef>
+          <a:fontRef idx="minor">
+            <a:schemeClr val="lt1"/>
+          </a:fontRef>
+        </p:style>
+        <p:txBody>
+          <a:bodyPr rtlCol="0" anchor="ctr"/>
+          <a:lstStyle/>
+          <a:p>
+            <a:pPr algn="ctr"/>
+            <a:endParaRPr lang="en-US" dirty="0"/>
+          </a:p>
+        </p:txBody>
+      </p:sp>
+      <p:sp>
+        <p:nvSpPr>
+          <p:cNvPr id="20" name="Oval 19">
+            <a:extLst>
+              <a:ext uri="{FF2B5EF4-FFF2-40B4-BE49-F238E27FC236}">
+                <a16:creationId xmlns:a16="http://schemas.microsoft.com/office/drawing/2014/main" id="{B07222FB-0C82-47AA-9CE5-00D10127226E}"/>
+              </a:ext>
+            </a:extLst>
+          </p:cNvPr>
+          <p:cNvSpPr/>
+          <p:nvPr/>
+        </p:nvSpPr>
+        <p:spPr>
+          <a:xfrm>
+            <a:off x="6023797" y="854353"/>
+            <a:ext cx="223520" cy="182880"/>
+          </a:xfrm>
+          <a:prstGeom prst="ellipse">
+            <a:avLst/>
+          </a:prstGeom>
+          <a:solidFill>
+            <a:srgbClr val="5DAAB0">
+              <a:alpha val="56000"/>
+            </a:srgbClr>
+          </a:solidFill>
+          <a:ln>
+            <a:solidFill>
+              <a:schemeClr val="bg2">
+                <a:lumMod val="75000"/>
+              </a:schemeClr>
+            </a:solidFill>
+          </a:ln>
+        </p:spPr>
+        <p:style>
+          <a:lnRef idx="2">
+            <a:schemeClr val="accent1">
+              <a:shade val="50000"/>
+            </a:schemeClr>
+          </a:lnRef>
+          <a:fillRef idx="1">
+            <a:schemeClr val="accent1"/>
+          </a:fillRef>
+          <a:effectRef idx="0">
+            <a:schemeClr val="accent1"/>
+          </a:effectRef>
+          <a:fontRef idx="minor">
+            <a:schemeClr val="lt1"/>
+          </a:fontRef>
+        </p:style>
+        <p:txBody>
+          <a:bodyPr rtlCol="0" anchor="ctr"/>
+          <a:lstStyle/>
+          <a:p>
+            <a:pPr algn="ctr"/>
+            <a:endParaRPr lang="en-US" dirty="0"/>
+          </a:p>
+        </p:txBody>
+      </p:sp>
+      <p:sp>
+        <p:nvSpPr>
+          <p:cNvPr id="23" name="Oval 22">
+            <a:extLst>
+              <a:ext uri="{FF2B5EF4-FFF2-40B4-BE49-F238E27FC236}">
+                <a16:creationId xmlns:a16="http://schemas.microsoft.com/office/drawing/2014/main" id="{A52EDB89-E2F6-447F-92F6-DA372ABDB548}"/>
+              </a:ext>
+            </a:extLst>
+          </p:cNvPr>
+          <p:cNvSpPr/>
+          <p:nvPr/>
+        </p:nvSpPr>
+        <p:spPr>
+          <a:xfrm>
+            <a:off x="5945055" y="477527"/>
+            <a:ext cx="301889" cy="182880"/>
+          </a:xfrm>
+          <a:prstGeom prst="ellipse">
+            <a:avLst/>
+          </a:prstGeom>
+          <a:solidFill>
+            <a:schemeClr val="bg2">
+              <a:lumMod val="50000"/>
+              <a:alpha val="56000"/>
+            </a:schemeClr>
+          </a:solidFill>
+        </p:spPr>
+        <p:style>
+          <a:lnRef idx="2">
+            <a:schemeClr val="accent1">
+              <a:shade val="50000"/>
+            </a:schemeClr>
+          </a:lnRef>
+          <a:fillRef idx="1">
+            <a:schemeClr val="accent1"/>
+          </a:fillRef>
+          <a:effectRef idx="0">
+            <a:schemeClr val="accent1"/>
+          </a:effectRef>
+          <a:fontRef idx="minor">
+            <a:schemeClr val="lt1"/>
+          </a:fontRef>
+        </p:style>
+        <p:txBody>
+          <a:bodyPr rtlCol="0" anchor="ctr"/>
+          <a:lstStyle/>
+          <a:p>
+            <a:pPr algn="ctr"/>
+            <a:endParaRPr lang="en-US" dirty="0"/>
+          </a:p>
+        </p:txBody>
+      </p:sp>
+      <p:sp>
+        <p:nvSpPr>
+          <p:cNvPr id="24" name="Oval 23">
+            <a:extLst>
+              <a:ext uri="{FF2B5EF4-FFF2-40B4-BE49-F238E27FC236}">
+                <a16:creationId xmlns:a16="http://schemas.microsoft.com/office/drawing/2014/main" id="{C45F4D67-6C96-4867-AFD5-26944894B643}"/>
+              </a:ext>
+            </a:extLst>
+          </p:cNvPr>
+          <p:cNvSpPr/>
+          <p:nvPr/>
+        </p:nvSpPr>
+        <p:spPr>
+          <a:xfrm>
+            <a:off x="9216569" y="501708"/>
+            <a:ext cx="223520" cy="182880"/>
+          </a:xfrm>
+          <a:prstGeom prst="ellipse">
+            <a:avLst/>
+          </a:prstGeom>
+          <a:solidFill>
+            <a:srgbClr val="5DAAB0">
+              <a:alpha val="56000"/>
+            </a:srgbClr>
+          </a:solidFill>
+          <a:ln>
+            <a:solidFill>
+              <a:schemeClr val="bg2">
+                <a:lumMod val="75000"/>
+              </a:schemeClr>
+            </a:solidFill>
+          </a:ln>
+        </p:spPr>
+        <p:style>
+          <a:lnRef idx="2">
+            <a:schemeClr val="accent1">
+              <a:shade val="50000"/>
+            </a:schemeClr>
+          </a:lnRef>
+          <a:fillRef idx="1">
+            <a:schemeClr val="accent1"/>
+          </a:fillRef>
+          <a:effectRef idx="0">
+            <a:schemeClr val="accent1"/>
+          </a:effectRef>
+          <a:fontRef idx="minor">
+            <a:schemeClr val="lt1"/>
+          </a:fontRef>
+        </p:style>
+        <p:txBody>
+          <a:bodyPr rtlCol="0" anchor="ctr"/>
+          <a:lstStyle/>
+          <a:p>
+            <a:pPr algn="ctr"/>
+            <a:endParaRPr lang="en-US" dirty="0"/>
+          </a:p>
+        </p:txBody>
+      </p:sp>
+      <p:sp>
+        <p:nvSpPr>
+          <p:cNvPr id="25" name="Oval 24">
+            <a:extLst>
+              <a:ext uri="{FF2B5EF4-FFF2-40B4-BE49-F238E27FC236}">
+                <a16:creationId xmlns:a16="http://schemas.microsoft.com/office/drawing/2014/main" id="{21420A43-6037-4CD7-B2FB-FE441149BA3F}"/>
+              </a:ext>
+            </a:extLst>
+          </p:cNvPr>
+          <p:cNvSpPr/>
+          <p:nvPr/>
+        </p:nvSpPr>
+        <p:spPr>
+          <a:xfrm>
+            <a:off x="9289841" y="3034738"/>
+            <a:ext cx="223520" cy="182880"/>
+          </a:xfrm>
+          <a:prstGeom prst="ellipse">
+            <a:avLst/>
+          </a:prstGeom>
+          <a:solidFill>
+            <a:srgbClr val="5DAAB0">
+              <a:alpha val="56000"/>
+            </a:srgbClr>
+          </a:solidFill>
+          <a:ln>
+            <a:solidFill>
+              <a:schemeClr val="bg2">
+                <a:lumMod val="75000"/>
+              </a:schemeClr>
+            </a:solidFill>
+          </a:ln>
+        </p:spPr>
+        <p:style>
+          <a:lnRef idx="2">
+            <a:schemeClr val="accent1">
+              <a:shade val="50000"/>
+            </a:schemeClr>
+          </a:lnRef>
+          <a:fillRef idx="1">
+            <a:schemeClr val="accent1"/>
+          </a:fillRef>
+          <a:effectRef idx="0">
+            <a:schemeClr val="accent1"/>
+          </a:effectRef>
+          <a:fontRef idx="minor">
+            <a:schemeClr val="lt1"/>
+          </a:fontRef>
+        </p:style>
+        <p:txBody>
+          <a:bodyPr rtlCol="0" anchor="ctr"/>
+          <a:lstStyle/>
+          <a:p>
+            <a:pPr algn="ctr"/>
+            <a:endParaRPr lang="en-US" dirty="0"/>
+          </a:p>
+        </p:txBody>
+      </p:sp>
+      <p:sp>
+        <p:nvSpPr>
+          <p:cNvPr id="26" name="Oval 25">
+            <a:extLst>
+              <a:ext uri="{FF2B5EF4-FFF2-40B4-BE49-F238E27FC236}">
+                <a16:creationId xmlns:a16="http://schemas.microsoft.com/office/drawing/2014/main" id="{89947F25-C92D-4272-ADA6-1C59CF5C7750}"/>
+              </a:ext>
+            </a:extLst>
+          </p:cNvPr>
+          <p:cNvSpPr/>
+          <p:nvPr/>
+        </p:nvSpPr>
+        <p:spPr>
+          <a:xfrm>
+            <a:off x="6087295" y="3402975"/>
+            <a:ext cx="301889" cy="182880"/>
+          </a:xfrm>
+          <a:prstGeom prst="ellipse">
+            <a:avLst/>
+          </a:prstGeom>
+          <a:solidFill>
+            <a:schemeClr val="bg2">
+              <a:lumMod val="50000"/>
+              <a:alpha val="56000"/>
+            </a:schemeClr>
+          </a:solidFill>
+        </p:spPr>
+        <p:style>
+          <a:lnRef idx="2">
+            <a:schemeClr val="accent1">
+              <a:shade val="50000"/>
+            </a:schemeClr>
+          </a:lnRef>
+          <a:fillRef idx="1">
+            <a:schemeClr val="accent1"/>
+          </a:fillRef>
+          <a:effectRef idx="0">
+            <a:schemeClr val="accent1"/>
+          </a:effectRef>
+          <a:fontRef idx="minor">
+            <a:schemeClr val="lt1"/>
+          </a:fontRef>
+        </p:style>
+        <p:txBody>
+          <a:bodyPr rtlCol="0" anchor="ctr"/>
+          <a:lstStyle/>
+          <a:p>
+            <a:pPr algn="ctr"/>
+            <a:endParaRPr lang="en-US" dirty="0"/>
+          </a:p>
+        </p:txBody>
+      </p:sp>
+      <p:sp>
+        <p:nvSpPr>
+          <p:cNvPr id="27" name="Oval 26">
+            <a:extLst>
+              <a:ext uri="{FF2B5EF4-FFF2-40B4-BE49-F238E27FC236}">
+                <a16:creationId xmlns:a16="http://schemas.microsoft.com/office/drawing/2014/main" id="{3B8C69D6-B140-442C-89FC-B3E732E94D0A}"/>
+              </a:ext>
+            </a:extLst>
+          </p:cNvPr>
+          <p:cNvSpPr/>
+          <p:nvPr/>
+        </p:nvSpPr>
+        <p:spPr>
+          <a:xfrm>
+            <a:off x="9328329" y="6042729"/>
+            <a:ext cx="295732" cy="159247"/>
+          </a:xfrm>
+          <a:prstGeom prst="ellipse">
+            <a:avLst/>
+          </a:prstGeom>
+          <a:solidFill>
+            <a:schemeClr val="bg2">
+              <a:lumMod val="50000"/>
+              <a:alpha val="56000"/>
+            </a:schemeClr>
+          </a:solidFill>
+        </p:spPr>
+        <p:style>
+          <a:lnRef idx="2">
+            <a:schemeClr val="accent1">
+              <a:shade val="50000"/>
+            </a:schemeClr>
+          </a:lnRef>
+          <a:fillRef idx="1">
+            <a:schemeClr val="accent1"/>
+          </a:fillRef>
+          <a:effectRef idx="0">
+            <a:schemeClr val="accent1"/>
+          </a:effectRef>
+          <a:fontRef idx="minor">
+            <a:schemeClr val="lt1"/>
+          </a:fontRef>
+        </p:style>
+        <p:txBody>
+          <a:bodyPr rtlCol="0" anchor="ctr"/>
+          <a:lstStyle/>
+          <a:p>
+            <a:pPr algn="ctr"/>
+            <a:endParaRPr lang="en-US" dirty="0"/>
+          </a:p>
+        </p:txBody>
+      </p:sp>
+      <p:sp>
+        <p:nvSpPr>
+          <p:cNvPr id="28" name="Oval 27">
+            <a:extLst>
+              <a:ext uri="{FF2B5EF4-FFF2-40B4-BE49-F238E27FC236}">
+                <a16:creationId xmlns:a16="http://schemas.microsoft.com/office/drawing/2014/main" id="{B52AAC05-EBA9-4C4D-96E6-236582D2B69E}"/>
+              </a:ext>
+            </a:extLst>
+          </p:cNvPr>
+          <p:cNvSpPr/>
+          <p:nvPr/>
+        </p:nvSpPr>
+        <p:spPr>
+          <a:xfrm>
+            <a:off x="9174573" y="1267768"/>
+            <a:ext cx="223520" cy="182880"/>
+          </a:xfrm>
+          <a:prstGeom prst="ellipse">
+            <a:avLst/>
+          </a:prstGeom>
+          <a:solidFill>
+            <a:schemeClr val="accent2">
+              <a:lumMod val="50000"/>
+              <a:lumOff val="50000"/>
+              <a:alpha val="56000"/>
+            </a:schemeClr>
+          </a:solidFill>
+          <a:ln>
+            <a:solidFill>
+              <a:schemeClr val="bg2">
+                <a:lumMod val="75000"/>
+              </a:schemeClr>
+            </a:solidFill>
+          </a:ln>
+        </p:spPr>
+        <p:style>
+          <a:lnRef idx="2">
+            <a:schemeClr val="accent1">
+              <a:shade val="50000"/>
+            </a:schemeClr>
+          </a:lnRef>
+          <a:fillRef idx="1">
+            <a:schemeClr val="accent1"/>
+          </a:fillRef>
+          <a:effectRef idx="0">
+            <a:schemeClr val="accent1"/>
+          </a:effectRef>
+          <a:fontRef idx="minor">
+            <a:schemeClr val="lt1"/>
+          </a:fontRef>
+        </p:style>
+        <p:txBody>
+          <a:bodyPr rtlCol="0" anchor="ctr"/>
+          <a:lstStyle/>
+          <a:p>
+            <a:pPr algn="ctr"/>
+            <a:endParaRPr lang="en-US" dirty="0"/>
+          </a:p>
+        </p:txBody>
+      </p:sp>
+      <p:sp>
+        <p:nvSpPr>
+          <p:cNvPr id="29" name="Oval 28">
+            <a:extLst>
+              <a:ext uri="{FF2B5EF4-FFF2-40B4-BE49-F238E27FC236}">
+                <a16:creationId xmlns:a16="http://schemas.microsoft.com/office/drawing/2014/main" id="{D6A1DF66-BAB2-4074-853C-81AC8F5CFD47}"/>
+              </a:ext>
+            </a:extLst>
+          </p:cNvPr>
+          <p:cNvSpPr/>
+          <p:nvPr/>
+        </p:nvSpPr>
+        <p:spPr>
+          <a:xfrm>
+            <a:off x="9286333" y="2705718"/>
+            <a:ext cx="223520" cy="182880"/>
+          </a:xfrm>
+          <a:prstGeom prst="ellipse">
+            <a:avLst/>
+          </a:prstGeom>
+          <a:solidFill>
+            <a:schemeClr val="accent2">
+              <a:lumMod val="50000"/>
+              <a:lumOff val="50000"/>
+              <a:alpha val="56000"/>
+            </a:schemeClr>
+          </a:solidFill>
+          <a:ln>
+            <a:solidFill>
+              <a:schemeClr val="bg2">
+                <a:lumMod val="75000"/>
+              </a:schemeClr>
+            </a:solidFill>
+          </a:ln>
+        </p:spPr>
+        <p:style>
+          <a:lnRef idx="2">
+            <a:schemeClr val="accent1">
+              <a:shade val="50000"/>
+            </a:schemeClr>
+          </a:lnRef>
+          <a:fillRef idx="1">
+            <a:schemeClr val="accent1"/>
+          </a:fillRef>
+          <a:effectRef idx="0">
+            <a:schemeClr val="accent1"/>
+          </a:effectRef>
+          <a:fontRef idx="minor">
+            <a:schemeClr val="lt1"/>
+          </a:fontRef>
+        </p:style>
+        <p:txBody>
+          <a:bodyPr rtlCol="0" anchor="ctr"/>
+          <a:lstStyle/>
+          <a:p>
+            <a:pPr algn="ctr"/>
+            <a:endParaRPr lang="en-US" dirty="0"/>
+          </a:p>
+        </p:txBody>
+      </p:sp>
+      <p:sp>
+        <p:nvSpPr>
+          <p:cNvPr id="30" name="Oval 29">
+            <a:extLst>
+              <a:ext uri="{FF2B5EF4-FFF2-40B4-BE49-F238E27FC236}">
+                <a16:creationId xmlns:a16="http://schemas.microsoft.com/office/drawing/2014/main" id="{AD3DAEFD-D1C5-413C-B1BC-ABD4E1B77F68}"/>
+              </a:ext>
+            </a:extLst>
+          </p:cNvPr>
+          <p:cNvSpPr/>
+          <p:nvPr/>
+        </p:nvSpPr>
+        <p:spPr>
+          <a:xfrm>
+            <a:off x="6180853" y="3001499"/>
+            <a:ext cx="223520" cy="182880"/>
+          </a:xfrm>
+          <a:prstGeom prst="ellipse">
+            <a:avLst/>
+          </a:prstGeom>
+          <a:solidFill>
+            <a:schemeClr val="accent2">
+              <a:lumMod val="50000"/>
+              <a:lumOff val="50000"/>
+              <a:alpha val="56000"/>
+            </a:schemeClr>
+          </a:solidFill>
+          <a:ln>
+            <a:solidFill>
+              <a:schemeClr val="bg2">
+                <a:lumMod val="75000"/>
+              </a:schemeClr>
+            </a:solidFill>
+          </a:ln>
+        </p:spPr>
+        <p:style>
+          <a:lnRef idx="2">
+            <a:schemeClr val="accent1">
+              <a:shade val="50000"/>
+            </a:schemeClr>
+          </a:lnRef>
+          <a:fillRef idx="1">
+            <a:schemeClr val="accent1"/>
+          </a:fillRef>
+          <a:effectRef idx="0">
+            <a:schemeClr val="accent1"/>
+          </a:effectRef>
+          <a:fontRef idx="minor">
+            <a:schemeClr val="lt1"/>
+          </a:fontRef>
+        </p:style>
+        <p:txBody>
+          <a:bodyPr rtlCol="0" anchor="ctr"/>
+          <a:lstStyle/>
+          <a:p>
+            <a:pPr algn="ctr"/>
+            <a:endParaRPr lang="en-US" dirty="0"/>
+          </a:p>
+        </p:txBody>
+      </p:sp>
+      <p:sp>
+        <p:nvSpPr>
+          <p:cNvPr id="31" name="Oval 30">
+            <a:extLst>
+              <a:ext uri="{FF2B5EF4-FFF2-40B4-BE49-F238E27FC236}">
+                <a16:creationId xmlns:a16="http://schemas.microsoft.com/office/drawing/2014/main" id="{0F565CF8-625C-4539-A1CA-4C55FAADFFAD}"/>
+              </a:ext>
+            </a:extLst>
+          </p:cNvPr>
+          <p:cNvSpPr/>
+          <p:nvPr/>
+        </p:nvSpPr>
+        <p:spPr>
+          <a:xfrm>
+            <a:off x="9178081" y="868374"/>
+            <a:ext cx="223520" cy="182880"/>
+          </a:xfrm>
+          <a:prstGeom prst="ellipse">
+            <a:avLst/>
+          </a:prstGeom>
+          <a:solidFill>
+            <a:schemeClr val="accent2">
+              <a:lumMod val="25000"/>
+              <a:lumOff val="75000"/>
+              <a:alpha val="56000"/>
+            </a:schemeClr>
+          </a:solidFill>
+          <a:ln>
+            <a:solidFill>
+              <a:schemeClr val="bg2">
+                <a:lumMod val="75000"/>
+              </a:schemeClr>
+            </a:solidFill>
+          </a:ln>
+        </p:spPr>
+        <p:style>
+          <a:lnRef idx="2">
+            <a:schemeClr val="accent1">
+              <a:shade val="50000"/>
+            </a:schemeClr>
+          </a:lnRef>
+          <a:fillRef idx="1">
+            <a:schemeClr val="accent1"/>
+          </a:fillRef>
+          <a:effectRef idx="0">
+            <a:schemeClr val="accent1"/>
+          </a:effectRef>
+          <a:fontRef idx="minor">
+            <a:schemeClr val="lt1"/>
+          </a:fontRef>
+        </p:style>
+        <p:txBody>
+          <a:bodyPr rtlCol="0" anchor="ctr"/>
+          <a:lstStyle/>
+          <a:p>
+            <a:pPr algn="ctr"/>
+            <a:endParaRPr lang="en-US" dirty="0"/>
+          </a:p>
+        </p:txBody>
+      </p:sp>
+      <p:sp>
+        <p:nvSpPr>
+          <p:cNvPr id="32" name="Oval 31">
+            <a:extLst>
+              <a:ext uri="{FF2B5EF4-FFF2-40B4-BE49-F238E27FC236}">
+                <a16:creationId xmlns:a16="http://schemas.microsoft.com/office/drawing/2014/main" id="{E9B9A5EF-27DA-434B-A6CC-067D0C137BEA}"/>
+              </a:ext>
+            </a:extLst>
+          </p:cNvPr>
+          <p:cNvSpPr/>
+          <p:nvPr/>
+        </p:nvSpPr>
+        <p:spPr>
+          <a:xfrm>
+            <a:off x="6014720" y="5814724"/>
+            <a:ext cx="223520" cy="182880"/>
+          </a:xfrm>
+          <a:prstGeom prst="ellipse">
+            <a:avLst/>
+          </a:prstGeom>
+          <a:solidFill>
+            <a:schemeClr val="accent2">
+              <a:lumMod val="25000"/>
+              <a:lumOff val="75000"/>
+              <a:alpha val="56000"/>
+            </a:schemeClr>
+          </a:solidFill>
+          <a:ln>
+            <a:solidFill>
+              <a:schemeClr val="bg2">
+                <a:lumMod val="75000"/>
+              </a:schemeClr>
+            </a:solidFill>
+          </a:ln>
+        </p:spPr>
+        <p:style>
+          <a:lnRef idx="2">
+            <a:schemeClr val="accent1">
+              <a:shade val="50000"/>
+            </a:schemeClr>
+          </a:lnRef>
+          <a:fillRef idx="1">
+            <a:schemeClr val="accent1"/>
+          </a:fillRef>
+          <a:effectRef idx="0">
+            <a:schemeClr val="accent1"/>
+          </a:effectRef>
+          <a:fontRef idx="minor">
+            <a:schemeClr val="lt1"/>
+          </a:fontRef>
+        </p:style>
+        <p:txBody>
+          <a:bodyPr rtlCol="0" anchor="ctr"/>
+          <a:lstStyle/>
+          <a:p>
+            <a:pPr algn="ctr"/>
+            <a:endParaRPr lang="en-US" dirty="0"/>
+          </a:p>
+        </p:txBody>
+      </p:sp>
+      <p:sp>
+        <p:nvSpPr>
+          <p:cNvPr id="33" name="Oval 32">
+            <a:extLst>
+              <a:ext uri="{FF2B5EF4-FFF2-40B4-BE49-F238E27FC236}">
+                <a16:creationId xmlns:a16="http://schemas.microsoft.com/office/drawing/2014/main" id="{6094DB27-D3BE-42A7-B80A-ABE1E9AC4217}"/>
+              </a:ext>
+            </a:extLst>
+          </p:cNvPr>
+          <p:cNvSpPr/>
+          <p:nvPr/>
+        </p:nvSpPr>
+        <p:spPr>
+          <a:xfrm>
+            <a:off x="1046245" y="3505611"/>
+            <a:ext cx="1156474" cy="1014967"/>
+          </a:xfrm>
+          <a:prstGeom prst="ellipse">
+            <a:avLst/>
+          </a:prstGeom>
+          <a:solidFill>
+            <a:schemeClr val="accent1">
+              <a:alpha val="56000"/>
+            </a:schemeClr>
+          </a:solidFill>
+        </p:spPr>
+        <p:style>
+          <a:lnRef idx="2">
+            <a:schemeClr val="accent1">
+              <a:shade val="50000"/>
+            </a:schemeClr>
+          </a:lnRef>
+          <a:fillRef idx="1">
+            <a:schemeClr val="accent1"/>
+          </a:fillRef>
+          <a:effectRef idx="0">
+            <a:schemeClr val="accent1"/>
+          </a:effectRef>
+          <a:fontRef idx="minor">
+            <a:schemeClr val="lt1"/>
+          </a:fontRef>
+        </p:style>
+        <p:txBody>
+          <a:bodyPr rtlCol="0" anchor="ctr"/>
+          <a:lstStyle/>
+          <a:p>
+            <a:pPr algn="ctr"/>
+            <a:endParaRPr lang="en-US" sz="800" b="1" dirty="0">
+              <a:latin typeface="Arial Narrow" panose="020B0606020202030204" pitchFamily="34" charset="0"/>
+            </a:endParaRPr>
+          </a:p>
+        </p:txBody>
+      </p:sp>
+      <p:sp>
+        <p:nvSpPr>
+          <p:cNvPr id="34" name="Oval 33">
+            <a:extLst>
+              <a:ext uri="{FF2B5EF4-FFF2-40B4-BE49-F238E27FC236}">
+                <a16:creationId xmlns:a16="http://schemas.microsoft.com/office/drawing/2014/main" id="{804A3018-6071-4161-A787-8B3AFFD35215}"/>
+              </a:ext>
+            </a:extLst>
+          </p:cNvPr>
+          <p:cNvSpPr/>
+          <p:nvPr/>
+        </p:nvSpPr>
+        <p:spPr>
+          <a:xfrm>
+            <a:off x="2416059" y="3500908"/>
+            <a:ext cx="1196600" cy="1014967"/>
+          </a:xfrm>
+          <a:prstGeom prst="ellipse">
+            <a:avLst/>
+          </a:prstGeom>
+          <a:solidFill>
+            <a:srgbClr val="5DAAB0">
+              <a:alpha val="56000"/>
+            </a:srgbClr>
+          </a:solidFill>
+          <a:ln>
+            <a:solidFill>
+              <a:schemeClr val="bg2">
+                <a:lumMod val="75000"/>
+              </a:schemeClr>
+            </a:solidFill>
+          </a:ln>
+        </p:spPr>
+        <p:style>
+          <a:lnRef idx="2">
+            <a:schemeClr val="accent1">
+              <a:shade val="50000"/>
+            </a:schemeClr>
+          </a:lnRef>
+          <a:fillRef idx="1">
+            <a:schemeClr val="accent1"/>
+          </a:fillRef>
+          <a:effectRef idx="0">
+            <a:schemeClr val="accent1"/>
+          </a:effectRef>
+          <a:fontRef idx="minor">
+            <a:schemeClr val="lt1"/>
+          </a:fontRef>
+        </p:style>
+        <p:txBody>
+          <a:bodyPr rtlCol="0" anchor="ctr"/>
+          <a:lstStyle/>
+          <a:p>
+            <a:pPr algn="ctr"/>
+            <a:endParaRPr lang="en-US" dirty="0"/>
+          </a:p>
+        </p:txBody>
+      </p:sp>
+      <p:sp>
+        <p:nvSpPr>
+          <p:cNvPr id="35" name="Oval 34">
+            <a:extLst>
+              <a:ext uri="{FF2B5EF4-FFF2-40B4-BE49-F238E27FC236}">
+                <a16:creationId xmlns:a16="http://schemas.microsoft.com/office/drawing/2014/main" id="{3E4A0D4D-BA4A-4D21-A607-7E802CFA0E53}"/>
+              </a:ext>
+            </a:extLst>
+          </p:cNvPr>
+          <p:cNvSpPr/>
+          <p:nvPr/>
+        </p:nvSpPr>
+        <p:spPr>
+          <a:xfrm>
+            <a:off x="3747462" y="3511069"/>
+            <a:ext cx="1204229" cy="979923"/>
+          </a:xfrm>
+          <a:prstGeom prst="ellipse">
+            <a:avLst/>
+          </a:prstGeom>
+          <a:solidFill>
+            <a:schemeClr val="accent2">
+              <a:lumMod val="50000"/>
+              <a:lumOff val="50000"/>
+              <a:alpha val="56000"/>
+            </a:schemeClr>
+          </a:solidFill>
+          <a:ln>
+            <a:solidFill>
+              <a:schemeClr val="bg2">
+                <a:lumMod val="75000"/>
+              </a:schemeClr>
+            </a:solidFill>
+          </a:ln>
+        </p:spPr>
+        <p:style>
+          <a:lnRef idx="2">
+            <a:schemeClr val="accent1">
+              <a:shade val="50000"/>
+            </a:schemeClr>
+          </a:lnRef>
+          <a:fillRef idx="1">
+            <a:schemeClr val="accent1"/>
+          </a:fillRef>
+          <a:effectRef idx="0">
+            <a:schemeClr val="accent1"/>
+          </a:effectRef>
+          <a:fontRef idx="minor">
+            <a:schemeClr val="lt1"/>
+          </a:fontRef>
+        </p:style>
+        <p:txBody>
+          <a:bodyPr rtlCol="0" anchor="ctr"/>
+          <a:lstStyle/>
+          <a:p>
+            <a:pPr algn="ctr"/>
+            <a:endParaRPr lang="en-US" dirty="0"/>
+          </a:p>
+        </p:txBody>
+      </p:sp>
+      <p:sp>
+        <p:nvSpPr>
+          <p:cNvPr id="36" name="TextBox 35">
+            <a:extLst>
+              <a:ext uri="{FF2B5EF4-FFF2-40B4-BE49-F238E27FC236}">
+                <a16:creationId xmlns:a16="http://schemas.microsoft.com/office/drawing/2014/main" id="{58593F53-BF21-4A8C-B002-DA49267059C5}"/>
+              </a:ext>
+            </a:extLst>
+          </p:cNvPr>
+          <p:cNvSpPr txBox="1"/>
+          <p:nvPr/>
+        </p:nvSpPr>
+        <p:spPr>
+          <a:xfrm>
+            <a:off x="1238302" y="3722653"/>
+            <a:ext cx="797789" cy="584775"/>
+          </a:xfrm>
+          <a:prstGeom prst="rect">
+            <a:avLst/>
+          </a:prstGeom>
+          <a:noFill/>
+        </p:spPr>
+        <p:txBody>
+          <a:bodyPr wrap="square" rtlCol="0">
+            <a:spAutoFit/>
+          </a:bodyPr>
+          <a:lstStyle/>
+          <a:p>
+            <a:r>
+              <a:rPr lang="en-US" sz="3200" b="1" dirty="0"/>
+              <a:t>4/4</a:t>
+            </a:r>
+          </a:p>
+        </p:txBody>
+      </p:sp>
+      <p:sp>
+        <p:nvSpPr>
+          <p:cNvPr id="37" name="TextBox 36">
+            <a:extLst>
+              <a:ext uri="{FF2B5EF4-FFF2-40B4-BE49-F238E27FC236}">
+                <a16:creationId xmlns:a16="http://schemas.microsoft.com/office/drawing/2014/main" id="{1512EE73-0640-4A30-B781-9E719D3655ED}"/>
+              </a:ext>
+            </a:extLst>
+          </p:cNvPr>
+          <p:cNvSpPr txBox="1"/>
+          <p:nvPr/>
+        </p:nvSpPr>
+        <p:spPr>
+          <a:xfrm>
+            <a:off x="2626455" y="3687327"/>
+            <a:ext cx="770826" cy="584775"/>
+          </a:xfrm>
+          <a:prstGeom prst="rect">
+            <a:avLst/>
+          </a:prstGeom>
+          <a:noFill/>
+        </p:spPr>
+        <p:txBody>
+          <a:bodyPr wrap="square" rtlCol="0">
+            <a:spAutoFit/>
+          </a:bodyPr>
+          <a:lstStyle/>
+          <a:p>
+            <a:r>
+              <a:rPr lang="en-US" sz="3200" b="1" dirty="0"/>
+              <a:t>3/4</a:t>
+            </a:r>
+          </a:p>
+        </p:txBody>
+      </p:sp>
+      <p:sp>
+        <p:nvSpPr>
+          <p:cNvPr id="38" name="TextBox 37">
+            <a:extLst>
+              <a:ext uri="{FF2B5EF4-FFF2-40B4-BE49-F238E27FC236}">
+                <a16:creationId xmlns:a16="http://schemas.microsoft.com/office/drawing/2014/main" id="{E54FBF1B-C3A3-42A0-B20C-28F872BCCFB8}"/>
+              </a:ext>
+            </a:extLst>
+          </p:cNvPr>
+          <p:cNvSpPr txBox="1"/>
+          <p:nvPr/>
+        </p:nvSpPr>
+        <p:spPr>
+          <a:xfrm>
+            <a:off x="3981114" y="3661540"/>
+            <a:ext cx="847854" cy="584775"/>
+          </a:xfrm>
+          <a:prstGeom prst="rect">
+            <a:avLst/>
+          </a:prstGeom>
+          <a:noFill/>
+        </p:spPr>
+        <p:txBody>
+          <a:bodyPr wrap="square" rtlCol="0">
+            <a:spAutoFit/>
+          </a:bodyPr>
+          <a:lstStyle/>
+          <a:p>
+            <a:r>
+              <a:rPr lang="en-US" sz="3200" b="1" dirty="0"/>
+              <a:t>3/4</a:t>
+            </a:r>
+          </a:p>
+        </p:txBody>
+      </p:sp>
+      <p:sp>
+        <p:nvSpPr>
+          <p:cNvPr id="7" name="Rectangle 6">
+            <a:extLst>
+              <a:ext uri="{FF2B5EF4-FFF2-40B4-BE49-F238E27FC236}">
+                <a16:creationId xmlns:a16="http://schemas.microsoft.com/office/drawing/2014/main" id="{DBA17FC9-0666-475E-944A-BF1423CF726F}"/>
+              </a:ext>
+            </a:extLst>
+          </p:cNvPr>
+          <p:cNvSpPr/>
+          <p:nvPr/>
+        </p:nvSpPr>
+        <p:spPr>
+          <a:xfrm>
+            <a:off x="0" y="0"/>
+            <a:ext cx="5677744" cy="944880"/>
+          </a:xfrm>
+          <a:prstGeom prst="rect">
+            <a:avLst/>
+          </a:prstGeom>
+          <a:solidFill>
+            <a:schemeClr val="accent2"/>
+          </a:solidFill>
+        </p:spPr>
+        <p:style>
+          <a:lnRef idx="2">
+            <a:schemeClr val="accent1">
+              <a:shade val="50000"/>
+            </a:schemeClr>
+          </a:lnRef>
+          <a:fillRef idx="1">
+            <a:schemeClr val="accent1"/>
+          </a:fillRef>
+          <a:effectRef idx="0">
+            <a:schemeClr val="accent1"/>
+          </a:effectRef>
+          <a:fontRef idx="minor">
+            <a:schemeClr val="lt1"/>
+          </a:fontRef>
+        </p:style>
+        <p:txBody>
+          <a:bodyPr rtlCol="0" anchor="ctr"/>
+          <a:lstStyle/>
+          <a:p>
+            <a:pPr algn="ctr"/>
+            <a:endParaRPr lang="en-US"/>
+          </a:p>
+        </p:txBody>
+      </p:sp>
+      <p:sp>
+        <p:nvSpPr>
+          <p:cNvPr id="21" name="TextBox 20">
+            <a:extLst>
+              <a:ext uri="{FF2B5EF4-FFF2-40B4-BE49-F238E27FC236}">
+                <a16:creationId xmlns:a16="http://schemas.microsoft.com/office/drawing/2014/main" id="{73298BC6-E616-46AC-8218-E78C5A374250}"/>
+              </a:ext>
+            </a:extLst>
+          </p:cNvPr>
+          <p:cNvSpPr txBox="1"/>
+          <p:nvPr/>
+        </p:nvSpPr>
+        <p:spPr>
+          <a:xfrm>
+            <a:off x="75625" y="-66932"/>
+            <a:ext cx="3830320" cy="923330"/>
+          </a:xfrm>
+          <a:prstGeom prst="rect">
+            <a:avLst/>
+          </a:prstGeom>
+          <a:noFill/>
+        </p:spPr>
+        <p:txBody>
+          <a:bodyPr wrap="square" rtlCol="0">
+            <a:spAutoFit/>
+          </a:bodyPr>
+          <a:lstStyle/>
+          <a:p>
+            <a:r>
+              <a:rPr lang="en-US" sz="5400" b="1" dirty="0">
+                <a:solidFill>
+                  <a:schemeClr val="bg1"/>
+                </a:solidFill>
+              </a:rPr>
+              <a:t>Findings:</a:t>
+            </a:r>
+          </a:p>
+        </p:txBody>
+      </p:sp>
+    </p:spTree>
+    <p:extLst>
+      <p:ext uri="{BB962C8B-B14F-4D97-AF65-F5344CB8AC3E}">
+        <p14:creationId xmlns:p14="http://schemas.microsoft.com/office/powerpoint/2010/main" val="1223870253"/>
+      </p:ext>
+    </p:extLst>
+  </p:cSld>
+  <p:clrMapOvr>
+    <a:masterClrMapping/>
+  </p:clrMapOvr>
+  <p:timing>
+    <p:tnLst>
+      <p:par>
+        <p:cTn id="1" dur="indefinite" restart="never" nodeType="tmRoot">
+          <p:childTnLst>
+            <p:seq concurrent="1" nextAc="seek">
+              <p:cTn id="2" dur="indefinite" nodeType="mainSeq">
+                <p:childTnLst>
+                  <p:par>
+                    <p:cTn id="3" fill="hold">
+                      <p:stCondLst>
+                        <p:cond delay="indefinite"/>
+                      </p:stCondLst>
+                      <p:childTnLst>
+                        <p:par>
+                          <p:cTn id="4" fill="hold">
+                            <p:stCondLst>
+                              <p:cond delay="0"/>
+                            </p:stCondLst>
+                            <p:childTnLst>
+                              <p:par>
+                                <p:cTn id="5" presetID="1" presetClass="entr" presetSubtype="0" fill="hold" grpId="0" nodeType="clickEffect">
+                                  <p:stCondLst>
+                                    <p:cond delay="0"/>
+                                  </p:stCondLst>
+                                  <p:childTnLst>
+                                    <p:set>
+                                      <p:cBhvr>
+                                        <p:cTn id="6" dur="1" fill="hold">
+                                          <p:stCondLst>
+                                            <p:cond delay="0"/>
+                                          </p:stCondLst>
+                                        </p:cTn>
+                                        <p:tgtEl>
+                                          <p:spTgt spid="38"/>
+                                        </p:tgtEl>
+                                        <p:attrNameLst>
+                                          <p:attrName>style.visibility</p:attrName>
+                                        </p:attrNameLst>
+                                      </p:cBhvr>
+                                      <p:to>
+                                        <p:strVal val="visible"/>
+                                      </p:to>
+                                    </p:set>
+                                  </p:childTnLst>
+                                </p:cTn>
+                              </p:par>
+                              <p:par>
+                                <p:cTn id="7" presetID="1" presetClass="entr" presetSubtype="0" fill="hold" grpId="0" nodeType="withEffect">
+                                  <p:stCondLst>
+                                    <p:cond delay="0"/>
+                                  </p:stCondLst>
+                                  <p:childTnLst>
+                                    <p:set>
+                                      <p:cBhvr>
+                                        <p:cTn id="8" dur="1" fill="hold">
+                                          <p:stCondLst>
+                                            <p:cond delay="0"/>
+                                          </p:stCondLst>
+                                        </p:cTn>
+                                        <p:tgtEl>
+                                          <p:spTgt spid="37"/>
+                                        </p:tgtEl>
+                                        <p:attrNameLst>
+                                          <p:attrName>style.visibility</p:attrName>
+                                        </p:attrNameLst>
+                                      </p:cBhvr>
+                                      <p:to>
+                                        <p:strVal val="visible"/>
+                                      </p:to>
+                                    </p:set>
+                                  </p:childTnLst>
+                                </p:cTn>
+                              </p:par>
+                            </p:childTnLst>
+                          </p:cTn>
+                        </p:par>
+                      </p:childTnLst>
+                    </p:cTn>
+                  </p:par>
+                  <p:par>
+                    <p:cTn id="9" fill="hold">
+                      <p:stCondLst>
+                        <p:cond delay="indefinite"/>
+                      </p:stCondLst>
+                      <p:childTnLst>
+                        <p:par>
+                          <p:cTn id="10" fill="hold">
+                            <p:stCondLst>
+                              <p:cond delay="0"/>
+                            </p:stCondLst>
+                            <p:childTnLst>
+                              <p:par>
+                                <p:cTn id="11" presetID="1" presetClass="entr" presetSubtype="0" fill="hold" grpId="0" nodeType="clickEffect">
+                                  <p:stCondLst>
+                                    <p:cond delay="0"/>
+                                  </p:stCondLst>
+                                  <p:childTnLst>
+                                    <p:set>
+                                      <p:cBhvr>
+                                        <p:cTn id="12" dur="1" fill="hold">
+                                          <p:stCondLst>
+                                            <p:cond delay="0"/>
+                                          </p:stCondLst>
+                                        </p:cTn>
+                                        <p:tgtEl>
+                                          <p:spTgt spid="36"/>
+                                        </p:tgtEl>
+                                        <p:attrNameLst>
+                                          <p:attrName>style.visibility</p:attrName>
+                                        </p:attrNameLst>
+                                      </p:cBhvr>
+                                      <p:to>
+                                        <p:strVal val="visible"/>
+                                      </p:to>
+                                    </p:set>
+                                  </p:childTnLst>
+                                </p:cTn>
+                              </p:par>
+                            </p:childTnLst>
+                          </p:cTn>
+                        </p:par>
+                      </p:childTnLst>
+                    </p:cTn>
+                  </p:par>
+                </p:childTnLst>
+              </p:cTn>
+              <p:prevCondLst>
+                <p:cond evt="onPrev" delay="0">
+                  <p:tgtEl>
+                    <p:sldTgt/>
+                  </p:tgtEl>
+                </p:cond>
+              </p:prevCondLst>
+              <p:nextCondLst>
+                <p:cond evt="onNext" delay="0">
+                  <p:tgtEl>
+                    <p:sldTgt/>
+                  </p:tgtEl>
+                </p:cond>
+              </p:nextCondLst>
+            </p:seq>
+          </p:childTnLst>
+        </p:cTn>
+      </p:par>
+    </p:tnLst>
+    <p:bldLst>
+      <p:bldP spid="36" grpId="0"/>
+      <p:bldP spid="37" grpId="0"/>
+      <p:bldP spid="38" grpId="0"/>
+    </p:bldLst>
+  </p:timing>
+</p:sld>
+</file>
+
 <file path=ppt/slides/slide9.xml><?xml version="1.0" encoding="utf-8"?>
 <p:sld xmlns:a="http://schemas.openxmlformats.org/drawingml/2006/main" xmlns:r="http://schemas.openxmlformats.org/officeDocument/2006/relationships" xmlns:p="http://schemas.openxmlformats.org/presentationml/2006/main">
   <p:cSld>
@@ -30134,12 +30284,51 @@
           <a:chExt cx="0" cy="0"/>
         </a:xfrm>
       </p:grpSpPr>
+      <p:sp>
+        <p:nvSpPr>
+          <p:cNvPr id="5" name="TextBox 4">
+            <a:extLst>
+              <a:ext uri="{FF2B5EF4-FFF2-40B4-BE49-F238E27FC236}">
+                <a16:creationId xmlns:a16="http://schemas.microsoft.com/office/drawing/2014/main" id="{47F5AA85-3323-4102-A946-D284FF5C5BE8}"/>
+              </a:ext>
+            </a:extLst>
+          </p:cNvPr>
+          <p:cNvSpPr txBox="1"/>
+          <p:nvPr/>
+        </p:nvSpPr>
+        <p:spPr>
+          <a:xfrm>
+            <a:off x="284481" y="2032907"/>
+            <a:ext cx="4124234" cy="1015663"/>
+          </a:xfrm>
+          <a:prstGeom prst="rect">
+            <a:avLst/>
+          </a:prstGeom>
+          <a:noFill/>
+        </p:spPr>
+        <p:txBody>
+          <a:bodyPr wrap="square" rtlCol="0">
+            <a:spAutoFit/>
+          </a:bodyPr>
+          <a:lstStyle/>
+          <a:p>
+            <a:r>
+              <a:rPr lang="en-US" sz="6000" dirty="0">
+                <a:solidFill>
+                  <a:schemeClr val="bg1"/>
+                </a:solidFill>
+              </a:rPr>
+              <a:t>Correlations:</a:t>
+            </a:r>
+          </a:p>
+        </p:txBody>
+      </p:sp>
       <p:pic>
         <p:nvPicPr>
-          <p:cNvPr id="25" name="Picture Placeholder 8" title="Decorative">
-            <a:extLst>
-              <a:ext uri="{FF2B5EF4-FFF2-40B4-BE49-F238E27FC236}">
-                <a16:creationId xmlns:a16="http://schemas.microsoft.com/office/drawing/2014/main" id="{D74F7EF0-D38A-419F-A943-89F88B5B7A4C}"/>
+          <p:cNvPr id="4" name="Picture 3">
+            <a:extLst>
+              <a:ext uri="{FF2B5EF4-FFF2-40B4-BE49-F238E27FC236}">
+                <a16:creationId xmlns:a16="http://schemas.microsoft.com/office/drawing/2014/main" id="{BD420869-4A42-4935-BB8A-1D81EA5B2388}"/>
               </a:ext>
             </a:extLst>
           </p:cNvPr>
@@ -30149,22 +30338,15 @@
           <p:nvPr/>
         </p:nvPicPr>
         <p:blipFill>
-          <a:blip r:embed="rId2" cstate="email">
-            <a:extLst>
-              <a:ext uri="{28A0092B-C50C-407E-A947-70E740481C1C}">
-                <a14:useLocalDpi xmlns:a14="http://schemas.microsoft.com/office/drawing/2010/main"/>
-              </a:ext>
-            </a:extLst>
-          </a:blip>
-          <a:srcRect/>
+          <a:blip r:embed="rId2"/>
           <a:stretch>
             <a:fillRect/>
           </a:stretch>
         </p:blipFill>
         <p:spPr>
           <a:xfrm>
-            <a:off x="496029" y="618256"/>
-            <a:ext cx="2611637" cy="2376494"/>
+            <a:off x="4344321" y="166123"/>
+            <a:ext cx="7694770" cy="6363193"/>
           </a:xfrm>
           <a:prstGeom prst="rect">
             <a:avLst/>
@@ -30173,418 +30355,152 @@
       </p:pic>
       <p:sp>
         <p:nvSpPr>
-          <p:cNvPr id="10" name="Title 9">
-            <a:extLst>
-              <a:ext uri="{FF2B5EF4-FFF2-40B4-BE49-F238E27FC236}">
-                <a16:creationId xmlns:a16="http://schemas.microsoft.com/office/drawing/2014/main" id="{55D4DC6B-E774-4C3D-9238-F200BD832071}"/>
-              </a:ext>
-            </a:extLst>
-          </p:cNvPr>
-          <p:cNvSpPr>
-            <a:spLocks noGrp="1"/>
-          </p:cNvSpPr>
-          <p:nvPr>
-            <p:ph type="title"/>
-          </p:nvPr>
-        </p:nvSpPr>
-        <p:spPr>
-          <a:xfrm>
-            <a:off x="841057" y="2234610"/>
-            <a:ext cx="4008437" cy="1395208"/>
-          </a:xfrm>
-        </p:spPr>
-        <p:txBody>
-          <a:bodyPr anchor="b">
-            <a:normAutofit/>
-          </a:bodyPr>
-          <a:lstStyle/>
-          <a:p>
-            <a:r>
-              <a:rPr lang="en-US" sz="3700"/>
-              <a:t>Recommendations</a:t>
-            </a:r>
-          </a:p>
-        </p:txBody>
-      </p:sp>
-      <p:sp>
-        <p:nvSpPr>
-          <p:cNvPr id="11" name="Text Placeholder 10">
-            <a:extLst>
-              <a:ext uri="{FF2B5EF4-FFF2-40B4-BE49-F238E27FC236}">
-                <a16:creationId xmlns:a16="http://schemas.microsoft.com/office/drawing/2014/main" id="{B39CAC7D-23C7-4EA4-AEA8-97EFE6B7F9A2}"/>
-              </a:ext>
-            </a:extLst>
-          </p:cNvPr>
-          <p:cNvSpPr>
-            <a:spLocks noGrp="1"/>
-          </p:cNvSpPr>
-          <p:nvPr>
-            <p:ph type="body" sz="quarter" idx="12"/>
-          </p:nvPr>
-        </p:nvSpPr>
-        <p:spPr>
-          <a:xfrm>
-            <a:off x="841058" y="3695479"/>
-            <a:ext cx="4008437" cy="602887"/>
-          </a:xfrm>
-        </p:spPr>
-        <p:txBody>
-          <a:bodyPr anchor="t">
-            <a:normAutofit/>
-          </a:bodyPr>
-          <a:lstStyle/>
-          <a:p>
-            <a:r>
-              <a:rPr lang="en-US" dirty="0"/>
-              <a:t>So now what?:</a:t>
-            </a:r>
-          </a:p>
-        </p:txBody>
-      </p:sp>
-      <p:pic>
-        <p:nvPicPr>
-          <p:cNvPr id="14" name="Picture Placeholder 13" descr="Playbook">
-            <a:extLst>
-              <a:ext uri="{FF2B5EF4-FFF2-40B4-BE49-F238E27FC236}">
-                <a16:creationId xmlns:a16="http://schemas.microsoft.com/office/drawing/2014/main" id="{17DBA397-400A-4C4A-A061-CF21548A4FAB}"/>
-              </a:ext>
-            </a:extLst>
-          </p:cNvPr>
-          <p:cNvPicPr>
-            <a:picLocks noGrp="1" noChangeAspect="1"/>
-          </p:cNvPicPr>
-          <p:nvPr>
-            <p:ph type="pic" sz="quarter" idx="13"/>
-          </p:nvPr>
-        </p:nvPicPr>
-        <p:blipFill rotWithShape="1">
-          <a:blip r:embed="rId3">
-            <a:extLst>
-              <a:ext uri="{96DAC541-7B7A-43D3-8B79-37D633B846F1}">
-                <asvg:svgBlip xmlns:asvg="http://schemas.microsoft.com/office/drawing/2016/SVG/main" r:embed="rId4"/>
-              </a:ext>
-            </a:extLst>
-          </a:blip>
-          <a:stretch/>
-        </p:blipFill>
-        <p:spPr>
-          <a:xfrm>
-            <a:off x="6744563" y="2275264"/>
-            <a:ext cx="973759" cy="973759"/>
-          </a:xfrm>
-        </p:spPr>
-      </p:pic>
-      <p:pic>
-        <p:nvPicPr>
-          <p:cNvPr id="16" name="Picture Placeholder 15" descr="Magnifying glass">
-            <a:extLst>
-              <a:ext uri="{FF2B5EF4-FFF2-40B4-BE49-F238E27FC236}">
-                <a16:creationId xmlns:a16="http://schemas.microsoft.com/office/drawing/2014/main" id="{911E5455-1362-4318-AEE8-E19830A8F53C}"/>
-              </a:ext>
-            </a:extLst>
-          </p:cNvPr>
-          <p:cNvPicPr>
-            <a:picLocks noGrp="1" noChangeAspect="1"/>
-          </p:cNvPicPr>
-          <p:nvPr>
-            <p:ph type="pic" sz="quarter" idx="14"/>
-          </p:nvPr>
-        </p:nvPicPr>
-        <p:blipFill rotWithShape="1">
-          <a:blip r:embed="rId5">
-            <a:extLst>
-              <a:ext uri="{96DAC541-7B7A-43D3-8B79-37D633B846F1}">
-                <asvg:svgBlip xmlns:asvg="http://schemas.microsoft.com/office/drawing/2016/SVG/main" r:embed="rId6"/>
-              </a:ext>
-            </a:extLst>
-          </a:blip>
-          <a:stretch/>
-        </p:blipFill>
-        <p:spPr>
-          <a:xfrm>
-            <a:off x="6744564" y="953776"/>
-            <a:ext cx="973759" cy="973759"/>
-          </a:xfrm>
-        </p:spPr>
-      </p:pic>
-      <p:pic>
-        <p:nvPicPr>
-          <p:cNvPr id="22" name="Picture Placeholder 21" descr="Target">
-            <a:extLst>
-              <a:ext uri="{FF2B5EF4-FFF2-40B4-BE49-F238E27FC236}">
-                <a16:creationId xmlns:a16="http://schemas.microsoft.com/office/drawing/2014/main" id="{22596A5B-50A4-4022-924A-1708A741F03E}"/>
-              </a:ext>
-            </a:extLst>
-          </p:cNvPr>
-          <p:cNvPicPr>
-            <a:picLocks noGrp="1" noChangeAspect="1"/>
-          </p:cNvPicPr>
-          <p:nvPr>
-            <p:ph type="pic" sz="quarter" idx="16"/>
-          </p:nvPr>
-        </p:nvPicPr>
-        <p:blipFill rotWithShape="1">
-          <a:blip r:embed="rId7">
-            <a:extLst>
-              <a:ext uri="{96DAC541-7B7A-43D3-8B79-37D633B846F1}">
-                <asvg:svgBlip xmlns:asvg="http://schemas.microsoft.com/office/drawing/2016/SVG/main" r:embed="rId8"/>
-              </a:ext>
-            </a:extLst>
-          </a:blip>
-          <a:srcRect t="81" b="81"/>
-          <a:stretch/>
-        </p:blipFill>
-        <p:spPr>
-          <a:xfrm>
-            <a:off x="6855627" y="3536021"/>
-            <a:ext cx="973759" cy="972181"/>
-          </a:xfrm>
-        </p:spPr>
-      </p:pic>
-      <p:sp>
-        <p:nvSpPr>
-          <p:cNvPr id="2" name="Text Placeholder 1">
-            <a:extLst>
-              <a:ext uri="{FF2B5EF4-FFF2-40B4-BE49-F238E27FC236}">
-                <a16:creationId xmlns:a16="http://schemas.microsoft.com/office/drawing/2014/main" id="{E283FD54-E6C7-4991-AF57-FE6535B82773}"/>
-              </a:ext>
-            </a:extLst>
-          </p:cNvPr>
-          <p:cNvSpPr>
-            <a:spLocks noGrp="1"/>
-          </p:cNvSpPr>
-          <p:nvPr>
-            <p:ph type="body" sz="quarter" idx="17"/>
-          </p:nvPr>
-        </p:nvSpPr>
-        <p:spPr>
-          <a:xfrm>
-            <a:off x="7718323" y="1074809"/>
-            <a:ext cx="3977648" cy="731694"/>
-          </a:xfrm>
-        </p:spPr>
-        <p:txBody>
-          <a:bodyPr anchor="ctr">
-            <a:normAutofit/>
-          </a:bodyPr>
-          <a:lstStyle/>
-          <a:p>
-            <a:r>
-              <a:rPr lang="en-US" sz="1600" b="1" dirty="0">
-                <a:solidFill>
-                  <a:schemeClr val="accent5">
-                    <a:lumMod val="75000"/>
-                    <a:lumOff val="25000"/>
-                  </a:schemeClr>
-                </a:solidFill>
-              </a:rPr>
-              <a:t>Use model to identify comments that are toxic in nature.</a:t>
-            </a:r>
-          </a:p>
-        </p:txBody>
-      </p:sp>
-      <p:sp>
-        <p:nvSpPr>
-          <p:cNvPr id="3" name="Text Placeholder 2">
-            <a:extLst>
-              <a:ext uri="{FF2B5EF4-FFF2-40B4-BE49-F238E27FC236}">
-                <a16:creationId xmlns:a16="http://schemas.microsoft.com/office/drawing/2014/main" id="{9AFC142F-5BBE-44FC-BCC8-C09A6F3558E6}"/>
-              </a:ext>
-            </a:extLst>
-          </p:cNvPr>
-          <p:cNvSpPr>
-            <a:spLocks noGrp="1"/>
-          </p:cNvSpPr>
-          <p:nvPr>
-            <p:ph type="body" sz="quarter" idx="18"/>
-          </p:nvPr>
-        </p:nvSpPr>
-        <p:spPr>
-          <a:xfrm>
-            <a:off x="7718323" y="2365537"/>
-            <a:ext cx="3977648" cy="731694"/>
-          </a:xfrm>
-        </p:spPr>
-        <p:txBody>
-          <a:bodyPr anchor="ctr">
-            <a:normAutofit/>
-          </a:bodyPr>
-          <a:lstStyle/>
-          <a:p>
-            <a:r>
-              <a:rPr lang="en-US" sz="1600" b="1" dirty="0">
-                <a:solidFill>
-                  <a:schemeClr val="accent5">
-                    <a:lumMod val="75000"/>
-                    <a:lumOff val="25000"/>
-                  </a:schemeClr>
-                </a:solidFill>
-              </a:rPr>
-              <a:t>Develop metrics and actionable plans for varying levels of toxicity</a:t>
-            </a:r>
-          </a:p>
-        </p:txBody>
-      </p:sp>
-      <p:sp>
-        <p:nvSpPr>
-          <p:cNvPr id="4" name="Text Placeholder 3">
-            <a:extLst>
-              <a:ext uri="{FF2B5EF4-FFF2-40B4-BE49-F238E27FC236}">
-                <a16:creationId xmlns:a16="http://schemas.microsoft.com/office/drawing/2014/main" id="{3302DD29-F241-4A45-9C84-25EF073180F7}"/>
-              </a:ext>
-            </a:extLst>
-          </p:cNvPr>
-          <p:cNvSpPr>
-            <a:spLocks noGrp="1"/>
-          </p:cNvSpPr>
-          <p:nvPr>
-            <p:ph type="body" sz="quarter" idx="19"/>
-          </p:nvPr>
-        </p:nvSpPr>
-        <p:spPr>
-          <a:xfrm>
-            <a:off x="7829386" y="3695479"/>
-            <a:ext cx="4149254" cy="731694"/>
-          </a:xfrm>
-        </p:spPr>
-        <p:txBody>
-          <a:bodyPr anchor="ctr">
-            <a:normAutofit fontScale="92500"/>
-          </a:bodyPr>
-          <a:lstStyle/>
-          <a:p>
-            <a:r>
-              <a:rPr lang="en-US" sz="1600" b="1" dirty="0">
-                <a:solidFill>
-                  <a:schemeClr val="accent5">
-                    <a:lumMod val="75000"/>
-                    <a:lumOff val="25000"/>
-                  </a:schemeClr>
-                </a:solidFill>
-              </a:rPr>
-              <a:t>Invest in future work to further develop existing models to specifically identify severe forms, targeting threats and identity based hate specifically</a:t>
-            </a:r>
-          </a:p>
-        </p:txBody>
-      </p:sp>
-      <p:sp>
-        <p:nvSpPr>
-          <p:cNvPr id="5" name="Text Placeholder 4">
-            <a:extLst>
-              <a:ext uri="{FF2B5EF4-FFF2-40B4-BE49-F238E27FC236}">
-                <a16:creationId xmlns:a16="http://schemas.microsoft.com/office/drawing/2014/main" id="{3BD89B92-B364-4000-8D59-2875AD0DC0D2}"/>
-              </a:ext>
-            </a:extLst>
-          </p:cNvPr>
-          <p:cNvSpPr>
-            <a:spLocks noGrp="1"/>
-          </p:cNvSpPr>
-          <p:nvPr>
-            <p:ph type="body" sz="quarter" idx="20"/>
-          </p:nvPr>
-        </p:nvSpPr>
-        <p:spPr>
-          <a:xfrm>
-            <a:off x="7829386" y="4840833"/>
-            <a:ext cx="3977648" cy="731694"/>
-          </a:xfrm>
-        </p:spPr>
-        <p:txBody>
-          <a:bodyPr anchor="ctr">
-            <a:normAutofit fontScale="92500" lnSpcReduction="10000"/>
-          </a:bodyPr>
-          <a:lstStyle/>
-          <a:p>
-            <a:r>
-              <a:rPr lang="en-US" sz="1800" b="1" dirty="0">
-                <a:solidFill>
-                  <a:schemeClr val="accent5">
-                    <a:lumMod val="75000"/>
-                    <a:lumOff val="25000"/>
-                  </a:schemeClr>
-                </a:solidFill>
-              </a:rPr>
-              <a:t>Research and implement best practices so that everyone feels comfortable sharing thoughts. </a:t>
-            </a:r>
-          </a:p>
-        </p:txBody>
-      </p:sp>
-      <p:pic>
-        <p:nvPicPr>
-          <p:cNvPr id="31" name="Graphic 30" descr="Smiling face with no fill">
-            <a:extLst>
-              <a:ext uri="{FF2B5EF4-FFF2-40B4-BE49-F238E27FC236}">
-                <a16:creationId xmlns:a16="http://schemas.microsoft.com/office/drawing/2014/main" id="{1AA98A27-3CB7-4468-9233-01EAE186E32A}"/>
-              </a:ext>
-            </a:extLst>
-          </p:cNvPr>
-          <p:cNvPicPr>
-            <a:picLocks noChangeAspect="1"/>
-          </p:cNvPicPr>
+          <p:cNvPr id="3" name="Oval 2">
+            <a:extLst>
+              <a:ext uri="{FF2B5EF4-FFF2-40B4-BE49-F238E27FC236}">
+                <a16:creationId xmlns:a16="http://schemas.microsoft.com/office/drawing/2014/main" id="{E795F0A9-5A29-4588-B548-E4446B4E61A6}"/>
+              </a:ext>
+            </a:extLst>
+          </p:cNvPr>
+          <p:cNvSpPr/>
           <p:nvPr/>
-        </p:nvPicPr>
-        <p:blipFill>
-          <a:blip r:embed="rId9">
-            <a:extLst>
-              <a:ext uri="{96DAC541-7B7A-43D3-8B79-37D633B846F1}">
-                <asvg:svgBlip xmlns:asvg="http://schemas.microsoft.com/office/drawing/2016/SVG/main" r:embed="rId10"/>
-              </a:ext>
-            </a:extLst>
-          </a:blip>
-          <a:stretch>
-            <a:fillRect/>
-          </a:stretch>
-        </p:blipFill>
-        <p:spPr>
-          <a:xfrm>
-            <a:off x="6844563" y="4749480"/>
-            <a:ext cx="914400" cy="914400"/>
-          </a:xfrm>
-          <a:prstGeom prst="rect">
+        </p:nvSpPr>
+        <p:spPr>
+          <a:xfrm>
+            <a:off x="5116007" y="2270759"/>
+            <a:ext cx="1121534" cy="1076960"/>
+          </a:xfrm>
+          <a:prstGeom prst="ellipse">
             <a:avLst/>
           </a:prstGeom>
-        </p:spPr>
-      </p:pic>
-      <p:pic>
-        <p:nvPicPr>
-          <p:cNvPr id="33" name="Graphic 32" descr="Glasses">
-            <a:extLst>
-              <a:ext uri="{FF2B5EF4-FFF2-40B4-BE49-F238E27FC236}">
-                <a16:creationId xmlns:a16="http://schemas.microsoft.com/office/drawing/2014/main" id="{B9C8922B-7148-44EC-802B-6FE090A68ABF}"/>
-              </a:ext>
-            </a:extLst>
-          </p:cNvPr>
-          <p:cNvPicPr>
-            <a:picLocks noChangeAspect="1"/>
-          </p:cNvPicPr>
+          <a:noFill/>
+          <a:ln w="41275"/>
+        </p:spPr>
+        <p:style>
+          <a:lnRef idx="2">
+            <a:schemeClr val="accent1">
+              <a:shade val="50000"/>
+            </a:schemeClr>
+          </a:lnRef>
+          <a:fillRef idx="1">
+            <a:schemeClr val="accent1"/>
+          </a:fillRef>
+          <a:effectRef idx="0">
+            <a:schemeClr val="accent1"/>
+          </a:effectRef>
+          <a:fontRef idx="minor">
+            <a:schemeClr val="lt1"/>
+          </a:fontRef>
+        </p:style>
+        <p:txBody>
+          <a:bodyPr rtlCol="0" anchor="ctr"/>
+          <a:lstStyle/>
+          <a:p>
+            <a:pPr algn="ctr"/>
+            <a:endParaRPr lang="en-US"/>
+          </a:p>
+        </p:txBody>
+      </p:sp>
+      <p:sp>
+        <p:nvSpPr>
+          <p:cNvPr id="8" name="Oval 7">
+            <a:extLst>
+              <a:ext uri="{FF2B5EF4-FFF2-40B4-BE49-F238E27FC236}">
+                <a16:creationId xmlns:a16="http://schemas.microsoft.com/office/drawing/2014/main" id="{8CEBC205-9F60-4339-A4E8-C2310A5FB813}"/>
+              </a:ext>
+            </a:extLst>
+          </p:cNvPr>
+          <p:cNvSpPr/>
           <p:nvPr/>
-        </p:nvPicPr>
-        <p:blipFill>
-          <a:blip r:embed="rId11">
-            <a:extLst>
-              <a:ext uri="{96DAC541-7B7A-43D3-8B79-37D633B846F1}">
-                <asvg:svgBlip xmlns:asvg="http://schemas.microsoft.com/office/drawing/2016/SVG/main" r:embed="rId12"/>
-              </a:ext>
-            </a:extLst>
-          </a:blip>
-          <a:stretch>
-            <a:fillRect/>
-          </a:stretch>
-        </p:blipFill>
-        <p:spPr>
-          <a:xfrm>
-            <a:off x="6972754" y="4813343"/>
-            <a:ext cx="658018" cy="658018"/>
-          </a:xfrm>
-          <a:prstGeom prst="rect">
+        </p:nvSpPr>
+        <p:spPr>
+          <a:xfrm>
+            <a:off x="5116007" y="3907748"/>
+            <a:ext cx="1121534" cy="1076960"/>
+          </a:xfrm>
+          <a:prstGeom prst="ellipse">
             <a:avLst/>
           </a:prstGeom>
-        </p:spPr>
-      </p:pic>
+          <a:noFill/>
+          <a:ln w="41275"/>
+        </p:spPr>
+        <p:style>
+          <a:lnRef idx="2">
+            <a:schemeClr val="accent1">
+              <a:shade val="50000"/>
+            </a:schemeClr>
+          </a:lnRef>
+          <a:fillRef idx="1">
+            <a:schemeClr val="accent1"/>
+          </a:fillRef>
+          <a:effectRef idx="0">
+            <a:schemeClr val="accent1"/>
+          </a:effectRef>
+          <a:fontRef idx="minor">
+            <a:schemeClr val="lt1"/>
+          </a:fontRef>
+        </p:style>
+        <p:txBody>
+          <a:bodyPr rtlCol="0" anchor="ctr"/>
+          <a:lstStyle/>
+          <a:p>
+            <a:pPr algn="ctr"/>
+            <a:endParaRPr lang="en-US"/>
+          </a:p>
+        </p:txBody>
+      </p:sp>
+      <p:sp>
+        <p:nvSpPr>
+          <p:cNvPr id="9" name="Oval 8">
+            <a:extLst>
+              <a:ext uri="{FF2B5EF4-FFF2-40B4-BE49-F238E27FC236}">
+                <a16:creationId xmlns:a16="http://schemas.microsoft.com/office/drawing/2014/main" id="{8EC00232-9744-41AC-B8E8-E7B3B7D24A9F}"/>
+              </a:ext>
+            </a:extLst>
+          </p:cNvPr>
+          <p:cNvSpPr/>
+          <p:nvPr/>
+        </p:nvSpPr>
+        <p:spPr>
+          <a:xfrm>
+            <a:off x="6927932" y="4008645"/>
+            <a:ext cx="1121534" cy="1076960"/>
+          </a:xfrm>
+          <a:prstGeom prst="ellipse">
+            <a:avLst/>
+          </a:prstGeom>
+          <a:noFill/>
+          <a:ln w="41275"/>
+        </p:spPr>
+        <p:style>
+          <a:lnRef idx="2">
+            <a:schemeClr val="accent1">
+              <a:shade val="50000"/>
+            </a:schemeClr>
+          </a:lnRef>
+          <a:fillRef idx="1">
+            <a:schemeClr val="accent1"/>
+          </a:fillRef>
+          <a:effectRef idx="0">
+            <a:schemeClr val="accent1"/>
+          </a:effectRef>
+          <a:fontRef idx="minor">
+            <a:schemeClr val="lt1"/>
+          </a:fontRef>
+        </p:style>
+        <p:txBody>
+          <a:bodyPr rtlCol="0" anchor="ctr"/>
+          <a:lstStyle/>
+          <a:p>
+            <a:pPr algn="ctr"/>
+            <a:endParaRPr lang="en-US"/>
+          </a:p>
+        </p:txBody>
+      </p:sp>
     </p:spTree>
     <p:extLst>
       <p:ext uri="{BB962C8B-B14F-4D97-AF65-F5344CB8AC3E}">
-        <p14:creationId xmlns:p14="http://schemas.microsoft.com/office/powerpoint/2010/main" val="4058259925"/>
+        <p14:creationId xmlns:p14="http://schemas.microsoft.com/office/powerpoint/2010/main" val="2290846230"/>
       </p:ext>
     </p:extLst>
   </p:cSld>
@@ -31646,16 +31562,16 @@
 <file path=customXml/itemProps2.xml><?xml version="1.0" encoding="utf-8"?>
 <ds:datastoreItem xmlns:ds="http://schemas.openxmlformats.org/officeDocument/2006/customXml" ds:itemID="{D0FE9C68-0C22-4EEC-B457-063807029368}">
   <ds:schemaRefs>
+    <ds:schemaRef ds:uri="http://schemas.microsoft.com/office/2006/documentManagement/types"/>
+    <ds:schemaRef ds:uri="http://purl.org/dc/terms/"/>
+    <ds:schemaRef ds:uri="http://www.w3.org/XML/1998/namespace"/>
+    <ds:schemaRef ds:uri="16c05727-aa75-4e4a-9b5f-8a80a1165891"/>
+    <ds:schemaRef ds:uri="http://purl.org/dc/dcmitype/"/>
+    <ds:schemaRef ds:uri="http://purl.org/dc/elements/1.1/"/>
+    <ds:schemaRef ds:uri="http://schemas.microsoft.com/office/infopath/2007/PartnerControls"/>
+    <ds:schemaRef ds:uri="http://schemas.openxmlformats.org/package/2006/metadata/core-properties"/>
+    <ds:schemaRef ds:uri="71af3243-3dd4-4a8d-8c0d-dd76da1f02a5"/>
     <ds:schemaRef ds:uri="http://schemas.microsoft.com/office/2006/metadata/properties"/>
-    <ds:schemaRef ds:uri="http://purl.org/dc/elements/1.1/"/>
-    <ds:schemaRef ds:uri="http://purl.org/dc/dcmitype/"/>
-    <ds:schemaRef ds:uri="71af3243-3dd4-4a8d-8c0d-dd76da1f02a5"/>
-    <ds:schemaRef ds:uri="http://schemas.microsoft.com/office/infopath/2007/PartnerControls"/>
-    <ds:schemaRef ds:uri="http://www.w3.org/XML/1998/namespace"/>
-    <ds:schemaRef ds:uri="http://schemas.microsoft.com/office/2006/documentManagement/types"/>
-    <ds:schemaRef ds:uri="http://schemas.openxmlformats.org/package/2006/metadata/core-properties"/>
-    <ds:schemaRef ds:uri="16c05727-aa75-4e4a-9b5f-8a80a1165891"/>
-    <ds:schemaRef ds:uri="http://purl.org/dc/terms/"/>
   </ds:schemaRefs>
 </ds:datastoreItem>
 </file>

--- a/NonToxic_Communication.pptx
+++ b/NonToxic_Communication.pptx
@@ -245,7 +245,7 @@
           <a:p>
             <a:fld id="{0248B25D-8766-427E-8C9E-4845048D8DFC}" type="datetimeFigureOut">
               <a:rPr lang="en-US" smtClean="0"/>
-              <a:t>6/29/2020</a:t>
+              <a:t>6/30/2020</a:t>
             </a:fld>
             <a:endParaRPr lang="en-US" dirty="0"/>
           </a:p>
@@ -422,7 +422,7 @@
           <a:p>
             <a:fld id="{426F439B-391B-4B41-826A-951FCF412C34}" type="datetimeFigureOut">
               <a:rPr lang="en-US" smtClean="0"/>
-              <a:t>6/29/2020</a:t>
+              <a:t>6/30/2020</a:t>
             </a:fld>
             <a:endParaRPr lang="en-US" dirty="0"/>
           </a:p>
@@ -10805,7 +10805,7 @@
             </a:ln>
             <a:extLst>
               <a:ext uri="{C572A759-6A51-4108-AA02-DFA0A04FC94B}">
-                <ma14:wrappingTextBoxFlag xmlns="" xmlns:ma14="http://schemas.microsoft.com/office/mac/drawingml/2011/main" val="1"/>
+                <ma14:wrappingTextBoxFlag xmlns:ma14="http://schemas.microsoft.com/office/mac/drawingml/2011/main" xmlns="" val="1"/>
               </a:ext>
             </a:extLst>
           </p:spPr>
@@ -11041,7 +11041,7 @@
             </a:ln>
             <a:extLst>
               <a:ext uri="{C572A759-6A51-4108-AA02-DFA0A04FC94B}">
-                <ma14:wrappingTextBoxFlag xmlns="" xmlns:ma14="http://schemas.microsoft.com/office/mac/drawingml/2011/main" val="1"/>
+                <ma14:wrappingTextBoxFlag xmlns:ma14="http://schemas.microsoft.com/office/mac/drawingml/2011/main" xmlns="" val="1"/>
               </a:ext>
             </a:extLst>
           </p:spPr>
@@ -11277,7 +11277,7 @@
             </a:ln>
             <a:extLst>
               <a:ext uri="{C572A759-6A51-4108-AA02-DFA0A04FC94B}">
-                <ma14:wrappingTextBoxFlag xmlns="" xmlns:ma14="http://schemas.microsoft.com/office/mac/drawingml/2011/main" val="1"/>
+                <ma14:wrappingTextBoxFlag xmlns:ma14="http://schemas.microsoft.com/office/mac/drawingml/2011/main" xmlns="" val="1"/>
               </a:ext>
             </a:extLst>
           </p:spPr>
@@ -24831,8 +24831,12 @@
             </a:r>
             <a:r>
               <a:rPr lang="en-US" sz="1600" dirty="0"/>
-              <a:t>’ as it ‘learns’ patterns </a:t>
-            </a:r>
+              <a:t>’ as it learns patterns </a:t>
+            </a:r>
+            <a:br>
+              <a:rPr lang="en-US" sz="1600" dirty="0"/>
+            </a:br>
+            <a:endParaRPr lang="en-US" sz="1600" dirty="0"/>
           </a:p>
         </p:txBody>
       </p:sp>
@@ -31302,6 +31306,15 @@
 </file>
 
 <file path=customXml/item1.xml><?xml version="1.0" encoding="utf-8"?>
+<p:properties xmlns:p="http://schemas.microsoft.com/office/2006/metadata/properties" xmlns:xsi="http://www.w3.org/2001/XMLSchema-instance" xmlns:pc="http://schemas.microsoft.com/office/infopath/2007/PartnerControls">
+  <documentManagement>
+    <Status xmlns="71af3243-3dd4-4a8d-8c0d-dd76da1f02a5">Not started</Status>
+    <MediaServiceKeyPoints xmlns="71af3243-3dd4-4a8d-8c0d-dd76da1f02a5" xsi:nil="true"/>
+  </documentManagement>
+</p:properties>
+</file>
+
+<file path=customXml/item2.xml><?xml version="1.0" encoding="utf-8"?>
 <ct:contentTypeSchema xmlns:ct="http://schemas.microsoft.com/office/2006/metadata/contentType" xmlns:ma="http://schemas.microsoft.com/office/2006/metadata/properties/metaAttributes" ct:_="" ma:_="" ma:contentTypeName="Document" ma:contentTypeID="0x01010079F111ED35F8CC479449609E8A0923A6" ma:contentTypeVersion="12" ma:contentTypeDescription="Create a new document." ma:contentTypeScope="" ma:versionID="f9fc9171bb41dc08635275f351de8590">
   <xsd:schema xmlns:xsd="http://www.w3.org/2001/XMLSchema" xmlns:xs="http://www.w3.org/2001/XMLSchema" xmlns:p="http://schemas.microsoft.com/office/2006/metadata/properties" xmlns:ns2="71af3243-3dd4-4a8d-8c0d-dd76da1f02a5" xmlns:ns3="16c05727-aa75-4e4a-9b5f-8a80a1165891" targetNamespace="http://schemas.microsoft.com/office/2006/metadata/properties" ma:root="true" ma:fieldsID="29387215989a890c06011de04edfe97d" ns2:_="" ns3:_="">
     <xsd:import namespace="71af3243-3dd4-4a8d-8c0d-dd76da1f02a5"/>
@@ -31522,15 +31535,6 @@
 </ct:contentTypeSchema>
 </file>
 
-<file path=customXml/item2.xml><?xml version="1.0" encoding="utf-8"?>
-<p:properties xmlns:p="http://schemas.microsoft.com/office/2006/metadata/properties" xmlns:xsi="http://www.w3.org/2001/XMLSchema-instance" xmlns:pc="http://schemas.microsoft.com/office/infopath/2007/PartnerControls">
-  <documentManagement>
-    <Status xmlns="71af3243-3dd4-4a8d-8c0d-dd76da1f02a5">Not started</Status>
-    <MediaServiceKeyPoints xmlns="71af3243-3dd4-4a8d-8c0d-dd76da1f02a5" xsi:nil="true"/>
-  </documentManagement>
-</p:properties>
-</file>
-
 <file path=customXml/item3.xml><?xml version="1.0" encoding="utf-8"?>
 <?mso-contentType ?>
 <FormTemplates xmlns="http://schemas.microsoft.com/sharepoint/v3/contenttype/forms">
@@ -31541,6 +31545,23 @@
 </file>
 
 <file path=customXml/itemProps1.xml><?xml version="1.0" encoding="utf-8"?>
+<ds:datastoreItem xmlns:ds="http://schemas.openxmlformats.org/officeDocument/2006/customXml" ds:itemID="{D0FE9C68-0C22-4EEC-B457-063807029368}">
+  <ds:schemaRefs>
+    <ds:schemaRef ds:uri="http://schemas.microsoft.com/office/2006/documentManagement/types"/>
+    <ds:schemaRef ds:uri="http://purl.org/dc/terms/"/>
+    <ds:schemaRef ds:uri="http://www.w3.org/XML/1998/namespace"/>
+    <ds:schemaRef ds:uri="16c05727-aa75-4e4a-9b5f-8a80a1165891"/>
+    <ds:schemaRef ds:uri="http://purl.org/dc/dcmitype/"/>
+    <ds:schemaRef ds:uri="http://purl.org/dc/elements/1.1/"/>
+    <ds:schemaRef ds:uri="http://schemas.microsoft.com/office/infopath/2007/PartnerControls"/>
+    <ds:schemaRef ds:uri="http://schemas.openxmlformats.org/package/2006/metadata/core-properties"/>
+    <ds:schemaRef ds:uri="71af3243-3dd4-4a8d-8c0d-dd76da1f02a5"/>
+    <ds:schemaRef ds:uri="http://schemas.microsoft.com/office/2006/metadata/properties"/>
+  </ds:schemaRefs>
+</ds:datastoreItem>
+</file>
+
+<file path=customXml/itemProps2.xml><?xml version="1.0" encoding="utf-8"?>
 <ds:datastoreItem xmlns:ds="http://schemas.openxmlformats.org/officeDocument/2006/customXml" ds:itemID="{A843D30A-FE5A-4A75-9AAA-C9B333E4865F}">
   <ds:schemaRefs>
     <ds:schemaRef ds:uri="http://schemas.microsoft.com/office/2006/metadata/contentType"/>
@@ -31559,23 +31580,6 @@
 </ds:datastoreItem>
 </file>
 
-<file path=customXml/itemProps2.xml><?xml version="1.0" encoding="utf-8"?>
-<ds:datastoreItem xmlns:ds="http://schemas.openxmlformats.org/officeDocument/2006/customXml" ds:itemID="{D0FE9C68-0C22-4EEC-B457-063807029368}">
-  <ds:schemaRefs>
-    <ds:schemaRef ds:uri="http://schemas.microsoft.com/office/2006/documentManagement/types"/>
-    <ds:schemaRef ds:uri="http://purl.org/dc/terms/"/>
-    <ds:schemaRef ds:uri="http://www.w3.org/XML/1998/namespace"/>
-    <ds:schemaRef ds:uri="16c05727-aa75-4e4a-9b5f-8a80a1165891"/>
-    <ds:schemaRef ds:uri="http://purl.org/dc/dcmitype/"/>
-    <ds:schemaRef ds:uri="http://purl.org/dc/elements/1.1/"/>
-    <ds:schemaRef ds:uri="http://schemas.microsoft.com/office/infopath/2007/PartnerControls"/>
-    <ds:schemaRef ds:uri="http://schemas.openxmlformats.org/package/2006/metadata/core-properties"/>
-    <ds:schemaRef ds:uri="71af3243-3dd4-4a8d-8c0d-dd76da1f02a5"/>
-    <ds:schemaRef ds:uri="http://schemas.microsoft.com/office/2006/metadata/properties"/>
-  </ds:schemaRefs>
-</ds:datastoreItem>
-</file>
-
 <file path=customXml/itemProps3.xml><?xml version="1.0" encoding="utf-8"?>
 <ds:datastoreItem xmlns:ds="http://schemas.openxmlformats.org/officeDocument/2006/customXml" ds:itemID="{5E8B52BE-6787-403E-A094-B18CEB016691}">
   <ds:schemaRefs>

--- a/NonToxic_Communication.pptx
+++ b/NonToxic_Communication.pptx
@@ -245,7 +245,7 @@
           <a:p>
             <a:fld id="{0248B25D-8766-427E-8C9E-4845048D8DFC}" type="datetimeFigureOut">
               <a:rPr lang="en-US" smtClean="0"/>
-              <a:t>6/30/2020</a:t>
+              <a:t>10/7/2020</a:t>
             </a:fld>
             <a:endParaRPr lang="en-US" dirty="0"/>
           </a:p>
@@ -422,7 +422,7 @@
           <a:p>
             <a:fld id="{426F439B-391B-4B41-826A-951FCF412C34}" type="datetimeFigureOut">
               <a:rPr lang="en-US" smtClean="0"/>
-              <a:t>6/30/2020</a:t>
+              <a:t>10/7/2020</a:t>
             </a:fld>
             <a:endParaRPr lang="en-US" dirty="0"/>
           </a:p>
@@ -21576,13 +21576,13 @@
         </p:spPr>
         <p:txBody>
           <a:bodyPr>
-            <a:normAutofit/>
+            <a:normAutofit fontScale="92500"/>
           </a:bodyPr>
           <a:lstStyle/>
           <a:p>
             <a:r>
               <a:rPr lang="en-US" dirty="0"/>
-              <a:t>Using Natural Language Processing to identify toxic speech</a:t>
+              <a:t>Using Natural Language Processing to Identify Toxic Language</a:t>
             </a:r>
           </a:p>
           <a:p>
@@ -22202,7 +22202,7 @@
                   <a:srgbClr val="002060"/>
                 </a:solidFill>
               </a:rPr>
-              <a:t>targeting threats and identity based hate specifically</a:t>
+              <a:t>targeting threats and identity-based hate specifically</a:t>
             </a:r>
             <a:endParaRPr lang="en-US" sz="1600" b="1" dirty="0">
               <a:solidFill>
@@ -22530,7 +22530,7 @@
           <a:p>
             <a:r>
               <a:rPr lang="en-US" dirty="0"/>
-              <a:t>Hopefully collective work can help everyone express themselves in more meaningful.</a:t>
+              <a:t>Thankfully the most severe types of toxic comments are less frequent. In some situations, speech can constitute a crime, such as in the case of criminal threats. </a:t>
             </a:r>
           </a:p>
           <a:p>
@@ -22545,7 +22545,7 @@
           <a:p>
             <a:r>
               <a:rPr lang="en-US" dirty="0"/>
-              <a:t>Thankfully the most severe types of toxic comments are less frequent. In some situations, speech can constitute a crime, such as in the case of criminal threats. </a:t>
+              <a:t>Hopefully, collective work can help everyone express themselves in more meaningful ways.</a:t>
             </a:r>
           </a:p>
           <a:p>
@@ -27171,7 +27171,7 @@
           <p:nvPr>
             <p:extLst>
               <p:ext uri="{D42A27DB-BD31-4B8C-83A1-F6EECF244321}">
-                <p14:modId xmlns:p14="http://schemas.microsoft.com/office/powerpoint/2010/main" val="588710925"/>
+                <p14:modId xmlns:p14="http://schemas.microsoft.com/office/powerpoint/2010/main" val="1106241969"/>
               </p:ext>
             </p:extLst>
           </p:nvPr>
@@ -27185,14 +27185,14 @@
             <a:tbl>
               <a:tblPr/>
               <a:tblGrid>
-                <a:gridCol w="1441516">
+                <a:gridCol w="1175809">
                   <a:extLst>
                     <a:ext uri="{9D8B030D-6E8A-4147-A177-3AD203B41FA5}">
                       <a16:colId xmlns:a16="http://schemas.microsoft.com/office/drawing/2014/main" val="622717998"/>
                     </a:ext>
                   </a:extLst>
                 </a:gridCol>
-                <a:gridCol w="1599183">
+                <a:gridCol w="1864890">
                   <a:extLst>
                     <a:ext uri="{9D8B030D-6E8A-4147-A177-3AD203B41FA5}">
                       <a16:colId xmlns:a16="http://schemas.microsoft.com/office/drawing/2014/main" val="3258729050"/>
@@ -29404,7 +29404,7 @@
         </p:nvSpPr>
         <p:spPr>
           <a:xfrm>
-            <a:off x="9328329" y="6042729"/>
+            <a:off x="9292223" y="6035606"/>
             <a:ext cx="295732" cy="159247"/>
           </a:xfrm>
           <a:prstGeom prst="ellipse">
@@ -29696,7 +29696,7 @@
         </p:nvSpPr>
         <p:spPr>
           <a:xfrm>
-            <a:off x="6014720" y="5814724"/>
+            <a:off x="6014720" y="5640440"/>
             <a:ext cx="223520" cy="182880"/>
           </a:xfrm>
           <a:prstGeom prst="ellipse">
@@ -31547,16 +31547,16 @@
 <file path=customXml/itemProps1.xml><?xml version="1.0" encoding="utf-8"?>
 <ds:datastoreItem xmlns:ds="http://schemas.openxmlformats.org/officeDocument/2006/customXml" ds:itemID="{D0FE9C68-0C22-4EEC-B457-063807029368}">
   <ds:schemaRefs>
+    <ds:schemaRef ds:uri="http://schemas.openxmlformats.org/package/2006/metadata/core-properties"/>
+    <ds:schemaRef ds:uri="http://purl.org/dc/elements/1.1/"/>
+    <ds:schemaRef ds:uri="16c05727-aa75-4e4a-9b5f-8a80a1165891"/>
+    <ds:schemaRef ds:uri="71af3243-3dd4-4a8d-8c0d-dd76da1f02a5"/>
+    <ds:schemaRef ds:uri="http://www.w3.org/XML/1998/namespace"/>
+    <ds:schemaRef ds:uri="http://purl.org/dc/dcmitype/"/>
     <ds:schemaRef ds:uri="http://schemas.microsoft.com/office/2006/documentManagement/types"/>
+    <ds:schemaRef ds:uri="http://schemas.microsoft.com/office/infopath/2007/PartnerControls"/>
+    <ds:schemaRef ds:uri="http://schemas.microsoft.com/office/2006/metadata/properties"/>
     <ds:schemaRef ds:uri="http://purl.org/dc/terms/"/>
-    <ds:schemaRef ds:uri="http://www.w3.org/XML/1998/namespace"/>
-    <ds:schemaRef ds:uri="16c05727-aa75-4e4a-9b5f-8a80a1165891"/>
-    <ds:schemaRef ds:uri="http://purl.org/dc/dcmitype/"/>
-    <ds:schemaRef ds:uri="http://purl.org/dc/elements/1.1/"/>
-    <ds:schemaRef ds:uri="http://schemas.microsoft.com/office/infopath/2007/PartnerControls"/>
-    <ds:schemaRef ds:uri="http://schemas.openxmlformats.org/package/2006/metadata/core-properties"/>
-    <ds:schemaRef ds:uri="71af3243-3dd4-4a8d-8c0d-dd76da1f02a5"/>
-    <ds:schemaRef ds:uri="http://schemas.microsoft.com/office/2006/metadata/properties"/>
   </ds:schemaRefs>
 </ds:datastoreItem>
 </file>

--- a/NonToxic_Communication.pptx
+++ b/NonToxic_Communication.pptx
@@ -245,7 +245,7 @@
           <a:p>
             <a:fld id="{0248B25D-8766-427E-8C9E-4845048D8DFC}" type="datetimeFigureOut">
               <a:rPr lang="en-US" smtClean="0"/>
-              <a:t>10/7/2020</a:t>
+              <a:t>3/17/2021</a:t>
             </a:fld>
             <a:endParaRPr lang="en-US" dirty="0"/>
           </a:p>
@@ -422,7 +422,7 @@
           <a:p>
             <a:fld id="{426F439B-391B-4B41-826A-951FCF412C34}" type="datetimeFigureOut">
               <a:rPr lang="en-US" smtClean="0"/>
-              <a:t>10/7/2020</a:t>
+              <a:t>3/17/2021</a:t>
             </a:fld>
             <a:endParaRPr lang="en-US" dirty="0"/>
           </a:p>
@@ -10805,7 +10805,7 @@
             </a:ln>
             <a:extLst>
               <a:ext uri="{C572A759-6A51-4108-AA02-DFA0A04FC94B}">
-                <ma14:wrappingTextBoxFlag xmlns:ma14="http://schemas.microsoft.com/office/mac/drawingml/2011/main" xmlns="" val="1"/>
+                <ma14:wrappingTextBoxFlag xmlns="" xmlns:ma14="http://schemas.microsoft.com/office/mac/drawingml/2011/main" val="1"/>
               </a:ext>
             </a:extLst>
           </p:spPr>
@@ -11041,7 +11041,7 @@
             </a:ln>
             <a:extLst>
               <a:ext uri="{C572A759-6A51-4108-AA02-DFA0A04FC94B}">
-                <ma14:wrappingTextBoxFlag xmlns:ma14="http://schemas.microsoft.com/office/mac/drawingml/2011/main" xmlns="" val="1"/>
+                <ma14:wrappingTextBoxFlag xmlns="" xmlns:ma14="http://schemas.microsoft.com/office/mac/drawingml/2011/main" val="1"/>
               </a:ext>
             </a:extLst>
           </p:spPr>
@@ -11277,7 +11277,7 @@
             </a:ln>
             <a:extLst>
               <a:ext uri="{C572A759-6A51-4108-AA02-DFA0A04FC94B}">
-                <ma14:wrappingTextBoxFlag xmlns:ma14="http://schemas.microsoft.com/office/mac/drawingml/2011/main" xmlns="" val="1"/>
+                <ma14:wrappingTextBoxFlag xmlns="" xmlns:ma14="http://schemas.microsoft.com/office/mac/drawingml/2011/main" val="1"/>
               </a:ext>
             </a:extLst>
           </p:spPr>
@@ -31306,12 +31306,12 @@
 </file>
 
 <file path=customXml/item1.xml><?xml version="1.0" encoding="utf-8"?>
-<p:properties xmlns:p="http://schemas.microsoft.com/office/2006/metadata/properties" xmlns:xsi="http://www.w3.org/2001/XMLSchema-instance" xmlns:pc="http://schemas.microsoft.com/office/infopath/2007/PartnerControls">
-  <documentManagement>
-    <Status xmlns="71af3243-3dd4-4a8d-8c0d-dd76da1f02a5">Not started</Status>
-    <MediaServiceKeyPoints xmlns="71af3243-3dd4-4a8d-8c0d-dd76da1f02a5" xsi:nil="true"/>
-  </documentManagement>
-</p:properties>
+<?mso-contentType ?>
+<FormTemplates xmlns="http://schemas.microsoft.com/sharepoint/v3/contenttype/forms">
+  <Display>DocumentLibraryForm</Display>
+  <Edit>DocumentLibraryForm</Edit>
+  <New>DocumentLibraryForm</New>
+</FormTemplates>
 </file>
 
 <file path=customXml/item2.xml><?xml version="1.0" encoding="utf-8"?>
@@ -31536,27 +31536,18 @@
 </file>
 
 <file path=customXml/item3.xml><?xml version="1.0" encoding="utf-8"?>
-<?mso-contentType ?>
-<FormTemplates xmlns="http://schemas.microsoft.com/sharepoint/v3/contenttype/forms">
-  <Display>DocumentLibraryForm</Display>
-  <Edit>DocumentLibraryForm</Edit>
-  <New>DocumentLibraryForm</New>
-</FormTemplates>
+<p:properties xmlns:p="http://schemas.microsoft.com/office/2006/metadata/properties" xmlns:xsi="http://www.w3.org/2001/XMLSchema-instance" xmlns:pc="http://schemas.microsoft.com/office/infopath/2007/PartnerControls">
+  <documentManagement>
+    <Status xmlns="71af3243-3dd4-4a8d-8c0d-dd76da1f02a5">Not started</Status>
+    <MediaServiceKeyPoints xmlns="71af3243-3dd4-4a8d-8c0d-dd76da1f02a5" xsi:nil="true"/>
+  </documentManagement>
+</p:properties>
 </file>
 
 <file path=customXml/itemProps1.xml><?xml version="1.0" encoding="utf-8"?>
-<ds:datastoreItem xmlns:ds="http://schemas.openxmlformats.org/officeDocument/2006/customXml" ds:itemID="{D0FE9C68-0C22-4EEC-B457-063807029368}">
+<ds:datastoreItem xmlns:ds="http://schemas.openxmlformats.org/officeDocument/2006/customXml" ds:itemID="{5E8B52BE-6787-403E-A094-B18CEB016691}">
   <ds:schemaRefs>
-    <ds:schemaRef ds:uri="http://schemas.openxmlformats.org/package/2006/metadata/core-properties"/>
-    <ds:schemaRef ds:uri="http://purl.org/dc/elements/1.1/"/>
-    <ds:schemaRef ds:uri="16c05727-aa75-4e4a-9b5f-8a80a1165891"/>
-    <ds:schemaRef ds:uri="71af3243-3dd4-4a8d-8c0d-dd76da1f02a5"/>
-    <ds:schemaRef ds:uri="http://www.w3.org/XML/1998/namespace"/>
-    <ds:schemaRef ds:uri="http://purl.org/dc/dcmitype/"/>
-    <ds:schemaRef ds:uri="http://schemas.microsoft.com/office/2006/documentManagement/types"/>
-    <ds:schemaRef ds:uri="http://schemas.microsoft.com/office/infopath/2007/PartnerControls"/>
-    <ds:schemaRef ds:uri="http://schemas.microsoft.com/office/2006/metadata/properties"/>
-    <ds:schemaRef ds:uri="http://purl.org/dc/terms/"/>
+    <ds:schemaRef ds:uri="http://schemas.microsoft.com/sharepoint/v3/contenttype/forms"/>
   </ds:schemaRefs>
 </ds:datastoreItem>
 </file>
@@ -31581,9 +31572,18 @@
 </file>
 
 <file path=customXml/itemProps3.xml><?xml version="1.0" encoding="utf-8"?>
-<ds:datastoreItem xmlns:ds="http://schemas.openxmlformats.org/officeDocument/2006/customXml" ds:itemID="{5E8B52BE-6787-403E-A094-B18CEB016691}">
+<ds:datastoreItem xmlns:ds="http://schemas.openxmlformats.org/officeDocument/2006/customXml" ds:itemID="{D0FE9C68-0C22-4EEC-B457-063807029368}">
   <ds:schemaRefs>
-    <ds:schemaRef ds:uri="http://schemas.microsoft.com/sharepoint/v3/contenttype/forms"/>
+    <ds:schemaRef ds:uri="http://schemas.openxmlformats.org/package/2006/metadata/core-properties"/>
+    <ds:schemaRef ds:uri="http://purl.org/dc/elements/1.1/"/>
+    <ds:schemaRef ds:uri="16c05727-aa75-4e4a-9b5f-8a80a1165891"/>
+    <ds:schemaRef ds:uri="71af3243-3dd4-4a8d-8c0d-dd76da1f02a5"/>
+    <ds:schemaRef ds:uri="http://www.w3.org/XML/1998/namespace"/>
+    <ds:schemaRef ds:uri="http://purl.org/dc/dcmitype/"/>
+    <ds:schemaRef ds:uri="http://schemas.microsoft.com/office/2006/documentManagement/types"/>
+    <ds:schemaRef ds:uri="http://schemas.microsoft.com/office/infopath/2007/PartnerControls"/>
+    <ds:schemaRef ds:uri="http://schemas.microsoft.com/office/2006/metadata/properties"/>
+    <ds:schemaRef ds:uri="http://purl.org/dc/terms/"/>
   </ds:schemaRefs>
 </ds:datastoreItem>
 </file>